--- a/Client/PvE/REVENGER/UI/XDUI/UI.pptx
+++ b/Client/PvE/REVENGER/UI/XDUI/UI.pptx
@@ -259,7 +259,7 @@
           <a:p>
             <a:fld id="{E54CAA87-A1E0-4A2A-8255-07B10906445F}" type="datetimeFigureOut">
               <a:rPr lang="ko-KR" altLang="en-US" smtClean="0"/>
-              <a:t>2023-05-29</a:t>
+              <a:t>2023-06-07</a:t>
             </a:fld>
             <a:endParaRPr lang="ko-KR" altLang="en-US"/>
           </a:p>
@@ -457,7 +457,7 @@
           <a:p>
             <a:fld id="{E54CAA87-A1E0-4A2A-8255-07B10906445F}" type="datetimeFigureOut">
               <a:rPr lang="ko-KR" altLang="en-US" smtClean="0"/>
-              <a:t>2023-05-29</a:t>
+              <a:t>2023-06-07</a:t>
             </a:fld>
             <a:endParaRPr lang="ko-KR" altLang="en-US"/>
           </a:p>
@@ -665,7 +665,7 @@
           <a:p>
             <a:fld id="{E54CAA87-A1E0-4A2A-8255-07B10906445F}" type="datetimeFigureOut">
               <a:rPr lang="ko-KR" altLang="en-US" smtClean="0"/>
-              <a:t>2023-05-29</a:t>
+              <a:t>2023-06-07</a:t>
             </a:fld>
             <a:endParaRPr lang="ko-KR" altLang="en-US"/>
           </a:p>
@@ -863,7 +863,7 @@
           <a:p>
             <a:fld id="{E54CAA87-A1E0-4A2A-8255-07B10906445F}" type="datetimeFigureOut">
               <a:rPr lang="ko-KR" altLang="en-US" smtClean="0"/>
-              <a:t>2023-05-29</a:t>
+              <a:t>2023-06-07</a:t>
             </a:fld>
             <a:endParaRPr lang="ko-KR" altLang="en-US"/>
           </a:p>
@@ -1138,7 +1138,7 @@
           <a:p>
             <a:fld id="{E54CAA87-A1E0-4A2A-8255-07B10906445F}" type="datetimeFigureOut">
               <a:rPr lang="ko-KR" altLang="en-US" smtClean="0"/>
-              <a:t>2023-05-29</a:t>
+              <a:t>2023-06-07</a:t>
             </a:fld>
             <a:endParaRPr lang="ko-KR" altLang="en-US"/>
           </a:p>
@@ -1403,7 +1403,7 @@
           <a:p>
             <a:fld id="{E54CAA87-A1E0-4A2A-8255-07B10906445F}" type="datetimeFigureOut">
               <a:rPr lang="ko-KR" altLang="en-US" smtClean="0"/>
-              <a:t>2023-05-29</a:t>
+              <a:t>2023-06-07</a:t>
             </a:fld>
             <a:endParaRPr lang="ko-KR" altLang="en-US"/>
           </a:p>
@@ -1815,7 +1815,7 @@
           <a:p>
             <a:fld id="{E54CAA87-A1E0-4A2A-8255-07B10906445F}" type="datetimeFigureOut">
               <a:rPr lang="ko-KR" altLang="en-US" smtClean="0"/>
-              <a:t>2023-05-29</a:t>
+              <a:t>2023-06-07</a:t>
             </a:fld>
             <a:endParaRPr lang="ko-KR" altLang="en-US"/>
           </a:p>
@@ -1956,7 +1956,7 @@
           <a:p>
             <a:fld id="{E54CAA87-A1E0-4A2A-8255-07B10906445F}" type="datetimeFigureOut">
               <a:rPr lang="ko-KR" altLang="en-US" smtClean="0"/>
-              <a:t>2023-05-29</a:t>
+              <a:t>2023-06-07</a:t>
             </a:fld>
             <a:endParaRPr lang="ko-KR" altLang="en-US"/>
           </a:p>
@@ -2069,7 +2069,7 @@
           <a:p>
             <a:fld id="{E54CAA87-A1E0-4A2A-8255-07B10906445F}" type="datetimeFigureOut">
               <a:rPr lang="ko-KR" altLang="en-US" smtClean="0"/>
-              <a:t>2023-05-29</a:t>
+              <a:t>2023-06-07</a:t>
             </a:fld>
             <a:endParaRPr lang="ko-KR" altLang="en-US"/>
           </a:p>
@@ -2380,7 +2380,7 @@
           <a:p>
             <a:fld id="{E54CAA87-A1E0-4A2A-8255-07B10906445F}" type="datetimeFigureOut">
               <a:rPr lang="ko-KR" altLang="en-US" smtClean="0"/>
-              <a:t>2023-05-29</a:t>
+              <a:t>2023-06-07</a:t>
             </a:fld>
             <a:endParaRPr lang="ko-KR" altLang="en-US"/>
           </a:p>
@@ -2668,7 +2668,7 @@
           <a:p>
             <a:fld id="{E54CAA87-A1E0-4A2A-8255-07B10906445F}" type="datetimeFigureOut">
               <a:rPr lang="ko-KR" altLang="en-US" smtClean="0"/>
-              <a:t>2023-05-29</a:t>
+              <a:t>2023-06-07</a:t>
             </a:fld>
             <a:endParaRPr lang="ko-KR" altLang="en-US"/>
           </a:p>
@@ -2909,7 +2909,7 @@
           <a:p>
             <a:fld id="{E54CAA87-A1E0-4A2A-8255-07B10906445F}" type="datetimeFigureOut">
               <a:rPr lang="ko-KR" altLang="en-US" smtClean="0"/>
-              <a:t>2023-05-29</a:t>
+              <a:t>2023-06-07</a:t>
             </a:fld>
             <a:endParaRPr lang="ko-KR" altLang="en-US"/>
           </a:p>
@@ -3386,1098 +3386,6 @@
           </a:p>
         </p:txBody>
       </p:sp>
-      <p:grpSp>
-        <p:nvGrpSpPr>
-          <p:cNvPr id="1078" name="그룹 1077">
-            <a:extLst>
-              <a:ext uri="{FF2B5EF4-FFF2-40B4-BE49-F238E27FC236}">
-                <a16:creationId xmlns:a16="http://schemas.microsoft.com/office/drawing/2014/main" id="{5613C022-3A44-07BD-BD2E-4D4B1BA39B15}"/>
-              </a:ext>
-            </a:extLst>
-          </p:cNvPr>
-          <p:cNvGrpSpPr/>
-          <p:nvPr/>
-        </p:nvGrpSpPr>
-        <p:grpSpPr>
-          <a:xfrm>
-            <a:off x="9012564" y="1183395"/>
-            <a:ext cx="3179432" cy="619940"/>
-            <a:chOff x="6815042" y="2497845"/>
-            <a:chExt cx="3179432" cy="619940"/>
-          </a:xfrm>
-        </p:grpSpPr>
-        <p:grpSp>
-          <p:nvGrpSpPr>
-            <p:cNvPr id="1025" name="그룹 1024">
-              <a:extLst>
-                <a:ext uri="{FF2B5EF4-FFF2-40B4-BE49-F238E27FC236}">
-                  <a16:creationId xmlns:a16="http://schemas.microsoft.com/office/drawing/2014/main" id="{7560DC45-73D2-B96E-756A-31BD9E46B058}"/>
-                </a:ext>
-              </a:extLst>
-            </p:cNvPr>
-            <p:cNvGrpSpPr/>
-            <p:nvPr/>
-          </p:nvGrpSpPr>
-          <p:grpSpPr>
-            <a:xfrm>
-              <a:off x="6815042" y="2497845"/>
-              <a:ext cx="1589712" cy="619940"/>
-              <a:chOff x="10602288" y="667022"/>
-              <a:chExt cx="1589712" cy="619940"/>
-            </a:xfrm>
-          </p:grpSpPr>
-          <p:pic>
-            <p:nvPicPr>
-              <p:cNvPr id="26" name="Google Shape;54;p13">
-                <a:extLst>
-                  <a:ext uri="{FF2B5EF4-FFF2-40B4-BE49-F238E27FC236}">
-                    <a16:creationId xmlns:a16="http://schemas.microsoft.com/office/drawing/2014/main" id="{8AB0E2E0-3865-A586-4FA8-5A695B3A4E57}"/>
-                  </a:ext>
-                </a:extLst>
-              </p:cNvPr>
-              <p:cNvPicPr preferRelativeResize="0"/>
-              <p:nvPr/>
-            </p:nvPicPr>
-            <p:blipFill>
-              <a:blip r:embed="rId2">
-                <a:alphaModFix amt="60000"/>
-              </a:blip>
-              <a:stretch>
-                <a:fillRect/>
-              </a:stretch>
-            </p:blipFill>
-            <p:spPr>
-              <a:xfrm>
-                <a:off x="10602288" y="667022"/>
-                <a:ext cx="1589712" cy="619940"/>
-              </a:xfrm>
-              <a:prstGeom prst="rect">
-                <a:avLst/>
-              </a:prstGeom>
-              <a:noFill/>
-              <a:ln>
-                <a:noFill/>
-              </a:ln>
-            </p:spPr>
-          </p:pic>
-          <p:sp>
-            <p:nvSpPr>
-              <p:cNvPr id="24" name="직사각형 23">
-                <a:extLst>
-                  <a:ext uri="{FF2B5EF4-FFF2-40B4-BE49-F238E27FC236}">
-                    <a16:creationId xmlns:a16="http://schemas.microsoft.com/office/drawing/2014/main" id="{CB595C0E-F645-F5EA-63D5-41E8664E4E3A}"/>
-                  </a:ext>
-                </a:extLst>
-              </p:cNvPr>
-              <p:cNvSpPr/>
-              <p:nvPr/>
-            </p:nvSpPr>
-            <p:spPr>
-              <a:xfrm>
-                <a:off x="10602288" y="683712"/>
-                <a:ext cx="1589712" cy="276999"/>
-              </a:xfrm>
-              <a:prstGeom prst="rect">
-                <a:avLst/>
-              </a:prstGeom>
-              <a:noFill/>
-              <a:ln>
-                <a:noFill/>
-              </a:ln>
-            </p:spPr>
-            <p:style>
-              <a:lnRef idx="2">
-                <a:schemeClr val="accent1">
-                  <a:shade val="50000"/>
-                </a:schemeClr>
-              </a:lnRef>
-              <a:fillRef idx="1">
-                <a:schemeClr val="accent1"/>
-              </a:fillRef>
-              <a:effectRef idx="0">
-                <a:schemeClr val="accent1"/>
-              </a:effectRef>
-              <a:fontRef idx="minor">
-                <a:schemeClr val="lt1"/>
-              </a:fontRef>
-            </p:style>
-            <p:txBody>
-              <a:bodyPr lIns="0" tIns="0" rIns="18000" bIns="0" rtlCol="0" anchor="ctr">
-                <a:spAutoFit/>
-              </a:bodyPr>
-              <a:lstStyle/>
-              <a:p>
-                <a:pPr algn="r"/>
-                <a:r>
-                  <a:rPr lang="en-US" altLang="ko-KR" b="1" dirty="0">
-                    <a:solidFill>
-                      <a:schemeClr val="accent4"/>
-                    </a:solidFill>
-                    <a:latin typeface="나눔스퀘어 ExtraBold" panose="020B0600000101010101" pitchFamily="50" charset="-127"/>
-                    <a:ea typeface="나눔스퀘어 ExtraBold" panose="020B0600000101010101" pitchFamily="50" charset="-127"/>
-                  </a:rPr>
-                  <a:t>Main</a:t>
-                </a:r>
-                <a:r>
-                  <a:rPr lang="ko-KR" altLang="en-US" b="1" dirty="0">
-                    <a:solidFill>
-                      <a:schemeClr val="accent4"/>
-                    </a:solidFill>
-                    <a:latin typeface="나눔스퀘어 ExtraBold" panose="020B0600000101010101" pitchFamily="50" charset="-127"/>
-                    <a:ea typeface="나눔스퀘어 ExtraBold" panose="020B0600000101010101" pitchFamily="50" charset="-127"/>
-                  </a:rPr>
-                  <a:t> </a:t>
-                </a:r>
-                <a:r>
-                  <a:rPr lang="en-US" altLang="ko-KR" b="1" dirty="0">
-                    <a:solidFill>
-                      <a:schemeClr val="accent4"/>
-                    </a:solidFill>
-                    <a:latin typeface="나눔스퀘어 ExtraBold" panose="020B0600000101010101" pitchFamily="50" charset="-127"/>
-                    <a:ea typeface="나눔스퀘어 ExtraBold" panose="020B0600000101010101" pitchFamily="50" charset="-127"/>
-                  </a:rPr>
-                  <a:t>Mission</a:t>
-                </a:r>
-                <a:endParaRPr lang="ko-KR" altLang="en-US" b="1" dirty="0">
-                  <a:solidFill>
-                    <a:schemeClr val="accent4"/>
-                  </a:solidFill>
-                  <a:latin typeface="나눔스퀘어 ExtraBold" panose="020B0600000101010101" pitchFamily="50" charset="-127"/>
-                  <a:ea typeface="나눔스퀘어 ExtraBold" panose="020B0600000101010101" pitchFamily="50" charset="-127"/>
-                </a:endParaRPr>
-              </a:p>
-            </p:txBody>
-          </p:sp>
-          <p:sp>
-            <p:nvSpPr>
-              <p:cNvPr id="25" name="직사각형 24">
-                <a:extLst>
-                  <a:ext uri="{FF2B5EF4-FFF2-40B4-BE49-F238E27FC236}">
-                    <a16:creationId xmlns:a16="http://schemas.microsoft.com/office/drawing/2014/main" id="{B4F5291C-4897-5194-00A6-9D6639DD2AD0}"/>
-                  </a:ext>
-                </a:extLst>
-              </p:cNvPr>
-              <p:cNvSpPr/>
-              <p:nvPr/>
-            </p:nvSpPr>
-            <p:spPr>
-              <a:xfrm>
-                <a:off x="10602288" y="1039780"/>
-                <a:ext cx="1589712" cy="184666"/>
-              </a:xfrm>
-              <a:prstGeom prst="rect">
-                <a:avLst/>
-              </a:prstGeom>
-              <a:noFill/>
-              <a:ln>
-                <a:noFill/>
-              </a:ln>
-            </p:spPr>
-            <p:style>
-              <a:lnRef idx="2">
-                <a:schemeClr val="accent1">
-                  <a:shade val="50000"/>
-                </a:schemeClr>
-              </a:lnRef>
-              <a:fillRef idx="1">
-                <a:schemeClr val="accent1"/>
-              </a:fillRef>
-              <a:effectRef idx="0">
-                <a:schemeClr val="accent1"/>
-              </a:effectRef>
-              <a:fontRef idx="minor">
-                <a:schemeClr val="lt1"/>
-              </a:fontRef>
-            </p:style>
-            <p:txBody>
-              <a:bodyPr lIns="0" tIns="0" rIns="18000" bIns="0" rtlCol="0" anchor="ctr">
-                <a:spAutoFit/>
-              </a:bodyPr>
-              <a:lstStyle/>
-              <a:p>
-                <a:pPr algn="r"/>
-                <a:r>
-                  <a:rPr lang="ko-KR" altLang="en-US" sz="1200" b="1" dirty="0">
-                    <a:solidFill>
-                      <a:schemeClr val="bg1"/>
-                    </a:solidFill>
-                    <a:latin typeface="나눔스퀘어 Bold" panose="020B0600000101010101" pitchFamily="50" charset="-127"/>
-                    <a:ea typeface="나눔스퀘어 Bold" panose="020B0600000101010101" pitchFamily="50" charset="-127"/>
-                  </a:rPr>
-                  <a:t>적 </a:t>
-                </a:r>
-                <a:r>
-                  <a:rPr lang="en-US" altLang="ko-KR" sz="1200" b="1" dirty="0">
-                    <a:solidFill>
-                      <a:schemeClr val="bg1"/>
-                    </a:solidFill>
-                    <a:latin typeface="나눔스퀘어 Bold" panose="020B0600000101010101" pitchFamily="50" charset="-127"/>
-                    <a:ea typeface="나눔스퀘어 Bold" panose="020B0600000101010101" pitchFamily="50" charset="-127"/>
-                  </a:rPr>
-                  <a:t>5</a:t>
-                </a:r>
-                <a:r>
-                  <a:rPr lang="ko-KR" altLang="en-US" sz="1200" b="1" dirty="0">
-                    <a:solidFill>
-                      <a:schemeClr val="bg1"/>
-                    </a:solidFill>
-                    <a:latin typeface="나눔스퀘어 Bold" panose="020B0600000101010101" pitchFamily="50" charset="-127"/>
-                    <a:ea typeface="나눔스퀘어 Bold" panose="020B0600000101010101" pitchFamily="50" charset="-127"/>
-                  </a:rPr>
-                  <a:t>명</a:t>
-                </a:r>
-                <a:r>
-                  <a:rPr lang="en-US" altLang="ko-KR" sz="1200" b="1" dirty="0">
-                    <a:solidFill>
-                      <a:schemeClr val="bg1"/>
-                    </a:solidFill>
-                    <a:latin typeface="나눔스퀘어 Bold" panose="020B0600000101010101" pitchFamily="50" charset="-127"/>
-                    <a:ea typeface="나눔스퀘어 Bold" panose="020B0600000101010101" pitchFamily="50" charset="-127"/>
-                  </a:rPr>
-                  <a:t> </a:t>
-                </a:r>
-                <a:r>
-                  <a:rPr lang="ko-KR" altLang="en-US" sz="1200" b="1" dirty="0">
-                    <a:solidFill>
-                      <a:schemeClr val="bg1"/>
-                    </a:solidFill>
-                    <a:latin typeface="나눔스퀘어 Bold" panose="020B0600000101010101" pitchFamily="50" charset="-127"/>
-                    <a:ea typeface="나눔스퀘어 Bold" panose="020B0600000101010101" pitchFamily="50" charset="-127"/>
-                  </a:rPr>
-                  <a:t>이하로 처치</a:t>
-                </a:r>
-              </a:p>
-            </p:txBody>
-          </p:sp>
-        </p:grpSp>
-        <p:grpSp>
-          <p:nvGrpSpPr>
-            <p:cNvPr id="1024" name="그룹 1023">
-              <a:extLst>
-                <a:ext uri="{FF2B5EF4-FFF2-40B4-BE49-F238E27FC236}">
-                  <a16:creationId xmlns:a16="http://schemas.microsoft.com/office/drawing/2014/main" id="{00B3EB6D-2DD2-6117-8898-5342D559923F}"/>
-                </a:ext>
-              </a:extLst>
-            </p:cNvPr>
-            <p:cNvGrpSpPr/>
-            <p:nvPr/>
-          </p:nvGrpSpPr>
-          <p:grpSpPr>
-            <a:xfrm>
-              <a:off x="8404754" y="2497845"/>
-              <a:ext cx="1589720" cy="619940"/>
-              <a:chOff x="9839713" y="2306708"/>
-              <a:chExt cx="1589720" cy="603616"/>
-            </a:xfrm>
-          </p:grpSpPr>
-          <p:pic>
-            <p:nvPicPr>
-              <p:cNvPr id="28" name="Google Shape;54;p13">
-                <a:extLst>
-                  <a:ext uri="{FF2B5EF4-FFF2-40B4-BE49-F238E27FC236}">
-                    <a16:creationId xmlns:a16="http://schemas.microsoft.com/office/drawing/2014/main" id="{F87DD442-A4D7-7671-EA5D-1E1B5DB46785}"/>
-                  </a:ext>
-                </a:extLst>
-              </p:cNvPr>
-              <p:cNvPicPr preferRelativeResize="0"/>
-              <p:nvPr/>
-            </p:nvPicPr>
-            <p:blipFill>
-              <a:blip r:embed="rId2">
-                <a:alphaModFix amt="60000"/>
-              </a:blip>
-              <a:stretch>
-                <a:fillRect/>
-              </a:stretch>
-            </p:blipFill>
-            <p:spPr>
-              <a:xfrm>
-                <a:off x="9839717" y="2306708"/>
-                <a:ext cx="1589716" cy="603616"/>
-              </a:xfrm>
-              <a:prstGeom prst="rect">
-                <a:avLst/>
-              </a:prstGeom>
-              <a:noFill/>
-              <a:ln>
-                <a:noFill/>
-              </a:ln>
-            </p:spPr>
-          </p:pic>
-          <p:sp>
-            <p:nvSpPr>
-              <p:cNvPr id="30" name="직사각형 29">
-                <a:extLst>
-                  <a:ext uri="{FF2B5EF4-FFF2-40B4-BE49-F238E27FC236}">
-                    <a16:creationId xmlns:a16="http://schemas.microsoft.com/office/drawing/2014/main" id="{80C7FE75-9DAC-0C6F-0188-0687D49761DF}"/>
-                  </a:ext>
-                </a:extLst>
-              </p:cNvPr>
-              <p:cNvSpPr/>
-              <p:nvPr/>
-            </p:nvSpPr>
-            <p:spPr>
-              <a:xfrm>
-                <a:off x="9839713" y="2324985"/>
-                <a:ext cx="1589716" cy="269705"/>
-              </a:xfrm>
-              <a:prstGeom prst="rect">
-                <a:avLst/>
-              </a:prstGeom>
-              <a:noFill/>
-              <a:ln>
-                <a:noFill/>
-              </a:ln>
-            </p:spPr>
-            <p:style>
-              <a:lnRef idx="2">
-                <a:schemeClr val="accent1">
-                  <a:shade val="50000"/>
-                </a:schemeClr>
-              </a:lnRef>
-              <a:fillRef idx="1">
-                <a:schemeClr val="accent1"/>
-              </a:fillRef>
-              <a:effectRef idx="0">
-                <a:schemeClr val="accent1"/>
-              </a:effectRef>
-              <a:fontRef idx="minor">
-                <a:schemeClr val="lt1"/>
-              </a:fontRef>
-            </p:style>
-            <p:txBody>
-              <a:bodyPr lIns="0" tIns="0" rIns="18000" bIns="0" rtlCol="0" anchor="ctr">
-                <a:spAutoFit/>
-              </a:bodyPr>
-              <a:lstStyle/>
-              <a:p>
-                <a:pPr algn="r"/>
-                <a:r>
-                  <a:rPr lang="en-US" altLang="ko-KR" b="1" dirty="0">
-                    <a:solidFill>
-                      <a:schemeClr val="accent4"/>
-                    </a:solidFill>
-                    <a:latin typeface="나눔스퀘어 ExtraBold" panose="020B0600000101010101" pitchFamily="50" charset="-127"/>
-                    <a:ea typeface="나눔스퀘어 ExtraBold" panose="020B0600000101010101" pitchFamily="50" charset="-127"/>
-                  </a:rPr>
-                  <a:t>Main Mission</a:t>
-                </a:r>
-                <a:endParaRPr lang="ko-KR" altLang="en-US" b="1" dirty="0">
-                  <a:solidFill>
-                    <a:schemeClr val="accent4"/>
-                  </a:solidFill>
-                  <a:latin typeface="나눔스퀘어 ExtraBold" panose="020B0600000101010101" pitchFamily="50" charset="-127"/>
-                  <a:ea typeface="나눔스퀘어 ExtraBold" panose="020B0600000101010101" pitchFamily="50" charset="-127"/>
-                </a:endParaRPr>
-              </a:p>
-            </p:txBody>
-          </p:sp>
-          <p:sp>
-            <p:nvSpPr>
-              <p:cNvPr id="31" name="직사각형 30">
-                <a:extLst>
-                  <a:ext uri="{FF2B5EF4-FFF2-40B4-BE49-F238E27FC236}">
-                    <a16:creationId xmlns:a16="http://schemas.microsoft.com/office/drawing/2014/main" id="{F2AD66E3-F8D8-B4CF-D447-D724FB383CE1}"/>
-                  </a:ext>
-                </a:extLst>
-              </p:cNvPr>
-              <p:cNvSpPr/>
-              <p:nvPr/>
-            </p:nvSpPr>
-            <p:spPr>
-              <a:xfrm>
-                <a:off x="9839717" y="2669312"/>
-                <a:ext cx="1589712" cy="184666"/>
-              </a:xfrm>
-              <a:prstGeom prst="rect">
-                <a:avLst/>
-              </a:prstGeom>
-              <a:noFill/>
-              <a:ln>
-                <a:noFill/>
-              </a:ln>
-            </p:spPr>
-            <p:style>
-              <a:lnRef idx="2">
-                <a:schemeClr val="accent1">
-                  <a:shade val="50000"/>
-                </a:schemeClr>
-              </a:lnRef>
-              <a:fillRef idx="1">
-                <a:schemeClr val="accent1"/>
-              </a:fillRef>
-              <a:effectRef idx="0">
-                <a:schemeClr val="accent1"/>
-              </a:effectRef>
-              <a:fontRef idx="minor">
-                <a:schemeClr val="lt1"/>
-              </a:fontRef>
-            </p:style>
-            <p:txBody>
-              <a:bodyPr lIns="0" tIns="0" rIns="18000" bIns="0" rtlCol="0" anchor="ctr">
-                <a:spAutoFit/>
-              </a:bodyPr>
-              <a:lstStyle/>
-              <a:p>
-                <a:pPr algn="r"/>
-                <a:r>
-                  <a:rPr lang="ko-KR" altLang="en-US" sz="1200" b="1" dirty="0">
-                    <a:solidFill>
-                      <a:schemeClr val="bg1"/>
-                    </a:solidFill>
-                    <a:latin typeface="나눔스퀘어 Bold" panose="020B0600000101010101" pitchFamily="50" charset="-127"/>
-                    <a:ea typeface="나눔스퀘어 Bold" panose="020B0600000101010101" pitchFamily="50" charset="-127"/>
-                  </a:rPr>
-                  <a:t>거점 점령 </a:t>
-                </a:r>
-                <a:r>
-                  <a:rPr lang="en-US" altLang="ko-KR" sz="1200" b="1" dirty="0">
-                    <a:solidFill>
-                      <a:schemeClr val="bg1"/>
-                    </a:solidFill>
-                    <a:latin typeface="나눔스퀘어 Bold" panose="020B0600000101010101" pitchFamily="50" charset="-127"/>
-                    <a:ea typeface="나눔스퀘어 Bold" panose="020B0600000101010101" pitchFamily="50" charset="-127"/>
-                  </a:rPr>
-                  <a:t>100% </a:t>
-                </a:r>
-                <a:r>
-                  <a:rPr lang="ko-KR" altLang="en-US" sz="1200" b="1" dirty="0">
-                    <a:solidFill>
-                      <a:schemeClr val="bg1"/>
-                    </a:solidFill>
-                    <a:latin typeface="나눔스퀘어 Bold" panose="020B0600000101010101" pitchFamily="50" charset="-127"/>
-                    <a:ea typeface="나눔스퀘어 Bold" panose="020B0600000101010101" pitchFamily="50" charset="-127"/>
-                  </a:rPr>
-                  <a:t>달성</a:t>
-                </a:r>
-              </a:p>
-            </p:txBody>
-          </p:sp>
-        </p:grpSp>
-      </p:grpSp>
-      <p:grpSp>
-        <p:nvGrpSpPr>
-          <p:cNvPr id="1079" name="그룹 1078">
-            <a:extLst>
-              <a:ext uri="{FF2B5EF4-FFF2-40B4-BE49-F238E27FC236}">
-                <a16:creationId xmlns:a16="http://schemas.microsoft.com/office/drawing/2014/main" id="{8DF9194F-F649-41C6-753A-267418DF8076}"/>
-              </a:ext>
-            </a:extLst>
-          </p:cNvPr>
-          <p:cNvGrpSpPr/>
-          <p:nvPr/>
-        </p:nvGrpSpPr>
-        <p:grpSpPr>
-          <a:xfrm>
-            <a:off x="7422849" y="1803335"/>
-            <a:ext cx="4769142" cy="619940"/>
-            <a:chOff x="7422854" y="3631046"/>
-            <a:chExt cx="4769142" cy="619940"/>
-          </a:xfrm>
-        </p:grpSpPr>
-        <p:grpSp>
-          <p:nvGrpSpPr>
-            <p:cNvPr id="1027" name="그룹 1026">
-              <a:extLst>
-                <a:ext uri="{FF2B5EF4-FFF2-40B4-BE49-F238E27FC236}">
-                  <a16:creationId xmlns:a16="http://schemas.microsoft.com/office/drawing/2014/main" id="{954808DF-E80F-5D11-A1BA-5B4988DBC922}"/>
-                </a:ext>
-              </a:extLst>
-            </p:cNvPr>
-            <p:cNvGrpSpPr/>
-            <p:nvPr/>
-          </p:nvGrpSpPr>
-          <p:grpSpPr>
-            <a:xfrm>
-              <a:off x="9012568" y="3631046"/>
-              <a:ext cx="1589712" cy="619940"/>
-              <a:chOff x="10602288" y="667022"/>
-              <a:chExt cx="1589712" cy="619940"/>
-            </a:xfrm>
-          </p:grpSpPr>
-          <p:pic>
-            <p:nvPicPr>
-              <p:cNvPr id="1028" name="Google Shape;54;p13">
-                <a:extLst>
-                  <a:ext uri="{FF2B5EF4-FFF2-40B4-BE49-F238E27FC236}">
-                    <a16:creationId xmlns:a16="http://schemas.microsoft.com/office/drawing/2014/main" id="{D29B52A8-6A3B-8B62-776B-5C31000F9524}"/>
-                  </a:ext>
-                </a:extLst>
-              </p:cNvPr>
-              <p:cNvPicPr preferRelativeResize="0"/>
-              <p:nvPr/>
-            </p:nvPicPr>
-            <p:blipFill>
-              <a:blip r:embed="rId2">
-                <a:alphaModFix amt="60000"/>
-              </a:blip>
-              <a:stretch>
-                <a:fillRect/>
-              </a:stretch>
-            </p:blipFill>
-            <p:spPr>
-              <a:xfrm>
-                <a:off x="10602288" y="667022"/>
-                <a:ext cx="1589712" cy="619940"/>
-              </a:xfrm>
-              <a:prstGeom prst="rect">
-                <a:avLst/>
-              </a:prstGeom>
-              <a:noFill/>
-              <a:ln>
-                <a:noFill/>
-              </a:ln>
-            </p:spPr>
-          </p:pic>
-          <p:sp>
-            <p:nvSpPr>
-              <p:cNvPr id="1029" name="직사각형 1028">
-                <a:extLst>
-                  <a:ext uri="{FF2B5EF4-FFF2-40B4-BE49-F238E27FC236}">
-                    <a16:creationId xmlns:a16="http://schemas.microsoft.com/office/drawing/2014/main" id="{B9F41901-D8FE-1450-52CC-4D0486D6C369}"/>
-                  </a:ext>
-                </a:extLst>
-              </p:cNvPr>
-              <p:cNvSpPr/>
-              <p:nvPr/>
-            </p:nvSpPr>
-            <p:spPr>
-              <a:xfrm>
-                <a:off x="10602288" y="699100"/>
-                <a:ext cx="1589712" cy="246221"/>
-              </a:xfrm>
-              <a:prstGeom prst="rect">
-                <a:avLst/>
-              </a:prstGeom>
-              <a:noFill/>
-              <a:ln>
-                <a:noFill/>
-              </a:ln>
-            </p:spPr>
-            <p:style>
-              <a:lnRef idx="2">
-                <a:schemeClr val="accent1">
-                  <a:shade val="50000"/>
-                </a:schemeClr>
-              </a:lnRef>
-              <a:fillRef idx="1">
-                <a:schemeClr val="accent1"/>
-              </a:fillRef>
-              <a:effectRef idx="0">
-                <a:schemeClr val="accent1"/>
-              </a:effectRef>
-              <a:fontRef idx="minor">
-                <a:schemeClr val="lt1"/>
-              </a:fontRef>
-            </p:style>
-            <p:txBody>
-              <a:bodyPr lIns="0" tIns="0" rIns="18000" bIns="0" rtlCol="0" anchor="ctr">
-                <a:spAutoFit/>
-              </a:bodyPr>
-              <a:lstStyle/>
-              <a:p>
-                <a:pPr algn="r"/>
-                <a:r>
-                  <a:rPr lang="en-US" altLang="ko-KR" sz="1600" b="1" dirty="0">
-                    <a:solidFill>
-                      <a:srgbClr val="E87C7C"/>
-                    </a:solidFill>
-                    <a:latin typeface="나눔스퀘어 ExtraBold" panose="020B0600000101010101" pitchFamily="50" charset="-127"/>
-                    <a:ea typeface="나눔스퀘어 ExtraBold" panose="020B0600000101010101" pitchFamily="50" charset="-127"/>
-                  </a:rPr>
-                  <a:t>Sudden Mission</a:t>
-                </a:r>
-                <a:endParaRPr lang="ko-KR" altLang="en-US" sz="1600" b="1" dirty="0">
-                  <a:solidFill>
-                    <a:srgbClr val="E87C7C"/>
-                  </a:solidFill>
-                  <a:latin typeface="나눔스퀘어 ExtraBold" panose="020B0600000101010101" pitchFamily="50" charset="-127"/>
-                  <a:ea typeface="나눔스퀘어 ExtraBold" panose="020B0600000101010101" pitchFamily="50" charset="-127"/>
-                </a:endParaRPr>
-              </a:p>
-            </p:txBody>
-          </p:sp>
-          <p:sp>
-            <p:nvSpPr>
-              <p:cNvPr id="1030" name="직사각형 1029">
-                <a:extLst>
-                  <a:ext uri="{FF2B5EF4-FFF2-40B4-BE49-F238E27FC236}">
-                    <a16:creationId xmlns:a16="http://schemas.microsoft.com/office/drawing/2014/main" id="{6C1E407D-A647-1E27-EA2E-846B81762F09}"/>
-                  </a:ext>
-                </a:extLst>
-              </p:cNvPr>
-              <p:cNvSpPr/>
-              <p:nvPr/>
-            </p:nvSpPr>
-            <p:spPr>
-              <a:xfrm>
-                <a:off x="10602288" y="1039780"/>
-                <a:ext cx="1589712" cy="184666"/>
-              </a:xfrm>
-              <a:prstGeom prst="rect">
-                <a:avLst/>
-              </a:prstGeom>
-              <a:noFill/>
-              <a:ln>
-                <a:noFill/>
-              </a:ln>
-            </p:spPr>
-            <p:style>
-              <a:lnRef idx="2">
-                <a:schemeClr val="accent1">
-                  <a:shade val="50000"/>
-                </a:schemeClr>
-              </a:lnRef>
-              <a:fillRef idx="1">
-                <a:schemeClr val="accent1"/>
-              </a:fillRef>
-              <a:effectRef idx="0">
-                <a:schemeClr val="accent1"/>
-              </a:effectRef>
-              <a:fontRef idx="minor">
-                <a:schemeClr val="lt1"/>
-              </a:fontRef>
-            </p:style>
-            <p:txBody>
-              <a:bodyPr lIns="0" tIns="0" rIns="18000" bIns="0" rtlCol="0" anchor="ctr">
-                <a:spAutoFit/>
-              </a:bodyPr>
-              <a:lstStyle/>
-              <a:p>
-                <a:pPr algn="r"/>
-                <a:r>
-                  <a:rPr lang="ko-KR" altLang="en-US" sz="1200" b="1" dirty="0">
-                    <a:solidFill>
-                      <a:schemeClr val="bg1"/>
-                    </a:solidFill>
-                    <a:latin typeface="나눔스퀘어 Bold" panose="020B0600000101010101" pitchFamily="50" charset="-127"/>
-                    <a:ea typeface="나눔스퀘어 Bold" panose="020B0600000101010101" pitchFamily="50" charset="-127"/>
-                  </a:rPr>
-                  <a:t>적 헬기 </a:t>
-                </a:r>
-                <a:r>
-                  <a:rPr lang="en-US" altLang="ko-KR" sz="1200" b="1" dirty="0">
-                    <a:solidFill>
-                      <a:schemeClr val="bg1"/>
-                    </a:solidFill>
-                    <a:latin typeface="나눔스퀘어 Bold" panose="020B0600000101010101" pitchFamily="50" charset="-127"/>
-                    <a:ea typeface="나눔스퀘어 Bold" panose="020B0600000101010101" pitchFamily="50" charset="-127"/>
-                  </a:rPr>
-                  <a:t>3</a:t>
-                </a:r>
-                <a:r>
-                  <a:rPr lang="ko-KR" altLang="en-US" sz="1200" b="1" dirty="0">
-                    <a:solidFill>
-                      <a:schemeClr val="bg1"/>
-                    </a:solidFill>
-                    <a:latin typeface="나눔스퀘어 Bold" panose="020B0600000101010101" pitchFamily="50" charset="-127"/>
-                    <a:ea typeface="나눔스퀘어 Bold" panose="020B0600000101010101" pitchFamily="50" charset="-127"/>
-                  </a:rPr>
-                  <a:t>체 요격</a:t>
-                </a:r>
-              </a:p>
-            </p:txBody>
-          </p:sp>
-        </p:grpSp>
-        <p:grpSp>
-          <p:nvGrpSpPr>
-            <p:cNvPr id="1031" name="그룹 1030">
-              <a:extLst>
-                <a:ext uri="{FF2B5EF4-FFF2-40B4-BE49-F238E27FC236}">
-                  <a16:creationId xmlns:a16="http://schemas.microsoft.com/office/drawing/2014/main" id="{EF016C73-2569-C4FD-F19D-A63FC226F193}"/>
-                </a:ext>
-              </a:extLst>
-            </p:cNvPr>
-            <p:cNvGrpSpPr/>
-            <p:nvPr/>
-          </p:nvGrpSpPr>
-          <p:grpSpPr>
-            <a:xfrm>
-              <a:off x="10602284" y="3631046"/>
-              <a:ext cx="1589712" cy="619940"/>
-              <a:chOff x="10602288" y="667022"/>
-              <a:chExt cx="1589712" cy="619940"/>
-            </a:xfrm>
-          </p:grpSpPr>
-          <p:pic>
-            <p:nvPicPr>
-              <p:cNvPr id="1032" name="Google Shape;54;p13">
-                <a:extLst>
-                  <a:ext uri="{FF2B5EF4-FFF2-40B4-BE49-F238E27FC236}">
-                    <a16:creationId xmlns:a16="http://schemas.microsoft.com/office/drawing/2014/main" id="{9F9FD0E0-F5A2-1AC2-7C69-6B7E76A18102}"/>
-                  </a:ext>
-                </a:extLst>
-              </p:cNvPr>
-              <p:cNvPicPr preferRelativeResize="0"/>
-              <p:nvPr/>
-            </p:nvPicPr>
-            <p:blipFill>
-              <a:blip r:embed="rId2">
-                <a:alphaModFix amt="60000"/>
-              </a:blip>
-              <a:stretch>
-                <a:fillRect/>
-              </a:stretch>
-            </p:blipFill>
-            <p:spPr>
-              <a:xfrm>
-                <a:off x="10602288" y="667022"/>
-                <a:ext cx="1589712" cy="619940"/>
-              </a:xfrm>
-              <a:prstGeom prst="rect">
-                <a:avLst/>
-              </a:prstGeom>
-              <a:noFill/>
-              <a:ln>
-                <a:noFill/>
-              </a:ln>
-            </p:spPr>
-          </p:pic>
-          <p:sp>
-            <p:nvSpPr>
-              <p:cNvPr id="1033" name="직사각형 1032">
-                <a:extLst>
-                  <a:ext uri="{FF2B5EF4-FFF2-40B4-BE49-F238E27FC236}">
-                    <a16:creationId xmlns:a16="http://schemas.microsoft.com/office/drawing/2014/main" id="{61D2E409-0B76-E26D-E30D-698435044B63}"/>
-                  </a:ext>
-                </a:extLst>
-              </p:cNvPr>
-              <p:cNvSpPr/>
-              <p:nvPr/>
-            </p:nvSpPr>
-            <p:spPr>
-              <a:xfrm>
-                <a:off x="10602288" y="699100"/>
-                <a:ext cx="1589712" cy="246221"/>
-              </a:xfrm>
-              <a:prstGeom prst="rect">
-                <a:avLst/>
-              </a:prstGeom>
-              <a:noFill/>
-              <a:ln>
-                <a:noFill/>
-              </a:ln>
-            </p:spPr>
-            <p:style>
-              <a:lnRef idx="2">
-                <a:schemeClr val="accent1">
-                  <a:shade val="50000"/>
-                </a:schemeClr>
-              </a:lnRef>
-              <a:fillRef idx="1">
-                <a:schemeClr val="accent1"/>
-              </a:fillRef>
-              <a:effectRef idx="0">
-                <a:schemeClr val="accent1"/>
-              </a:effectRef>
-              <a:fontRef idx="minor">
-                <a:schemeClr val="lt1"/>
-              </a:fontRef>
-            </p:style>
-            <p:txBody>
-              <a:bodyPr lIns="0" tIns="0" rIns="18000" bIns="0" rtlCol="0" anchor="ctr">
-                <a:spAutoFit/>
-              </a:bodyPr>
-              <a:lstStyle/>
-              <a:p>
-                <a:pPr algn="r"/>
-                <a:r>
-                  <a:rPr lang="en-US" altLang="ko-KR" sz="1600" b="1" dirty="0">
-                    <a:solidFill>
-                      <a:srgbClr val="E87C7C"/>
-                    </a:solidFill>
-                    <a:latin typeface="나눔스퀘어 ExtraBold" panose="020B0600000101010101" pitchFamily="50" charset="-127"/>
-                    <a:ea typeface="나눔스퀘어 ExtraBold" panose="020B0600000101010101" pitchFamily="50" charset="-127"/>
-                  </a:rPr>
-                  <a:t>Sudden Mission</a:t>
-                </a:r>
-                <a:endParaRPr lang="ko-KR" altLang="en-US" sz="1600" b="1" dirty="0">
-                  <a:solidFill>
-                    <a:srgbClr val="E87C7C"/>
-                  </a:solidFill>
-                  <a:latin typeface="나눔스퀘어 ExtraBold" panose="020B0600000101010101" pitchFamily="50" charset="-127"/>
-                  <a:ea typeface="나눔스퀘어 ExtraBold" panose="020B0600000101010101" pitchFamily="50" charset="-127"/>
-                </a:endParaRPr>
-              </a:p>
-            </p:txBody>
-          </p:sp>
-          <p:sp>
-            <p:nvSpPr>
-              <p:cNvPr id="1034" name="직사각형 1033">
-                <a:extLst>
-                  <a:ext uri="{FF2B5EF4-FFF2-40B4-BE49-F238E27FC236}">
-                    <a16:creationId xmlns:a16="http://schemas.microsoft.com/office/drawing/2014/main" id="{6FAD415B-7BF8-DA98-1E6A-C6767097FAB0}"/>
-                  </a:ext>
-                </a:extLst>
-              </p:cNvPr>
-              <p:cNvSpPr/>
-              <p:nvPr/>
-            </p:nvSpPr>
-            <p:spPr>
-              <a:xfrm>
-                <a:off x="10602288" y="1039780"/>
-                <a:ext cx="1589712" cy="184666"/>
-              </a:xfrm>
-              <a:prstGeom prst="rect">
-                <a:avLst/>
-              </a:prstGeom>
-              <a:noFill/>
-              <a:ln>
-                <a:noFill/>
-              </a:ln>
-            </p:spPr>
-            <p:style>
-              <a:lnRef idx="2">
-                <a:schemeClr val="accent1">
-                  <a:shade val="50000"/>
-                </a:schemeClr>
-              </a:lnRef>
-              <a:fillRef idx="1">
-                <a:schemeClr val="accent1"/>
-              </a:fillRef>
-              <a:effectRef idx="0">
-                <a:schemeClr val="accent1"/>
-              </a:effectRef>
-              <a:fontRef idx="minor">
-                <a:schemeClr val="lt1"/>
-              </a:fontRef>
-            </p:style>
-            <p:txBody>
-              <a:bodyPr lIns="0" tIns="0" rIns="18000" bIns="0" rtlCol="0" anchor="ctr">
-                <a:spAutoFit/>
-              </a:bodyPr>
-              <a:lstStyle/>
-              <a:p>
-                <a:pPr algn="r"/>
-                <a:r>
-                  <a:rPr lang="ko-KR" altLang="en-US" sz="1200" b="1" dirty="0">
-                    <a:solidFill>
-                      <a:schemeClr val="bg1"/>
-                    </a:solidFill>
-                    <a:latin typeface="나눔스퀘어 Bold" panose="020B0600000101010101" pitchFamily="50" charset="-127"/>
-                    <a:ea typeface="나눔스퀘어 Bold" panose="020B0600000101010101" pitchFamily="50" charset="-127"/>
-                  </a:rPr>
-                  <a:t>적 군인 </a:t>
-                </a:r>
-                <a:r>
-                  <a:rPr lang="en-US" altLang="ko-KR" sz="1200" b="1" dirty="0">
-                    <a:solidFill>
-                      <a:schemeClr val="bg1"/>
-                    </a:solidFill>
-                    <a:latin typeface="나눔스퀘어 Bold" panose="020B0600000101010101" pitchFamily="50" charset="-127"/>
-                    <a:ea typeface="나눔스퀘어 Bold" panose="020B0600000101010101" pitchFamily="50" charset="-127"/>
-                  </a:rPr>
-                  <a:t>5</a:t>
-                </a:r>
-                <a:r>
-                  <a:rPr lang="ko-KR" altLang="en-US" sz="1200" b="1" dirty="0">
-                    <a:solidFill>
-                      <a:schemeClr val="bg1"/>
-                    </a:solidFill>
-                    <a:latin typeface="나눔스퀘어 Bold" panose="020B0600000101010101" pitchFamily="50" charset="-127"/>
-                    <a:ea typeface="나눔스퀘어 Bold" panose="020B0600000101010101" pitchFamily="50" charset="-127"/>
-                  </a:rPr>
-                  <a:t>명 처치</a:t>
-                </a:r>
-              </a:p>
-            </p:txBody>
-          </p:sp>
-        </p:grpSp>
-        <p:grpSp>
-          <p:nvGrpSpPr>
-            <p:cNvPr id="1035" name="그룹 1034">
-              <a:extLst>
-                <a:ext uri="{FF2B5EF4-FFF2-40B4-BE49-F238E27FC236}">
-                  <a16:creationId xmlns:a16="http://schemas.microsoft.com/office/drawing/2014/main" id="{EE4351A9-8FBA-6C55-CC1D-7A7DCECFCA5F}"/>
-                </a:ext>
-              </a:extLst>
-            </p:cNvPr>
-            <p:cNvGrpSpPr/>
-            <p:nvPr/>
-          </p:nvGrpSpPr>
-          <p:grpSpPr>
-            <a:xfrm>
-              <a:off x="7422854" y="3631046"/>
-              <a:ext cx="1589712" cy="619940"/>
-              <a:chOff x="10602288" y="667022"/>
-              <a:chExt cx="1589712" cy="619940"/>
-            </a:xfrm>
-          </p:grpSpPr>
-          <p:pic>
-            <p:nvPicPr>
-              <p:cNvPr id="1036" name="Google Shape;54;p13">
-                <a:extLst>
-                  <a:ext uri="{FF2B5EF4-FFF2-40B4-BE49-F238E27FC236}">
-                    <a16:creationId xmlns:a16="http://schemas.microsoft.com/office/drawing/2014/main" id="{041147C4-84C3-1BF2-776B-8CB43D170E5C}"/>
-                  </a:ext>
-                </a:extLst>
-              </p:cNvPr>
-              <p:cNvPicPr preferRelativeResize="0"/>
-              <p:nvPr/>
-            </p:nvPicPr>
-            <p:blipFill>
-              <a:blip r:embed="rId2">
-                <a:alphaModFix amt="60000"/>
-              </a:blip>
-              <a:stretch>
-                <a:fillRect/>
-              </a:stretch>
-            </p:blipFill>
-            <p:spPr>
-              <a:xfrm>
-                <a:off x="10602288" y="667022"/>
-                <a:ext cx="1589712" cy="619940"/>
-              </a:xfrm>
-              <a:prstGeom prst="rect">
-                <a:avLst/>
-              </a:prstGeom>
-              <a:noFill/>
-              <a:ln>
-                <a:noFill/>
-              </a:ln>
-            </p:spPr>
-          </p:pic>
-          <p:sp>
-            <p:nvSpPr>
-              <p:cNvPr id="1037" name="직사각형 1036">
-                <a:extLst>
-                  <a:ext uri="{FF2B5EF4-FFF2-40B4-BE49-F238E27FC236}">
-                    <a16:creationId xmlns:a16="http://schemas.microsoft.com/office/drawing/2014/main" id="{6731584A-E34A-8D70-C7C1-715092B37E68}"/>
-                  </a:ext>
-                </a:extLst>
-              </p:cNvPr>
-              <p:cNvSpPr/>
-              <p:nvPr/>
-            </p:nvSpPr>
-            <p:spPr>
-              <a:xfrm>
-                <a:off x="10602288" y="699100"/>
-                <a:ext cx="1589712" cy="246221"/>
-              </a:xfrm>
-              <a:prstGeom prst="rect">
-                <a:avLst/>
-              </a:prstGeom>
-              <a:noFill/>
-              <a:ln>
-                <a:noFill/>
-              </a:ln>
-            </p:spPr>
-            <p:style>
-              <a:lnRef idx="2">
-                <a:schemeClr val="accent1">
-                  <a:shade val="50000"/>
-                </a:schemeClr>
-              </a:lnRef>
-              <a:fillRef idx="1">
-                <a:schemeClr val="accent1"/>
-              </a:fillRef>
-              <a:effectRef idx="0">
-                <a:schemeClr val="accent1"/>
-              </a:effectRef>
-              <a:fontRef idx="minor">
-                <a:schemeClr val="lt1"/>
-              </a:fontRef>
-            </p:style>
-            <p:txBody>
-              <a:bodyPr lIns="0" tIns="0" rIns="18000" bIns="0" rtlCol="0" anchor="ctr">
-                <a:spAutoFit/>
-              </a:bodyPr>
-              <a:lstStyle/>
-              <a:p>
-                <a:pPr algn="r"/>
-                <a:r>
-                  <a:rPr lang="en-US" altLang="ko-KR" sz="1600" b="1" dirty="0">
-                    <a:solidFill>
-                      <a:srgbClr val="E87C7C"/>
-                    </a:solidFill>
-                    <a:latin typeface="나눔스퀘어 ExtraBold" panose="020B0600000101010101" pitchFamily="50" charset="-127"/>
-                    <a:ea typeface="나눔스퀘어 ExtraBold" panose="020B0600000101010101" pitchFamily="50" charset="-127"/>
-                  </a:rPr>
-                  <a:t>Sudden Mission</a:t>
-                </a:r>
-                <a:endParaRPr lang="ko-KR" altLang="en-US" sz="1600" b="1" dirty="0">
-                  <a:solidFill>
-                    <a:srgbClr val="E87C7C"/>
-                  </a:solidFill>
-                  <a:latin typeface="나눔스퀘어 ExtraBold" panose="020B0600000101010101" pitchFamily="50" charset="-127"/>
-                  <a:ea typeface="나눔스퀘어 ExtraBold" panose="020B0600000101010101" pitchFamily="50" charset="-127"/>
-                </a:endParaRPr>
-              </a:p>
-            </p:txBody>
-          </p:sp>
-          <p:sp>
-            <p:nvSpPr>
-              <p:cNvPr id="1038" name="직사각형 1037">
-                <a:extLst>
-                  <a:ext uri="{FF2B5EF4-FFF2-40B4-BE49-F238E27FC236}">
-                    <a16:creationId xmlns:a16="http://schemas.microsoft.com/office/drawing/2014/main" id="{363E1B9D-5CAA-A783-69D2-DA0EFC16071B}"/>
-                  </a:ext>
-                </a:extLst>
-              </p:cNvPr>
-              <p:cNvSpPr/>
-              <p:nvPr/>
-            </p:nvSpPr>
-            <p:spPr>
-              <a:xfrm>
-                <a:off x="10602288" y="1039780"/>
-                <a:ext cx="1589712" cy="184666"/>
-              </a:xfrm>
-              <a:prstGeom prst="rect">
-                <a:avLst/>
-              </a:prstGeom>
-              <a:noFill/>
-              <a:ln>
-                <a:noFill/>
-              </a:ln>
-            </p:spPr>
-            <p:style>
-              <a:lnRef idx="2">
-                <a:schemeClr val="accent1">
-                  <a:shade val="50000"/>
-                </a:schemeClr>
-              </a:lnRef>
-              <a:fillRef idx="1">
-                <a:schemeClr val="accent1"/>
-              </a:fillRef>
-              <a:effectRef idx="0">
-                <a:schemeClr val="accent1"/>
-              </a:effectRef>
-              <a:fontRef idx="minor">
-                <a:schemeClr val="lt1"/>
-              </a:fontRef>
-            </p:style>
-            <p:txBody>
-              <a:bodyPr lIns="0" tIns="0" rIns="18000" bIns="0" rtlCol="0" anchor="ctr">
-                <a:spAutoFit/>
-              </a:bodyPr>
-              <a:lstStyle/>
-              <a:p>
-                <a:pPr algn="r"/>
-                <a:r>
-                  <a:rPr lang="en-US" altLang="ko-KR" sz="1200" b="1" dirty="0">
-                    <a:solidFill>
-                      <a:schemeClr val="bg1"/>
-                    </a:solidFill>
-                    <a:latin typeface="나눔스퀘어 Bold" panose="020B0600000101010101" pitchFamily="50" charset="-127"/>
-                    <a:ea typeface="나눔스퀘어 Bold" panose="020B0600000101010101" pitchFamily="50" charset="-127"/>
-                  </a:rPr>
-                  <a:t>30</a:t>
-                </a:r>
-                <a:r>
-                  <a:rPr lang="ko-KR" altLang="en-US" sz="1200" b="1" dirty="0">
-                    <a:solidFill>
-                      <a:schemeClr val="bg1"/>
-                    </a:solidFill>
-                    <a:latin typeface="나눔스퀘어 Bold" panose="020B0600000101010101" pitchFamily="50" charset="-127"/>
-                    <a:ea typeface="나눔스퀘어 Bold" panose="020B0600000101010101" pitchFamily="50" charset="-127"/>
-                  </a:rPr>
-                  <a:t>초 동안 생존 </a:t>
-                </a:r>
-              </a:p>
-            </p:txBody>
-          </p:sp>
-        </p:grpSp>
-      </p:grpSp>
       <p:sp>
         <p:nvSpPr>
           <p:cNvPr id="2" name="직사각형 1">
@@ -4561,7 +3469,7 @@
           <p:nvPr/>
         </p:nvPicPr>
         <p:blipFill>
-          <a:blip r:embed="rId3">
+          <a:blip r:embed="rId2">
             <a:extLst>
               <a:ext uri="{28A0092B-C50C-407E-A947-70E740481C1C}">
                 <a14:useLocalDpi xmlns:a14="http://schemas.microsoft.com/office/drawing/2010/main" val="0"/>
@@ -4597,11 +3505,11 @@
           <p:nvPr/>
         </p:nvPicPr>
         <p:blipFill>
-          <a:blip r:embed="rId4">
+          <a:blip r:embed="rId3">
             <a:extLst>
               <a:ext uri="{BEBA8EAE-BF5A-486C-A8C5-ECC9F3942E4B}">
                 <a14:imgProps xmlns:a14="http://schemas.microsoft.com/office/drawing/2010/main">
-                  <a14:imgLayer r:embed="rId5">
+                  <a14:imgLayer r:embed="rId4">
                     <a14:imgEffect>
                       <a14:sharpenSoften amount="100000"/>
                     </a14:imgEffect>
@@ -4642,7 +3550,7 @@
           <p:nvPr/>
         </p:nvPicPr>
         <p:blipFill>
-          <a:blip r:embed="rId6">
+          <a:blip r:embed="rId5">
             <a:extLst>
               <a:ext uri="{28A0092B-C50C-407E-A947-70E740481C1C}">
                 <a14:useLocalDpi xmlns:a14="http://schemas.microsoft.com/office/drawing/2010/main" val="0"/>
@@ -5719,7 +4627,7 @@
           <p:nvPr/>
         </p:nvPicPr>
         <p:blipFill>
-          <a:blip r:embed="rId7">
+          <a:blip r:embed="rId6">
             <a:extLst>
               <a:ext uri="{28A0092B-C50C-407E-A947-70E740481C1C}">
                 <a14:useLocalDpi xmlns:a14="http://schemas.microsoft.com/office/drawing/2010/main" val="0"/>
@@ -5732,7 +4640,7 @@
         </p:blipFill>
         <p:spPr>
           <a:xfrm>
-            <a:off x="13779177" y="5807511"/>
+            <a:off x="12616334" y="4150161"/>
             <a:ext cx="324576" cy="324576"/>
           </a:xfrm>
           <a:prstGeom prst="rect">
@@ -5997,6 +4905,2478 @@
               </a:rPr>
               <a:t>생존</a:t>
             </a:r>
+          </a:p>
+        </p:txBody>
+      </p:sp>
+      <p:grpSp>
+        <p:nvGrpSpPr>
+          <p:cNvPr id="1105" name="그룹 1104">
+            <a:extLst>
+              <a:ext uri="{FF2B5EF4-FFF2-40B4-BE49-F238E27FC236}">
+                <a16:creationId xmlns:a16="http://schemas.microsoft.com/office/drawing/2014/main" id="{E25738F7-619D-BB13-7D8E-01A4CE598664}"/>
+              </a:ext>
+            </a:extLst>
+          </p:cNvPr>
+          <p:cNvGrpSpPr/>
+          <p:nvPr/>
+        </p:nvGrpSpPr>
+        <p:grpSpPr>
+          <a:xfrm>
+            <a:off x="9012300" y="702477"/>
+            <a:ext cx="3179700" cy="934528"/>
+            <a:chOff x="9012300" y="702477"/>
+            <a:chExt cx="3179700" cy="934528"/>
+          </a:xfrm>
+        </p:grpSpPr>
+        <p:grpSp>
+          <p:nvGrpSpPr>
+            <p:cNvPr id="1091" name="그룹 1090">
+              <a:extLst>
+                <a:ext uri="{FF2B5EF4-FFF2-40B4-BE49-F238E27FC236}">
+                  <a16:creationId xmlns:a16="http://schemas.microsoft.com/office/drawing/2014/main" id="{9122E4CD-9194-3517-9284-D9C01B216474}"/>
+                </a:ext>
+              </a:extLst>
+            </p:cNvPr>
+            <p:cNvGrpSpPr/>
+            <p:nvPr/>
+          </p:nvGrpSpPr>
+          <p:grpSpPr>
+            <a:xfrm>
+              <a:off x="9012300" y="702477"/>
+              <a:ext cx="1589962" cy="934528"/>
+              <a:chOff x="9060411" y="631269"/>
+              <a:chExt cx="1589962" cy="934528"/>
+            </a:xfrm>
+          </p:grpSpPr>
+          <p:grpSp>
+            <p:nvGrpSpPr>
+              <p:cNvPr id="1088" name="그룹 1087">
+                <a:extLst>
+                  <a:ext uri="{FF2B5EF4-FFF2-40B4-BE49-F238E27FC236}">
+                    <a16:creationId xmlns:a16="http://schemas.microsoft.com/office/drawing/2014/main" id="{5C636274-DE57-FF44-DA1C-C67A9FC624DB}"/>
+                  </a:ext>
+                </a:extLst>
+              </p:cNvPr>
+              <p:cNvGrpSpPr/>
+              <p:nvPr/>
+            </p:nvGrpSpPr>
+            <p:grpSpPr>
+              <a:xfrm>
+                <a:off x="9060411" y="631269"/>
+                <a:ext cx="1589962" cy="623452"/>
+                <a:chOff x="9012302" y="942266"/>
+                <a:chExt cx="1589962" cy="623452"/>
+              </a:xfrm>
+            </p:grpSpPr>
+            <p:grpSp>
+              <p:nvGrpSpPr>
+                <p:cNvPr id="1081" name="그룹 1080">
+                  <a:extLst>
+                    <a:ext uri="{FF2B5EF4-FFF2-40B4-BE49-F238E27FC236}">
+                      <a16:creationId xmlns:a16="http://schemas.microsoft.com/office/drawing/2014/main" id="{3EB5E8F9-1E4D-3AD3-64CD-C14008B88479}"/>
+                    </a:ext>
+                  </a:extLst>
+                </p:cNvPr>
+                <p:cNvGrpSpPr/>
+                <p:nvPr/>
+              </p:nvGrpSpPr>
+              <p:grpSpPr>
+                <a:xfrm>
+                  <a:off x="9012548" y="942266"/>
+                  <a:ext cx="1589712" cy="623452"/>
+                  <a:chOff x="5865034" y="1805128"/>
+                  <a:chExt cx="1589712" cy="623452"/>
+                </a:xfrm>
+              </p:grpSpPr>
+              <p:sp>
+                <p:nvSpPr>
+                  <p:cNvPr id="1084" name="직사각형 1083">
+                    <a:extLst>
+                      <a:ext uri="{FF2B5EF4-FFF2-40B4-BE49-F238E27FC236}">
+                        <a16:creationId xmlns:a16="http://schemas.microsoft.com/office/drawing/2014/main" id="{F9AEA93C-81B1-26C0-EEE0-F6D0ED4F9008}"/>
+                      </a:ext>
+                    </a:extLst>
+                  </p:cNvPr>
+                  <p:cNvSpPr/>
+                  <p:nvPr/>
+                </p:nvSpPr>
+                <p:spPr>
+                  <a:xfrm>
+                    <a:off x="5865034" y="1805128"/>
+                    <a:ext cx="1589712" cy="311726"/>
+                  </a:xfrm>
+                  <a:prstGeom prst="rect">
+                    <a:avLst/>
+                  </a:prstGeom>
+                  <a:solidFill>
+                    <a:schemeClr val="bg1">
+                      <a:lumMod val="50000"/>
+                      <a:alpha val="70000"/>
+                    </a:schemeClr>
+                  </a:solidFill>
+                  <a:ln>
+                    <a:noFill/>
+                  </a:ln>
+                </p:spPr>
+                <p:style>
+                  <a:lnRef idx="2">
+                    <a:schemeClr val="accent1">
+                      <a:shade val="50000"/>
+                    </a:schemeClr>
+                  </a:lnRef>
+                  <a:fillRef idx="1">
+                    <a:schemeClr val="accent1"/>
+                  </a:fillRef>
+                  <a:effectRef idx="0">
+                    <a:schemeClr val="accent1"/>
+                  </a:effectRef>
+                  <a:fontRef idx="minor">
+                    <a:schemeClr val="lt1"/>
+                  </a:fontRef>
+                </p:style>
+                <p:txBody>
+                  <a:bodyPr rtlCol="0" anchor="ctr"/>
+                  <a:lstStyle/>
+                  <a:p>
+                    <a:pPr algn="ctr"/>
+                    <a:endParaRPr lang="ko-KR" altLang="en-US"/>
+                  </a:p>
+                </p:txBody>
+              </p:sp>
+              <p:sp>
+                <p:nvSpPr>
+                  <p:cNvPr id="1085" name="직사각형 1084">
+                    <a:extLst>
+                      <a:ext uri="{FF2B5EF4-FFF2-40B4-BE49-F238E27FC236}">
+                        <a16:creationId xmlns:a16="http://schemas.microsoft.com/office/drawing/2014/main" id="{62C13655-2491-C9FB-A984-F4B834957B72}"/>
+                      </a:ext>
+                    </a:extLst>
+                  </p:cNvPr>
+                  <p:cNvSpPr/>
+                  <p:nvPr/>
+                </p:nvSpPr>
+                <p:spPr>
+                  <a:xfrm>
+                    <a:off x="5865034" y="2116854"/>
+                    <a:ext cx="1589712" cy="311726"/>
+                  </a:xfrm>
+                  <a:prstGeom prst="rect">
+                    <a:avLst/>
+                  </a:prstGeom>
+                  <a:solidFill>
+                    <a:schemeClr val="tx1">
+                      <a:lumMod val="75000"/>
+                      <a:lumOff val="25000"/>
+                      <a:alpha val="60000"/>
+                    </a:schemeClr>
+                  </a:solidFill>
+                  <a:ln>
+                    <a:noFill/>
+                  </a:ln>
+                </p:spPr>
+                <p:style>
+                  <a:lnRef idx="2">
+                    <a:schemeClr val="accent1">
+                      <a:shade val="50000"/>
+                    </a:schemeClr>
+                  </a:lnRef>
+                  <a:fillRef idx="1">
+                    <a:schemeClr val="accent1"/>
+                  </a:fillRef>
+                  <a:effectRef idx="0">
+                    <a:schemeClr val="accent1"/>
+                  </a:effectRef>
+                  <a:fontRef idx="minor">
+                    <a:schemeClr val="lt1"/>
+                  </a:fontRef>
+                </p:style>
+                <p:txBody>
+                  <a:bodyPr rtlCol="0" anchor="ctr"/>
+                  <a:lstStyle/>
+                  <a:p>
+                    <a:pPr algn="ctr"/>
+                    <a:endParaRPr lang="ko-KR" altLang="en-US" dirty="0"/>
+                  </a:p>
+                </p:txBody>
+              </p:sp>
+            </p:grpSp>
+            <p:sp>
+              <p:nvSpPr>
+                <p:cNvPr id="1086" name="직사각형 1085">
+                  <a:extLst>
+                    <a:ext uri="{FF2B5EF4-FFF2-40B4-BE49-F238E27FC236}">
+                      <a16:creationId xmlns:a16="http://schemas.microsoft.com/office/drawing/2014/main" id="{6EFF553B-2D4A-9B83-69A9-9C12E8697131}"/>
+                    </a:ext>
+                  </a:extLst>
+                </p:cNvPr>
+                <p:cNvSpPr/>
+                <p:nvPr/>
+              </p:nvSpPr>
+              <p:spPr>
+                <a:xfrm>
+                  <a:off x="9012302" y="960712"/>
+                  <a:ext cx="1589962" cy="276999"/>
+                </a:xfrm>
+                <a:prstGeom prst="rect">
+                  <a:avLst/>
+                </a:prstGeom>
+                <a:noFill/>
+                <a:ln>
+                  <a:noFill/>
+                </a:ln>
+              </p:spPr>
+              <p:style>
+                <a:lnRef idx="2">
+                  <a:schemeClr val="accent1">
+                    <a:shade val="50000"/>
+                  </a:schemeClr>
+                </a:lnRef>
+                <a:fillRef idx="1">
+                  <a:schemeClr val="accent1"/>
+                </a:fillRef>
+                <a:effectRef idx="0">
+                  <a:schemeClr val="accent1"/>
+                </a:effectRef>
+                <a:fontRef idx="minor">
+                  <a:schemeClr val="lt1"/>
+                </a:fontRef>
+              </p:style>
+              <p:txBody>
+                <a:bodyPr wrap="square" lIns="0" tIns="0" rIns="18000" bIns="0" rtlCol="0" anchor="ctr">
+                  <a:spAutoFit/>
+                </a:bodyPr>
+                <a:lstStyle/>
+                <a:p>
+                  <a:pPr algn="r"/>
+                  <a:r>
+                    <a:rPr lang="en-US" altLang="ko-KR" b="1" dirty="0">
+                      <a:solidFill>
+                        <a:schemeClr val="accent4"/>
+                      </a:solidFill>
+                      <a:latin typeface="나눔스퀘어 ExtraBold" panose="020B0600000101010101" pitchFamily="50" charset="-127"/>
+                      <a:ea typeface="나눔스퀘어 ExtraBold" panose="020B0600000101010101" pitchFamily="50" charset="-127"/>
+                    </a:rPr>
+                    <a:t>Main</a:t>
+                  </a:r>
+                  <a:r>
+                    <a:rPr lang="ko-KR" altLang="en-US" b="1" dirty="0">
+                      <a:solidFill>
+                        <a:schemeClr val="accent4"/>
+                      </a:solidFill>
+                      <a:latin typeface="나눔스퀘어 ExtraBold" panose="020B0600000101010101" pitchFamily="50" charset="-127"/>
+                      <a:ea typeface="나눔스퀘어 ExtraBold" panose="020B0600000101010101" pitchFamily="50" charset="-127"/>
+                    </a:rPr>
+                    <a:t> </a:t>
+                  </a:r>
+                  <a:r>
+                    <a:rPr lang="en-US" altLang="ko-KR" b="1" dirty="0">
+                      <a:solidFill>
+                        <a:schemeClr val="accent4"/>
+                      </a:solidFill>
+                      <a:latin typeface="나눔스퀘어 ExtraBold" panose="020B0600000101010101" pitchFamily="50" charset="-127"/>
+                      <a:ea typeface="나눔스퀘어 ExtraBold" panose="020B0600000101010101" pitchFamily="50" charset="-127"/>
+                    </a:rPr>
+                    <a:t>Mission</a:t>
+                  </a:r>
+                  <a:endParaRPr lang="ko-KR" altLang="en-US" b="1" dirty="0">
+                    <a:solidFill>
+                      <a:schemeClr val="accent4"/>
+                    </a:solidFill>
+                    <a:latin typeface="나눔스퀘어 ExtraBold" panose="020B0600000101010101" pitchFamily="50" charset="-127"/>
+                    <a:ea typeface="나눔스퀘어 ExtraBold" panose="020B0600000101010101" pitchFamily="50" charset="-127"/>
+                  </a:endParaRPr>
+                </a:p>
+              </p:txBody>
+            </p:sp>
+            <p:sp>
+              <p:nvSpPr>
+                <p:cNvPr id="1087" name="직사각형 1086">
+                  <a:extLst>
+                    <a:ext uri="{FF2B5EF4-FFF2-40B4-BE49-F238E27FC236}">
+                      <a16:creationId xmlns:a16="http://schemas.microsoft.com/office/drawing/2014/main" id="{AA8336E8-0975-5163-04CF-40BB187BC368}"/>
+                    </a:ext>
+                  </a:extLst>
+                </p:cNvPr>
+                <p:cNvSpPr/>
+                <p:nvPr/>
+              </p:nvSpPr>
+              <p:spPr>
+                <a:xfrm>
+                  <a:off x="9012552" y="1316780"/>
+                  <a:ext cx="1589712" cy="184666"/>
+                </a:xfrm>
+                <a:prstGeom prst="rect">
+                  <a:avLst/>
+                </a:prstGeom>
+                <a:noFill/>
+                <a:ln>
+                  <a:noFill/>
+                </a:ln>
+              </p:spPr>
+              <p:style>
+                <a:lnRef idx="2">
+                  <a:schemeClr val="accent1">
+                    <a:shade val="50000"/>
+                  </a:schemeClr>
+                </a:lnRef>
+                <a:fillRef idx="1">
+                  <a:schemeClr val="accent1"/>
+                </a:fillRef>
+                <a:effectRef idx="0">
+                  <a:schemeClr val="accent1"/>
+                </a:effectRef>
+                <a:fontRef idx="minor">
+                  <a:schemeClr val="lt1"/>
+                </a:fontRef>
+              </p:style>
+              <p:txBody>
+                <a:bodyPr lIns="0" tIns="0" rIns="18000" bIns="0" rtlCol="0" anchor="ctr">
+                  <a:spAutoFit/>
+                </a:bodyPr>
+                <a:lstStyle/>
+                <a:p>
+                  <a:pPr algn="r"/>
+                  <a:r>
+                    <a:rPr lang="ko-KR" altLang="en-US" sz="1200" b="1" dirty="0">
+                      <a:solidFill>
+                        <a:schemeClr val="bg1"/>
+                      </a:solidFill>
+                      <a:latin typeface="나눔스퀘어 Bold" panose="020B0600000101010101" pitchFamily="50" charset="-127"/>
+                      <a:ea typeface="나눔스퀘어 Bold" panose="020B0600000101010101" pitchFamily="50" charset="-127"/>
+                    </a:rPr>
+                    <a:t>적 모두 처치</a:t>
+                  </a:r>
+                </a:p>
+              </p:txBody>
+            </p:sp>
+          </p:grpSp>
+          <p:sp>
+            <p:nvSpPr>
+              <p:cNvPr id="1089" name="직사각형 1088">
+                <a:extLst>
+                  <a:ext uri="{FF2B5EF4-FFF2-40B4-BE49-F238E27FC236}">
+                    <a16:creationId xmlns:a16="http://schemas.microsoft.com/office/drawing/2014/main" id="{EEA94E1E-F89A-203E-9F5D-A99978662962}"/>
+                  </a:ext>
+                </a:extLst>
+              </p:cNvPr>
+              <p:cNvSpPr/>
+              <p:nvPr/>
+            </p:nvSpPr>
+            <p:spPr>
+              <a:xfrm>
+                <a:off x="9060657" y="1254071"/>
+                <a:ext cx="1589712" cy="311726"/>
+              </a:xfrm>
+              <a:prstGeom prst="rect">
+                <a:avLst/>
+              </a:prstGeom>
+              <a:solidFill>
+                <a:schemeClr val="tx1">
+                  <a:lumMod val="75000"/>
+                  <a:lumOff val="25000"/>
+                  <a:alpha val="70000"/>
+                </a:schemeClr>
+              </a:solidFill>
+              <a:ln>
+                <a:noFill/>
+              </a:ln>
+            </p:spPr>
+            <p:style>
+              <a:lnRef idx="2">
+                <a:schemeClr val="accent1">
+                  <a:shade val="50000"/>
+                </a:schemeClr>
+              </a:lnRef>
+              <a:fillRef idx="1">
+                <a:schemeClr val="accent1"/>
+              </a:fillRef>
+              <a:effectRef idx="0">
+                <a:schemeClr val="accent1"/>
+              </a:effectRef>
+              <a:fontRef idx="minor">
+                <a:schemeClr val="lt1"/>
+              </a:fontRef>
+            </p:style>
+            <p:txBody>
+              <a:bodyPr rtlCol="0" anchor="ctr"/>
+              <a:lstStyle/>
+              <a:p>
+                <a:pPr algn="ctr"/>
+                <a:endParaRPr lang="ko-KR" altLang="en-US" dirty="0"/>
+              </a:p>
+            </p:txBody>
+          </p:sp>
+          <p:sp>
+            <p:nvSpPr>
+              <p:cNvPr id="1090" name="직사각형 1089">
+                <a:extLst>
+                  <a:ext uri="{FF2B5EF4-FFF2-40B4-BE49-F238E27FC236}">
+                    <a16:creationId xmlns:a16="http://schemas.microsoft.com/office/drawing/2014/main" id="{DEF5EE6A-ABE8-D42B-2A72-07890285A4EE}"/>
+                  </a:ext>
+                </a:extLst>
+              </p:cNvPr>
+              <p:cNvSpPr/>
+              <p:nvPr/>
+            </p:nvSpPr>
+            <p:spPr>
+              <a:xfrm>
+                <a:off x="9060653" y="1318697"/>
+                <a:ext cx="1589712" cy="184666"/>
+              </a:xfrm>
+              <a:prstGeom prst="rect">
+                <a:avLst/>
+              </a:prstGeom>
+              <a:noFill/>
+              <a:ln>
+                <a:noFill/>
+              </a:ln>
+            </p:spPr>
+            <p:style>
+              <a:lnRef idx="2">
+                <a:schemeClr val="accent1">
+                  <a:shade val="50000"/>
+                </a:schemeClr>
+              </a:lnRef>
+              <a:fillRef idx="1">
+                <a:schemeClr val="accent1"/>
+              </a:fillRef>
+              <a:effectRef idx="0">
+                <a:schemeClr val="accent1"/>
+              </a:effectRef>
+              <a:fontRef idx="minor">
+                <a:schemeClr val="lt1"/>
+              </a:fontRef>
+            </p:style>
+            <p:txBody>
+              <a:bodyPr lIns="0" tIns="0" rIns="18000" bIns="0" rtlCol="0" anchor="ctr">
+                <a:spAutoFit/>
+              </a:bodyPr>
+              <a:lstStyle/>
+              <a:p>
+                <a:pPr algn="r"/>
+                <a:r>
+                  <a:rPr lang="en-US" altLang="ko-KR" sz="1200" b="1" dirty="0">
+                    <a:solidFill>
+                      <a:schemeClr val="bg1"/>
+                    </a:solidFill>
+                    <a:latin typeface="나눔스퀘어 Bold" panose="020B0600000101010101" pitchFamily="50" charset="-127"/>
+                    <a:ea typeface="나눔스퀘어 Bold" panose="020B0600000101010101" pitchFamily="50" charset="-127"/>
+                  </a:rPr>
+                  <a:t>/20</a:t>
+                </a:r>
+                <a:endParaRPr lang="ko-KR" altLang="en-US" sz="1200" b="1" dirty="0">
+                  <a:solidFill>
+                    <a:schemeClr val="bg1"/>
+                  </a:solidFill>
+                  <a:latin typeface="나눔스퀘어 Bold" panose="020B0600000101010101" pitchFamily="50" charset="-127"/>
+                  <a:ea typeface="나눔스퀘어 Bold" panose="020B0600000101010101" pitchFamily="50" charset="-127"/>
+                </a:endParaRPr>
+              </a:p>
+            </p:txBody>
+          </p:sp>
+        </p:grpSp>
+        <p:grpSp>
+          <p:nvGrpSpPr>
+            <p:cNvPr id="1092" name="그룹 1091">
+              <a:extLst>
+                <a:ext uri="{FF2B5EF4-FFF2-40B4-BE49-F238E27FC236}">
+                  <a16:creationId xmlns:a16="http://schemas.microsoft.com/office/drawing/2014/main" id="{3D6CABFD-D012-A047-9955-F54A1206C408}"/>
+                </a:ext>
+              </a:extLst>
+            </p:cNvPr>
+            <p:cNvGrpSpPr/>
+            <p:nvPr/>
+          </p:nvGrpSpPr>
+          <p:grpSpPr>
+            <a:xfrm>
+              <a:off x="10602280" y="702477"/>
+              <a:ext cx="1589720" cy="934528"/>
+              <a:chOff x="9060653" y="631269"/>
+              <a:chExt cx="1589720" cy="934528"/>
+            </a:xfrm>
+          </p:grpSpPr>
+          <p:grpSp>
+            <p:nvGrpSpPr>
+              <p:cNvPr id="1093" name="그룹 1092">
+                <a:extLst>
+                  <a:ext uri="{FF2B5EF4-FFF2-40B4-BE49-F238E27FC236}">
+                    <a16:creationId xmlns:a16="http://schemas.microsoft.com/office/drawing/2014/main" id="{FF773665-0174-D07B-E2E6-F2BF918F5732}"/>
+                  </a:ext>
+                </a:extLst>
+              </p:cNvPr>
+              <p:cNvGrpSpPr/>
+              <p:nvPr/>
+            </p:nvGrpSpPr>
+            <p:grpSpPr>
+              <a:xfrm>
+                <a:off x="9060657" y="631269"/>
+                <a:ext cx="1589716" cy="623452"/>
+                <a:chOff x="9012548" y="942266"/>
+                <a:chExt cx="1589716" cy="623452"/>
+              </a:xfrm>
+            </p:grpSpPr>
+            <p:grpSp>
+              <p:nvGrpSpPr>
+                <p:cNvPr id="1096" name="그룹 1095">
+                  <a:extLst>
+                    <a:ext uri="{FF2B5EF4-FFF2-40B4-BE49-F238E27FC236}">
+                      <a16:creationId xmlns:a16="http://schemas.microsoft.com/office/drawing/2014/main" id="{2F8B8F25-9751-3186-7132-F80B644475B1}"/>
+                    </a:ext>
+                  </a:extLst>
+                </p:cNvPr>
+                <p:cNvGrpSpPr/>
+                <p:nvPr/>
+              </p:nvGrpSpPr>
+              <p:grpSpPr>
+                <a:xfrm>
+                  <a:off x="9012548" y="942266"/>
+                  <a:ext cx="1589712" cy="623452"/>
+                  <a:chOff x="5865034" y="1805128"/>
+                  <a:chExt cx="1589712" cy="623452"/>
+                </a:xfrm>
+              </p:grpSpPr>
+              <p:sp>
+                <p:nvSpPr>
+                  <p:cNvPr id="1099" name="직사각형 1098">
+                    <a:extLst>
+                      <a:ext uri="{FF2B5EF4-FFF2-40B4-BE49-F238E27FC236}">
+                        <a16:creationId xmlns:a16="http://schemas.microsoft.com/office/drawing/2014/main" id="{14527588-E633-0C55-96B2-07FB4F39F0C5}"/>
+                      </a:ext>
+                    </a:extLst>
+                  </p:cNvPr>
+                  <p:cNvSpPr/>
+                  <p:nvPr/>
+                </p:nvSpPr>
+                <p:spPr>
+                  <a:xfrm>
+                    <a:off x="5865034" y="1805128"/>
+                    <a:ext cx="1589712" cy="311726"/>
+                  </a:xfrm>
+                  <a:prstGeom prst="rect">
+                    <a:avLst/>
+                  </a:prstGeom>
+                  <a:solidFill>
+                    <a:schemeClr val="bg1">
+                      <a:lumMod val="50000"/>
+                      <a:alpha val="70000"/>
+                    </a:schemeClr>
+                  </a:solidFill>
+                  <a:ln>
+                    <a:noFill/>
+                  </a:ln>
+                </p:spPr>
+                <p:style>
+                  <a:lnRef idx="2">
+                    <a:schemeClr val="accent1">
+                      <a:shade val="50000"/>
+                    </a:schemeClr>
+                  </a:lnRef>
+                  <a:fillRef idx="1">
+                    <a:schemeClr val="accent1"/>
+                  </a:fillRef>
+                  <a:effectRef idx="0">
+                    <a:schemeClr val="accent1"/>
+                  </a:effectRef>
+                  <a:fontRef idx="minor">
+                    <a:schemeClr val="lt1"/>
+                  </a:fontRef>
+                </p:style>
+                <p:txBody>
+                  <a:bodyPr rtlCol="0" anchor="ctr"/>
+                  <a:lstStyle/>
+                  <a:p>
+                    <a:pPr algn="ctr"/>
+                    <a:endParaRPr lang="ko-KR" altLang="en-US"/>
+                  </a:p>
+                </p:txBody>
+              </p:sp>
+              <p:sp>
+                <p:nvSpPr>
+                  <p:cNvPr id="1100" name="직사각형 1099">
+                    <a:extLst>
+                      <a:ext uri="{FF2B5EF4-FFF2-40B4-BE49-F238E27FC236}">
+                        <a16:creationId xmlns:a16="http://schemas.microsoft.com/office/drawing/2014/main" id="{6480D427-A4EA-FE06-C772-3942032BA18D}"/>
+                      </a:ext>
+                    </a:extLst>
+                  </p:cNvPr>
+                  <p:cNvSpPr/>
+                  <p:nvPr/>
+                </p:nvSpPr>
+                <p:spPr>
+                  <a:xfrm>
+                    <a:off x="5865034" y="2116854"/>
+                    <a:ext cx="1589712" cy="311726"/>
+                  </a:xfrm>
+                  <a:prstGeom prst="rect">
+                    <a:avLst/>
+                  </a:prstGeom>
+                  <a:solidFill>
+                    <a:schemeClr val="tx1">
+                      <a:lumMod val="75000"/>
+                      <a:lumOff val="25000"/>
+                      <a:alpha val="60000"/>
+                    </a:schemeClr>
+                  </a:solidFill>
+                  <a:ln>
+                    <a:noFill/>
+                  </a:ln>
+                </p:spPr>
+                <p:style>
+                  <a:lnRef idx="2">
+                    <a:schemeClr val="accent1">
+                      <a:shade val="50000"/>
+                    </a:schemeClr>
+                  </a:lnRef>
+                  <a:fillRef idx="1">
+                    <a:schemeClr val="accent1"/>
+                  </a:fillRef>
+                  <a:effectRef idx="0">
+                    <a:schemeClr val="accent1"/>
+                  </a:effectRef>
+                  <a:fontRef idx="minor">
+                    <a:schemeClr val="lt1"/>
+                  </a:fontRef>
+                </p:style>
+                <p:txBody>
+                  <a:bodyPr rtlCol="0" anchor="ctr"/>
+                  <a:lstStyle/>
+                  <a:p>
+                    <a:pPr algn="ctr"/>
+                    <a:endParaRPr lang="ko-KR" altLang="en-US" dirty="0"/>
+                  </a:p>
+                </p:txBody>
+              </p:sp>
+            </p:grpSp>
+            <p:sp>
+              <p:nvSpPr>
+                <p:cNvPr id="1097" name="직사각형 1096">
+                  <a:extLst>
+                    <a:ext uri="{FF2B5EF4-FFF2-40B4-BE49-F238E27FC236}">
+                      <a16:creationId xmlns:a16="http://schemas.microsoft.com/office/drawing/2014/main" id="{8B49F8FD-5776-1011-65C1-3E318F196D2B}"/>
+                    </a:ext>
+                  </a:extLst>
+                </p:cNvPr>
+                <p:cNvSpPr/>
+                <p:nvPr/>
+              </p:nvSpPr>
+              <p:spPr>
+                <a:xfrm>
+                  <a:off x="9012552" y="960712"/>
+                  <a:ext cx="1589712" cy="276999"/>
+                </a:xfrm>
+                <a:prstGeom prst="rect">
+                  <a:avLst/>
+                </a:prstGeom>
+                <a:noFill/>
+                <a:ln>
+                  <a:noFill/>
+                </a:ln>
+              </p:spPr>
+              <p:style>
+                <a:lnRef idx="2">
+                  <a:schemeClr val="accent1">
+                    <a:shade val="50000"/>
+                  </a:schemeClr>
+                </a:lnRef>
+                <a:fillRef idx="1">
+                  <a:schemeClr val="accent1"/>
+                </a:fillRef>
+                <a:effectRef idx="0">
+                  <a:schemeClr val="accent1"/>
+                </a:effectRef>
+                <a:fontRef idx="minor">
+                  <a:schemeClr val="lt1"/>
+                </a:fontRef>
+              </p:style>
+              <p:txBody>
+                <a:bodyPr lIns="0" tIns="0" rIns="18000" bIns="0" rtlCol="0" anchor="ctr">
+                  <a:spAutoFit/>
+                </a:bodyPr>
+                <a:lstStyle/>
+                <a:p>
+                  <a:pPr algn="r"/>
+                  <a:r>
+                    <a:rPr lang="en-US" altLang="ko-KR" b="1" dirty="0">
+                      <a:solidFill>
+                        <a:schemeClr val="accent4"/>
+                      </a:solidFill>
+                      <a:latin typeface="나눔스퀘어 ExtraBold" panose="020B0600000101010101" pitchFamily="50" charset="-127"/>
+                      <a:ea typeface="나눔스퀘어 ExtraBold" panose="020B0600000101010101" pitchFamily="50" charset="-127"/>
+                    </a:rPr>
+                    <a:t>Main</a:t>
+                  </a:r>
+                  <a:r>
+                    <a:rPr lang="ko-KR" altLang="en-US" b="1" dirty="0">
+                      <a:solidFill>
+                        <a:schemeClr val="accent4"/>
+                      </a:solidFill>
+                      <a:latin typeface="나눔스퀘어 ExtraBold" panose="020B0600000101010101" pitchFamily="50" charset="-127"/>
+                      <a:ea typeface="나눔스퀘어 ExtraBold" panose="020B0600000101010101" pitchFamily="50" charset="-127"/>
+                    </a:rPr>
+                    <a:t> </a:t>
+                  </a:r>
+                  <a:r>
+                    <a:rPr lang="en-US" altLang="ko-KR" b="1" dirty="0">
+                      <a:solidFill>
+                        <a:schemeClr val="accent4"/>
+                      </a:solidFill>
+                      <a:latin typeface="나눔스퀘어 ExtraBold" panose="020B0600000101010101" pitchFamily="50" charset="-127"/>
+                      <a:ea typeface="나눔스퀘어 ExtraBold" panose="020B0600000101010101" pitchFamily="50" charset="-127"/>
+                    </a:rPr>
+                    <a:t>Mission</a:t>
+                  </a:r>
+                  <a:endParaRPr lang="ko-KR" altLang="en-US" b="1" dirty="0">
+                    <a:solidFill>
+                      <a:schemeClr val="accent4"/>
+                    </a:solidFill>
+                    <a:latin typeface="나눔스퀘어 ExtraBold" panose="020B0600000101010101" pitchFamily="50" charset="-127"/>
+                    <a:ea typeface="나눔스퀘어 ExtraBold" panose="020B0600000101010101" pitchFamily="50" charset="-127"/>
+                  </a:endParaRPr>
+                </a:p>
+              </p:txBody>
+            </p:sp>
+            <p:sp>
+              <p:nvSpPr>
+                <p:cNvPr id="1098" name="직사각형 1097">
+                  <a:extLst>
+                    <a:ext uri="{FF2B5EF4-FFF2-40B4-BE49-F238E27FC236}">
+                      <a16:creationId xmlns:a16="http://schemas.microsoft.com/office/drawing/2014/main" id="{9E9A8FE6-FD06-4114-415D-57C9780D16E7}"/>
+                    </a:ext>
+                  </a:extLst>
+                </p:cNvPr>
+                <p:cNvSpPr/>
+                <p:nvPr/>
+              </p:nvSpPr>
+              <p:spPr>
+                <a:xfrm>
+                  <a:off x="9012552" y="1316780"/>
+                  <a:ext cx="1589712" cy="184666"/>
+                </a:xfrm>
+                <a:prstGeom prst="rect">
+                  <a:avLst/>
+                </a:prstGeom>
+                <a:noFill/>
+                <a:ln>
+                  <a:noFill/>
+                </a:ln>
+              </p:spPr>
+              <p:style>
+                <a:lnRef idx="2">
+                  <a:schemeClr val="accent1">
+                    <a:shade val="50000"/>
+                  </a:schemeClr>
+                </a:lnRef>
+                <a:fillRef idx="1">
+                  <a:schemeClr val="accent1"/>
+                </a:fillRef>
+                <a:effectRef idx="0">
+                  <a:schemeClr val="accent1"/>
+                </a:effectRef>
+                <a:fontRef idx="minor">
+                  <a:schemeClr val="lt1"/>
+                </a:fontRef>
+              </p:style>
+              <p:txBody>
+                <a:bodyPr lIns="0" tIns="0" rIns="18000" bIns="0" rtlCol="0" anchor="ctr">
+                  <a:spAutoFit/>
+                </a:bodyPr>
+                <a:lstStyle/>
+                <a:p>
+                  <a:pPr algn="r"/>
+                  <a:r>
+                    <a:rPr lang="ko-KR" altLang="en-US" sz="1200" b="1" dirty="0">
+                      <a:solidFill>
+                        <a:schemeClr val="bg1"/>
+                      </a:solidFill>
+                      <a:latin typeface="나눔스퀘어 Bold" panose="020B0600000101010101" pitchFamily="50" charset="-127"/>
+                      <a:ea typeface="나눔스퀘어 Bold" panose="020B0600000101010101" pitchFamily="50" charset="-127"/>
+                    </a:rPr>
+                    <a:t>거점 점령 </a:t>
+                  </a:r>
+                  <a:r>
+                    <a:rPr lang="en-US" altLang="ko-KR" sz="1200" b="1" dirty="0">
+                      <a:solidFill>
+                        <a:schemeClr val="bg1"/>
+                      </a:solidFill>
+                      <a:latin typeface="나눔스퀘어 Bold" panose="020B0600000101010101" pitchFamily="50" charset="-127"/>
+                      <a:ea typeface="나눔스퀘어 Bold" panose="020B0600000101010101" pitchFamily="50" charset="-127"/>
+                    </a:rPr>
+                    <a:t>100% </a:t>
+                  </a:r>
+                  <a:r>
+                    <a:rPr lang="ko-KR" altLang="en-US" sz="1200" b="1" dirty="0">
+                      <a:solidFill>
+                        <a:schemeClr val="bg1"/>
+                      </a:solidFill>
+                      <a:latin typeface="나눔스퀘어 Bold" panose="020B0600000101010101" pitchFamily="50" charset="-127"/>
+                      <a:ea typeface="나눔스퀘어 Bold" panose="020B0600000101010101" pitchFamily="50" charset="-127"/>
+                    </a:rPr>
+                    <a:t>달성</a:t>
+                  </a:r>
+                </a:p>
+              </p:txBody>
+            </p:sp>
+          </p:grpSp>
+          <p:sp>
+            <p:nvSpPr>
+              <p:cNvPr id="1094" name="직사각형 1093">
+                <a:extLst>
+                  <a:ext uri="{FF2B5EF4-FFF2-40B4-BE49-F238E27FC236}">
+                    <a16:creationId xmlns:a16="http://schemas.microsoft.com/office/drawing/2014/main" id="{EB7AEC22-E616-F417-921C-EC4093A5C8CC}"/>
+                  </a:ext>
+                </a:extLst>
+              </p:cNvPr>
+              <p:cNvSpPr/>
+              <p:nvPr/>
+            </p:nvSpPr>
+            <p:spPr>
+              <a:xfrm>
+                <a:off x="9060657" y="1254071"/>
+                <a:ext cx="1589712" cy="311726"/>
+              </a:xfrm>
+              <a:prstGeom prst="rect">
+                <a:avLst/>
+              </a:prstGeom>
+              <a:solidFill>
+                <a:schemeClr val="tx1">
+                  <a:lumMod val="75000"/>
+                  <a:lumOff val="25000"/>
+                  <a:alpha val="70000"/>
+                </a:schemeClr>
+              </a:solidFill>
+              <a:ln>
+                <a:noFill/>
+              </a:ln>
+            </p:spPr>
+            <p:style>
+              <a:lnRef idx="2">
+                <a:schemeClr val="accent1">
+                  <a:shade val="50000"/>
+                </a:schemeClr>
+              </a:lnRef>
+              <a:fillRef idx="1">
+                <a:schemeClr val="accent1"/>
+              </a:fillRef>
+              <a:effectRef idx="0">
+                <a:schemeClr val="accent1"/>
+              </a:effectRef>
+              <a:fontRef idx="minor">
+                <a:schemeClr val="lt1"/>
+              </a:fontRef>
+            </p:style>
+            <p:txBody>
+              <a:bodyPr rtlCol="0" anchor="ctr"/>
+              <a:lstStyle/>
+              <a:p>
+                <a:pPr algn="ctr"/>
+                <a:endParaRPr lang="ko-KR" altLang="en-US" dirty="0"/>
+              </a:p>
+            </p:txBody>
+          </p:sp>
+          <p:sp>
+            <p:nvSpPr>
+              <p:cNvPr id="1095" name="직사각형 1094">
+                <a:extLst>
+                  <a:ext uri="{FF2B5EF4-FFF2-40B4-BE49-F238E27FC236}">
+                    <a16:creationId xmlns:a16="http://schemas.microsoft.com/office/drawing/2014/main" id="{27A88EAE-1267-8FD6-BB5C-77CCDA598422}"/>
+                  </a:ext>
+                </a:extLst>
+              </p:cNvPr>
+              <p:cNvSpPr/>
+              <p:nvPr/>
+            </p:nvSpPr>
+            <p:spPr>
+              <a:xfrm>
+                <a:off x="9060653" y="1318697"/>
+                <a:ext cx="1589712" cy="184666"/>
+              </a:xfrm>
+              <a:prstGeom prst="rect">
+                <a:avLst/>
+              </a:prstGeom>
+              <a:noFill/>
+              <a:ln>
+                <a:noFill/>
+              </a:ln>
+            </p:spPr>
+            <p:style>
+              <a:lnRef idx="2">
+                <a:schemeClr val="accent1">
+                  <a:shade val="50000"/>
+                </a:schemeClr>
+              </a:lnRef>
+              <a:fillRef idx="1">
+                <a:schemeClr val="accent1"/>
+              </a:fillRef>
+              <a:effectRef idx="0">
+                <a:schemeClr val="accent1"/>
+              </a:effectRef>
+              <a:fontRef idx="minor">
+                <a:schemeClr val="lt1"/>
+              </a:fontRef>
+            </p:style>
+            <p:txBody>
+              <a:bodyPr lIns="0" tIns="0" rIns="18000" bIns="0" rtlCol="0" anchor="ctr">
+                <a:spAutoFit/>
+              </a:bodyPr>
+              <a:lstStyle/>
+              <a:p>
+                <a:pPr algn="r"/>
+                <a:r>
+                  <a:rPr lang="en-US" altLang="ko-KR" sz="1200" b="1" dirty="0">
+                    <a:solidFill>
+                      <a:schemeClr val="bg1"/>
+                    </a:solidFill>
+                    <a:latin typeface="나눔스퀘어 Bold" panose="020B0600000101010101" pitchFamily="50" charset="-127"/>
+                    <a:ea typeface="나눔스퀘어 Bold" panose="020B0600000101010101" pitchFamily="50" charset="-127"/>
+                  </a:rPr>
+                  <a:t>%/100%</a:t>
+                </a:r>
+                <a:endParaRPr lang="ko-KR" altLang="en-US" sz="1200" b="1" dirty="0">
+                  <a:solidFill>
+                    <a:schemeClr val="bg1"/>
+                  </a:solidFill>
+                  <a:latin typeface="나눔스퀘어 Bold" panose="020B0600000101010101" pitchFamily="50" charset="-127"/>
+                  <a:ea typeface="나눔스퀘어 Bold" panose="020B0600000101010101" pitchFamily="50" charset="-127"/>
+                </a:endParaRPr>
+              </a:p>
+            </p:txBody>
+          </p:sp>
+        </p:grpSp>
+      </p:grpSp>
+      <p:grpSp>
+        <p:nvGrpSpPr>
+          <p:cNvPr id="1079" name="그룹 1078">
+            <a:extLst>
+              <a:ext uri="{FF2B5EF4-FFF2-40B4-BE49-F238E27FC236}">
+                <a16:creationId xmlns:a16="http://schemas.microsoft.com/office/drawing/2014/main" id="{8BE3DDAC-AFA5-95BB-9E60-5E9E03DF701D}"/>
+              </a:ext>
+            </a:extLst>
+          </p:cNvPr>
+          <p:cNvGrpSpPr/>
+          <p:nvPr/>
+        </p:nvGrpSpPr>
+        <p:grpSpPr>
+          <a:xfrm>
+            <a:off x="7422592" y="1802658"/>
+            <a:ext cx="4769427" cy="934945"/>
+            <a:chOff x="7422592" y="1802658"/>
+            <a:chExt cx="4769427" cy="934945"/>
+          </a:xfrm>
+        </p:grpSpPr>
+        <p:sp>
+          <p:nvSpPr>
+            <p:cNvPr id="1036" name="직사각형 1035">
+              <a:extLst>
+                <a:ext uri="{FF2B5EF4-FFF2-40B4-BE49-F238E27FC236}">
+                  <a16:creationId xmlns:a16="http://schemas.microsoft.com/office/drawing/2014/main" id="{B5CBADA3-4C1D-2B5F-FB0E-FD5DC4646684}"/>
+                </a:ext>
+              </a:extLst>
+            </p:cNvPr>
+            <p:cNvSpPr/>
+            <p:nvPr/>
+          </p:nvSpPr>
+          <p:spPr>
+            <a:xfrm>
+              <a:off x="9012546" y="1803075"/>
+              <a:ext cx="1589712" cy="311726"/>
+            </a:xfrm>
+            <a:prstGeom prst="rect">
+              <a:avLst/>
+            </a:prstGeom>
+            <a:solidFill>
+              <a:schemeClr val="bg1">
+                <a:lumMod val="50000"/>
+                <a:alpha val="70000"/>
+              </a:schemeClr>
+            </a:solidFill>
+            <a:ln>
+              <a:noFill/>
+            </a:ln>
+          </p:spPr>
+          <p:style>
+            <a:lnRef idx="2">
+              <a:schemeClr val="accent1">
+                <a:shade val="50000"/>
+              </a:schemeClr>
+            </a:lnRef>
+            <a:fillRef idx="1">
+              <a:schemeClr val="accent1"/>
+            </a:fillRef>
+            <a:effectRef idx="0">
+              <a:schemeClr val="accent1"/>
+            </a:effectRef>
+            <a:fontRef idx="minor">
+              <a:schemeClr val="lt1"/>
+            </a:fontRef>
+          </p:style>
+          <p:txBody>
+            <a:bodyPr rtlCol="0" anchor="ctr"/>
+            <a:lstStyle/>
+            <a:p>
+              <a:pPr algn="ctr"/>
+              <a:endParaRPr lang="ko-KR" altLang="en-US"/>
+            </a:p>
+          </p:txBody>
+        </p:sp>
+        <p:sp>
+          <p:nvSpPr>
+            <p:cNvPr id="1037" name="직사각형 1036">
+              <a:extLst>
+                <a:ext uri="{FF2B5EF4-FFF2-40B4-BE49-F238E27FC236}">
+                  <a16:creationId xmlns:a16="http://schemas.microsoft.com/office/drawing/2014/main" id="{7BA16EB6-841A-F7E3-56B5-D66259E88D41}"/>
+                </a:ext>
+              </a:extLst>
+            </p:cNvPr>
+            <p:cNvSpPr/>
+            <p:nvPr/>
+          </p:nvSpPr>
+          <p:spPr>
+            <a:xfrm>
+              <a:off x="9012546" y="2114801"/>
+              <a:ext cx="1589712" cy="311726"/>
+            </a:xfrm>
+            <a:prstGeom prst="rect">
+              <a:avLst/>
+            </a:prstGeom>
+            <a:solidFill>
+              <a:schemeClr val="tx1">
+                <a:lumMod val="75000"/>
+                <a:lumOff val="25000"/>
+                <a:alpha val="60000"/>
+              </a:schemeClr>
+            </a:solidFill>
+            <a:ln>
+              <a:noFill/>
+            </a:ln>
+          </p:spPr>
+          <p:style>
+            <a:lnRef idx="2">
+              <a:schemeClr val="accent1">
+                <a:shade val="50000"/>
+              </a:schemeClr>
+            </a:lnRef>
+            <a:fillRef idx="1">
+              <a:schemeClr val="accent1"/>
+            </a:fillRef>
+            <a:effectRef idx="0">
+              <a:schemeClr val="accent1"/>
+            </a:effectRef>
+            <a:fontRef idx="minor">
+              <a:schemeClr val="lt1"/>
+            </a:fontRef>
+          </p:style>
+          <p:txBody>
+            <a:bodyPr rtlCol="0" anchor="ctr"/>
+            <a:lstStyle/>
+            <a:p>
+              <a:pPr algn="ctr"/>
+              <a:endParaRPr lang="ko-KR" altLang="en-US" dirty="0"/>
+            </a:p>
+          </p:txBody>
+        </p:sp>
+        <p:sp>
+          <p:nvSpPr>
+            <p:cNvPr id="1031" name="직사각형 1030">
+              <a:extLst>
+                <a:ext uri="{FF2B5EF4-FFF2-40B4-BE49-F238E27FC236}">
+                  <a16:creationId xmlns:a16="http://schemas.microsoft.com/office/drawing/2014/main" id="{79B6F9D5-5A5B-AA95-B7FA-C33A4D3B7E39}"/>
+                </a:ext>
+              </a:extLst>
+            </p:cNvPr>
+            <p:cNvSpPr/>
+            <p:nvPr/>
+          </p:nvSpPr>
+          <p:spPr>
+            <a:xfrm>
+              <a:off x="9012546" y="2425877"/>
+              <a:ext cx="1589712" cy="311726"/>
+            </a:xfrm>
+            <a:prstGeom prst="rect">
+              <a:avLst/>
+            </a:prstGeom>
+            <a:solidFill>
+              <a:schemeClr val="tx1">
+                <a:lumMod val="75000"/>
+                <a:lumOff val="25000"/>
+                <a:alpha val="70000"/>
+              </a:schemeClr>
+            </a:solidFill>
+            <a:ln>
+              <a:noFill/>
+            </a:ln>
+          </p:spPr>
+          <p:style>
+            <a:lnRef idx="2">
+              <a:schemeClr val="accent1">
+                <a:shade val="50000"/>
+              </a:schemeClr>
+            </a:lnRef>
+            <a:fillRef idx="1">
+              <a:schemeClr val="accent1"/>
+            </a:fillRef>
+            <a:effectRef idx="0">
+              <a:schemeClr val="accent1"/>
+            </a:effectRef>
+            <a:fontRef idx="minor">
+              <a:schemeClr val="lt1"/>
+            </a:fontRef>
+          </p:style>
+          <p:txBody>
+            <a:bodyPr rtlCol="0" anchor="ctr"/>
+            <a:lstStyle/>
+            <a:p>
+              <a:pPr algn="ctr"/>
+              <a:endParaRPr lang="ko-KR" altLang="en-US" dirty="0"/>
+            </a:p>
+          </p:txBody>
+        </p:sp>
+        <p:sp>
+          <p:nvSpPr>
+            <p:cNvPr id="1028" name="직사각형 1027">
+              <a:extLst>
+                <a:ext uri="{FF2B5EF4-FFF2-40B4-BE49-F238E27FC236}">
+                  <a16:creationId xmlns:a16="http://schemas.microsoft.com/office/drawing/2014/main" id="{098A8888-6EE6-88BC-5E1E-CE814E0039B1}"/>
+                </a:ext>
+              </a:extLst>
+            </p:cNvPr>
+            <p:cNvSpPr/>
+            <p:nvPr/>
+          </p:nvSpPr>
+          <p:spPr>
+            <a:xfrm>
+              <a:off x="10602284" y="1803075"/>
+              <a:ext cx="1589712" cy="311726"/>
+            </a:xfrm>
+            <a:prstGeom prst="rect">
+              <a:avLst/>
+            </a:prstGeom>
+            <a:solidFill>
+              <a:schemeClr val="bg1">
+                <a:lumMod val="50000"/>
+                <a:alpha val="70000"/>
+              </a:schemeClr>
+            </a:solidFill>
+            <a:ln>
+              <a:noFill/>
+            </a:ln>
+          </p:spPr>
+          <p:style>
+            <a:lnRef idx="2">
+              <a:schemeClr val="accent1">
+                <a:shade val="50000"/>
+              </a:schemeClr>
+            </a:lnRef>
+            <a:fillRef idx="1">
+              <a:schemeClr val="accent1"/>
+            </a:fillRef>
+            <a:effectRef idx="0">
+              <a:schemeClr val="accent1"/>
+            </a:effectRef>
+            <a:fontRef idx="minor">
+              <a:schemeClr val="lt1"/>
+            </a:fontRef>
+          </p:style>
+          <p:txBody>
+            <a:bodyPr rtlCol="0" anchor="ctr"/>
+            <a:lstStyle/>
+            <a:p>
+              <a:pPr algn="ctr"/>
+              <a:endParaRPr lang="ko-KR" altLang="en-US"/>
+            </a:p>
+          </p:txBody>
+        </p:sp>
+        <p:sp>
+          <p:nvSpPr>
+            <p:cNvPr id="1029" name="직사각형 1028">
+              <a:extLst>
+                <a:ext uri="{FF2B5EF4-FFF2-40B4-BE49-F238E27FC236}">
+                  <a16:creationId xmlns:a16="http://schemas.microsoft.com/office/drawing/2014/main" id="{091D9DC7-F85A-4DE9-7695-1855D209B1DE}"/>
+                </a:ext>
+              </a:extLst>
+            </p:cNvPr>
+            <p:cNvSpPr/>
+            <p:nvPr/>
+          </p:nvSpPr>
+          <p:spPr>
+            <a:xfrm>
+              <a:off x="10602284" y="2114801"/>
+              <a:ext cx="1589712" cy="311726"/>
+            </a:xfrm>
+            <a:prstGeom prst="rect">
+              <a:avLst/>
+            </a:prstGeom>
+            <a:solidFill>
+              <a:schemeClr val="tx1">
+                <a:lumMod val="75000"/>
+                <a:lumOff val="25000"/>
+                <a:alpha val="60000"/>
+              </a:schemeClr>
+            </a:solidFill>
+            <a:ln>
+              <a:noFill/>
+            </a:ln>
+          </p:spPr>
+          <p:style>
+            <a:lnRef idx="2">
+              <a:schemeClr val="accent1">
+                <a:shade val="50000"/>
+              </a:schemeClr>
+            </a:lnRef>
+            <a:fillRef idx="1">
+              <a:schemeClr val="accent1"/>
+            </a:fillRef>
+            <a:effectRef idx="0">
+              <a:schemeClr val="accent1"/>
+            </a:effectRef>
+            <a:fontRef idx="minor">
+              <a:schemeClr val="lt1"/>
+            </a:fontRef>
+          </p:style>
+          <p:txBody>
+            <a:bodyPr rtlCol="0" anchor="ctr"/>
+            <a:lstStyle/>
+            <a:p>
+              <a:pPr algn="ctr"/>
+              <a:endParaRPr lang="ko-KR" altLang="en-US" dirty="0"/>
+            </a:p>
+          </p:txBody>
+        </p:sp>
+        <p:sp>
+          <p:nvSpPr>
+            <p:cNvPr id="1151" name="직사각형 1150">
+              <a:extLst>
+                <a:ext uri="{FF2B5EF4-FFF2-40B4-BE49-F238E27FC236}">
+                  <a16:creationId xmlns:a16="http://schemas.microsoft.com/office/drawing/2014/main" id="{7014F3C3-31BC-632E-B25E-F6CA3DF22DC2}"/>
+                </a:ext>
+              </a:extLst>
+            </p:cNvPr>
+            <p:cNvSpPr/>
+            <p:nvPr/>
+          </p:nvSpPr>
+          <p:spPr>
+            <a:xfrm>
+              <a:off x="10602284" y="2425877"/>
+              <a:ext cx="1589712" cy="311726"/>
+            </a:xfrm>
+            <a:prstGeom prst="rect">
+              <a:avLst/>
+            </a:prstGeom>
+            <a:solidFill>
+              <a:schemeClr val="tx1">
+                <a:lumMod val="75000"/>
+                <a:lumOff val="25000"/>
+                <a:alpha val="70000"/>
+              </a:schemeClr>
+            </a:solidFill>
+            <a:ln>
+              <a:noFill/>
+            </a:ln>
+          </p:spPr>
+          <p:style>
+            <a:lnRef idx="2">
+              <a:schemeClr val="accent1">
+                <a:shade val="50000"/>
+              </a:schemeClr>
+            </a:lnRef>
+            <a:fillRef idx="1">
+              <a:schemeClr val="accent1"/>
+            </a:fillRef>
+            <a:effectRef idx="0">
+              <a:schemeClr val="accent1"/>
+            </a:effectRef>
+            <a:fontRef idx="minor">
+              <a:schemeClr val="lt1"/>
+            </a:fontRef>
+          </p:style>
+          <p:txBody>
+            <a:bodyPr rtlCol="0" anchor="ctr"/>
+            <a:lstStyle/>
+            <a:p>
+              <a:pPr algn="ctr"/>
+              <a:endParaRPr lang="ko-KR" altLang="en-US" dirty="0"/>
+            </a:p>
+          </p:txBody>
+        </p:sp>
+        <p:sp>
+          <p:nvSpPr>
+            <p:cNvPr id="1062" name="직사각형 1061">
+              <a:extLst>
+                <a:ext uri="{FF2B5EF4-FFF2-40B4-BE49-F238E27FC236}">
+                  <a16:creationId xmlns:a16="http://schemas.microsoft.com/office/drawing/2014/main" id="{255560FA-7A6A-BC3D-3DC1-4E299DCC9824}"/>
+                </a:ext>
+              </a:extLst>
+            </p:cNvPr>
+            <p:cNvSpPr/>
+            <p:nvPr/>
+          </p:nvSpPr>
+          <p:spPr>
+            <a:xfrm>
+              <a:off x="7422592" y="1802658"/>
+              <a:ext cx="1589712" cy="311726"/>
+            </a:xfrm>
+            <a:prstGeom prst="rect">
+              <a:avLst/>
+            </a:prstGeom>
+            <a:solidFill>
+              <a:schemeClr val="bg1">
+                <a:lumMod val="50000"/>
+                <a:alpha val="70000"/>
+              </a:schemeClr>
+            </a:solidFill>
+            <a:ln>
+              <a:noFill/>
+            </a:ln>
+          </p:spPr>
+          <p:style>
+            <a:lnRef idx="2">
+              <a:schemeClr val="accent1">
+                <a:shade val="50000"/>
+              </a:schemeClr>
+            </a:lnRef>
+            <a:fillRef idx="1">
+              <a:schemeClr val="accent1"/>
+            </a:fillRef>
+            <a:effectRef idx="0">
+              <a:schemeClr val="accent1"/>
+            </a:effectRef>
+            <a:fontRef idx="minor">
+              <a:schemeClr val="lt1"/>
+            </a:fontRef>
+          </p:style>
+          <p:txBody>
+            <a:bodyPr rtlCol="0" anchor="ctr"/>
+            <a:lstStyle/>
+            <a:p>
+              <a:pPr algn="ctr"/>
+              <a:endParaRPr lang="ko-KR" altLang="en-US"/>
+            </a:p>
+          </p:txBody>
+        </p:sp>
+        <p:sp>
+          <p:nvSpPr>
+            <p:cNvPr id="1063" name="직사각형 1062">
+              <a:extLst>
+                <a:ext uri="{FF2B5EF4-FFF2-40B4-BE49-F238E27FC236}">
+                  <a16:creationId xmlns:a16="http://schemas.microsoft.com/office/drawing/2014/main" id="{DA76B5DA-7823-AFAF-EE99-93E423692A8C}"/>
+                </a:ext>
+              </a:extLst>
+            </p:cNvPr>
+            <p:cNvSpPr/>
+            <p:nvPr/>
+          </p:nvSpPr>
+          <p:spPr>
+            <a:xfrm>
+              <a:off x="7422592" y="2114384"/>
+              <a:ext cx="1589712" cy="311726"/>
+            </a:xfrm>
+            <a:prstGeom prst="rect">
+              <a:avLst/>
+            </a:prstGeom>
+            <a:solidFill>
+              <a:schemeClr val="tx1">
+                <a:lumMod val="75000"/>
+                <a:lumOff val="25000"/>
+                <a:alpha val="60000"/>
+              </a:schemeClr>
+            </a:solidFill>
+            <a:ln>
+              <a:noFill/>
+            </a:ln>
+          </p:spPr>
+          <p:style>
+            <a:lnRef idx="2">
+              <a:schemeClr val="accent1">
+                <a:shade val="50000"/>
+              </a:schemeClr>
+            </a:lnRef>
+            <a:fillRef idx="1">
+              <a:schemeClr val="accent1"/>
+            </a:fillRef>
+            <a:effectRef idx="0">
+              <a:schemeClr val="accent1"/>
+            </a:effectRef>
+            <a:fontRef idx="minor">
+              <a:schemeClr val="lt1"/>
+            </a:fontRef>
+          </p:style>
+          <p:txBody>
+            <a:bodyPr rtlCol="0" anchor="ctr"/>
+            <a:lstStyle/>
+            <a:p>
+              <a:pPr algn="ctr"/>
+              <a:endParaRPr lang="ko-KR" altLang="en-US" dirty="0"/>
+            </a:p>
+          </p:txBody>
+        </p:sp>
+        <p:sp>
+          <p:nvSpPr>
+            <p:cNvPr id="1042" name="직사각형 1041">
+              <a:extLst>
+                <a:ext uri="{FF2B5EF4-FFF2-40B4-BE49-F238E27FC236}">
+                  <a16:creationId xmlns:a16="http://schemas.microsoft.com/office/drawing/2014/main" id="{998B8E4E-E5C3-47C6-D9A4-F65A813E9710}"/>
+                </a:ext>
+              </a:extLst>
+            </p:cNvPr>
+            <p:cNvSpPr/>
+            <p:nvPr/>
+          </p:nvSpPr>
+          <p:spPr>
+            <a:xfrm>
+              <a:off x="7422592" y="2425460"/>
+              <a:ext cx="1589712" cy="311726"/>
+            </a:xfrm>
+            <a:prstGeom prst="rect">
+              <a:avLst/>
+            </a:prstGeom>
+            <a:solidFill>
+              <a:schemeClr val="tx1">
+                <a:lumMod val="75000"/>
+                <a:lumOff val="25000"/>
+                <a:alpha val="70000"/>
+              </a:schemeClr>
+            </a:solidFill>
+            <a:ln>
+              <a:noFill/>
+            </a:ln>
+          </p:spPr>
+          <p:style>
+            <a:lnRef idx="2">
+              <a:schemeClr val="accent1">
+                <a:shade val="50000"/>
+              </a:schemeClr>
+            </a:lnRef>
+            <a:fillRef idx="1">
+              <a:schemeClr val="accent1"/>
+            </a:fillRef>
+            <a:effectRef idx="0">
+              <a:schemeClr val="accent1"/>
+            </a:effectRef>
+            <a:fontRef idx="minor">
+              <a:schemeClr val="lt1"/>
+            </a:fontRef>
+          </p:style>
+          <p:txBody>
+            <a:bodyPr rtlCol="0" anchor="ctr"/>
+            <a:lstStyle/>
+            <a:p>
+              <a:pPr algn="ctr"/>
+              <a:endParaRPr lang="ko-KR" altLang="en-US" dirty="0"/>
+            </a:p>
+          </p:txBody>
+        </p:sp>
+        <p:sp>
+          <p:nvSpPr>
+            <p:cNvPr id="1064" name="직사각형 1063">
+              <a:extLst>
+                <a:ext uri="{FF2B5EF4-FFF2-40B4-BE49-F238E27FC236}">
+                  <a16:creationId xmlns:a16="http://schemas.microsoft.com/office/drawing/2014/main" id="{987605FB-1617-F0D4-6324-B4A260D112D1}"/>
+                </a:ext>
+              </a:extLst>
+            </p:cNvPr>
+            <p:cNvSpPr/>
+            <p:nvPr/>
+          </p:nvSpPr>
+          <p:spPr>
+            <a:xfrm>
+              <a:off x="7625160" y="1853803"/>
+              <a:ext cx="1387140" cy="215444"/>
+            </a:xfrm>
+            <a:prstGeom prst="rect">
+              <a:avLst/>
+            </a:prstGeom>
+            <a:noFill/>
+            <a:ln>
+              <a:noFill/>
+            </a:ln>
+          </p:spPr>
+          <p:style>
+            <a:lnRef idx="2">
+              <a:schemeClr val="accent1">
+                <a:shade val="50000"/>
+              </a:schemeClr>
+            </a:lnRef>
+            <a:fillRef idx="1">
+              <a:schemeClr val="accent1"/>
+            </a:fillRef>
+            <a:effectRef idx="0">
+              <a:schemeClr val="accent1"/>
+            </a:effectRef>
+            <a:fontRef idx="minor">
+              <a:schemeClr val="lt1"/>
+            </a:fontRef>
+          </p:style>
+          <p:txBody>
+            <a:bodyPr wrap="none" lIns="0" tIns="0" rIns="18000" bIns="0" rtlCol="0" anchor="ctr">
+              <a:spAutoFit/>
+            </a:bodyPr>
+            <a:lstStyle/>
+            <a:p>
+              <a:pPr algn="r"/>
+              <a:r>
+                <a:rPr lang="en-US" altLang="ko-KR" sz="1400" b="1" dirty="0">
+                  <a:solidFill>
+                    <a:srgbClr val="FFBDBD"/>
+                  </a:solidFill>
+                  <a:latin typeface="나눔스퀘어 ExtraBold" panose="020B0600000101010101" pitchFamily="50" charset="-127"/>
+                  <a:ea typeface="나눔스퀘어 ExtraBold" panose="020B0600000101010101" pitchFamily="50" charset="-127"/>
+                </a:rPr>
+                <a:t>Sudden Mission</a:t>
+              </a:r>
+              <a:endParaRPr lang="ko-KR" altLang="en-US" sz="1400" b="1" dirty="0">
+                <a:solidFill>
+                  <a:srgbClr val="FFBDBD"/>
+                </a:solidFill>
+                <a:latin typeface="나눔스퀘어 ExtraBold" panose="020B0600000101010101" pitchFamily="50" charset="-127"/>
+                <a:ea typeface="나눔스퀘어 ExtraBold" panose="020B0600000101010101" pitchFamily="50" charset="-127"/>
+              </a:endParaRPr>
+            </a:p>
+          </p:txBody>
+        </p:sp>
+        <p:sp>
+          <p:nvSpPr>
+            <p:cNvPr id="1065" name="직사각형 1064">
+              <a:extLst>
+                <a:ext uri="{FF2B5EF4-FFF2-40B4-BE49-F238E27FC236}">
+                  <a16:creationId xmlns:a16="http://schemas.microsoft.com/office/drawing/2014/main" id="{0EEAFF8B-F13C-106D-C1CB-C5B99C464211}"/>
+                </a:ext>
+              </a:extLst>
+            </p:cNvPr>
+            <p:cNvSpPr/>
+            <p:nvPr/>
+          </p:nvSpPr>
+          <p:spPr>
+            <a:xfrm>
+              <a:off x="7992248" y="2179095"/>
+              <a:ext cx="1020052" cy="184666"/>
+            </a:xfrm>
+            <a:prstGeom prst="rect">
+              <a:avLst/>
+            </a:prstGeom>
+            <a:noFill/>
+            <a:ln>
+              <a:noFill/>
+            </a:ln>
+          </p:spPr>
+          <p:style>
+            <a:lnRef idx="2">
+              <a:schemeClr val="accent1">
+                <a:shade val="50000"/>
+              </a:schemeClr>
+            </a:lnRef>
+            <a:fillRef idx="1">
+              <a:schemeClr val="accent1"/>
+            </a:fillRef>
+            <a:effectRef idx="0">
+              <a:schemeClr val="accent1"/>
+            </a:effectRef>
+            <a:fontRef idx="minor">
+              <a:schemeClr val="lt1"/>
+            </a:fontRef>
+          </p:style>
+          <p:txBody>
+            <a:bodyPr wrap="none" lIns="0" tIns="0" rIns="18000" bIns="0" rtlCol="0" anchor="ctr">
+              <a:spAutoFit/>
+            </a:bodyPr>
+            <a:lstStyle/>
+            <a:p>
+              <a:pPr algn="r"/>
+              <a:r>
+                <a:rPr lang="en-US" altLang="ko-KR" sz="1200" b="1" dirty="0">
+                  <a:solidFill>
+                    <a:srgbClr val="FEE29C"/>
+                  </a:solidFill>
+                  <a:latin typeface="나눔스퀘어 Bold" panose="020B0600000101010101" pitchFamily="50" charset="-127"/>
+                  <a:ea typeface="나눔스퀘어 Bold" panose="020B0600000101010101" pitchFamily="50" charset="-127"/>
+                </a:rPr>
+                <a:t>30</a:t>
+              </a:r>
+              <a:r>
+                <a:rPr lang="ko-KR" altLang="en-US" sz="1200" b="1" dirty="0">
+                  <a:solidFill>
+                    <a:srgbClr val="FEE29C"/>
+                  </a:solidFill>
+                  <a:latin typeface="나눔스퀘어 Bold" panose="020B0600000101010101" pitchFamily="50" charset="-127"/>
+                  <a:ea typeface="나눔스퀘어 Bold" panose="020B0600000101010101" pitchFamily="50" charset="-127"/>
+                </a:rPr>
+                <a:t>초 동안 생존 </a:t>
+              </a:r>
+            </a:p>
+          </p:txBody>
+        </p:sp>
+        <p:sp>
+          <p:nvSpPr>
+            <p:cNvPr id="1066" name="직사각형 1065">
+              <a:extLst>
+                <a:ext uri="{FF2B5EF4-FFF2-40B4-BE49-F238E27FC236}">
+                  <a16:creationId xmlns:a16="http://schemas.microsoft.com/office/drawing/2014/main" id="{FD56254E-38F1-1E36-2CC0-F10B481B164D}"/>
+                </a:ext>
+              </a:extLst>
+            </p:cNvPr>
+            <p:cNvSpPr/>
+            <p:nvPr/>
+          </p:nvSpPr>
+          <p:spPr>
+            <a:xfrm>
+              <a:off x="8583755" y="2490821"/>
+              <a:ext cx="428545" cy="184666"/>
+            </a:xfrm>
+            <a:prstGeom prst="rect">
+              <a:avLst/>
+            </a:prstGeom>
+            <a:noFill/>
+            <a:ln>
+              <a:noFill/>
+            </a:ln>
+          </p:spPr>
+          <p:style>
+            <a:lnRef idx="2">
+              <a:schemeClr val="accent1">
+                <a:shade val="50000"/>
+              </a:schemeClr>
+            </a:lnRef>
+            <a:fillRef idx="1">
+              <a:schemeClr val="accent1"/>
+            </a:fillRef>
+            <a:effectRef idx="0">
+              <a:schemeClr val="accent1"/>
+            </a:effectRef>
+            <a:fontRef idx="minor">
+              <a:schemeClr val="lt1"/>
+            </a:fontRef>
+          </p:style>
+          <p:txBody>
+            <a:bodyPr wrap="none" lIns="0" tIns="0" rIns="18000" bIns="0" rtlCol="0" anchor="ctr">
+              <a:spAutoFit/>
+            </a:bodyPr>
+            <a:lstStyle/>
+            <a:p>
+              <a:pPr algn="r"/>
+              <a:r>
+                <a:rPr lang="en-US" altLang="ko-KR" sz="1200" b="1" dirty="0">
+                  <a:solidFill>
+                    <a:srgbClr val="FEE29C"/>
+                  </a:solidFill>
+                  <a:latin typeface="나눔스퀘어 Bold" panose="020B0600000101010101" pitchFamily="50" charset="-127"/>
+                  <a:ea typeface="나눔스퀘어 Bold" panose="020B0600000101010101" pitchFamily="50" charset="-127"/>
+                </a:rPr>
+                <a:t>s/30s</a:t>
+              </a:r>
+              <a:endParaRPr lang="ko-KR" altLang="en-US" sz="1200" b="1" dirty="0">
+                <a:solidFill>
+                  <a:srgbClr val="FEE29C"/>
+                </a:solidFill>
+                <a:latin typeface="나눔스퀘어 Bold" panose="020B0600000101010101" pitchFamily="50" charset="-127"/>
+                <a:ea typeface="나눔스퀘어 Bold" panose="020B0600000101010101" pitchFamily="50" charset="-127"/>
+              </a:endParaRPr>
+            </a:p>
+          </p:txBody>
+        </p:sp>
+        <p:sp>
+          <p:nvSpPr>
+            <p:cNvPr id="1067" name="직사각형 1066">
+              <a:extLst>
+                <a:ext uri="{FF2B5EF4-FFF2-40B4-BE49-F238E27FC236}">
+                  <a16:creationId xmlns:a16="http://schemas.microsoft.com/office/drawing/2014/main" id="{55BD2327-025B-4E5D-F644-32B4D98F4A06}"/>
+                </a:ext>
+              </a:extLst>
+            </p:cNvPr>
+            <p:cNvSpPr/>
+            <p:nvPr/>
+          </p:nvSpPr>
+          <p:spPr>
+            <a:xfrm>
+              <a:off x="9215040" y="1856419"/>
+              <a:ext cx="1387140" cy="215444"/>
+            </a:xfrm>
+            <a:prstGeom prst="rect">
+              <a:avLst/>
+            </a:prstGeom>
+            <a:noFill/>
+            <a:ln>
+              <a:noFill/>
+            </a:ln>
+          </p:spPr>
+          <p:style>
+            <a:lnRef idx="2">
+              <a:schemeClr val="accent1">
+                <a:shade val="50000"/>
+              </a:schemeClr>
+            </a:lnRef>
+            <a:fillRef idx="1">
+              <a:schemeClr val="accent1"/>
+            </a:fillRef>
+            <a:effectRef idx="0">
+              <a:schemeClr val="accent1"/>
+            </a:effectRef>
+            <a:fontRef idx="minor">
+              <a:schemeClr val="lt1"/>
+            </a:fontRef>
+          </p:style>
+          <p:txBody>
+            <a:bodyPr wrap="none" lIns="0" tIns="0" rIns="18000" bIns="0" rtlCol="0" anchor="ctr">
+              <a:spAutoFit/>
+            </a:bodyPr>
+            <a:lstStyle/>
+            <a:p>
+              <a:pPr algn="r"/>
+              <a:r>
+                <a:rPr lang="en-US" altLang="ko-KR" sz="1400" b="1" dirty="0">
+                  <a:solidFill>
+                    <a:srgbClr val="FFBDBD"/>
+                  </a:solidFill>
+                  <a:latin typeface="나눔스퀘어 ExtraBold" panose="020B0600000101010101" pitchFamily="50" charset="-127"/>
+                  <a:ea typeface="나눔스퀘어 ExtraBold" panose="020B0600000101010101" pitchFamily="50" charset="-127"/>
+                </a:rPr>
+                <a:t>Sudden Mission</a:t>
+              </a:r>
+              <a:endParaRPr lang="ko-KR" altLang="en-US" sz="1400" b="1" dirty="0">
+                <a:solidFill>
+                  <a:srgbClr val="FFBDBD"/>
+                </a:solidFill>
+                <a:latin typeface="나눔스퀘어 ExtraBold" panose="020B0600000101010101" pitchFamily="50" charset="-127"/>
+                <a:ea typeface="나눔스퀘어 ExtraBold" panose="020B0600000101010101" pitchFamily="50" charset="-127"/>
+              </a:endParaRPr>
+            </a:p>
+          </p:txBody>
+        </p:sp>
+        <p:sp>
+          <p:nvSpPr>
+            <p:cNvPr id="1070" name="직사각형 1069">
+              <a:extLst>
+                <a:ext uri="{FF2B5EF4-FFF2-40B4-BE49-F238E27FC236}">
+                  <a16:creationId xmlns:a16="http://schemas.microsoft.com/office/drawing/2014/main" id="{05A1478F-9C89-60CB-8576-E1EDB86DF8A3}"/>
+                </a:ext>
+              </a:extLst>
+            </p:cNvPr>
+            <p:cNvSpPr/>
+            <p:nvPr/>
+          </p:nvSpPr>
+          <p:spPr>
+            <a:xfrm>
+              <a:off x="10143179" y="2493437"/>
+              <a:ext cx="459001" cy="184666"/>
+            </a:xfrm>
+            <a:prstGeom prst="rect">
+              <a:avLst/>
+            </a:prstGeom>
+            <a:noFill/>
+            <a:ln>
+              <a:noFill/>
+            </a:ln>
+          </p:spPr>
+          <p:style>
+            <a:lnRef idx="2">
+              <a:schemeClr val="accent1">
+                <a:shade val="50000"/>
+              </a:schemeClr>
+            </a:lnRef>
+            <a:fillRef idx="1">
+              <a:schemeClr val="accent1"/>
+            </a:fillRef>
+            <a:effectRef idx="0">
+              <a:schemeClr val="accent1"/>
+            </a:effectRef>
+            <a:fontRef idx="minor">
+              <a:schemeClr val="lt1"/>
+            </a:fontRef>
+          </p:style>
+          <p:txBody>
+            <a:bodyPr wrap="none" lIns="0" tIns="0" rIns="18000" bIns="0" rtlCol="0" anchor="ctr">
+              <a:spAutoFit/>
+            </a:bodyPr>
+            <a:lstStyle/>
+            <a:p>
+              <a:pPr algn="r"/>
+              <a:r>
+                <a:rPr lang="ko-KR" altLang="en-US" sz="1200" b="1" dirty="0">
+                  <a:solidFill>
+                    <a:srgbClr val="FEE29C"/>
+                  </a:solidFill>
+                  <a:latin typeface="나눔스퀘어 Bold" panose="020B0600000101010101" pitchFamily="50" charset="-127"/>
+                  <a:ea typeface="나눔스퀘어 Bold" panose="020B0600000101010101" pitchFamily="50" charset="-127"/>
+                </a:rPr>
+                <a:t>체</a:t>
+              </a:r>
+              <a:r>
+                <a:rPr lang="en-US" altLang="ko-KR" sz="1200" b="1" dirty="0">
+                  <a:solidFill>
+                    <a:srgbClr val="FEE29C"/>
+                  </a:solidFill>
+                  <a:latin typeface="나눔스퀘어 Bold" panose="020B0600000101010101" pitchFamily="50" charset="-127"/>
+                  <a:ea typeface="나눔스퀘어 Bold" panose="020B0600000101010101" pitchFamily="50" charset="-127"/>
+                </a:rPr>
+                <a:t>/3</a:t>
+              </a:r>
+              <a:r>
+                <a:rPr lang="ko-KR" altLang="en-US" sz="1200" b="1" dirty="0">
+                  <a:solidFill>
+                    <a:srgbClr val="FEE29C"/>
+                  </a:solidFill>
+                  <a:latin typeface="나눔스퀘어 Bold" panose="020B0600000101010101" pitchFamily="50" charset="-127"/>
+                  <a:ea typeface="나눔스퀘어 Bold" panose="020B0600000101010101" pitchFamily="50" charset="-127"/>
+                </a:rPr>
+                <a:t>체</a:t>
+              </a:r>
+            </a:p>
+          </p:txBody>
+        </p:sp>
+        <p:sp>
+          <p:nvSpPr>
+            <p:cNvPr id="1073" name="직사각형 1072">
+              <a:extLst>
+                <a:ext uri="{FF2B5EF4-FFF2-40B4-BE49-F238E27FC236}">
+                  <a16:creationId xmlns:a16="http://schemas.microsoft.com/office/drawing/2014/main" id="{7F37A9D4-320A-1EB3-8C93-813BF8891C7C}"/>
+                </a:ext>
+              </a:extLst>
+            </p:cNvPr>
+            <p:cNvSpPr/>
+            <p:nvPr/>
+          </p:nvSpPr>
+          <p:spPr>
+            <a:xfrm>
+              <a:off x="9537263" y="2182161"/>
+              <a:ext cx="1064936" cy="184666"/>
+            </a:xfrm>
+            <a:prstGeom prst="rect">
+              <a:avLst/>
+            </a:prstGeom>
+            <a:noFill/>
+            <a:ln>
+              <a:noFill/>
+            </a:ln>
+          </p:spPr>
+          <p:style>
+            <a:lnRef idx="2">
+              <a:schemeClr val="accent1">
+                <a:shade val="50000"/>
+              </a:schemeClr>
+            </a:lnRef>
+            <a:fillRef idx="1">
+              <a:schemeClr val="accent1"/>
+            </a:fillRef>
+            <a:effectRef idx="0">
+              <a:schemeClr val="accent1"/>
+            </a:effectRef>
+            <a:fontRef idx="minor">
+              <a:schemeClr val="lt1"/>
+            </a:fontRef>
+          </p:style>
+          <p:txBody>
+            <a:bodyPr wrap="none" lIns="0" tIns="0" rIns="18000" bIns="0" rtlCol="0" anchor="ctr">
+              <a:spAutoFit/>
+            </a:bodyPr>
+            <a:lstStyle/>
+            <a:p>
+              <a:pPr algn="r"/>
+              <a:r>
+                <a:rPr lang="ko-KR" altLang="en-US" sz="1200" b="1" dirty="0">
+                  <a:solidFill>
+                    <a:srgbClr val="FEE29C"/>
+                  </a:solidFill>
+                  <a:latin typeface="나눔스퀘어 Bold" panose="020B0600000101010101" pitchFamily="50" charset="-127"/>
+                  <a:ea typeface="나눔스퀘어 Bold" panose="020B0600000101010101" pitchFamily="50" charset="-127"/>
+                </a:rPr>
+                <a:t>적 헬기 </a:t>
+              </a:r>
+              <a:r>
+                <a:rPr lang="en-US" altLang="ko-KR" sz="1200" b="1" dirty="0">
+                  <a:solidFill>
+                    <a:srgbClr val="FEE29C"/>
+                  </a:solidFill>
+                  <a:latin typeface="나눔스퀘어 Bold" panose="020B0600000101010101" pitchFamily="50" charset="-127"/>
+                  <a:ea typeface="나눔스퀘어 Bold" panose="020B0600000101010101" pitchFamily="50" charset="-127"/>
+                </a:rPr>
+                <a:t>3</a:t>
+              </a:r>
+              <a:r>
+                <a:rPr lang="ko-KR" altLang="en-US" sz="1200" b="1" dirty="0">
+                  <a:solidFill>
+                    <a:srgbClr val="FEE29C"/>
+                  </a:solidFill>
+                  <a:latin typeface="나눔스퀘어 Bold" panose="020B0600000101010101" pitchFamily="50" charset="-127"/>
+                  <a:ea typeface="나눔스퀘어 Bold" panose="020B0600000101010101" pitchFamily="50" charset="-127"/>
+                </a:rPr>
+                <a:t>체 요격</a:t>
+              </a:r>
+            </a:p>
+          </p:txBody>
+        </p:sp>
+        <p:sp>
+          <p:nvSpPr>
+            <p:cNvPr id="1074" name="직사각형 1073">
+              <a:extLst>
+                <a:ext uri="{FF2B5EF4-FFF2-40B4-BE49-F238E27FC236}">
+                  <a16:creationId xmlns:a16="http://schemas.microsoft.com/office/drawing/2014/main" id="{898CE081-930D-9F29-1604-A2FF8288969D}"/>
+                </a:ext>
+              </a:extLst>
+            </p:cNvPr>
+            <p:cNvSpPr/>
+            <p:nvPr/>
+          </p:nvSpPr>
+          <p:spPr>
+            <a:xfrm>
+              <a:off x="10804879" y="1853342"/>
+              <a:ext cx="1387140" cy="215444"/>
+            </a:xfrm>
+            <a:prstGeom prst="rect">
+              <a:avLst/>
+            </a:prstGeom>
+            <a:noFill/>
+            <a:ln>
+              <a:noFill/>
+            </a:ln>
+          </p:spPr>
+          <p:style>
+            <a:lnRef idx="2">
+              <a:schemeClr val="accent1">
+                <a:shade val="50000"/>
+              </a:schemeClr>
+            </a:lnRef>
+            <a:fillRef idx="1">
+              <a:schemeClr val="accent1"/>
+            </a:fillRef>
+            <a:effectRef idx="0">
+              <a:schemeClr val="accent1"/>
+            </a:effectRef>
+            <a:fontRef idx="minor">
+              <a:schemeClr val="lt1"/>
+            </a:fontRef>
+          </p:style>
+          <p:txBody>
+            <a:bodyPr wrap="none" lIns="0" tIns="0" rIns="18000" bIns="0" rtlCol="0" anchor="ctr">
+              <a:spAutoFit/>
+            </a:bodyPr>
+            <a:lstStyle/>
+            <a:p>
+              <a:pPr algn="r"/>
+              <a:r>
+                <a:rPr lang="en-US" altLang="ko-KR" sz="1400" b="1" dirty="0">
+                  <a:solidFill>
+                    <a:srgbClr val="FFBDBD"/>
+                  </a:solidFill>
+                  <a:latin typeface="나눔스퀘어 ExtraBold" panose="020B0600000101010101" pitchFamily="50" charset="-127"/>
+                  <a:ea typeface="나눔스퀘어 ExtraBold" panose="020B0600000101010101" pitchFamily="50" charset="-127"/>
+                </a:rPr>
+                <a:t>Sudden Mission</a:t>
+              </a:r>
+              <a:endParaRPr lang="ko-KR" altLang="en-US" sz="1400" b="1" dirty="0">
+                <a:solidFill>
+                  <a:srgbClr val="FFBDBD"/>
+                </a:solidFill>
+                <a:latin typeface="나눔스퀘어 ExtraBold" panose="020B0600000101010101" pitchFamily="50" charset="-127"/>
+                <a:ea typeface="나눔스퀘어 ExtraBold" panose="020B0600000101010101" pitchFamily="50" charset="-127"/>
+              </a:endParaRPr>
+            </a:p>
+          </p:txBody>
+        </p:sp>
+        <p:sp>
+          <p:nvSpPr>
+            <p:cNvPr id="1076" name="직사각형 1075">
+              <a:extLst>
+                <a:ext uri="{FF2B5EF4-FFF2-40B4-BE49-F238E27FC236}">
+                  <a16:creationId xmlns:a16="http://schemas.microsoft.com/office/drawing/2014/main" id="{093D6FA4-5849-12AC-CC2D-DE4F158D3497}"/>
+                </a:ext>
+              </a:extLst>
+            </p:cNvPr>
+            <p:cNvSpPr/>
+            <p:nvPr/>
+          </p:nvSpPr>
+          <p:spPr>
+            <a:xfrm>
+              <a:off x="11733018" y="2490360"/>
+              <a:ext cx="459001" cy="184666"/>
+            </a:xfrm>
+            <a:prstGeom prst="rect">
+              <a:avLst/>
+            </a:prstGeom>
+            <a:noFill/>
+            <a:ln>
+              <a:noFill/>
+            </a:ln>
+          </p:spPr>
+          <p:style>
+            <a:lnRef idx="2">
+              <a:schemeClr val="accent1">
+                <a:shade val="50000"/>
+              </a:schemeClr>
+            </a:lnRef>
+            <a:fillRef idx="1">
+              <a:schemeClr val="accent1"/>
+            </a:fillRef>
+            <a:effectRef idx="0">
+              <a:schemeClr val="accent1"/>
+            </a:effectRef>
+            <a:fontRef idx="minor">
+              <a:schemeClr val="lt1"/>
+            </a:fontRef>
+          </p:style>
+          <p:txBody>
+            <a:bodyPr wrap="none" lIns="0" tIns="0" rIns="18000" bIns="0" rtlCol="0" anchor="ctr">
+              <a:spAutoFit/>
+            </a:bodyPr>
+            <a:lstStyle/>
+            <a:p>
+              <a:pPr algn="r"/>
+              <a:r>
+                <a:rPr lang="ko-KR" altLang="en-US" sz="1200" b="1" dirty="0">
+                  <a:solidFill>
+                    <a:srgbClr val="FEE29C"/>
+                  </a:solidFill>
+                  <a:latin typeface="나눔스퀘어 Bold" panose="020B0600000101010101" pitchFamily="50" charset="-127"/>
+                  <a:ea typeface="나눔스퀘어 Bold" panose="020B0600000101010101" pitchFamily="50" charset="-127"/>
+                </a:rPr>
+                <a:t>명</a:t>
+              </a:r>
+              <a:r>
+                <a:rPr lang="en-US" altLang="ko-KR" sz="1200" b="1" dirty="0">
+                  <a:solidFill>
+                    <a:srgbClr val="FEE29C"/>
+                  </a:solidFill>
+                  <a:latin typeface="나눔스퀘어 Bold" panose="020B0600000101010101" pitchFamily="50" charset="-127"/>
+                  <a:ea typeface="나눔스퀘어 Bold" panose="020B0600000101010101" pitchFamily="50" charset="-127"/>
+                </a:rPr>
+                <a:t>/5</a:t>
+              </a:r>
+              <a:r>
+                <a:rPr lang="ko-KR" altLang="en-US" sz="1200" b="1" dirty="0">
+                  <a:solidFill>
+                    <a:srgbClr val="FEE29C"/>
+                  </a:solidFill>
+                  <a:latin typeface="나눔스퀘어 Bold" panose="020B0600000101010101" pitchFamily="50" charset="-127"/>
+                  <a:ea typeface="나눔스퀘어 Bold" panose="020B0600000101010101" pitchFamily="50" charset="-127"/>
+                </a:rPr>
+                <a:t>명</a:t>
+              </a:r>
+            </a:p>
+          </p:txBody>
+        </p:sp>
+        <p:sp>
+          <p:nvSpPr>
+            <p:cNvPr id="1078" name="직사각형 1077">
+              <a:extLst>
+                <a:ext uri="{FF2B5EF4-FFF2-40B4-BE49-F238E27FC236}">
+                  <a16:creationId xmlns:a16="http://schemas.microsoft.com/office/drawing/2014/main" id="{5BF7B37A-DEA3-00EE-3A4A-5BE4DDEE2B5F}"/>
+                </a:ext>
+              </a:extLst>
+            </p:cNvPr>
+            <p:cNvSpPr/>
+            <p:nvPr/>
+          </p:nvSpPr>
+          <p:spPr>
+            <a:xfrm>
+              <a:off x="11127062" y="2179084"/>
+              <a:ext cx="1064936" cy="184666"/>
+            </a:xfrm>
+            <a:prstGeom prst="rect">
+              <a:avLst/>
+            </a:prstGeom>
+            <a:noFill/>
+            <a:ln>
+              <a:noFill/>
+            </a:ln>
+          </p:spPr>
+          <p:style>
+            <a:lnRef idx="2">
+              <a:schemeClr val="accent1">
+                <a:shade val="50000"/>
+              </a:schemeClr>
+            </a:lnRef>
+            <a:fillRef idx="1">
+              <a:schemeClr val="accent1"/>
+            </a:fillRef>
+            <a:effectRef idx="0">
+              <a:schemeClr val="accent1"/>
+            </a:effectRef>
+            <a:fontRef idx="minor">
+              <a:schemeClr val="lt1"/>
+            </a:fontRef>
+          </p:style>
+          <p:txBody>
+            <a:bodyPr wrap="none" lIns="0" tIns="0" rIns="18000" bIns="0" rtlCol="0" anchor="ctr">
+              <a:spAutoFit/>
+            </a:bodyPr>
+            <a:lstStyle/>
+            <a:p>
+              <a:pPr algn="r"/>
+              <a:r>
+                <a:rPr lang="ko-KR" altLang="en-US" sz="1200" b="1" dirty="0">
+                  <a:solidFill>
+                    <a:srgbClr val="FEE29C"/>
+                  </a:solidFill>
+                  <a:latin typeface="나눔스퀘어 Bold" panose="020B0600000101010101" pitchFamily="50" charset="-127"/>
+                  <a:ea typeface="나눔스퀘어 Bold" panose="020B0600000101010101" pitchFamily="50" charset="-127"/>
+                </a:rPr>
+                <a:t>적 군인 </a:t>
+              </a:r>
+              <a:r>
+                <a:rPr lang="en-US" altLang="ko-KR" sz="1200" b="1" dirty="0">
+                  <a:solidFill>
+                    <a:srgbClr val="FEE29C"/>
+                  </a:solidFill>
+                  <a:latin typeface="나눔스퀘어 Bold" panose="020B0600000101010101" pitchFamily="50" charset="-127"/>
+                  <a:ea typeface="나눔스퀘어 Bold" panose="020B0600000101010101" pitchFamily="50" charset="-127"/>
+                </a:rPr>
+                <a:t>5</a:t>
+              </a:r>
+              <a:r>
+                <a:rPr lang="ko-KR" altLang="en-US" sz="1200" b="1" dirty="0">
+                  <a:solidFill>
+                    <a:srgbClr val="FEE29C"/>
+                  </a:solidFill>
+                  <a:latin typeface="나눔스퀘어 Bold" panose="020B0600000101010101" pitchFamily="50" charset="-127"/>
+                  <a:ea typeface="나눔스퀘어 Bold" panose="020B0600000101010101" pitchFamily="50" charset="-127"/>
+                </a:rPr>
+                <a:t>명 처치</a:t>
+              </a:r>
+            </a:p>
+          </p:txBody>
+        </p:sp>
+      </p:grpSp>
+      <p:pic>
+        <p:nvPicPr>
+          <p:cNvPr id="1083" name="그림 1082">
+            <a:extLst>
+              <a:ext uri="{FF2B5EF4-FFF2-40B4-BE49-F238E27FC236}">
+                <a16:creationId xmlns:a16="http://schemas.microsoft.com/office/drawing/2014/main" id="{233359F3-3E51-4175-6824-5C81F985FDBF}"/>
+              </a:ext>
+            </a:extLst>
+          </p:cNvPr>
+          <p:cNvPicPr>
+            <a:picLocks noChangeAspect="1"/>
+          </p:cNvPicPr>
+          <p:nvPr/>
+        </p:nvPicPr>
+        <p:blipFill>
+          <a:blip r:embed="rId7">
+            <a:extLst>
+              <a:ext uri="{BEBA8EAE-BF5A-486C-A8C5-ECC9F3942E4B}">
+                <a14:imgProps xmlns:a14="http://schemas.microsoft.com/office/drawing/2010/main">
+                  <a14:imgLayer r:embed="rId8">
+                    <a14:imgEffect>
+                      <a14:brightnessContrast bright="100000"/>
+                    </a14:imgEffect>
+                  </a14:imgLayer>
+                </a14:imgProps>
+              </a:ext>
+              <a:ext uri="{28A0092B-C50C-407E-A947-70E740481C1C}">
+                <a14:useLocalDpi xmlns:a14="http://schemas.microsoft.com/office/drawing/2010/main" val="0"/>
+              </a:ext>
+            </a:extLst>
+          </a:blip>
+          <a:stretch>
+            <a:fillRect/>
+          </a:stretch>
+        </p:blipFill>
+        <p:spPr>
+          <a:xfrm>
+            <a:off x="12778622" y="2737186"/>
+            <a:ext cx="762000" cy="762000"/>
+          </a:xfrm>
+          <a:prstGeom prst="rect">
+            <a:avLst/>
+          </a:prstGeom>
+        </p:spPr>
+      </p:pic>
+      <p:sp>
+        <p:nvSpPr>
+          <p:cNvPr id="1154" name="직사각형 1153">
+            <a:extLst>
+              <a:ext uri="{FF2B5EF4-FFF2-40B4-BE49-F238E27FC236}">
+                <a16:creationId xmlns:a16="http://schemas.microsoft.com/office/drawing/2014/main" id="{4E4FD4A9-609D-BEC4-A01C-F5F257F5D2CF}"/>
+              </a:ext>
+            </a:extLst>
+          </p:cNvPr>
+          <p:cNvSpPr/>
+          <p:nvPr/>
+        </p:nvSpPr>
+        <p:spPr>
+          <a:xfrm>
+            <a:off x="13859764" y="2814576"/>
+            <a:ext cx="45719" cy="161925"/>
+          </a:xfrm>
+          <a:prstGeom prst="rect">
+            <a:avLst/>
+          </a:prstGeom>
+          <a:gradFill>
+            <a:gsLst>
+              <a:gs pos="0">
+                <a:schemeClr val="accent5">
+                  <a:lumMod val="0"/>
+                  <a:lumOff val="100000"/>
+                </a:schemeClr>
+              </a:gs>
+              <a:gs pos="50000">
+                <a:schemeClr val="accent5">
+                  <a:lumMod val="0"/>
+                  <a:lumOff val="100000"/>
+                </a:schemeClr>
+              </a:gs>
+              <a:gs pos="100000">
+                <a:schemeClr val="tx1">
+                  <a:lumMod val="75000"/>
+                  <a:lumOff val="25000"/>
+                  <a:alpha val="70000"/>
+                </a:schemeClr>
+              </a:gs>
+            </a:gsLst>
+            <a:path path="circle">
+              <a:fillToRect t="100000" r="100000"/>
+            </a:path>
+          </a:gradFill>
+          <a:ln>
+            <a:noFill/>
+          </a:ln>
+        </p:spPr>
+        <p:style>
+          <a:lnRef idx="2">
+            <a:schemeClr val="accent1">
+              <a:shade val="50000"/>
+            </a:schemeClr>
+          </a:lnRef>
+          <a:fillRef idx="1">
+            <a:schemeClr val="accent1"/>
+          </a:fillRef>
+          <a:effectRef idx="0">
+            <a:schemeClr val="accent1"/>
+          </a:effectRef>
+          <a:fontRef idx="minor">
+            <a:schemeClr val="lt1"/>
+          </a:fontRef>
+        </p:style>
+        <p:txBody>
+          <a:bodyPr rtlCol="0" anchor="ctr"/>
+          <a:lstStyle/>
+          <a:p>
+            <a:pPr algn="ctr"/>
+            <a:endParaRPr lang="ko-KR" altLang="en-US"/>
+          </a:p>
+        </p:txBody>
+      </p:sp>
+      <p:sp>
+        <p:nvSpPr>
+          <p:cNvPr id="1155" name="직사각형 1154">
+            <a:extLst>
+              <a:ext uri="{FF2B5EF4-FFF2-40B4-BE49-F238E27FC236}">
+                <a16:creationId xmlns:a16="http://schemas.microsoft.com/office/drawing/2014/main" id="{C6930B2E-2BEB-6F68-C895-0AE5F6653D0D}"/>
+              </a:ext>
+            </a:extLst>
+          </p:cNvPr>
+          <p:cNvSpPr/>
+          <p:nvPr/>
+        </p:nvSpPr>
+        <p:spPr>
+          <a:xfrm>
+            <a:off x="13859764" y="3259870"/>
+            <a:ext cx="45719" cy="161925"/>
+          </a:xfrm>
+          <a:prstGeom prst="rect">
+            <a:avLst/>
+          </a:prstGeom>
+          <a:gradFill flip="none" rotWithShape="1">
+            <a:gsLst>
+              <a:gs pos="0">
+                <a:schemeClr val="accent5">
+                  <a:lumMod val="0"/>
+                  <a:lumOff val="100000"/>
+                </a:schemeClr>
+              </a:gs>
+              <a:gs pos="50000">
+                <a:schemeClr val="accent5">
+                  <a:lumMod val="0"/>
+                  <a:lumOff val="100000"/>
+                </a:schemeClr>
+              </a:gs>
+              <a:gs pos="100000">
+                <a:schemeClr val="tx1">
+                  <a:lumMod val="75000"/>
+                  <a:lumOff val="25000"/>
+                  <a:alpha val="70000"/>
+                </a:schemeClr>
+              </a:gs>
+            </a:gsLst>
+            <a:path path="circle">
+              <a:fillToRect l="100000" b="100000"/>
+            </a:path>
+            <a:tileRect t="-100000" r="-100000"/>
+          </a:gradFill>
+          <a:ln>
+            <a:noFill/>
+          </a:ln>
+        </p:spPr>
+        <p:style>
+          <a:lnRef idx="2">
+            <a:schemeClr val="accent1">
+              <a:shade val="50000"/>
+            </a:schemeClr>
+          </a:lnRef>
+          <a:fillRef idx="1">
+            <a:schemeClr val="accent1"/>
+          </a:fillRef>
+          <a:effectRef idx="0">
+            <a:schemeClr val="accent1"/>
+          </a:effectRef>
+          <a:fontRef idx="minor">
+            <a:schemeClr val="lt1"/>
+          </a:fontRef>
+        </p:style>
+        <p:txBody>
+          <a:bodyPr rtlCol="0" anchor="ctr"/>
+          <a:lstStyle/>
+          <a:p>
+            <a:pPr algn="ctr"/>
+            <a:endParaRPr lang="ko-KR" altLang="en-US"/>
+          </a:p>
+        </p:txBody>
+      </p:sp>
+      <p:sp>
+        <p:nvSpPr>
+          <p:cNvPr id="1156" name="직사각형 1155">
+            <a:extLst>
+              <a:ext uri="{FF2B5EF4-FFF2-40B4-BE49-F238E27FC236}">
+                <a16:creationId xmlns:a16="http://schemas.microsoft.com/office/drawing/2014/main" id="{DA536827-A867-DDBE-C9C5-66740A89C577}"/>
+              </a:ext>
+            </a:extLst>
+          </p:cNvPr>
+          <p:cNvSpPr/>
+          <p:nvPr/>
+        </p:nvSpPr>
+        <p:spPr>
+          <a:xfrm>
+            <a:off x="14024665" y="3095264"/>
+            <a:ext cx="159544" cy="45719"/>
+          </a:xfrm>
+          <a:prstGeom prst="rect">
+            <a:avLst/>
+          </a:prstGeom>
+          <a:gradFill flip="none" rotWithShape="1">
+            <a:gsLst>
+              <a:gs pos="0">
+                <a:schemeClr val="accent5">
+                  <a:lumMod val="0"/>
+                  <a:lumOff val="100000"/>
+                </a:schemeClr>
+              </a:gs>
+              <a:gs pos="50000">
+                <a:schemeClr val="accent5">
+                  <a:lumMod val="0"/>
+                  <a:lumOff val="100000"/>
+                </a:schemeClr>
+              </a:gs>
+              <a:gs pos="100000">
+                <a:schemeClr val="tx1">
+                  <a:lumMod val="75000"/>
+                  <a:lumOff val="25000"/>
+                  <a:alpha val="70000"/>
+                </a:schemeClr>
+              </a:gs>
+            </a:gsLst>
+            <a:path path="circle">
+              <a:fillToRect r="100000" b="100000"/>
+            </a:path>
+            <a:tileRect l="-100000" t="-100000"/>
+          </a:gradFill>
+          <a:ln>
+            <a:noFill/>
+          </a:ln>
+        </p:spPr>
+        <p:style>
+          <a:lnRef idx="2">
+            <a:schemeClr val="accent1">
+              <a:shade val="50000"/>
+            </a:schemeClr>
+          </a:lnRef>
+          <a:fillRef idx="1">
+            <a:schemeClr val="accent1"/>
+          </a:fillRef>
+          <a:effectRef idx="0">
+            <a:schemeClr val="accent1"/>
+          </a:effectRef>
+          <a:fontRef idx="minor">
+            <a:schemeClr val="lt1"/>
+          </a:fontRef>
+        </p:style>
+        <p:txBody>
+          <a:bodyPr rtlCol="0" anchor="ctr"/>
+          <a:lstStyle/>
+          <a:p>
+            <a:pPr algn="ctr"/>
+            <a:endParaRPr lang="ko-KR" altLang="en-US"/>
+          </a:p>
+        </p:txBody>
+      </p:sp>
+      <p:sp>
+        <p:nvSpPr>
+          <p:cNvPr id="1157" name="직사각형 1156">
+            <a:extLst>
+              <a:ext uri="{FF2B5EF4-FFF2-40B4-BE49-F238E27FC236}">
+                <a16:creationId xmlns:a16="http://schemas.microsoft.com/office/drawing/2014/main" id="{C475DE1D-BD8C-96CC-378C-3FB598C5893D}"/>
+              </a:ext>
+            </a:extLst>
+          </p:cNvPr>
+          <p:cNvSpPr/>
+          <p:nvPr/>
+        </p:nvSpPr>
+        <p:spPr>
+          <a:xfrm>
+            <a:off x="13578951" y="3095263"/>
+            <a:ext cx="159544" cy="45720"/>
+          </a:xfrm>
+          <a:prstGeom prst="rect">
+            <a:avLst/>
+          </a:prstGeom>
+          <a:gradFill flip="none" rotWithShape="1">
+            <a:gsLst>
+              <a:gs pos="0">
+                <a:schemeClr val="accent5">
+                  <a:lumMod val="0"/>
+                  <a:lumOff val="100000"/>
+                </a:schemeClr>
+              </a:gs>
+              <a:gs pos="50000">
+                <a:schemeClr val="accent5">
+                  <a:lumMod val="0"/>
+                  <a:lumOff val="100000"/>
+                </a:schemeClr>
+              </a:gs>
+              <a:gs pos="100000">
+                <a:schemeClr val="tx1">
+                  <a:lumMod val="75000"/>
+                  <a:lumOff val="25000"/>
+                  <a:alpha val="70000"/>
+                </a:schemeClr>
+              </a:gs>
+            </a:gsLst>
+            <a:path path="circle">
+              <a:fillToRect l="100000" t="100000"/>
+            </a:path>
+            <a:tileRect r="-100000" b="-100000"/>
+          </a:gradFill>
+          <a:ln>
+            <a:noFill/>
+          </a:ln>
+        </p:spPr>
+        <p:style>
+          <a:lnRef idx="2">
+            <a:schemeClr val="accent1">
+              <a:shade val="50000"/>
+            </a:schemeClr>
+          </a:lnRef>
+          <a:fillRef idx="1">
+            <a:schemeClr val="accent1"/>
+          </a:fillRef>
+          <a:effectRef idx="0">
+            <a:schemeClr val="accent1"/>
+          </a:effectRef>
+          <a:fontRef idx="minor">
+            <a:schemeClr val="lt1"/>
+          </a:fontRef>
+        </p:style>
+        <p:txBody>
+          <a:bodyPr rtlCol="0" anchor="ctr"/>
+          <a:lstStyle/>
+          <a:p>
+            <a:pPr algn="ctr"/>
+            <a:endParaRPr lang="ko-KR" altLang="en-US"/>
           </a:p>
         </p:txBody>
       </p:sp>

--- a/Client/PvE/REVENGER/UI/XDUI/UI.pptx
+++ b/Client/PvE/REVENGER/UI/XDUI/UI.pptx
@@ -6,6 +6,10 @@
   </p:sldMasterIdLst>
   <p:sldIdLst>
     <p:sldId id="256" r:id="rId2"/>
+    <p:sldId id="257" r:id="rId3"/>
+    <p:sldId id="258" r:id="rId4"/>
+    <p:sldId id="259" r:id="rId5"/>
+    <p:sldId id="260" r:id="rId6"/>
   </p:sldIdLst>
   <p:sldSz cx="12192000" cy="6858000"/>
   <p:notesSz cx="6858000" cy="9144000"/>
@@ -259,7 +263,7 @@
           <a:p>
             <a:fld id="{E54CAA87-A1E0-4A2A-8255-07B10906445F}" type="datetimeFigureOut">
               <a:rPr lang="ko-KR" altLang="en-US" smtClean="0"/>
-              <a:t>2023-06-07</a:t>
+              <a:t>2023-06-26</a:t>
             </a:fld>
             <a:endParaRPr lang="ko-KR" altLang="en-US"/>
           </a:p>
@@ -457,7 +461,7 @@
           <a:p>
             <a:fld id="{E54CAA87-A1E0-4A2A-8255-07B10906445F}" type="datetimeFigureOut">
               <a:rPr lang="ko-KR" altLang="en-US" smtClean="0"/>
-              <a:t>2023-06-07</a:t>
+              <a:t>2023-06-26</a:t>
             </a:fld>
             <a:endParaRPr lang="ko-KR" altLang="en-US"/>
           </a:p>
@@ -665,7 +669,7 @@
           <a:p>
             <a:fld id="{E54CAA87-A1E0-4A2A-8255-07B10906445F}" type="datetimeFigureOut">
               <a:rPr lang="ko-KR" altLang="en-US" smtClean="0"/>
-              <a:t>2023-06-07</a:t>
+              <a:t>2023-06-26</a:t>
             </a:fld>
             <a:endParaRPr lang="ko-KR" altLang="en-US"/>
           </a:p>
@@ -863,7 +867,7 @@
           <a:p>
             <a:fld id="{E54CAA87-A1E0-4A2A-8255-07B10906445F}" type="datetimeFigureOut">
               <a:rPr lang="ko-KR" altLang="en-US" smtClean="0"/>
-              <a:t>2023-06-07</a:t>
+              <a:t>2023-06-26</a:t>
             </a:fld>
             <a:endParaRPr lang="ko-KR" altLang="en-US"/>
           </a:p>
@@ -1138,7 +1142,7 @@
           <a:p>
             <a:fld id="{E54CAA87-A1E0-4A2A-8255-07B10906445F}" type="datetimeFigureOut">
               <a:rPr lang="ko-KR" altLang="en-US" smtClean="0"/>
-              <a:t>2023-06-07</a:t>
+              <a:t>2023-06-26</a:t>
             </a:fld>
             <a:endParaRPr lang="ko-KR" altLang="en-US"/>
           </a:p>
@@ -1403,7 +1407,7 @@
           <a:p>
             <a:fld id="{E54CAA87-A1E0-4A2A-8255-07B10906445F}" type="datetimeFigureOut">
               <a:rPr lang="ko-KR" altLang="en-US" smtClean="0"/>
-              <a:t>2023-06-07</a:t>
+              <a:t>2023-06-26</a:t>
             </a:fld>
             <a:endParaRPr lang="ko-KR" altLang="en-US"/>
           </a:p>
@@ -1815,7 +1819,7 @@
           <a:p>
             <a:fld id="{E54CAA87-A1E0-4A2A-8255-07B10906445F}" type="datetimeFigureOut">
               <a:rPr lang="ko-KR" altLang="en-US" smtClean="0"/>
-              <a:t>2023-06-07</a:t>
+              <a:t>2023-06-26</a:t>
             </a:fld>
             <a:endParaRPr lang="ko-KR" altLang="en-US"/>
           </a:p>
@@ -1956,7 +1960,7 @@
           <a:p>
             <a:fld id="{E54CAA87-A1E0-4A2A-8255-07B10906445F}" type="datetimeFigureOut">
               <a:rPr lang="ko-KR" altLang="en-US" smtClean="0"/>
-              <a:t>2023-06-07</a:t>
+              <a:t>2023-06-26</a:t>
             </a:fld>
             <a:endParaRPr lang="ko-KR" altLang="en-US"/>
           </a:p>
@@ -2069,7 +2073,7 @@
           <a:p>
             <a:fld id="{E54CAA87-A1E0-4A2A-8255-07B10906445F}" type="datetimeFigureOut">
               <a:rPr lang="ko-KR" altLang="en-US" smtClean="0"/>
-              <a:t>2023-06-07</a:t>
+              <a:t>2023-06-26</a:t>
             </a:fld>
             <a:endParaRPr lang="ko-KR" altLang="en-US"/>
           </a:p>
@@ -2380,7 +2384,7 @@
           <a:p>
             <a:fld id="{E54CAA87-A1E0-4A2A-8255-07B10906445F}" type="datetimeFigureOut">
               <a:rPr lang="ko-KR" altLang="en-US" smtClean="0"/>
-              <a:t>2023-06-07</a:t>
+              <a:t>2023-06-26</a:t>
             </a:fld>
             <a:endParaRPr lang="ko-KR" altLang="en-US"/>
           </a:p>
@@ -2668,7 +2672,7 @@
           <a:p>
             <a:fld id="{E54CAA87-A1E0-4A2A-8255-07B10906445F}" type="datetimeFigureOut">
               <a:rPr lang="ko-KR" altLang="en-US" smtClean="0"/>
-              <a:t>2023-06-07</a:t>
+              <a:t>2023-06-26</a:t>
             </a:fld>
             <a:endParaRPr lang="ko-KR" altLang="en-US"/>
           </a:p>
@@ -2909,7 +2913,7 @@
           <a:p>
             <a:fld id="{E54CAA87-A1E0-4A2A-8255-07B10906445F}" type="datetimeFigureOut">
               <a:rPr lang="ko-KR" altLang="en-US" smtClean="0"/>
-              <a:t>2023-06-07</a:t>
+              <a:t>2023-06-26</a:t>
             </a:fld>
             <a:endParaRPr lang="ko-KR" altLang="en-US"/>
           </a:p>
@@ -7393,6 +7397,6244 @@
 </p:sld>
 </file>
 
+<file path=ppt/slides/slide2.xml><?xml version="1.0" encoding="utf-8"?>
+<p:sld xmlns:a="http://schemas.openxmlformats.org/drawingml/2006/main" xmlns:r="http://schemas.openxmlformats.org/officeDocument/2006/relationships" xmlns:p="http://schemas.openxmlformats.org/presentationml/2006/main">
+  <p:cSld>
+    <p:spTree>
+      <p:nvGrpSpPr>
+        <p:cNvPr id="1" name=""/>
+        <p:cNvGrpSpPr/>
+        <p:nvPr/>
+      </p:nvGrpSpPr>
+      <p:grpSpPr>
+        <a:xfrm>
+          <a:off x="0" y="0"/>
+          <a:ext cx="0" cy="0"/>
+          <a:chOff x="0" y="0"/>
+          <a:chExt cx="0" cy="0"/>
+        </a:xfrm>
+      </p:grpSpPr>
+      <p:pic>
+        <p:nvPicPr>
+          <p:cNvPr id="8" name="그림 7">
+            <a:extLst>
+              <a:ext uri="{FF2B5EF4-FFF2-40B4-BE49-F238E27FC236}">
+                <a16:creationId xmlns:a16="http://schemas.microsoft.com/office/drawing/2014/main" id="{7160F3C6-882E-CF65-0291-99B1F5F2ACD9}"/>
+              </a:ext>
+            </a:extLst>
+          </p:cNvPr>
+          <p:cNvPicPr>
+            <a:picLocks noChangeAspect="1"/>
+          </p:cNvPicPr>
+          <p:nvPr/>
+        </p:nvPicPr>
+        <p:blipFill>
+          <a:blip r:embed="rId2">
+            <a:extLst>
+              <a:ext uri="{28A0092B-C50C-407E-A947-70E740481C1C}">
+                <a14:useLocalDpi xmlns:a14="http://schemas.microsoft.com/office/drawing/2010/main" val="0"/>
+              </a:ext>
+            </a:extLst>
+          </a:blip>
+          <a:stretch>
+            <a:fillRect/>
+          </a:stretch>
+        </p:blipFill>
+        <p:spPr>
+          <a:xfrm>
+            <a:off x="1809750" y="0"/>
+            <a:ext cx="8572500" cy="6858000"/>
+          </a:xfrm>
+          <a:prstGeom prst="rect">
+            <a:avLst/>
+          </a:prstGeom>
+        </p:spPr>
+      </p:pic>
+      <p:grpSp>
+        <p:nvGrpSpPr>
+          <p:cNvPr id="29" name="그룹 28">
+            <a:extLst>
+              <a:ext uri="{FF2B5EF4-FFF2-40B4-BE49-F238E27FC236}">
+                <a16:creationId xmlns:a16="http://schemas.microsoft.com/office/drawing/2014/main" id="{B5EBE16B-1653-BB77-5A66-103B6807B6E6}"/>
+              </a:ext>
+            </a:extLst>
+          </p:cNvPr>
+          <p:cNvGrpSpPr/>
+          <p:nvPr/>
+        </p:nvGrpSpPr>
+        <p:grpSpPr>
+          <a:xfrm>
+            <a:off x="2056825" y="4279218"/>
+            <a:ext cx="2266950" cy="2309590"/>
+            <a:chOff x="2056825" y="4279218"/>
+            <a:chExt cx="2266950" cy="2309590"/>
+          </a:xfrm>
+        </p:grpSpPr>
+        <p:grpSp>
+          <p:nvGrpSpPr>
+            <p:cNvPr id="17" name="그룹 16">
+              <a:extLst>
+                <a:ext uri="{FF2B5EF4-FFF2-40B4-BE49-F238E27FC236}">
+                  <a16:creationId xmlns:a16="http://schemas.microsoft.com/office/drawing/2014/main" id="{EFA09F6E-F7C1-00EA-6356-F559CD5EAFEA}"/>
+                </a:ext>
+              </a:extLst>
+            </p:cNvPr>
+            <p:cNvGrpSpPr/>
+            <p:nvPr/>
+          </p:nvGrpSpPr>
+          <p:grpSpPr>
+            <a:xfrm>
+              <a:off x="2056825" y="4279218"/>
+              <a:ext cx="2266950" cy="2309590"/>
+              <a:chOff x="2056825" y="4514850"/>
+              <a:chExt cx="2266950" cy="1838325"/>
+            </a:xfrm>
+          </p:grpSpPr>
+          <p:sp>
+            <p:nvSpPr>
+              <p:cNvPr id="13" name="직사각형 12">
+                <a:extLst>
+                  <a:ext uri="{FF2B5EF4-FFF2-40B4-BE49-F238E27FC236}">
+                    <a16:creationId xmlns:a16="http://schemas.microsoft.com/office/drawing/2014/main" id="{A7695C39-E3DB-E017-91ED-4AAA57D35E1C}"/>
+                  </a:ext>
+                </a:extLst>
+              </p:cNvPr>
+              <p:cNvSpPr/>
+              <p:nvPr/>
+            </p:nvSpPr>
+            <p:spPr>
+              <a:xfrm>
+                <a:off x="2056825" y="4514850"/>
+                <a:ext cx="2266950" cy="1838325"/>
+              </a:xfrm>
+              <a:prstGeom prst="rect">
+                <a:avLst/>
+              </a:prstGeom>
+              <a:noFill/>
+              <a:ln w="57150">
+                <a:solidFill>
+                  <a:schemeClr val="bg1"/>
+                </a:solidFill>
+              </a:ln>
+            </p:spPr>
+            <p:style>
+              <a:lnRef idx="2">
+                <a:schemeClr val="accent1">
+                  <a:shade val="15000"/>
+                </a:schemeClr>
+              </a:lnRef>
+              <a:fillRef idx="1">
+                <a:schemeClr val="accent1"/>
+              </a:fillRef>
+              <a:effectRef idx="0">
+                <a:schemeClr val="accent1"/>
+              </a:effectRef>
+              <a:fontRef idx="minor">
+                <a:schemeClr val="lt1"/>
+              </a:fontRef>
+            </p:style>
+            <p:txBody>
+              <a:bodyPr rtlCol="0" anchor="ctr"/>
+              <a:lstStyle/>
+              <a:p>
+                <a:pPr algn="ctr"/>
+                <a:endParaRPr lang="ko-KR" altLang="en-US" dirty="0"/>
+              </a:p>
+            </p:txBody>
+          </p:sp>
+          <p:sp>
+            <p:nvSpPr>
+              <p:cNvPr id="9" name="직사각형 8">
+                <a:extLst>
+                  <a:ext uri="{FF2B5EF4-FFF2-40B4-BE49-F238E27FC236}">
+                    <a16:creationId xmlns:a16="http://schemas.microsoft.com/office/drawing/2014/main" id="{5EA3A433-AD13-6DE3-F7E7-947F0DD2D706}"/>
+                  </a:ext>
+                </a:extLst>
+              </p:cNvPr>
+              <p:cNvSpPr/>
+              <p:nvPr/>
+            </p:nvSpPr>
+            <p:spPr>
+              <a:xfrm>
+                <a:off x="2056825" y="4514850"/>
+                <a:ext cx="2266950" cy="1838325"/>
+              </a:xfrm>
+              <a:prstGeom prst="rect">
+                <a:avLst/>
+              </a:prstGeom>
+              <a:solidFill>
+                <a:srgbClr val="030303"/>
+              </a:solidFill>
+              <a:ln w="28575">
+                <a:solidFill>
+                  <a:srgbClr val="F6DEAA"/>
+                </a:solidFill>
+              </a:ln>
+            </p:spPr>
+            <p:style>
+              <a:lnRef idx="2">
+                <a:schemeClr val="accent1">
+                  <a:shade val="15000"/>
+                </a:schemeClr>
+              </a:lnRef>
+              <a:fillRef idx="1">
+                <a:schemeClr val="accent1"/>
+              </a:fillRef>
+              <a:effectRef idx="0">
+                <a:schemeClr val="accent1"/>
+              </a:effectRef>
+              <a:fontRef idx="minor">
+                <a:schemeClr val="lt1"/>
+              </a:fontRef>
+            </p:style>
+            <p:txBody>
+              <a:bodyPr rtlCol="0" anchor="ctr"/>
+              <a:lstStyle/>
+              <a:p>
+                <a:pPr algn="ctr"/>
+                <a:endParaRPr lang="ko-KR" altLang="en-US"/>
+              </a:p>
+            </p:txBody>
+          </p:sp>
+        </p:grpSp>
+        <p:sp>
+          <p:nvSpPr>
+            <p:cNvPr id="14" name="직사각형 13">
+              <a:extLst>
+                <a:ext uri="{FF2B5EF4-FFF2-40B4-BE49-F238E27FC236}">
+                  <a16:creationId xmlns:a16="http://schemas.microsoft.com/office/drawing/2014/main" id="{454F8F55-6BAF-C1E6-9BC0-0F679F396AB2}"/>
+                </a:ext>
+              </a:extLst>
+            </p:cNvPr>
+            <p:cNvSpPr/>
+            <p:nvPr/>
+          </p:nvSpPr>
+          <p:spPr>
+            <a:xfrm>
+              <a:off x="2755821" y="4414606"/>
+              <a:ext cx="1448710" cy="435836"/>
+            </a:xfrm>
+            <a:prstGeom prst="rect">
+              <a:avLst/>
+            </a:prstGeom>
+            <a:solidFill>
+              <a:schemeClr val="bg1">
+                <a:lumMod val="75000"/>
+              </a:schemeClr>
+            </a:solidFill>
+            <a:ln>
+              <a:noFill/>
+            </a:ln>
+          </p:spPr>
+          <p:style>
+            <a:lnRef idx="2">
+              <a:schemeClr val="accent1">
+                <a:shade val="15000"/>
+              </a:schemeClr>
+            </a:lnRef>
+            <a:fillRef idx="1">
+              <a:schemeClr val="accent1"/>
+            </a:fillRef>
+            <a:effectRef idx="0">
+              <a:schemeClr val="accent1"/>
+            </a:effectRef>
+            <a:fontRef idx="minor">
+              <a:schemeClr val="lt1"/>
+            </a:fontRef>
+          </p:style>
+          <p:txBody>
+            <a:bodyPr rtlCol="0" anchor="ctr"/>
+            <a:lstStyle/>
+            <a:p>
+              <a:pPr algn="ctr"/>
+              <a:endParaRPr lang="ko-KR" altLang="en-US"/>
+            </a:p>
+          </p:txBody>
+        </p:sp>
+        <p:sp>
+          <p:nvSpPr>
+            <p:cNvPr id="15" name="직사각형 14">
+              <a:extLst>
+                <a:ext uri="{FF2B5EF4-FFF2-40B4-BE49-F238E27FC236}">
+                  <a16:creationId xmlns:a16="http://schemas.microsoft.com/office/drawing/2014/main" id="{CCBE92BC-1E57-BCD6-FBDC-E7D0724C0849}"/>
+                </a:ext>
+              </a:extLst>
+            </p:cNvPr>
+            <p:cNvSpPr/>
+            <p:nvPr/>
+          </p:nvSpPr>
+          <p:spPr>
+            <a:xfrm>
+              <a:off x="2755821" y="4973242"/>
+              <a:ext cx="1448710" cy="435836"/>
+            </a:xfrm>
+            <a:prstGeom prst="rect">
+              <a:avLst/>
+            </a:prstGeom>
+            <a:solidFill>
+              <a:schemeClr val="bg1">
+                <a:lumMod val="75000"/>
+              </a:schemeClr>
+            </a:solidFill>
+            <a:ln>
+              <a:noFill/>
+            </a:ln>
+          </p:spPr>
+          <p:style>
+            <a:lnRef idx="2">
+              <a:schemeClr val="accent1">
+                <a:shade val="15000"/>
+              </a:schemeClr>
+            </a:lnRef>
+            <a:fillRef idx="1">
+              <a:schemeClr val="accent1"/>
+            </a:fillRef>
+            <a:effectRef idx="0">
+              <a:schemeClr val="accent1"/>
+            </a:effectRef>
+            <a:fontRef idx="minor">
+              <a:schemeClr val="lt1"/>
+            </a:fontRef>
+          </p:style>
+          <p:txBody>
+            <a:bodyPr rtlCol="0" anchor="ctr"/>
+            <a:lstStyle/>
+            <a:p>
+              <a:pPr algn="ctr"/>
+              <a:endParaRPr lang="ko-KR" altLang="en-US" dirty="0"/>
+            </a:p>
+          </p:txBody>
+        </p:sp>
+        <p:sp>
+          <p:nvSpPr>
+            <p:cNvPr id="16" name="직사각형 15">
+              <a:extLst>
+                <a:ext uri="{FF2B5EF4-FFF2-40B4-BE49-F238E27FC236}">
+                  <a16:creationId xmlns:a16="http://schemas.microsoft.com/office/drawing/2014/main" id="{9E5273B3-21FE-EC43-1967-05A0ABFA84A4}"/>
+                </a:ext>
+              </a:extLst>
+            </p:cNvPr>
+            <p:cNvSpPr/>
+            <p:nvPr/>
+          </p:nvSpPr>
+          <p:spPr>
+            <a:xfrm>
+              <a:off x="2755821" y="5517969"/>
+              <a:ext cx="1448710" cy="435836"/>
+            </a:xfrm>
+            <a:prstGeom prst="rect">
+              <a:avLst/>
+            </a:prstGeom>
+            <a:solidFill>
+              <a:schemeClr val="bg1">
+                <a:lumMod val="75000"/>
+              </a:schemeClr>
+            </a:solidFill>
+            <a:ln>
+              <a:noFill/>
+            </a:ln>
+          </p:spPr>
+          <p:style>
+            <a:lnRef idx="2">
+              <a:schemeClr val="accent1">
+                <a:shade val="15000"/>
+              </a:schemeClr>
+            </a:lnRef>
+            <a:fillRef idx="1">
+              <a:schemeClr val="accent1"/>
+            </a:fillRef>
+            <a:effectRef idx="0">
+              <a:schemeClr val="accent1"/>
+            </a:effectRef>
+            <a:fontRef idx="minor">
+              <a:schemeClr val="lt1"/>
+            </a:fontRef>
+          </p:style>
+          <p:txBody>
+            <a:bodyPr rtlCol="0" anchor="ctr"/>
+            <a:lstStyle/>
+            <a:p>
+              <a:pPr algn="ctr"/>
+              <a:endParaRPr lang="ko-KR" altLang="en-US"/>
+            </a:p>
+          </p:txBody>
+        </p:sp>
+        <p:sp>
+          <p:nvSpPr>
+            <p:cNvPr id="22" name="사각형: 둥근 모서리 21">
+              <a:extLst>
+                <a:ext uri="{FF2B5EF4-FFF2-40B4-BE49-F238E27FC236}">
+                  <a16:creationId xmlns:a16="http://schemas.microsoft.com/office/drawing/2014/main" id="{B26FD2E2-3E62-5D0C-31F1-0BC3D2171F2A}"/>
+                </a:ext>
+              </a:extLst>
+            </p:cNvPr>
+            <p:cNvSpPr/>
+            <p:nvPr/>
+          </p:nvSpPr>
+          <p:spPr>
+            <a:xfrm>
+              <a:off x="3228687" y="6069650"/>
+              <a:ext cx="1018417" cy="435836"/>
+            </a:xfrm>
+            <a:prstGeom prst="roundRect">
+              <a:avLst>
+                <a:gd name="adj" fmla="val 50000"/>
+              </a:avLst>
+            </a:prstGeom>
+            <a:gradFill>
+              <a:gsLst>
+                <a:gs pos="0">
+                  <a:schemeClr val="accent1">
+                    <a:lumMod val="5000"/>
+                    <a:lumOff val="95000"/>
+                  </a:schemeClr>
+                </a:gs>
+                <a:gs pos="33000">
+                  <a:schemeClr val="accent1">
+                    <a:lumMod val="67000"/>
+                    <a:lumOff val="33000"/>
+                  </a:schemeClr>
+                </a:gs>
+                <a:gs pos="66000">
+                  <a:schemeClr val="accent1">
+                    <a:lumMod val="67000"/>
+                    <a:lumOff val="33000"/>
+                  </a:schemeClr>
+                </a:gs>
+                <a:gs pos="100000">
+                  <a:schemeClr val="bg1"/>
+                </a:gs>
+              </a:gsLst>
+              <a:lin ang="5400000" scaled="1"/>
+            </a:gradFill>
+            <a:ln>
+              <a:noFill/>
+            </a:ln>
+          </p:spPr>
+          <p:style>
+            <a:lnRef idx="2">
+              <a:schemeClr val="accent1">
+                <a:shade val="15000"/>
+              </a:schemeClr>
+            </a:lnRef>
+            <a:fillRef idx="1">
+              <a:schemeClr val="accent1"/>
+            </a:fillRef>
+            <a:effectRef idx="0">
+              <a:schemeClr val="accent1"/>
+            </a:effectRef>
+            <a:fontRef idx="minor">
+              <a:schemeClr val="lt1"/>
+            </a:fontRef>
+          </p:style>
+          <p:txBody>
+            <a:bodyPr rtlCol="0" anchor="ctr"/>
+            <a:lstStyle/>
+            <a:p>
+              <a:pPr algn="ctr"/>
+              <a:r>
+                <a:rPr lang="en-US" altLang="ko-KR" sz="1600" b="1" dirty="0">
+                  <a:solidFill>
+                    <a:schemeClr val="tx1"/>
+                  </a:solidFill>
+                </a:rPr>
+                <a:t>LOG IN</a:t>
+              </a:r>
+              <a:endParaRPr lang="ko-KR" altLang="en-US" sz="1600" b="1" dirty="0">
+                <a:solidFill>
+                  <a:schemeClr val="tx1"/>
+                </a:solidFill>
+              </a:endParaRPr>
+            </a:p>
+          </p:txBody>
+        </p:sp>
+        <p:sp>
+          <p:nvSpPr>
+            <p:cNvPr id="24" name="사각형: 둥근 모서리 23">
+              <a:extLst>
+                <a:ext uri="{FF2B5EF4-FFF2-40B4-BE49-F238E27FC236}">
+                  <a16:creationId xmlns:a16="http://schemas.microsoft.com/office/drawing/2014/main" id="{522333BA-5B16-04B2-98F0-53275D126127}"/>
+                </a:ext>
+              </a:extLst>
+            </p:cNvPr>
+            <p:cNvSpPr/>
+            <p:nvPr/>
+          </p:nvSpPr>
+          <p:spPr>
+            <a:xfrm>
+              <a:off x="2133600" y="6069650"/>
+              <a:ext cx="1018417" cy="435836"/>
+            </a:xfrm>
+            <a:prstGeom prst="roundRect">
+              <a:avLst>
+                <a:gd name="adj" fmla="val 50000"/>
+              </a:avLst>
+            </a:prstGeom>
+            <a:gradFill>
+              <a:gsLst>
+                <a:gs pos="33000">
+                  <a:schemeClr val="bg1"/>
+                </a:gs>
+                <a:gs pos="0">
+                  <a:schemeClr val="accent2">
+                    <a:lumMod val="75000"/>
+                  </a:schemeClr>
+                </a:gs>
+                <a:gs pos="100000">
+                  <a:schemeClr val="accent2">
+                    <a:lumMod val="75000"/>
+                  </a:schemeClr>
+                </a:gs>
+                <a:gs pos="66000">
+                  <a:schemeClr val="bg1"/>
+                </a:gs>
+              </a:gsLst>
+              <a:lin ang="5400000" scaled="1"/>
+            </a:gradFill>
+            <a:ln>
+              <a:noFill/>
+            </a:ln>
+          </p:spPr>
+          <p:style>
+            <a:lnRef idx="2">
+              <a:schemeClr val="accent1">
+                <a:shade val="15000"/>
+              </a:schemeClr>
+            </a:lnRef>
+            <a:fillRef idx="1">
+              <a:schemeClr val="accent1"/>
+            </a:fillRef>
+            <a:effectRef idx="0">
+              <a:schemeClr val="accent1"/>
+            </a:effectRef>
+            <a:fontRef idx="minor">
+              <a:schemeClr val="lt1"/>
+            </a:fontRef>
+          </p:style>
+          <p:txBody>
+            <a:bodyPr lIns="0" tIns="0" rIns="0" bIns="0" rtlCol="0" anchor="ctr"/>
+            <a:lstStyle/>
+            <a:p>
+              <a:pPr algn="ctr"/>
+              <a:r>
+                <a:rPr lang="en-US" altLang="ko-KR" sz="1050" b="1" dirty="0">
+                  <a:solidFill>
+                    <a:schemeClr val="tx1"/>
+                  </a:solidFill>
+                </a:rPr>
+                <a:t>REGISTRAION</a:t>
+              </a:r>
+              <a:endParaRPr lang="ko-KR" altLang="en-US" sz="1050" b="1" dirty="0">
+                <a:solidFill>
+                  <a:schemeClr val="tx1"/>
+                </a:solidFill>
+              </a:endParaRPr>
+            </a:p>
+          </p:txBody>
+        </p:sp>
+        <p:sp>
+          <p:nvSpPr>
+            <p:cNvPr id="26" name="직사각형 25">
+              <a:extLst>
+                <a:ext uri="{FF2B5EF4-FFF2-40B4-BE49-F238E27FC236}">
+                  <a16:creationId xmlns:a16="http://schemas.microsoft.com/office/drawing/2014/main" id="{DA15F454-CA1A-89B1-7524-9BC74056E72E}"/>
+                </a:ext>
+              </a:extLst>
+            </p:cNvPr>
+            <p:cNvSpPr/>
+            <p:nvPr/>
+          </p:nvSpPr>
+          <p:spPr>
+            <a:xfrm>
+              <a:off x="2154834" y="4414606"/>
+              <a:ext cx="502977" cy="435836"/>
+            </a:xfrm>
+            <a:prstGeom prst="rect">
+              <a:avLst/>
+            </a:prstGeom>
+            <a:noFill/>
+            <a:ln>
+              <a:noFill/>
+            </a:ln>
+          </p:spPr>
+          <p:style>
+            <a:lnRef idx="2">
+              <a:schemeClr val="accent1">
+                <a:shade val="15000"/>
+              </a:schemeClr>
+            </a:lnRef>
+            <a:fillRef idx="1">
+              <a:schemeClr val="accent1"/>
+            </a:fillRef>
+            <a:effectRef idx="0">
+              <a:schemeClr val="accent1"/>
+            </a:effectRef>
+            <a:fontRef idx="minor">
+              <a:schemeClr val="lt1"/>
+            </a:fontRef>
+          </p:style>
+          <p:txBody>
+            <a:bodyPr rtlCol="0" anchor="ctr"/>
+            <a:lstStyle/>
+            <a:p>
+              <a:pPr algn="ctr"/>
+              <a:r>
+                <a:rPr lang="en-US" altLang="ko-KR" sz="1400" b="1" dirty="0">
+                  <a:solidFill>
+                    <a:schemeClr val="bg1"/>
+                  </a:solidFill>
+                </a:rPr>
+                <a:t>ID</a:t>
+              </a:r>
+              <a:endParaRPr lang="ko-KR" altLang="en-US" sz="1400" b="1" dirty="0">
+                <a:solidFill>
+                  <a:schemeClr val="bg1"/>
+                </a:solidFill>
+              </a:endParaRPr>
+            </a:p>
+          </p:txBody>
+        </p:sp>
+        <p:sp>
+          <p:nvSpPr>
+            <p:cNvPr id="27" name="직사각형 26">
+              <a:extLst>
+                <a:ext uri="{FF2B5EF4-FFF2-40B4-BE49-F238E27FC236}">
+                  <a16:creationId xmlns:a16="http://schemas.microsoft.com/office/drawing/2014/main" id="{33B7D69D-47FB-2514-AB9A-628DF2294428}"/>
+                </a:ext>
+              </a:extLst>
+            </p:cNvPr>
+            <p:cNvSpPr/>
+            <p:nvPr/>
+          </p:nvSpPr>
+          <p:spPr>
+            <a:xfrm>
+              <a:off x="2154835" y="4973242"/>
+              <a:ext cx="502977" cy="435836"/>
+            </a:xfrm>
+            <a:prstGeom prst="rect">
+              <a:avLst/>
+            </a:prstGeom>
+            <a:noFill/>
+            <a:ln>
+              <a:noFill/>
+            </a:ln>
+          </p:spPr>
+          <p:style>
+            <a:lnRef idx="2">
+              <a:schemeClr val="accent1">
+                <a:shade val="15000"/>
+              </a:schemeClr>
+            </a:lnRef>
+            <a:fillRef idx="1">
+              <a:schemeClr val="accent1"/>
+            </a:fillRef>
+            <a:effectRef idx="0">
+              <a:schemeClr val="accent1"/>
+            </a:effectRef>
+            <a:fontRef idx="minor">
+              <a:schemeClr val="lt1"/>
+            </a:fontRef>
+          </p:style>
+          <p:txBody>
+            <a:bodyPr rtlCol="0" anchor="ctr"/>
+            <a:lstStyle/>
+            <a:p>
+              <a:pPr algn="ctr"/>
+              <a:r>
+                <a:rPr lang="en-US" altLang="ko-KR" sz="1400" b="1" dirty="0">
+                  <a:solidFill>
+                    <a:schemeClr val="bg1"/>
+                  </a:solidFill>
+                </a:rPr>
+                <a:t>PW</a:t>
+              </a:r>
+              <a:endParaRPr lang="ko-KR" altLang="en-US" sz="1400" b="1" dirty="0">
+                <a:solidFill>
+                  <a:schemeClr val="bg1"/>
+                </a:solidFill>
+              </a:endParaRPr>
+            </a:p>
+          </p:txBody>
+        </p:sp>
+        <p:sp>
+          <p:nvSpPr>
+            <p:cNvPr id="28" name="직사각형 27">
+              <a:extLst>
+                <a:ext uri="{FF2B5EF4-FFF2-40B4-BE49-F238E27FC236}">
+                  <a16:creationId xmlns:a16="http://schemas.microsoft.com/office/drawing/2014/main" id="{264360D3-1EB7-EA0B-951C-F0600B127622}"/>
+                </a:ext>
+              </a:extLst>
+            </p:cNvPr>
+            <p:cNvSpPr/>
+            <p:nvPr/>
+          </p:nvSpPr>
+          <p:spPr>
+            <a:xfrm>
+              <a:off x="2154835" y="5517969"/>
+              <a:ext cx="502977" cy="435836"/>
+            </a:xfrm>
+            <a:prstGeom prst="rect">
+              <a:avLst/>
+            </a:prstGeom>
+            <a:noFill/>
+            <a:ln>
+              <a:noFill/>
+            </a:ln>
+          </p:spPr>
+          <p:style>
+            <a:lnRef idx="2">
+              <a:schemeClr val="accent1">
+                <a:shade val="15000"/>
+              </a:schemeClr>
+            </a:lnRef>
+            <a:fillRef idx="1">
+              <a:schemeClr val="accent1"/>
+            </a:fillRef>
+            <a:effectRef idx="0">
+              <a:schemeClr val="accent1"/>
+            </a:effectRef>
+            <a:fontRef idx="minor">
+              <a:schemeClr val="lt1"/>
+            </a:fontRef>
+          </p:style>
+          <p:txBody>
+            <a:bodyPr rtlCol="0" anchor="ctr"/>
+            <a:lstStyle/>
+            <a:p>
+              <a:pPr algn="ctr"/>
+              <a:r>
+                <a:rPr lang="en-US" altLang="ko-KR" sz="1400" b="1" dirty="0">
+                  <a:solidFill>
+                    <a:schemeClr val="bg1"/>
+                  </a:solidFill>
+                </a:rPr>
+                <a:t>IP</a:t>
+              </a:r>
+              <a:endParaRPr lang="ko-KR" altLang="en-US" sz="1400" b="1" dirty="0">
+                <a:solidFill>
+                  <a:schemeClr val="bg1"/>
+                </a:solidFill>
+              </a:endParaRPr>
+            </a:p>
+          </p:txBody>
+        </p:sp>
+      </p:grpSp>
+    </p:spTree>
+    <p:extLst>
+      <p:ext uri="{BB962C8B-B14F-4D97-AF65-F5344CB8AC3E}">
+        <p14:creationId xmlns:p14="http://schemas.microsoft.com/office/powerpoint/2010/main" val="827098668"/>
+      </p:ext>
+    </p:extLst>
+  </p:cSld>
+  <p:clrMapOvr>
+    <a:masterClrMapping/>
+  </p:clrMapOvr>
+</p:sld>
+</file>
+
+<file path=ppt/slides/slide3.xml><?xml version="1.0" encoding="utf-8"?>
+<p:sld xmlns:a="http://schemas.openxmlformats.org/drawingml/2006/main" xmlns:r="http://schemas.openxmlformats.org/officeDocument/2006/relationships" xmlns:p="http://schemas.openxmlformats.org/presentationml/2006/main">
+  <p:cSld>
+    <p:spTree>
+      <p:nvGrpSpPr>
+        <p:cNvPr id="1" name=""/>
+        <p:cNvGrpSpPr/>
+        <p:nvPr/>
+      </p:nvGrpSpPr>
+      <p:grpSpPr>
+        <a:xfrm>
+          <a:off x="0" y="0"/>
+          <a:ext cx="0" cy="0"/>
+          <a:chOff x="0" y="0"/>
+          <a:chExt cx="0" cy="0"/>
+        </a:xfrm>
+      </p:grpSpPr>
+      <p:pic>
+        <p:nvPicPr>
+          <p:cNvPr id="8" name="그림 7">
+            <a:extLst>
+              <a:ext uri="{FF2B5EF4-FFF2-40B4-BE49-F238E27FC236}">
+                <a16:creationId xmlns:a16="http://schemas.microsoft.com/office/drawing/2014/main" id="{7160F3C6-882E-CF65-0291-99B1F5F2ACD9}"/>
+              </a:ext>
+            </a:extLst>
+          </p:cNvPr>
+          <p:cNvPicPr>
+            <a:picLocks noChangeAspect="1"/>
+          </p:cNvPicPr>
+          <p:nvPr/>
+        </p:nvPicPr>
+        <p:blipFill>
+          <a:blip r:embed="rId2">
+            <a:extLst>
+              <a:ext uri="{28A0092B-C50C-407E-A947-70E740481C1C}">
+                <a14:useLocalDpi xmlns:a14="http://schemas.microsoft.com/office/drawing/2010/main" val="0"/>
+              </a:ext>
+            </a:extLst>
+          </a:blip>
+          <a:stretch>
+            <a:fillRect/>
+          </a:stretch>
+        </p:blipFill>
+        <p:spPr>
+          <a:xfrm>
+            <a:off x="1809750" y="0"/>
+            <a:ext cx="8572500" cy="6858000"/>
+          </a:xfrm>
+          <a:prstGeom prst="rect">
+            <a:avLst/>
+          </a:prstGeom>
+        </p:spPr>
+      </p:pic>
+    </p:spTree>
+    <p:extLst>
+      <p:ext uri="{BB962C8B-B14F-4D97-AF65-F5344CB8AC3E}">
+        <p14:creationId xmlns:p14="http://schemas.microsoft.com/office/powerpoint/2010/main" val="2026115635"/>
+      </p:ext>
+    </p:extLst>
+  </p:cSld>
+  <p:clrMapOvr>
+    <a:masterClrMapping/>
+  </p:clrMapOvr>
+</p:sld>
+</file>
+
+<file path=ppt/slides/slide4.xml><?xml version="1.0" encoding="utf-8"?>
+<p:sld xmlns:a="http://schemas.openxmlformats.org/drawingml/2006/main" xmlns:r="http://schemas.openxmlformats.org/officeDocument/2006/relationships" xmlns:p="http://schemas.openxmlformats.org/presentationml/2006/main">
+  <p:cSld>
+    <p:spTree>
+      <p:nvGrpSpPr>
+        <p:cNvPr id="1" name=""/>
+        <p:cNvGrpSpPr/>
+        <p:nvPr/>
+      </p:nvGrpSpPr>
+      <p:grpSpPr>
+        <a:xfrm>
+          <a:off x="0" y="0"/>
+          <a:ext cx="0" cy="0"/>
+          <a:chOff x="0" y="0"/>
+          <a:chExt cx="0" cy="0"/>
+        </a:xfrm>
+      </p:grpSpPr>
+      <p:pic>
+        <p:nvPicPr>
+          <p:cNvPr id="8" name="그림 7">
+            <a:extLst>
+              <a:ext uri="{FF2B5EF4-FFF2-40B4-BE49-F238E27FC236}">
+                <a16:creationId xmlns:a16="http://schemas.microsoft.com/office/drawing/2014/main" id="{7160F3C6-882E-CF65-0291-99B1F5F2ACD9}"/>
+              </a:ext>
+            </a:extLst>
+          </p:cNvPr>
+          <p:cNvPicPr>
+            <a:picLocks noChangeAspect="1"/>
+          </p:cNvPicPr>
+          <p:nvPr/>
+        </p:nvPicPr>
+        <p:blipFill>
+          <a:blip r:embed="rId2">
+            <a:extLst>
+              <a:ext uri="{28A0092B-C50C-407E-A947-70E740481C1C}">
+                <a14:useLocalDpi xmlns:a14="http://schemas.microsoft.com/office/drawing/2010/main" val="0"/>
+              </a:ext>
+            </a:extLst>
+          </a:blip>
+          <a:stretch>
+            <a:fillRect/>
+          </a:stretch>
+        </p:blipFill>
+        <p:spPr>
+          <a:xfrm>
+            <a:off x="1809750" y="0"/>
+            <a:ext cx="8572500" cy="6858000"/>
+          </a:xfrm>
+          <a:prstGeom prst="rect">
+            <a:avLst/>
+          </a:prstGeom>
+        </p:spPr>
+      </p:pic>
+      <p:grpSp>
+        <p:nvGrpSpPr>
+          <p:cNvPr id="1130" name="그룹 1129">
+            <a:extLst>
+              <a:ext uri="{FF2B5EF4-FFF2-40B4-BE49-F238E27FC236}">
+                <a16:creationId xmlns:a16="http://schemas.microsoft.com/office/drawing/2014/main" id="{4F015BF9-0B01-1935-0BA6-B376147979C1}"/>
+              </a:ext>
+            </a:extLst>
+          </p:cNvPr>
+          <p:cNvGrpSpPr/>
+          <p:nvPr/>
+        </p:nvGrpSpPr>
+        <p:grpSpPr>
+          <a:xfrm>
+            <a:off x="1983324" y="1056388"/>
+            <a:ext cx="8225352" cy="4744070"/>
+            <a:chOff x="1983324" y="1056388"/>
+            <a:chExt cx="8225352" cy="4744070"/>
+          </a:xfrm>
+        </p:grpSpPr>
+        <p:sp>
+          <p:nvSpPr>
+            <p:cNvPr id="1131" name="직사각형 1130">
+              <a:extLst>
+                <a:ext uri="{FF2B5EF4-FFF2-40B4-BE49-F238E27FC236}">
+                  <a16:creationId xmlns:a16="http://schemas.microsoft.com/office/drawing/2014/main" id="{634241B0-4C5A-3886-93E8-715E14A9BB71}"/>
+                </a:ext>
+              </a:extLst>
+            </p:cNvPr>
+            <p:cNvSpPr/>
+            <p:nvPr/>
+          </p:nvSpPr>
+          <p:spPr>
+            <a:xfrm>
+              <a:off x="1983324" y="1056388"/>
+              <a:ext cx="8225352" cy="4744070"/>
+            </a:xfrm>
+            <a:prstGeom prst="rect">
+              <a:avLst/>
+            </a:prstGeom>
+            <a:solidFill>
+              <a:schemeClr val="tx1"/>
+            </a:solidFill>
+            <a:ln w="19050">
+              <a:solidFill>
+                <a:srgbClr val="F6DEAA"/>
+              </a:solidFill>
+            </a:ln>
+          </p:spPr>
+          <p:style>
+            <a:lnRef idx="2">
+              <a:schemeClr val="accent1">
+                <a:shade val="15000"/>
+              </a:schemeClr>
+            </a:lnRef>
+            <a:fillRef idx="1">
+              <a:schemeClr val="accent1"/>
+            </a:fillRef>
+            <a:effectRef idx="0">
+              <a:schemeClr val="accent1"/>
+            </a:effectRef>
+            <a:fontRef idx="minor">
+              <a:schemeClr val="lt1"/>
+            </a:fontRef>
+          </p:style>
+          <p:txBody>
+            <a:bodyPr rtlCol="0" anchor="ctr"/>
+            <a:lstStyle/>
+            <a:p>
+              <a:pPr algn="ctr"/>
+              <a:endParaRPr lang="ko-KR" altLang="en-US" dirty="0"/>
+            </a:p>
+          </p:txBody>
+        </p:sp>
+        <p:sp>
+          <p:nvSpPr>
+            <p:cNvPr id="1132" name="사각형: 둥근 모서리 1131">
+              <a:extLst>
+                <a:ext uri="{FF2B5EF4-FFF2-40B4-BE49-F238E27FC236}">
+                  <a16:creationId xmlns:a16="http://schemas.microsoft.com/office/drawing/2014/main" id="{544C04D1-C1D9-5232-6F12-419A383C9A92}"/>
+                </a:ext>
+              </a:extLst>
+            </p:cNvPr>
+            <p:cNvSpPr/>
+            <p:nvPr/>
+          </p:nvSpPr>
+          <p:spPr>
+            <a:xfrm>
+              <a:off x="8331422" y="1352550"/>
+              <a:ext cx="1552575" cy="590550"/>
+            </a:xfrm>
+            <a:prstGeom prst="roundRect">
+              <a:avLst/>
+            </a:prstGeom>
+            <a:noFill/>
+            <a:ln w="38100">
+              <a:solidFill>
+                <a:schemeClr val="bg1"/>
+              </a:solidFill>
+            </a:ln>
+          </p:spPr>
+          <p:style>
+            <a:lnRef idx="2">
+              <a:schemeClr val="accent1">
+                <a:shade val="15000"/>
+              </a:schemeClr>
+            </a:lnRef>
+            <a:fillRef idx="1">
+              <a:schemeClr val="accent1"/>
+            </a:fillRef>
+            <a:effectRef idx="0">
+              <a:schemeClr val="accent1"/>
+            </a:effectRef>
+            <a:fontRef idx="minor">
+              <a:schemeClr val="lt1"/>
+            </a:fontRef>
+          </p:style>
+          <p:txBody>
+            <a:bodyPr lIns="0" tIns="0" rIns="0" bIns="0" rtlCol="0" anchor="ctr"/>
+            <a:lstStyle/>
+            <a:p>
+              <a:pPr algn="ctr"/>
+              <a:r>
+                <a:rPr lang="ko-KR" altLang="en-US" sz="1600" dirty="0">
+                  <a:latin typeface="나눔스퀘어 Bold" panose="020B0600000101010101" pitchFamily="50" charset="-127"/>
+                  <a:ea typeface="나눔스퀘어 Bold" panose="020B0600000101010101" pitchFamily="50" charset="-127"/>
+                </a:rPr>
+                <a:t>방 만들기</a:t>
+              </a:r>
+            </a:p>
+          </p:txBody>
+        </p:sp>
+        <p:sp>
+          <p:nvSpPr>
+            <p:cNvPr id="1133" name="사각형: 둥근 모서리 1132">
+              <a:extLst>
+                <a:ext uri="{FF2B5EF4-FFF2-40B4-BE49-F238E27FC236}">
+                  <a16:creationId xmlns:a16="http://schemas.microsoft.com/office/drawing/2014/main" id="{D235587F-621B-83BF-953E-32F984C6E09D}"/>
+                </a:ext>
+              </a:extLst>
+            </p:cNvPr>
+            <p:cNvSpPr/>
+            <p:nvPr/>
+          </p:nvSpPr>
+          <p:spPr>
+            <a:xfrm>
+              <a:off x="6317865" y="1352550"/>
+              <a:ext cx="1552575" cy="590550"/>
+            </a:xfrm>
+            <a:prstGeom prst="roundRect">
+              <a:avLst/>
+            </a:prstGeom>
+            <a:noFill/>
+            <a:ln w="38100">
+              <a:solidFill>
+                <a:srgbClr val="6CA7BC"/>
+              </a:solidFill>
+            </a:ln>
+          </p:spPr>
+          <p:style>
+            <a:lnRef idx="2">
+              <a:schemeClr val="accent1">
+                <a:shade val="15000"/>
+              </a:schemeClr>
+            </a:lnRef>
+            <a:fillRef idx="1">
+              <a:schemeClr val="accent1"/>
+            </a:fillRef>
+            <a:effectRef idx="0">
+              <a:schemeClr val="accent1"/>
+            </a:effectRef>
+            <a:fontRef idx="minor">
+              <a:schemeClr val="lt1"/>
+            </a:fontRef>
+          </p:style>
+          <p:txBody>
+            <a:bodyPr lIns="0" tIns="0" rIns="0" bIns="0" rtlCol="0" anchor="ctr"/>
+            <a:lstStyle/>
+            <a:p>
+              <a:pPr algn="ctr"/>
+              <a:r>
+                <a:rPr lang="ko-KR" altLang="en-US" sz="1600" spc="-300" dirty="0">
+                  <a:solidFill>
+                    <a:srgbClr val="6CA7BC"/>
+                  </a:solidFill>
+                  <a:latin typeface="나눔스퀘어 Bold" panose="020B0600000101010101" pitchFamily="50" charset="-127"/>
+                  <a:ea typeface="나눔스퀘어 Bold" panose="020B0600000101010101" pitchFamily="50" charset="-127"/>
+                </a:rPr>
+                <a:t>▶▶</a:t>
+              </a:r>
+              <a:r>
+                <a:rPr lang="ko-KR" altLang="en-US" sz="1600" dirty="0">
+                  <a:solidFill>
+                    <a:srgbClr val="6CA7BC"/>
+                  </a:solidFill>
+                  <a:latin typeface="나눔스퀘어 Bold" panose="020B0600000101010101" pitchFamily="50" charset="-127"/>
+                  <a:ea typeface="나눔스퀘어 Bold" panose="020B0600000101010101" pitchFamily="50" charset="-127"/>
+                </a:rPr>
+                <a:t> </a:t>
+              </a:r>
+              <a:r>
+                <a:rPr lang="ko-KR" altLang="en-US" sz="1600" spc="-300" dirty="0">
+                  <a:solidFill>
+                    <a:srgbClr val="6CA7BC"/>
+                  </a:solidFill>
+                  <a:latin typeface="나눔스퀘어 Bold" panose="020B0600000101010101" pitchFamily="50" charset="-127"/>
+                  <a:ea typeface="나눔스퀘어 Bold" panose="020B0600000101010101" pitchFamily="50" charset="-127"/>
+                </a:rPr>
+                <a:t> </a:t>
+              </a:r>
+              <a:r>
+                <a:rPr lang="ko-KR" altLang="en-US" sz="1600" dirty="0">
+                  <a:solidFill>
+                    <a:srgbClr val="6CA7BC"/>
+                  </a:solidFill>
+                  <a:latin typeface="나눔스퀘어 Bold" panose="020B0600000101010101" pitchFamily="50" charset="-127"/>
+                  <a:ea typeface="나눔스퀘어 Bold" panose="020B0600000101010101" pitchFamily="50" charset="-127"/>
+                </a:rPr>
+                <a:t>빠른 시작</a:t>
+              </a:r>
+              <a:endParaRPr lang="ko-KR" altLang="en-US" sz="1600" spc="-300" dirty="0">
+                <a:solidFill>
+                  <a:srgbClr val="6CA7BC"/>
+                </a:solidFill>
+                <a:latin typeface="나눔스퀘어 Bold" panose="020B0600000101010101" pitchFamily="50" charset="-127"/>
+                <a:ea typeface="나눔스퀘어 Bold" panose="020B0600000101010101" pitchFamily="50" charset="-127"/>
+              </a:endParaRPr>
+            </a:p>
+          </p:txBody>
+        </p:sp>
+        <p:sp>
+          <p:nvSpPr>
+            <p:cNvPr id="1134" name="사각형: 둥근 모서리 1133">
+              <a:extLst>
+                <a:ext uri="{FF2B5EF4-FFF2-40B4-BE49-F238E27FC236}">
+                  <a16:creationId xmlns:a16="http://schemas.microsoft.com/office/drawing/2014/main" id="{8EC69654-6182-7E70-8C68-F2716642B784}"/>
+                </a:ext>
+              </a:extLst>
+            </p:cNvPr>
+            <p:cNvSpPr/>
+            <p:nvPr/>
+          </p:nvSpPr>
+          <p:spPr>
+            <a:xfrm>
+              <a:off x="2082274" y="1395070"/>
+              <a:ext cx="1552575" cy="590550"/>
+            </a:xfrm>
+            <a:prstGeom prst="roundRect">
+              <a:avLst/>
+            </a:prstGeom>
+            <a:noFill/>
+            <a:ln>
+              <a:noFill/>
+            </a:ln>
+          </p:spPr>
+          <p:style>
+            <a:lnRef idx="2">
+              <a:schemeClr val="accent1">
+                <a:shade val="15000"/>
+              </a:schemeClr>
+            </a:lnRef>
+            <a:fillRef idx="1">
+              <a:schemeClr val="accent1"/>
+            </a:fillRef>
+            <a:effectRef idx="0">
+              <a:schemeClr val="accent1"/>
+            </a:effectRef>
+            <a:fontRef idx="minor">
+              <a:schemeClr val="lt1"/>
+            </a:fontRef>
+          </p:style>
+          <p:txBody>
+            <a:bodyPr rtlCol="0" anchor="ctr"/>
+            <a:lstStyle/>
+            <a:p>
+              <a:pPr algn="ctr"/>
+              <a:r>
+                <a:rPr lang="en-US" altLang="ko-KR" sz="4000" dirty="0">
+                  <a:solidFill>
+                    <a:schemeClr val="bg1"/>
+                  </a:solidFill>
+                  <a:latin typeface="DS-Digital" pitchFamily="2" charset="0"/>
+                  <a:ea typeface="나눔스퀘어 ExtraBold" panose="020B0600000101010101" pitchFamily="50" charset="-127"/>
+                </a:rPr>
+                <a:t>LOBBY</a:t>
+              </a:r>
+              <a:endParaRPr lang="ko-KR" altLang="en-US" sz="4000" dirty="0">
+                <a:solidFill>
+                  <a:schemeClr val="bg1"/>
+                </a:solidFill>
+                <a:latin typeface="DS-Digital" pitchFamily="2" charset="0"/>
+                <a:ea typeface="나눔스퀘어 ExtraBold" panose="020B0600000101010101" pitchFamily="50" charset="-127"/>
+              </a:endParaRPr>
+            </a:p>
+          </p:txBody>
+        </p:sp>
+        <p:sp>
+          <p:nvSpPr>
+            <p:cNvPr id="1135" name="사각형: 둥근 모서리 1134">
+              <a:extLst>
+                <a:ext uri="{FF2B5EF4-FFF2-40B4-BE49-F238E27FC236}">
+                  <a16:creationId xmlns:a16="http://schemas.microsoft.com/office/drawing/2014/main" id="{4773F345-D1F1-E2BA-AAD6-22D4BABD04B1}"/>
+                </a:ext>
+              </a:extLst>
+            </p:cNvPr>
+            <p:cNvSpPr/>
+            <p:nvPr/>
+          </p:nvSpPr>
+          <p:spPr>
+            <a:xfrm>
+              <a:off x="2084605" y="1099283"/>
+              <a:ext cx="1211046" cy="362206"/>
+            </a:xfrm>
+            <a:prstGeom prst="roundRect">
+              <a:avLst/>
+            </a:prstGeom>
+            <a:noFill/>
+            <a:ln>
+              <a:noFill/>
+            </a:ln>
+          </p:spPr>
+          <p:style>
+            <a:lnRef idx="2">
+              <a:schemeClr val="accent1">
+                <a:shade val="15000"/>
+              </a:schemeClr>
+            </a:lnRef>
+            <a:fillRef idx="1">
+              <a:schemeClr val="accent1"/>
+            </a:fillRef>
+            <a:effectRef idx="0">
+              <a:schemeClr val="accent1"/>
+            </a:effectRef>
+            <a:fontRef idx="minor">
+              <a:schemeClr val="lt1"/>
+            </a:fontRef>
+          </p:style>
+          <p:txBody>
+            <a:bodyPr rtlCol="0" anchor="ctr"/>
+            <a:lstStyle/>
+            <a:p>
+              <a:pPr algn="ctr"/>
+              <a:r>
+                <a:rPr lang="en-US" altLang="ko-KR" sz="1400" dirty="0">
+                  <a:solidFill>
+                    <a:srgbClr val="325D6D"/>
+                  </a:solidFill>
+                  <a:latin typeface="나눔스퀘어 ExtraBold" panose="020B0600000101010101" pitchFamily="50" charset="-127"/>
+                  <a:ea typeface="나눔스퀘어 ExtraBold" panose="020B0600000101010101" pitchFamily="50" charset="-127"/>
+                </a:rPr>
+                <a:t>REVENGER</a:t>
+              </a:r>
+              <a:endParaRPr lang="ko-KR" altLang="en-US" sz="1400" dirty="0">
+                <a:solidFill>
+                  <a:srgbClr val="325D6D"/>
+                </a:solidFill>
+                <a:latin typeface="나눔스퀘어 ExtraBold" panose="020B0600000101010101" pitchFamily="50" charset="-127"/>
+                <a:ea typeface="나눔스퀘어 ExtraBold" panose="020B0600000101010101" pitchFamily="50" charset="-127"/>
+              </a:endParaRPr>
+            </a:p>
+          </p:txBody>
+        </p:sp>
+      </p:grpSp>
+      <p:graphicFrame>
+        <p:nvGraphicFramePr>
+          <p:cNvPr id="1124" name="표 1124">
+            <a:extLst>
+              <a:ext uri="{FF2B5EF4-FFF2-40B4-BE49-F238E27FC236}">
+                <a16:creationId xmlns:a16="http://schemas.microsoft.com/office/drawing/2014/main" id="{F4F58117-90AC-610F-CDFC-2E2A111D02BA}"/>
+              </a:ext>
+            </a:extLst>
+          </p:cNvPr>
+          <p:cNvGraphicFramePr>
+            <a:graphicFrameLocks noGrp="1"/>
+          </p:cNvGraphicFramePr>
+          <p:nvPr>
+            <p:extLst>
+              <p:ext uri="{D42A27DB-BD31-4B8C-83A1-F6EECF244321}">
+                <p14:modId xmlns:p14="http://schemas.microsoft.com/office/powerpoint/2010/main" val="2289894260"/>
+              </p:ext>
+            </p:extLst>
+          </p:nvPr>
+        </p:nvGraphicFramePr>
+        <p:xfrm>
+          <a:off x="2082274" y="2202999"/>
+          <a:ext cx="8027452" cy="3337560"/>
+        </p:xfrm>
+        <a:graphic>
+          <a:graphicData uri="http://schemas.openxmlformats.org/drawingml/2006/table">
+            <a:tbl>
+              <a:tblPr firstRow="1" bandRow="1">
+                <a:tableStyleId>{5C22544A-7EE6-4342-B048-85BDC9FD1C3A}</a:tableStyleId>
+              </a:tblPr>
+              <a:tblGrid>
+                <a:gridCol w="737126">
+                  <a:extLst>
+                    <a:ext uri="{9D8B030D-6E8A-4147-A177-3AD203B41FA5}">
+                      <a16:colId xmlns:a16="http://schemas.microsoft.com/office/drawing/2014/main" val="1585860189"/>
+                    </a:ext>
+                  </a:extLst>
+                </a:gridCol>
+                <a:gridCol w="4770120">
+                  <a:extLst>
+                    <a:ext uri="{9D8B030D-6E8A-4147-A177-3AD203B41FA5}">
+                      <a16:colId xmlns:a16="http://schemas.microsoft.com/office/drawing/2014/main" val="388296957"/>
+                    </a:ext>
+                  </a:extLst>
+                </a:gridCol>
+                <a:gridCol w="975360">
+                  <a:extLst>
+                    <a:ext uri="{9D8B030D-6E8A-4147-A177-3AD203B41FA5}">
+                      <a16:colId xmlns:a16="http://schemas.microsoft.com/office/drawing/2014/main" val="392677131"/>
+                    </a:ext>
+                  </a:extLst>
+                </a:gridCol>
+                <a:gridCol w="1544846">
+                  <a:extLst>
+                    <a:ext uri="{9D8B030D-6E8A-4147-A177-3AD203B41FA5}">
+                      <a16:colId xmlns:a16="http://schemas.microsoft.com/office/drawing/2014/main" val="3046607993"/>
+                    </a:ext>
+                  </a:extLst>
+                </a:gridCol>
+              </a:tblGrid>
+              <a:tr h="370840">
+                <a:tc>
+                  <a:txBody>
+                    <a:bodyPr/>
+                    <a:lstStyle/>
+                    <a:p>
+                      <a:pPr algn="ctr" latinLnBrk="1"/>
+                      <a:r>
+                        <a:rPr lang="en-US" altLang="ko-KR" b="0" dirty="0">
+                          <a:latin typeface="나눔스퀘어 Bold" panose="020B0600000101010101" pitchFamily="50" charset="-127"/>
+                          <a:ea typeface="나눔스퀘어 Bold" panose="020B0600000101010101" pitchFamily="50" charset="-127"/>
+                        </a:rPr>
+                        <a:t>NO.</a:t>
+                      </a:r>
+                      <a:endParaRPr lang="ko-KR" altLang="en-US" b="0" dirty="0">
+                        <a:latin typeface="나눔스퀘어 Bold" panose="020B0600000101010101" pitchFamily="50" charset="-127"/>
+                        <a:ea typeface="나눔스퀘어 Bold" panose="020B0600000101010101" pitchFamily="50" charset="-127"/>
+                      </a:endParaRPr>
+                    </a:p>
+                  </a:txBody>
+                  <a:tcPr>
+                    <a:lnL w="12700" cap="flat" cmpd="sng" algn="ctr">
+                      <a:solidFill>
+                        <a:schemeClr val="bg1"/>
+                      </a:solidFill>
+                      <a:prstDash val="solid"/>
+                      <a:round/>
+                      <a:headEnd type="none" w="med" len="med"/>
+                      <a:tailEnd type="none" w="med" len="med"/>
+                    </a:lnL>
+                    <a:lnR w="12700" cap="flat" cmpd="sng" algn="ctr">
+                      <a:solidFill>
+                        <a:schemeClr val="bg1"/>
+                      </a:solidFill>
+                      <a:prstDash val="solid"/>
+                      <a:round/>
+                      <a:headEnd type="none" w="med" len="med"/>
+                      <a:tailEnd type="none" w="med" len="med"/>
+                    </a:lnR>
+                    <a:lnT w="12700" cap="flat" cmpd="sng" algn="ctr">
+                      <a:solidFill>
+                        <a:schemeClr val="bg1"/>
+                      </a:solidFill>
+                      <a:prstDash val="solid"/>
+                      <a:round/>
+                      <a:headEnd type="none" w="med" len="med"/>
+                      <a:tailEnd type="none" w="med" len="med"/>
+                    </a:lnT>
+                    <a:lnB w="12700" cap="flat" cmpd="sng" algn="ctr">
+                      <a:solidFill>
+                        <a:schemeClr val="bg1"/>
+                      </a:solidFill>
+                      <a:prstDash val="solid"/>
+                      <a:round/>
+                      <a:headEnd type="none" w="med" len="med"/>
+                      <a:tailEnd type="none" w="med" len="med"/>
+                    </a:lnB>
+                    <a:lnTlToBr w="12700" cmpd="sng">
+                      <a:noFill/>
+                      <a:prstDash val="solid"/>
+                    </a:lnTlToBr>
+                    <a:lnBlToTr w="12700" cmpd="sng">
+                      <a:noFill/>
+                      <a:prstDash val="solid"/>
+                    </a:lnBlToTr>
+                    <a:solidFill>
+                      <a:srgbClr val="325D6D"/>
+                    </a:solidFill>
+                  </a:tcPr>
+                </a:tc>
+                <a:tc>
+                  <a:txBody>
+                    <a:bodyPr/>
+                    <a:lstStyle/>
+                    <a:p>
+                      <a:pPr algn="ctr" latinLnBrk="1"/>
+                      <a:r>
+                        <a:rPr lang="ko-KR" altLang="en-US" b="0" dirty="0">
+                          <a:latin typeface="나눔스퀘어 Bold" panose="020B0600000101010101" pitchFamily="50" charset="-127"/>
+                          <a:ea typeface="나눔스퀘어 Bold" panose="020B0600000101010101" pitchFamily="50" charset="-127"/>
+                        </a:rPr>
+                        <a:t>방 제목</a:t>
+                      </a:r>
+                    </a:p>
+                  </a:txBody>
+                  <a:tcPr>
+                    <a:lnL w="12700" cap="flat" cmpd="sng" algn="ctr">
+                      <a:solidFill>
+                        <a:schemeClr val="bg1"/>
+                      </a:solidFill>
+                      <a:prstDash val="solid"/>
+                      <a:round/>
+                      <a:headEnd type="none" w="med" len="med"/>
+                      <a:tailEnd type="none" w="med" len="med"/>
+                    </a:lnL>
+                    <a:lnR w="12700" cap="flat" cmpd="sng" algn="ctr">
+                      <a:solidFill>
+                        <a:schemeClr val="bg1"/>
+                      </a:solidFill>
+                      <a:prstDash val="solid"/>
+                      <a:round/>
+                      <a:headEnd type="none" w="med" len="med"/>
+                      <a:tailEnd type="none" w="med" len="med"/>
+                    </a:lnR>
+                    <a:lnT w="12700" cap="flat" cmpd="sng" algn="ctr">
+                      <a:solidFill>
+                        <a:schemeClr val="bg1"/>
+                      </a:solidFill>
+                      <a:prstDash val="solid"/>
+                      <a:round/>
+                      <a:headEnd type="none" w="med" len="med"/>
+                      <a:tailEnd type="none" w="med" len="med"/>
+                    </a:lnT>
+                    <a:lnB w="12700" cap="flat" cmpd="sng" algn="ctr">
+                      <a:solidFill>
+                        <a:schemeClr val="bg1"/>
+                      </a:solidFill>
+                      <a:prstDash val="solid"/>
+                      <a:round/>
+                      <a:headEnd type="none" w="med" len="med"/>
+                      <a:tailEnd type="none" w="med" len="med"/>
+                    </a:lnB>
+                    <a:lnTlToBr w="12700" cmpd="sng">
+                      <a:noFill/>
+                      <a:prstDash val="solid"/>
+                    </a:lnTlToBr>
+                    <a:lnBlToTr w="12700" cmpd="sng">
+                      <a:noFill/>
+                      <a:prstDash val="solid"/>
+                    </a:lnBlToTr>
+                    <a:solidFill>
+                      <a:srgbClr val="325D6D"/>
+                    </a:solidFill>
+                  </a:tcPr>
+                </a:tc>
+                <a:tc>
+                  <a:txBody>
+                    <a:bodyPr/>
+                    <a:lstStyle/>
+                    <a:p>
+                      <a:pPr algn="ctr" latinLnBrk="1"/>
+                      <a:r>
+                        <a:rPr lang="ko-KR" altLang="en-US" b="0" dirty="0">
+                          <a:latin typeface="나눔스퀘어 Bold" panose="020B0600000101010101" pitchFamily="50" charset="-127"/>
+                          <a:ea typeface="나눔스퀘어 Bold" panose="020B0600000101010101" pitchFamily="50" charset="-127"/>
+                        </a:rPr>
+                        <a:t>인원 수</a:t>
+                      </a:r>
+                    </a:p>
+                  </a:txBody>
+                  <a:tcPr>
+                    <a:lnL w="12700" cap="flat" cmpd="sng" algn="ctr">
+                      <a:solidFill>
+                        <a:schemeClr val="bg1"/>
+                      </a:solidFill>
+                      <a:prstDash val="solid"/>
+                      <a:round/>
+                      <a:headEnd type="none" w="med" len="med"/>
+                      <a:tailEnd type="none" w="med" len="med"/>
+                    </a:lnL>
+                    <a:lnR w="12700" cap="flat" cmpd="sng" algn="ctr">
+                      <a:solidFill>
+                        <a:schemeClr val="bg1"/>
+                      </a:solidFill>
+                      <a:prstDash val="solid"/>
+                      <a:round/>
+                      <a:headEnd type="none" w="med" len="med"/>
+                      <a:tailEnd type="none" w="med" len="med"/>
+                    </a:lnR>
+                    <a:lnT w="12700" cap="flat" cmpd="sng" algn="ctr">
+                      <a:solidFill>
+                        <a:schemeClr val="bg1"/>
+                      </a:solidFill>
+                      <a:prstDash val="solid"/>
+                      <a:round/>
+                      <a:headEnd type="none" w="med" len="med"/>
+                      <a:tailEnd type="none" w="med" len="med"/>
+                    </a:lnT>
+                    <a:lnB w="12700" cap="flat" cmpd="sng" algn="ctr">
+                      <a:solidFill>
+                        <a:schemeClr val="bg1"/>
+                      </a:solidFill>
+                      <a:prstDash val="solid"/>
+                      <a:round/>
+                      <a:headEnd type="none" w="med" len="med"/>
+                      <a:tailEnd type="none" w="med" len="med"/>
+                    </a:lnB>
+                    <a:lnTlToBr w="12700" cmpd="sng">
+                      <a:noFill/>
+                      <a:prstDash val="solid"/>
+                    </a:lnTlToBr>
+                    <a:lnBlToTr w="12700" cmpd="sng">
+                      <a:noFill/>
+                      <a:prstDash val="solid"/>
+                    </a:lnBlToTr>
+                    <a:solidFill>
+                      <a:srgbClr val="325D6D"/>
+                    </a:solidFill>
+                  </a:tcPr>
+                </a:tc>
+                <a:tc>
+                  <a:txBody>
+                    <a:bodyPr/>
+                    <a:lstStyle/>
+                    <a:p>
+                      <a:pPr algn="ctr" latinLnBrk="1"/>
+                      <a:r>
+                        <a:rPr lang="ko-KR" altLang="en-US" b="0" dirty="0">
+                          <a:latin typeface="나눔스퀘어 Bold" panose="020B0600000101010101" pitchFamily="50" charset="-127"/>
+                          <a:ea typeface="나눔스퀘어 Bold" panose="020B0600000101010101" pitchFamily="50" charset="-127"/>
+                        </a:rPr>
+                        <a:t>상태</a:t>
+                      </a:r>
+                    </a:p>
+                  </a:txBody>
+                  <a:tcPr>
+                    <a:lnL w="12700" cap="flat" cmpd="sng" algn="ctr">
+                      <a:solidFill>
+                        <a:schemeClr val="bg1"/>
+                      </a:solidFill>
+                      <a:prstDash val="solid"/>
+                      <a:round/>
+                      <a:headEnd type="none" w="med" len="med"/>
+                      <a:tailEnd type="none" w="med" len="med"/>
+                    </a:lnL>
+                    <a:lnR w="12700" cap="flat" cmpd="sng" algn="ctr">
+                      <a:solidFill>
+                        <a:schemeClr val="bg1"/>
+                      </a:solidFill>
+                      <a:prstDash val="solid"/>
+                      <a:round/>
+                      <a:headEnd type="none" w="med" len="med"/>
+                      <a:tailEnd type="none" w="med" len="med"/>
+                    </a:lnR>
+                    <a:lnT w="12700" cap="flat" cmpd="sng" algn="ctr">
+                      <a:solidFill>
+                        <a:schemeClr val="bg1"/>
+                      </a:solidFill>
+                      <a:prstDash val="solid"/>
+                      <a:round/>
+                      <a:headEnd type="none" w="med" len="med"/>
+                      <a:tailEnd type="none" w="med" len="med"/>
+                    </a:lnT>
+                    <a:lnB w="12700" cap="flat" cmpd="sng" algn="ctr">
+                      <a:solidFill>
+                        <a:schemeClr val="bg1"/>
+                      </a:solidFill>
+                      <a:prstDash val="solid"/>
+                      <a:round/>
+                      <a:headEnd type="none" w="med" len="med"/>
+                      <a:tailEnd type="none" w="med" len="med"/>
+                    </a:lnB>
+                    <a:lnTlToBr w="12700" cmpd="sng">
+                      <a:noFill/>
+                      <a:prstDash val="solid"/>
+                    </a:lnTlToBr>
+                    <a:lnBlToTr w="12700" cmpd="sng">
+                      <a:noFill/>
+                      <a:prstDash val="solid"/>
+                    </a:lnBlToTr>
+                    <a:solidFill>
+                      <a:srgbClr val="325D6D"/>
+                    </a:solidFill>
+                  </a:tcPr>
+                </a:tc>
+                <a:extLst>
+                  <a:ext uri="{0D108BD9-81ED-4DB2-BD59-A6C34878D82A}">
+                    <a16:rowId xmlns:a16="http://schemas.microsoft.com/office/drawing/2014/main" val="3160261500"/>
+                  </a:ext>
+                </a:extLst>
+              </a:tr>
+              <a:tr h="370840">
+                <a:tc>
+                  <a:txBody>
+                    <a:bodyPr/>
+                    <a:lstStyle/>
+                    <a:p>
+                      <a:pPr algn="ctr" latinLnBrk="1"/>
+                      <a:endParaRPr lang="ko-KR" altLang="en-US" dirty="0"/>
+                    </a:p>
+                  </a:txBody>
+                  <a:tcPr anchor="ctr">
+                    <a:lnL w="12700" cap="flat" cmpd="sng" algn="ctr">
+                      <a:solidFill>
+                        <a:schemeClr val="bg1"/>
+                      </a:solidFill>
+                      <a:prstDash val="solid"/>
+                      <a:round/>
+                      <a:headEnd type="none" w="med" len="med"/>
+                      <a:tailEnd type="none" w="med" len="med"/>
+                    </a:lnL>
+                    <a:lnR w="12700" cap="flat" cmpd="sng" algn="ctr">
+                      <a:solidFill>
+                        <a:schemeClr val="bg1"/>
+                      </a:solidFill>
+                      <a:prstDash val="solid"/>
+                      <a:round/>
+                      <a:headEnd type="none" w="med" len="med"/>
+                      <a:tailEnd type="none" w="med" len="med"/>
+                    </a:lnR>
+                    <a:lnT w="12700" cap="flat" cmpd="sng" algn="ctr">
+                      <a:solidFill>
+                        <a:schemeClr val="bg1"/>
+                      </a:solidFill>
+                      <a:prstDash val="solid"/>
+                      <a:round/>
+                      <a:headEnd type="none" w="med" len="med"/>
+                      <a:tailEnd type="none" w="med" len="med"/>
+                    </a:lnT>
+                    <a:lnB w="12700" cap="flat" cmpd="sng" algn="ctr">
+                      <a:solidFill>
+                        <a:schemeClr val="bg1"/>
+                      </a:solidFill>
+                      <a:prstDash val="solid"/>
+                      <a:round/>
+                      <a:headEnd type="none" w="med" len="med"/>
+                      <a:tailEnd type="none" w="med" len="med"/>
+                    </a:lnB>
+                    <a:lnTlToBr w="12700" cmpd="sng">
+                      <a:noFill/>
+                      <a:prstDash val="solid"/>
+                    </a:lnTlToBr>
+                    <a:lnBlToTr w="12700" cmpd="sng">
+                      <a:noFill/>
+                      <a:prstDash val="solid"/>
+                    </a:lnBlToTr>
+                    <a:noFill/>
+                  </a:tcPr>
+                </a:tc>
+                <a:tc>
+                  <a:txBody>
+                    <a:bodyPr/>
+                    <a:lstStyle/>
+                    <a:p>
+                      <a:pPr latinLnBrk="1"/>
+                      <a:endParaRPr lang="ko-KR" altLang="en-US" dirty="0"/>
+                    </a:p>
+                  </a:txBody>
+                  <a:tcPr anchor="ctr">
+                    <a:lnL w="12700" cap="flat" cmpd="sng" algn="ctr">
+                      <a:solidFill>
+                        <a:schemeClr val="bg1"/>
+                      </a:solidFill>
+                      <a:prstDash val="solid"/>
+                      <a:round/>
+                      <a:headEnd type="none" w="med" len="med"/>
+                      <a:tailEnd type="none" w="med" len="med"/>
+                    </a:lnL>
+                    <a:lnR w="12700" cap="flat" cmpd="sng" algn="ctr">
+                      <a:solidFill>
+                        <a:schemeClr val="bg1"/>
+                      </a:solidFill>
+                      <a:prstDash val="solid"/>
+                      <a:round/>
+                      <a:headEnd type="none" w="med" len="med"/>
+                      <a:tailEnd type="none" w="med" len="med"/>
+                    </a:lnR>
+                    <a:lnT w="12700" cap="flat" cmpd="sng" algn="ctr">
+                      <a:solidFill>
+                        <a:schemeClr val="bg1"/>
+                      </a:solidFill>
+                      <a:prstDash val="solid"/>
+                      <a:round/>
+                      <a:headEnd type="none" w="med" len="med"/>
+                      <a:tailEnd type="none" w="med" len="med"/>
+                    </a:lnT>
+                    <a:lnB w="12700" cap="flat" cmpd="sng" algn="ctr">
+                      <a:solidFill>
+                        <a:schemeClr val="bg1"/>
+                      </a:solidFill>
+                      <a:prstDash val="solid"/>
+                      <a:round/>
+                      <a:headEnd type="none" w="med" len="med"/>
+                      <a:tailEnd type="none" w="med" len="med"/>
+                    </a:lnB>
+                    <a:lnTlToBr w="12700" cmpd="sng">
+                      <a:noFill/>
+                      <a:prstDash val="solid"/>
+                    </a:lnTlToBr>
+                    <a:lnBlToTr w="12700" cmpd="sng">
+                      <a:noFill/>
+                      <a:prstDash val="solid"/>
+                    </a:lnBlToTr>
+                    <a:noFill/>
+                  </a:tcPr>
+                </a:tc>
+                <a:tc>
+                  <a:txBody>
+                    <a:bodyPr/>
+                    <a:lstStyle/>
+                    <a:p>
+                      <a:pPr algn="ctr" latinLnBrk="1"/>
+                      <a:endParaRPr lang="ko-KR" altLang="en-US" dirty="0"/>
+                    </a:p>
+                  </a:txBody>
+                  <a:tcPr anchor="ctr">
+                    <a:lnL w="12700" cap="flat" cmpd="sng" algn="ctr">
+                      <a:solidFill>
+                        <a:schemeClr val="bg1"/>
+                      </a:solidFill>
+                      <a:prstDash val="solid"/>
+                      <a:round/>
+                      <a:headEnd type="none" w="med" len="med"/>
+                      <a:tailEnd type="none" w="med" len="med"/>
+                    </a:lnL>
+                    <a:lnR w="12700" cap="flat" cmpd="sng" algn="ctr">
+                      <a:solidFill>
+                        <a:schemeClr val="bg1"/>
+                      </a:solidFill>
+                      <a:prstDash val="solid"/>
+                      <a:round/>
+                      <a:headEnd type="none" w="med" len="med"/>
+                      <a:tailEnd type="none" w="med" len="med"/>
+                    </a:lnR>
+                    <a:lnT w="12700" cap="flat" cmpd="sng" algn="ctr">
+                      <a:solidFill>
+                        <a:schemeClr val="bg1"/>
+                      </a:solidFill>
+                      <a:prstDash val="solid"/>
+                      <a:round/>
+                      <a:headEnd type="none" w="med" len="med"/>
+                      <a:tailEnd type="none" w="med" len="med"/>
+                    </a:lnT>
+                    <a:lnB w="12700" cap="flat" cmpd="sng" algn="ctr">
+                      <a:solidFill>
+                        <a:schemeClr val="bg1"/>
+                      </a:solidFill>
+                      <a:prstDash val="solid"/>
+                      <a:round/>
+                      <a:headEnd type="none" w="med" len="med"/>
+                      <a:tailEnd type="none" w="med" len="med"/>
+                    </a:lnB>
+                    <a:lnTlToBr w="12700" cmpd="sng">
+                      <a:noFill/>
+                      <a:prstDash val="solid"/>
+                    </a:lnTlToBr>
+                    <a:lnBlToTr w="12700" cmpd="sng">
+                      <a:noFill/>
+                      <a:prstDash val="solid"/>
+                    </a:lnBlToTr>
+                    <a:noFill/>
+                  </a:tcPr>
+                </a:tc>
+                <a:tc>
+                  <a:txBody>
+                    <a:bodyPr/>
+                    <a:lstStyle/>
+                    <a:p>
+                      <a:pPr algn="ctr" latinLnBrk="1"/>
+                      <a:endParaRPr lang="ko-KR" altLang="en-US" dirty="0"/>
+                    </a:p>
+                  </a:txBody>
+                  <a:tcPr anchor="ctr">
+                    <a:lnL w="12700" cap="flat" cmpd="sng" algn="ctr">
+                      <a:solidFill>
+                        <a:schemeClr val="bg1"/>
+                      </a:solidFill>
+                      <a:prstDash val="solid"/>
+                      <a:round/>
+                      <a:headEnd type="none" w="med" len="med"/>
+                      <a:tailEnd type="none" w="med" len="med"/>
+                    </a:lnL>
+                    <a:lnR w="12700" cap="flat" cmpd="sng" algn="ctr">
+                      <a:solidFill>
+                        <a:schemeClr val="bg1"/>
+                      </a:solidFill>
+                      <a:prstDash val="solid"/>
+                      <a:round/>
+                      <a:headEnd type="none" w="med" len="med"/>
+                      <a:tailEnd type="none" w="med" len="med"/>
+                    </a:lnR>
+                    <a:lnT w="12700" cap="flat" cmpd="sng" algn="ctr">
+                      <a:solidFill>
+                        <a:schemeClr val="bg1"/>
+                      </a:solidFill>
+                      <a:prstDash val="solid"/>
+                      <a:round/>
+                      <a:headEnd type="none" w="med" len="med"/>
+                      <a:tailEnd type="none" w="med" len="med"/>
+                    </a:lnT>
+                    <a:lnB w="12700" cap="flat" cmpd="sng" algn="ctr">
+                      <a:solidFill>
+                        <a:schemeClr val="bg1"/>
+                      </a:solidFill>
+                      <a:prstDash val="solid"/>
+                      <a:round/>
+                      <a:headEnd type="none" w="med" len="med"/>
+                      <a:tailEnd type="none" w="med" len="med"/>
+                    </a:lnB>
+                    <a:lnTlToBr w="12700" cmpd="sng">
+                      <a:noFill/>
+                      <a:prstDash val="solid"/>
+                    </a:lnTlToBr>
+                    <a:lnBlToTr w="12700" cmpd="sng">
+                      <a:noFill/>
+                      <a:prstDash val="solid"/>
+                    </a:lnBlToTr>
+                    <a:noFill/>
+                  </a:tcPr>
+                </a:tc>
+                <a:extLst>
+                  <a:ext uri="{0D108BD9-81ED-4DB2-BD59-A6C34878D82A}">
+                    <a16:rowId xmlns:a16="http://schemas.microsoft.com/office/drawing/2014/main" val="311089556"/>
+                  </a:ext>
+                </a:extLst>
+              </a:tr>
+              <a:tr h="370840">
+                <a:tc>
+                  <a:txBody>
+                    <a:bodyPr/>
+                    <a:lstStyle/>
+                    <a:p>
+                      <a:pPr algn="ctr" latinLnBrk="1"/>
+                      <a:endParaRPr lang="ko-KR" altLang="en-US" dirty="0"/>
+                    </a:p>
+                  </a:txBody>
+                  <a:tcPr anchor="ctr">
+                    <a:lnL w="12700" cap="flat" cmpd="sng" algn="ctr">
+                      <a:solidFill>
+                        <a:schemeClr val="bg1"/>
+                      </a:solidFill>
+                      <a:prstDash val="solid"/>
+                      <a:round/>
+                      <a:headEnd type="none" w="med" len="med"/>
+                      <a:tailEnd type="none" w="med" len="med"/>
+                    </a:lnL>
+                    <a:lnR w="12700" cap="flat" cmpd="sng" algn="ctr">
+                      <a:solidFill>
+                        <a:schemeClr val="bg1"/>
+                      </a:solidFill>
+                      <a:prstDash val="solid"/>
+                      <a:round/>
+                      <a:headEnd type="none" w="med" len="med"/>
+                      <a:tailEnd type="none" w="med" len="med"/>
+                    </a:lnR>
+                    <a:lnT w="12700" cap="flat" cmpd="sng" algn="ctr">
+                      <a:solidFill>
+                        <a:schemeClr val="bg1"/>
+                      </a:solidFill>
+                      <a:prstDash val="solid"/>
+                      <a:round/>
+                      <a:headEnd type="none" w="med" len="med"/>
+                      <a:tailEnd type="none" w="med" len="med"/>
+                    </a:lnT>
+                    <a:lnB w="12700" cap="flat" cmpd="sng" algn="ctr">
+                      <a:solidFill>
+                        <a:schemeClr val="bg1"/>
+                      </a:solidFill>
+                      <a:prstDash val="solid"/>
+                      <a:round/>
+                      <a:headEnd type="none" w="med" len="med"/>
+                      <a:tailEnd type="none" w="med" len="med"/>
+                    </a:lnB>
+                    <a:lnTlToBr w="12700" cmpd="sng">
+                      <a:noFill/>
+                      <a:prstDash val="solid"/>
+                    </a:lnTlToBr>
+                    <a:lnBlToTr w="12700" cmpd="sng">
+                      <a:noFill/>
+                      <a:prstDash val="solid"/>
+                    </a:lnBlToTr>
+                    <a:noFill/>
+                  </a:tcPr>
+                </a:tc>
+                <a:tc>
+                  <a:txBody>
+                    <a:bodyPr/>
+                    <a:lstStyle/>
+                    <a:p>
+                      <a:pPr latinLnBrk="1"/>
+                      <a:endParaRPr lang="ko-KR" altLang="en-US" dirty="0"/>
+                    </a:p>
+                  </a:txBody>
+                  <a:tcPr anchor="ctr">
+                    <a:lnL w="12700" cap="flat" cmpd="sng" algn="ctr">
+                      <a:solidFill>
+                        <a:schemeClr val="bg1"/>
+                      </a:solidFill>
+                      <a:prstDash val="solid"/>
+                      <a:round/>
+                      <a:headEnd type="none" w="med" len="med"/>
+                      <a:tailEnd type="none" w="med" len="med"/>
+                    </a:lnL>
+                    <a:lnR w="12700" cap="flat" cmpd="sng" algn="ctr">
+                      <a:solidFill>
+                        <a:schemeClr val="bg1"/>
+                      </a:solidFill>
+                      <a:prstDash val="solid"/>
+                      <a:round/>
+                      <a:headEnd type="none" w="med" len="med"/>
+                      <a:tailEnd type="none" w="med" len="med"/>
+                    </a:lnR>
+                    <a:lnT w="12700" cap="flat" cmpd="sng" algn="ctr">
+                      <a:solidFill>
+                        <a:schemeClr val="bg1"/>
+                      </a:solidFill>
+                      <a:prstDash val="solid"/>
+                      <a:round/>
+                      <a:headEnd type="none" w="med" len="med"/>
+                      <a:tailEnd type="none" w="med" len="med"/>
+                    </a:lnT>
+                    <a:lnB w="12700" cap="flat" cmpd="sng" algn="ctr">
+                      <a:solidFill>
+                        <a:schemeClr val="bg1"/>
+                      </a:solidFill>
+                      <a:prstDash val="solid"/>
+                      <a:round/>
+                      <a:headEnd type="none" w="med" len="med"/>
+                      <a:tailEnd type="none" w="med" len="med"/>
+                    </a:lnB>
+                    <a:lnTlToBr w="12700" cmpd="sng">
+                      <a:noFill/>
+                      <a:prstDash val="solid"/>
+                    </a:lnTlToBr>
+                    <a:lnBlToTr w="12700" cmpd="sng">
+                      <a:noFill/>
+                      <a:prstDash val="solid"/>
+                    </a:lnBlToTr>
+                    <a:noFill/>
+                  </a:tcPr>
+                </a:tc>
+                <a:tc>
+                  <a:txBody>
+                    <a:bodyPr/>
+                    <a:lstStyle/>
+                    <a:p>
+                      <a:pPr algn="ctr" latinLnBrk="1"/>
+                      <a:endParaRPr lang="ko-KR" altLang="en-US" dirty="0"/>
+                    </a:p>
+                  </a:txBody>
+                  <a:tcPr anchor="ctr">
+                    <a:lnL w="12700" cap="flat" cmpd="sng" algn="ctr">
+                      <a:solidFill>
+                        <a:schemeClr val="bg1"/>
+                      </a:solidFill>
+                      <a:prstDash val="solid"/>
+                      <a:round/>
+                      <a:headEnd type="none" w="med" len="med"/>
+                      <a:tailEnd type="none" w="med" len="med"/>
+                    </a:lnL>
+                    <a:lnR w="12700" cap="flat" cmpd="sng" algn="ctr">
+                      <a:solidFill>
+                        <a:schemeClr val="bg1"/>
+                      </a:solidFill>
+                      <a:prstDash val="solid"/>
+                      <a:round/>
+                      <a:headEnd type="none" w="med" len="med"/>
+                      <a:tailEnd type="none" w="med" len="med"/>
+                    </a:lnR>
+                    <a:lnT w="12700" cap="flat" cmpd="sng" algn="ctr">
+                      <a:solidFill>
+                        <a:schemeClr val="bg1"/>
+                      </a:solidFill>
+                      <a:prstDash val="solid"/>
+                      <a:round/>
+                      <a:headEnd type="none" w="med" len="med"/>
+                      <a:tailEnd type="none" w="med" len="med"/>
+                    </a:lnT>
+                    <a:lnB w="12700" cap="flat" cmpd="sng" algn="ctr">
+                      <a:solidFill>
+                        <a:schemeClr val="bg1"/>
+                      </a:solidFill>
+                      <a:prstDash val="solid"/>
+                      <a:round/>
+                      <a:headEnd type="none" w="med" len="med"/>
+                      <a:tailEnd type="none" w="med" len="med"/>
+                    </a:lnB>
+                    <a:lnTlToBr w="12700" cmpd="sng">
+                      <a:noFill/>
+                      <a:prstDash val="solid"/>
+                    </a:lnTlToBr>
+                    <a:lnBlToTr w="12700" cmpd="sng">
+                      <a:noFill/>
+                      <a:prstDash val="solid"/>
+                    </a:lnBlToTr>
+                    <a:noFill/>
+                  </a:tcPr>
+                </a:tc>
+                <a:tc>
+                  <a:txBody>
+                    <a:bodyPr/>
+                    <a:lstStyle/>
+                    <a:p>
+                      <a:pPr algn="ctr" latinLnBrk="1"/>
+                      <a:endParaRPr lang="ko-KR" altLang="en-US" dirty="0"/>
+                    </a:p>
+                  </a:txBody>
+                  <a:tcPr anchor="ctr">
+                    <a:lnL w="12700" cap="flat" cmpd="sng" algn="ctr">
+                      <a:solidFill>
+                        <a:schemeClr val="bg1"/>
+                      </a:solidFill>
+                      <a:prstDash val="solid"/>
+                      <a:round/>
+                      <a:headEnd type="none" w="med" len="med"/>
+                      <a:tailEnd type="none" w="med" len="med"/>
+                    </a:lnL>
+                    <a:lnR w="12700" cap="flat" cmpd="sng" algn="ctr">
+                      <a:solidFill>
+                        <a:schemeClr val="bg1"/>
+                      </a:solidFill>
+                      <a:prstDash val="solid"/>
+                      <a:round/>
+                      <a:headEnd type="none" w="med" len="med"/>
+                      <a:tailEnd type="none" w="med" len="med"/>
+                    </a:lnR>
+                    <a:lnT w="12700" cap="flat" cmpd="sng" algn="ctr">
+                      <a:solidFill>
+                        <a:schemeClr val="bg1"/>
+                      </a:solidFill>
+                      <a:prstDash val="solid"/>
+                      <a:round/>
+                      <a:headEnd type="none" w="med" len="med"/>
+                      <a:tailEnd type="none" w="med" len="med"/>
+                    </a:lnT>
+                    <a:lnB w="12700" cap="flat" cmpd="sng" algn="ctr">
+                      <a:solidFill>
+                        <a:schemeClr val="bg1"/>
+                      </a:solidFill>
+                      <a:prstDash val="solid"/>
+                      <a:round/>
+                      <a:headEnd type="none" w="med" len="med"/>
+                      <a:tailEnd type="none" w="med" len="med"/>
+                    </a:lnB>
+                    <a:lnTlToBr w="12700" cmpd="sng">
+                      <a:noFill/>
+                      <a:prstDash val="solid"/>
+                    </a:lnTlToBr>
+                    <a:lnBlToTr w="12700" cmpd="sng">
+                      <a:noFill/>
+                      <a:prstDash val="solid"/>
+                    </a:lnBlToTr>
+                    <a:noFill/>
+                  </a:tcPr>
+                </a:tc>
+                <a:extLst>
+                  <a:ext uri="{0D108BD9-81ED-4DB2-BD59-A6C34878D82A}">
+                    <a16:rowId xmlns:a16="http://schemas.microsoft.com/office/drawing/2014/main" val="2512034908"/>
+                  </a:ext>
+                </a:extLst>
+              </a:tr>
+              <a:tr h="370840">
+                <a:tc>
+                  <a:txBody>
+                    <a:bodyPr/>
+                    <a:lstStyle/>
+                    <a:p>
+                      <a:pPr algn="ctr" latinLnBrk="1"/>
+                      <a:endParaRPr lang="ko-KR" altLang="en-US" dirty="0"/>
+                    </a:p>
+                  </a:txBody>
+                  <a:tcPr anchor="ctr">
+                    <a:lnL w="12700" cap="flat" cmpd="sng" algn="ctr">
+                      <a:solidFill>
+                        <a:schemeClr val="bg1"/>
+                      </a:solidFill>
+                      <a:prstDash val="solid"/>
+                      <a:round/>
+                      <a:headEnd type="none" w="med" len="med"/>
+                      <a:tailEnd type="none" w="med" len="med"/>
+                    </a:lnL>
+                    <a:lnR w="12700" cap="flat" cmpd="sng" algn="ctr">
+                      <a:solidFill>
+                        <a:schemeClr val="bg1"/>
+                      </a:solidFill>
+                      <a:prstDash val="solid"/>
+                      <a:round/>
+                      <a:headEnd type="none" w="med" len="med"/>
+                      <a:tailEnd type="none" w="med" len="med"/>
+                    </a:lnR>
+                    <a:lnT w="12700" cap="flat" cmpd="sng" algn="ctr">
+                      <a:solidFill>
+                        <a:schemeClr val="bg1"/>
+                      </a:solidFill>
+                      <a:prstDash val="solid"/>
+                      <a:round/>
+                      <a:headEnd type="none" w="med" len="med"/>
+                      <a:tailEnd type="none" w="med" len="med"/>
+                    </a:lnT>
+                    <a:lnB w="12700" cap="flat" cmpd="sng" algn="ctr">
+                      <a:solidFill>
+                        <a:schemeClr val="bg1"/>
+                      </a:solidFill>
+                      <a:prstDash val="solid"/>
+                      <a:round/>
+                      <a:headEnd type="none" w="med" len="med"/>
+                      <a:tailEnd type="none" w="med" len="med"/>
+                    </a:lnB>
+                    <a:lnTlToBr w="12700" cmpd="sng">
+                      <a:noFill/>
+                      <a:prstDash val="solid"/>
+                    </a:lnTlToBr>
+                    <a:lnBlToTr w="12700" cmpd="sng">
+                      <a:noFill/>
+                      <a:prstDash val="solid"/>
+                    </a:lnBlToTr>
+                    <a:noFill/>
+                  </a:tcPr>
+                </a:tc>
+                <a:tc>
+                  <a:txBody>
+                    <a:bodyPr/>
+                    <a:lstStyle/>
+                    <a:p>
+                      <a:pPr latinLnBrk="1"/>
+                      <a:endParaRPr lang="ko-KR" altLang="en-US" dirty="0"/>
+                    </a:p>
+                  </a:txBody>
+                  <a:tcPr anchor="ctr">
+                    <a:lnL w="12700" cap="flat" cmpd="sng" algn="ctr">
+                      <a:solidFill>
+                        <a:schemeClr val="bg1"/>
+                      </a:solidFill>
+                      <a:prstDash val="solid"/>
+                      <a:round/>
+                      <a:headEnd type="none" w="med" len="med"/>
+                      <a:tailEnd type="none" w="med" len="med"/>
+                    </a:lnL>
+                    <a:lnR w="12700" cap="flat" cmpd="sng" algn="ctr">
+                      <a:solidFill>
+                        <a:schemeClr val="bg1"/>
+                      </a:solidFill>
+                      <a:prstDash val="solid"/>
+                      <a:round/>
+                      <a:headEnd type="none" w="med" len="med"/>
+                      <a:tailEnd type="none" w="med" len="med"/>
+                    </a:lnR>
+                    <a:lnT w="12700" cap="flat" cmpd="sng" algn="ctr">
+                      <a:solidFill>
+                        <a:schemeClr val="bg1"/>
+                      </a:solidFill>
+                      <a:prstDash val="solid"/>
+                      <a:round/>
+                      <a:headEnd type="none" w="med" len="med"/>
+                      <a:tailEnd type="none" w="med" len="med"/>
+                    </a:lnT>
+                    <a:lnB w="12700" cap="flat" cmpd="sng" algn="ctr">
+                      <a:solidFill>
+                        <a:schemeClr val="bg1"/>
+                      </a:solidFill>
+                      <a:prstDash val="solid"/>
+                      <a:round/>
+                      <a:headEnd type="none" w="med" len="med"/>
+                      <a:tailEnd type="none" w="med" len="med"/>
+                    </a:lnB>
+                    <a:lnTlToBr w="12700" cmpd="sng">
+                      <a:noFill/>
+                      <a:prstDash val="solid"/>
+                    </a:lnTlToBr>
+                    <a:lnBlToTr w="12700" cmpd="sng">
+                      <a:noFill/>
+                      <a:prstDash val="solid"/>
+                    </a:lnBlToTr>
+                    <a:noFill/>
+                  </a:tcPr>
+                </a:tc>
+                <a:tc>
+                  <a:txBody>
+                    <a:bodyPr/>
+                    <a:lstStyle/>
+                    <a:p>
+                      <a:pPr algn="ctr" latinLnBrk="1"/>
+                      <a:endParaRPr lang="ko-KR" altLang="en-US" dirty="0"/>
+                    </a:p>
+                  </a:txBody>
+                  <a:tcPr anchor="ctr">
+                    <a:lnL w="12700" cap="flat" cmpd="sng" algn="ctr">
+                      <a:solidFill>
+                        <a:schemeClr val="bg1"/>
+                      </a:solidFill>
+                      <a:prstDash val="solid"/>
+                      <a:round/>
+                      <a:headEnd type="none" w="med" len="med"/>
+                      <a:tailEnd type="none" w="med" len="med"/>
+                    </a:lnL>
+                    <a:lnR w="12700" cap="flat" cmpd="sng" algn="ctr">
+                      <a:solidFill>
+                        <a:schemeClr val="bg1"/>
+                      </a:solidFill>
+                      <a:prstDash val="solid"/>
+                      <a:round/>
+                      <a:headEnd type="none" w="med" len="med"/>
+                      <a:tailEnd type="none" w="med" len="med"/>
+                    </a:lnR>
+                    <a:lnT w="12700" cap="flat" cmpd="sng" algn="ctr">
+                      <a:solidFill>
+                        <a:schemeClr val="bg1"/>
+                      </a:solidFill>
+                      <a:prstDash val="solid"/>
+                      <a:round/>
+                      <a:headEnd type="none" w="med" len="med"/>
+                      <a:tailEnd type="none" w="med" len="med"/>
+                    </a:lnT>
+                    <a:lnB w="12700" cap="flat" cmpd="sng" algn="ctr">
+                      <a:solidFill>
+                        <a:schemeClr val="bg1"/>
+                      </a:solidFill>
+                      <a:prstDash val="solid"/>
+                      <a:round/>
+                      <a:headEnd type="none" w="med" len="med"/>
+                      <a:tailEnd type="none" w="med" len="med"/>
+                    </a:lnB>
+                    <a:lnTlToBr w="12700" cmpd="sng">
+                      <a:noFill/>
+                      <a:prstDash val="solid"/>
+                    </a:lnTlToBr>
+                    <a:lnBlToTr w="12700" cmpd="sng">
+                      <a:noFill/>
+                      <a:prstDash val="solid"/>
+                    </a:lnBlToTr>
+                    <a:noFill/>
+                  </a:tcPr>
+                </a:tc>
+                <a:tc>
+                  <a:txBody>
+                    <a:bodyPr/>
+                    <a:lstStyle/>
+                    <a:p>
+                      <a:pPr algn="ctr" latinLnBrk="1"/>
+                      <a:endParaRPr lang="ko-KR" altLang="en-US" dirty="0"/>
+                    </a:p>
+                  </a:txBody>
+                  <a:tcPr anchor="ctr">
+                    <a:lnL w="12700" cap="flat" cmpd="sng" algn="ctr">
+                      <a:solidFill>
+                        <a:schemeClr val="bg1"/>
+                      </a:solidFill>
+                      <a:prstDash val="solid"/>
+                      <a:round/>
+                      <a:headEnd type="none" w="med" len="med"/>
+                      <a:tailEnd type="none" w="med" len="med"/>
+                    </a:lnL>
+                    <a:lnR w="12700" cap="flat" cmpd="sng" algn="ctr">
+                      <a:solidFill>
+                        <a:schemeClr val="bg1"/>
+                      </a:solidFill>
+                      <a:prstDash val="solid"/>
+                      <a:round/>
+                      <a:headEnd type="none" w="med" len="med"/>
+                      <a:tailEnd type="none" w="med" len="med"/>
+                    </a:lnR>
+                    <a:lnT w="12700" cap="flat" cmpd="sng" algn="ctr">
+                      <a:solidFill>
+                        <a:schemeClr val="bg1"/>
+                      </a:solidFill>
+                      <a:prstDash val="solid"/>
+                      <a:round/>
+                      <a:headEnd type="none" w="med" len="med"/>
+                      <a:tailEnd type="none" w="med" len="med"/>
+                    </a:lnT>
+                    <a:lnB w="12700" cap="flat" cmpd="sng" algn="ctr">
+                      <a:solidFill>
+                        <a:schemeClr val="bg1"/>
+                      </a:solidFill>
+                      <a:prstDash val="solid"/>
+                      <a:round/>
+                      <a:headEnd type="none" w="med" len="med"/>
+                      <a:tailEnd type="none" w="med" len="med"/>
+                    </a:lnB>
+                    <a:lnTlToBr w="12700" cmpd="sng">
+                      <a:noFill/>
+                      <a:prstDash val="solid"/>
+                    </a:lnTlToBr>
+                    <a:lnBlToTr w="12700" cmpd="sng">
+                      <a:noFill/>
+                      <a:prstDash val="solid"/>
+                    </a:lnBlToTr>
+                    <a:noFill/>
+                  </a:tcPr>
+                </a:tc>
+                <a:extLst>
+                  <a:ext uri="{0D108BD9-81ED-4DB2-BD59-A6C34878D82A}">
+                    <a16:rowId xmlns:a16="http://schemas.microsoft.com/office/drawing/2014/main" val="1170133374"/>
+                  </a:ext>
+                </a:extLst>
+              </a:tr>
+              <a:tr h="370840">
+                <a:tc>
+                  <a:txBody>
+                    <a:bodyPr/>
+                    <a:lstStyle/>
+                    <a:p>
+                      <a:pPr algn="ctr" latinLnBrk="1"/>
+                      <a:endParaRPr lang="ko-KR" altLang="en-US" dirty="0"/>
+                    </a:p>
+                  </a:txBody>
+                  <a:tcPr anchor="ctr">
+                    <a:lnL w="12700" cap="flat" cmpd="sng" algn="ctr">
+                      <a:solidFill>
+                        <a:schemeClr val="bg1"/>
+                      </a:solidFill>
+                      <a:prstDash val="solid"/>
+                      <a:round/>
+                      <a:headEnd type="none" w="med" len="med"/>
+                      <a:tailEnd type="none" w="med" len="med"/>
+                    </a:lnL>
+                    <a:lnR w="12700" cap="flat" cmpd="sng" algn="ctr">
+                      <a:solidFill>
+                        <a:schemeClr val="bg1"/>
+                      </a:solidFill>
+                      <a:prstDash val="solid"/>
+                      <a:round/>
+                      <a:headEnd type="none" w="med" len="med"/>
+                      <a:tailEnd type="none" w="med" len="med"/>
+                    </a:lnR>
+                    <a:lnT w="12700" cap="flat" cmpd="sng" algn="ctr">
+                      <a:solidFill>
+                        <a:schemeClr val="bg1"/>
+                      </a:solidFill>
+                      <a:prstDash val="solid"/>
+                      <a:round/>
+                      <a:headEnd type="none" w="med" len="med"/>
+                      <a:tailEnd type="none" w="med" len="med"/>
+                    </a:lnT>
+                    <a:lnB w="12700" cap="flat" cmpd="sng" algn="ctr">
+                      <a:solidFill>
+                        <a:schemeClr val="bg1"/>
+                      </a:solidFill>
+                      <a:prstDash val="solid"/>
+                      <a:round/>
+                      <a:headEnd type="none" w="med" len="med"/>
+                      <a:tailEnd type="none" w="med" len="med"/>
+                    </a:lnB>
+                    <a:lnTlToBr w="12700" cmpd="sng">
+                      <a:noFill/>
+                      <a:prstDash val="solid"/>
+                    </a:lnTlToBr>
+                    <a:lnBlToTr w="12700" cmpd="sng">
+                      <a:noFill/>
+                      <a:prstDash val="solid"/>
+                    </a:lnBlToTr>
+                    <a:noFill/>
+                  </a:tcPr>
+                </a:tc>
+                <a:tc>
+                  <a:txBody>
+                    <a:bodyPr/>
+                    <a:lstStyle/>
+                    <a:p>
+                      <a:pPr latinLnBrk="1"/>
+                      <a:endParaRPr lang="ko-KR" altLang="en-US" dirty="0"/>
+                    </a:p>
+                  </a:txBody>
+                  <a:tcPr anchor="ctr">
+                    <a:lnL w="12700" cap="flat" cmpd="sng" algn="ctr">
+                      <a:solidFill>
+                        <a:schemeClr val="bg1"/>
+                      </a:solidFill>
+                      <a:prstDash val="solid"/>
+                      <a:round/>
+                      <a:headEnd type="none" w="med" len="med"/>
+                      <a:tailEnd type="none" w="med" len="med"/>
+                    </a:lnL>
+                    <a:lnR w="12700" cap="flat" cmpd="sng" algn="ctr">
+                      <a:solidFill>
+                        <a:schemeClr val="bg1"/>
+                      </a:solidFill>
+                      <a:prstDash val="solid"/>
+                      <a:round/>
+                      <a:headEnd type="none" w="med" len="med"/>
+                      <a:tailEnd type="none" w="med" len="med"/>
+                    </a:lnR>
+                    <a:lnT w="12700" cap="flat" cmpd="sng" algn="ctr">
+                      <a:solidFill>
+                        <a:schemeClr val="bg1"/>
+                      </a:solidFill>
+                      <a:prstDash val="solid"/>
+                      <a:round/>
+                      <a:headEnd type="none" w="med" len="med"/>
+                      <a:tailEnd type="none" w="med" len="med"/>
+                    </a:lnT>
+                    <a:lnB w="12700" cap="flat" cmpd="sng" algn="ctr">
+                      <a:solidFill>
+                        <a:schemeClr val="bg1"/>
+                      </a:solidFill>
+                      <a:prstDash val="solid"/>
+                      <a:round/>
+                      <a:headEnd type="none" w="med" len="med"/>
+                      <a:tailEnd type="none" w="med" len="med"/>
+                    </a:lnB>
+                    <a:lnTlToBr w="12700" cmpd="sng">
+                      <a:noFill/>
+                      <a:prstDash val="solid"/>
+                    </a:lnTlToBr>
+                    <a:lnBlToTr w="12700" cmpd="sng">
+                      <a:noFill/>
+                      <a:prstDash val="solid"/>
+                    </a:lnBlToTr>
+                    <a:noFill/>
+                  </a:tcPr>
+                </a:tc>
+                <a:tc>
+                  <a:txBody>
+                    <a:bodyPr/>
+                    <a:lstStyle/>
+                    <a:p>
+                      <a:pPr algn="ctr" latinLnBrk="1"/>
+                      <a:endParaRPr lang="ko-KR" altLang="en-US" dirty="0"/>
+                    </a:p>
+                  </a:txBody>
+                  <a:tcPr anchor="ctr">
+                    <a:lnL w="12700" cap="flat" cmpd="sng" algn="ctr">
+                      <a:solidFill>
+                        <a:schemeClr val="bg1"/>
+                      </a:solidFill>
+                      <a:prstDash val="solid"/>
+                      <a:round/>
+                      <a:headEnd type="none" w="med" len="med"/>
+                      <a:tailEnd type="none" w="med" len="med"/>
+                    </a:lnL>
+                    <a:lnR w="12700" cap="flat" cmpd="sng" algn="ctr">
+                      <a:solidFill>
+                        <a:schemeClr val="bg1"/>
+                      </a:solidFill>
+                      <a:prstDash val="solid"/>
+                      <a:round/>
+                      <a:headEnd type="none" w="med" len="med"/>
+                      <a:tailEnd type="none" w="med" len="med"/>
+                    </a:lnR>
+                    <a:lnT w="12700" cap="flat" cmpd="sng" algn="ctr">
+                      <a:solidFill>
+                        <a:schemeClr val="bg1"/>
+                      </a:solidFill>
+                      <a:prstDash val="solid"/>
+                      <a:round/>
+                      <a:headEnd type="none" w="med" len="med"/>
+                      <a:tailEnd type="none" w="med" len="med"/>
+                    </a:lnT>
+                    <a:lnB w="12700" cap="flat" cmpd="sng" algn="ctr">
+                      <a:solidFill>
+                        <a:schemeClr val="bg1"/>
+                      </a:solidFill>
+                      <a:prstDash val="solid"/>
+                      <a:round/>
+                      <a:headEnd type="none" w="med" len="med"/>
+                      <a:tailEnd type="none" w="med" len="med"/>
+                    </a:lnB>
+                    <a:lnTlToBr w="12700" cmpd="sng">
+                      <a:noFill/>
+                      <a:prstDash val="solid"/>
+                    </a:lnTlToBr>
+                    <a:lnBlToTr w="12700" cmpd="sng">
+                      <a:noFill/>
+                      <a:prstDash val="solid"/>
+                    </a:lnBlToTr>
+                    <a:noFill/>
+                  </a:tcPr>
+                </a:tc>
+                <a:tc>
+                  <a:txBody>
+                    <a:bodyPr/>
+                    <a:lstStyle/>
+                    <a:p>
+                      <a:pPr algn="ctr" latinLnBrk="1"/>
+                      <a:endParaRPr lang="ko-KR" altLang="en-US" dirty="0"/>
+                    </a:p>
+                  </a:txBody>
+                  <a:tcPr anchor="ctr">
+                    <a:lnL w="12700" cap="flat" cmpd="sng" algn="ctr">
+                      <a:solidFill>
+                        <a:schemeClr val="bg1"/>
+                      </a:solidFill>
+                      <a:prstDash val="solid"/>
+                      <a:round/>
+                      <a:headEnd type="none" w="med" len="med"/>
+                      <a:tailEnd type="none" w="med" len="med"/>
+                    </a:lnL>
+                    <a:lnR w="12700" cap="flat" cmpd="sng" algn="ctr">
+                      <a:solidFill>
+                        <a:schemeClr val="bg1"/>
+                      </a:solidFill>
+                      <a:prstDash val="solid"/>
+                      <a:round/>
+                      <a:headEnd type="none" w="med" len="med"/>
+                      <a:tailEnd type="none" w="med" len="med"/>
+                    </a:lnR>
+                    <a:lnT w="12700" cap="flat" cmpd="sng" algn="ctr">
+                      <a:solidFill>
+                        <a:schemeClr val="bg1"/>
+                      </a:solidFill>
+                      <a:prstDash val="solid"/>
+                      <a:round/>
+                      <a:headEnd type="none" w="med" len="med"/>
+                      <a:tailEnd type="none" w="med" len="med"/>
+                    </a:lnT>
+                    <a:lnB w="12700" cap="flat" cmpd="sng" algn="ctr">
+                      <a:solidFill>
+                        <a:schemeClr val="bg1"/>
+                      </a:solidFill>
+                      <a:prstDash val="solid"/>
+                      <a:round/>
+                      <a:headEnd type="none" w="med" len="med"/>
+                      <a:tailEnd type="none" w="med" len="med"/>
+                    </a:lnB>
+                    <a:lnTlToBr w="12700" cmpd="sng">
+                      <a:noFill/>
+                      <a:prstDash val="solid"/>
+                    </a:lnTlToBr>
+                    <a:lnBlToTr w="12700" cmpd="sng">
+                      <a:noFill/>
+                      <a:prstDash val="solid"/>
+                    </a:lnBlToTr>
+                    <a:noFill/>
+                  </a:tcPr>
+                </a:tc>
+                <a:extLst>
+                  <a:ext uri="{0D108BD9-81ED-4DB2-BD59-A6C34878D82A}">
+                    <a16:rowId xmlns:a16="http://schemas.microsoft.com/office/drawing/2014/main" val="1033549877"/>
+                  </a:ext>
+                </a:extLst>
+              </a:tr>
+              <a:tr h="370840">
+                <a:tc>
+                  <a:txBody>
+                    <a:bodyPr/>
+                    <a:lstStyle/>
+                    <a:p>
+                      <a:pPr algn="ctr" latinLnBrk="1"/>
+                      <a:endParaRPr lang="ko-KR" altLang="en-US" dirty="0"/>
+                    </a:p>
+                  </a:txBody>
+                  <a:tcPr anchor="ctr">
+                    <a:lnL w="12700" cap="flat" cmpd="sng" algn="ctr">
+                      <a:solidFill>
+                        <a:schemeClr val="bg1"/>
+                      </a:solidFill>
+                      <a:prstDash val="solid"/>
+                      <a:round/>
+                      <a:headEnd type="none" w="med" len="med"/>
+                      <a:tailEnd type="none" w="med" len="med"/>
+                    </a:lnL>
+                    <a:lnR w="12700" cap="flat" cmpd="sng" algn="ctr">
+                      <a:solidFill>
+                        <a:schemeClr val="bg1"/>
+                      </a:solidFill>
+                      <a:prstDash val="solid"/>
+                      <a:round/>
+                      <a:headEnd type="none" w="med" len="med"/>
+                      <a:tailEnd type="none" w="med" len="med"/>
+                    </a:lnR>
+                    <a:lnT w="12700" cap="flat" cmpd="sng" algn="ctr">
+                      <a:solidFill>
+                        <a:schemeClr val="bg1"/>
+                      </a:solidFill>
+                      <a:prstDash val="solid"/>
+                      <a:round/>
+                      <a:headEnd type="none" w="med" len="med"/>
+                      <a:tailEnd type="none" w="med" len="med"/>
+                    </a:lnT>
+                    <a:lnB w="12700" cap="flat" cmpd="sng" algn="ctr">
+                      <a:solidFill>
+                        <a:schemeClr val="bg1"/>
+                      </a:solidFill>
+                      <a:prstDash val="solid"/>
+                      <a:round/>
+                      <a:headEnd type="none" w="med" len="med"/>
+                      <a:tailEnd type="none" w="med" len="med"/>
+                    </a:lnB>
+                    <a:lnTlToBr w="12700" cmpd="sng">
+                      <a:noFill/>
+                      <a:prstDash val="solid"/>
+                    </a:lnTlToBr>
+                    <a:lnBlToTr w="12700" cmpd="sng">
+                      <a:noFill/>
+                      <a:prstDash val="solid"/>
+                    </a:lnBlToTr>
+                    <a:noFill/>
+                  </a:tcPr>
+                </a:tc>
+                <a:tc>
+                  <a:txBody>
+                    <a:bodyPr/>
+                    <a:lstStyle/>
+                    <a:p>
+                      <a:pPr latinLnBrk="1"/>
+                      <a:endParaRPr lang="ko-KR" altLang="en-US" dirty="0"/>
+                    </a:p>
+                  </a:txBody>
+                  <a:tcPr anchor="ctr">
+                    <a:lnL w="12700" cap="flat" cmpd="sng" algn="ctr">
+                      <a:solidFill>
+                        <a:schemeClr val="bg1"/>
+                      </a:solidFill>
+                      <a:prstDash val="solid"/>
+                      <a:round/>
+                      <a:headEnd type="none" w="med" len="med"/>
+                      <a:tailEnd type="none" w="med" len="med"/>
+                    </a:lnL>
+                    <a:lnR w="12700" cap="flat" cmpd="sng" algn="ctr">
+                      <a:solidFill>
+                        <a:schemeClr val="bg1"/>
+                      </a:solidFill>
+                      <a:prstDash val="solid"/>
+                      <a:round/>
+                      <a:headEnd type="none" w="med" len="med"/>
+                      <a:tailEnd type="none" w="med" len="med"/>
+                    </a:lnR>
+                    <a:lnT w="12700" cap="flat" cmpd="sng" algn="ctr">
+                      <a:solidFill>
+                        <a:schemeClr val="bg1"/>
+                      </a:solidFill>
+                      <a:prstDash val="solid"/>
+                      <a:round/>
+                      <a:headEnd type="none" w="med" len="med"/>
+                      <a:tailEnd type="none" w="med" len="med"/>
+                    </a:lnT>
+                    <a:lnB w="12700" cap="flat" cmpd="sng" algn="ctr">
+                      <a:solidFill>
+                        <a:schemeClr val="bg1"/>
+                      </a:solidFill>
+                      <a:prstDash val="solid"/>
+                      <a:round/>
+                      <a:headEnd type="none" w="med" len="med"/>
+                      <a:tailEnd type="none" w="med" len="med"/>
+                    </a:lnB>
+                    <a:lnTlToBr w="12700" cmpd="sng">
+                      <a:noFill/>
+                      <a:prstDash val="solid"/>
+                    </a:lnTlToBr>
+                    <a:lnBlToTr w="12700" cmpd="sng">
+                      <a:noFill/>
+                      <a:prstDash val="solid"/>
+                    </a:lnBlToTr>
+                    <a:noFill/>
+                  </a:tcPr>
+                </a:tc>
+                <a:tc>
+                  <a:txBody>
+                    <a:bodyPr/>
+                    <a:lstStyle/>
+                    <a:p>
+                      <a:pPr algn="ctr" latinLnBrk="1"/>
+                      <a:endParaRPr lang="ko-KR" altLang="en-US" dirty="0"/>
+                    </a:p>
+                  </a:txBody>
+                  <a:tcPr anchor="ctr">
+                    <a:lnL w="12700" cap="flat" cmpd="sng" algn="ctr">
+                      <a:solidFill>
+                        <a:schemeClr val="bg1"/>
+                      </a:solidFill>
+                      <a:prstDash val="solid"/>
+                      <a:round/>
+                      <a:headEnd type="none" w="med" len="med"/>
+                      <a:tailEnd type="none" w="med" len="med"/>
+                    </a:lnL>
+                    <a:lnR w="12700" cap="flat" cmpd="sng" algn="ctr">
+                      <a:solidFill>
+                        <a:schemeClr val="bg1"/>
+                      </a:solidFill>
+                      <a:prstDash val="solid"/>
+                      <a:round/>
+                      <a:headEnd type="none" w="med" len="med"/>
+                      <a:tailEnd type="none" w="med" len="med"/>
+                    </a:lnR>
+                    <a:lnT w="12700" cap="flat" cmpd="sng" algn="ctr">
+                      <a:solidFill>
+                        <a:schemeClr val="bg1"/>
+                      </a:solidFill>
+                      <a:prstDash val="solid"/>
+                      <a:round/>
+                      <a:headEnd type="none" w="med" len="med"/>
+                      <a:tailEnd type="none" w="med" len="med"/>
+                    </a:lnT>
+                    <a:lnB w="12700" cap="flat" cmpd="sng" algn="ctr">
+                      <a:solidFill>
+                        <a:schemeClr val="bg1"/>
+                      </a:solidFill>
+                      <a:prstDash val="solid"/>
+                      <a:round/>
+                      <a:headEnd type="none" w="med" len="med"/>
+                      <a:tailEnd type="none" w="med" len="med"/>
+                    </a:lnB>
+                    <a:lnTlToBr w="12700" cmpd="sng">
+                      <a:noFill/>
+                      <a:prstDash val="solid"/>
+                    </a:lnTlToBr>
+                    <a:lnBlToTr w="12700" cmpd="sng">
+                      <a:noFill/>
+                      <a:prstDash val="solid"/>
+                    </a:lnBlToTr>
+                    <a:noFill/>
+                  </a:tcPr>
+                </a:tc>
+                <a:tc>
+                  <a:txBody>
+                    <a:bodyPr/>
+                    <a:lstStyle/>
+                    <a:p>
+                      <a:pPr algn="ctr" latinLnBrk="1"/>
+                      <a:endParaRPr lang="ko-KR" altLang="en-US" dirty="0"/>
+                    </a:p>
+                  </a:txBody>
+                  <a:tcPr anchor="ctr">
+                    <a:lnL w="12700" cap="flat" cmpd="sng" algn="ctr">
+                      <a:solidFill>
+                        <a:schemeClr val="bg1"/>
+                      </a:solidFill>
+                      <a:prstDash val="solid"/>
+                      <a:round/>
+                      <a:headEnd type="none" w="med" len="med"/>
+                      <a:tailEnd type="none" w="med" len="med"/>
+                    </a:lnL>
+                    <a:lnR w="12700" cap="flat" cmpd="sng" algn="ctr">
+                      <a:solidFill>
+                        <a:schemeClr val="bg1"/>
+                      </a:solidFill>
+                      <a:prstDash val="solid"/>
+                      <a:round/>
+                      <a:headEnd type="none" w="med" len="med"/>
+                      <a:tailEnd type="none" w="med" len="med"/>
+                    </a:lnR>
+                    <a:lnT w="12700" cap="flat" cmpd="sng" algn="ctr">
+                      <a:solidFill>
+                        <a:schemeClr val="bg1"/>
+                      </a:solidFill>
+                      <a:prstDash val="solid"/>
+                      <a:round/>
+                      <a:headEnd type="none" w="med" len="med"/>
+                      <a:tailEnd type="none" w="med" len="med"/>
+                    </a:lnT>
+                    <a:lnB w="12700" cap="flat" cmpd="sng" algn="ctr">
+                      <a:solidFill>
+                        <a:schemeClr val="bg1"/>
+                      </a:solidFill>
+                      <a:prstDash val="solid"/>
+                      <a:round/>
+                      <a:headEnd type="none" w="med" len="med"/>
+                      <a:tailEnd type="none" w="med" len="med"/>
+                    </a:lnB>
+                    <a:lnTlToBr w="12700" cmpd="sng">
+                      <a:noFill/>
+                      <a:prstDash val="solid"/>
+                    </a:lnTlToBr>
+                    <a:lnBlToTr w="12700" cmpd="sng">
+                      <a:noFill/>
+                      <a:prstDash val="solid"/>
+                    </a:lnBlToTr>
+                    <a:noFill/>
+                  </a:tcPr>
+                </a:tc>
+                <a:extLst>
+                  <a:ext uri="{0D108BD9-81ED-4DB2-BD59-A6C34878D82A}">
+                    <a16:rowId xmlns:a16="http://schemas.microsoft.com/office/drawing/2014/main" val="3221329160"/>
+                  </a:ext>
+                </a:extLst>
+              </a:tr>
+              <a:tr h="370840">
+                <a:tc>
+                  <a:txBody>
+                    <a:bodyPr/>
+                    <a:lstStyle/>
+                    <a:p>
+                      <a:pPr algn="ctr" latinLnBrk="1"/>
+                      <a:endParaRPr lang="ko-KR" altLang="en-US" dirty="0"/>
+                    </a:p>
+                  </a:txBody>
+                  <a:tcPr anchor="ctr">
+                    <a:lnL w="12700" cap="flat" cmpd="sng" algn="ctr">
+                      <a:solidFill>
+                        <a:schemeClr val="bg1"/>
+                      </a:solidFill>
+                      <a:prstDash val="solid"/>
+                      <a:round/>
+                      <a:headEnd type="none" w="med" len="med"/>
+                      <a:tailEnd type="none" w="med" len="med"/>
+                    </a:lnL>
+                    <a:lnR w="12700" cap="flat" cmpd="sng" algn="ctr">
+                      <a:solidFill>
+                        <a:schemeClr val="bg1"/>
+                      </a:solidFill>
+                      <a:prstDash val="solid"/>
+                      <a:round/>
+                      <a:headEnd type="none" w="med" len="med"/>
+                      <a:tailEnd type="none" w="med" len="med"/>
+                    </a:lnR>
+                    <a:lnT w="12700" cap="flat" cmpd="sng" algn="ctr">
+                      <a:solidFill>
+                        <a:schemeClr val="bg1"/>
+                      </a:solidFill>
+                      <a:prstDash val="solid"/>
+                      <a:round/>
+                      <a:headEnd type="none" w="med" len="med"/>
+                      <a:tailEnd type="none" w="med" len="med"/>
+                    </a:lnT>
+                    <a:lnB w="12700" cap="flat" cmpd="sng" algn="ctr">
+                      <a:solidFill>
+                        <a:schemeClr val="bg1"/>
+                      </a:solidFill>
+                      <a:prstDash val="solid"/>
+                      <a:round/>
+                      <a:headEnd type="none" w="med" len="med"/>
+                      <a:tailEnd type="none" w="med" len="med"/>
+                    </a:lnB>
+                    <a:lnTlToBr w="12700" cmpd="sng">
+                      <a:noFill/>
+                      <a:prstDash val="solid"/>
+                    </a:lnTlToBr>
+                    <a:lnBlToTr w="12700" cmpd="sng">
+                      <a:noFill/>
+                      <a:prstDash val="solid"/>
+                    </a:lnBlToTr>
+                    <a:noFill/>
+                  </a:tcPr>
+                </a:tc>
+                <a:tc>
+                  <a:txBody>
+                    <a:bodyPr/>
+                    <a:lstStyle/>
+                    <a:p>
+                      <a:pPr latinLnBrk="1"/>
+                      <a:endParaRPr lang="ko-KR" altLang="en-US" dirty="0"/>
+                    </a:p>
+                  </a:txBody>
+                  <a:tcPr anchor="ctr">
+                    <a:lnL w="12700" cap="flat" cmpd="sng" algn="ctr">
+                      <a:solidFill>
+                        <a:schemeClr val="bg1"/>
+                      </a:solidFill>
+                      <a:prstDash val="solid"/>
+                      <a:round/>
+                      <a:headEnd type="none" w="med" len="med"/>
+                      <a:tailEnd type="none" w="med" len="med"/>
+                    </a:lnL>
+                    <a:lnR w="12700" cap="flat" cmpd="sng" algn="ctr">
+                      <a:solidFill>
+                        <a:schemeClr val="bg1"/>
+                      </a:solidFill>
+                      <a:prstDash val="solid"/>
+                      <a:round/>
+                      <a:headEnd type="none" w="med" len="med"/>
+                      <a:tailEnd type="none" w="med" len="med"/>
+                    </a:lnR>
+                    <a:lnT w="12700" cap="flat" cmpd="sng" algn="ctr">
+                      <a:solidFill>
+                        <a:schemeClr val="bg1"/>
+                      </a:solidFill>
+                      <a:prstDash val="solid"/>
+                      <a:round/>
+                      <a:headEnd type="none" w="med" len="med"/>
+                      <a:tailEnd type="none" w="med" len="med"/>
+                    </a:lnT>
+                    <a:lnB w="12700" cap="flat" cmpd="sng" algn="ctr">
+                      <a:solidFill>
+                        <a:schemeClr val="bg1"/>
+                      </a:solidFill>
+                      <a:prstDash val="solid"/>
+                      <a:round/>
+                      <a:headEnd type="none" w="med" len="med"/>
+                      <a:tailEnd type="none" w="med" len="med"/>
+                    </a:lnB>
+                    <a:lnTlToBr w="12700" cmpd="sng">
+                      <a:noFill/>
+                      <a:prstDash val="solid"/>
+                    </a:lnTlToBr>
+                    <a:lnBlToTr w="12700" cmpd="sng">
+                      <a:noFill/>
+                      <a:prstDash val="solid"/>
+                    </a:lnBlToTr>
+                    <a:noFill/>
+                  </a:tcPr>
+                </a:tc>
+                <a:tc>
+                  <a:txBody>
+                    <a:bodyPr/>
+                    <a:lstStyle/>
+                    <a:p>
+                      <a:pPr algn="ctr" latinLnBrk="1"/>
+                      <a:endParaRPr lang="ko-KR" altLang="en-US" dirty="0"/>
+                    </a:p>
+                  </a:txBody>
+                  <a:tcPr anchor="ctr">
+                    <a:lnL w="12700" cap="flat" cmpd="sng" algn="ctr">
+                      <a:solidFill>
+                        <a:schemeClr val="bg1"/>
+                      </a:solidFill>
+                      <a:prstDash val="solid"/>
+                      <a:round/>
+                      <a:headEnd type="none" w="med" len="med"/>
+                      <a:tailEnd type="none" w="med" len="med"/>
+                    </a:lnL>
+                    <a:lnR w="12700" cap="flat" cmpd="sng" algn="ctr">
+                      <a:solidFill>
+                        <a:schemeClr val="bg1"/>
+                      </a:solidFill>
+                      <a:prstDash val="solid"/>
+                      <a:round/>
+                      <a:headEnd type="none" w="med" len="med"/>
+                      <a:tailEnd type="none" w="med" len="med"/>
+                    </a:lnR>
+                    <a:lnT w="12700" cap="flat" cmpd="sng" algn="ctr">
+                      <a:solidFill>
+                        <a:schemeClr val="bg1"/>
+                      </a:solidFill>
+                      <a:prstDash val="solid"/>
+                      <a:round/>
+                      <a:headEnd type="none" w="med" len="med"/>
+                      <a:tailEnd type="none" w="med" len="med"/>
+                    </a:lnT>
+                    <a:lnB w="12700" cap="flat" cmpd="sng" algn="ctr">
+                      <a:solidFill>
+                        <a:schemeClr val="bg1"/>
+                      </a:solidFill>
+                      <a:prstDash val="solid"/>
+                      <a:round/>
+                      <a:headEnd type="none" w="med" len="med"/>
+                      <a:tailEnd type="none" w="med" len="med"/>
+                    </a:lnB>
+                    <a:lnTlToBr w="12700" cmpd="sng">
+                      <a:noFill/>
+                      <a:prstDash val="solid"/>
+                    </a:lnTlToBr>
+                    <a:lnBlToTr w="12700" cmpd="sng">
+                      <a:noFill/>
+                      <a:prstDash val="solid"/>
+                    </a:lnBlToTr>
+                    <a:noFill/>
+                  </a:tcPr>
+                </a:tc>
+                <a:tc>
+                  <a:txBody>
+                    <a:bodyPr/>
+                    <a:lstStyle/>
+                    <a:p>
+                      <a:pPr algn="ctr" latinLnBrk="1"/>
+                      <a:endParaRPr lang="ko-KR" altLang="en-US" dirty="0"/>
+                    </a:p>
+                  </a:txBody>
+                  <a:tcPr anchor="ctr">
+                    <a:lnL w="12700" cap="flat" cmpd="sng" algn="ctr">
+                      <a:solidFill>
+                        <a:schemeClr val="bg1"/>
+                      </a:solidFill>
+                      <a:prstDash val="solid"/>
+                      <a:round/>
+                      <a:headEnd type="none" w="med" len="med"/>
+                      <a:tailEnd type="none" w="med" len="med"/>
+                    </a:lnL>
+                    <a:lnR w="12700" cap="flat" cmpd="sng" algn="ctr">
+                      <a:solidFill>
+                        <a:schemeClr val="bg1"/>
+                      </a:solidFill>
+                      <a:prstDash val="solid"/>
+                      <a:round/>
+                      <a:headEnd type="none" w="med" len="med"/>
+                      <a:tailEnd type="none" w="med" len="med"/>
+                    </a:lnR>
+                    <a:lnT w="12700" cap="flat" cmpd="sng" algn="ctr">
+                      <a:solidFill>
+                        <a:schemeClr val="bg1"/>
+                      </a:solidFill>
+                      <a:prstDash val="solid"/>
+                      <a:round/>
+                      <a:headEnd type="none" w="med" len="med"/>
+                      <a:tailEnd type="none" w="med" len="med"/>
+                    </a:lnT>
+                    <a:lnB w="12700" cap="flat" cmpd="sng" algn="ctr">
+                      <a:solidFill>
+                        <a:schemeClr val="bg1"/>
+                      </a:solidFill>
+                      <a:prstDash val="solid"/>
+                      <a:round/>
+                      <a:headEnd type="none" w="med" len="med"/>
+                      <a:tailEnd type="none" w="med" len="med"/>
+                    </a:lnB>
+                    <a:lnTlToBr w="12700" cmpd="sng">
+                      <a:noFill/>
+                      <a:prstDash val="solid"/>
+                    </a:lnTlToBr>
+                    <a:lnBlToTr w="12700" cmpd="sng">
+                      <a:noFill/>
+                      <a:prstDash val="solid"/>
+                    </a:lnBlToTr>
+                    <a:noFill/>
+                  </a:tcPr>
+                </a:tc>
+                <a:extLst>
+                  <a:ext uri="{0D108BD9-81ED-4DB2-BD59-A6C34878D82A}">
+                    <a16:rowId xmlns:a16="http://schemas.microsoft.com/office/drawing/2014/main" val="2770521963"/>
+                  </a:ext>
+                </a:extLst>
+              </a:tr>
+              <a:tr h="370840">
+                <a:tc>
+                  <a:txBody>
+                    <a:bodyPr/>
+                    <a:lstStyle/>
+                    <a:p>
+                      <a:pPr algn="ctr" latinLnBrk="1"/>
+                      <a:endParaRPr lang="ko-KR" altLang="en-US" dirty="0"/>
+                    </a:p>
+                  </a:txBody>
+                  <a:tcPr anchor="ctr">
+                    <a:lnL w="12700" cap="flat" cmpd="sng" algn="ctr">
+                      <a:solidFill>
+                        <a:schemeClr val="bg1"/>
+                      </a:solidFill>
+                      <a:prstDash val="solid"/>
+                      <a:round/>
+                      <a:headEnd type="none" w="med" len="med"/>
+                      <a:tailEnd type="none" w="med" len="med"/>
+                    </a:lnL>
+                    <a:lnR w="12700" cap="flat" cmpd="sng" algn="ctr">
+                      <a:solidFill>
+                        <a:schemeClr val="bg1"/>
+                      </a:solidFill>
+                      <a:prstDash val="solid"/>
+                      <a:round/>
+                      <a:headEnd type="none" w="med" len="med"/>
+                      <a:tailEnd type="none" w="med" len="med"/>
+                    </a:lnR>
+                    <a:lnT w="12700" cap="flat" cmpd="sng" algn="ctr">
+                      <a:solidFill>
+                        <a:schemeClr val="bg1"/>
+                      </a:solidFill>
+                      <a:prstDash val="solid"/>
+                      <a:round/>
+                      <a:headEnd type="none" w="med" len="med"/>
+                      <a:tailEnd type="none" w="med" len="med"/>
+                    </a:lnT>
+                    <a:lnB w="12700" cap="flat" cmpd="sng" algn="ctr">
+                      <a:solidFill>
+                        <a:schemeClr val="bg1"/>
+                      </a:solidFill>
+                      <a:prstDash val="solid"/>
+                      <a:round/>
+                      <a:headEnd type="none" w="med" len="med"/>
+                      <a:tailEnd type="none" w="med" len="med"/>
+                    </a:lnB>
+                    <a:lnTlToBr w="12700" cmpd="sng">
+                      <a:noFill/>
+                      <a:prstDash val="solid"/>
+                    </a:lnTlToBr>
+                    <a:lnBlToTr w="12700" cmpd="sng">
+                      <a:noFill/>
+                      <a:prstDash val="solid"/>
+                    </a:lnBlToTr>
+                    <a:noFill/>
+                  </a:tcPr>
+                </a:tc>
+                <a:tc>
+                  <a:txBody>
+                    <a:bodyPr/>
+                    <a:lstStyle/>
+                    <a:p>
+                      <a:pPr latinLnBrk="1"/>
+                      <a:endParaRPr lang="ko-KR" altLang="en-US" dirty="0"/>
+                    </a:p>
+                  </a:txBody>
+                  <a:tcPr anchor="ctr">
+                    <a:lnL w="12700" cap="flat" cmpd="sng" algn="ctr">
+                      <a:solidFill>
+                        <a:schemeClr val="bg1"/>
+                      </a:solidFill>
+                      <a:prstDash val="solid"/>
+                      <a:round/>
+                      <a:headEnd type="none" w="med" len="med"/>
+                      <a:tailEnd type="none" w="med" len="med"/>
+                    </a:lnL>
+                    <a:lnR w="12700" cap="flat" cmpd="sng" algn="ctr">
+                      <a:solidFill>
+                        <a:schemeClr val="bg1"/>
+                      </a:solidFill>
+                      <a:prstDash val="solid"/>
+                      <a:round/>
+                      <a:headEnd type="none" w="med" len="med"/>
+                      <a:tailEnd type="none" w="med" len="med"/>
+                    </a:lnR>
+                    <a:lnT w="12700" cap="flat" cmpd="sng" algn="ctr">
+                      <a:solidFill>
+                        <a:schemeClr val="bg1"/>
+                      </a:solidFill>
+                      <a:prstDash val="solid"/>
+                      <a:round/>
+                      <a:headEnd type="none" w="med" len="med"/>
+                      <a:tailEnd type="none" w="med" len="med"/>
+                    </a:lnT>
+                    <a:lnB w="12700" cap="flat" cmpd="sng" algn="ctr">
+                      <a:solidFill>
+                        <a:schemeClr val="bg1"/>
+                      </a:solidFill>
+                      <a:prstDash val="solid"/>
+                      <a:round/>
+                      <a:headEnd type="none" w="med" len="med"/>
+                      <a:tailEnd type="none" w="med" len="med"/>
+                    </a:lnB>
+                    <a:lnTlToBr w="12700" cmpd="sng">
+                      <a:noFill/>
+                      <a:prstDash val="solid"/>
+                    </a:lnTlToBr>
+                    <a:lnBlToTr w="12700" cmpd="sng">
+                      <a:noFill/>
+                      <a:prstDash val="solid"/>
+                    </a:lnBlToTr>
+                    <a:noFill/>
+                  </a:tcPr>
+                </a:tc>
+                <a:tc>
+                  <a:txBody>
+                    <a:bodyPr/>
+                    <a:lstStyle/>
+                    <a:p>
+                      <a:pPr algn="ctr" latinLnBrk="1"/>
+                      <a:endParaRPr lang="ko-KR" altLang="en-US" dirty="0"/>
+                    </a:p>
+                  </a:txBody>
+                  <a:tcPr anchor="ctr">
+                    <a:lnL w="12700" cap="flat" cmpd="sng" algn="ctr">
+                      <a:solidFill>
+                        <a:schemeClr val="bg1"/>
+                      </a:solidFill>
+                      <a:prstDash val="solid"/>
+                      <a:round/>
+                      <a:headEnd type="none" w="med" len="med"/>
+                      <a:tailEnd type="none" w="med" len="med"/>
+                    </a:lnL>
+                    <a:lnR w="12700" cap="flat" cmpd="sng" algn="ctr">
+                      <a:solidFill>
+                        <a:schemeClr val="bg1"/>
+                      </a:solidFill>
+                      <a:prstDash val="solid"/>
+                      <a:round/>
+                      <a:headEnd type="none" w="med" len="med"/>
+                      <a:tailEnd type="none" w="med" len="med"/>
+                    </a:lnR>
+                    <a:lnT w="12700" cap="flat" cmpd="sng" algn="ctr">
+                      <a:solidFill>
+                        <a:schemeClr val="bg1"/>
+                      </a:solidFill>
+                      <a:prstDash val="solid"/>
+                      <a:round/>
+                      <a:headEnd type="none" w="med" len="med"/>
+                      <a:tailEnd type="none" w="med" len="med"/>
+                    </a:lnT>
+                    <a:lnB w="12700" cap="flat" cmpd="sng" algn="ctr">
+                      <a:solidFill>
+                        <a:schemeClr val="bg1"/>
+                      </a:solidFill>
+                      <a:prstDash val="solid"/>
+                      <a:round/>
+                      <a:headEnd type="none" w="med" len="med"/>
+                      <a:tailEnd type="none" w="med" len="med"/>
+                    </a:lnB>
+                    <a:lnTlToBr w="12700" cmpd="sng">
+                      <a:noFill/>
+                      <a:prstDash val="solid"/>
+                    </a:lnTlToBr>
+                    <a:lnBlToTr w="12700" cmpd="sng">
+                      <a:noFill/>
+                      <a:prstDash val="solid"/>
+                    </a:lnBlToTr>
+                    <a:noFill/>
+                  </a:tcPr>
+                </a:tc>
+                <a:tc>
+                  <a:txBody>
+                    <a:bodyPr/>
+                    <a:lstStyle/>
+                    <a:p>
+                      <a:pPr algn="ctr" latinLnBrk="1"/>
+                      <a:endParaRPr lang="ko-KR" altLang="en-US" dirty="0"/>
+                    </a:p>
+                  </a:txBody>
+                  <a:tcPr anchor="ctr">
+                    <a:lnL w="12700" cap="flat" cmpd="sng" algn="ctr">
+                      <a:solidFill>
+                        <a:schemeClr val="bg1"/>
+                      </a:solidFill>
+                      <a:prstDash val="solid"/>
+                      <a:round/>
+                      <a:headEnd type="none" w="med" len="med"/>
+                      <a:tailEnd type="none" w="med" len="med"/>
+                    </a:lnL>
+                    <a:lnR w="12700" cap="flat" cmpd="sng" algn="ctr">
+                      <a:solidFill>
+                        <a:schemeClr val="bg1"/>
+                      </a:solidFill>
+                      <a:prstDash val="solid"/>
+                      <a:round/>
+                      <a:headEnd type="none" w="med" len="med"/>
+                      <a:tailEnd type="none" w="med" len="med"/>
+                    </a:lnR>
+                    <a:lnT w="12700" cap="flat" cmpd="sng" algn="ctr">
+                      <a:solidFill>
+                        <a:schemeClr val="bg1"/>
+                      </a:solidFill>
+                      <a:prstDash val="solid"/>
+                      <a:round/>
+                      <a:headEnd type="none" w="med" len="med"/>
+                      <a:tailEnd type="none" w="med" len="med"/>
+                    </a:lnT>
+                    <a:lnB w="12700" cap="flat" cmpd="sng" algn="ctr">
+                      <a:solidFill>
+                        <a:schemeClr val="bg1"/>
+                      </a:solidFill>
+                      <a:prstDash val="solid"/>
+                      <a:round/>
+                      <a:headEnd type="none" w="med" len="med"/>
+                      <a:tailEnd type="none" w="med" len="med"/>
+                    </a:lnB>
+                    <a:lnTlToBr w="12700" cmpd="sng">
+                      <a:noFill/>
+                      <a:prstDash val="solid"/>
+                    </a:lnTlToBr>
+                    <a:lnBlToTr w="12700" cmpd="sng">
+                      <a:noFill/>
+                      <a:prstDash val="solid"/>
+                    </a:lnBlToTr>
+                    <a:noFill/>
+                  </a:tcPr>
+                </a:tc>
+                <a:extLst>
+                  <a:ext uri="{0D108BD9-81ED-4DB2-BD59-A6C34878D82A}">
+                    <a16:rowId xmlns:a16="http://schemas.microsoft.com/office/drawing/2014/main" val="1917959396"/>
+                  </a:ext>
+                </a:extLst>
+              </a:tr>
+              <a:tr h="370840">
+                <a:tc>
+                  <a:txBody>
+                    <a:bodyPr/>
+                    <a:lstStyle/>
+                    <a:p>
+                      <a:pPr algn="ctr" latinLnBrk="1"/>
+                      <a:endParaRPr lang="ko-KR" altLang="en-US" dirty="0"/>
+                    </a:p>
+                  </a:txBody>
+                  <a:tcPr anchor="ctr">
+                    <a:lnL w="12700" cap="flat" cmpd="sng" algn="ctr">
+                      <a:solidFill>
+                        <a:schemeClr val="bg1"/>
+                      </a:solidFill>
+                      <a:prstDash val="solid"/>
+                      <a:round/>
+                      <a:headEnd type="none" w="med" len="med"/>
+                      <a:tailEnd type="none" w="med" len="med"/>
+                    </a:lnL>
+                    <a:lnR w="12700" cap="flat" cmpd="sng" algn="ctr">
+                      <a:solidFill>
+                        <a:schemeClr val="bg1"/>
+                      </a:solidFill>
+                      <a:prstDash val="solid"/>
+                      <a:round/>
+                      <a:headEnd type="none" w="med" len="med"/>
+                      <a:tailEnd type="none" w="med" len="med"/>
+                    </a:lnR>
+                    <a:lnT w="12700" cap="flat" cmpd="sng" algn="ctr">
+                      <a:solidFill>
+                        <a:schemeClr val="bg1"/>
+                      </a:solidFill>
+                      <a:prstDash val="solid"/>
+                      <a:round/>
+                      <a:headEnd type="none" w="med" len="med"/>
+                      <a:tailEnd type="none" w="med" len="med"/>
+                    </a:lnT>
+                    <a:lnB w="12700" cap="flat" cmpd="sng" algn="ctr">
+                      <a:solidFill>
+                        <a:schemeClr val="bg1"/>
+                      </a:solidFill>
+                      <a:prstDash val="solid"/>
+                      <a:round/>
+                      <a:headEnd type="none" w="med" len="med"/>
+                      <a:tailEnd type="none" w="med" len="med"/>
+                    </a:lnB>
+                    <a:lnTlToBr w="12700" cmpd="sng">
+                      <a:noFill/>
+                      <a:prstDash val="solid"/>
+                    </a:lnTlToBr>
+                    <a:lnBlToTr w="12700" cmpd="sng">
+                      <a:noFill/>
+                      <a:prstDash val="solid"/>
+                    </a:lnBlToTr>
+                    <a:noFill/>
+                  </a:tcPr>
+                </a:tc>
+                <a:tc>
+                  <a:txBody>
+                    <a:bodyPr/>
+                    <a:lstStyle/>
+                    <a:p>
+                      <a:pPr latinLnBrk="1"/>
+                      <a:endParaRPr lang="ko-KR" altLang="en-US" dirty="0"/>
+                    </a:p>
+                  </a:txBody>
+                  <a:tcPr anchor="ctr">
+                    <a:lnL w="12700" cap="flat" cmpd="sng" algn="ctr">
+                      <a:solidFill>
+                        <a:schemeClr val="bg1"/>
+                      </a:solidFill>
+                      <a:prstDash val="solid"/>
+                      <a:round/>
+                      <a:headEnd type="none" w="med" len="med"/>
+                      <a:tailEnd type="none" w="med" len="med"/>
+                    </a:lnL>
+                    <a:lnR w="12700" cap="flat" cmpd="sng" algn="ctr">
+                      <a:solidFill>
+                        <a:schemeClr val="bg1"/>
+                      </a:solidFill>
+                      <a:prstDash val="solid"/>
+                      <a:round/>
+                      <a:headEnd type="none" w="med" len="med"/>
+                      <a:tailEnd type="none" w="med" len="med"/>
+                    </a:lnR>
+                    <a:lnT w="12700" cap="flat" cmpd="sng" algn="ctr">
+                      <a:solidFill>
+                        <a:schemeClr val="bg1"/>
+                      </a:solidFill>
+                      <a:prstDash val="solid"/>
+                      <a:round/>
+                      <a:headEnd type="none" w="med" len="med"/>
+                      <a:tailEnd type="none" w="med" len="med"/>
+                    </a:lnT>
+                    <a:lnB w="12700" cap="flat" cmpd="sng" algn="ctr">
+                      <a:solidFill>
+                        <a:schemeClr val="bg1"/>
+                      </a:solidFill>
+                      <a:prstDash val="solid"/>
+                      <a:round/>
+                      <a:headEnd type="none" w="med" len="med"/>
+                      <a:tailEnd type="none" w="med" len="med"/>
+                    </a:lnB>
+                    <a:lnTlToBr w="12700" cmpd="sng">
+                      <a:noFill/>
+                      <a:prstDash val="solid"/>
+                    </a:lnTlToBr>
+                    <a:lnBlToTr w="12700" cmpd="sng">
+                      <a:noFill/>
+                      <a:prstDash val="solid"/>
+                    </a:lnBlToTr>
+                    <a:noFill/>
+                  </a:tcPr>
+                </a:tc>
+                <a:tc>
+                  <a:txBody>
+                    <a:bodyPr/>
+                    <a:lstStyle/>
+                    <a:p>
+                      <a:pPr algn="ctr" latinLnBrk="1"/>
+                      <a:endParaRPr lang="ko-KR" altLang="en-US" dirty="0"/>
+                    </a:p>
+                  </a:txBody>
+                  <a:tcPr anchor="ctr">
+                    <a:lnL w="12700" cap="flat" cmpd="sng" algn="ctr">
+                      <a:solidFill>
+                        <a:schemeClr val="bg1"/>
+                      </a:solidFill>
+                      <a:prstDash val="solid"/>
+                      <a:round/>
+                      <a:headEnd type="none" w="med" len="med"/>
+                      <a:tailEnd type="none" w="med" len="med"/>
+                    </a:lnL>
+                    <a:lnR w="12700" cap="flat" cmpd="sng" algn="ctr">
+                      <a:solidFill>
+                        <a:schemeClr val="bg1"/>
+                      </a:solidFill>
+                      <a:prstDash val="solid"/>
+                      <a:round/>
+                      <a:headEnd type="none" w="med" len="med"/>
+                      <a:tailEnd type="none" w="med" len="med"/>
+                    </a:lnR>
+                    <a:lnT w="12700" cap="flat" cmpd="sng" algn="ctr">
+                      <a:solidFill>
+                        <a:schemeClr val="bg1"/>
+                      </a:solidFill>
+                      <a:prstDash val="solid"/>
+                      <a:round/>
+                      <a:headEnd type="none" w="med" len="med"/>
+                      <a:tailEnd type="none" w="med" len="med"/>
+                    </a:lnT>
+                    <a:lnB w="12700" cap="flat" cmpd="sng" algn="ctr">
+                      <a:solidFill>
+                        <a:schemeClr val="bg1"/>
+                      </a:solidFill>
+                      <a:prstDash val="solid"/>
+                      <a:round/>
+                      <a:headEnd type="none" w="med" len="med"/>
+                      <a:tailEnd type="none" w="med" len="med"/>
+                    </a:lnB>
+                    <a:lnTlToBr w="12700" cmpd="sng">
+                      <a:noFill/>
+                      <a:prstDash val="solid"/>
+                    </a:lnTlToBr>
+                    <a:lnBlToTr w="12700" cmpd="sng">
+                      <a:noFill/>
+                      <a:prstDash val="solid"/>
+                    </a:lnBlToTr>
+                    <a:noFill/>
+                  </a:tcPr>
+                </a:tc>
+                <a:tc>
+                  <a:txBody>
+                    <a:bodyPr/>
+                    <a:lstStyle/>
+                    <a:p>
+                      <a:pPr algn="ctr" latinLnBrk="1"/>
+                      <a:endParaRPr lang="ko-KR" altLang="en-US" dirty="0"/>
+                    </a:p>
+                  </a:txBody>
+                  <a:tcPr anchor="ctr">
+                    <a:lnL w="12700" cap="flat" cmpd="sng" algn="ctr">
+                      <a:solidFill>
+                        <a:schemeClr val="bg1"/>
+                      </a:solidFill>
+                      <a:prstDash val="solid"/>
+                      <a:round/>
+                      <a:headEnd type="none" w="med" len="med"/>
+                      <a:tailEnd type="none" w="med" len="med"/>
+                    </a:lnL>
+                    <a:lnR w="12700" cap="flat" cmpd="sng" algn="ctr">
+                      <a:solidFill>
+                        <a:schemeClr val="bg1"/>
+                      </a:solidFill>
+                      <a:prstDash val="solid"/>
+                      <a:round/>
+                      <a:headEnd type="none" w="med" len="med"/>
+                      <a:tailEnd type="none" w="med" len="med"/>
+                    </a:lnR>
+                    <a:lnT w="12700" cap="flat" cmpd="sng" algn="ctr">
+                      <a:solidFill>
+                        <a:schemeClr val="bg1"/>
+                      </a:solidFill>
+                      <a:prstDash val="solid"/>
+                      <a:round/>
+                      <a:headEnd type="none" w="med" len="med"/>
+                      <a:tailEnd type="none" w="med" len="med"/>
+                    </a:lnT>
+                    <a:lnB w="12700" cap="flat" cmpd="sng" algn="ctr">
+                      <a:solidFill>
+                        <a:schemeClr val="bg1"/>
+                      </a:solidFill>
+                      <a:prstDash val="solid"/>
+                      <a:round/>
+                      <a:headEnd type="none" w="med" len="med"/>
+                      <a:tailEnd type="none" w="med" len="med"/>
+                    </a:lnB>
+                    <a:lnTlToBr w="12700" cmpd="sng">
+                      <a:noFill/>
+                      <a:prstDash val="solid"/>
+                    </a:lnTlToBr>
+                    <a:lnBlToTr w="12700" cmpd="sng">
+                      <a:noFill/>
+                      <a:prstDash val="solid"/>
+                    </a:lnBlToTr>
+                    <a:noFill/>
+                  </a:tcPr>
+                </a:tc>
+                <a:extLst>
+                  <a:ext uri="{0D108BD9-81ED-4DB2-BD59-A6C34878D82A}">
+                    <a16:rowId xmlns:a16="http://schemas.microsoft.com/office/drawing/2014/main" val="1213096087"/>
+                  </a:ext>
+                </a:extLst>
+              </a:tr>
+            </a:tbl>
+          </a:graphicData>
+        </a:graphic>
+      </p:graphicFrame>
+      <p:sp>
+        <p:nvSpPr>
+          <p:cNvPr id="2" name="직사각형 1">
+            <a:extLst>
+              <a:ext uri="{FF2B5EF4-FFF2-40B4-BE49-F238E27FC236}">
+                <a16:creationId xmlns:a16="http://schemas.microsoft.com/office/drawing/2014/main" id="{792981AE-5493-1D39-F83A-20623FAEB600}"/>
+              </a:ext>
+            </a:extLst>
+          </p:cNvPr>
+          <p:cNvSpPr/>
+          <p:nvPr/>
+        </p:nvSpPr>
+        <p:spPr>
+          <a:xfrm>
+            <a:off x="7616633" y="2596465"/>
+            <a:ext cx="914400" cy="305719"/>
+          </a:xfrm>
+          <a:prstGeom prst="rect">
+            <a:avLst/>
+          </a:prstGeom>
+          <a:noFill/>
+          <a:ln>
+            <a:noFill/>
+          </a:ln>
+        </p:spPr>
+        <p:style>
+          <a:lnRef idx="2">
+            <a:schemeClr val="accent1">
+              <a:shade val="15000"/>
+            </a:schemeClr>
+          </a:lnRef>
+          <a:fillRef idx="1">
+            <a:schemeClr val="accent1"/>
+          </a:fillRef>
+          <a:effectRef idx="0">
+            <a:schemeClr val="accent1"/>
+          </a:effectRef>
+          <a:fontRef idx="minor">
+            <a:schemeClr val="lt1"/>
+          </a:fontRef>
+        </p:style>
+        <p:txBody>
+          <a:bodyPr rtlCol="0" anchor="ctr"/>
+          <a:lstStyle/>
+          <a:p>
+            <a:pPr algn="ctr"/>
+            <a:r>
+              <a:rPr lang="en-US" altLang="ko-KR" dirty="0">
+                <a:latin typeface="DS-Digital" pitchFamily="2" charset="0"/>
+              </a:rPr>
+              <a:t>1/3</a:t>
+            </a:r>
+            <a:endParaRPr lang="ko-KR" altLang="en-US" dirty="0">
+              <a:latin typeface="DS-Digital" pitchFamily="2" charset="0"/>
+            </a:endParaRPr>
+          </a:p>
+        </p:txBody>
+      </p:sp>
+      <p:sp>
+        <p:nvSpPr>
+          <p:cNvPr id="3" name="직사각형 2">
+            <a:extLst>
+              <a:ext uri="{FF2B5EF4-FFF2-40B4-BE49-F238E27FC236}">
+                <a16:creationId xmlns:a16="http://schemas.microsoft.com/office/drawing/2014/main" id="{B8792C62-30B1-2D14-D173-A73805ED4342}"/>
+              </a:ext>
+            </a:extLst>
+          </p:cNvPr>
+          <p:cNvSpPr/>
+          <p:nvPr/>
+        </p:nvSpPr>
+        <p:spPr>
+          <a:xfrm>
+            <a:off x="7616633" y="2972376"/>
+            <a:ext cx="914400" cy="305719"/>
+          </a:xfrm>
+          <a:prstGeom prst="rect">
+            <a:avLst/>
+          </a:prstGeom>
+          <a:noFill/>
+          <a:ln>
+            <a:noFill/>
+          </a:ln>
+        </p:spPr>
+        <p:style>
+          <a:lnRef idx="2">
+            <a:schemeClr val="accent1">
+              <a:shade val="15000"/>
+            </a:schemeClr>
+          </a:lnRef>
+          <a:fillRef idx="1">
+            <a:schemeClr val="accent1"/>
+          </a:fillRef>
+          <a:effectRef idx="0">
+            <a:schemeClr val="accent1"/>
+          </a:effectRef>
+          <a:fontRef idx="minor">
+            <a:schemeClr val="lt1"/>
+          </a:fontRef>
+        </p:style>
+        <p:txBody>
+          <a:bodyPr rtlCol="0" anchor="ctr"/>
+          <a:lstStyle/>
+          <a:p>
+            <a:pPr algn="ctr"/>
+            <a:r>
+              <a:rPr lang="en-US" altLang="ko-KR" dirty="0">
+                <a:latin typeface="DS-Digital" pitchFamily="2" charset="0"/>
+              </a:rPr>
+              <a:t>2/3</a:t>
+            </a:r>
+            <a:endParaRPr lang="ko-KR" altLang="en-US" dirty="0">
+              <a:latin typeface="DS-Digital" pitchFamily="2" charset="0"/>
+            </a:endParaRPr>
+          </a:p>
+        </p:txBody>
+      </p:sp>
+      <p:sp>
+        <p:nvSpPr>
+          <p:cNvPr id="4" name="직사각형 3">
+            <a:extLst>
+              <a:ext uri="{FF2B5EF4-FFF2-40B4-BE49-F238E27FC236}">
+                <a16:creationId xmlns:a16="http://schemas.microsoft.com/office/drawing/2014/main" id="{CE0D2C67-A582-06F7-8EA8-3FF3CF4075FC}"/>
+              </a:ext>
+            </a:extLst>
+          </p:cNvPr>
+          <p:cNvSpPr/>
+          <p:nvPr/>
+        </p:nvSpPr>
+        <p:spPr>
+          <a:xfrm>
+            <a:off x="7616633" y="3342614"/>
+            <a:ext cx="914400" cy="305719"/>
+          </a:xfrm>
+          <a:prstGeom prst="rect">
+            <a:avLst/>
+          </a:prstGeom>
+          <a:noFill/>
+          <a:ln>
+            <a:noFill/>
+          </a:ln>
+        </p:spPr>
+        <p:style>
+          <a:lnRef idx="2">
+            <a:schemeClr val="accent1">
+              <a:shade val="15000"/>
+            </a:schemeClr>
+          </a:lnRef>
+          <a:fillRef idx="1">
+            <a:schemeClr val="accent1"/>
+          </a:fillRef>
+          <a:effectRef idx="0">
+            <a:schemeClr val="accent1"/>
+          </a:effectRef>
+          <a:fontRef idx="minor">
+            <a:schemeClr val="lt1"/>
+          </a:fontRef>
+        </p:style>
+        <p:txBody>
+          <a:bodyPr rtlCol="0" anchor="ctr"/>
+          <a:lstStyle/>
+          <a:p>
+            <a:pPr algn="ctr"/>
+            <a:r>
+              <a:rPr lang="en-US" altLang="ko-KR" dirty="0">
+                <a:solidFill>
+                  <a:srgbClr val="C00000"/>
+                </a:solidFill>
+                <a:latin typeface="DS-Digital" pitchFamily="2" charset="0"/>
+              </a:rPr>
+              <a:t>3/3</a:t>
+            </a:r>
+            <a:endParaRPr lang="ko-KR" altLang="en-US" dirty="0">
+              <a:solidFill>
+                <a:srgbClr val="C00000"/>
+              </a:solidFill>
+              <a:latin typeface="DS-Digital" pitchFamily="2" charset="0"/>
+            </a:endParaRPr>
+          </a:p>
+        </p:txBody>
+      </p:sp>
+      <p:sp>
+        <p:nvSpPr>
+          <p:cNvPr id="5" name="직사각형 4">
+            <a:extLst>
+              <a:ext uri="{FF2B5EF4-FFF2-40B4-BE49-F238E27FC236}">
+                <a16:creationId xmlns:a16="http://schemas.microsoft.com/office/drawing/2014/main" id="{9C0DE498-A4A1-196D-B381-E7829F32B1A2}"/>
+              </a:ext>
+            </a:extLst>
+          </p:cNvPr>
+          <p:cNvSpPr/>
+          <p:nvPr/>
+        </p:nvSpPr>
+        <p:spPr>
+          <a:xfrm>
+            <a:off x="8629983" y="2599189"/>
+            <a:ext cx="1479743" cy="305719"/>
+          </a:xfrm>
+          <a:prstGeom prst="rect">
+            <a:avLst/>
+          </a:prstGeom>
+          <a:noFill/>
+          <a:ln>
+            <a:noFill/>
+          </a:ln>
+        </p:spPr>
+        <p:style>
+          <a:lnRef idx="2">
+            <a:schemeClr val="accent1">
+              <a:shade val="15000"/>
+            </a:schemeClr>
+          </a:lnRef>
+          <a:fillRef idx="1">
+            <a:schemeClr val="accent1"/>
+          </a:fillRef>
+          <a:effectRef idx="0">
+            <a:schemeClr val="accent1"/>
+          </a:effectRef>
+          <a:fontRef idx="minor">
+            <a:schemeClr val="lt1"/>
+          </a:fontRef>
+        </p:style>
+        <p:txBody>
+          <a:bodyPr rtlCol="0" anchor="ctr"/>
+          <a:lstStyle/>
+          <a:p>
+            <a:pPr algn="ctr"/>
+            <a:r>
+              <a:rPr lang="ko-KR" altLang="en-US" sz="1400" dirty="0">
+                <a:latin typeface="나눔스퀘어 Bold" panose="020B0600000101010101" pitchFamily="50" charset="-127"/>
+                <a:ea typeface="나눔스퀘어 Bold" panose="020B0600000101010101" pitchFamily="50" charset="-127"/>
+              </a:rPr>
+              <a:t>준비 대기</a:t>
+            </a:r>
+          </a:p>
+        </p:txBody>
+      </p:sp>
+      <p:sp>
+        <p:nvSpPr>
+          <p:cNvPr id="6" name="직사각형 5">
+            <a:extLst>
+              <a:ext uri="{FF2B5EF4-FFF2-40B4-BE49-F238E27FC236}">
+                <a16:creationId xmlns:a16="http://schemas.microsoft.com/office/drawing/2014/main" id="{972FCCE0-0B94-9D30-C4CA-AE2A2C6BFF58}"/>
+              </a:ext>
+            </a:extLst>
+          </p:cNvPr>
+          <p:cNvSpPr/>
+          <p:nvPr/>
+        </p:nvSpPr>
+        <p:spPr>
+          <a:xfrm>
+            <a:off x="8629983" y="2976376"/>
+            <a:ext cx="1479743" cy="305719"/>
+          </a:xfrm>
+          <a:prstGeom prst="rect">
+            <a:avLst/>
+          </a:prstGeom>
+          <a:noFill/>
+          <a:ln>
+            <a:noFill/>
+          </a:ln>
+        </p:spPr>
+        <p:style>
+          <a:lnRef idx="2">
+            <a:schemeClr val="accent1">
+              <a:shade val="15000"/>
+            </a:schemeClr>
+          </a:lnRef>
+          <a:fillRef idx="1">
+            <a:schemeClr val="accent1"/>
+          </a:fillRef>
+          <a:effectRef idx="0">
+            <a:schemeClr val="accent1"/>
+          </a:effectRef>
+          <a:fontRef idx="minor">
+            <a:schemeClr val="lt1"/>
+          </a:fontRef>
+        </p:style>
+        <p:txBody>
+          <a:bodyPr rtlCol="0" anchor="ctr"/>
+          <a:lstStyle/>
+          <a:p>
+            <a:pPr algn="ctr"/>
+            <a:r>
+              <a:rPr lang="ko-KR" altLang="en-US" sz="1400" dirty="0">
+                <a:latin typeface="나눔스퀘어 Bold" panose="020B0600000101010101" pitchFamily="50" charset="-127"/>
+                <a:ea typeface="나눔스퀘어 Bold" panose="020B0600000101010101" pitchFamily="50" charset="-127"/>
+              </a:rPr>
+              <a:t>준비 대기</a:t>
+            </a:r>
+          </a:p>
+        </p:txBody>
+      </p:sp>
+      <p:sp>
+        <p:nvSpPr>
+          <p:cNvPr id="7" name="직사각형 6">
+            <a:extLst>
+              <a:ext uri="{FF2B5EF4-FFF2-40B4-BE49-F238E27FC236}">
+                <a16:creationId xmlns:a16="http://schemas.microsoft.com/office/drawing/2014/main" id="{F64ACF42-D791-79A2-3D29-1CE85A0964E8}"/>
+              </a:ext>
+            </a:extLst>
+          </p:cNvPr>
+          <p:cNvSpPr/>
+          <p:nvPr/>
+        </p:nvSpPr>
+        <p:spPr>
+          <a:xfrm>
+            <a:off x="8629983" y="3342614"/>
+            <a:ext cx="1479743" cy="305719"/>
+          </a:xfrm>
+          <a:prstGeom prst="rect">
+            <a:avLst/>
+          </a:prstGeom>
+          <a:noFill/>
+          <a:ln>
+            <a:noFill/>
+          </a:ln>
+        </p:spPr>
+        <p:style>
+          <a:lnRef idx="2">
+            <a:schemeClr val="accent1">
+              <a:shade val="15000"/>
+            </a:schemeClr>
+          </a:lnRef>
+          <a:fillRef idx="1">
+            <a:schemeClr val="accent1"/>
+          </a:fillRef>
+          <a:effectRef idx="0">
+            <a:schemeClr val="accent1"/>
+          </a:effectRef>
+          <a:fontRef idx="minor">
+            <a:schemeClr val="lt1"/>
+          </a:fontRef>
+        </p:style>
+        <p:txBody>
+          <a:bodyPr rtlCol="0" anchor="ctr"/>
+          <a:lstStyle/>
+          <a:p>
+            <a:pPr algn="ctr"/>
+            <a:r>
+              <a:rPr lang="ko-KR" altLang="en-US" sz="1400" dirty="0">
+                <a:latin typeface="나눔스퀘어 Bold" panose="020B0600000101010101" pitchFamily="50" charset="-127"/>
+                <a:ea typeface="나눔스퀘어 Bold" panose="020B0600000101010101" pitchFamily="50" charset="-127"/>
+              </a:rPr>
+              <a:t>준비 대기</a:t>
+            </a:r>
+          </a:p>
+        </p:txBody>
+      </p:sp>
+      <p:sp>
+        <p:nvSpPr>
+          <p:cNvPr id="9" name="직사각형 8">
+            <a:extLst>
+              <a:ext uri="{FF2B5EF4-FFF2-40B4-BE49-F238E27FC236}">
+                <a16:creationId xmlns:a16="http://schemas.microsoft.com/office/drawing/2014/main" id="{FD026600-B85D-5D2B-6121-BB2DA9ABA77D}"/>
+              </a:ext>
+            </a:extLst>
+          </p:cNvPr>
+          <p:cNvSpPr/>
+          <p:nvPr/>
+        </p:nvSpPr>
+        <p:spPr>
+          <a:xfrm>
+            <a:off x="8629983" y="3718525"/>
+            <a:ext cx="1479742" cy="305719"/>
+          </a:xfrm>
+          <a:prstGeom prst="rect">
+            <a:avLst/>
+          </a:prstGeom>
+          <a:noFill/>
+          <a:ln>
+            <a:noFill/>
+          </a:ln>
+        </p:spPr>
+        <p:style>
+          <a:lnRef idx="2">
+            <a:schemeClr val="accent1">
+              <a:shade val="15000"/>
+            </a:schemeClr>
+          </a:lnRef>
+          <a:fillRef idx="1">
+            <a:schemeClr val="accent1"/>
+          </a:fillRef>
+          <a:effectRef idx="0">
+            <a:schemeClr val="accent1"/>
+          </a:effectRef>
+          <a:fontRef idx="minor">
+            <a:schemeClr val="lt1"/>
+          </a:fontRef>
+        </p:style>
+        <p:txBody>
+          <a:bodyPr rtlCol="0" anchor="ctr"/>
+          <a:lstStyle/>
+          <a:p>
+            <a:pPr algn="ctr"/>
+            <a:r>
+              <a:rPr lang="ko-KR" altLang="en-US" sz="1400" dirty="0">
+                <a:solidFill>
+                  <a:srgbClr val="C00000"/>
+                </a:solidFill>
+                <a:latin typeface="나눔스퀘어 Bold" panose="020B0600000101010101" pitchFamily="50" charset="-127"/>
+                <a:ea typeface="나눔스퀘어 Bold" panose="020B0600000101010101" pitchFamily="50" charset="-127"/>
+              </a:rPr>
+              <a:t>준비 완료</a:t>
+            </a:r>
+          </a:p>
+        </p:txBody>
+      </p:sp>
+      <p:sp>
+        <p:nvSpPr>
+          <p:cNvPr id="10" name="직사각형 9">
+            <a:extLst>
+              <a:ext uri="{FF2B5EF4-FFF2-40B4-BE49-F238E27FC236}">
+                <a16:creationId xmlns:a16="http://schemas.microsoft.com/office/drawing/2014/main" id="{86AFDD4C-B97C-A76D-28EC-A07F70705BF6}"/>
+              </a:ext>
+            </a:extLst>
+          </p:cNvPr>
+          <p:cNvSpPr/>
+          <p:nvPr/>
+        </p:nvSpPr>
+        <p:spPr>
+          <a:xfrm>
+            <a:off x="8629982" y="4082532"/>
+            <a:ext cx="1479741" cy="305719"/>
+          </a:xfrm>
+          <a:prstGeom prst="rect">
+            <a:avLst/>
+          </a:prstGeom>
+          <a:noFill/>
+          <a:ln>
+            <a:noFill/>
+          </a:ln>
+        </p:spPr>
+        <p:style>
+          <a:lnRef idx="2">
+            <a:schemeClr val="accent1">
+              <a:shade val="15000"/>
+            </a:schemeClr>
+          </a:lnRef>
+          <a:fillRef idx="1">
+            <a:schemeClr val="accent1"/>
+          </a:fillRef>
+          <a:effectRef idx="0">
+            <a:schemeClr val="accent1"/>
+          </a:effectRef>
+          <a:fontRef idx="minor">
+            <a:schemeClr val="lt1"/>
+          </a:fontRef>
+        </p:style>
+        <p:txBody>
+          <a:bodyPr rtlCol="0" anchor="ctr"/>
+          <a:lstStyle/>
+          <a:p>
+            <a:pPr algn="ctr"/>
+            <a:r>
+              <a:rPr lang="ko-KR" altLang="en-US" sz="1400" dirty="0">
+                <a:solidFill>
+                  <a:srgbClr val="C00000"/>
+                </a:solidFill>
+                <a:latin typeface="나눔스퀘어 Bold" panose="020B0600000101010101" pitchFamily="50" charset="-127"/>
+                <a:ea typeface="나눔스퀘어 Bold" panose="020B0600000101010101" pitchFamily="50" charset="-127"/>
+              </a:rPr>
+              <a:t>게임 중</a:t>
+            </a:r>
+          </a:p>
+        </p:txBody>
+      </p:sp>
+      <p:sp>
+        <p:nvSpPr>
+          <p:cNvPr id="11" name="직사각형 10">
+            <a:extLst>
+              <a:ext uri="{FF2B5EF4-FFF2-40B4-BE49-F238E27FC236}">
+                <a16:creationId xmlns:a16="http://schemas.microsoft.com/office/drawing/2014/main" id="{28055EDA-3ABD-FCBF-64E0-8D4A87DB473C}"/>
+              </a:ext>
+            </a:extLst>
+          </p:cNvPr>
+          <p:cNvSpPr/>
+          <p:nvPr/>
+        </p:nvSpPr>
+        <p:spPr>
+          <a:xfrm>
+            <a:off x="7616633" y="3718525"/>
+            <a:ext cx="914400" cy="305719"/>
+          </a:xfrm>
+          <a:prstGeom prst="rect">
+            <a:avLst/>
+          </a:prstGeom>
+          <a:noFill/>
+          <a:ln>
+            <a:noFill/>
+          </a:ln>
+        </p:spPr>
+        <p:style>
+          <a:lnRef idx="2">
+            <a:schemeClr val="accent1">
+              <a:shade val="15000"/>
+            </a:schemeClr>
+          </a:lnRef>
+          <a:fillRef idx="1">
+            <a:schemeClr val="accent1"/>
+          </a:fillRef>
+          <a:effectRef idx="0">
+            <a:schemeClr val="accent1"/>
+          </a:effectRef>
+          <a:fontRef idx="minor">
+            <a:schemeClr val="lt1"/>
+          </a:fontRef>
+        </p:style>
+        <p:txBody>
+          <a:bodyPr rtlCol="0" anchor="ctr"/>
+          <a:lstStyle/>
+          <a:p>
+            <a:pPr algn="ctr"/>
+            <a:r>
+              <a:rPr lang="en-US" altLang="ko-KR" dirty="0">
+                <a:solidFill>
+                  <a:srgbClr val="C00000"/>
+                </a:solidFill>
+                <a:latin typeface="DS-Digital" pitchFamily="2" charset="0"/>
+              </a:rPr>
+              <a:t>3/3</a:t>
+            </a:r>
+            <a:endParaRPr lang="ko-KR" altLang="en-US" dirty="0">
+              <a:solidFill>
+                <a:srgbClr val="C00000"/>
+              </a:solidFill>
+              <a:latin typeface="DS-Digital" pitchFamily="2" charset="0"/>
+            </a:endParaRPr>
+          </a:p>
+        </p:txBody>
+      </p:sp>
+      <p:sp>
+        <p:nvSpPr>
+          <p:cNvPr id="12" name="직사각형 11">
+            <a:extLst>
+              <a:ext uri="{FF2B5EF4-FFF2-40B4-BE49-F238E27FC236}">
+                <a16:creationId xmlns:a16="http://schemas.microsoft.com/office/drawing/2014/main" id="{A3B56CDB-82FC-798E-3519-FC5DAC2202BC}"/>
+              </a:ext>
+            </a:extLst>
+          </p:cNvPr>
+          <p:cNvSpPr/>
+          <p:nvPr/>
+        </p:nvSpPr>
+        <p:spPr>
+          <a:xfrm>
+            <a:off x="7616633" y="4082531"/>
+            <a:ext cx="914400" cy="305719"/>
+          </a:xfrm>
+          <a:prstGeom prst="rect">
+            <a:avLst/>
+          </a:prstGeom>
+          <a:noFill/>
+          <a:ln>
+            <a:noFill/>
+          </a:ln>
+        </p:spPr>
+        <p:style>
+          <a:lnRef idx="2">
+            <a:schemeClr val="accent1">
+              <a:shade val="15000"/>
+            </a:schemeClr>
+          </a:lnRef>
+          <a:fillRef idx="1">
+            <a:schemeClr val="accent1"/>
+          </a:fillRef>
+          <a:effectRef idx="0">
+            <a:schemeClr val="accent1"/>
+          </a:effectRef>
+          <a:fontRef idx="minor">
+            <a:schemeClr val="lt1"/>
+          </a:fontRef>
+        </p:style>
+        <p:txBody>
+          <a:bodyPr rtlCol="0" anchor="ctr"/>
+          <a:lstStyle/>
+          <a:p>
+            <a:pPr algn="ctr"/>
+            <a:r>
+              <a:rPr lang="en-US" altLang="ko-KR" dirty="0">
+                <a:solidFill>
+                  <a:srgbClr val="C00000"/>
+                </a:solidFill>
+                <a:latin typeface="DS-Digital" pitchFamily="2" charset="0"/>
+              </a:rPr>
+              <a:t>3/3</a:t>
+            </a:r>
+            <a:endParaRPr lang="ko-KR" altLang="en-US" dirty="0">
+              <a:solidFill>
+                <a:srgbClr val="C00000"/>
+              </a:solidFill>
+              <a:latin typeface="DS-Digital" pitchFamily="2" charset="0"/>
+            </a:endParaRPr>
+          </a:p>
+        </p:txBody>
+      </p:sp>
+      <p:sp>
+        <p:nvSpPr>
+          <p:cNvPr id="13" name="직사각형 12">
+            <a:extLst>
+              <a:ext uri="{FF2B5EF4-FFF2-40B4-BE49-F238E27FC236}">
+                <a16:creationId xmlns:a16="http://schemas.microsoft.com/office/drawing/2014/main" id="{85852FDB-42B7-57F5-E6C0-DB7BBDCAEB7C}"/>
+              </a:ext>
+            </a:extLst>
+          </p:cNvPr>
+          <p:cNvSpPr/>
+          <p:nvPr/>
+        </p:nvSpPr>
+        <p:spPr>
+          <a:xfrm>
+            <a:off x="7616633" y="4458442"/>
+            <a:ext cx="914400" cy="305719"/>
+          </a:xfrm>
+          <a:prstGeom prst="rect">
+            <a:avLst/>
+          </a:prstGeom>
+          <a:noFill/>
+          <a:ln>
+            <a:noFill/>
+          </a:ln>
+        </p:spPr>
+        <p:style>
+          <a:lnRef idx="2">
+            <a:schemeClr val="accent1">
+              <a:shade val="15000"/>
+            </a:schemeClr>
+          </a:lnRef>
+          <a:fillRef idx="1">
+            <a:schemeClr val="accent1"/>
+          </a:fillRef>
+          <a:effectRef idx="0">
+            <a:schemeClr val="accent1"/>
+          </a:effectRef>
+          <a:fontRef idx="minor">
+            <a:schemeClr val="lt1"/>
+          </a:fontRef>
+        </p:style>
+        <p:txBody>
+          <a:bodyPr rtlCol="0" anchor="ctr"/>
+          <a:lstStyle/>
+          <a:p>
+            <a:pPr algn="ctr"/>
+            <a:r>
+              <a:rPr lang="en-US" altLang="ko-KR" dirty="0">
+                <a:solidFill>
+                  <a:srgbClr val="C00000"/>
+                </a:solidFill>
+                <a:latin typeface="DS-Digital" pitchFamily="2" charset="0"/>
+              </a:rPr>
+              <a:t>3/3</a:t>
+            </a:r>
+            <a:endParaRPr lang="ko-KR" altLang="en-US" dirty="0">
+              <a:solidFill>
+                <a:srgbClr val="C00000"/>
+              </a:solidFill>
+              <a:latin typeface="DS-Digital" pitchFamily="2" charset="0"/>
+            </a:endParaRPr>
+          </a:p>
+        </p:txBody>
+      </p:sp>
+      <p:sp>
+        <p:nvSpPr>
+          <p:cNvPr id="14" name="직사각형 13">
+            <a:extLst>
+              <a:ext uri="{FF2B5EF4-FFF2-40B4-BE49-F238E27FC236}">
+                <a16:creationId xmlns:a16="http://schemas.microsoft.com/office/drawing/2014/main" id="{C450F80D-D864-FB89-0CEA-91A2A071EE0F}"/>
+              </a:ext>
+            </a:extLst>
+          </p:cNvPr>
+          <p:cNvSpPr/>
+          <p:nvPr/>
+        </p:nvSpPr>
+        <p:spPr>
+          <a:xfrm>
+            <a:off x="8629982" y="4458442"/>
+            <a:ext cx="1479741" cy="305719"/>
+          </a:xfrm>
+          <a:prstGeom prst="rect">
+            <a:avLst/>
+          </a:prstGeom>
+          <a:noFill/>
+          <a:ln>
+            <a:noFill/>
+          </a:ln>
+        </p:spPr>
+        <p:style>
+          <a:lnRef idx="2">
+            <a:schemeClr val="accent1">
+              <a:shade val="15000"/>
+            </a:schemeClr>
+          </a:lnRef>
+          <a:fillRef idx="1">
+            <a:schemeClr val="accent1"/>
+          </a:fillRef>
+          <a:effectRef idx="0">
+            <a:schemeClr val="accent1"/>
+          </a:effectRef>
+          <a:fontRef idx="minor">
+            <a:schemeClr val="lt1"/>
+          </a:fontRef>
+        </p:style>
+        <p:txBody>
+          <a:bodyPr rtlCol="0" anchor="ctr"/>
+          <a:lstStyle/>
+          <a:p>
+            <a:pPr algn="ctr"/>
+            <a:r>
+              <a:rPr lang="ko-KR" altLang="en-US" sz="1400" dirty="0">
+                <a:solidFill>
+                  <a:srgbClr val="C00000"/>
+                </a:solidFill>
+                <a:latin typeface="나눔스퀘어 Bold" panose="020B0600000101010101" pitchFamily="50" charset="-127"/>
+                <a:ea typeface="나눔스퀘어 Bold" panose="020B0600000101010101" pitchFamily="50" charset="-127"/>
+              </a:rPr>
+              <a:t>게임 중</a:t>
+            </a:r>
+          </a:p>
+        </p:txBody>
+      </p:sp>
+      <p:grpSp>
+        <p:nvGrpSpPr>
+          <p:cNvPr id="25" name="그룹 24">
+            <a:extLst>
+              <a:ext uri="{FF2B5EF4-FFF2-40B4-BE49-F238E27FC236}">
+                <a16:creationId xmlns:a16="http://schemas.microsoft.com/office/drawing/2014/main" id="{BCDF17A5-757E-3410-0762-8CD27A284FA3}"/>
+              </a:ext>
+            </a:extLst>
+          </p:cNvPr>
+          <p:cNvGrpSpPr/>
+          <p:nvPr/>
+        </p:nvGrpSpPr>
+        <p:grpSpPr>
+          <a:xfrm>
+            <a:off x="10555824" y="2202999"/>
+            <a:ext cx="2261066" cy="3435804"/>
+            <a:chOff x="10555824" y="2202999"/>
+            <a:chExt cx="2261066" cy="3435804"/>
+          </a:xfrm>
+        </p:grpSpPr>
+        <p:sp>
+          <p:nvSpPr>
+            <p:cNvPr id="15" name="직사각형 14">
+              <a:extLst>
+                <a:ext uri="{FF2B5EF4-FFF2-40B4-BE49-F238E27FC236}">
+                  <a16:creationId xmlns:a16="http://schemas.microsoft.com/office/drawing/2014/main" id="{EC18A6AF-CB33-AFF6-9275-46A43405594A}"/>
+                </a:ext>
+              </a:extLst>
+            </p:cNvPr>
+            <p:cNvSpPr/>
+            <p:nvPr/>
+          </p:nvSpPr>
+          <p:spPr>
+            <a:xfrm>
+              <a:off x="10555824" y="2202999"/>
+              <a:ext cx="2261066" cy="3435804"/>
+            </a:xfrm>
+            <a:prstGeom prst="rect">
+              <a:avLst/>
+            </a:prstGeom>
+          </p:spPr>
+          <p:style>
+            <a:lnRef idx="2">
+              <a:schemeClr val="accent1">
+                <a:shade val="15000"/>
+              </a:schemeClr>
+            </a:lnRef>
+            <a:fillRef idx="1">
+              <a:schemeClr val="accent1"/>
+            </a:fillRef>
+            <a:effectRef idx="0">
+              <a:schemeClr val="accent1"/>
+            </a:effectRef>
+            <a:fontRef idx="minor">
+              <a:schemeClr val="lt1"/>
+            </a:fontRef>
+          </p:style>
+          <p:txBody>
+            <a:bodyPr rtlCol="0" anchor="ctr"/>
+            <a:lstStyle/>
+            <a:p>
+              <a:pPr algn="ctr"/>
+              <a:endParaRPr lang="ko-KR" altLang="en-US" dirty="0"/>
+            </a:p>
+          </p:txBody>
+        </p:sp>
+        <p:grpSp>
+          <p:nvGrpSpPr>
+            <p:cNvPr id="23" name="그룹 22">
+              <a:extLst>
+                <a:ext uri="{FF2B5EF4-FFF2-40B4-BE49-F238E27FC236}">
+                  <a16:creationId xmlns:a16="http://schemas.microsoft.com/office/drawing/2014/main" id="{3D2FF170-75A0-C188-A6BF-BE6772252C66}"/>
+                </a:ext>
+              </a:extLst>
+            </p:cNvPr>
+            <p:cNvGrpSpPr/>
+            <p:nvPr/>
+          </p:nvGrpSpPr>
+          <p:grpSpPr>
+            <a:xfrm>
+              <a:off x="11337147" y="2202999"/>
+              <a:ext cx="1479743" cy="917157"/>
+              <a:chOff x="11337147" y="2202999"/>
+              <a:chExt cx="1479743" cy="917157"/>
+            </a:xfrm>
+          </p:grpSpPr>
+          <p:sp>
+            <p:nvSpPr>
+              <p:cNvPr id="16" name="직사각형 15">
+                <a:extLst>
+                  <a:ext uri="{FF2B5EF4-FFF2-40B4-BE49-F238E27FC236}">
+                    <a16:creationId xmlns:a16="http://schemas.microsoft.com/office/drawing/2014/main" id="{50AC6EEE-E39B-59C7-A6C5-EED6E0AE273B}"/>
+                  </a:ext>
+                </a:extLst>
+              </p:cNvPr>
+              <p:cNvSpPr/>
+              <p:nvPr/>
+            </p:nvSpPr>
+            <p:spPr>
+              <a:xfrm>
+                <a:off x="11337147" y="2202999"/>
+                <a:ext cx="1479743" cy="305719"/>
+              </a:xfrm>
+              <a:prstGeom prst="rect">
+                <a:avLst/>
+              </a:prstGeom>
+              <a:noFill/>
+              <a:ln>
+                <a:solidFill>
+                  <a:schemeClr val="tx1"/>
+                </a:solidFill>
+              </a:ln>
+            </p:spPr>
+            <p:style>
+              <a:lnRef idx="2">
+                <a:schemeClr val="accent1">
+                  <a:shade val="15000"/>
+                </a:schemeClr>
+              </a:lnRef>
+              <a:fillRef idx="1">
+                <a:schemeClr val="accent1"/>
+              </a:fillRef>
+              <a:effectRef idx="0">
+                <a:schemeClr val="accent1"/>
+              </a:effectRef>
+              <a:fontRef idx="minor">
+                <a:schemeClr val="lt1"/>
+              </a:fontRef>
+            </p:style>
+            <p:txBody>
+              <a:bodyPr rtlCol="0" anchor="ctr"/>
+              <a:lstStyle/>
+              <a:p>
+                <a:pPr algn="ctr"/>
+                <a:r>
+                  <a:rPr lang="ko-KR" altLang="en-US" sz="1400" dirty="0">
+                    <a:latin typeface="나눔스퀘어 Bold" panose="020B0600000101010101" pitchFamily="50" charset="-127"/>
+                    <a:ea typeface="나눔스퀘어 Bold" panose="020B0600000101010101" pitchFamily="50" charset="-127"/>
+                  </a:rPr>
+                  <a:t>준비 대기</a:t>
+                </a:r>
+              </a:p>
+            </p:txBody>
+          </p:sp>
+          <p:sp>
+            <p:nvSpPr>
+              <p:cNvPr id="17" name="직사각형 16">
+                <a:extLst>
+                  <a:ext uri="{FF2B5EF4-FFF2-40B4-BE49-F238E27FC236}">
+                    <a16:creationId xmlns:a16="http://schemas.microsoft.com/office/drawing/2014/main" id="{FB2BA626-0FBE-5595-8C18-82D1C138983B}"/>
+                  </a:ext>
+                </a:extLst>
+              </p:cNvPr>
+              <p:cNvSpPr/>
+              <p:nvPr/>
+            </p:nvSpPr>
+            <p:spPr>
+              <a:xfrm>
+                <a:off x="11337148" y="2508718"/>
+                <a:ext cx="1479742" cy="305719"/>
+              </a:xfrm>
+              <a:prstGeom prst="rect">
+                <a:avLst/>
+              </a:prstGeom>
+              <a:noFill/>
+              <a:ln>
+                <a:solidFill>
+                  <a:schemeClr val="tx1"/>
+                </a:solidFill>
+              </a:ln>
+            </p:spPr>
+            <p:style>
+              <a:lnRef idx="2">
+                <a:schemeClr val="accent1">
+                  <a:shade val="15000"/>
+                </a:schemeClr>
+              </a:lnRef>
+              <a:fillRef idx="1">
+                <a:schemeClr val="accent1"/>
+              </a:fillRef>
+              <a:effectRef idx="0">
+                <a:schemeClr val="accent1"/>
+              </a:effectRef>
+              <a:fontRef idx="minor">
+                <a:schemeClr val="lt1"/>
+              </a:fontRef>
+            </p:style>
+            <p:txBody>
+              <a:bodyPr rtlCol="0" anchor="ctr"/>
+              <a:lstStyle/>
+              <a:p>
+                <a:pPr algn="ctr"/>
+                <a:r>
+                  <a:rPr lang="ko-KR" altLang="en-US" sz="1400" dirty="0">
+                    <a:solidFill>
+                      <a:srgbClr val="C00000"/>
+                    </a:solidFill>
+                    <a:latin typeface="나눔스퀘어 Bold" panose="020B0600000101010101" pitchFamily="50" charset="-127"/>
+                    <a:ea typeface="나눔스퀘어 Bold" panose="020B0600000101010101" pitchFamily="50" charset="-127"/>
+                  </a:rPr>
+                  <a:t>준비 완료</a:t>
+                </a:r>
+              </a:p>
+            </p:txBody>
+          </p:sp>
+          <p:sp>
+            <p:nvSpPr>
+              <p:cNvPr id="18" name="직사각형 17">
+                <a:extLst>
+                  <a:ext uri="{FF2B5EF4-FFF2-40B4-BE49-F238E27FC236}">
+                    <a16:creationId xmlns:a16="http://schemas.microsoft.com/office/drawing/2014/main" id="{1AC402F7-CBB7-E81D-7636-E63B8F3DA970}"/>
+                  </a:ext>
+                </a:extLst>
+              </p:cNvPr>
+              <p:cNvSpPr/>
+              <p:nvPr/>
+            </p:nvSpPr>
+            <p:spPr>
+              <a:xfrm>
+                <a:off x="11337147" y="2814437"/>
+                <a:ext cx="1479741" cy="305719"/>
+              </a:xfrm>
+              <a:prstGeom prst="rect">
+                <a:avLst/>
+              </a:prstGeom>
+              <a:noFill/>
+              <a:ln>
+                <a:solidFill>
+                  <a:schemeClr val="tx1"/>
+                </a:solidFill>
+              </a:ln>
+            </p:spPr>
+            <p:style>
+              <a:lnRef idx="2">
+                <a:schemeClr val="accent1">
+                  <a:shade val="15000"/>
+                </a:schemeClr>
+              </a:lnRef>
+              <a:fillRef idx="1">
+                <a:schemeClr val="accent1"/>
+              </a:fillRef>
+              <a:effectRef idx="0">
+                <a:schemeClr val="accent1"/>
+              </a:effectRef>
+              <a:fontRef idx="minor">
+                <a:schemeClr val="lt1"/>
+              </a:fontRef>
+            </p:style>
+            <p:txBody>
+              <a:bodyPr rtlCol="0" anchor="ctr"/>
+              <a:lstStyle/>
+              <a:p>
+                <a:pPr algn="ctr"/>
+                <a:r>
+                  <a:rPr lang="ko-KR" altLang="en-US" sz="1400" dirty="0">
+                    <a:solidFill>
+                      <a:srgbClr val="C00000"/>
+                    </a:solidFill>
+                    <a:latin typeface="나눔스퀘어 Bold" panose="020B0600000101010101" pitchFamily="50" charset="-127"/>
+                    <a:ea typeface="나눔스퀘어 Bold" panose="020B0600000101010101" pitchFamily="50" charset="-127"/>
+                  </a:rPr>
+                  <a:t>게임 중</a:t>
+                </a:r>
+              </a:p>
+            </p:txBody>
+          </p:sp>
+        </p:grpSp>
+        <p:grpSp>
+          <p:nvGrpSpPr>
+            <p:cNvPr id="24" name="그룹 23">
+              <a:extLst>
+                <a:ext uri="{FF2B5EF4-FFF2-40B4-BE49-F238E27FC236}">
+                  <a16:creationId xmlns:a16="http://schemas.microsoft.com/office/drawing/2014/main" id="{D7A11F18-DA15-C1CE-D46A-431DC5066AC2}"/>
+                </a:ext>
+              </a:extLst>
+            </p:cNvPr>
+            <p:cNvGrpSpPr/>
+            <p:nvPr/>
+          </p:nvGrpSpPr>
+          <p:grpSpPr>
+            <a:xfrm>
+              <a:off x="10603448" y="3183872"/>
+              <a:ext cx="914400" cy="917157"/>
+              <a:chOff x="10603448" y="3183872"/>
+              <a:chExt cx="914400" cy="917157"/>
+            </a:xfrm>
+          </p:grpSpPr>
+          <p:sp>
+            <p:nvSpPr>
+              <p:cNvPr id="19" name="직사각형 18">
+                <a:extLst>
+                  <a:ext uri="{FF2B5EF4-FFF2-40B4-BE49-F238E27FC236}">
+                    <a16:creationId xmlns:a16="http://schemas.microsoft.com/office/drawing/2014/main" id="{3397E75D-79DE-AB48-CEA0-C129B0401286}"/>
+                  </a:ext>
+                </a:extLst>
+              </p:cNvPr>
+              <p:cNvSpPr/>
+              <p:nvPr/>
+            </p:nvSpPr>
+            <p:spPr>
+              <a:xfrm>
+                <a:off x="10603448" y="3183872"/>
+                <a:ext cx="914400" cy="305719"/>
+              </a:xfrm>
+              <a:prstGeom prst="rect">
+                <a:avLst/>
+              </a:prstGeom>
+              <a:noFill/>
+              <a:ln>
+                <a:solidFill>
+                  <a:schemeClr val="tx1"/>
+                </a:solidFill>
+              </a:ln>
+            </p:spPr>
+            <p:style>
+              <a:lnRef idx="2">
+                <a:schemeClr val="accent1">
+                  <a:shade val="15000"/>
+                </a:schemeClr>
+              </a:lnRef>
+              <a:fillRef idx="1">
+                <a:schemeClr val="accent1"/>
+              </a:fillRef>
+              <a:effectRef idx="0">
+                <a:schemeClr val="accent1"/>
+              </a:effectRef>
+              <a:fontRef idx="minor">
+                <a:schemeClr val="lt1"/>
+              </a:fontRef>
+            </p:style>
+            <p:txBody>
+              <a:bodyPr rtlCol="0" anchor="ctr"/>
+              <a:lstStyle/>
+              <a:p>
+                <a:pPr algn="ctr"/>
+                <a:r>
+                  <a:rPr lang="en-US" altLang="ko-KR" dirty="0">
+                    <a:latin typeface="DS-Digital" pitchFamily="2" charset="0"/>
+                  </a:rPr>
+                  <a:t>1/3</a:t>
+                </a:r>
+                <a:endParaRPr lang="ko-KR" altLang="en-US" dirty="0">
+                  <a:latin typeface="DS-Digital" pitchFamily="2" charset="0"/>
+                </a:endParaRPr>
+              </a:p>
+            </p:txBody>
+          </p:sp>
+          <p:sp>
+            <p:nvSpPr>
+              <p:cNvPr id="21" name="직사각형 20">
+                <a:extLst>
+                  <a:ext uri="{FF2B5EF4-FFF2-40B4-BE49-F238E27FC236}">
+                    <a16:creationId xmlns:a16="http://schemas.microsoft.com/office/drawing/2014/main" id="{1F6E5DFA-2B98-3EA2-88EB-4E93CB3D9CB6}"/>
+                  </a:ext>
+                </a:extLst>
+              </p:cNvPr>
+              <p:cNvSpPr/>
+              <p:nvPr/>
+            </p:nvSpPr>
+            <p:spPr>
+              <a:xfrm>
+                <a:off x="10603448" y="3489591"/>
+                <a:ext cx="914400" cy="305719"/>
+              </a:xfrm>
+              <a:prstGeom prst="rect">
+                <a:avLst/>
+              </a:prstGeom>
+              <a:noFill/>
+              <a:ln>
+                <a:solidFill>
+                  <a:schemeClr val="tx1"/>
+                </a:solidFill>
+              </a:ln>
+            </p:spPr>
+            <p:style>
+              <a:lnRef idx="2">
+                <a:schemeClr val="accent1">
+                  <a:shade val="15000"/>
+                </a:schemeClr>
+              </a:lnRef>
+              <a:fillRef idx="1">
+                <a:schemeClr val="accent1"/>
+              </a:fillRef>
+              <a:effectRef idx="0">
+                <a:schemeClr val="accent1"/>
+              </a:effectRef>
+              <a:fontRef idx="minor">
+                <a:schemeClr val="lt1"/>
+              </a:fontRef>
+            </p:style>
+            <p:txBody>
+              <a:bodyPr rtlCol="0" anchor="ctr"/>
+              <a:lstStyle/>
+              <a:p>
+                <a:pPr algn="ctr"/>
+                <a:r>
+                  <a:rPr lang="en-US" altLang="ko-KR" dirty="0">
+                    <a:latin typeface="DS-Digital" pitchFamily="2" charset="0"/>
+                  </a:rPr>
+                  <a:t>2/3</a:t>
+                </a:r>
+                <a:endParaRPr lang="ko-KR" altLang="en-US" dirty="0">
+                  <a:latin typeface="DS-Digital" pitchFamily="2" charset="0"/>
+                </a:endParaRPr>
+              </a:p>
+            </p:txBody>
+          </p:sp>
+          <p:sp>
+            <p:nvSpPr>
+              <p:cNvPr id="22" name="직사각형 21">
+                <a:extLst>
+                  <a:ext uri="{FF2B5EF4-FFF2-40B4-BE49-F238E27FC236}">
+                    <a16:creationId xmlns:a16="http://schemas.microsoft.com/office/drawing/2014/main" id="{3B34B41D-9631-7CE6-3159-52197D4DB7EB}"/>
+                  </a:ext>
+                </a:extLst>
+              </p:cNvPr>
+              <p:cNvSpPr/>
+              <p:nvPr/>
+            </p:nvSpPr>
+            <p:spPr>
+              <a:xfrm>
+                <a:off x="10603448" y="3795310"/>
+                <a:ext cx="914400" cy="305719"/>
+              </a:xfrm>
+              <a:prstGeom prst="rect">
+                <a:avLst/>
+              </a:prstGeom>
+              <a:noFill/>
+              <a:ln>
+                <a:solidFill>
+                  <a:schemeClr val="tx1"/>
+                </a:solidFill>
+              </a:ln>
+            </p:spPr>
+            <p:style>
+              <a:lnRef idx="2">
+                <a:schemeClr val="accent1">
+                  <a:shade val="15000"/>
+                </a:schemeClr>
+              </a:lnRef>
+              <a:fillRef idx="1">
+                <a:schemeClr val="accent1"/>
+              </a:fillRef>
+              <a:effectRef idx="0">
+                <a:schemeClr val="accent1"/>
+              </a:effectRef>
+              <a:fontRef idx="minor">
+                <a:schemeClr val="lt1"/>
+              </a:fontRef>
+            </p:style>
+            <p:txBody>
+              <a:bodyPr rtlCol="0" anchor="ctr"/>
+              <a:lstStyle/>
+              <a:p>
+                <a:pPr algn="ctr"/>
+                <a:r>
+                  <a:rPr lang="en-US" altLang="ko-KR" dirty="0">
+                    <a:solidFill>
+                      <a:srgbClr val="C00000"/>
+                    </a:solidFill>
+                    <a:latin typeface="DS-Digital" pitchFamily="2" charset="0"/>
+                  </a:rPr>
+                  <a:t>3/3</a:t>
+                </a:r>
+                <a:endParaRPr lang="ko-KR" altLang="en-US" dirty="0">
+                  <a:solidFill>
+                    <a:srgbClr val="C00000"/>
+                  </a:solidFill>
+                  <a:latin typeface="DS-Digital" pitchFamily="2" charset="0"/>
+                </a:endParaRPr>
+              </a:p>
+            </p:txBody>
+          </p:sp>
+        </p:grpSp>
+      </p:grpSp>
+    </p:spTree>
+    <p:extLst>
+      <p:ext uri="{BB962C8B-B14F-4D97-AF65-F5344CB8AC3E}">
+        <p14:creationId xmlns:p14="http://schemas.microsoft.com/office/powerpoint/2010/main" val="629617244"/>
+      </p:ext>
+    </p:extLst>
+  </p:cSld>
+  <p:clrMapOvr>
+    <a:masterClrMapping/>
+  </p:clrMapOvr>
+</p:sld>
+</file>
+
+<file path=ppt/slides/slide5.xml><?xml version="1.0" encoding="utf-8"?>
+<p:sld xmlns:a="http://schemas.openxmlformats.org/drawingml/2006/main" xmlns:r="http://schemas.openxmlformats.org/officeDocument/2006/relationships" xmlns:p="http://schemas.openxmlformats.org/presentationml/2006/main">
+  <p:cSld>
+    <p:spTree>
+      <p:nvGrpSpPr>
+        <p:cNvPr id="1" name=""/>
+        <p:cNvGrpSpPr/>
+        <p:nvPr/>
+      </p:nvGrpSpPr>
+      <p:grpSpPr>
+        <a:xfrm>
+          <a:off x="0" y="0"/>
+          <a:ext cx="0" cy="0"/>
+          <a:chOff x="0" y="0"/>
+          <a:chExt cx="0" cy="0"/>
+        </a:xfrm>
+      </p:grpSpPr>
+      <p:pic>
+        <p:nvPicPr>
+          <p:cNvPr id="8" name="그림 7">
+            <a:extLst>
+              <a:ext uri="{FF2B5EF4-FFF2-40B4-BE49-F238E27FC236}">
+                <a16:creationId xmlns:a16="http://schemas.microsoft.com/office/drawing/2014/main" id="{7160F3C6-882E-CF65-0291-99B1F5F2ACD9}"/>
+              </a:ext>
+            </a:extLst>
+          </p:cNvPr>
+          <p:cNvPicPr>
+            <a:picLocks noChangeAspect="1"/>
+          </p:cNvPicPr>
+          <p:nvPr/>
+        </p:nvPicPr>
+        <p:blipFill>
+          <a:blip r:embed="rId2">
+            <a:extLst>
+              <a:ext uri="{28A0092B-C50C-407E-A947-70E740481C1C}">
+                <a14:useLocalDpi xmlns:a14="http://schemas.microsoft.com/office/drawing/2010/main" val="0"/>
+              </a:ext>
+            </a:extLst>
+          </a:blip>
+          <a:stretch>
+            <a:fillRect/>
+          </a:stretch>
+        </p:blipFill>
+        <p:spPr>
+          <a:xfrm>
+            <a:off x="1809750" y="0"/>
+            <a:ext cx="8572500" cy="6858000"/>
+          </a:xfrm>
+          <a:prstGeom prst="rect">
+            <a:avLst/>
+          </a:prstGeom>
+        </p:spPr>
+      </p:pic>
+      <p:grpSp>
+        <p:nvGrpSpPr>
+          <p:cNvPr id="19" name="그룹 18">
+            <a:extLst>
+              <a:ext uri="{FF2B5EF4-FFF2-40B4-BE49-F238E27FC236}">
+                <a16:creationId xmlns:a16="http://schemas.microsoft.com/office/drawing/2014/main" id="{F4207818-FF3B-640D-5DB4-F39223FC96C1}"/>
+              </a:ext>
+            </a:extLst>
+          </p:cNvPr>
+          <p:cNvGrpSpPr/>
+          <p:nvPr/>
+        </p:nvGrpSpPr>
+        <p:grpSpPr>
+          <a:xfrm>
+            <a:off x="1983324" y="1974541"/>
+            <a:ext cx="8225352" cy="2858853"/>
+            <a:chOff x="1983324" y="1974541"/>
+            <a:chExt cx="8225352" cy="2858853"/>
+          </a:xfrm>
+        </p:grpSpPr>
+        <p:sp>
+          <p:nvSpPr>
+            <p:cNvPr id="3" name="직사각형 2">
+              <a:extLst>
+                <a:ext uri="{FF2B5EF4-FFF2-40B4-BE49-F238E27FC236}">
+                  <a16:creationId xmlns:a16="http://schemas.microsoft.com/office/drawing/2014/main" id="{1F94FC85-60A0-CB14-D1FC-1DF597268260}"/>
+                </a:ext>
+              </a:extLst>
+            </p:cNvPr>
+            <p:cNvSpPr/>
+            <p:nvPr/>
+          </p:nvSpPr>
+          <p:spPr>
+            <a:xfrm>
+              <a:off x="1983324" y="1974541"/>
+              <a:ext cx="8225352" cy="2858853"/>
+            </a:xfrm>
+            <a:prstGeom prst="rect">
+              <a:avLst/>
+            </a:prstGeom>
+            <a:solidFill>
+              <a:schemeClr val="tx1"/>
+            </a:solidFill>
+            <a:ln w="19050">
+              <a:solidFill>
+                <a:srgbClr val="F6DEAA"/>
+              </a:solidFill>
+            </a:ln>
+          </p:spPr>
+          <p:style>
+            <a:lnRef idx="2">
+              <a:schemeClr val="accent1">
+                <a:shade val="15000"/>
+              </a:schemeClr>
+            </a:lnRef>
+            <a:fillRef idx="1">
+              <a:schemeClr val="accent1"/>
+            </a:fillRef>
+            <a:effectRef idx="0">
+              <a:schemeClr val="accent1"/>
+            </a:effectRef>
+            <a:fontRef idx="minor">
+              <a:schemeClr val="lt1"/>
+            </a:fontRef>
+          </p:style>
+          <p:txBody>
+            <a:bodyPr rtlCol="0" anchor="ctr"/>
+            <a:lstStyle/>
+            <a:p>
+              <a:pPr algn="ctr"/>
+              <a:endParaRPr lang="ko-KR" altLang="en-US" dirty="0"/>
+            </a:p>
+          </p:txBody>
+        </p:sp>
+        <p:sp>
+          <p:nvSpPr>
+            <p:cNvPr id="16" name="사각형: 둥근 모서리 15">
+              <a:extLst>
+                <a:ext uri="{FF2B5EF4-FFF2-40B4-BE49-F238E27FC236}">
+                  <a16:creationId xmlns:a16="http://schemas.microsoft.com/office/drawing/2014/main" id="{AEE72679-C1DD-1296-9E30-6C0534244294}"/>
+                </a:ext>
+              </a:extLst>
+            </p:cNvPr>
+            <p:cNvSpPr/>
+            <p:nvPr/>
+          </p:nvSpPr>
+          <p:spPr>
+            <a:xfrm>
+              <a:off x="6451215" y="2297724"/>
+              <a:ext cx="1552575" cy="590550"/>
+            </a:xfrm>
+            <a:prstGeom prst="roundRect">
+              <a:avLst/>
+            </a:prstGeom>
+            <a:noFill/>
+            <a:ln w="38100">
+              <a:solidFill>
+                <a:srgbClr val="FF7D7D"/>
+              </a:solidFill>
+            </a:ln>
+          </p:spPr>
+          <p:style>
+            <a:lnRef idx="2">
+              <a:schemeClr val="accent1">
+                <a:shade val="15000"/>
+              </a:schemeClr>
+            </a:lnRef>
+            <a:fillRef idx="1">
+              <a:schemeClr val="accent1"/>
+            </a:fillRef>
+            <a:effectRef idx="0">
+              <a:schemeClr val="accent1"/>
+            </a:effectRef>
+            <a:fontRef idx="minor">
+              <a:schemeClr val="lt1"/>
+            </a:fontRef>
+          </p:style>
+          <p:txBody>
+            <a:bodyPr lIns="0" tIns="0" rIns="0" bIns="0" rtlCol="0" anchor="ctr"/>
+            <a:lstStyle/>
+            <a:p>
+              <a:pPr algn="ctr"/>
+              <a:r>
+                <a:rPr lang="ko-KR" altLang="en-US" sz="1600" dirty="0">
+                  <a:solidFill>
+                    <a:srgbClr val="FF7D7D"/>
+                  </a:solidFill>
+                  <a:latin typeface="나눔스퀘어 Bold" panose="020B0600000101010101" pitchFamily="50" charset="-127"/>
+                  <a:ea typeface="나눔스퀘어 Bold" panose="020B0600000101010101" pitchFamily="50" charset="-127"/>
+                </a:rPr>
+                <a:t>게임 시작</a:t>
+              </a:r>
+              <a:endParaRPr lang="ko-KR" altLang="en-US" sz="1600" spc="-300" dirty="0">
+                <a:solidFill>
+                  <a:srgbClr val="FF7D7D"/>
+                </a:solidFill>
+                <a:latin typeface="나눔스퀘어 Bold" panose="020B0600000101010101" pitchFamily="50" charset="-127"/>
+                <a:ea typeface="나눔스퀘어 Bold" panose="020B0600000101010101" pitchFamily="50" charset="-127"/>
+              </a:endParaRPr>
+            </a:p>
+          </p:txBody>
+        </p:sp>
+        <p:sp>
+          <p:nvSpPr>
+            <p:cNvPr id="17" name="사각형: 둥근 모서리 16">
+              <a:extLst>
+                <a:ext uri="{FF2B5EF4-FFF2-40B4-BE49-F238E27FC236}">
+                  <a16:creationId xmlns:a16="http://schemas.microsoft.com/office/drawing/2014/main" id="{2B400652-2C67-231F-6FB1-FD5BA3C62129}"/>
+                </a:ext>
+              </a:extLst>
+            </p:cNvPr>
+            <p:cNvSpPr/>
+            <p:nvPr/>
+          </p:nvSpPr>
+          <p:spPr>
+            <a:xfrm>
+              <a:off x="8331422" y="2297724"/>
+              <a:ext cx="1552575" cy="590550"/>
+            </a:xfrm>
+            <a:prstGeom prst="roundRect">
+              <a:avLst/>
+            </a:prstGeom>
+            <a:noFill/>
+            <a:ln w="38100">
+              <a:solidFill>
+                <a:schemeClr val="bg1"/>
+              </a:solidFill>
+            </a:ln>
+          </p:spPr>
+          <p:style>
+            <a:lnRef idx="2">
+              <a:schemeClr val="accent1">
+                <a:shade val="15000"/>
+              </a:schemeClr>
+            </a:lnRef>
+            <a:fillRef idx="1">
+              <a:schemeClr val="accent1"/>
+            </a:fillRef>
+            <a:effectRef idx="0">
+              <a:schemeClr val="accent1"/>
+            </a:effectRef>
+            <a:fontRef idx="minor">
+              <a:schemeClr val="lt1"/>
+            </a:fontRef>
+          </p:style>
+          <p:txBody>
+            <a:bodyPr lIns="0" tIns="0" rIns="0" bIns="0" rtlCol="0" anchor="ctr"/>
+            <a:lstStyle/>
+            <a:p>
+              <a:pPr algn="ctr"/>
+              <a:r>
+                <a:rPr lang="ko-KR" altLang="en-US" sz="1600" dirty="0">
+                  <a:latin typeface="나눔스퀘어 Bold" panose="020B0600000101010101" pitchFamily="50" charset="-127"/>
+                  <a:ea typeface="나눔스퀘어 Bold" panose="020B0600000101010101" pitchFamily="50" charset="-127"/>
+                </a:rPr>
+                <a:t>준비</a:t>
+              </a:r>
+            </a:p>
+          </p:txBody>
+        </p:sp>
+        <p:sp>
+          <p:nvSpPr>
+            <p:cNvPr id="18" name="사각형: 둥근 모서리 17">
+              <a:extLst>
+                <a:ext uri="{FF2B5EF4-FFF2-40B4-BE49-F238E27FC236}">
+                  <a16:creationId xmlns:a16="http://schemas.microsoft.com/office/drawing/2014/main" id="{0D27EAF0-65E9-8067-7911-FBEBA5801936}"/>
+                </a:ext>
+              </a:extLst>
+            </p:cNvPr>
+            <p:cNvSpPr/>
+            <p:nvPr/>
+          </p:nvSpPr>
+          <p:spPr>
+            <a:xfrm>
+              <a:off x="2084605" y="2057864"/>
+              <a:ext cx="1211046" cy="362206"/>
+            </a:xfrm>
+            <a:prstGeom prst="roundRect">
+              <a:avLst/>
+            </a:prstGeom>
+            <a:noFill/>
+            <a:ln>
+              <a:noFill/>
+            </a:ln>
+          </p:spPr>
+          <p:style>
+            <a:lnRef idx="2">
+              <a:schemeClr val="accent1">
+                <a:shade val="15000"/>
+              </a:schemeClr>
+            </a:lnRef>
+            <a:fillRef idx="1">
+              <a:schemeClr val="accent1"/>
+            </a:fillRef>
+            <a:effectRef idx="0">
+              <a:schemeClr val="accent1"/>
+            </a:effectRef>
+            <a:fontRef idx="minor">
+              <a:schemeClr val="lt1"/>
+            </a:fontRef>
+          </p:style>
+          <p:txBody>
+            <a:bodyPr rtlCol="0" anchor="ctr"/>
+            <a:lstStyle/>
+            <a:p>
+              <a:r>
+                <a:rPr lang="en-US" altLang="ko-KR" sz="1400" dirty="0">
+                  <a:solidFill>
+                    <a:srgbClr val="325D6D"/>
+                  </a:solidFill>
+                  <a:latin typeface="나눔스퀘어 ExtraBold" panose="020B0600000101010101" pitchFamily="50" charset="-127"/>
+                  <a:ea typeface="나눔스퀘어 ExtraBold" panose="020B0600000101010101" pitchFamily="50" charset="-127"/>
+                </a:rPr>
+                <a:t>NO.</a:t>
+              </a:r>
+              <a:endParaRPr lang="ko-KR" altLang="en-US" sz="1400" dirty="0">
+                <a:solidFill>
+                  <a:srgbClr val="325D6D"/>
+                </a:solidFill>
+                <a:latin typeface="나눔스퀘어 ExtraBold" panose="020B0600000101010101" pitchFamily="50" charset="-127"/>
+                <a:ea typeface="나눔스퀘어 ExtraBold" panose="020B0600000101010101" pitchFamily="50" charset="-127"/>
+              </a:endParaRPr>
+            </a:p>
+          </p:txBody>
+        </p:sp>
+      </p:grpSp>
+      <p:graphicFrame>
+        <p:nvGraphicFramePr>
+          <p:cNvPr id="9" name="표 9">
+            <a:extLst>
+              <a:ext uri="{FF2B5EF4-FFF2-40B4-BE49-F238E27FC236}">
+                <a16:creationId xmlns:a16="http://schemas.microsoft.com/office/drawing/2014/main" id="{4C519DC6-1230-231B-A716-903D29B149CC}"/>
+              </a:ext>
+            </a:extLst>
+          </p:cNvPr>
+          <p:cNvGraphicFramePr>
+            <a:graphicFrameLocks noGrp="1"/>
+          </p:cNvGraphicFramePr>
+          <p:nvPr>
+            <p:extLst>
+              <p:ext uri="{D42A27DB-BD31-4B8C-83A1-F6EECF244321}">
+                <p14:modId xmlns:p14="http://schemas.microsoft.com/office/powerpoint/2010/main" val="2455763965"/>
+              </p:ext>
+            </p:extLst>
+          </p:nvPr>
+        </p:nvGraphicFramePr>
+        <p:xfrm>
+          <a:off x="2170001" y="3161580"/>
+          <a:ext cx="7851998" cy="1483360"/>
+        </p:xfrm>
+        <a:graphic>
+          <a:graphicData uri="http://schemas.openxmlformats.org/drawingml/2006/table">
+            <a:tbl>
+              <a:tblPr firstRow="1" bandRow="1">
+                <a:tableStyleId>{5C22544A-7EE6-4342-B048-85BDC9FD1C3A}</a:tableStyleId>
+              </a:tblPr>
+              <a:tblGrid>
+                <a:gridCol w="6107224">
+                  <a:extLst>
+                    <a:ext uri="{9D8B030D-6E8A-4147-A177-3AD203B41FA5}">
+                      <a16:colId xmlns:a16="http://schemas.microsoft.com/office/drawing/2014/main" val="3052294826"/>
+                    </a:ext>
+                  </a:extLst>
+                </a:gridCol>
+                <a:gridCol w="1744774">
+                  <a:extLst>
+                    <a:ext uri="{9D8B030D-6E8A-4147-A177-3AD203B41FA5}">
+                      <a16:colId xmlns:a16="http://schemas.microsoft.com/office/drawing/2014/main" val="209985340"/>
+                    </a:ext>
+                  </a:extLst>
+                </a:gridCol>
+              </a:tblGrid>
+              <a:tr h="370840">
+                <a:tc>
+                  <a:txBody>
+                    <a:bodyPr/>
+                    <a:lstStyle/>
+                    <a:p>
+                      <a:pPr algn="ctr" latinLnBrk="1"/>
+                      <a:r>
+                        <a:rPr lang="ko-KR" altLang="en-US" b="0" dirty="0">
+                          <a:solidFill>
+                            <a:schemeClr val="bg1"/>
+                          </a:solidFill>
+                          <a:latin typeface="나눔스퀘어 Bold" panose="020B0600000101010101" pitchFamily="50" charset="-127"/>
+                          <a:ea typeface="나눔스퀘어 Bold" panose="020B0600000101010101" pitchFamily="50" charset="-127"/>
+                        </a:rPr>
+                        <a:t>닉네임</a:t>
+                      </a:r>
+                    </a:p>
+                  </a:txBody>
+                  <a:tcPr>
+                    <a:lnL w="12700" cap="flat" cmpd="sng" algn="ctr">
+                      <a:solidFill>
+                        <a:schemeClr val="bg1"/>
+                      </a:solidFill>
+                      <a:prstDash val="solid"/>
+                      <a:round/>
+                      <a:headEnd type="none" w="med" len="med"/>
+                      <a:tailEnd type="none" w="med" len="med"/>
+                    </a:lnL>
+                    <a:lnR w="12700" cap="flat" cmpd="sng" algn="ctr">
+                      <a:solidFill>
+                        <a:schemeClr val="bg1"/>
+                      </a:solidFill>
+                      <a:prstDash val="solid"/>
+                      <a:round/>
+                      <a:headEnd type="none" w="med" len="med"/>
+                      <a:tailEnd type="none" w="med" len="med"/>
+                    </a:lnR>
+                    <a:lnT w="12700" cap="flat" cmpd="sng" algn="ctr">
+                      <a:solidFill>
+                        <a:schemeClr val="bg1"/>
+                      </a:solidFill>
+                      <a:prstDash val="solid"/>
+                      <a:round/>
+                      <a:headEnd type="none" w="med" len="med"/>
+                      <a:tailEnd type="none" w="med" len="med"/>
+                    </a:lnT>
+                    <a:lnB w="12700" cap="flat" cmpd="sng" algn="ctr">
+                      <a:solidFill>
+                        <a:schemeClr val="bg1"/>
+                      </a:solidFill>
+                      <a:prstDash val="solid"/>
+                      <a:round/>
+                      <a:headEnd type="none" w="med" len="med"/>
+                      <a:tailEnd type="none" w="med" len="med"/>
+                    </a:lnB>
+                    <a:lnTlToBr w="12700" cmpd="sng">
+                      <a:noFill/>
+                      <a:prstDash val="solid"/>
+                    </a:lnTlToBr>
+                    <a:lnBlToTr w="12700" cmpd="sng">
+                      <a:noFill/>
+                      <a:prstDash val="solid"/>
+                    </a:lnBlToTr>
+                    <a:solidFill>
+                      <a:srgbClr val="325D6D"/>
+                    </a:solidFill>
+                  </a:tcPr>
+                </a:tc>
+                <a:tc>
+                  <a:txBody>
+                    <a:bodyPr/>
+                    <a:lstStyle/>
+                    <a:p>
+                      <a:pPr algn="ctr" latinLnBrk="1"/>
+                      <a:r>
+                        <a:rPr lang="ko-KR" altLang="en-US" b="0" dirty="0">
+                          <a:latin typeface="나눔스퀘어 Bold" panose="020B0600000101010101" pitchFamily="50" charset="-127"/>
+                          <a:ea typeface="나눔스퀘어 Bold" panose="020B0600000101010101" pitchFamily="50" charset="-127"/>
+                        </a:rPr>
+                        <a:t>준비 상태</a:t>
+                      </a:r>
+                    </a:p>
+                  </a:txBody>
+                  <a:tcPr>
+                    <a:lnL w="12700" cap="flat" cmpd="sng" algn="ctr">
+                      <a:solidFill>
+                        <a:schemeClr val="bg1"/>
+                      </a:solidFill>
+                      <a:prstDash val="solid"/>
+                      <a:round/>
+                      <a:headEnd type="none" w="med" len="med"/>
+                      <a:tailEnd type="none" w="med" len="med"/>
+                    </a:lnL>
+                    <a:lnR w="12700" cap="flat" cmpd="sng" algn="ctr">
+                      <a:solidFill>
+                        <a:schemeClr val="bg1"/>
+                      </a:solidFill>
+                      <a:prstDash val="solid"/>
+                      <a:round/>
+                      <a:headEnd type="none" w="med" len="med"/>
+                      <a:tailEnd type="none" w="med" len="med"/>
+                    </a:lnR>
+                    <a:lnT w="12700" cap="flat" cmpd="sng" algn="ctr">
+                      <a:solidFill>
+                        <a:schemeClr val="bg1"/>
+                      </a:solidFill>
+                      <a:prstDash val="solid"/>
+                      <a:round/>
+                      <a:headEnd type="none" w="med" len="med"/>
+                      <a:tailEnd type="none" w="med" len="med"/>
+                    </a:lnT>
+                    <a:lnB w="12700" cap="flat" cmpd="sng" algn="ctr">
+                      <a:solidFill>
+                        <a:schemeClr val="bg1"/>
+                      </a:solidFill>
+                      <a:prstDash val="solid"/>
+                      <a:round/>
+                      <a:headEnd type="none" w="med" len="med"/>
+                      <a:tailEnd type="none" w="med" len="med"/>
+                    </a:lnB>
+                    <a:lnTlToBr w="12700" cmpd="sng">
+                      <a:noFill/>
+                      <a:prstDash val="solid"/>
+                    </a:lnTlToBr>
+                    <a:lnBlToTr w="12700" cmpd="sng">
+                      <a:noFill/>
+                      <a:prstDash val="solid"/>
+                    </a:lnBlToTr>
+                    <a:solidFill>
+                      <a:srgbClr val="325D6D"/>
+                    </a:solidFill>
+                  </a:tcPr>
+                </a:tc>
+                <a:extLst>
+                  <a:ext uri="{0D108BD9-81ED-4DB2-BD59-A6C34878D82A}">
+                    <a16:rowId xmlns:a16="http://schemas.microsoft.com/office/drawing/2014/main" val="3173406684"/>
+                  </a:ext>
+                </a:extLst>
+              </a:tr>
+              <a:tr h="370840">
+                <a:tc>
+                  <a:txBody>
+                    <a:bodyPr/>
+                    <a:lstStyle/>
+                    <a:p>
+                      <a:pPr latinLnBrk="1"/>
+                      <a:endParaRPr lang="ko-KR" altLang="en-US" dirty="0"/>
+                    </a:p>
+                  </a:txBody>
+                  <a:tcPr>
+                    <a:lnL w="12700" cap="flat" cmpd="sng" algn="ctr">
+                      <a:solidFill>
+                        <a:schemeClr val="bg1"/>
+                      </a:solidFill>
+                      <a:prstDash val="solid"/>
+                      <a:round/>
+                      <a:headEnd type="none" w="med" len="med"/>
+                      <a:tailEnd type="none" w="med" len="med"/>
+                    </a:lnL>
+                    <a:lnR w="12700" cap="flat" cmpd="sng" algn="ctr">
+                      <a:solidFill>
+                        <a:schemeClr val="bg1"/>
+                      </a:solidFill>
+                      <a:prstDash val="solid"/>
+                      <a:round/>
+                      <a:headEnd type="none" w="med" len="med"/>
+                      <a:tailEnd type="none" w="med" len="med"/>
+                    </a:lnR>
+                    <a:lnT w="12700" cap="flat" cmpd="sng" algn="ctr">
+                      <a:solidFill>
+                        <a:schemeClr val="bg1"/>
+                      </a:solidFill>
+                      <a:prstDash val="solid"/>
+                      <a:round/>
+                      <a:headEnd type="none" w="med" len="med"/>
+                      <a:tailEnd type="none" w="med" len="med"/>
+                    </a:lnT>
+                    <a:lnB w="12700" cap="flat" cmpd="sng" algn="ctr">
+                      <a:solidFill>
+                        <a:schemeClr val="bg1"/>
+                      </a:solidFill>
+                      <a:prstDash val="solid"/>
+                      <a:round/>
+                      <a:headEnd type="none" w="med" len="med"/>
+                      <a:tailEnd type="none" w="med" len="med"/>
+                    </a:lnB>
+                    <a:lnTlToBr w="12700" cmpd="sng">
+                      <a:noFill/>
+                      <a:prstDash val="solid"/>
+                    </a:lnTlToBr>
+                    <a:lnBlToTr w="12700" cmpd="sng">
+                      <a:noFill/>
+                      <a:prstDash val="solid"/>
+                    </a:lnBlToTr>
+                    <a:noFill/>
+                  </a:tcPr>
+                </a:tc>
+                <a:tc>
+                  <a:txBody>
+                    <a:bodyPr/>
+                    <a:lstStyle/>
+                    <a:p>
+                      <a:pPr latinLnBrk="1"/>
+                      <a:endParaRPr lang="ko-KR" altLang="en-US" dirty="0"/>
+                    </a:p>
+                  </a:txBody>
+                  <a:tcPr>
+                    <a:lnL w="12700" cap="flat" cmpd="sng" algn="ctr">
+                      <a:solidFill>
+                        <a:schemeClr val="bg1"/>
+                      </a:solidFill>
+                      <a:prstDash val="solid"/>
+                      <a:round/>
+                      <a:headEnd type="none" w="med" len="med"/>
+                      <a:tailEnd type="none" w="med" len="med"/>
+                    </a:lnL>
+                    <a:lnR w="12700" cap="flat" cmpd="sng" algn="ctr">
+                      <a:solidFill>
+                        <a:schemeClr val="bg1"/>
+                      </a:solidFill>
+                      <a:prstDash val="solid"/>
+                      <a:round/>
+                      <a:headEnd type="none" w="med" len="med"/>
+                      <a:tailEnd type="none" w="med" len="med"/>
+                    </a:lnR>
+                    <a:lnT w="12700" cap="flat" cmpd="sng" algn="ctr">
+                      <a:solidFill>
+                        <a:schemeClr val="bg1"/>
+                      </a:solidFill>
+                      <a:prstDash val="solid"/>
+                      <a:round/>
+                      <a:headEnd type="none" w="med" len="med"/>
+                      <a:tailEnd type="none" w="med" len="med"/>
+                    </a:lnT>
+                    <a:lnB w="12700" cap="flat" cmpd="sng" algn="ctr">
+                      <a:solidFill>
+                        <a:schemeClr val="bg1"/>
+                      </a:solidFill>
+                      <a:prstDash val="solid"/>
+                      <a:round/>
+                      <a:headEnd type="none" w="med" len="med"/>
+                      <a:tailEnd type="none" w="med" len="med"/>
+                    </a:lnB>
+                    <a:lnTlToBr w="12700" cmpd="sng">
+                      <a:noFill/>
+                      <a:prstDash val="solid"/>
+                    </a:lnTlToBr>
+                    <a:lnBlToTr w="12700" cmpd="sng">
+                      <a:noFill/>
+                      <a:prstDash val="solid"/>
+                    </a:lnBlToTr>
+                    <a:noFill/>
+                  </a:tcPr>
+                </a:tc>
+                <a:extLst>
+                  <a:ext uri="{0D108BD9-81ED-4DB2-BD59-A6C34878D82A}">
+                    <a16:rowId xmlns:a16="http://schemas.microsoft.com/office/drawing/2014/main" val="3591462297"/>
+                  </a:ext>
+                </a:extLst>
+              </a:tr>
+              <a:tr h="370840">
+                <a:tc>
+                  <a:txBody>
+                    <a:bodyPr/>
+                    <a:lstStyle/>
+                    <a:p>
+                      <a:pPr latinLnBrk="1"/>
+                      <a:endParaRPr lang="ko-KR" altLang="en-US"/>
+                    </a:p>
+                  </a:txBody>
+                  <a:tcPr>
+                    <a:lnL w="12700" cap="flat" cmpd="sng" algn="ctr">
+                      <a:solidFill>
+                        <a:schemeClr val="bg1"/>
+                      </a:solidFill>
+                      <a:prstDash val="solid"/>
+                      <a:round/>
+                      <a:headEnd type="none" w="med" len="med"/>
+                      <a:tailEnd type="none" w="med" len="med"/>
+                    </a:lnL>
+                    <a:lnR w="12700" cap="flat" cmpd="sng" algn="ctr">
+                      <a:solidFill>
+                        <a:schemeClr val="bg1"/>
+                      </a:solidFill>
+                      <a:prstDash val="solid"/>
+                      <a:round/>
+                      <a:headEnd type="none" w="med" len="med"/>
+                      <a:tailEnd type="none" w="med" len="med"/>
+                    </a:lnR>
+                    <a:lnT w="12700" cap="flat" cmpd="sng" algn="ctr">
+                      <a:solidFill>
+                        <a:schemeClr val="bg1"/>
+                      </a:solidFill>
+                      <a:prstDash val="solid"/>
+                      <a:round/>
+                      <a:headEnd type="none" w="med" len="med"/>
+                      <a:tailEnd type="none" w="med" len="med"/>
+                    </a:lnT>
+                    <a:lnB w="12700" cap="flat" cmpd="sng" algn="ctr">
+                      <a:solidFill>
+                        <a:schemeClr val="bg1"/>
+                      </a:solidFill>
+                      <a:prstDash val="solid"/>
+                      <a:round/>
+                      <a:headEnd type="none" w="med" len="med"/>
+                      <a:tailEnd type="none" w="med" len="med"/>
+                    </a:lnB>
+                    <a:lnTlToBr w="12700" cmpd="sng">
+                      <a:noFill/>
+                      <a:prstDash val="solid"/>
+                    </a:lnTlToBr>
+                    <a:lnBlToTr w="12700" cmpd="sng">
+                      <a:noFill/>
+                      <a:prstDash val="solid"/>
+                    </a:lnBlToTr>
+                    <a:noFill/>
+                  </a:tcPr>
+                </a:tc>
+                <a:tc>
+                  <a:txBody>
+                    <a:bodyPr/>
+                    <a:lstStyle/>
+                    <a:p>
+                      <a:pPr latinLnBrk="1"/>
+                      <a:endParaRPr lang="ko-KR" altLang="en-US" dirty="0"/>
+                    </a:p>
+                  </a:txBody>
+                  <a:tcPr>
+                    <a:lnL w="12700" cap="flat" cmpd="sng" algn="ctr">
+                      <a:solidFill>
+                        <a:schemeClr val="bg1"/>
+                      </a:solidFill>
+                      <a:prstDash val="solid"/>
+                      <a:round/>
+                      <a:headEnd type="none" w="med" len="med"/>
+                      <a:tailEnd type="none" w="med" len="med"/>
+                    </a:lnL>
+                    <a:lnR w="12700" cap="flat" cmpd="sng" algn="ctr">
+                      <a:solidFill>
+                        <a:schemeClr val="bg1"/>
+                      </a:solidFill>
+                      <a:prstDash val="solid"/>
+                      <a:round/>
+                      <a:headEnd type="none" w="med" len="med"/>
+                      <a:tailEnd type="none" w="med" len="med"/>
+                    </a:lnR>
+                    <a:lnT w="12700" cap="flat" cmpd="sng" algn="ctr">
+                      <a:solidFill>
+                        <a:schemeClr val="bg1"/>
+                      </a:solidFill>
+                      <a:prstDash val="solid"/>
+                      <a:round/>
+                      <a:headEnd type="none" w="med" len="med"/>
+                      <a:tailEnd type="none" w="med" len="med"/>
+                    </a:lnT>
+                    <a:lnB w="12700" cap="flat" cmpd="sng" algn="ctr">
+                      <a:solidFill>
+                        <a:schemeClr val="bg1"/>
+                      </a:solidFill>
+                      <a:prstDash val="solid"/>
+                      <a:round/>
+                      <a:headEnd type="none" w="med" len="med"/>
+                      <a:tailEnd type="none" w="med" len="med"/>
+                    </a:lnB>
+                    <a:lnTlToBr w="12700" cmpd="sng">
+                      <a:noFill/>
+                      <a:prstDash val="solid"/>
+                    </a:lnTlToBr>
+                    <a:lnBlToTr w="12700" cmpd="sng">
+                      <a:noFill/>
+                      <a:prstDash val="solid"/>
+                    </a:lnBlToTr>
+                    <a:noFill/>
+                  </a:tcPr>
+                </a:tc>
+                <a:extLst>
+                  <a:ext uri="{0D108BD9-81ED-4DB2-BD59-A6C34878D82A}">
+                    <a16:rowId xmlns:a16="http://schemas.microsoft.com/office/drawing/2014/main" val="3187490706"/>
+                  </a:ext>
+                </a:extLst>
+              </a:tr>
+              <a:tr h="370840">
+                <a:tc>
+                  <a:txBody>
+                    <a:bodyPr/>
+                    <a:lstStyle/>
+                    <a:p>
+                      <a:pPr latinLnBrk="1"/>
+                      <a:endParaRPr lang="ko-KR" altLang="en-US" dirty="0"/>
+                    </a:p>
+                  </a:txBody>
+                  <a:tcPr>
+                    <a:lnL w="12700" cap="flat" cmpd="sng" algn="ctr">
+                      <a:solidFill>
+                        <a:schemeClr val="bg1"/>
+                      </a:solidFill>
+                      <a:prstDash val="solid"/>
+                      <a:round/>
+                      <a:headEnd type="none" w="med" len="med"/>
+                      <a:tailEnd type="none" w="med" len="med"/>
+                    </a:lnL>
+                    <a:lnR w="12700" cap="flat" cmpd="sng" algn="ctr">
+                      <a:solidFill>
+                        <a:schemeClr val="bg1"/>
+                      </a:solidFill>
+                      <a:prstDash val="solid"/>
+                      <a:round/>
+                      <a:headEnd type="none" w="med" len="med"/>
+                      <a:tailEnd type="none" w="med" len="med"/>
+                    </a:lnR>
+                    <a:lnT w="12700" cap="flat" cmpd="sng" algn="ctr">
+                      <a:solidFill>
+                        <a:schemeClr val="bg1"/>
+                      </a:solidFill>
+                      <a:prstDash val="solid"/>
+                      <a:round/>
+                      <a:headEnd type="none" w="med" len="med"/>
+                      <a:tailEnd type="none" w="med" len="med"/>
+                    </a:lnT>
+                    <a:lnB w="12700" cap="flat" cmpd="sng" algn="ctr">
+                      <a:solidFill>
+                        <a:schemeClr val="bg1"/>
+                      </a:solidFill>
+                      <a:prstDash val="solid"/>
+                      <a:round/>
+                      <a:headEnd type="none" w="med" len="med"/>
+                      <a:tailEnd type="none" w="med" len="med"/>
+                    </a:lnB>
+                    <a:lnTlToBr w="12700" cmpd="sng">
+                      <a:noFill/>
+                      <a:prstDash val="solid"/>
+                    </a:lnTlToBr>
+                    <a:lnBlToTr w="12700" cmpd="sng">
+                      <a:noFill/>
+                      <a:prstDash val="solid"/>
+                    </a:lnBlToTr>
+                    <a:noFill/>
+                  </a:tcPr>
+                </a:tc>
+                <a:tc>
+                  <a:txBody>
+                    <a:bodyPr/>
+                    <a:lstStyle/>
+                    <a:p>
+                      <a:pPr latinLnBrk="1"/>
+                      <a:endParaRPr lang="ko-KR" altLang="en-US" dirty="0"/>
+                    </a:p>
+                  </a:txBody>
+                  <a:tcPr>
+                    <a:lnL w="12700" cap="flat" cmpd="sng" algn="ctr">
+                      <a:solidFill>
+                        <a:schemeClr val="bg1"/>
+                      </a:solidFill>
+                      <a:prstDash val="solid"/>
+                      <a:round/>
+                      <a:headEnd type="none" w="med" len="med"/>
+                      <a:tailEnd type="none" w="med" len="med"/>
+                    </a:lnL>
+                    <a:lnR w="12700" cap="flat" cmpd="sng" algn="ctr">
+                      <a:solidFill>
+                        <a:schemeClr val="bg1"/>
+                      </a:solidFill>
+                      <a:prstDash val="solid"/>
+                      <a:round/>
+                      <a:headEnd type="none" w="med" len="med"/>
+                      <a:tailEnd type="none" w="med" len="med"/>
+                    </a:lnR>
+                    <a:lnT w="12700" cap="flat" cmpd="sng" algn="ctr">
+                      <a:solidFill>
+                        <a:schemeClr val="bg1"/>
+                      </a:solidFill>
+                      <a:prstDash val="solid"/>
+                      <a:round/>
+                      <a:headEnd type="none" w="med" len="med"/>
+                      <a:tailEnd type="none" w="med" len="med"/>
+                    </a:lnT>
+                    <a:lnB w="12700" cap="flat" cmpd="sng" algn="ctr">
+                      <a:solidFill>
+                        <a:schemeClr val="bg1"/>
+                      </a:solidFill>
+                      <a:prstDash val="solid"/>
+                      <a:round/>
+                      <a:headEnd type="none" w="med" len="med"/>
+                      <a:tailEnd type="none" w="med" len="med"/>
+                    </a:lnB>
+                    <a:lnTlToBr w="12700" cmpd="sng">
+                      <a:noFill/>
+                      <a:prstDash val="solid"/>
+                    </a:lnTlToBr>
+                    <a:lnBlToTr w="12700" cmpd="sng">
+                      <a:noFill/>
+                      <a:prstDash val="solid"/>
+                    </a:lnBlToTr>
+                    <a:noFill/>
+                  </a:tcPr>
+                </a:tc>
+                <a:extLst>
+                  <a:ext uri="{0D108BD9-81ED-4DB2-BD59-A6C34878D82A}">
+                    <a16:rowId xmlns:a16="http://schemas.microsoft.com/office/drawing/2014/main" val="988543443"/>
+                  </a:ext>
+                </a:extLst>
+              </a:tr>
+            </a:tbl>
+          </a:graphicData>
+        </a:graphic>
+      </p:graphicFrame>
+      <p:sp>
+        <p:nvSpPr>
+          <p:cNvPr id="21" name="직사각형 20">
+            <a:extLst>
+              <a:ext uri="{FF2B5EF4-FFF2-40B4-BE49-F238E27FC236}">
+                <a16:creationId xmlns:a16="http://schemas.microsoft.com/office/drawing/2014/main" id="{243C8D88-B1BF-9D06-DD1C-526BEF511611}"/>
+              </a:ext>
+            </a:extLst>
+          </p:cNvPr>
+          <p:cNvSpPr/>
+          <p:nvPr/>
+        </p:nvSpPr>
+        <p:spPr>
+          <a:xfrm>
+            <a:off x="10555824" y="2202999"/>
+            <a:ext cx="2261066" cy="3435804"/>
+          </a:xfrm>
+          <a:prstGeom prst="rect">
+            <a:avLst/>
+          </a:prstGeom>
+        </p:spPr>
+        <p:style>
+          <a:lnRef idx="2">
+            <a:schemeClr val="accent1">
+              <a:shade val="15000"/>
+            </a:schemeClr>
+          </a:lnRef>
+          <a:fillRef idx="1">
+            <a:schemeClr val="accent1"/>
+          </a:fillRef>
+          <a:effectRef idx="0">
+            <a:schemeClr val="accent1"/>
+          </a:effectRef>
+          <a:fontRef idx="minor">
+            <a:schemeClr val="lt1"/>
+          </a:fontRef>
+        </p:style>
+        <p:txBody>
+          <a:bodyPr rtlCol="0" anchor="ctr"/>
+          <a:lstStyle/>
+          <a:p>
+            <a:pPr algn="ctr"/>
+            <a:endParaRPr lang="ko-KR" altLang="en-US" dirty="0"/>
+          </a:p>
+        </p:txBody>
+      </p:sp>
+      <p:grpSp>
+        <p:nvGrpSpPr>
+          <p:cNvPr id="1138" name="그룹 1137">
+            <a:extLst>
+              <a:ext uri="{FF2B5EF4-FFF2-40B4-BE49-F238E27FC236}">
+                <a16:creationId xmlns:a16="http://schemas.microsoft.com/office/drawing/2014/main" id="{30AEA83E-80B3-8DD0-EC3F-573487B91248}"/>
+              </a:ext>
+            </a:extLst>
+          </p:cNvPr>
+          <p:cNvGrpSpPr/>
+          <p:nvPr/>
+        </p:nvGrpSpPr>
+        <p:grpSpPr>
+          <a:xfrm>
+            <a:off x="10603447" y="430429"/>
+            <a:ext cx="1552576" cy="1217778"/>
+            <a:chOff x="10603447" y="430429"/>
+            <a:chExt cx="1552576" cy="1217778"/>
+          </a:xfrm>
+        </p:grpSpPr>
+        <p:sp>
+          <p:nvSpPr>
+            <p:cNvPr id="30" name="사각형: 둥근 모서리 29">
+              <a:extLst>
+                <a:ext uri="{FF2B5EF4-FFF2-40B4-BE49-F238E27FC236}">
+                  <a16:creationId xmlns:a16="http://schemas.microsoft.com/office/drawing/2014/main" id="{A658974E-6D69-F1EE-A33B-870A00B088DC}"/>
+                </a:ext>
+              </a:extLst>
+            </p:cNvPr>
+            <p:cNvSpPr/>
+            <p:nvPr/>
+          </p:nvSpPr>
+          <p:spPr>
+            <a:xfrm>
+              <a:off x="10603448" y="430429"/>
+              <a:ext cx="1552575" cy="590550"/>
+            </a:xfrm>
+            <a:prstGeom prst="roundRect">
+              <a:avLst/>
+            </a:prstGeom>
+            <a:noFill/>
+            <a:ln w="38100">
+              <a:solidFill>
+                <a:srgbClr val="820000"/>
+              </a:solidFill>
+            </a:ln>
+          </p:spPr>
+          <p:style>
+            <a:lnRef idx="2">
+              <a:schemeClr val="accent1">
+                <a:shade val="15000"/>
+              </a:schemeClr>
+            </a:lnRef>
+            <a:fillRef idx="1">
+              <a:schemeClr val="accent1"/>
+            </a:fillRef>
+            <a:effectRef idx="0">
+              <a:schemeClr val="accent1"/>
+            </a:effectRef>
+            <a:fontRef idx="minor">
+              <a:schemeClr val="lt1"/>
+            </a:fontRef>
+          </p:style>
+          <p:txBody>
+            <a:bodyPr lIns="0" tIns="0" rIns="0" bIns="0" rtlCol="0" anchor="ctr"/>
+            <a:lstStyle/>
+            <a:p>
+              <a:pPr algn="ctr"/>
+              <a:r>
+                <a:rPr lang="ko-KR" altLang="en-US" sz="1600" dirty="0">
+                  <a:solidFill>
+                    <a:srgbClr val="820000"/>
+                  </a:solidFill>
+                  <a:latin typeface="나눔스퀘어 ExtraBold" panose="020B0600000101010101" pitchFamily="50" charset="-127"/>
+                  <a:ea typeface="나눔스퀘어 ExtraBold" panose="020B0600000101010101" pitchFamily="50" charset="-127"/>
+                </a:rPr>
+                <a:t>게임 시작</a:t>
+              </a:r>
+              <a:endParaRPr lang="ko-KR" altLang="en-US" sz="1600" spc="-300" dirty="0">
+                <a:solidFill>
+                  <a:srgbClr val="820000"/>
+                </a:solidFill>
+                <a:latin typeface="나눔스퀘어 ExtraBold" panose="020B0600000101010101" pitchFamily="50" charset="-127"/>
+                <a:ea typeface="나눔스퀘어 ExtraBold" panose="020B0600000101010101" pitchFamily="50" charset="-127"/>
+              </a:endParaRPr>
+            </a:p>
+          </p:txBody>
+        </p:sp>
+        <p:sp>
+          <p:nvSpPr>
+            <p:cNvPr id="31" name="사각형: 둥근 모서리 30">
+              <a:extLst>
+                <a:ext uri="{FF2B5EF4-FFF2-40B4-BE49-F238E27FC236}">
+                  <a16:creationId xmlns:a16="http://schemas.microsoft.com/office/drawing/2014/main" id="{1E23F80C-56CE-5F21-2F59-A351DA4D6E98}"/>
+                </a:ext>
+              </a:extLst>
+            </p:cNvPr>
+            <p:cNvSpPr/>
+            <p:nvPr/>
+          </p:nvSpPr>
+          <p:spPr>
+            <a:xfrm>
+              <a:off x="10603447" y="1057657"/>
+              <a:ext cx="1552575" cy="590550"/>
+            </a:xfrm>
+            <a:prstGeom prst="roundRect">
+              <a:avLst/>
+            </a:prstGeom>
+            <a:noFill/>
+            <a:ln w="38100">
+              <a:solidFill>
+                <a:srgbClr val="FF7D7D"/>
+              </a:solidFill>
+            </a:ln>
+          </p:spPr>
+          <p:style>
+            <a:lnRef idx="2">
+              <a:schemeClr val="accent1">
+                <a:shade val="15000"/>
+              </a:schemeClr>
+            </a:lnRef>
+            <a:fillRef idx="1">
+              <a:schemeClr val="accent1"/>
+            </a:fillRef>
+            <a:effectRef idx="0">
+              <a:schemeClr val="accent1"/>
+            </a:effectRef>
+            <a:fontRef idx="minor">
+              <a:schemeClr val="lt1"/>
+            </a:fontRef>
+          </p:style>
+          <p:txBody>
+            <a:bodyPr lIns="0" tIns="0" rIns="0" bIns="0" rtlCol="0" anchor="ctr"/>
+            <a:lstStyle/>
+            <a:p>
+              <a:pPr algn="ctr"/>
+              <a:r>
+                <a:rPr lang="ko-KR" altLang="en-US" sz="1600" dirty="0">
+                  <a:solidFill>
+                    <a:srgbClr val="FF7D7D"/>
+                  </a:solidFill>
+                  <a:latin typeface="나눔스퀘어 ExtraBold" panose="020B0600000101010101" pitchFamily="50" charset="-127"/>
+                  <a:ea typeface="나눔스퀘어 ExtraBold" panose="020B0600000101010101" pitchFamily="50" charset="-127"/>
+                </a:rPr>
+                <a:t>게임 시작</a:t>
+              </a:r>
+              <a:endParaRPr lang="ko-KR" altLang="en-US" sz="1600" spc="-300" dirty="0">
+                <a:solidFill>
+                  <a:srgbClr val="FF7D7D"/>
+                </a:solidFill>
+                <a:latin typeface="나눔스퀘어 ExtraBold" panose="020B0600000101010101" pitchFamily="50" charset="-127"/>
+                <a:ea typeface="나눔스퀘어 ExtraBold" panose="020B0600000101010101" pitchFamily="50" charset="-127"/>
+              </a:endParaRPr>
+            </a:p>
+          </p:txBody>
+        </p:sp>
+      </p:grpSp>
+      <p:grpSp>
+        <p:nvGrpSpPr>
+          <p:cNvPr id="1137" name="그룹 1136">
+            <a:extLst>
+              <a:ext uri="{FF2B5EF4-FFF2-40B4-BE49-F238E27FC236}">
+                <a16:creationId xmlns:a16="http://schemas.microsoft.com/office/drawing/2014/main" id="{D66B2AB2-C552-FDE9-A53A-EF0E33DDCB86}"/>
+              </a:ext>
+            </a:extLst>
+          </p:cNvPr>
+          <p:cNvGrpSpPr/>
+          <p:nvPr/>
+        </p:nvGrpSpPr>
+        <p:grpSpPr>
+          <a:xfrm>
+            <a:off x="12286185" y="430429"/>
+            <a:ext cx="1552576" cy="1217778"/>
+            <a:chOff x="12286185" y="430429"/>
+            <a:chExt cx="1552576" cy="1217778"/>
+          </a:xfrm>
+        </p:grpSpPr>
+        <p:sp>
+          <p:nvSpPr>
+            <p:cNvPr id="1121" name="사각형: 둥근 모서리 1120">
+              <a:extLst>
+                <a:ext uri="{FF2B5EF4-FFF2-40B4-BE49-F238E27FC236}">
+                  <a16:creationId xmlns:a16="http://schemas.microsoft.com/office/drawing/2014/main" id="{621640B7-0C65-5BF8-6A48-27B6980D509E}"/>
+                </a:ext>
+              </a:extLst>
+            </p:cNvPr>
+            <p:cNvSpPr/>
+            <p:nvPr/>
+          </p:nvSpPr>
+          <p:spPr>
+            <a:xfrm>
+              <a:off x="12286185" y="1057657"/>
+              <a:ext cx="1552575" cy="590550"/>
+            </a:xfrm>
+            <a:prstGeom prst="roundRect">
+              <a:avLst/>
+            </a:prstGeom>
+            <a:noFill/>
+            <a:ln w="38100">
+              <a:solidFill>
+                <a:schemeClr val="bg1">
+                  <a:lumMod val="50000"/>
+                </a:schemeClr>
+              </a:solidFill>
+            </a:ln>
+          </p:spPr>
+          <p:style>
+            <a:lnRef idx="2">
+              <a:schemeClr val="accent1">
+                <a:shade val="15000"/>
+              </a:schemeClr>
+            </a:lnRef>
+            <a:fillRef idx="1">
+              <a:schemeClr val="accent1"/>
+            </a:fillRef>
+            <a:effectRef idx="0">
+              <a:schemeClr val="accent1"/>
+            </a:effectRef>
+            <a:fontRef idx="minor">
+              <a:schemeClr val="lt1"/>
+            </a:fontRef>
+          </p:style>
+          <p:txBody>
+            <a:bodyPr lIns="0" tIns="0" rIns="0" bIns="0" rtlCol="0" anchor="ctr"/>
+            <a:lstStyle/>
+            <a:p>
+              <a:pPr algn="ctr"/>
+              <a:r>
+                <a:rPr lang="ko-KR" altLang="en-US" sz="1600" dirty="0">
+                  <a:solidFill>
+                    <a:schemeClr val="bg1">
+                      <a:lumMod val="65000"/>
+                    </a:schemeClr>
+                  </a:solidFill>
+                  <a:latin typeface="나눔스퀘어 ExtraBold" panose="020B0600000101010101" pitchFamily="50" charset="-127"/>
+                  <a:ea typeface="나눔스퀘어 ExtraBold" panose="020B0600000101010101" pitchFamily="50" charset="-127"/>
+                </a:rPr>
+                <a:t>준비</a:t>
+              </a:r>
+            </a:p>
+          </p:txBody>
+        </p:sp>
+        <p:sp>
+          <p:nvSpPr>
+            <p:cNvPr id="1122" name="사각형: 둥근 모서리 1121">
+              <a:extLst>
+                <a:ext uri="{FF2B5EF4-FFF2-40B4-BE49-F238E27FC236}">
+                  <a16:creationId xmlns:a16="http://schemas.microsoft.com/office/drawing/2014/main" id="{02F464BE-72A0-0C09-67B0-D3D70B9F4642}"/>
+                </a:ext>
+              </a:extLst>
+            </p:cNvPr>
+            <p:cNvSpPr/>
+            <p:nvPr/>
+          </p:nvSpPr>
+          <p:spPr>
+            <a:xfrm>
+              <a:off x="12286186" y="430429"/>
+              <a:ext cx="1552575" cy="590550"/>
+            </a:xfrm>
+            <a:prstGeom prst="roundRect">
+              <a:avLst/>
+            </a:prstGeom>
+            <a:noFill/>
+            <a:ln w="38100">
+              <a:solidFill>
+                <a:schemeClr val="bg1"/>
+              </a:solidFill>
+            </a:ln>
+          </p:spPr>
+          <p:style>
+            <a:lnRef idx="2">
+              <a:schemeClr val="accent1">
+                <a:shade val="15000"/>
+              </a:schemeClr>
+            </a:lnRef>
+            <a:fillRef idx="1">
+              <a:schemeClr val="accent1"/>
+            </a:fillRef>
+            <a:effectRef idx="0">
+              <a:schemeClr val="accent1"/>
+            </a:effectRef>
+            <a:fontRef idx="minor">
+              <a:schemeClr val="lt1"/>
+            </a:fontRef>
+          </p:style>
+          <p:txBody>
+            <a:bodyPr lIns="0" tIns="0" rIns="0" bIns="0" rtlCol="0" anchor="ctr"/>
+            <a:lstStyle/>
+            <a:p>
+              <a:pPr algn="ctr"/>
+              <a:r>
+                <a:rPr lang="ko-KR" altLang="en-US" sz="1600" dirty="0">
+                  <a:latin typeface="나눔스퀘어 ExtraBold" panose="020B0600000101010101" pitchFamily="50" charset="-127"/>
+                  <a:ea typeface="나눔스퀘어 ExtraBold" panose="020B0600000101010101" pitchFamily="50" charset="-127"/>
+                </a:rPr>
+                <a:t>준비</a:t>
+              </a:r>
+            </a:p>
+          </p:txBody>
+        </p:sp>
+      </p:grpSp>
+      <p:sp>
+        <p:nvSpPr>
+          <p:cNvPr id="1123" name="직사각형 1122">
+            <a:extLst>
+              <a:ext uri="{FF2B5EF4-FFF2-40B4-BE49-F238E27FC236}">
+                <a16:creationId xmlns:a16="http://schemas.microsoft.com/office/drawing/2014/main" id="{F3099418-E56A-5C72-2176-CA548E298D4A}"/>
+              </a:ext>
+            </a:extLst>
+          </p:cNvPr>
+          <p:cNvSpPr/>
+          <p:nvPr/>
+        </p:nvSpPr>
+        <p:spPr>
+          <a:xfrm>
+            <a:off x="8293099" y="3550920"/>
+            <a:ext cx="1728899" cy="342900"/>
+          </a:xfrm>
+          <a:prstGeom prst="rect">
+            <a:avLst/>
+          </a:prstGeom>
+          <a:noFill/>
+          <a:ln>
+            <a:noFill/>
+          </a:ln>
+        </p:spPr>
+        <p:style>
+          <a:lnRef idx="2">
+            <a:schemeClr val="accent1">
+              <a:shade val="15000"/>
+            </a:schemeClr>
+          </a:lnRef>
+          <a:fillRef idx="1">
+            <a:schemeClr val="accent1"/>
+          </a:fillRef>
+          <a:effectRef idx="0">
+            <a:schemeClr val="accent1"/>
+          </a:effectRef>
+          <a:fontRef idx="minor">
+            <a:schemeClr val="lt1"/>
+          </a:fontRef>
+        </p:style>
+        <p:txBody>
+          <a:bodyPr rtlCol="0" anchor="ctr"/>
+          <a:lstStyle/>
+          <a:p>
+            <a:pPr algn="ctr"/>
+            <a:r>
+              <a:rPr lang="ko-KR" altLang="en-US" sz="1400" dirty="0">
+                <a:latin typeface="나눔스퀘어 Bold" panose="020B0600000101010101" pitchFamily="50" charset="-127"/>
+                <a:ea typeface="나눔스퀘어 Bold" panose="020B0600000101010101" pitchFamily="50" charset="-127"/>
+              </a:rPr>
+              <a:t>준비 대기</a:t>
+            </a:r>
+          </a:p>
+        </p:txBody>
+      </p:sp>
+      <p:sp>
+        <p:nvSpPr>
+          <p:cNvPr id="1125" name="직사각형 1124">
+            <a:extLst>
+              <a:ext uri="{FF2B5EF4-FFF2-40B4-BE49-F238E27FC236}">
+                <a16:creationId xmlns:a16="http://schemas.microsoft.com/office/drawing/2014/main" id="{85AAC00B-6C6F-7030-A3F6-A58AF018CF28}"/>
+              </a:ext>
+            </a:extLst>
+          </p:cNvPr>
+          <p:cNvSpPr/>
+          <p:nvPr/>
+        </p:nvSpPr>
+        <p:spPr>
+          <a:xfrm>
+            <a:off x="8293099" y="3920901"/>
+            <a:ext cx="1728899" cy="342900"/>
+          </a:xfrm>
+          <a:prstGeom prst="rect">
+            <a:avLst/>
+          </a:prstGeom>
+          <a:noFill/>
+          <a:ln>
+            <a:noFill/>
+          </a:ln>
+        </p:spPr>
+        <p:style>
+          <a:lnRef idx="2">
+            <a:schemeClr val="accent1">
+              <a:shade val="15000"/>
+            </a:schemeClr>
+          </a:lnRef>
+          <a:fillRef idx="1">
+            <a:schemeClr val="accent1"/>
+          </a:fillRef>
+          <a:effectRef idx="0">
+            <a:schemeClr val="accent1"/>
+          </a:effectRef>
+          <a:fontRef idx="minor">
+            <a:schemeClr val="lt1"/>
+          </a:fontRef>
+        </p:style>
+        <p:txBody>
+          <a:bodyPr rtlCol="0" anchor="ctr"/>
+          <a:lstStyle/>
+          <a:p>
+            <a:pPr algn="ctr"/>
+            <a:r>
+              <a:rPr lang="ko-KR" altLang="en-US" sz="1400" dirty="0">
+                <a:latin typeface="나눔스퀘어 Bold" panose="020B0600000101010101" pitchFamily="50" charset="-127"/>
+                <a:ea typeface="나눔스퀘어 Bold" panose="020B0600000101010101" pitchFamily="50" charset="-127"/>
+              </a:rPr>
+              <a:t>준비 대기</a:t>
+            </a:r>
+          </a:p>
+        </p:txBody>
+      </p:sp>
+      <p:sp>
+        <p:nvSpPr>
+          <p:cNvPr id="1126" name="직사각형 1125">
+            <a:extLst>
+              <a:ext uri="{FF2B5EF4-FFF2-40B4-BE49-F238E27FC236}">
+                <a16:creationId xmlns:a16="http://schemas.microsoft.com/office/drawing/2014/main" id="{3BCBB2C4-C2D7-114B-ED16-BBA194A942CA}"/>
+              </a:ext>
+            </a:extLst>
+          </p:cNvPr>
+          <p:cNvSpPr/>
+          <p:nvPr/>
+        </p:nvSpPr>
+        <p:spPr>
+          <a:xfrm>
+            <a:off x="8293098" y="4290882"/>
+            <a:ext cx="1728899" cy="344447"/>
+          </a:xfrm>
+          <a:prstGeom prst="rect">
+            <a:avLst/>
+          </a:prstGeom>
+          <a:noFill/>
+          <a:ln>
+            <a:noFill/>
+          </a:ln>
+        </p:spPr>
+        <p:style>
+          <a:lnRef idx="2">
+            <a:schemeClr val="accent1">
+              <a:shade val="15000"/>
+            </a:schemeClr>
+          </a:lnRef>
+          <a:fillRef idx="1">
+            <a:schemeClr val="accent1"/>
+          </a:fillRef>
+          <a:effectRef idx="0">
+            <a:schemeClr val="accent1"/>
+          </a:effectRef>
+          <a:fontRef idx="minor">
+            <a:schemeClr val="lt1"/>
+          </a:fontRef>
+        </p:style>
+        <p:txBody>
+          <a:bodyPr rtlCol="0" anchor="ctr"/>
+          <a:lstStyle/>
+          <a:p>
+            <a:pPr algn="ctr"/>
+            <a:r>
+              <a:rPr lang="ko-KR" altLang="en-US" sz="1400" dirty="0">
+                <a:solidFill>
+                  <a:srgbClr val="C00000"/>
+                </a:solidFill>
+                <a:latin typeface="나눔스퀘어 Bold" panose="020B0600000101010101" pitchFamily="50" charset="-127"/>
+                <a:ea typeface="나눔스퀘어 Bold" panose="020B0600000101010101" pitchFamily="50" charset="-127"/>
+              </a:rPr>
+              <a:t>준비 완료</a:t>
+            </a:r>
+          </a:p>
+        </p:txBody>
+      </p:sp>
+      <p:grpSp>
+        <p:nvGrpSpPr>
+          <p:cNvPr id="1136" name="그룹 1135">
+            <a:extLst>
+              <a:ext uri="{FF2B5EF4-FFF2-40B4-BE49-F238E27FC236}">
+                <a16:creationId xmlns:a16="http://schemas.microsoft.com/office/drawing/2014/main" id="{9454751D-C0DD-EF43-DBCA-D284CDCDD797}"/>
+              </a:ext>
+            </a:extLst>
+          </p:cNvPr>
+          <p:cNvGrpSpPr/>
+          <p:nvPr/>
+        </p:nvGrpSpPr>
+        <p:grpSpPr>
+          <a:xfrm>
+            <a:off x="10821906" y="2647650"/>
+            <a:ext cx="1728901" cy="1027859"/>
+            <a:chOff x="10740864" y="4216271"/>
+            <a:chExt cx="1728901" cy="1027859"/>
+          </a:xfrm>
+        </p:grpSpPr>
+        <p:sp>
+          <p:nvSpPr>
+            <p:cNvPr id="1127" name="직사각형 1126">
+              <a:extLst>
+                <a:ext uri="{FF2B5EF4-FFF2-40B4-BE49-F238E27FC236}">
+                  <a16:creationId xmlns:a16="http://schemas.microsoft.com/office/drawing/2014/main" id="{5BA95B7E-D3CB-6AB5-02CE-7369741356D3}"/>
+                </a:ext>
+              </a:extLst>
+            </p:cNvPr>
+            <p:cNvSpPr/>
+            <p:nvPr/>
+          </p:nvSpPr>
+          <p:spPr>
+            <a:xfrm>
+              <a:off x="10740866" y="4216271"/>
+              <a:ext cx="1728899" cy="342900"/>
+            </a:xfrm>
+            <a:prstGeom prst="rect">
+              <a:avLst/>
+            </a:prstGeom>
+            <a:noFill/>
+            <a:ln>
+              <a:solidFill>
+                <a:schemeClr val="tx1"/>
+              </a:solidFill>
+            </a:ln>
+          </p:spPr>
+          <p:style>
+            <a:lnRef idx="2">
+              <a:schemeClr val="accent1">
+                <a:shade val="15000"/>
+              </a:schemeClr>
+            </a:lnRef>
+            <a:fillRef idx="1">
+              <a:schemeClr val="accent1"/>
+            </a:fillRef>
+            <a:effectRef idx="0">
+              <a:schemeClr val="accent1"/>
+            </a:effectRef>
+            <a:fontRef idx="minor">
+              <a:schemeClr val="lt1"/>
+            </a:fontRef>
+          </p:style>
+          <p:txBody>
+            <a:bodyPr rtlCol="0" anchor="ctr"/>
+            <a:lstStyle/>
+            <a:p>
+              <a:pPr algn="ctr"/>
+              <a:r>
+                <a:rPr lang="ko-KR" altLang="en-US" sz="1400" dirty="0">
+                  <a:latin typeface="나눔스퀘어 Bold" panose="020B0600000101010101" pitchFamily="50" charset="-127"/>
+                  <a:ea typeface="나눔스퀘어 Bold" panose="020B0600000101010101" pitchFamily="50" charset="-127"/>
+                </a:rPr>
+                <a:t>준비 대기</a:t>
+              </a:r>
+            </a:p>
+          </p:txBody>
+        </p:sp>
+        <p:sp>
+          <p:nvSpPr>
+            <p:cNvPr id="1128" name="직사각형 1127">
+              <a:extLst>
+                <a:ext uri="{FF2B5EF4-FFF2-40B4-BE49-F238E27FC236}">
+                  <a16:creationId xmlns:a16="http://schemas.microsoft.com/office/drawing/2014/main" id="{5E2EA0B1-5572-E8CE-3607-5701A230C406}"/>
+                </a:ext>
+              </a:extLst>
+            </p:cNvPr>
+            <p:cNvSpPr/>
+            <p:nvPr/>
+          </p:nvSpPr>
+          <p:spPr>
+            <a:xfrm>
+              <a:off x="10740865" y="4556783"/>
+              <a:ext cx="1728899" cy="342900"/>
+            </a:xfrm>
+            <a:prstGeom prst="rect">
+              <a:avLst/>
+            </a:prstGeom>
+            <a:noFill/>
+            <a:ln>
+              <a:solidFill>
+                <a:schemeClr val="tx1"/>
+              </a:solidFill>
+            </a:ln>
+          </p:spPr>
+          <p:style>
+            <a:lnRef idx="2">
+              <a:schemeClr val="accent1">
+                <a:shade val="15000"/>
+              </a:schemeClr>
+            </a:lnRef>
+            <a:fillRef idx="1">
+              <a:schemeClr val="accent1"/>
+            </a:fillRef>
+            <a:effectRef idx="0">
+              <a:schemeClr val="accent1"/>
+            </a:effectRef>
+            <a:fontRef idx="minor">
+              <a:schemeClr val="lt1"/>
+            </a:fontRef>
+          </p:style>
+          <p:txBody>
+            <a:bodyPr rtlCol="0" anchor="ctr"/>
+            <a:lstStyle/>
+            <a:p>
+              <a:pPr algn="ctr"/>
+              <a:r>
+                <a:rPr lang="ko-KR" altLang="en-US" sz="1400" dirty="0">
+                  <a:latin typeface="나눔스퀘어 Bold" panose="020B0600000101010101" pitchFamily="50" charset="-127"/>
+                  <a:ea typeface="나눔스퀘어 Bold" panose="020B0600000101010101" pitchFamily="50" charset="-127"/>
+                </a:rPr>
+                <a:t>준비 대기</a:t>
+              </a:r>
+            </a:p>
+          </p:txBody>
+        </p:sp>
+        <p:sp>
+          <p:nvSpPr>
+            <p:cNvPr id="1129" name="직사각형 1128">
+              <a:extLst>
+                <a:ext uri="{FF2B5EF4-FFF2-40B4-BE49-F238E27FC236}">
+                  <a16:creationId xmlns:a16="http://schemas.microsoft.com/office/drawing/2014/main" id="{4E3C11FA-F608-1E13-FC88-F4649A21488E}"/>
+                </a:ext>
+              </a:extLst>
+            </p:cNvPr>
+            <p:cNvSpPr/>
+            <p:nvPr/>
+          </p:nvSpPr>
+          <p:spPr>
+            <a:xfrm>
+              <a:off x="10740864" y="4899683"/>
+              <a:ext cx="1728899" cy="344447"/>
+            </a:xfrm>
+            <a:prstGeom prst="rect">
+              <a:avLst/>
+            </a:prstGeom>
+            <a:noFill/>
+            <a:ln>
+              <a:solidFill>
+                <a:schemeClr val="tx1"/>
+              </a:solidFill>
+            </a:ln>
+          </p:spPr>
+          <p:style>
+            <a:lnRef idx="2">
+              <a:schemeClr val="accent1">
+                <a:shade val="15000"/>
+              </a:schemeClr>
+            </a:lnRef>
+            <a:fillRef idx="1">
+              <a:schemeClr val="accent1"/>
+            </a:fillRef>
+            <a:effectRef idx="0">
+              <a:schemeClr val="accent1"/>
+            </a:effectRef>
+            <a:fontRef idx="minor">
+              <a:schemeClr val="lt1"/>
+            </a:fontRef>
+          </p:style>
+          <p:txBody>
+            <a:bodyPr rtlCol="0" anchor="ctr"/>
+            <a:lstStyle/>
+            <a:p>
+              <a:pPr algn="ctr"/>
+              <a:r>
+                <a:rPr lang="ko-KR" altLang="en-US" sz="1400" dirty="0">
+                  <a:solidFill>
+                    <a:srgbClr val="C00000"/>
+                  </a:solidFill>
+                  <a:latin typeface="나눔스퀘어 Bold" panose="020B0600000101010101" pitchFamily="50" charset="-127"/>
+                  <a:ea typeface="나눔스퀘어 Bold" panose="020B0600000101010101" pitchFamily="50" charset="-127"/>
+                </a:rPr>
+                <a:t>준비 완료</a:t>
+              </a:r>
+            </a:p>
+          </p:txBody>
+        </p:sp>
+      </p:grpSp>
+    </p:spTree>
+    <p:extLst>
+      <p:ext uri="{BB962C8B-B14F-4D97-AF65-F5344CB8AC3E}">
+        <p14:creationId xmlns:p14="http://schemas.microsoft.com/office/powerpoint/2010/main" val="3646162943"/>
+      </p:ext>
+    </p:extLst>
+  </p:cSld>
+  <p:clrMapOvr>
+    <a:masterClrMapping/>
+  </p:clrMapOvr>
+</p:sld>
+</file>
+
 <file path=ppt/theme/theme1.xml><?xml version="1.0" encoding="utf-8"?>
 <a:theme xmlns:a="http://schemas.openxmlformats.org/drawingml/2006/main" name="Office 테마">
   <a:themeElements>

--- a/Client/PvE/REVENGER/UI/XDUI/UI.pptx
+++ b/Client/PvE/REVENGER/UI/XDUI/UI.pptx
@@ -6,6 +6,10 @@
   </p:sldMasterIdLst>
   <p:sldIdLst>
     <p:sldId id="256" r:id="rId2"/>
+    <p:sldId id="257" r:id="rId3"/>
+    <p:sldId id="258" r:id="rId4"/>
+    <p:sldId id="259" r:id="rId5"/>
+    <p:sldId id="260" r:id="rId6"/>
   </p:sldIdLst>
   <p:sldSz cx="12192000" cy="6858000"/>
   <p:notesSz cx="6858000" cy="9144000"/>
@@ -259,7 +263,7 @@
           <a:p>
             <a:fld id="{E54CAA87-A1E0-4A2A-8255-07B10906445F}" type="datetimeFigureOut">
               <a:rPr lang="ko-KR" altLang="en-US" smtClean="0"/>
-              <a:t>2023-06-07</a:t>
+              <a:t>2023-06-26</a:t>
             </a:fld>
             <a:endParaRPr lang="ko-KR" altLang="en-US"/>
           </a:p>
@@ -457,7 +461,7 @@
           <a:p>
             <a:fld id="{E54CAA87-A1E0-4A2A-8255-07B10906445F}" type="datetimeFigureOut">
               <a:rPr lang="ko-KR" altLang="en-US" smtClean="0"/>
-              <a:t>2023-06-07</a:t>
+              <a:t>2023-06-26</a:t>
             </a:fld>
             <a:endParaRPr lang="ko-KR" altLang="en-US"/>
           </a:p>
@@ -665,7 +669,7 @@
           <a:p>
             <a:fld id="{E54CAA87-A1E0-4A2A-8255-07B10906445F}" type="datetimeFigureOut">
               <a:rPr lang="ko-KR" altLang="en-US" smtClean="0"/>
-              <a:t>2023-06-07</a:t>
+              <a:t>2023-06-26</a:t>
             </a:fld>
             <a:endParaRPr lang="ko-KR" altLang="en-US"/>
           </a:p>
@@ -863,7 +867,7 @@
           <a:p>
             <a:fld id="{E54CAA87-A1E0-4A2A-8255-07B10906445F}" type="datetimeFigureOut">
               <a:rPr lang="ko-KR" altLang="en-US" smtClean="0"/>
-              <a:t>2023-06-07</a:t>
+              <a:t>2023-06-26</a:t>
             </a:fld>
             <a:endParaRPr lang="ko-KR" altLang="en-US"/>
           </a:p>
@@ -1138,7 +1142,7 @@
           <a:p>
             <a:fld id="{E54CAA87-A1E0-4A2A-8255-07B10906445F}" type="datetimeFigureOut">
               <a:rPr lang="ko-KR" altLang="en-US" smtClean="0"/>
-              <a:t>2023-06-07</a:t>
+              <a:t>2023-06-26</a:t>
             </a:fld>
             <a:endParaRPr lang="ko-KR" altLang="en-US"/>
           </a:p>
@@ -1403,7 +1407,7 @@
           <a:p>
             <a:fld id="{E54CAA87-A1E0-4A2A-8255-07B10906445F}" type="datetimeFigureOut">
               <a:rPr lang="ko-KR" altLang="en-US" smtClean="0"/>
-              <a:t>2023-06-07</a:t>
+              <a:t>2023-06-26</a:t>
             </a:fld>
             <a:endParaRPr lang="ko-KR" altLang="en-US"/>
           </a:p>
@@ -1815,7 +1819,7 @@
           <a:p>
             <a:fld id="{E54CAA87-A1E0-4A2A-8255-07B10906445F}" type="datetimeFigureOut">
               <a:rPr lang="ko-KR" altLang="en-US" smtClean="0"/>
-              <a:t>2023-06-07</a:t>
+              <a:t>2023-06-26</a:t>
             </a:fld>
             <a:endParaRPr lang="ko-KR" altLang="en-US"/>
           </a:p>
@@ -1956,7 +1960,7 @@
           <a:p>
             <a:fld id="{E54CAA87-A1E0-4A2A-8255-07B10906445F}" type="datetimeFigureOut">
               <a:rPr lang="ko-KR" altLang="en-US" smtClean="0"/>
-              <a:t>2023-06-07</a:t>
+              <a:t>2023-06-26</a:t>
             </a:fld>
             <a:endParaRPr lang="ko-KR" altLang="en-US"/>
           </a:p>
@@ -2069,7 +2073,7 @@
           <a:p>
             <a:fld id="{E54CAA87-A1E0-4A2A-8255-07B10906445F}" type="datetimeFigureOut">
               <a:rPr lang="ko-KR" altLang="en-US" smtClean="0"/>
-              <a:t>2023-06-07</a:t>
+              <a:t>2023-06-26</a:t>
             </a:fld>
             <a:endParaRPr lang="ko-KR" altLang="en-US"/>
           </a:p>
@@ -2380,7 +2384,7 @@
           <a:p>
             <a:fld id="{E54CAA87-A1E0-4A2A-8255-07B10906445F}" type="datetimeFigureOut">
               <a:rPr lang="ko-KR" altLang="en-US" smtClean="0"/>
-              <a:t>2023-06-07</a:t>
+              <a:t>2023-06-26</a:t>
             </a:fld>
             <a:endParaRPr lang="ko-KR" altLang="en-US"/>
           </a:p>
@@ -2668,7 +2672,7 @@
           <a:p>
             <a:fld id="{E54CAA87-A1E0-4A2A-8255-07B10906445F}" type="datetimeFigureOut">
               <a:rPr lang="ko-KR" altLang="en-US" smtClean="0"/>
-              <a:t>2023-06-07</a:t>
+              <a:t>2023-06-26</a:t>
             </a:fld>
             <a:endParaRPr lang="ko-KR" altLang="en-US"/>
           </a:p>
@@ -2909,7 +2913,7 @@
           <a:p>
             <a:fld id="{E54CAA87-A1E0-4A2A-8255-07B10906445F}" type="datetimeFigureOut">
               <a:rPr lang="ko-KR" altLang="en-US" smtClean="0"/>
-              <a:t>2023-06-07</a:t>
+              <a:t>2023-06-26</a:t>
             </a:fld>
             <a:endParaRPr lang="ko-KR" altLang="en-US"/>
           </a:p>
@@ -7393,6 +7397,6391 @@
 </p:sld>
 </file>
 
+<file path=ppt/slides/slide2.xml><?xml version="1.0" encoding="utf-8"?>
+<p:sld xmlns:a="http://schemas.openxmlformats.org/drawingml/2006/main" xmlns:r="http://schemas.openxmlformats.org/officeDocument/2006/relationships" xmlns:p="http://schemas.openxmlformats.org/presentationml/2006/main">
+  <p:cSld>
+    <p:spTree>
+      <p:nvGrpSpPr>
+        <p:cNvPr id="1" name=""/>
+        <p:cNvGrpSpPr/>
+        <p:nvPr/>
+      </p:nvGrpSpPr>
+      <p:grpSpPr>
+        <a:xfrm>
+          <a:off x="0" y="0"/>
+          <a:ext cx="0" cy="0"/>
+          <a:chOff x="0" y="0"/>
+          <a:chExt cx="0" cy="0"/>
+        </a:xfrm>
+      </p:grpSpPr>
+      <p:pic>
+        <p:nvPicPr>
+          <p:cNvPr id="8" name="그림 7">
+            <a:extLst>
+              <a:ext uri="{FF2B5EF4-FFF2-40B4-BE49-F238E27FC236}">
+                <a16:creationId xmlns:a16="http://schemas.microsoft.com/office/drawing/2014/main" id="{7160F3C6-882E-CF65-0291-99B1F5F2ACD9}"/>
+              </a:ext>
+            </a:extLst>
+          </p:cNvPr>
+          <p:cNvPicPr>
+            <a:picLocks noChangeAspect="1"/>
+          </p:cNvPicPr>
+          <p:nvPr/>
+        </p:nvPicPr>
+        <p:blipFill>
+          <a:blip r:embed="rId2">
+            <a:extLst>
+              <a:ext uri="{28A0092B-C50C-407E-A947-70E740481C1C}">
+                <a14:useLocalDpi xmlns:a14="http://schemas.microsoft.com/office/drawing/2010/main" val="0"/>
+              </a:ext>
+            </a:extLst>
+          </a:blip>
+          <a:stretch>
+            <a:fillRect/>
+          </a:stretch>
+        </p:blipFill>
+        <p:spPr>
+          <a:xfrm>
+            <a:off x="1809750" y="0"/>
+            <a:ext cx="8572500" cy="6858000"/>
+          </a:xfrm>
+          <a:prstGeom prst="rect">
+            <a:avLst/>
+          </a:prstGeom>
+        </p:spPr>
+      </p:pic>
+      <p:grpSp>
+        <p:nvGrpSpPr>
+          <p:cNvPr id="29" name="그룹 28">
+            <a:extLst>
+              <a:ext uri="{FF2B5EF4-FFF2-40B4-BE49-F238E27FC236}">
+                <a16:creationId xmlns:a16="http://schemas.microsoft.com/office/drawing/2014/main" id="{B5EBE16B-1653-BB77-5A66-103B6807B6E6}"/>
+              </a:ext>
+            </a:extLst>
+          </p:cNvPr>
+          <p:cNvGrpSpPr/>
+          <p:nvPr/>
+        </p:nvGrpSpPr>
+        <p:grpSpPr>
+          <a:xfrm>
+            <a:off x="2056825" y="4279218"/>
+            <a:ext cx="2266950" cy="2309590"/>
+            <a:chOff x="2056825" y="4279218"/>
+            <a:chExt cx="2266950" cy="2309590"/>
+          </a:xfrm>
+        </p:grpSpPr>
+        <p:grpSp>
+          <p:nvGrpSpPr>
+            <p:cNvPr id="17" name="그룹 16">
+              <a:extLst>
+                <a:ext uri="{FF2B5EF4-FFF2-40B4-BE49-F238E27FC236}">
+                  <a16:creationId xmlns:a16="http://schemas.microsoft.com/office/drawing/2014/main" id="{EFA09F6E-F7C1-00EA-6356-F559CD5EAFEA}"/>
+                </a:ext>
+              </a:extLst>
+            </p:cNvPr>
+            <p:cNvGrpSpPr/>
+            <p:nvPr/>
+          </p:nvGrpSpPr>
+          <p:grpSpPr>
+            <a:xfrm>
+              <a:off x="2056825" y="4279218"/>
+              <a:ext cx="2266950" cy="2309590"/>
+              <a:chOff x="2056825" y="4514850"/>
+              <a:chExt cx="2266950" cy="1838325"/>
+            </a:xfrm>
+          </p:grpSpPr>
+          <p:sp>
+            <p:nvSpPr>
+              <p:cNvPr id="13" name="직사각형 12">
+                <a:extLst>
+                  <a:ext uri="{FF2B5EF4-FFF2-40B4-BE49-F238E27FC236}">
+                    <a16:creationId xmlns:a16="http://schemas.microsoft.com/office/drawing/2014/main" id="{A7695C39-E3DB-E017-91ED-4AAA57D35E1C}"/>
+                  </a:ext>
+                </a:extLst>
+              </p:cNvPr>
+              <p:cNvSpPr/>
+              <p:nvPr/>
+            </p:nvSpPr>
+            <p:spPr>
+              <a:xfrm>
+                <a:off x="2056825" y="4514850"/>
+                <a:ext cx="2266950" cy="1838325"/>
+              </a:xfrm>
+              <a:prstGeom prst="rect">
+                <a:avLst/>
+              </a:prstGeom>
+              <a:noFill/>
+              <a:ln w="57150">
+                <a:solidFill>
+                  <a:schemeClr val="bg1"/>
+                </a:solidFill>
+              </a:ln>
+            </p:spPr>
+            <p:style>
+              <a:lnRef idx="2">
+                <a:schemeClr val="accent1">
+                  <a:shade val="15000"/>
+                </a:schemeClr>
+              </a:lnRef>
+              <a:fillRef idx="1">
+                <a:schemeClr val="accent1"/>
+              </a:fillRef>
+              <a:effectRef idx="0">
+                <a:schemeClr val="accent1"/>
+              </a:effectRef>
+              <a:fontRef idx="minor">
+                <a:schemeClr val="lt1"/>
+              </a:fontRef>
+            </p:style>
+            <p:txBody>
+              <a:bodyPr rtlCol="0" anchor="ctr"/>
+              <a:lstStyle/>
+              <a:p>
+                <a:pPr algn="ctr"/>
+                <a:endParaRPr lang="ko-KR" altLang="en-US" dirty="0"/>
+              </a:p>
+            </p:txBody>
+          </p:sp>
+          <p:sp>
+            <p:nvSpPr>
+              <p:cNvPr id="9" name="직사각형 8">
+                <a:extLst>
+                  <a:ext uri="{FF2B5EF4-FFF2-40B4-BE49-F238E27FC236}">
+                    <a16:creationId xmlns:a16="http://schemas.microsoft.com/office/drawing/2014/main" id="{5EA3A433-AD13-6DE3-F7E7-947F0DD2D706}"/>
+                  </a:ext>
+                </a:extLst>
+              </p:cNvPr>
+              <p:cNvSpPr/>
+              <p:nvPr/>
+            </p:nvSpPr>
+            <p:spPr>
+              <a:xfrm>
+                <a:off x="2056825" y="4514850"/>
+                <a:ext cx="2266950" cy="1838325"/>
+              </a:xfrm>
+              <a:prstGeom prst="rect">
+                <a:avLst/>
+              </a:prstGeom>
+              <a:solidFill>
+                <a:srgbClr val="030303"/>
+              </a:solidFill>
+              <a:ln w="28575">
+                <a:solidFill>
+                  <a:srgbClr val="F6DEAA"/>
+                </a:solidFill>
+              </a:ln>
+            </p:spPr>
+            <p:style>
+              <a:lnRef idx="2">
+                <a:schemeClr val="accent1">
+                  <a:shade val="15000"/>
+                </a:schemeClr>
+              </a:lnRef>
+              <a:fillRef idx="1">
+                <a:schemeClr val="accent1"/>
+              </a:fillRef>
+              <a:effectRef idx="0">
+                <a:schemeClr val="accent1"/>
+              </a:effectRef>
+              <a:fontRef idx="minor">
+                <a:schemeClr val="lt1"/>
+              </a:fontRef>
+            </p:style>
+            <p:txBody>
+              <a:bodyPr rtlCol="0" anchor="ctr"/>
+              <a:lstStyle/>
+              <a:p>
+                <a:pPr algn="ctr"/>
+                <a:endParaRPr lang="ko-KR" altLang="en-US"/>
+              </a:p>
+            </p:txBody>
+          </p:sp>
+        </p:grpSp>
+        <p:sp>
+          <p:nvSpPr>
+            <p:cNvPr id="14" name="직사각형 13">
+              <a:extLst>
+                <a:ext uri="{FF2B5EF4-FFF2-40B4-BE49-F238E27FC236}">
+                  <a16:creationId xmlns:a16="http://schemas.microsoft.com/office/drawing/2014/main" id="{454F8F55-6BAF-C1E6-9BC0-0F679F396AB2}"/>
+                </a:ext>
+              </a:extLst>
+            </p:cNvPr>
+            <p:cNvSpPr/>
+            <p:nvPr/>
+          </p:nvSpPr>
+          <p:spPr>
+            <a:xfrm>
+              <a:off x="2755821" y="4414606"/>
+              <a:ext cx="1448710" cy="435836"/>
+            </a:xfrm>
+            <a:prstGeom prst="rect">
+              <a:avLst/>
+            </a:prstGeom>
+            <a:solidFill>
+              <a:schemeClr val="bg1">
+                <a:lumMod val="75000"/>
+              </a:schemeClr>
+            </a:solidFill>
+            <a:ln>
+              <a:noFill/>
+            </a:ln>
+          </p:spPr>
+          <p:style>
+            <a:lnRef idx="2">
+              <a:schemeClr val="accent1">
+                <a:shade val="15000"/>
+              </a:schemeClr>
+            </a:lnRef>
+            <a:fillRef idx="1">
+              <a:schemeClr val="accent1"/>
+            </a:fillRef>
+            <a:effectRef idx="0">
+              <a:schemeClr val="accent1"/>
+            </a:effectRef>
+            <a:fontRef idx="minor">
+              <a:schemeClr val="lt1"/>
+            </a:fontRef>
+          </p:style>
+          <p:txBody>
+            <a:bodyPr rtlCol="0" anchor="ctr"/>
+            <a:lstStyle/>
+            <a:p>
+              <a:pPr algn="ctr"/>
+              <a:endParaRPr lang="ko-KR" altLang="en-US"/>
+            </a:p>
+          </p:txBody>
+        </p:sp>
+        <p:sp>
+          <p:nvSpPr>
+            <p:cNvPr id="15" name="직사각형 14">
+              <a:extLst>
+                <a:ext uri="{FF2B5EF4-FFF2-40B4-BE49-F238E27FC236}">
+                  <a16:creationId xmlns:a16="http://schemas.microsoft.com/office/drawing/2014/main" id="{CCBE92BC-1E57-BCD6-FBDC-E7D0724C0849}"/>
+                </a:ext>
+              </a:extLst>
+            </p:cNvPr>
+            <p:cNvSpPr/>
+            <p:nvPr/>
+          </p:nvSpPr>
+          <p:spPr>
+            <a:xfrm>
+              <a:off x="2755821" y="4973242"/>
+              <a:ext cx="1448710" cy="435836"/>
+            </a:xfrm>
+            <a:prstGeom prst="rect">
+              <a:avLst/>
+            </a:prstGeom>
+            <a:solidFill>
+              <a:schemeClr val="bg1">
+                <a:lumMod val="75000"/>
+              </a:schemeClr>
+            </a:solidFill>
+            <a:ln>
+              <a:noFill/>
+            </a:ln>
+          </p:spPr>
+          <p:style>
+            <a:lnRef idx="2">
+              <a:schemeClr val="accent1">
+                <a:shade val="15000"/>
+              </a:schemeClr>
+            </a:lnRef>
+            <a:fillRef idx="1">
+              <a:schemeClr val="accent1"/>
+            </a:fillRef>
+            <a:effectRef idx="0">
+              <a:schemeClr val="accent1"/>
+            </a:effectRef>
+            <a:fontRef idx="minor">
+              <a:schemeClr val="lt1"/>
+            </a:fontRef>
+          </p:style>
+          <p:txBody>
+            <a:bodyPr rtlCol="0" anchor="ctr"/>
+            <a:lstStyle/>
+            <a:p>
+              <a:pPr algn="ctr"/>
+              <a:endParaRPr lang="ko-KR" altLang="en-US" dirty="0"/>
+            </a:p>
+          </p:txBody>
+        </p:sp>
+        <p:sp>
+          <p:nvSpPr>
+            <p:cNvPr id="16" name="직사각형 15">
+              <a:extLst>
+                <a:ext uri="{FF2B5EF4-FFF2-40B4-BE49-F238E27FC236}">
+                  <a16:creationId xmlns:a16="http://schemas.microsoft.com/office/drawing/2014/main" id="{9E5273B3-21FE-EC43-1967-05A0ABFA84A4}"/>
+                </a:ext>
+              </a:extLst>
+            </p:cNvPr>
+            <p:cNvSpPr/>
+            <p:nvPr/>
+          </p:nvSpPr>
+          <p:spPr>
+            <a:xfrm>
+              <a:off x="2755821" y="5517969"/>
+              <a:ext cx="1448710" cy="435836"/>
+            </a:xfrm>
+            <a:prstGeom prst="rect">
+              <a:avLst/>
+            </a:prstGeom>
+            <a:solidFill>
+              <a:schemeClr val="bg1">
+                <a:lumMod val="75000"/>
+              </a:schemeClr>
+            </a:solidFill>
+            <a:ln>
+              <a:noFill/>
+            </a:ln>
+          </p:spPr>
+          <p:style>
+            <a:lnRef idx="2">
+              <a:schemeClr val="accent1">
+                <a:shade val="15000"/>
+              </a:schemeClr>
+            </a:lnRef>
+            <a:fillRef idx="1">
+              <a:schemeClr val="accent1"/>
+            </a:fillRef>
+            <a:effectRef idx="0">
+              <a:schemeClr val="accent1"/>
+            </a:effectRef>
+            <a:fontRef idx="minor">
+              <a:schemeClr val="lt1"/>
+            </a:fontRef>
+          </p:style>
+          <p:txBody>
+            <a:bodyPr rtlCol="0" anchor="ctr"/>
+            <a:lstStyle/>
+            <a:p>
+              <a:pPr algn="ctr"/>
+              <a:endParaRPr lang="ko-KR" altLang="en-US"/>
+            </a:p>
+          </p:txBody>
+        </p:sp>
+        <p:sp>
+          <p:nvSpPr>
+            <p:cNvPr id="22" name="사각형: 둥근 모서리 21">
+              <a:extLst>
+                <a:ext uri="{FF2B5EF4-FFF2-40B4-BE49-F238E27FC236}">
+                  <a16:creationId xmlns:a16="http://schemas.microsoft.com/office/drawing/2014/main" id="{B26FD2E2-3E62-5D0C-31F1-0BC3D2171F2A}"/>
+                </a:ext>
+              </a:extLst>
+            </p:cNvPr>
+            <p:cNvSpPr/>
+            <p:nvPr/>
+          </p:nvSpPr>
+          <p:spPr>
+            <a:xfrm>
+              <a:off x="3228687" y="6069650"/>
+              <a:ext cx="1018417" cy="435836"/>
+            </a:xfrm>
+            <a:prstGeom prst="roundRect">
+              <a:avLst>
+                <a:gd name="adj" fmla="val 50000"/>
+              </a:avLst>
+            </a:prstGeom>
+            <a:gradFill>
+              <a:gsLst>
+                <a:gs pos="0">
+                  <a:schemeClr val="accent1">
+                    <a:lumMod val="5000"/>
+                    <a:lumOff val="95000"/>
+                  </a:schemeClr>
+                </a:gs>
+                <a:gs pos="33000">
+                  <a:schemeClr val="accent1">
+                    <a:lumMod val="67000"/>
+                    <a:lumOff val="33000"/>
+                  </a:schemeClr>
+                </a:gs>
+                <a:gs pos="66000">
+                  <a:schemeClr val="accent1">
+                    <a:lumMod val="67000"/>
+                    <a:lumOff val="33000"/>
+                  </a:schemeClr>
+                </a:gs>
+                <a:gs pos="100000">
+                  <a:schemeClr val="bg1"/>
+                </a:gs>
+              </a:gsLst>
+              <a:lin ang="5400000" scaled="1"/>
+            </a:gradFill>
+            <a:ln>
+              <a:noFill/>
+            </a:ln>
+          </p:spPr>
+          <p:style>
+            <a:lnRef idx="2">
+              <a:schemeClr val="accent1">
+                <a:shade val="15000"/>
+              </a:schemeClr>
+            </a:lnRef>
+            <a:fillRef idx="1">
+              <a:schemeClr val="accent1"/>
+            </a:fillRef>
+            <a:effectRef idx="0">
+              <a:schemeClr val="accent1"/>
+            </a:effectRef>
+            <a:fontRef idx="minor">
+              <a:schemeClr val="lt1"/>
+            </a:fontRef>
+          </p:style>
+          <p:txBody>
+            <a:bodyPr rtlCol="0" anchor="ctr"/>
+            <a:lstStyle/>
+            <a:p>
+              <a:pPr algn="ctr"/>
+              <a:r>
+                <a:rPr lang="en-US" altLang="ko-KR" sz="1600" b="1" dirty="0">
+                  <a:solidFill>
+                    <a:schemeClr val="tx1"/>
+                  </a:solidFill>
+                </a:rPr>
+                <a:t>LOG IN</a:t>
+              </a:r>
+              <a:endParaRPr lang="ko-KR" altLang="en-US" sz="1600" b="1" dirty="0">
+                <a:solidFill>
+                  <a:schemeClr val="tx1"/>
+                </a:solidFill>
+              </a:endParaRPr>
+            </a:p>
+          </p:txBody>
+        </p:sp>
+        <p:sp>
+          <p:nvSpPr>
+            <p:cNvPr id="24" name="사각형: 둥근 모서리 23">
+              <a:extLst>
+                <a:ext uri="{FF2B5EF4-FFF2-40B4-BE49-F238E27FC236}">
+                  <a16:creationId xmlns:a16="http://schemas.microsoft.com/office/drawing/2014/main" id="{522333BA-5B16-04B2-98F0-53275D126127}"/>
+                </a:ext>
+              </a:extLst>
+            </p:cNvPr>
+            <p:cNvSpPr/>
+            <p:nvPr/>
+          </p:nvSpPr>
+          <p:spPr>
+            <a:xfrm>
+              <a:off x="2133600" y="6069650"/>
+              <a:ext cx="1018417" cy="435836"/>
+            </a:xfrm>
+            <a:prstGeom prst="roundRect">
+              <a:avLst>
+                <a:gd name="adj" fmla="val 50000"/>
+              </a:avLst>
+            </a:prstGeom>
+            <a:gradFill>
+              <a:gsLst>
+                <a:gs pos="33000">
+                  <a:schemeClr val="bg1"/>
+                </a:gs>
+                <a:gs pos="0">
+                  <a:schemeClr val="accent2">
+                    <a:lumMod val="75000"/>
+                  </a:schemeClr>
+                </a:gs>
+                <a:gs pos="100000">
+                  <a:schemeClr val="accent2">
+                    <a:lumMod val="75000"/>
+                  </a:schemeClr>
+                </a:gs>
+                <a:gs pos="66000">
+                  <a:schemeClr val="bg1"/>
+                </a:gs>
+              </a:gsLst>
+              <a:lin ang="5400000" scaled="1"/>
+            </a:gradFill>
+            <a:ln>
+              <a:noFill/>
+            </a:ln>
+          </p:spPr>
+          <p:style>
+            <a:lnRef idx="2">
+              <a:schemeClr val="accent1">
+                <a:shade val="15000"/>
+              </a:schemeClr>
+            </a:lnRef>
+            <a:fillRef idx="1">
+              <a:schemeClr val="accent1"/>
+            </a:fillRef>
+            <a:effectRef idx="0">
+              <a:schemeClr val="accent1"/>
+            </a:effectRef>
+            <a:fontRef idx="minor">
+              <a:schemeClr val="lt1"/>
+            </a:fontRef>
+          </p:style>
+          <p:txBody>
+            <a:bodyPr lIns="0" tIns="0" rIns="0" bIns="0" rtlCol="0" anchor="ctr"/>
+            <a:lstStyle/>
+            <a:p>
+              <a:pPr algn="ctr"/>
+              <a:r>
+                <a:rPr lang="en-US" altLang="ko-KR" sz="1050" b="1" dirty="0">
+                  <a:solidFill>
+                    <a:schemeClr val="tx1"/>
+                  </a:solidFill>
+                </a:rPr>
+                <a:t>REGISTRAION</a:t>
+              </a:r>
+              <a:endParaRPr lang="ko-KR" altLang="en-US" sz="1050" b="1" dirty="0">
+                <a:solidFill>
+                  <a:schemeClr val="tx1"/>
+                </a:solidFill>
+              </a:endParaRPr>
+            </a:p>
+          </p:txBody>
+        </p:sp>
+        <p:sp>
+          <p:nvSpPr>
+            <p:cNvPr id="26" name="직사각형 25">
+              <a:extLst>
+                <a:ext uri="{FF2B5EF4-FFF2-40B4-BE49-F238E27FC236}">
+                  <a16:creationId xmlns:a16="http://schemas.microsoft.com/office/drawing/2014/main" id="{DA15F454-CA1A-89B1-7524-9BC74056E72E}"/>
+                </a:ext>
+              </a:extLst>
+            </p:cNvPr>
+            <p:cNvSpPr/>
+            <p:nvPr/>
+          </p:nvSpPr>
+          <p:spPr>
+            <a:xfrm>
+              <a:off x="2154834" y="4414606"/>
+              <a:ext cx="502977" cy="435836"/>
+            </a:xfrm>
+            <a:prstGeom prst="rect">
+              <a:avLst/>
+            </a:prstGeom>
+            <a:noFill/>
+            <a:ln>
+              <a:noFill/>
+            </a:ln>
+          </p:spPr>
+          <p:style>
+            <a:lnRef idx="2">
+              <a:schemeClr val="accent1">
+                <a:shade val="15000"/>
+              </a:schemeClr>
+            </a:lnRef>
+            <a:fillRef idx="1">
+              <a:schemeClr val="accent1"/>
+            </a:fillRef>
+            <a:effectRef idx="0">
+              <a:schemeClr val="accent1"/>
+            </a:effectRef>
+            <a:fontRef idx="minor">
+              <a:schemeClr val="lt1"/>
+            </a:fontRef>
+          </p:style>
+          <p:txBody>
+            <a:bodyPr rtlCol="0" anchor="ctr"/>
+            <a:lstStyle/>
+            <a:p>
+              <a:pPr algn="ctr"/>
+              <a:r>
+                <a:rPr lang="en-US" altLang="ko-KR" sz="1400" b="1" dirty="0">
+                  <a:solidFill>
+                    <a:schemeClr val="bg1"/>
+                  </a:solidFill>
+                </a:rPr>
+                <a:t>ID</a:t>
+              </a:r>
+              <a:endParaRPr lang="ko-KR" altLang="en-US" sz="1400" b="1" dirty="0">
+                <a:solidFill>
+                  <a:schemeClr val="bg1"/>
+                </a:solidFill>
+              </a:endParaRPr>
+            </a:p>
+          </p:txBody>
+        </p:sp>
+        <p:sp>
+          <p:nvSpPr>
+            <p:cNvPr id="27" name="직사각형 26">
+              <a:extLst>
+                <a:ext uri="{FF2B5EF4-FFF2-40B4-BE49-F238E27FC236}">
+                  <a16:creationId xmlns:a16="http://schemas.microsoft.com/office/drawing/2014/main" id="{33B7D69D-47FB-2514-AB9A-628DF2294428}"/>
+                </a:ext>
+              </a:extLst>
+            </p:cNvPr>
+            <p:cNvSpPr/>
+            <p:nvPr/>
+          </p:nvSpPr>
+          <p:spPr>
+            <a:xfrm>
+              <a:off x="2154835" y="4973242"/>
+              <a:ext cx="502977" cy="435836"/>
+            </a:xfrm>
+            <a:prstGeom prst="rect">
+              <a:avLst/>
+            </a:prstGeom>
+            <a:noFill/>
+            <a:ln>
+              <a:noFill/>
+            </a:ln>
+          </p:spPr>
+          <p:style>
+            <a:lnRef idx="2">
+              <a:schemeClr val="accent1">
+                <a:shade val="15000"/>
+              </a:schemeClr>
+            </a:lnRef>
+            <a:fillRef idx="1">
+              <a:schemeClr val="accent1"/>
+            </a:fillRef>
+            <a:effectRef idx="0">
+              <a:schemeClr val="accent1"/>
+            </a:effectRef>
+            <a:fontRef idx="minor">
+              <a:schemeClr val="lt1"/>
+            </a:fontRef>
+          </p:style>
+          <p:txBody>
+            <a:bodyPr rtlCol="0" anchor="ctr"/>
+            <a:lstStyle/>
+            <a:p>
+              <a:pPr algn="ctr"/>
+              <a:r>
+                <a:rPr lang="en-US" altLang="ko-KR" sz="1400" b="1" dirty="0">
+                  <a:solidFill>
+                    <a:schemeClr val="bg1"/>
+                  </a:solidFill>
+                </a:rPr>
+                <a:t>PW</a:t>
+              </a:r>
+              <a:endParaRPr lang="ko-KR" altLang="en-US" sz="1400" b="1" dirty="0">
+                <a:solidFill>
+                  <a:schemeClr val="bg1"/>
+                </a:solidFill>
+              </a:endParaRPr>
+            </a:p>
+          </p:txBody>
+        </p:sp>
+        <p:sp>
+          <p:nvSpPr>
+            <p:cNvPr id="28" name="직사각형 27">
+              <a:extLst>
+                <a:ext uri="{FF2B5EF4-FFF2-40B4-BE49-F238E27FC236}">
+                  <a16:creationId xmlns:a16="http://schemas.microsoft.com/office/drawing/2014/main" id="{264360D3-1EB7-EA0B-951C-F0600B127622}"/>
+                </a:ext>
+              </a:extLst>
+            </p:cNvPr>
+            <p:cNvSpPr/>
+            <p:nvPr/>
+          </p:nvSpPr>
+          <p:spPr>
+            <a:xfrm>
+              <a:off x="2154835" y="5517969"/>
+              <a:ext cx="502977" cy="435836"/>
+            </a:xfrm>
+            <a:prstGeom prst="rect">
+              <a:avLst/>
+            </a:prstGeom>
+            <a:noFill/>
+            <a:ln>
+              <a:noFill/>
+            </a:ln>
+          </p:spPr>
+          <p:style>
+            <a:lnRef idx="2">
+              <a:schemeClr val="accent1">
+                <a:shade val="15000"/>
+              </a:schemeClr>
+            </a:lnRef>
+            <a:fillRef idx="1">
+              <a:schemeClr val="accent1"/>
+            </a:fillRef>
+            <a:effectRef idx="0">
+              <a:schemeClr val="accent1"/>
+            </a:effectRef>
+            <a:fontRef idx="minor">
+              <a:schemeClr val="lt1"/>
+            </a:fontRef>
+          </p:style>
+          <p:txBody>
+            <a:bodyPr rtlCol="0" anchor="ctr"/>
+            <a:lstStyle/>
+            <a:p>
+              <a:pPr algn="ctr"/>
+              <a:r>
+                <a:rPr lang="en-US" altLang="ko-KR" sz="1400" b="1" dirty="0">
+                  <a:solidFill>
+                    <a:schemeClr val="bg1"/>
+                  </a:solidFill>
+                </a:rPr>
+                <a:t>IP</a:t>
+              </a:r>
+              <a:endParaRPr lang="ko-KR" altLang="en-US" sz="1400" b="1" dirty="0">
+                <a:solidFill>
+                  <a:schemeClr val="bg1"/>
+                </a:solidFill>
+              </a:endParaRPr>
+            </a:p>
+          </p:txBody>
+        </p:sp>
+      </p:grpSp>
+    </p:spTree>
+    <p:extLst>
+      <p:ext uri="{BB962C8B-B14F-4D97-AF65-F5344CB8AC3E}">
+        <p14:creationId xmlns:p14="http://schemas.microsoft.com/office/powerpoint/2010/main" val="827098668"/>
+      </p:ext>
+    </p:extLst>
+  </p:cSld>
+  <p:clrMapOvr>
+    <a:masterClrMapping/>
+  </p:clrMapOvr>
+</p:sld>
+</file>
+
+<file path=ppt/slides/slide3.xml><?xml version="1.0" encoding="utf-8"?>
+<p:sld xmlns:a="http://schemas.openxmlformats.org/drawingml/2006/main" xmlns:r="http://schemas.openxmlformats.org/officeDocument/2006/relationships" xmlns:p="http://schemas.openxmlformats.org/presentationml/2006/main">
+  <p:cSld>
+    <p:spTree>
+      <p:nvGrpSpPr>
+        <p:cNvPr id="1" name=""/>
+        <p:cNvGrpSpPr/>
+        <p:nvPr/>
+      </p:nvGrpSpPr>
+      <p:grpSpPr>
+        <a:xfrm>
+          <a:off x="0" y="0"/>
+          <a:ext cx="0" cy="0"/>
+          <a:chOff x="0" y="0"/>
+          <a:chExt cx="0" cy="0"/>
+        </a:xfrm>
+      </p:grpSpPr>
+      <p:pic>
+        <p:nvPicPr>
+          <p:cNvPr id="8" name="그림 7">
+            <a:extLst>
+              <a:ext uri="{FF2B5EF4-FFF2-40B4-BE49-F238E27FC236}">
+                <a16:creationId xmlns:a16="http://schemas.microsoft.com/office/drawing/2014/main" id="{7160F3C6-882E-CF65-0291-99B1F5F2ACD9}"/>
+              </a:ext>
+            </a:extLst>
+          </p:cNvPr>
+          <p:cNvPicPr>
+            <a:picLocks noChangeAspect="1"/>
+          </p:cNvPicPr>
+          <p:nvPr/>
+        </p:nvPicPr>
+        <p:blipFill>
+          <a:blip r:embed="rId2">
+            <a:extLst>
+              <a:ext uri="{28A0092B-C50C-407E-A947-70E740481C1C}">
+                <a14:useLocalDpi xmlns:a14="http://schemas.microsoft.com/office/drawing/2010/main" val="0"/>
+              </a:ext>
+            </a:extLst>
+          </a:blip>
+          <a:stretch>
+            <a:fillRect/>
+          </a:stretch>
+        </p:blipFill>
+        <p:spPr>
+          <a:xfrm>
+            <a:off x="1809750" y="0"/>
+            <a:ext cx="8572500" cy="6858000"/>
+          </a:xfrm>
+          <a:prstGeom prst="rect">
+            <a:avLst/>
+          </a:prstGeom>
+        </p:spPr>
+      </p:pic>
+      <p:grpSp>
+        <p:nvGrpSpPr>
+          <p:cNvPr id="6" name="그룹 5">
+            <a:extLst>
+              <a:ext uri="{FF2B5EF4-FFF2-40B4-BE49-F238E27FC236}">
+                <a16:creationId xmlns:a16="http://schemas.microsoft.com/office/drawing/2014/main" id="{3E53A08D-F072-D287-021E-6FCF125D43EF}"/>
+              </a:ext>
+            </a:extLst>
+          </p:cNvPr>
+          <p:cNvGrpSpPr/>
+          <p:nvPr/>
+        </p:nvGrpSpPr>
+        <p:grpSpPr>
+          <a:xfrm>
+            <a:off x="2210873" y="1313645"/>
+            <a:ext cx="7770254" cy="4230710"/>
+            <a:chOff x="1935119" y="1045257"/>
+            <a:chExt cx="8321761" cy="4767485"/>
+          </a:xfrm>
+        </p:grpSpPr>
+        <p:pic>
+          <p:nvPicPr>
+            <p:cNvPr id="3" name="그림 2">
+              <a:extLst>
+                <a:ext uri="{FF2B5EF4-FFF2-40B4-BE49-F238E27FC236}">
+                  <a16:creationId xmlns:a16="http://schemas.microsoft.com/office/drawing/2014/main" id="{5FE2626A-C301-3146-901E-5DC475F10762}"/>
+                </a:ext>
+              </a:extLst>
+            </p:cNvPr>
+            <p:cNvPicPr>
+              <a:picLocks noChangeAspect="1"/>
+            </p:cNvPicPr>
+            <p:nvPr/>
+          </p:nvPicPr>
+          <p:blipFill>
+            <a:blip r:embed="rId3">
+              <a:extLst>
+                <a:ext uri="{28A0092B-C50C-407E-A947-70E740481C1C}">
+                  <a14:useLocalDpi xmlns:a14="http://schemas.microsoft.com/office/drawing/2010/main" val="0"/>
+                </a:ext>
+              </a:extLst>
+            </a:blip>
+            <a:stretch>
+              <a:fillRect/>
+            </a:stretch>
+          </p:blipFill>
+          <p:spPr>
+            <a:xfrm>
+              <a:off x="1935119" y="1045257"/>
+              <a:ext cx="8321761" cy="4767485"/>
+            </a:xfrm>
+            <a:prstGeom prst="rect">
+              <a:avLst/>
+            </a:prstGeom>
+          </p:spPr>
+        </p:pic>
+        <p:pic>
+          <p:nvPicPr>
+            <p:cNvPr id="5" name="그림 4">
+              <a:extLst>
+                <a:ext uri="{FF2B5EF4-FFF2-40B4-BE49-F238E27FC236}">
+                  <a16:creationId xmlns:a16="http://schemas.microsoft.com/office/drawing/2014/main" id="{BA96D7C5-FE39-06B9-04F6-1435A58E98BF}"/>
+                </a:ext>
+              </a:extLst>
+            </p:cNvPr>
+            <p:cNvPicPr>
+              <a:picLocks noChangeAspect="1"/>
+            </p:cNvPicPr>
+            <p:nvPr/>
+          </p:nvPicPr>
+          <p:blipFill>
+            <a:blip r:embed="rId4">
+              <a:extLst>
+                <a:ext uri="{28A0092B-C50C-407E-A947-70E740481C1C}">
+                  <a14:useLocalDpi xmlns:a14="http://schemas.microsoft.com/office/drawing/2010/main" val="0"/>
+                </a:ext>
+              </a:extLst>
+            </a:blip>
+            <a:stretch>
+              <a:fillRect/>
+            </a:stretch>
+          </p:blipFill>
+          <p:spPr>
+            <a:xfrm>
+              <a:off x="2104627" y="2294054"/>
+              <a:ext cx="8053514" cy="3377477"/>
+            </a:xfrm>
+            <a:prstGeom prst="rect">
+              <a:avLst/>
+            </a:prstGeom>
+          </p:spPr>
+        </p:pic>
+      </p:grpSp>
+    </p:spTree>
+    <p:extLst>
+      <p:ext uri="{BB962C8B-B14F-4D97-AF65-F5344CB8AC3E}">
+        <p14:creationId xmlns:p14="http://schemas.microsoft.com/office/powerpoint/2010/main" val="2026115635"/>
+      </p:ext>
+    </p:extLst>
+  </p:cSld>
+  <p:clrMapOvr>
+    <a:masterClrMapping/>
+  </p:clrMapOvr>
+</p:sld>
+</file>
+
+<file path=ppt/slides/slide4.xml><?xml version="1.0" encoding="utf-8"?>
+<p:sld xmlns:a="http://schemas.openxmlformats.org/drawingml/2006/main" xmlns:r="http://schemas.openxmlformats.org/officeDocument/2006/relationships" xmlns:p="http://schemas.openxmlformats.org/presentationml/2006/main">
+  <p:cSld>
+    <p:spTree>
+      <p:nvGrpSpPr>
+        <p:cNvPr id="1" name=""/>
+        <p:cNvGrpSpPr/>
+        <p:nvPr/>
+      </p:nvGrpSpPr>
+      <p:grpSpPr>
+        <a:xfrm>
+          <a:off x="0" y="0"/>
+          <a:ext cx="0" cy="0"/>
+          <a:chOff x="0" y="0"/>
+          <a:chExt cx="0" cy="0"/>
+        </a:xfrm>
+      </p:grpSpPr>
+      <p:pic>
+        <p:nvPicPr>
+          <p:cNvPr id="8" name="그림 7">
+            <a:extLst>
+              <a:ext uri="{FF2B5EF4-FFF2-40B4-BE49-F238E27FC236}">
+                <a16:creationId xmlns:a16="http://schemas.microsoft.com/office/drawing/2014/main" id="{7160F3C6-882E-CF65-0291-99B1F5F2ACD9}"/>
+              </a:ext>
+            </a:extLst>
+          </p:cNvPr>
+          <p:cNvPicPr>
+            <a:picLocks noChangeAspect="1"/>
+          </p:cNvPicPr>
+          <p:nvPr/>
+        </p:nvPicPr>
+        <p:blipFill>
+          <a:blip r:embed="rId2">
+            <a:extLst>
+              <a:ext uri="{28A0092B-C50C-407E-A947-70E740481C1C}">
+                <a14:useLocalDpi xmlns:a14="http://schemas.microsoft.com/office/drawing/2010/main" val="0"/>
+              </a:ext>
+            </a:extLst>
+          </a:blip>
+          <a:stretch>
+            <a:fillRect/>
+          </a:stretch>
+        </p:blipFill>
+        <p:spPr>
+          <a:xfrm>
+            <a:off x="1809750" y="0"/>
+            <a:ext cx="8572500" cy="6858000"/>
+          </a:xfrm>
+          <a:prstGeom prst="rect">
+            <a:avLst/>
+          </a:prstGeom>
+        </p:spPr>
+      </p:pic>
+      <p:grpSp>
+        <p:nvGrpSpPr>
+          <p:cNvPr id="1130" name="그룹 1129">
+            <a:extLst>
+              <a:ext uri="{FF2B5EF4-FFF2-40B4-BE49-F238E27FC236}">
+                <a16:creationId xmlns:a16="http://schemas.microsoft.com/office/drawing/2014/main" id="{4F015BF9-0B01-1935-0BA6-B376147979C1}"/>
+              </a:ext>
+            </a:extLst>
+          </p:cNvPr>
+          <p:cNvGrpSpPr/>
+          <p:nvPr/>
+        </p:nvGrpSpPr>
+        <p:grpSpPr>
+          <a:xfrm>
+            <a:off x="1983324" y="1056388"/>
+            <a:ext cx="8225352" cy="4744070"/>
+            <a:chOff x="1983324" y="1056388"/>
+            <a:chExt cx="8225352" cy="4744070"/>
+          </a:xfrm>
+        </p:grpSpPr>
+        <p:sp>
+          <p:nvSpPr>
+            <p:cNvPr id="1131" name="직사각형 1130">
+              <a:extLst>
+                <a:ext uri="{FF2B5EF4-FFF2-40B4-BE49-F238E27FC236}">
+                  <a16:creationId xmlns:a16="http://schemas.microsoft.com/office/drawing/2014/main" id="{634241B0-4C5A-3886-93E8-715E14A9BB71}"/>
+                </a:ext>
+              </a:extLst>
+            </p:cNvPr>
+            <p:cNvSpPr/>
+            <p:nvPr/>
+          </p:nvSpPr>
+          <p:spPr>
+            <a:xfrm>
+              <a:off x="1983324" y="1056388"/>
+              <a:ext cx="8225352" cy="4744070"/>
+            </a:xfrm>
+            <a:prstGeom prst="rect">
+              <a:avLst/>
+            </a:prstGeom>
+            <a:solidFill>
+              <a:schemeClr val="tx1"/>
+            </a:solidFill>
+            <a:ln w="19050">
+              <a:solidFill>
+                <a:srgbClr val="F6DEAA"/>
+              </a:solidFill>
+            </a:ln>
+          </p:spPr>
+          <p:style>
+            <a:lnRef idx="2">
+              <a:schemeClr val="accent1">
+                <a:shade val="15000"/>
+              </a:schemeClr>
+            </a:lnRef>
+            <a:fillRef idx="1">
+              <a:schemeClr val="accent1"/>
+            </a:fillRef>
+            <a:effectRef idx="0">
+              <a:schemeClr val="accent1"/>
+            </a:effectRef>
+            <a:fontRef idx="minor">
+              <a:schemeClr val="lt1"/>
+            </a:fontRef>
+          </p:style>
+          <p:txBody>
+            <a:bodyPr rtlCol="0" anchor="ctr"/>
+            <a:lstStyle/>
+            <a:p>
+              <a:pPr algn="ctr"/>
+              <a:endParaRPr lang="ko-KR" altLang="en-US" dirty="0"/>
+            </a:p>
+          </p:txBody>
+        </p:sp>
+        <p:sp>
+          <p:nvSpPr>
+            <p:cNvPr id="1132" name="사각형: 둥근 모서리 1131">
+              <a:extLst>
+                <a:ext uri="{FF2B5EF4-FFF2-40B4-BE49-F238E27FC236}">
+                  <a16:creationId xmlns:a16="http://schemas.microsoft.com/office/drawing/2014/main" id="{544C04D1-C1D9-5232-6F12-419A383C9A92}"/>
+                </a:ext>
+              </a:extLst>
+            </p:cNvPr>
+            <p:cNvSpPr/>
+            <p:nvPr/>
+          </p:nvSpPr>
+          <p:spPr>
+            <a:xfrm>
+              <a:off x="8331422" y="1352550"/>
+              <a:ext cx="1552575" cy="590550"/>
+            </a:xfrm>
+            <a:prstGeom prst="roundRect">
+              <a:avLst/>
+            </a:prstGeom>
+            <a:noFill/>
+            <a:ln w="38100">
+              <a:solidFill>
+                <a:schemeClr val="bg1"/>
+              </a:solidFill>
+            </a:ln>
+          </p:spPr>
+          <p:style>
+            <a:lnRef idx="2">
+              <a:schemeClr val="accent1">
+                <a:shade val="15000"/>
+              </a:schemeClr>
+            </a:lnRef>
+            <a:fillRef idx="1">
+              <a:schemeClr val="accent1"/>
+            </a:fillRef>
+            <a:effectRef idx="0">
+              <a:schemeClr val="accent1"/>
+            </a:effectRef>
+            <a:fontRef idx="minor">
+              <a:schemeClr val="lt1"/>
+            </a:fontRef>
+          </p:style>
+          <p:txBody>
+            <a:bodyPr lIns="0" tIns="0" rIns="0" bIns="0" rtlCol="0" anchor="ctr"/>
+            <a:lstStyle/>
+            <a:p>
+              <a:pPr algn="ctr"/>
+              <a:r>
+                <a:rPr lang="ko-KR" altLang="en-US" sz="1600" dirty="0">
+                  <a:latin typeface="나눔스퀘어 Bold" panose="020B0600000101010101" pitchFamily="50" charset="-127"/>
+                  <a:ea typeface="나눔스퀘어 Bold" panose="020B0600000101010101" pitchFamily="50" charset="-127"/>
+                </a:rPr>
+                <a:t>방 만들기</a:t>
+              </a:r>
+            </a:p>
+          </p:txBody>
+        </p:sp>
+        <p:sp>
+          <p:nvSpPr>
+            <p:cNvPr id="1133" name="사각형: 둥근 모서리 1132">
+              <a:extLst>
+                <a:ext uri="{FF2B5EF4-FFF2-40B4-BE49-F238E27FC236}">
+                  <a16:creationId xmlns:a16="http://schemas.microsoft.com/office/drawing/2014/main" id="{D235587F-621B-83BF-953E-32F984C6E09D}"/>
+                </a:ext>
+              </a:extLst>
+            </p:cNvPr>
+            <p:cNvSpPr/>
+            <p:nvPr/>
+          </p:nvSpPr>
+          <p:spPr>
+            <a:xfrm>
+              <a:off x="6317865" y="1352550"/>
+              <a:ext cx="1552575" cy="590550"/>
+            </a:xfrm>
+            <a:prstGeom prst="roundRect">
+              <a:avLst/>
+            </a:prstGeom>
+            <a:noFill/>
+            <a:ln w="38100">
+              <a:solidFill>
+                <a:srgbClr val="6CA7BC"/>
+              </a:solidFill>
+            </a:ln>
+          </p:spPr>
+          <p:style>
+            <a:lnRef idx="2">
+              <a:schemeClr val="accent1">
+                <a:shade val="15000"/>
+              </a:schemeClr>
+            </a:lnRef>
+            <a:fillRef idx="1">
+              <a:schemeClr val="accent1"/>
+            </a:fillRef>
+            <a:effectRef idx="0">
+              <a:schemeClr val="accent1"/>
+            </a:effectRef>
+            <a:fontRef idx="minor">
+              <a:schemeClr val="lt1"/>
+            </a:fontRef>
+          </p:style>
+          <p:txBody>
+            <a:bodyPr lIns="0" tIns="0" rIns="0" bIns="0" rtlCol="0" anchor="ctr"/>
+            <a:lstStyle/>
+            <a:p>
+              <a:pPr algn="ctr"/>
+              <a:r>
+                <a:rPr lang="ko-KR" altLang="en-US" sz="1600" spc="-300" dirty="0">
+                  <a:solidFill>
+                    <a:srgbClr val="6CA7BC"/>
+                  </a:solidFill>
+                  <a:latin typeface="나눔스퀘어 Bold" panose="020B0600000101010101" pitchFamily="50" charset="-127"/>
+                  <a:ea typeface="나눔스퀘어 Bold" panose="020B0600000101010101" pitchFamily="50" charset="-127"/>
+                </a:rPr>
+                <a:t>▶▶</a:t>
+              </a:r>
+              <a:r>
+                <a:rPr lang="ko-KR" altLang="en-US" sz="1600" dirty="0">
+                  <a:solidFill>
+                    <a:srgbClr val="6CA7BC"/>
+                  </a:solidFill>
+                  <a:latin typeface="나눔스퀘어 Bold" panose="020B0600000101010101" pitchFamily="50" charset="-127"/>
+                  <a:ea typeface="나눔스퀘어 Bold" panose="020B0600000101010101" pitchFamily="50" charset="-127"/>
+                </a:rPr>
+                <a:t> </a:t>
+              </a:r>
+              <a:r>
+                <a:rPr lang="ko-KR" altLang="en-US" sz="1600" spc="-300" dirty="0">
+                  <a:solidFill>
+                    <a:srgbClr val="6CA7BC"/>
+                  </a:solidFill>
+                  <a:latin typeface="나눔스퀘어 Bold" panose="020B0600000101010101" pitchFamily="50" charset="-127"/>
+                  <a:ea typeface="나눔스퀘어 Bold" panose="020B0600000101010101" pitchFamily="50" charset="-127"/>
+                </a:rPr>
+                <a:t> </a:t>
+              </a:r>
+              <a:r>
+                <a:rPr lang="ko-KR" altLang="en-US" sz="1600" dirty="0">
+                  <a:solidFill>
+                    <a:srgbClr val="6CA7BC"/>
+                  </a:solidFill>
+                  <a:latin typeface="나눔스퀘어 Bold" panose="020B0600000101010101" pitchFamily="50" charset="-127"/>
+                  <a:ea typeface="나눔스퀘어 Bold" panose="020B0600000101010101" pitchFamily="50" charset="-127"/>
+                </a:rPr>
+                <a:t>빠른 시작</a:t>
+              </a:r>
+              <a:endParaRPr lang="ko-KR" altLang="en-US" sz="1600" spc="-300" dirty="0">
+                <a:solidFill>
+                  <a:srgbClr val="6CA7BC"/>
+                </a:solidFill>
+                <a:latin typeface="나눔스퀘어 Bold" panose="020B0600000101010101" pitchFamily="50" charset="-127"/>
+                <a:ea typeface="나눔스퀘어 Bold" panose="020B0600000101010101" pitchFamily="50" charset="-127"/>
+              </a:endParaRPr>
+            </a:p>
+          </p:txBody>
+        </p:sp>
+        <p:sp>
+          <p:nvSpPr>
+            <p:cNvPr id="1134" name="사각형: 둥근 모서리 1133">
+              <a:extLst>
+                <a:ext uri="{FF2B5EF4-FFF2-40B4-BE49-F238E27FC236}">
+                  <a16:creationId xmlns:a16="http://schemas.microsoft.com/office/drawing/2014/main" id="{8EC69654-6182-7E70-8C68-F2716642B784}"/>
+                </a:ext>
+              </a:extLst>
+            </p:cNvPr>
+            <p:cNvSpPr/>
+            <p:nvPr/>
+          </p:nvSpPr>
+          <p:spPr>
+            <a:xfrm>
+              <a:off x="2082274" y="1395070"/>
+              <a:ext cx="1552575" cy="590550"/>
+            </a:xfrm>
+            <a:prstGeom prst="roundRect">
+              <a:avLst/>
+            </a:prstGeom>
+            <a:noFill/>
+            <a:ln>
+              <a:noFill/>
+            </a:ln>
+          </p:spPr>
+          <p:style>
+            <a:lnRef idx="2">
+              <a:schemeClr val="accent1">
+                <a:shade val="15000"/>
+              </a:schemeClr>
+            </a:lnRef>
+            <a:fillRef idx="1">
+              <a:schemeClr val="accent1"/>
+            </a:fillRef>
+            <a:effectRef idx="0">
+              <a:schemeClr val="accent1"/>
+            </a:effectRef>
+            <a:fontRef idx="minor">
+              <a:schemeClr val="lt1"/>
+            </a:fontRef>
+          </p:style>
+          <p:txBody>
+            <a:bodyPr rtlCol="0" anchor="ctr"/>
+            <a:lstStyle/>
+            <a:p>
+              <a:pPr algn="ctr"/>
+              <a:r>
+                <a:rPr lang="en-US" altLang="ko-KR" sz="4000" dirty="0">
+                  <a:solidFill>
+                    <a:schemeClr val="bg1"/>
+                  </a:solidFill>
+                  <a:latin typeface="DS-Digital" pitchFamily="2" charset="0"/>
+                  <a:ea typeface="나눔스퀘어 ExtraBold" panose="020B0600000101010101" pitchFamily="50" charset="-127"/>
+                </a:rPr>
+                <a:t>LOBBY</a:t>
+              </a:r>
+              <a:endParaRPr lang="ko-KR" altLang="en-US" sz="4000" dirty="0">
+                <a:solidFill>
+                  <a:schemeClr val="bg1"/>
+                </a:solidFill>
+                <a:latin typeface="DS-Digital" pitchFamily="2" charset="0"/>
+                <a:ea typeface="나눔스퀘어 ExtraBold" panose="020B0600000101010101" pitchFamily="50" charset="-127"/>
+              </a:endParaRPr>
+            </a:p>
+          </p:txBody>
+        </p:sp>
+        <p:sp>
+          <p:nvSpPr>
+            <p:cNvPr id="1135" name="사각형: 둥근 모서리 1134">
+              <a:extLst>
+                <a:ext uri="{FF2B5EF4-FFF2-40B4-BE49-F238E27FC236}">
+                  <a16:creationId xmlns:a16="http://schemas.microsoft.com/office/drawing/2014/main" id="{4773F345-D1F1-E2BA-AAD6-22D4BABD04B1}"/>
+                </a:ext>
+              </a:extLst>
+            </p:cNvPr>
+            <p:cNvSpPr/>
+            <p:nvPr/>
+          </p:nvSpPr>
+          <p:spPr>
+            <a:xfrm>
+              <a:off x="2084605" y="1099283"/>
+              <a:ext cx="1211046" cy="362206"/>
+            </a:xfrm>
+            <a:prstGeom prst="roundRect">
+              <a:avLst/>
+            </a:prstGeom>
+            <a:noFill/>
+            <a:ln>
+              <a:noFill/>
+            </a:ln>
+          </p:spPr>
+          <p:style>
+            <a:lnRef idx="2">
+              <a:schemeClr val="accent1">
+                <a:shade val="15000"/>
+              </a:schemeClr>
+            </a:lnRef>
+            <a:fillRef idx="1">
+              <a:schemeClr val="accent1"/>
+            </a:fillRef>
+            <a:effectRef idx="0">
+              <a:schemeClr val="accent1"/>
+            </a:effectRef>
+            <a:fontRef idx="minor">
+              <a:schemeClr val="lt1"/>
+            </a:fontRef>
+          </p:style>
+          <p:txBody>
+            <a:bodyPr rtlCol="0" anchor="ctr"/>
+            <a:lstStyle/>
+            <a:p>
+              <a:pPr algn="ctr"/>
+              <a:r>
+                <a:rPr lang="en-US" altLang="ko-KR" sz="1400" dirty="0">
+                  <a:solidFill>
+                    <a:srgbClr val="325D6D"/>
+                  </a:solidFill>
+                  <a:latin typeface="나눔스퀘어 ExtraBold" panose="020B0600000101010101" pitchFamily="50" charset="-127"/>
+                  <a:ea typeface="나눔스퀘어 ExtraBold" panose="020B0600000101010101" pitchFamily="50" charset="-127"/>
+                </a:rPr>
+                <a:t>REVENGER</a:t>
+              </a:r>
+              <a:endParaRPr lang="ko-KR" altLang="en-US" sz="1400" dirty="0">
+                <a:solidFill>
+                  <a:srgbClr val="325D6D"/>
+                </a:solidFill>
+                <a:latin typeface="나눔스퀘어 ExtraBold" panose="020B0600000101010101" pitchFamily="50" charset="-127"/>
+                <a:ea typeface="나눔스퀘어 ExtraBold" panose="020B0600000101010101" pitchFamily="50" charset="-127"/>
+              </a:endParaRPr>
+            </a:p>
+          </p:txBody>
+        </p:sp>
+      </p:grpSp>
+      <p:graphicFrame>
+        <p:nvGraphicFramePr>
+          <p:cNvPr id="1124" name="표 1124">
+            <a:extLst>
+              <a:ext uri="{FF2B5EF4-FFF2-40B4-BE49-F238E27FC236}">
+                <a16:creationId xmlns:a16="http://schemas.microsoft.com/office/drawing/2014/main" id="{F4F58117-90AC-610F-CDFC-2E2A111D02BA}"/>
+              </a:ext>
+            </a:extLst>
+          </p:cNvPr>
+          <p:cNvGraphicFramePr>
+            <a:graphicFrameLocks noGrp="1"/>
+          </p:cNvGraphicFramePr>
+          <p:nvPr>
+            <p:extLst>
+              <p:ext uri="{D42A27DB-BD31-4B8C-83A1-F6EECF244321}">
+                <p14:modId xmlns:p14="http://schemas.microsoft.com/office/powerpoint/2010/main" val="2289894260"/>
+              </p:ext>
+            </p:extLst>
+          </p:nvPr>
+        </p:nvGraphicFramePr>
+        <p:xfrm>
+          <a:off x="2082274" y="2202999"/>
+          <a:ext cx="8027452" cy="3337560"/>
+        </p:xfrm>
+        <a:graphic>
+          <a:graphicData uri="http://schemas.openxmlformats.org/drawingml/2006/table">
+            <a:tbl>
+              <a:tblPr firstRow="1" bandRow="1">
+                <a:tableStyleId>{5C22544A-7EE6-4342-B048-85BDC9FD1C3A}</a:tableStyleId>
+              </a:tblPr>
+              <a:tblGrid>
+                <a:gridCol w="737126">
+                  <a:extLst>
+                    <a:ext uri="{9D8B030D-6E8A-4147-A177-3AD203B41FA5}">
+                      <a16:colId xmlns:a16="http://schemas.microsoft.com/office/drawing/2014/main" val="1585860189"/>
+                    </a:ext>
+                  </a:extLst>
+                </a:gridCol>
+                <a:gridCol w="4770120">
+                  <a:extLst>
+                    <a:ext uri="{9D8B030D-6E8A-4147-A177-3AD203B41FA5}">
+                      <a16:colId xmlns:a16="http://schemas.microsoft.com/office/drawing/2014/main" val="388296957"/>
+                    </a:ext>
+                  </a:extLst>
+                </a:gridCol>
+                <a:gridCol w="975360">
+                  <a:extLst>
+                    <a:ext uri="{9D8B030D-6E8A-4147-A177-3AD203B41FA5}">
+                      <a16:colId xmlns:a16="http://schemas.microsoft.com/office/drawing/2014/main" val="392677131"/>
+                    </a:ext>
+                  </a:extLst>
+                </a:gridCol>
+                <a:gridCol w="1544846">
+                  <a:extLst>
+                    <a:ext uri="{9D8B030D-6E8A-4147-A177-3AD203B41FA5}">
+                      <a16:colId xmlns:a16="http://schemas.microsoft.com/office/drawing/2014/main" val="3046607993"/>
+                    </a:ext>
+                  </a:extLst>
+                </a:gridCol>
+              </a:tblGrid>
+              <a:tr h="370840">
+                <a:tc>
+                  <a:txBody>
+                    <a:bodyPr/>
+                    <a:lstStyle/>
+                    <a:p>
+                      <a:pPr algn="ctr" latinLnBrk="1"/>
+                      <a:r>
+                        <a:rPr lang="en-US" altLang="ko-KR" b="0" dirty="0">
+                          <a:latin typeface="나눔스퀘어 Bold" panose="020B0600000101010101" pitchFamily="50" charset="-127"/>
+                          <a:ea typeface="나눔스퀘어 Bold" panose="020B0600000101010101" pitchFamily="50" charset="-127"/>
+                        </a:rPr>
+                        <a:t>NO.</a:t>
+                      </a:r>
+                      <a:endParaRPr lang="ko-KR" altLang="en-US" b="0" dirty="0">
+                        <a:latin typeface="나눔스퀘어 Bold" panose="020B0600000101010101" pitchFamily="50" charset="-127"/>
+                        <a:ea typeface="나눔스퀘어 Bold" panose="020B0600000101010101" pitchFamily="50" charset="-127"/>
+                      </a:endParaRPr>
+                    </a:p>
+                  </a:txBody>
+                  <a:tcPr>
+                    <a:lnL w="12700" cap="flat" cmpd="sng" algn="ctr">
+                      <a:solidFill>
+                        <a:schemeClr val="bg1"/>
+                      </a:solidFill>
+                      <a:prstDash val="solid"/>
+                      <a:round/>
+                      <a:headEnd type="none" w="med" len="med"/>
+                      <a:tailEnd type="none" w="med" len="med"/>
+                    </a:lnL>
+                    <a:lnR w="12700" cap="flat" cmpd="sng" algn="ctr">
+                      <a:solidFill>
+                        <a:schemeClr val="bg1"/>
+                      </a:solidFill>
+                      <a:prstDash val="solid"/>
+                      <a:round/>
+                      <a:headEnd type="none" w="med" len="med"/>
+                      <a:tailEnd type="none" w="med" len="med"/>
+                    </a:lnR>
+                    <a:lnT w="12700" cap="flat" cmpd="sng" algn="ctr">
+                      <a:solidFill>
+                        <a:schemeClr val="bg1"/>
+                      </a:solidFill>
+                      <a:prstDash val="solid"/>
+                      <a:round/>
+                      <a:headEnd type="none" w="med" len="med"/>
+                      <a:tailEnd type="none" w="med" len="med"/>
+                    </a:lnT>
+                    <a:lnB w="12700" cap="flat" cmpd="sng" algn="ctr">
+                      <a:solidFill>
+                        <a:schemeClr val="bg1"/>
+                      </a:solidFill>
+                      <a:prstDash val="solid"/>
+                      <a:round/>
+                      <a:headEnd type="none" w="med" len="med"/>
+                      <a:tailEnd type="none" w="med" len="med"/>
+                    </a:lnB>
+                    <a:lnTlToBr w="12700" cmpd="sng">
+                      <a:noFill/>
+                      <a:prstDash val="solid"/>
+                    </a:lnTlToBr>
+                    <a:lnBlToTr w="12700" cmpd="sng">
+                      <a:noFill/>
+                      <a:prstDash val="solid"/>
+                    </a:lnBlToTr>
+                    <a:solidFill>
+                      <a:srgbClr val="325D6D"/>
+                    </a:solidFill>
+                  </a:tcPr>
+                </a:tc>
+                <a:tc>
+                  <a:txBody>
+                    <a:bodyPr/>
+                    <a:lstStyle/>
+                    <a:p>
+                      <a:pPr algn="ctr" latinLnBrk="1"/>
+                      <a:r>
+                        <a:rPr lang="ko-KR" altLang="en-US" b="0" dirty="0">
+                          <a:latin typeface="나눔스퀘어 Bold" panose="020B0600000101010101" pitchFamily="50" charset="-127"/>
+                          <a:ea typeface="나눔스퀘어 Bold" panose="020B0600000101010101" pitchFamily="50" charset="-127"/>
+                        </a:rPr>
+                        <a:t>방 제목</a:t>
+                      </a:r>
+                    </a:p>
+                  </a:txBody>
+                  <a:tcPr>
+                    <a:lnL w="12700" cap="flat" cmpd="sng" algn="ctr">
+                      <a:solidFill>
+                        <a:schemeClr val="bg1"/>
+                      </a:solidFill>
+                      <a:prstDash val="solid"/>
+                      <a:round/>
+                      <a:headEnd type="none" w="med" len="med"/>
+                      <a:tailEnd type="none" w="med" len="med"/>
+                    </a:lnL>
+                    <a:lnR w="12700" cap="flat" cmpd="sng" algn="ctr">
+                      <a:solidFill>
+                        <a:schemeClr val="bg1"/>
+                      </a:solidFill>
+                      <a:prstDash val="solid"/>
+                      <a:round/>
+                      <a:headEnd type="none" w="med" len="med"/>
+                      <a:tailEnd type="none" w="med" len="med"/>
+                    </a:lnR>
+                    <a:lnT w="12700" cap="flat" cmpd="sng" algn="ctr">
+                      <a:solidFill>
+                        <a:schemeClr val="bg1"/>
+                      </a:solidFill>
+                      <a:prstDash val="solid"/>
+                      <a:round/>
+                      <a:headEnd type="none" w="med" len="med"/>
+                      <a:tailEnd type="none" w="med" len="med"/>
+                    </a:lnT>
+                    <a:lnB w="12700" cap="flat" cmpd="sng" algn="ctr">
+                      <a:solidFill>
+                        <a:schemeClr val="bg1"/>
+                      </a:solidFill>
+                      <a:prstDash val="solid"/>
+                      <a:round/>
+                      <a:headEnd type="none" w="med" len="med"/>
+                      <a:tailEnd type="none" w="med" len="med"/>
+                    </a:lnB>
+                    <a:lnTlToBr w="12700" cmpd="sng">
+                      <a:noFill/>
+                      <a:prstDash val="solid"/>
+                    </a:lnTlToBr>
+                    <a:lnBlToTr w="12700" cmpd="sng">
+                      <a:noFill/>
+                      <a:prstDash val="solid"/>
+                    </a:lnBlToTr>
+                    <a:solidFill>
+                      <a:srgbClr val="325D6D"/>
+                    </a:solidFill>
+                  </a:tcPr>
+                </a:tc>
+                <a:tc>
+                  <a:txBody>
+                    <a:bodyPr/>
+                    <a:lstStyle/>
+                    <a:p>
+                      <a:pPr algn="ctr" latinLnBrk="1"/>
+                      <a:r>
+                        <a:rPr lang="ko-KR" altLang="en-US" b="0" dirty="0">
+                          <a:latin typeface="나눔스퀘어 Bold" panose="020B0600000101010101" pitchFamily="50" charset="-127"/>
+                          <a:ea typeface="나눔스퀘어 Bold" panose="020B0600000101010101" pitchFamily="50" charset="-127"/>
+                        </a:rPr>
+                        <a:t>인원 수</a:t>
+                      </a:r>
+                    </a:p>
+                  </a:txBody>
+                  <a:tcPr>
+                    <a:lnL w="12700" cap="flat" cmpd="sng" algn="ctr">
+                      <a:solidFill>
+                        <a:schemeClr val="bg1"/>
+                      </a:solidFill>
+                      <a:prstDash val="solid"/>
+                      <a:round/>
+                      <a:headEnd type="none" w="med" len="med"/>
+                      <a:tailEnd type="none" w="med" len="med"/>
+                    </a:lnL>
+                    <a:lnR w="12700" cap="flat" cmpd="sng" algn="ctr">
+                      <a:solidFill>
+                        <a:schemeClr val="bg1"/>
+                      </a:solidFill>
+                      <a:prstDash val="solid"/>
+                      <a:round/>
+                      <a:headEnd type="none" w="med" len="med"/>
+                      <a:tailEnd type="none" w="med" len="med"/>
+                    </a:lnR>
+                    <a:lnT w="12700" cap="flat" cmpd="sng" algn="ctr">
+                      <a:solidFill>
+                        <a:schemeClr val="bg1"/>
+                      </a:solidFill>
+                      <a:prstDash val="solid"/>
+                      <a:round/>
+                      <a:headEnd type="none" w="med" len="med"/>
+                      <a:tailEnd type="none" w="med" len="med"/>
+                    </a:lnT>
+                    <a:lnB w="12700" cap="flat" cmpd="sng" algn="ctr">
+                      <a:solidFill>
+                        <a:schemeClr val="bg1"/>
+                      </a:solidFill>
+                      <a:prstDash val="solid"/>
+                      <a:round/>
+                      <a:headEnd type="none" w="med" len="med"/>
+                      <a:tailEnd type="none" w="med" len="med"/>
+                    </a:lnB>
+                    <a:lnTlToBr w="12700" cmpd="sng">
+                      <a:noFill/>
+                      <a:prstDash val="solid"/>
+                    </a:lnTlToBr>
+                    <a:lnBlToTr w="12700" cmpd="sng">
+                      <a:noFill/>
+                      <a:prstDash val="solid"/>
+                    </a:lnBlToTr>
+                    <a:solidFill>
+                      <a:srgbClr val="325D6D"/>
+                    </a:solidFill>
+                  </a:tcPr>
+                </a:tc>
+                <a:tc>
+                  <a:txBody>
+                    <a:bodyPr/>
+                    <a:lstStyle/>
+                    <a:p>
+                      <a:pPr algn="ctr" latinLnBrk="1"/>
+                      <a:r>
+                        <a:rPr lang="ko-KR" altLang="en-US" b="0" dirty="0">
+                          <a:latin typeface="나눔스퀘어 Bold" panose="020B0600000101010101" pitchFamily="50" charset="-127"/>
+                          <a:ea typeface="나눔스퀘어 Bold" panose="020B0600000101010101" pitchFamily="50" charset="-127"/>
+                        </a:rPr>
+                        <a:t>상태</a:t>
+                      </a:r>
+                    </a:p>
+                  </a:txBody>
+                  <a:tcPr>
+                    <a:lnL w="12700" cap="flat" cmpd="sng" algn="ctr">
+                      <a:solidFill>
+                        <a:schemeClr val="bg1"/>
+                      </a:solidFill>
+                      <a:prstDash val="solid"/>
+                      <a:round/>
+                      <a:headEnd type="none" w="med" len="med"/>
+                      <a:tailEnd type="none" w="med" len="med"/>
+                    </a:lnL>
+                    <a:lnR w="12700" cap="flat" cmpd="sng" algn="ctr">
+                      <a:solidFill>
+                        <a:schemeClr val="bg1"/>
+                      </a:solidFill>
+                      <a:prstDash val="solid"/>
+                      <a:round/>
+                      <a:headEnd type="none" w="med" len="med"/>
+                      <a:tailEnd type="none" w="med" len="med"/>
+                    </a:lnR>
+                    <a:lnT w="12700" cap="flat" cmpd="sng" algn="ctr">
+                      <a:solidFill>
+                        <a:schemeClr val="bg1"/>
+                      </a:solidFill>
+                      <a:prstDash val="solid"/>
+                      <a:round/>
+                      <a:headEnd type="none" w="med" len="med"/>
+                      <a:tailEnd type="none" w="med" len="med"/>
+                    </a:lnT>
+                    <a:lnB w="12700" cap="flat" cmpd="sng" algn="ctr">
+                      <a:solidFill>
+                        <a:schemeClr val="bg1"/>
+                      </a:solidFill>
+                      <a:prstDash val="solid"/>
+                      <a:round/>
+                      <a:headEnd type="none" w="med" len="med"/>
+                      <a:tailEnd type="none" w="med" len="med"/>
+                    </a:lnB>
+                    <a:lnTlToBr w="12700" cmpd="sng">
+                      <a:noFill/>
+                      <a:prstDash val="solid"/>
+                    </a:lnTlToBr>
+                    <a:lnBlToTr w="12700" cmpd="sng">
+                      <a:noFill/>
+                      <a:prstDash val="solid"/>
+                    </a:lnBlToTr>
+                    <a:solidFill>
+                      <a:srgbClr val="325D6D"/>
+                    </a:solidFill>
+                  </a:tcPr>
+                </a:tc>
+                <a:extLst>
+                  <a:ext uri="{0D108BD9-81ED-4DB2-BD59-A6C34878D82A}">
+                    <a16:rowId xmlns:a16="http://schemas.microsoft.com/office/drawing/2014/main" val="3160261500"/>
+                  </a:ext>
+                </a:extLst>
+              </a:tr>
+              <a:tr h="370840">
+                <a:tc>
+                  <a:txBody>
+                    <a:bodyPr/>
+                    <a:lstStyle/>
+                    <a:p>
+                      <a:pPr algn="ctr" latinLnBrk="1"/>
+                      <a:endParaRPr lang="ko-KR" altLang="en-US" dirty="0"/>
+                    </a:p>
+                  </a:txBody>
+                  <a:tcPr anchor="ctr">
+                    <a:lnL w="12700" cap="flat" cmpd="sng" algn="ctr">
+                      <a:solidFill>
+                        <a:schemeClr val="bg1"/>
+                      </a:solidFill>
+                      <a:prstDash val="solid"/>
+                      <a:round/>
+                      <a:headEnd type="none" w="med" len="med"/>
+                      <a:tailEnd type="none" w="med" len="med"/>
+                    </a:lnL>
+                    <a:lnR w="12700" cap="flat" cmpd="sng" algn="ctr">
+                      <a:solidFill>
+                        <a:schemeClr val="bg1"/>
+                      </a:solidFill>
+                      <a:prstDash val="solid"/>
+                      <a:round/>
+                      <a:headEnd type="none" w="med" len="med"/>
+                      <a:tailEnd type="none" w="med" len="med"/>
+                    </a:lnR>
+                    <a:lnT w="12700" cap="flat" cmpd="sng" algn="ctr">
+                      <a:solidFill>
+                        <a:schemeClr val="bg1"/>
+                      </a:solidFill>
+                      <a:prstDash val="solid"/>
+                      <a:round/>
+                      <a:headEnd type="none" w="med" len="med"/>
+                      <a:tailEnd type="none" w="med" len="med"/>
+                    </a:lnT>
+                    <a:lnB w="12700" cap="flat" cmpd="sng" algn="ctr">
+                      <a:solidFill>
+                        <a:schemeClr val="bg1"/>
+                      </a:solidFill>
+                      <a:prstDash val="solid"/>
+                      <a:round/>
+                      <a:headEnd type="none" w="med" len="med"/>
+                      <a:tailEnd type="none" w="med" len="med"/>
+                    </a:lnB>
+                    <a:lnTlToBr w="12700" cmpd="sng">
+                      <a:noFill/>
+                      <a:prstDash val="solid"/>
+                    </a:lnTlToBr>
+                    <a:lnBlToTr w="12700" cmpd="sng">
+                      <a:noFill/>
+                      <a:prstDash val="solid"/>
+                    </a:lnBlToTr>
+                    <a:noFill/>
+                  </a:tcPr>
+                </a:tc>
+                <a:tc>
+                  <a:txBody>
+                    <a:bodyPr/>
+                    <a:lstStyle/>
+                    <a:p>
+                      <a:pPr latinLnBrk="1"/>
+                      <a:endParaRPr lang="ko-KR" altLang="en-US" dirty="0"/>
+                    </a:p>
+                  </a:txBody>
+                  <a:tcPr anchor="ctr">
+                    <a:lnL w="12700" cap="flat" cmpd="sng" algn="ctr">
+                      <a:solidFill>
+                        <a:schemeClr val="bg1"/>
+                      </a:solidFill>
+                      <a:prstDash val="solid"/>
+                      <a:round/>
+                      <a:headEnd type="none" w="med" len="med"/>
+                      <a:tailEnd type="none" w="med" len="med"/>
+                    </a:lnL>
+                    <a:lnR w="12700" cap="flat" cmpd="sng" algn="ctr">
+                      <a:solidFill>
+                        <a:schemeClr val="bg1"/>
+                      </a:solidFill>
+                      <a:prstDash val="solid"/>
+                      <a:round/>
+                      <a:headEnd type="none" w="med" len="med"/>
+                      <a:tailEnd type="none" w="med" len="med"/>
+                    </a:lnR>
+                    <a:lnT w="12700" cap="flat" cmpd="sng" algn="ctr">
+                      <a:solidFill>
+                        <a:schemeClr val="bg1"/>
+                      </a:solidFill>
+                      <a:prstDash val="solid"/>
+                      <a:round/>
+                      <a:headEnd type="none" w="med" len="med"/>
+                      <a:tailEnd type="none" w="med" len="med"/>
+                    </a:lnT>
+                    <a:lnB w="12700" cap="flat" cmpd="sng" algn="ctr">
+                      <a:solidFill>
+                        <a:schemeClr val="bg1"/>
+                      </a:solidFill>
+                      <a:prstDash val="solid"/>
+                      <a:round/>
+                      <a:headEnd type="none" w="med" len="med"/>
+                      <a:tailEnd type="none" w="med" len="med"/>
+                    </a:lnB>
+                    <a:lnTlToBr w="12700" cmpd="sng">
+                      <a:noFill/>
+                      <a:prstDash val="solid"/>
+                    </a:lnTlToBr>
+                    <a:lnBlToTr w="12700" cmpd="sng">
+                      <a:noFill/>
+                      <a:prstDash val="solid"/>
+                    </a:lnBlToTr>
+                    <a:noFill/>
+                  </a:tcPr>
+                </a:tc>
+                <a:tc>
+                  <a:txBody>
+                    <a:bodyPr/>
+                    <a:lstStyle/>
+                    <a:p>
+                      <a:pPr algn="ctr" latinLnBrk="1"/>
+                      <a:endParaRPr lang="ko-KR" altLang="en-US" dirty="0"/>
+                    </a:p>
+                  </a:txBody>
+                  <a:tcPr anchor="ctr">
+                    <a:lnL w="12700" cap="flat" cmpd="sng" algn="ctr">
+                      <a:solidFill>
+                        <a:schemeClr val="bg1"/>
+                      </a:solidFill>
+                      <a:prstDash val="solid"/>
+                      <a:round/>
+                      <a:headEnd type="none" w="med" len="med"/>
+                      <a:tailEnd type="none" w="med" len="med"/>
+                    </a:lnL>
+                    <a:lnR w="12700" cap="flat" cmpd="sng" algn="ctr">
+                      <a:solidFill>
+                        <a:schemeClr val="bg1"/>
+                      </a:solidFill>
+                      <a:prstDash val="solid"/>
+                      <a:round/>
+                      <a:headEnd type="none" w="med" len="med"/>
+                      <a:tailEnd type="none" w="med" len="med"/>
+                    </a:lnR>
+                    <a:lnT w="12700" cap="flat" cmpd="sng" algn="ctr">
+                      <a:solidFill>
+                        <a:schemeClr val="bg1"/>
+                      </a:solidFill>
+                      <a:prstDash val="solid"/>
+                      <a:round/>
+                      <a:headEnd type="none" w="med" len="med"/>
+                      <a:tailEnd type="none" w="med" len="med"/>
+                    </a:lnT>
+                    <a:lnB w="12700" cap="flat" cmpd="sng" algn="ctr">
+                      <a:solidFill>
+                        <a:schemeClr val="bg1"/>
+                      </a:solidFill>
+                      <a:prstDash val="solid"/>
+                      <a:round/>
+                      <a:headEnd type="none" w="med" len="med"/>
+                      <a:tailEnd type="none" w="med" len="med"/>
+                    </a:lnB>
+                    <a:lnTlToBr w="12700" cmpd="sng">
+                      <a:noFill/>
+                      <a:prstDash val="solid"/>
+                    </a:lnTlToBr>
+                    <a:lnBlToTr w="12700" cmpd="sng">
+                      <a:noFill/>
+                      <a:prstDash val="solid"/>
+                    </a:lnBlToTr>
+                    <a:noFill/>
+                  </a:tcPr>
+                </a:tc>
+                <a:tc>
+                  <a:txBody>
+                    <a:bodyPr/>
+                    <a:lstStyle/>
+                    <a:p>
+                      <a:pPr algn="ctr" latinLnBrk="1"/>
+                      <a:endParaRPr lang="ko-KR" altLang="en-US" dirty="0"/>
+                    </a:p>
+                  </a:txBody>
+                  <a:tcPr anchor="ctr">
+                    <a:lnL w="12700" cap="flat" cmpd="sng" algn="ctr">
+                      <a:solidFill>
+                        <a:schemeClr val="bg1"/>
+                      </a:solidFill>
+                      <a:prstDash val="solid"/>
+                      <a:round/>
+                      <a:headEnd type="none" w="med" len="med"/>
+                      <a:tailEnd type="none" w="med" len="med"/>
+                    </a:lnL>
+                    <a:lnR w="12700" cap="flat" cmpd="sng" algn="ctr">
+                      <a:solidFill>
+                        <a:schemeClr val="bg1"/>
+                      </a:solidFill>
+                      <a:prstDash val="solid"/>
+                      <a:round/>
+                      <a:headEnd type="none" w="med" len="med"/>
+                      <a:tailEnd type="none" w="med" len="med"/>
+                    </a:lnR>
+                    <a:lnT w="12700" cap="flat" cmpd="sng" algn="ctr">
+                      <a:solidFill>
+                        <a:schemeClr val="bg1"/>
+                      </a:solidFill>
+                      <a:prstDash val="solid"/>
+                      <a:round/>
+                      <a:headEnd type="none" w="med" len="med"/>
+                      <a:tailEnd type="none" w="med" len="med"/>
+                    </a:lnT>
+                    <a:lnB w="12700" cap="flat" cmpd="sng" algn="ctr">
+                      <a:solidFill>
+                        <a:schemeClr val="bg1"/>
+                      </a:solidFill>
+                      <a:prstDash val="solid"/>
+                      <a:round/>
+                      <a:headEnd type="none" w="med" len="med"/>
+                      <a:tailEnd type="none" w="med" len="med"/>
+                    </a:lnB>
+                    <a:lnTlToBr w="12700" cmpd="sng">
+                      <a:noFill/>
+                      <a:prstDash val="solid"/>
+                    </a:lnTlToBr>
+                    <a:lnBlToTr w="12700" cmpd="sng">
+                      <a:noFill/>
+                      <a:prstDash val="solid"/>
+                    </a:lnBlToTr>
+                    <a:noFill/>
+                  </a:tcPr>
+                </a:tc>
+                <a:extLst>
+                  <a:ext uri="{0D108BD9-81ED-4DB2-BD59-A6C34878D82A}">
+                    <a16:rowId xmlns:a16="http://schemas.microsoft.com/office/drawing/2014/main" val="311089556"/>
+                  </a:ext>
+                </a:extLst>
+              </a:tr>
+              <a:tr h="370840">
+                <a:tc>
+                  <a:txBody>
+                    <a:bodyPr/>
+                    <a:lstStyle/>
+                    <a:p>
+                      <a:pPr algn="ctr" latinLnBrk="1"/>
+                      <a:endParaRPr lang="ko-KR" altLang="en-US" dirty="0"/>
+                    </a:p>
+                  </a:txBody>
+                  <a:tcPr anchor="ctr">
+                    <a:lnL w="12700" cap="flat" cmpd="sng" algn="ctr">
+                      <a:solidFill>
+                        <a:schemeClr val="bg1"/>
+                      </a:solidFill>
+                      <a:prstDash val="solid"/>
+                      <a:round/>
+                      <a:headEnd type="none" w="med" len="med"/>
+                      <a:tailEnd type="none" w="med" len="med"/>
+                    </a:lnL>
+                    <a:lnR w="12700" cap="flat" cmpd="sng" algn="ctr">
+                      <a:solidFill>
+                        <a:schemeClr val="bg1"/>
+                      </a:solidFill>
+                      <a:prstDash val="solid"/>
+                      <a:round/>
+                      <a:headEnd type="none" w="med" len="med"/>
+                      <a:tailEnd type="none" w="med" len="med"/>
+                    </a:lnR>
+                    <a:lnT w="12700" cap="flat" cmpd="sng" algn="ctr">
+                      <a:solidFill>
+                        <a:schemeClr val="bg1"/>
+                      </a:solidFill>
+                      <a:prstDash val="solid"/>
+                      <a:round/>
+                      <a:headEnd type="none" w="med" len="med"/>
+                      <a:tailEnd type="none" w="med" len="med"/>
+                    </a:lnT>
+                    <a:lnB w="12700" cap="flat" cmpd="sng" algn="ctr">
+                      <a:solidFill>
+                        <a:schemeClr val="bg1"/>
+                      </a:solidFill>
+                      <a:prstDash val="solid"/>
+                      <a:round/>
+                      <a:headEnd type="none" w="med" len="med"/>
+                      <a:tailEnd type="none" w="med" len="med"/>
+                    </a:lnB>
+                    <a:lnTlToBr w="12700" cmpd="sng">
+                      <a:noFill/>
+                      <a:prstDash val="solid"/>
+                    </a:lnTlToBr>
+                    <a:lnBlToTr w="12700" cmpd="sng">
+                      <a:noFill/>
+                      <a:prstDash val="solid"/>
+                    </a:lnBlToTr>
+                    <a:noFill/>
+                  </a:tcPr>
+                </a:tc>
+                <a:tc>
+                  <a:txBody>
+                    <a:bodyPr/>
+                    <a:lstStyle/>
+                    <a:p>
+                      <a:pPr latinLnBrk="1"/>
+                      <a:endParaRPr lang="ko-KR" altLang="en-US" dirty="0"/>
+                    </a:p>
+                  </a:txBody>
+                  <a:tcPr anchor="ctr">
+                    <a:lnL w="12700" cap="flat" cmpd="sng" algn="ctr">
+                      <a:solidFill>
+                        <a:schemeClr val="bg1"/>
+                      </a:solidFill>
+                      <a:prstDash val="solid"/>
+                      <a:round/>
+                      <a:headEnd type="none" w="med" len="med"/>
+                      <a:tailEnd type="none" w="med" len="med"/>
+                    </a:lnL>
+                    <a:lnR w="12700" cap="flat" cmpd="sng" algn="ctr">
+                      <a:solidFill>
+                        <a:schemeClr val="bg1"/>
+                      </a:solidFill>
+                      <a:prstDash val="solid"/>
+                      <a:round/>
+                      <a:headEnd type="none" w="med" len="med"/>
+                      <a:tailEnd type="none" w="med" len="med"/>
+                    </a:lnR>
+                    <a:lnT w="12700" cap="flat" cmpd="sng" algn="ctr">
+                      <a:solidFill>
+                        <a:schemeClr val="bg1"/>
+                      </a:solidFill>
+                      <a:prstDash val="solid"/>
+                      <a:round/>
+                      <a:headEnd type="none" w="med" len="med"/>
+                      <a:tailEnd type="none" w="med" len="med"/>
+                    </a:lnT>
+                    <a:lnB w="12700" cap="flat" cmpd="sng" algn="ctr">
+                      <a:solidFill>
+                        <a:schemeClr val="bg1"/>
+                      </a:solidFill>
+                      <a:prstDash val="solid"/>
+                      <a:round/>
+                      <a:headEnd type="none" w="med" len="med"/>
+                      <a:tailEnd type="none" w="med" len="med"/>
+                    </a:lnB>
+                    <a:lnTlToBr w="12700" cmpd="sng">
+                      <a:noFill/>
+                      <a:prstDash val="solid"/>
+                    </a:lnTlToBr>
+                    <a:lnBlToTr w="12700" cmpd="sng">
+                      <a:noFill/>
+                      <a:prstDash val="solid"/>
+                    </a:lnBlToTr>
+                    <a:noFill/>
+                  </a:tcPr>
+                </a:tc>
+                <a:tc>
+                  <a:txBody>
+                    <a:bodyPr/>
+                    <a:lstStyle/>
+                    <a:p>
+                      <a:pPr algn="ctr" latinLnBrk="1"/>
+                      <a:endParaRPr lang="ko-KR" altLang="en-US" dirty="0"/>
+                    </a:p>
+                  </a:txBody>
+                  <a:tcPr anchor="ctr">
+                    <a:lnL w="12700" cap="flat" cmpd="sng" algn="ctr">
+                      <a:solidFill>
+                        <a:schemeClr val="bg1"/>
+                      </a:solidFill>
+                      <a:prstDash val="solid"/>
+                      <a:round/>
+                      <a:headEnd type="none" w="med" len="med"/>
+                      <a:tailEnd type="none" w="med" len="med"/>
+                    </a:lnL>
+                    <a:lnR w="12700" cap="flat" cmpd="sng" algn="ctr">
+                      <a:solidFill>
+                        <a:schemeClr val="bg1"/>
+                      </a:solidFill>
+                      <a:prstDash val="solid"/>
+                      <a:round/>
+                      <a:headEnd type="none" w="med" len="med"/>
+                      <a:tailEnd type="none" w="med" len="med"/>
+                    </a:lnR>
+                    <a:lnT w="12700" cap="flat" cmpd="sng" algn="ctr">
+                      <a:solidFill>
+                        <a:schemeClr val="bg1"/>
+                      </a:solidFill>
+                      <a:prstDash val="solid"/>
+                      <a:round/>
+                      <a:headEnd type="none" w="med" len="med"/>
+                      <a:tailEnd type="none" w="med" len="med"/>
+                    </a:lnT>
+                    <a:lnB w="12700" cap="flat" cmpd="sng" algn="ctr">
+                      <a:solidFill>
+                        <a:schemeClr val="bg1"/>
+                      </a:solidFill>
+                      <a:prstDash val="solid"/>
+                      <a:round/>
+                      <a:headEnd type="none" w="med" len="med"/>
+                      <a:tailEnd type="none" w="med" len="med"/>
+                    </a:lnB>
+                    <a:lnTlToBr w="12700" cmpd="sng">
+                      <a:noFill/>
+                      <a:prstDash val="solid"/>
+                    </a:lnTlToBr>
+                    <a:lnBlToTr w="12700" cmpd="sng">
+                      <a:noFill/>
+                      <a:prstDash val="solid"/>
+                    </a:lnBlToTr>
+                    <a:noFill/>
+                  </a:tcPr>
+                </a:tc>
+                <a:tc>
+                  <a:txBody>
+                    <a:bodyPr/>
+                    <a:lstStyle/>
+                    <a:p>
+                      <a:pPr algn="ctr" latinLnBrk="1"/>
+                      <a:endParaRPr lang="ko-KR" altLang="en-US" dirty="0"/>
+                    </a:p>
+                  </a:txBody>
+                  <a:tcPr anchor="ctr">
+                    <a:lnL w="12700" cap="flat" cmpd="sng" algn="ctr">
+                      <a:solidFill>
+                        <a:schemeClr val="bg1"/>
+                      </a:solidFill>
+                      <a:prstDash val="solid"/>
+                      <a:round/>
+                      <a:headEnd type="none" w="med" len="med"/>
+                      <a:tailEnd type="none" w="med" len="med"/>
+                    </a:lnL>
+                    <a:lnR w="12700" cap="flat" cmpd="sng" algn="ctr">
+                      <a:solidFill>
+                        <a:schemeClr val="bg1"/>
+                      </a:solidFill>
+                      <a:prstDash val="solid"/>
+                      <a:round/>
+                      <a:headEnd type="none" w="med" len="med"/>
+                      <a:tailEnd type="none" w="med" len="med"/>
+                    </a:lnR>
+                    <a:lnT w="12700" cap="flat" cmpd="sng" algn="ctr">
+                      <a:solidFill>
+                        <a:schemeClr val="bg1"/>
+                      </a:solidFill>
+                      <a:prstDash val="solid"/>
+                      <a:round/>
+                      <a:headEnd type="none" w="med" len="med"/>
+                      <a:tailEnd type="none" w="med" len="med"/>
+                    </a:lnT>
+                    <a:lnB w="12700" cap="flat" cmpd="sng" algn="ctr">
+                      <a:solidFill>
+                        <a:schemeClr val="bg1"/>
+                      </a:solidFill>
+                      <a:prstDash val="solid"/>
+                      <a:round/>
+                      <a:headEnd type="none" w="med" len="med"/>
+                      <a:tailEnd type="none" w="med" len="med"/>
+                    </a:lnB>
+                    <a:lnTlToBr w="12700" cmpd="sng">
+                      <a:noFill/>
+                      <a:prstDash val="solid"/>
+                    </a:lnTlToBr>
+                    <a:lnBlToTr w="12700" cmpd="sng">
+                      <a:noFill/>
+                      <a:prstDash val="solid"/>
+                    </a:lnBlToTr>
+                    <a:noFill/>
+                  </a:tcPr>
+                </a:tc>
+                <a:extLst>
+                  <a:ext uri="{0D108BD9-81ED-4DB2-BD59-A6C34878D82A}">
+                    <a16:rowId xmlns:a16="http://schemas.microsoft.com/office/drawing/2014/main" val="2512034908"/>
+                  </a:ext>
+                </a:extLst>
+              </a:tr>
+              <a:tr h="370840">
+                <a:tc>
+                  <a:txBody>
+                    <a:bodyPr/>
+                    <a:lstStyle/>
+                    <a:p>
+                      <a:pPr algn="ctr" latinLnBrk="1"/>
+                      <a:endParaRPr lang="ko-KR" altLang="en-US" dirty="0"/>
+                    </a:p>
+                  </a:txBody>
+                  <a:tcPr anchor="ctr">
+                    <a:lnL w="12700" cap="flat" cmpd="sng" algn="ctr">
+                      <a:solidFill>
+                        <a:schemeClr val="bg1"/>
+                      </a:solidFill>
+                      <a:prstDash val="solid"/>
+                      <a:round/>
+                      <a:headEnd type="none" w="med" len="med"/>
+                      <a:tailEnd type="none" w="med" len="med"/>
+                    </a:lnL>
+                    <a:lnR w="12700" cap="flat" cmpd="sng" algn="ctr">
+                      <a:solidFill>
+                        <a:schemeClr val="bg1"/>
+                      </a:solidFill>
+                      <a:prstDash val="solid"/>
+                      <a:round/>
+                      <a:headEnd type="none" w="med" len="med"/>
+                      <a:tailEnd type="none" w="med" len="med"/>
+                    </a:lnR>
+                    <a:lnT w="12700" cap="flat" cmpd="sng" algn="ctr">
+                      <a:solidFill>
+                        <a:schemeClr val="bg1"/>
+                      </a:solidFill>
+                      <a:prstDash val="solid"/>
+                      <a:round/>
+                      <a:headEnd type="none" w="med" len="med"/>
+                      <a:tailEnd type="none" w="med" len="med"/>
+                    </a:lnT>
+                    <a:lnB w="12700" cap="flat" cmpd="sng" algn="ctr">
+                      <a:solidFill>
+                        <a:schemeClr val="bg1"/>
+                      </a:solidFill>
+                      <a:prstDash val="solid"/>
+                      <a:round/>
+                      <a:headEnd type="none" w="med" len="med"/>
+                      <a:tailEnd type="none" w="med" len="med"/>
+                    </a:lnB>
+                    <a:lnTlToBr w="12700" cmpd="sng">
+                      <a:noFill/>
+                      <a:prstDash val="solid"/>
+                    </a:lnTlToBr>
+                    <a:lnBlToTr w="12700" cmpd="sng">
+                      <a:noFill/>
+                      <a:prstDash val="solid"/>
+                    </a:lnBlToTr>
+                    <a:noFill/>
+                  </a:tcPr>
+                </a:tc>
+                <a:tc>
+                  <a:txBody>
+                    <a:bodyPr/>
+                    <a:lstStyle/>
+                    <a:p>
+                      <a:pPr latinLnBrk="1"/>
+                      <a:endParaRPr lang="ko-KR" altLang="en-US" dirty="0"/>
+                    </a:p>
+                  </a:txBody>
+                  <a:tcPr anchor="ctr">
+                    <a:lnL w="12700" cap="flat" cmpd="sng" algn="ctr">
+                      <a:solidFill>
+                        <a:schemeClr val="bg1"/>
+                      </a:solidFill>
+                      <a:prstDash val="solid"/>
+                      <a:round/>
+                      <a:headEnd type="none" w="med" len="med"/>
+                      <a:tailEnd type="none" w="med" len="med"/>
+                    </a:lnL>
+                    <a:lnR w="12700" cap="flat" cmpd="sng" algn="ctr">
+                      <a:solidFill>
+                        <a:schemeClr val="bg1"/>
+                      </a:solidFill>
+                      <a:prstDash val="solid"/>
+                      <a:round/>
+                      <a:headEnd type="none" w="med" len="med"/>
+                      <a:tailEnd type="none" w="med" len="med"/>
+                    </a:lnR>
+                    <a:lnT w="12700" cap="flat" cmpd="sng" algn="ctr">
+                      <a:solidFill>
+                        <a:schemeClr val="bg1"/>
+                      </a:solidFill>
+                      <a:prstDash val="solid"/>
+                      <a:round/>
+                      <a:headEnd type="none" w="med" len="med"/>
+                      <a:tailEnd type="none" w="med" len="med"/>
+                    </a:lnT>
+                    <a:lnB w="12700" cap="flat" cmpd="sng" algn="ctr">
+                      <a:solidFill>
+                        <a:schemeClr val="bg1"/>
+                      </a:solidFill>
+                      <a:prstDash val="solid"/>
+                      <a:round/>
+                      <a:headEnd type="none" w="med" len="med"/>
+                      <a:tailEnd type="none" w="med" len="med"/>
+                    </a:lnB>
+                    <a:lnTlToBr w="12700" cmpd="sng">
+                      <a:noFill/>
+                      <a:prstDash val="solid"/>
+                    </a:lnTlToBr>
+                    <a:lnBlToTr w="12700" cmpd="sng">
+                      <a:noFill/>
+                      <a:prstDash val="solid"/>
+                    </a:lnBlToTr>
+                    <a:noFill/>
+                  </a:tcPr>
+                </a:tc>
+                <a:tc>
+                  <a:txBody>
+                    <a:bodyPr/>
+                    <a:lstStyle/>
+                    <a:p>
+                      <a:pPr algn="ctr" latinLnBrk="1"/>
+                      <a:endParaRPr lang="ko-KR" altLang="en-US" dirty="0"/>
+                    </a:p>
+                  </a:txBody>
+                  <a:tcPr anchor="ctr">
+                    <a:lnL w="12700" cap="flat" cmpd="sng" algn="ctr">
+                      <a:solidFill>
+                        <a:schemeClr val="bg1"/>
+                      </a:solidFill>
+                      <a:prstDash val="solid"/>
+                      <a:round/>
+                      <a:headEnd type="none" w="med" len="med"/>
+                      <a:tailEnd type="none" w="med" len="med"/>
+                    </a:lnL>
+                    <a:lnR w="12700" cap="flat" cmpd="sng" algn="ctr">
+                      <a:solidFill>
+                        <a:schemeClr val="bg1"/>
+                      </a:solidFill>
+                      <a:prstDash val="solid"/>
+                      <a:round/>
+                      <a:headEnd type="none" w="med" len="med"/>
+                      <a:tailEnd type="none" w="med" len="med"/>
+                    </a:lnR>
+                    <a:lnT w="12700" cap="flat" cmpd="sng" algn="ctr">
+                      <a:solidFill>
+                        <a:schemeClr val="bg1"/>
+                      </a:solidFill>
+                      <a:prstDash val="solid"/>
+                      <a:round/>
+                      <a:headEnd type="none" w="med" len="med"/>
+                      <a:tailEnd type="none" w="med" len="med"/>
+                    </a:lnT>
+                    <a:lnB w="12700" cap="flat" cmpd="sng" algn="ctr">
+                      <a:solidFill>
+                        <a:schemeClr val="bg1"/>
+                      </a:solidFill>
+                      <a:prstDash val="solid"/>
+                      <a:round/>
+                      <a:headEnd type="none" w="med" len="med"/>
+                      <a:tailEnd type="none" w="med" len="med"/>
+                    </a:lnB>
+                    <a:lnTlToBr w="12700" cmpd="sng">
+                      <a:noFill/>
+                      <a:prstDash val="solid"/>
+                    </a:lnTlToBr>
+                    <a:lnBlToTr w="12700" cmpd="sng">
+                      <a:noFill/>
+                      <a:prstDash val="solid"/>
+                    </a:lnBlToTr>
+                    <a:noFill/>
+                  </a:tcPr>
+                </a:tc>
+                <a:tc>
+                  <a:txBody>
+                    <a:bodyPr/>
+                    <a:lstStyle/>
+                    <a:p>
+                      <a:pPr algn="ctr" latinLnBrk="1"/>
+                      <a:endParaRPr lang="ko-KR" altLang="en-US" dirty="0"/>
+                    </a:p>
+                  </a:txBody>
+                  <a:tcPr anchor="ctr">
+                    <a:lnL w="12700" cap="flat" cmpd="sng" algn="ctr">
+                      <a:solidFill>
+                        <a:schemeClr val="bg1"/>
+                      </a:solidFill>
+                      <a:prstDash val="solid"/>
+                      <a:round/>
+                      <a:headEnd type="none" w="med" len="med"/>
+                      <a:tailEnd type="none" w="med" len="med"/>
+                    </a:lnL>
+                    <a:lnR w="12700" cap="flat" cmpd="sng" algn="ctr">
+                      <a:solidFill>
+                        <a:schemeClr val="bg1"/>
+                      </a:solidFill>
+                      <a:prstDash val="solid"/>
+                      <a:round/>
+                      <a:headEnd type="none" w="med" len="med"/>
+                      <a:tailEnd type="none" w="med" len="med"/>
+                    </a:lnR>
+                    <a:lnT w="12700" cap="flat" cmpd="sng" algn="ctr">
+                      <a:solidFill>
+                        <a:schemeClr val="bg1"/>
+                      </a:solidFill>
+                      <a:prstDash val="solid"/>
+                      <a:round/>
+                      <a:headEnd type="none" w="med" len="med"/>
+                      <a:tailEnd type="none" w="med" len="med"/>
+                    </a:lnT>
+                    <a:lnB w="12700" cap="flat" cmpd="sng" algn="ctr">
+                      <a:solidFill>
+                        <a:schemeClr val="bg1"/>
+                      </a:solidFill>
+                      <a:prstDash val="solid"/>
+                      <a:round/>
+                      <a:headEnd type="none" w="med" len="med"/>
+                      <a:tailEnd type="none" w="med" len="med"/>
+                    </a:lnB>
+                    <a:lnTlToBr w="12700" cmpd="sng">
+                      <a:noFill/>
+                      <a:prstDash val="solid"/>
+                    </a:lnTlToBr>
+                    <a:lnBlToTr w="12700" cmpd="sng">
+                      <a:noFill/>
+                      <a:prstDash val="solid"/>
+                    </a:lnBlToTr>
+                    <a:noFill/>
+                  </a:tcPr>
+                </a:tc>
+                <a:extLst>
+                  <a:ext uri="{0D108BD9-81ED-4DB2-BD59-A6C34878D82A}">
+                    <a16:rowId xmlns:a16="http://schemas.microsoft.com/office/drawing/2014/main" val="1170133374"/>
+                  </a:ext>
+                </a:extLst>
+              </a:tr>
+              <a:tr h="370840">
+                <a:tc>
+                  <a:txBody>
+                    <a:bodyPr/>
+                    <a:lstStyle/>
+                    <a:p>
+                      <a:pPr algn="ctr" latinLnBrk="1"/>
+                      <a:endParaRPr lang="ko-KR" altLang="en-US" dirty="0"/>
+                    </a:p>
+                  </a:txBody>
+                  <a:tcPr anchor="ctr">
+                    <a:lnL w="12700" cap="flat" cmpd="sng" algn="ctr">
+                      <a:solidFill>
+                        <a:schemeClr val="bg1"/>
+                      </a:solidFill>
+                      <a:prstDash val="solid"/>
+                      <a:round/>
+                      <a:headEnd type="none" w="med" len="med"/>
+                      <a:tailEnd type="none" w="med" len="med"/>
+                    </a:lnL>
+                    <a:lnR w="12700" cap="flat" cmpd="sng" algn="ctr">
+                      <a:solidFill>
+                        <a:schemeClr val="bg1"/>
+                      </a:solidFill>
+                      <a:prstDash val="solid"/>
+                      <a:round/>
+                      <a:headEnd type="none" w="med" len="med"/>
+                      <a:tailEnd type="none" w="med" len="med"/>
+                    </a:lnR>
+                    <a:lnT w="12700" cap="flat" cmpd="sng" algn="ctr">
+                      <a:solidFill>
+                        <a:schemeClr val="bg1"/>
+                      </a:solidFill>
+                      <a:prstDash val="solid"/>
+                      <a:round/>
+                      <a:headEnd type="none" w="med" len="med"/>
+                      <a:tailEnd type="none" w="med" len="med"/>
+                    </a:lnT>
+                    <a:lnB w="12700" cap="flat" cmpd="sng" algn="ctr">
+                      <a:solidFill>
+                        <a:schemeClr val="bg1"/>
+                      </a:solidFill>
+                      <a:prstDash val="solid"/>
+                      <a:round/>
+                      <a:headEnd type="none" w="med" len="med"/>
+                      <a:tailEnd type="none" w="med" len="med"/>
+                    </a:lnB>
+                    <a:lnTlToBr w="12700" cmpd="sng">
+                      <a:noFill/>
+                      <a:prstDash val="solid"/>
+                    </a:lnTlToBr>
+                    <a:lnBlToTr w="12700" cmpd="sng">
+                      <a:noFill/>
+                      <a:prstDash val="solid"/>
+                    </a:lnBlToTr>
+                    <a:noFill/>
+                  </a:tcPr>
+                </a:tc>
+                <a:tc>
+                  <a:txBody>
+                    <a:bodyPr/>
+                    <a:lstStyle/>
+                    <a:p>
+                      <a:pPr latinLnBrk="1"/>
+                      <a:endParaRPr lang="ko-KR" altLang="en-US" dirty="0"/>
+                    </a:p>
+                  </a:txBody>
+                  <a:tcPr anchor="ctr">
+                    <a:lnL w="12700" cap="flat" cmpd="sng" algn="ctr">
+                      <a:solidFill>
+                        <a:schemeClr val="bg1"/>
+                      </a:solidFill>
+                      <a:prstDash val="solid"/>
+                      <a:round/>
+                      <a:headEnd type="none" w="med" len="med"/>
+                      <a:tailEnd type="none" w="med" len="med"/>
+                    </a:lnL>
+                    <a:lnR w="12700" cap="flat" cmpd="sng" algn="ctr">
+                      <a:solidFill>
+                        <a:schemeClr val="bg1"/>
+                      </a:solidFill>
+                      <a:prstDash val="solid"/>
+                      <a:round/>
+                      <a:headEnd type="none" w="med" len="med"/>
+                      <a:tailEnd type="none" w="med" len="med"/>
+                    </a:lnR>
+                    <a:lnT w="12700" cap="flat" cmpd="sng" algn="ctr">
+                      <a:solidFill>
+                        <a:schemeClr val="bg1"/>
+                      </a:solidFill>
+                      <a:prstDash val="solid"/>
+                      <a:round/>
+                      <a:headEnd type="none" w="med" len="med"/>
+                      <a:tailEnd type="none" w="med" len="med"/>
+                    </a:lnT>
+                    <a:lnB w="12700" cap="flat" cmpd="sng" algn="ctr">
+                      <a:solidFill>
+                        <a:schemeClr val="bg1"/>
+                      </a:solidFill>
+                      <a:prstDash val="solid"/>
+                      <a:round/>
+                      <a:headEnd type="none" w="med" len="med"/>
+                      <a:tailEnd type="none" w="med" len="med"/>
+                    </a:lnB>
+                    <a:lnTlToBr w="12700" cmpd="sng">
+                      <a:noFill/>
+                      <a:prstDash val="solid"/>
+                    </a:lnTlToBr>
+                    <a:lnBlToTr w="12700" cmpd="sng">
+                      <a:noFill/>
+                      <a:prstDash val="solid"/>
+                    </a:lnBlToTr>
+                    <a:noFill/>
+                  </a:tcPr>
+                </a:tc>
+                <a:tc>
+                  <a:txBody>
+                    <a:bodyPr/>
+                    <a:lstStyle/>
+                    <a:p>
+                      <a:pPr algn="ctr" latinLnBrk="1"/>
+                      <a:endParaRPr lang="ko-KR" altLang="en-US" dirty="0"/>
+                    </a:p>
+                  </a:txBody>
+                  <a:tcPr anchor="ctr">
+                    <a:lnL w="12700" cap="flat" cmpd="sng" algn="ctr">
+                      <a:solidFill>
+                        <a:schemeClr val="bg1"/>
+                      </a:solidFill>
+                      <a:prstDash val="solid"/>
+                      <a:round/>
+                      <a:headEnd type="none" w="med" len="med"/>
+                      <a:tailEnd type="none" w="med" len="med"/>
+                    </a:lnL>
+                    <a:lnR w="12700" cap="flat" cmpd="sng" algn="ctr">
+                      <a:solidFill>
+                        <a:schemeClr val="bg1"/>
+                      </a:solidFill>
+                      <a:prstDash val="solid"/>
+                      <a:round/>
+                      <a:headEnd type="none" w="med" len="med"/>
+                      <a:tailEnd type="none" w="med" len="med"/>
+                    </a:lnR>
+                    <a:lnT w="12700" cap="flat" cmpd="sng" algn="ctr">
+                      <a:solidFill>
+                        <a:schemeClr val="bg1"/>
+                      </a:solidFill>
+                      <a:prstDash val="solid"/>
+                      <a:round/>
+                      <a:headEnd type="none" w="med" len="med"/>
+                      <a:tailEnd type="none" w="med" len="med"/>
+                    </a:lnT>
+                    <a:lnB w="12700" cap="flat" cmpd="sng" algn="ctr">
+                      <a:solidFill>
+                        <a:schemeClr val="bg1"/>
+                      </a:solidFill>
+                      <a:prstDash val="solid"/>
+                      <a:round/>
+                      <a:headEnd type="none" w="med" len="med"/>
+                      <a:tailEnd type="none" w="med" len="med"/>
+                    </a:lnB>
+                    <a:lnTlToBr w="12700" cmpd="sng">
+                      <a:noFill/>
+                      <a:prstDash val="solid"/>
+                    </a:lnTlToBr>
+                    <a:lnBlToTr w="12700" cmpd="sng">
+                      <a:noFill/>
+                      <a:prstDash val="solid"/>
+                    </a:lnBlToTr>
+                    <a:noFill/>
+                  </a:tcPr>
+                </a:tc>
+                <a:tc>
+                  <a:txBody>
+                    <a:bodyPr/>
+                    <a:lstStyle/>
+                    <a:p>
+                      <a:pPr algn="ctr" latinLnBrk="1"/>
+                      <a:endParaRPr lang="ko-KR" altLang="en-US" dirty="0"/>
+                    </a:p>
+                  </a:txBody>
+                  <a:tcPr anchor="ctr">
+                    <a:lnL w="12700" cap="flat" cmpd="sng" algn="ctr">
+                      <a:solidFill>
+                        <a:schemeClr val="bg1"/>
+                      </a:solidFill>
+                      <a:prstDash val="solid"/>
+                      <a:round/>
+                      <a:headEnd type="none" w="med" len="med"/>
+                      <a:tailEnd type="none" w="med" len="med"/>
+                    </a:lnL>
+                    <a:lnR w="12700" cap="flat" cmpd="sng" algn="ctr">
+                      <a:solidFill>
+                        <a:schemeClr val="bg1"/>
+                      </a:solidFill>
+                      <a:prstDash val="solid"/>
+                      <a:round/>
+                      <a:headEnd type="none" w="med" len="med"/>
+                      <a:tailEnd type="none" w="med" len="med"/>
+                    </a:lnR>
+                    <a:lnT w="12700" cap="flat" cmpd="sng" algn="ctr">
+                      <a:solidFill>
+                        <a:schemeClr val="bg1"/>
+                      </a:solidFill>
+                      <a:prstDash val="solid"/>
+                      <a:round/>
+                      <a:headEnd type="none" w="med" len="med"/>
+                      <a:tailEnd type="none" w="med" len="med"/>
+                    </a:lnT>
+                    <a:lnB w="12700" cap="flat" cmpd="sng" algn="ctr">
+                      <a:solidFill>
+                        <a:schemeClr val="bg1"/>
+                      </a:solidFill>
+                      <a:prstDash val="solid"/>
+                      <a:round/>
+                      <a:headEnd type="none" w="med" len="med"/>
+                      <a:tailEnd type="none" w="med" len="med"/>
+                    </a:lnB>
+                    <a:lnTlToBr w="12700" cmpd="sng">
+                      <a:noFill/>
+                      <a:prstDash val="solid"/>
+                    </a:lnTlToBr>
+                    <a:lnBlToTr w="12700" cmpd="sng">
+                      <a:noFill/>
+                      <a:prstDash val="solid"/>
+                    </a:lnBlToTr>
+                    <a:noFill/>
+                  </a:tcPr>
+                </a:tc>
+                <a:extLst>
+                  <a:ext uri="{0D108BD9-81ED-4DB2-BD59-A6C34878D82A}">
+                    <a16:rowId xmlns:a16="http://schemas.microsoft.com/office/drawing/2014/main" val="1033549877"/>
+                  </a:ext>
+                </a:extLst>
+              </a:tr>
+              <a:tr h="370840">
+                <a:tc>
+                  <a:txBody>
+                    <a:bodyPr/>
+                    <a:lstStyle/>
+                    <a:p>
+                      <a:pPr algn="ctr" latinLnBrk="1"/>
+                      <a:endParaRPr lang="ko-KR" altLang="en-US" dirty="0"/>
+                    </a:p>
+                  </a:txBody>
+                  <a:tcPr anchor="ctr">
+                    <a:lnL w="12700" cap="flat" cmpd="sng" algn="ctr">
+                      <a:solidFill>
+                        <a:schemeClr val="bg1"/>
+                      </a:solidFill>
+                      <a:prstDash val="solid"/>
+                      <a:round/>
+                      <a:headEnd type="none" w="med" len="med"/>
+                      <a:tailEnd type="none" w="med" len="med"/>
+                    </a:lnL>
+                    <a:lnR w="12700" cap="flat" cmpd="sng" algn="ctr">
+                      <a:solidFill>
+                        <a:schemeClr val="bg1"/>
+                      </a:solidFill>
+                      <a:prstDash val="solid"/>
+                      <a:round/>
+                      <a:headEnd type="none" w="med" len="med"/>
+                      <a:tailEnd type="none" w="med" len="med"/>
+                    </a:lnR>
+                    <a:lnT w="12700" cap="flat" cmpd="sng" algn="ctr">
+                      <a:solidFill>
+                        <a:schemeClr val="bg1"/>
+                      </a:solidFill>
+                      <a:prstDash val="solid"/>
+                      <a:round/>
+                      <a:headEnd type="none" w="med" len="med"/>
+                      <a:tailEnd type="none" w="med" len="med"/>
+                    </a:lnT>
+                    <a:lnB w="12700" cap="flat" cmpd="sng" algn="ctr">
+                      <a:solidFill>
+                        <a:schemeClr val="bg1"/>
+                      </a:solidFill>
+                      <a:prstDash val="solid"/>
+                      <a:round/>
+                      <a:headEnd type="none" w="med" len="med"/>
+                      <a:tailEnd type="none" w="med" len="med"/>
+                    </a:lnB>
+                    <a:lnTlToBr w="12700" cmpd="sng">
+                      <a:noFill/>
+                      <a:prstDash val="solid"/>
+                    </a:lnTlToBr>
+                    <a:lnBlToTr w="12700" cmpd="sng">
+                      <a:noFill/>
+                      <a:prstDash val="solid"/>
+                    </a:lnBlToTr>
+                    <a:noFill/>
+                  </a:tcPr>
+                </a:tc>
+                <a:tc>
+                  <a:txBody>
+                    <a:bodyPr/>
+                    <a:lstStyle/>
+                    <a:p>
+                      <a:pPr latinLnBrk="1"/>
+                      <a:endParaRPr lang="ko-KR" altLang="en-US" dirty="0"/>
+                    </a:p>
+                  </a:txBody>
+                  <a:tcPr anchor="ctr">
+                    <a:lnL w="12700" cap="flat" cmpd="sng" algn="ctr">
+                      <a:solidFill>
+                        <a:schemeClr val="bg1"/>
+                      </a:solidFill>
+                      <a:prstDash val="solid"/>
+                      <a:round/>
+                      <a:headEnd type="none" w="med" len="med"/>
+                      <a:tailEnd type="none" w="med" len="med"/>
+                    </a:lnL>
+                    <a:lnR w="12700" cap="flat" cmpd="sng" algn="ctr">
+                      <a:solidFill>
+                        <a:schemeClr val="bg1"/>
+                      </a:solidFill>
+                      <a:prstDash val="solid"/>
+                      <a:round/>
+                      <a:headEnd type="none" w="med" len="med"/>
+                      <a:tailEnd type="none" w="med" len="med"/>
+                    </a:lnR>
+                    <a:lnT w="12700" cap="flat" cmpd="sng" algn="ctr">
+                      <a:solidFill>
+                        <a:schemeClr val="bg1"/>
+                      </a:solidFill>
+                      <a:prstDash val="solid"/>
+                      <a:round/>
+                      <a:headEnd type="none" w="med" len="med"/>
+                      <a:tailEnd type="none" w="med" len="med"/>
+                    </a:lnT>
+                    <a:lnB w="12700" cap="flat" cmpd="sng" algn="ctr">
+                      <a:solidFill>
+                        <a:schemeClr val="bg1"/>
+                      </a:solidFill>
+                      <a:prstDash val="solid"/>
+                      <a:round/>
+                      <a:headEnd type="none" w="med" len="med"/>
+                      <a:tailEnd type="none" w="med" len="med"/>
+                    </a:lnB>
+                    <a:lnTlToBr w="12700" cmpd="sng">
+                      <a:noFill/>
+                      <a:prstDash val="solid"/>
+                    </a:lnTlToBr>
+                    <a:lnBlToTr w="12700" cmpd="sng">
+                      <a:noFill/>
+                      <a:prstDash val="solid"/>
+                    </a:lnBlToTr>
+                    <a:noFill/>
+                  </a:tcPr>
+                </a:tc>
+                <a:tc>
+                  <a:txBody>
+                    <a:bodyPr/>
+                    <a:lstStyle/>
+                    <a:p>
+                      <a:pPr algn="ctr" latinLnBrk="1"/>
+                      <a:endParaRPr lang="ko-KR" altLang="en-US" dirty="0"/>
+                    </a:p>
+                  </a:txBody>
+                  <a:tcPr anchor="ctr">
+                    <a:lnL w="12700" cap="flat" cmpd="sng" algn="ctr">
+                      <a:solidFill>
+                        <a:schemeClr val="bg1"/>
+                      </a:solidFill>
+                      <a:prstDash val="solid"/>
+                      <a:round/>
+                      <a:headEnd type="none" w="med" len="med"/>
+                      <a:tailEnd type="none" w="med" len="med"/>
+                    </a:lnL>
+                    <a:lnR w="12700" cap="flat" cmpd="sng" algn="ctr">
+                      <a:solidFill>
+                        <a:schemeClr val="bg1"/>
+                      </a:solidFill>
+                      <a:prstDash val="solid"/>
+                      <a:round/>
+                      <a:headEnd type="none" w="med" len="med"/>
+                      <a:tailEnd type="none" w="med" len="med"/>
+                    </a:lnR>
+                    <a:lnT w="12700" cap="flat" cmpd="sng" algn="ctr">
+                      <a:solidFill>
+                        <a:schemeClr val="bg1"/>
+                      </a:solidFill>
+                      <a:prstDash val="solid"/>
+                      <a:round/>
+                      <a:headEnd type="none" w="med" len="med"/>
+                      <a:tailEnd type="none" w="med" len="med"/>
+                    </a:lnT>
+                    <a:lnB w="12700" cap="flat" cmpd="sng" algn="ctr">
+                      <a:solidFill>
+                        <a:schemeClr val="bg1"/>
+                      </a:solidFill>
+                      <a:prstDash val="solid"/>
+                      <a:round/>
+                      <a:headEnd type="none" w="med" len="med"/>
+                      <a:tailEnd type="none" w="med" len="med"/>
+                    </a:lnB>
+                    <a:lnTlToBr w="12700" cmpd="sng">
+                      <a:noFill/>
+                      <a:prstDash val="solid"/>
+                    </a:lnTlToBr>
+                    <a:lnBlToTr w="12700" cmpd="sng">
+                      <a:noFill/>
+                      <a:prstDash val="solid"/>
+                    </a:lnBlToTr>
+                    <a:noFill/>
+                  </a:tcPr>
+                </a:tc>
+                <a:tc>
+                  <a:txBody>
+                    <a:bodyPr/>
+                    <a:lstStyle/>
+                    <a:p>
+                      <a:pPr algn="ctr" latinLnBrk="1"/>
+                      <a:endParaRPr lang="ko-KR" altLang="en-US" dirty="0"/>
+                    </a:p>
+                  </a:txBody>
+                  <a:tcPr anchor="ctr">
+                    <a:lnL w="12700" cap="flat" cmpd="sng" algn="ctr">
+                      <a:solidFill>
+                        <a:schemeClr val="bg1"/>
+                      </a:solidFill>
+                      <a:prstDash val="solid"/>
+                      <a:round/>
+                      <a:headEnd type="none" w="med" len="med"/>
+                      <a:tailEnd type="none" w="med" len="med"/>
+                    </a:lnL>
+                    <a:lnR w="12700" cap="flat" cmpd="sng" algn="ctr">
+                      <a:solidFill>
+                        <a:schemeClr val="bg1"/>
+                      </a:solidFill>
+                      <a:prstDash val="solid"/>
+                      <a:round/>
+                      <a:headEnd type="none" w="med" len="med"/>
+                      <a:tailEnd type="none" w="med" len="med"/>
+                    </a:lnR>
+                    <a:lnT w="12700" cap="flat" cmpd="sng" algn="ctr">
+                      <a:solidFill>
+                        <a:schemeClr val="bg1"/>
+                      </a:solidFill>
+                      <a:prstDash val="solid"/>
+                      <a:round/>
+                      <a:headEnd type="none" w="med" len="med"/>
+                      <a:tailEnd type="none" w="med" len="med"/>
+                    </a:lnT>
+                    <a:lnB w="12700" cap="flat" cmpd="sng" algn="ctr">
+                      <a:solidFill>
+                        <a:schemeClr val="bg1"/>
+                      </a:solidFill>
+                      <a:prstDash val="solid"/>
+                      <a:round/>
+                      <a:headEnd type="none" w="med" len="med"/>
+                      <a:tailEnd type="none" w="med" len="med"/>
+                    </a:lnB>
+                    <a:lnTlToBr w="12700" cmpd="sng">
+                      <a:noFill/>
+                      <a:prstDash val="solid"/>
+                    </a:lnTlToBr>
+                    <a:lnBlToTr w="12700" cmpd="sng">
+                      <a:noFill/>
+                      <a:prstDash val="solid"/>
+                    </a:lnBlToTr>
+                    <a:noFill/>
+                  </a:tcPr>
+                </a:tc>
+                <a:extLst>
+                  <a:ext uri="{0D108BD9-81ED-4DB2-BD59-A6C34878D82A}">
+                    <a16:rowId xmlns:a16="http://schemas.microsoft.com/office/drawing/2014/main" val="3221329160"/>
+                  </a:ext>
+                </a:extLst>
+              </a:tr>
+              <a:tr h="370840">
+                <a:tc>
+                  <a:txBody>
+                    <a:bodyPr/>
+                    <a:lstStyle/>
+                    <a:p>
+                      <a:pPr algn="ctr" latinLnBrk="1"/>
+                      <a:endParaRPr lang="ko-KR" altLang="en-US" dirty="0"/>
+                    </a:p>
+                  </a:txBody>
+                  <a:tcPr anchor="ctr">
+                    <a:lnL w="12700" cap="flat" cmpd="sng" algn="ctr">
+                      <a:solidFill>
+                        <a:schemeClr val="bg1"/>
+                      </a:solidFill>
+                      <a:prstDash val="solid"/>
+                      <a:round/>
+                      <a:headEnd type="none" w="med" len="med"/>
+                      <a:tailEnd type="none" w="med" len="med"/>
+                    </a:lnL>
+                    <a:lnR w="12700" cap="flat" cmpd="sng" algn="ctr">
+                      <a:solidFill>
+                        <a:schemeClr val="bg1"/>
+                      </a:solidFill>
+                      <a:prstDash val="solid"/>
+                      <a:round/>
+                      <a:headEnd type="none" w="med" len="med"/>
+                      <a:tailEnd type="none" w="med" len="med"/>
+                    </a:lnR>
+                    <a:lnT w="12700" cap="flat" cmpd="sng" algn="ctr">
+                      <a:solidFill>
+                        <a:schemeClr val="bg1"/>
+                      </a:solidFill>
+                      <a:prstDash val="solid"/>
+                      <a:round/>
+                      <a:headEnd type="none" w="med" len="med"/>
+                      <a:tailEnd type="none" w="med" len="med"/>
+                    </a:lnT>
+                    <a:lnB w="12700" cap="flat" cmpd="sng" algn="ctr">
+                      <a:solidFill>
+                        <a:schemeClr val="bg1"/>
+                      </a:solidFill>
+                      <a:prstDash val="solid"/>
+                      <a:round/>
+                      <a:headEnd type="none" w="med" len="med"/>
+                      <a:tailEnd type="none" w="med" len="med"/>
+                    </a:lnB>
+                    <a:lnTlToBr w="12700" cmpd="sng">
+                      <a:noFill/>
+                      <a:prstDash val="solid"/>
+                    </a:lnTlToBr>
+                    <a:lnBlToTr w="12700" cmpd="sng">
+                      <a:noFill/>
+                      <a:prstDash val="solid"/>
+                    </a:lnBlToTr>
+                    <a:noFill/>
+                  </a:tcPr>
+                </a:tc>
+                <a:tc>
+                  <a:txBody>
+                    <a:bodyPr/>
+                    <a:lstStyle/>
+                    <a:p>
+                      <a:pPr latinLnBrk="1"/>
+                      <a:endParaRPr lang="ko-KR" altLang="en-US" dirty="0"/>
+                    </a:p>
+                  </a:txBody>
+                  <a:tcPr anchor="ctr">
+                    <a:lnL w="12700" cap="flat" cmpd="sng" algn="ctr">
+                      <a:solidFill>
+                        <a:schemeClr val="bg1"/>
+                      </a:solidFill>
+                      <a:prstDash val="solid"/>
+                      <a:round/>
+                      <a:headEnd type="none" w="med" len="med"/>
+                      <a:tailEnd type="none" w="med" len="med"/>
+                    </a:lnL>
+                    <a:lnR w="12700" cap="flat" cmpd="sng" algn="ctr">
+                      <a:solidFill>
+                        <a:schemeClr val="bg1"/>
+                      </a:solidFill>
+                      <a:prstDash val="solid"/>
+                      <a:round/>
+                      <a:headEnd type="none" w="med" len="med"/>
+                      <a:tailEnd type="none" w="med" len="med"/>
+                    </a:lnR>
+                    <a:lnT w="12700" cap="flat" cmpd="sng" algn="ctr">
+                      <a:solidFill>
+                        <a:schemeClr val="bg1"/>
+                      </a:solidFill>
+                      <a:prstDash val="solid"/>
+                      <a:round/>
+                      <a:headEnd type="none" w="med" len="med"/>
+                      <a:tailEnd type="none" w="med" len="med"/>
+                    </a:lnT>
+                    <a:lnB w="12700" cap="flat" cmpd="sng" algn="ctr">
+                      <a:solidFill>
+                        <a:schemeClr val="bg1"/>
+                      </a:solidFill>
+                      <a:prstDash val="solid"/>
+                      <a:round/>
+                      <a:headEnd type="none" w="med" len="med"/>
+                      <a:tailEnd type="none" w="med" len="med"/>
+                    </a:lnB>
+                    <a:lnTlToBr w="12700" cmpd="sng">
+                      <a:noFill/>
+                      <a:prstDash val="solid"/>
+                    </a:lnTlToBr>
+                    <a:lnBlToTr w="12700" cmpd="sng">
+                      <a:noFill/>
+                      <a:prstDash val="solid"/>
+                    </a:lnBlToTr>
+                    <a:noFill/>
+                  </a:tcPr>
+                </a:tc>
+                <a:tc>
+                  <a:txBody>
+                    <a:bodyPr/>
+                    <a:lstStyle/>
+                    <a:p>
+                      <a:pPr algn="ctr" latinLnBrk="1"/>
+                      <a:endParaRPr lang="ko-KR" altLang="en-US" dirty="0"/>
+                    </a:p>
+                  </a:txBody>
+                  <a:tcPr anchor="ctr">
+                    <a:lnL w="12700" cap="flat" cmpd="sng" algn="ctr">
+                      <a:solidFill>
+                        <a:schemeClr val="bg1"/>
+                      </a:solidFill>
+                      <a:prstDash val="solid"/>
+                      <a:round/>
+                      <a:headEnd type="none" w="med" len="med"/>
+                      <a:tailEnd type="none" w="med" len="med"/>
+                    </a:lnL>
+                    <a:lnR w="12700" cap="flat" cmpd="sng" algn="ctr">
+                      <a:solidFill>
+                        <a:schemeClr val="bg1"/>
+                      </a:solidFill>
+                      <a:prstDash val="solid"/>
+                      <a:round/>
+                      <a:headEnd type="none" w="med" len="med"/>
+                      <a:tailEnd type="none" w="med" len="med"/>
+                    </a:lnR>
+                    <a:lnT w="12700" cap="flat" cmpd="sng" algn="ctr">
+                      <a:solidFill>
+                        <a:schemeClr val="bg1"/>
+                      </a:solidFill>
+                      <a:prstDash val="solid"/>
+                      <a:round/>
+                      <a:headEnd type="none" w="med" len="med"/>
+                      <a:tailEnd type="none" w="med" len="med"/>
+                    </a:lnT>
+                    <a:lnB w="12700" cap="flat" cmpd="sng" algn="ctr">
+                      <a:solidFill>
+                        <a:schemeClr val="bg1"/>
+                      </a:solidFill>
+                      <a:prstDash val="solid"/>
+                      <a:round/>
+                      <a:headEnd type="none" w="med" len="med"/>
+                      <a:tailEnd type="none" w="med" len="med"/>
+                    </a:lnB>
+                    <a:lnTlToBr w="12700" cmpd="sng">
+                      <a:noFill/>
+                      <a:prstDash val="solid"/>
+                    </a:lnTlToBr>
+                    <a:lnBlToTr w="12700" cmpd="sng">
+                      <a:noFill/>
+                      <a:prstDash val="solid"/>
+                    </a:lnBlToTr>
+                    <a:noFill/>
+                  </a:tcPr>
+                </a:tc>
+                <a:tc>
+                  <a:txBody>
+                    <a:bodyPr/>
+                    <a:lstStyle/>
+                    <a:p>
+                      <a:pPr algn="ctr" latinLnBrk="1"/>
+                      <a:endParaRPr lang="ko-KR" altLang="en-US" dirty="0"/>
+                    </a:p>
+                  </a:txBody>
+                  <a:tcPr anchor="ctr">
+                    <a:lnL w="12700" cap="flat" cmpd="sng" algn="ctr">
+                      <a:solidFill>
+                        <a:schemeClr val="bg1"/>
+                      </a:solidFill>
+                      <a:prstDash val="solid"/>
+                      <a:round/>
+                      <a:headEnd type="none" w="med" len="med"/>
+                      <a:tailEnd type="none" w="med" len="med"/>
+                    </a:lnL>
+                    <a:lnR w="12700" cap="flat" cmpd="sng" algn="ctr">
+                      <a:solidFill>
+                        <a:schemeClr val="bg1"/>
+                      </a:solidFill>
+                      <a:prstDash val="solid"/>
+                      <a:round/>
+                      <a:headEnd type="none" w="med" len="med"/>
+                      <a:tailEnd type="none" w="med" len="med"/>
+                    </a:lnR>
+                    <a:lnT w="12700" cap="flat" cmpd="sng" algn="ctr">
+                      <a:solidFill>
+                        <a:schemeClr val="bg1"/>
+                      </a:solidFill>
+                      <a:prstDash val="solid"/>
+                      <a:round/>
+                      <a:headEnd type="none" w="med" len="med"/>
+                      <a:tailEnd type="none" w="med" len="med"/>
+                    </a:lnT>
+                    <a:lnB w="12700" cap="flat" cmpd="sng" algn="ctr">
+                      <a:solidFill>
+                        <a:schemeClr val="bg1"/>
+                      </a:solidFill>
+                      <a:prstDash val="solid"/>
+                      <a:round/>
+                      <a:headEnd type="none" w="med" len="med"/>
+                      <a:tailEnd type="none" w="med" len="med"/>
+                    </a:lnB>
+                    <a:lnTlToBr w="12700" cmpd="sng">
+                      <a:noFill/>
+                      <a:prstDash val="solid"/>
+                    </a:lnTlToBr>
+                    <a:lnBlToTr w="12700" cmpd="sng">
+                      <a:noFill/>
+                      <a:prstDash val="solid"/>
+                    </a:lnBlToTr>
+                    <a:noFill/>
+                  </a:tcPr>
+                </a:tc>
+                <a:extLst>
+                  <a:ext uri="{0D108BD9-81ED-4DB2-BD59-A6C34878D82A}">
+                    <a16:rowId xmlns:a16="http://schemas.microsoft.com/office/drawing/2014/main" val="2770521963"/>
+                  </a:ext>
+                </a:extLst>
+              </a:tr>
+              <a:tr h="370840">
+                <a:tc>
+                  <a:txBody>
+                    <a:bodyPr/>
+                    <a:lstStyle/>
+                    <a:p>
+                      <a:pPr algn="ctr" latinLnBrk="1"/>
+                      <a:endParaRPr lang="ko-KR" altLang="en-US" dirty="0"/>
+                    </a:p>
+                  </a:txBody>
+                  <a:tcPr anchor="ctr">
+                    <a:lnL w="12700" cap="flat" cmpd="sng" algn="ctr">
+                      <a:solidFill>
+                        <a:schemeClr val="bg1"/>
+                      </a:solidFill>
+                      <a:prstDash val="solid"/>
+                      <a:round/>
+                      <a:headEnd type="none" w="med" len="med"/>
+                      <a:tailEnd type="none" w="med" len="med"/>
+                    </a:lnL>
+                    <a:lnR w="12700" cap="flat" cmpd="sng" algn="ctr">
+                      <a:solidFill>
+                        <a:schemeClr val="bg1"/>
+                      </a:solidFill>
+                      <a:prstDash val="solid"/>
+                      <a:round/>
+                      <a:headEnd type="none" w="med" len="med"/>
+                      <a:tailEnd type="none" w="med" len="med"/>
+                    </a:lnR>
+                    <a:lnT w="12700" cap="flat" cmpd="sng" algn="ctr">
+                      <a:solidFill>
+                        <a:schemeClr val="bg1"/>
+                      </a:solidFill>
+                      <a:prstDash val="solid"/>
+                      <a:round/>
+                      <a:headEnd type="none" w="med" len="med"/>
+                      <a:tailEnd type="none" w="med" len="med"/>
+                    </a:lnT>
+                    <a:lnB w="12700" cap="flat" cmpd="sng" algn="ctr">
+                      <a:solidFill>
+                        <a:schemeClr val="bg1"/>
+                      </a:solidFill>
+                      <a:prstDash val="solid"/>
+                      <a:round/>
+                      <a:headEnd type="none" w="med" len="med"/>
+                      <a:tailEnd type="none" w="med" len="med"/>
+                    </a:lnB>
+                    <a:lnTlToBr w="12700" cmpd="sng">
+                      <a:noFill/>
+                      <a:prstDash val="solid"/>
+                    </a:lnTlToBr>
+                    <a:lnBlToTr w="12700" cmpd="sng">
+                      <a:noFill/>
+                      <a:prstDash val="solid"/>
+                    </a:lnBlToTr>
+                    <a:noFill/>
+                  </a:tcPr>
+                </a:tc>
+                <a:tc>
+                  <a:txBody>
+                    <a:bodyPr/>
+                    <a:lstStyle/>
+                    <a:p>
+                      <a:pPr latinLnBrk="1"/>
+                      <a:endParaRPr lang="ko-KR" altLang="en-US" dirty="0"/>
+                    </a:p>
+                  </a:txBody>
+                  <a:tcPr anchor="ctr">
+                    <a:lnL w="12700" cap="flat" cmpd="sng" algn="ctr">
+                      <a:solidFill>
+                        <a:schemeClr val="bg1"/>
+                      </a:solidFill>
+                      <a:prstDash val="solid"/>
+                      <a:round/>
+                      <a:headEnd type="none" w="med" len="med"/>
+                      <a:tailEnd type="none" w="med" len="med"/>
+                    </a:lnL>
+                    <a:lnR w="12700" cap="flat" cmpd="sng" algn="ctr">
+                      <a:solidFill>
+                        <a:schemeClr val="bg1"/>
+                      </a:solidFill>
+                      <a:prstDash val="solid"/>
+                      <a:round/>
+                      <a:headEnd type="none" w="med" len="med"/>
+                      <a:tailEnd type="none" w="med" len="med"/>
+                    </a:lnR>
+                    <a:lnT w="12700" cap="flat" cmpd="sng" algn="ctr">
+                      <a:solidFill>
+                        <a:schemeClr val="bg1"/>
+                      </a:solidFill>
+                      <a:prstDash val="solid"/>
+                      <a:round/>
+                      <a:headEnd type="none" w="med" len="med"/>
+                      <a:tailEnd type="none" w="med" len="med"/>
+                    </a:lnT>
+                    <a:lnB w="12700" cap="flat" cmpd="sng" algn="ctr">
+                      <a:solidFill>
+                        <a:schemeClr val="bg1"/>
+                      </a:solidFill>
+                      <a:prstDash val="solid"/>
+                      <a:round/>
+                      <a:headEnd type="none" w="med" len="med"/>
+                      <a:tailEnd type="none" w="med" len="med"/>
+                    </a:lnB>
+                    <a:lnTlToBr w="12700" cmpd="sng">
+                      <a:noFill/>
+                      <a:prstDash val="solid"/>
+                    </a:lnTlToBr>
+                    <a:lnBlToTr w="12700" cmpd="sng">
+                      <a:noFill/>
+                      <a:prstDash val="solid"/>
+                    </a:lnBlToTr>
+                    <a:noFill/>
+                  </a:tcPr>
+                </a:tc>
+                <a:tc>
+                  <a:txBody>
+                    <a:bodyPr/>
+                    <a:lstStyle/>
+                    <a:p>
+                      <a:pPr algn="ctr" latinLnBrk="1"/>
+                      <a:endParaRPr lang="ko-KR" altLang="en-US" dirty="0"/>
+                    </a:p>
+                  </a:txBody>
+                  <a:tcPr anchor="ctr">
+                    <a:lnL w="12700" cap="flat" cmpd="sng" algn="ctr">
+                      <a:solidFill>
+                        <a:schemeClr val="bg1"/>
+                      </a:solidFill>
+                      <a:prstDash val="solid"/>
+                      <a:round/>
+                      <a:headEnd type="none" w="med" len="med"/>
+                      <a:tailEnd type="none" w="med" len="med"/>
+                    </a:lnL>
+                    <a:lnR w="12700" cap="flat" cmpd="sng" algn="ctr">
+                      <a:solidFill>
+                        <a:schemeClr val="bg1"/>
+                      </a:solidFill>
+                      <a:prstDash val="solid"/>
+                      <a:round/>
+                      <a:headEnd type="none" w="med" len="med"/>
+                      <a:tailEnd type="none" w="med" len="med"/>
+                    </a:lnR>
+                    <a:lnT w="12700" cap="flat" cmpd="sng" algn="ctr">
+                      <a:solidFill>
+                        <a:schemeClr val="bg1"/>
+                      </a:solidFill>
+                      <a:prstDash val="solid"/>
+                      <a:round/>
+                      <a:headEnd type="none" w="med" len="med"/>
+                      <a:tailEnd type="none" w="med" len="med"/>
+                    </a:lnT>
+                    <a:lnB w="12700" cap="flat" cmpd="sng" algn="ctr">
+                      <a:solidFill>
+                        <a:schemeClr val="bg1"/>
+                      </a:solidFill>
+                      <a:prstDash val="solid"/>
+                      <a:round/>
+                      <a:headEnd type="none" w="med" len="med"/>
+                      <a:tailEnd type="none" w="med" len="med"/>
+                    </a:lnB>
+                    <a:lnTlToBr w="12700" cmpd="sng">
+                      <a:noFill/>
+                      <a:prstDash val="solid"/>
+                    </a:lnTlToBr>
+                    <a:lnBlToTr w="12700" cmpd="sng">
+                      <a:noFill/>
+                      <a:prstDash val="solid"/>
+                    </a:lnBlToTr>
+                    <a:noFill/>
+                  </a:tcPr>
+                </a:tc>
+                <a:tc>
+                  <a:txBody>
+                    <a:bodyPr/>
+                    <a:lstStyle/>
+                    <a:p>
+                      <a:pPr algn="ctr" latinLnBrk="1"/>
+                      <a:endParaRPr lang="ko-KR" altLang="en-US" dirty="0"/>
+                    </a:p>
+                  </a:txBody>
+                  <a:tcPr anchor="ctr">
+                    <a:lnL w="12700" cap="flat" cmpd="sng" algn="ctr">
+                      <a:solidFill>
+                        <a:schemeClr val="bg1"/>
+                      </a:solidFill>
+                      <a:prstDash val="solid"/>
+                      <a:round/>
+                      <a:headEnd type="none" w="med" len="med"/>
+                      <a:tailEnd type="none" w="med" len="med"/>
+                    </a:lnL>
+                    <a:lnR w="12700" cap="flat" cmpd="sng" algn="ctr">
+                      <a:solidFill>
+                        <a:schemeClr val="bg1"/>
+                      </a:solidFill>
+                      <a:prstDash val="solid"/>
+                      <a:round/>
+                      <a:headEnd type="none" w="med" len="med"/>
+                      <a:tailEnd type="none" w="med" len="med"/>
+                    </a:lnR>
+                    <a:lnT w="12700" cap="flat" cmpd="sng" algn="ctr">
+                      <a:solidFill>
+                        <a:schemeClr val="bg1"/>
+                      </a:solidFill>
+                      <a:prstDash val="solid"/>
+                      <a:round/>
+                      <a:headEnd type="none" w="med" len="med"/>
+                      <a:tailEnd type="none" w="med" len="med"/>
+                    </a:lnT>
+                    <a:lnB w="12700" cap="flat" cmpd="sng" algn="ctr">
+                      <a:solidFill>
+                        <a:schemeClr val="bg1"/>
+                      </a:solidFill>
+                      <a:prstDash val="solid"/>
+                      <a:round/>
+                      <a:headEnd type="none" w="med" len="med"/>
+                      <a:tailEnd type="none" w="med" len="med"/>
+                    </a:lnB>
+                    <a:lnTlToBr w="12700" cmpd="sng">
+                      <a:noFill/>
+                      <a:prstDash val="solid"/>
+                    </a:lnTlToBr>
+                    <a:lnBlToTr w="12700" cmpd="sng">
+                      <a:noFill/>
+                      <a:prstDash val="solid"/>
+                    </a:lnBlToTr>
+                    <a:noFill/>
+                  </a:tcPr>
+                </a:tc>
+                <a:extLst>
+                  <a:ext uri="{0D108BD9-81ED-4DB2-BD59-A6C34878D82A}">
+                    <a16:rowId xmlns:a16="http://schemas.microsoft.com/office/drawing/2014/main" val="1917959396"/>
+                  </a:ext>
+                </a:extLst>
+              </a:tr>
+              <a:tr h="370840">
+                <a:tc>
+                  <a:txBody>
+                    <a:bodyPr/>
+                    <a:lstStyle/>
+                    <a:p>
+                      <a:pPr algn="ctr" latinLnBrk="1"/>
+                      <a:endParaRPr lang="ko-KR" altLang="en-US" dirty="0"/>
+                    </a:p>
+                  </a:txBody>
+                  <a:tcPr anchor="ctr">
+                    <a:lnL w="12700" cap="flat" cmpd="sng" algn="ctr">
+                      <a:solidFill>
+                        <a:schemeClr val="bg1"/>
+                      </a:solidFill>
+                      <a:prstDash val="solid"/>
+                      <a:round/>
+                      <a:headEnd type="none" w="med" len="med"/>
+                      <a:tailEnd type="none" w="med" len="med"/>
+                    </a:lnL>
+                    <a:lnR w="12700" cap="flat" cmpd="sng" algn="ctr">
+                      <a:solidFill>
+                        <a:schemeClr val="bg1"/>
+                      </a:solidFill>
+                      <a:prstDash val="solid"/>
+                      <a:round/>
+                      <a:headEnd type="none" w="med" len="med"/>
+                      <a:tailEnd type="none" w="med" len="med"/>
+                    </a:lnR>
+                    <a:lnT w="12700" cap="flat" cmpd="sng" algn="ctr">
+                      <a:solidFill>
+                        <a:schemeClr val="bg1"/>
+                      </a:solidFill>
+                      <a:prstDash val="solid"/>
+                      <a:round/>
+                      <a:headEnd type="none" w="med" len="med"/>
+                      <a:tailEnd type="none" w="med" len="med"/>
+                    </a:lnT>
+                    <a:lnB w="12700" cap="flat" cmpd="sng" algn="ctr">
+                      <a:solidFill>
+                        <a:schemeClr val="bg1"/>
+                      </a:solidFill>
+                      <a:prstDash val="solid"/>
+                      <a:round/>
+                      <a:headEnd type="none" w="med" len="med"/>
+                      <a:tailEnd type="none" w="med" len="med"/>
+                    </a:lnB>
+                    <a:lnTlToBr w="12700" cmpd="sng">
+                      <a:noFill/>
+                      <a:prstDash val="solid"/>
+                    </a:lnTlToBr>
+                    <a:lnBlToTr w="12700" cmpd="sng">
+                      <a:noFill/>
+                      <a:prstDash val="solid"/>
+                    </a:lnBlToTr>
+                    <a:noFill/>
+                  </a:tcPr>
+                </a:tc>
+                <a:tc>
+                  <a:txBody>
+                    <a:bodyPr/>
+                    <a:lstStyle/>
+                    <a:p>
+                      <a:pPr latinLnBrk="1"/>
+                      <a:endParaRPr lang="ko-KR" altLang="en-US" dirty="0"/>
+                    </a:p>
+                  </a:txBody>
+                  <a:tcPr anchor="ctr">
+                    <a:lnL w="12700" cap="flat" cmpd="sng" algn="ctr">
+                      <a:solidFill>
+                        <a:schemeClr val="bg1"/>
+                      </a:solidFill>
+                      <a:prstDash val="solid"/>
+                      <a:round/>
+                      <a:headEnd type="none" w="med" len="med"/>
+                      <a:tailEnd type="none" w="med" len="med"/>
+                    </a:lnL>
+                    <a:lnR w="12700" cap="flat" cmpd="sng" algn="ctr">
+                      <a:solidFill>
+                        <a:schemeClr val="bg1"/>
+                      </a:solidFill>
+                      <a:prstDash val="solid"/>
+                      <a:round/>
+                      <a:headEnd type="none" w="med" len="med"/>
+                      <a:tailEnd type="none" w="med" len="med"/>
+                    </a:lnR>
+                    <a:lnT w="12700" cap="flat" cmpd="sng" algn="ctr">
+                      <a:solidFill>
+                        <a:schemeClr val="bg1"/>
+                      </a:solidFill>
+                      <a:prstDash val="solid"/>
+                      <a:round/>
+                      <a:headEnd type="none" w="med" len="med"/>
+                      <a:tailEnd type="none" w="med" len="med"/>
+                    </a:lnT>
+                    <a:lnB w="12700" cap="flat" cmpd="sng" algn="ctr">
+                      <a:solidFill>
+                        <a:schemeClr val="bg1"/>
+                      </a:solidFill>
+                      <a:prstDash val="solid"/>
+                      <a:round/>
+                      <a:headEnd type="none" w="med" len="med"/>
+                      <a:tailEnd type="none" w="med" len="med"/>
+                    </a:lnB>
+                    <a:lnTlToBr w="12700" cmpd="sng">
+                      <a:noFill/>
+                      <a:prstDash val="solid"/>
+                    </a:lnTlToBr>
+                    <a:lnBlToTr w="12700" cmpd="sng">
+                      <a:noFill/>
+                      <a:prstDash val="solid"/>
+                    </a:lnBlToTr>
+                    <a:noFill/>
+                  </a:tcPr>
+                </a:tc>
+                <a:tc>
+                  <a:txBody>
+                    <a:bodyPr/>
+                    <a:lstStyle/>
+                    <a:p>
+                      <a:pPr algn="ctr" latinLnBrk="1"/>
+                      <a:endParaRPr lang="ko-KR" altLang="en-US" dirty="0"/>
+                    </a:p>
+                  </a:txBody>
+                  <a:tcPr anchor="ctr">
+                    <a:lnL w="12700" cap="flat" cmpd="sng" algn="ctr">
+                      <a:solidFill>
+                        <a:schemeClr val="bg1"/>
+                      </a:solidFill>
+                      <a:prstDash val="solid"/>
+                      <a:round/>
+                      <a:headEnd type="none" w="med" len="med"/>
+                      <a:tailEnd type="none" w="med" len="med"/>
+                    </a:lnL>
+                    <a:lnR w="12700" cap="flat" cmpd="sng" algn="ctr">
+                      <a:solidFill>
+                        <a:schemeClr val="bg1"/>
+                      </a:solidFill>
+                      <a:prstDash val="solid"/>
+                      <a:round/>
+                      <a:headEnd type="none" w="med" len="med"/>
+                      <a:tailEnd type="none" w="med" len="med"/>
+                    </a:lnR>
+                    <a:lnT w="12700" cap="flat" cmpd="sng" algn="ctr">
+                      <a:solidFill>
+                        <a:schemeClr val="bg1"/>
+                      </a:solidFill>
+                      <a:prstDash val="solid"/>
+                      <a:round/>
+                      <a:headEnd type="none" w="med" len="med"/>
+                      <a:tailEnd type="none" w="med" len="med"/>
+                    </a:lnT>
+                    <a:lnB w="12700" cap="flat" cmpd="sng" algn="ctr">
+                      <a:solidFill>
+                        <a:schemeClr val="bg1"/>
+                      </a:solidFill>
+                      <a:prstDash val="solid"/>
+                      <a:round/>
+                      <a:headEnd type="none" w="med" len="med"/>
+                      <a:tailEnd type="none" w="med" len="med"/>
+                    </a:lnB>
+                    <a:lnTlToBr w="12700" cmpd="sng">
+                      <a:noFill/>
+                      <a:prstDash val="solid"/>
+                    </a:lnTlToBr>
+                    <a:lnBlToTr w="12700" cmpd="sng">
+                      <a:noFill/>
+                      <a:prstDash val="solid"/>
+                    </a:lnBlToTr>
+                    <a:noFill/>
+                  </a:tcPr>
+                </a:tc>
+                <a:tc>
+                  <a:txBody>
+                    <a:bodyPr/>
+                    <a:lstStyle/>
+                    <a:p>
+                      <a:pPr algn="ctr" latinLnBrk="1"/>
+                      <a:endParaRPr lang="ko-KR" altLang="en-US" dirty="0"/>
+                    </a:p>
+                  </a:txBody>
+                  <a:tcPr anchor="ctr">
+                    <a:lnL w="12700" cap="flat" cmpd="sng" algn="ctr">
+                      <a:solidFill>
+                        <a:schemeClr val="bg1"/>
+                      </a:solidFill>
+                      <a:prstDash val="solid"/>
+                      <a:round/>
+                      <a:headEnd type="none" w="med" len="med"/>
+                      <a:tailEnd type="none" w="med" len="med"/>
+                    </a:lnL>
+                    <a:lnR w="12700" cap="flat" cmpd="sng" algn="ctr">
+                      <a:solidFill>
+                        <a:schemeClr val="bg1"/>
+                      </a:solidFill>
+                      <a:prstDash val="solid"/>
+                      <a:round/>
+                      <a:headEnd type="none" w="med" len="med"/>
+                      <a:tailEnd type="none" w="med" len="med"/>
+                    </a:lnR>
+                    <a:lnT w="12700" cap="flat" cmpd="sng" algn="ctr">
+                      <a:solidFill>
+                        <a:schemeClr val="bg1"/>
+                      </a:solidFill>
+                      <a:prstDash val="solid"/>
+                      <a:round/>
+                      <a:headEnd type="none" w="med" len="med"/>
+                      <a:tailEnd type="none" w="med" len="med"/>
+                    </a:lnT>
+                    <a:lnB w="12700" cap="flat" cmpd="sng" algn="ctr">
+                      <a:solidFill>
+                        <a:schemeClr val="bg1"/>
+                      </a:solidFill>
+                      <a:prstDash val="solid"/>
+                      <a:round/>
+                      <a:headEnd type="none" w="med" len="med"/>
+                      <a:tailEnd type="none" w="med" len="med"/>
+                    </a:lnB>
+                    <a:lnTlToBr w="12700" cmpd="sng">
+                      <a:noFill/>
+                      <a:prstDash val="solid"/>
+                    </a:lnTlToBr>
+                    <a:lnBlToTr w="12700" cmpd="sng">
+                      <a:noFill/>
+                      <a:prstDash val="solid"/>
+                    </a:lnBlToTr>
+                    <a:noFill/>
+                  </a:tcPr>
+                </a:tc>
+                <a:extLst>
+                  <a:ext uri="{0D108BD9-81ED-4DB2-BD59-A6C34878D82A}">
+                    <a16:rowId xmlns:a16="http://schemas.microsoft.com/office/drawing/2014/main" val="1213096087"/>
+                  </a:ext>
+                </a:extLst>
+              </a:tr>
+            </a:tbl>
+          </a:graphicData>
+        </a:graphic>
+      </p:graphicFrame>
+      <p:sp>
+        <p:nvSpPr>
+          <p:cNvPr id="2" name="직사각형 1">
+            <a:extLst>
+              <a:ext uri="{FF2B5EF4-FFF2-40B4-BE49-F238E27FC236}">
+                <a16:creationId xmlns:a16="http://schemas.microsoft.com/office/drawing/2014/main" id="{792981AE-5493-1D39-F83A-20623FAEB600}"/>
+              </a:ext>
+            </a:extLst>
+          </p:cNvPr>
+          <p:cNvSpPr/>
+          <p:nvPr/>
+        </p:nvSpPr>
+        <p:spPr>
+          <a:xfrm>
+            <a:off x="7616633" y="2596465"/>
+            <a:ext cx="914400" cy="305719"/>
+          </a:xfrm>
+          <a:prstGeom prst="rect">
+            <a:avLst/>
+          </a:prstGeom>
+          <a:noFill/>
+          <a:ln>
+            <a:noFill/>
+          </a:ln>
+        </p:spPr>
+        <p:style>
+          <a:lnRef idx="2">
+            <a:schemeClr val="accent1">
+              <a:shade val="15000"/>
+            </a:schemeClr>
+          </a:lnRef>
+          <a:fillRef idx="1">
+            <a:schemeClr val="accent1"/>
+          </a:fillRef>
+          <a:effectRef idx="0">
+            <a:schemeClr val="accent1"/>
+          </a:effectRef>
+          <a:fontRef idx="minor">
+            <a:schemeClr val="lt1"/>
+          </a:fontRef>
+        </p:style>
+        <p:txBody>
+          <a:bodyPr rtlCol="0" anchor="ctr"/>
+          <a:lstStyle/>
+          <a:p>
+            <a:pPr algn="ctr"/>
+            <a:r>
+              <a:rPr lang="en-US" altLang="ko-KR" dirty="0">
+                <a:latin typeface="DS-Digital" pitchFamily="2" charset="0"/>
+              </a:rPr>
+              <a:t>1/3</a:t>
+            </a:r>
+            <a:endParaRPr lang="ko-KR" altLang="en-US" dirty="0">
+              <a:latin typeface="DS-Digital" pitchFamily="2" charset="0"/>
+            </a:endParaRPr>
+          </a:p>
+        </p:txBody>
+      </p:sp>
+      <p:sp>
+        <p:nvSpPr>
+          <p:cNvPr id="3" name="직사각형 2">
+            <a:extLst>
+              <a:ext uri="{FF2B5EF4-FFF2-40B4-BE49-F238E27FC236}">
+                <a16:creationId xmlns:a16="http://schemas.microsoft.com/office/drawing/2014/main" id="{B8792C62-30B1-2D14-D173-A73805ED4342}"/>
+              </a:ext>
+            </a:extLst>
+          </p:cNvPr>
+          <p:cNvSpPr/>
+          <p:nvPr/>
+        </p:nvSpPr>
+        <p:spPr>
+          <a:xfrm>
+            <a:off x="7616633" y="2972376"/>
+            <a:ext cx="914400" cy="305719"/>
+          </a:xfrm>
+          <a:prstGeom prst="rect">
+            <a:avLst/>
+          </a:prstGeom>
+          <a:noFill/>
+          <a:ln>
+            <a:noFill/>
+          </a:ln>
+        </p:spPr>
+        <p:style>
+          <a:lnRef idx="2">
+            <a:schemeClr val="accent1">
+              <a:shade val="15000"/>
+            </a:schemeClr>
+          </a:lnRef>
+          <a:fillRef idx="1">
+            <a:schemeClr val="accent1"/>
+          </a:fillRef>
+          <a:effectRef idx="0">
+            <a:schemeClr val="accent1"/>
+          </a:effectRef>
+          <a:fontRef idx="minor">
+            <a:schemeClr val="lt1"/>
+          </a:fontRef>
+        </p:style>
+        <p:txBody>
+          <a:bodyPr rtlCol="0" anchor="ctr"/>
+          <a:lstStyle/>
+          <a:p>
+            <a:pPr algn="ctr"/>
+            <a:r>
+              <a:rPr lang="en-US" altLang="ko-KR" dirty="0">
+                <a:latin typeface="DS-Digital" pitchFamily="2" charset="0"/>
+              </a:rPr>
+              <a:t>2/3</a:t>
+            </a:r>
+            <a:endParaRPr lang="ko-KR" altLang="en-US" dirty="0">
+              <a:latin typeface="DS-Digital" pitchFamily="2" charset="0"/>
+            </a:endParaRPr>
+          </a:p>
+        </p:txBody>
+      </p:sp>
+      <p:sp>
+        <p:nvSpPr>
+          <p:cNvPr id="4" name="직사각형 3">
+            <a:extLst>
+              <a:ext uri="{FF2B5EF4-FFF2-40B4-BE49-F238E27FC236}">
+                <a16:creationId xmlns:a16="http://schemas.microsoft.com/office/drawing/2014/main" id="{CE0D2C67-A582-06F7-8EA8-3FF3CF4075FC}"/>
+              </a:ext>
+            </a:extLst>
+          </p:cNvPr>
+          <p:cNvSpPr/>
+          <p:nvPr/>
+        </p:nvSpPr>
+        <p:spPr>
+          <a:xfrm>
+            <a:off x="7616633" y="3342614"/>
+            <a:ext cx="914400" cy="305719"/>
+          </a:xfrm>
+          <a:prstGeom prst="rect">
+            <a:avLst/>
+          </a:prstGeom>
+          <a:noFill/>
+          <a:ln>
+            <a:noFill/>
+          </a:ln>
+        </p:spPr>
+        <p:style>
+          <a:lnRef idx="2">
+            <a:schemeClr val="accent1">
+              <a:shade val="15000"/>
+            </a:schemeClr>
+          </a:lnRef>
+          <a:fillRef idx="1">
+            <a:schemeClr val="accent1"/>
+          </a:fillRef>
+          <a:effectRef idx="0">
+            <a:schemeClr val="accent1"/>
+          </a:effectRef>
+          <a:fontRef idx="minor">
+            <a:schemeClr val="lt1"/>
+          </a:fontRef>
+        </p:style>
+        <p:txBody>
+          <a:bodyPr rtlCol="0" anchor="ctr"/>
+          <a:lstStyle/>
+          <a:p>
+            <a:pPr algn="ctr"/>
+            <a:r>
+              <a:rPr lang="en-US" altLang="ko-KR" dirty="0">
+                <a:solidFill>
+                  <a:srgbClr val="C00000"/>
+                </a:solidFill>
+                <a:latin typeface="DS-Digital" pitchFamily="2" charset="0"/>
+              </a:rPr>
+              <a:t>3/3</a:t>
+            </a:r>
+            <a:endParaRPr lang="ko-KR" altLang="en-US" dirty="0">
+              <a:solidFill>
+                <a:srgbClr val="C00000"/>
+              </a:solidFill>
+              <a:latin typeface="DS-Digital" pitchFamily="2" charset="0"/>
+            </a:endParaRPr>
+          </a:p>
+        </p:txBody>
+      </p:sp>
+      <p:sp>
+        <p:nvSpPr>
+          <p:cNvPr id="5" name="직사각형 4">
+            <a:extLst>
+              <a:ext uri="{FF2B5EF4-FFF2-40B4-BE49-F238E27FC236}">
+                <a16:creationId xmlns:a16="http://schemas.microsoft.com/office/drawing/2014/main" id="{9C0DE498-A4A1-196D-B381-E7829F32B1A2}"/>
+              </a:ext>
+            </a:extLst>
+          </p:cNvPr>
+          <p:cNvSpPr/>
+          <p:nvPr/>
+        </p:nvSpPr>
+        <p:spPr>
+          <a:xfrm>
+            <a:off x="8629983" y="2599189"/>
+            <a:ext cx="1479743" cy="305719"/>
+          </a:xfrm>
+          <a:prstGeom prst="rect">
+            <a:avLst/>
+          </a:prstGeom>
+          <a:noFill/>
+          <a:ln>
+            <a:noFill/>
+          </a:ln>
+        </p:spPr>
+        <p:style>
+          <a:lnRef idx="2">
+            <a:schemeClr val="accent1">
+              <a:shade val="15000"/>
+            </a:schemeClr>
+          </a:lnRef>
+          <a:fillRef idx="1">
+            <a:schemeClr val="accent1"/>
+          </a:fillRef>
+          <a:effectRef idx="0">
+            <a:schemeClr val="accent1"/>
+          </a:effectRef>
+          <a:fontRef idx="minor">
+            <a:schemeClr val="lt1"/>
+          </a:fontRef>
+        </p:style>
+        <p:txBody>
+          <a:bodyPr rtlCol="0" anchor="ctr"/>
+          <a:lstStyle/>
+          <a:p>
+            <a:pPr algn="ctr"/>
+            <a:r>
+              <a:rPr lang="ko-KR" altLang="en-US" sz="1400" dirty="0">
+                <a:latin typeface="나눔스퀘어 Bold" panose="020B0600000101010101" pitchFamily="50" charset="-127"/>
+                <a:ea typeface="나눔스퀘어 Bold" panose="020B0600000101010101" pitchFamily="50" charset="-127"/>
+              </a:rPr>
+              <a:t>준비 대기</a:t>
+            </a:r>
+          </a:p>
+        </p:txBody>
+      </p:sp>
+      <p:sp>
+        <p:nvSpPr>
+          <p:cNvPr id="6" name="직사각형 5">
+            <a:extLst>
+              <a:ext uri="{FF2B5EF4-FFF2-40B4-BE49-F238E27FC236}">
+                <a16:creationId xmlns:a16="http://schemas.microsoft.com/office/drawing/2014/main" id="{972FCCE0-0B94-9D30-C4CA-AE2A2C6BFF58}"/>
+              </a:ext>
+            </a:extLst>
+          </p:cNvPr>
+          <p:cNvSpPr/>
+          <p:nvPr/>
+        </p:nvSpPr>
+        <p:spPr>
+          <a:xfrm>
+            <a:off x="8629983" y="2976376"/>
+            <a:ext cx="1479743" cy="305719"/>
+          </a:xfrm>
+          <a:prstGeom prst="rect">
+            <a:avLst/>
+          </a:prstGeom>
+          <a:noFill/>
+          <a:ln>
+            <a:noFill/>
+          </a:ln>
+        </p:spPr>
+        <p:style>
+          <a:lnRef idx="2">
+            <a:schemeClr val="accent1">
+              <a:shade val="15000"/>
+            </a:schemeClr>
+          </a:lnRef>
+          <a:fillRef idx="1">
+            <a:schemeClr val="accent1"/>
+          </a:fillRef>
+          <a:effectRef idx="0">
+            <a:schemeClr val="accent1"/>
+          </a:effectRef>
+          <a:fontRef idx="minor">
+            <a:schemeClr val="lt1"/>
+          </a:fontRef>
+        </p:style>
+        <p:txBody>
+          <a:bodyPr rtlCol="0" anchor="ctr"/>
+          <a:lstStyle/>
+          <a:p>
+            <a:pPr algn="ctr"/>
+            <a:r>
+              <a:rPr lang="ko-KR" altLang="en-US" sz="1400" dirty="0">
+                <a:latin typeface="나눔스퀘어 Bold" panose="020B0600000101010101" pitchFamily="50" charset="-127"/>
+                <a:ea typeface="나눔스퀘어 Bold" panose="020B0600000101010101" pitchFamily="50" charset="-127"/>
+              </a:rPr>
+              <a:t>준비 대기</a:t>
+            </a:r>
+          </a:p>
+        </p:txBody>
+      </p:sp>
+      <p:sp>
+        <p:nvSpPr>
+          <p:cNvPr id="7" name="직사각형 6">
+            <a:extLst>
+              <a:ext uri="{FF2B5EF4-FFF2-40B4-BE49-F238E27FC236}">
+                <a16:creationId xmlns:a16="http://schemas.microsoft.com/office/drawing/2014/main" id="{F64ACF42-D791-79A2-3D29-1CE85A0964E8}"/>
+              </a:ext>
+            </a:extLst>
+          </p:cNvPr>
+          <p:cNvSpPr/>
+          <p:nvPr/>
+        </p:nvSpPr>
+        <p:spPr>
+          <a:xfrm>
+            <a:off x="8629983" y="3342614"/>
+            <a:ext cx="1479743" cy="305719"/>
+          </a:xfrm>
+          <a:prstGeom prst="rect">
+            <a:avLst/>
+          </a:prstGeom>
+          <a:noFill/>
+          <a:ln>
+            <a:noFill/>
+          </a:ln>
+        </p:spPr>
+        <p:style>
+          <a:lnRef idx="2">
+            <a:schemeClr val="accent1">
+              <a:shade val="15000"/>
+            </a:schemeClr>
+          </a:lnRef>
+          <a:fillRef idx="1">
+            <a:schemeClr val="accent1"/>
+          </a:fillRef>
+          <a:effectRef idx="0">
+            <a:schemeClr val="accent1"/>
+          </a:effectRef>
+          <a:fontRef idx="minor">
+            <a:schemeClr val="lt1"/>
+          </a:fontRef>
+        </p:style>
+        <p:txBody>
+          <a:bodyPr rtlCol="0" anchor="ctr"/>
+          <a:lstStyle/>
+          <a:p>
+            <a:pPr algn="ctr"/>
+            <a:r>
+              <a:rPr lang="ko-KR" altLang="en-US" sz="1400" dirty="0">
+                <a:latin typeface="나눔스퀘어 Bold" panose="020B0600000101010101" pitchFamily="50" charset="-127"/>
+                <a:ea typeface="나눔스퀘어 Bold" panose="020B0600000101010101" pitchFamily="50" charset="-127"/>
+              </a:rPr>
+              <a:t>준비 대기</a:t>
+            </a:r>
+          </a:p>
+        </p:txBody>
+      </p:sp>
+      <p:sp>
+        <p:nvSpPr>
+          <p:cNvPr id="9" name="직사각형 8">
+            <a:extLst>
+              <a:ext uri="{FF2B5EF4-FFF2-40B4-BE49-F238E27FC236}">
+                <a16:creationId xmlns:a16="http://schemas.microsoft.com/office/drawing/2014/main" id="{FD026600-B85D-5D2B-6121-BB2DA9ABA77D}"/>
+              </a:ext>
+            </a:extLst>
+          </p:cNvPr>
+          <p:cNvSpPr/>
+          <p:nvPr/>
+        </p:nvSpPr>
+        <p:spPr>
+          <a:xfrm>
+            <a:off x="8629983" y="3718525"/>
+            <a:ext cx="1479742" cy="305719"/>
+          </a:xfrm>
+          <a:prstGeom prst="rect">
+            <a:avLst/>
+          </a:prstGeom>
+          <a:noFill/>
+          <a:ln>
+            <a:noFill/>
+          </a:ln>
+        </p:spPr>
+        <p:style>
+          <a:lnRef idx="2">
+            <a:schemeClr val="accent1">
+              <a:shade val="15000"/>
+            </a:schemeClr>
+          </a:lnRef>
+          <a:fillRef idx="1">
+            <a:schemeClr val="accent1"/>
+          </a:fillRef>
+          <a:effectRef idx="0">
+            <a:schemeClr val="accent1"/>
+          </a:effectRef>
+          <a:fontRef idx="minor">
+            <a:schemeClr val="lt1"/>
+          </a:fontRef>
+        </p:style>
+        <p:txBody>
+          <a:bodyPr rtlCol="0" anchor="ctr"/>
+          <a:lstStyle/>
+          <a:p>
+            <a:pPr algn="ctr"/>
+            <a:r>
+              <a:rPr lang="ko-KR" altLang="en-US" sz="1400" dirty="0">
+                <a:solidFill>
+                  <a:srgbClr val="C00000"/>
+                </a:solidFill>
+                <a:latin typeface="나눔스퀘어 Bold" panose="020B0600000101010101" pitchFamily="50" charset="-127"/>
+                <a:ea typeface="나눔스퀘어 Bold" panose="020B0600000101010101" pitchFamily="50" charset="-127"/>
+              </a:rPr>
+              <a:t>준비 완료</a:t>
+            </a:r>
+          </a:p>
+        </p:txBody>
+      </p:sp>
+      <p:sp>
+        <p:nvSpPr>
+          <p:cNvPr id="10" name="직사각형 9">
+            <a:extLst>
+              <a:ext uri="{FF2B5EF4-FFF2-40B4-BE49-F238E27FC236}">
+                <a16:creationId xmlns:a16="http://schemas.microsoft.com/office/drawing/2014/main" id="{86AFDD4C-B97C-A76D-28EC-A07F70705BF6}"/>
+              </a:ext>
+            </a:extLst>
+          </p:cNvPr>
+          <p:cNvSpPr/>
+          <p:nvPr/>
+        </p:nvSpPr>
+        <p:spPr>
+          <a:xfrm>
+            <a:off x="8629982" y="4082532"/>
+            <a:ext cx="1479741" cy="305719"/>
+          </a:xfrm>
+          <a:prstGeom prst="rect">
+            <a:avLst/>
+          </a:prstGeom>
+          <a:noFill/>
+          <a:ln>
+            <a:noFill/>
+          </a:ln>
+        </p:spPr>
+        <p:style>
+          <a:lnRef idx="2">
+            <a:schemeClr val="accent1">
+              <a:shade val="15000"/>
+            </a:schemeClr>
+          </a:lnRef>
+          <a:fillRef idx="1">
+            <a:schemeClr val="accent1"/>
+          </a:fillRef>
+          <a:effectRef idx="0">
+            <a:schemeClr val="accent1"/>
+          </a:effectRef>
+          <a:fontRef idx="minor">
+            <a:schemeClr val="lt1"/>
+          </a:fontRef>
+        </p:style>
+        <p:txBody>
+          <a:bodyPr rtlCol="0" anchor="ctr"/>
+          <a:lstStyle/>
+          <a:p>
+            <a:pPr algn="ctr"/>
+            <a:r>
+              <a:rPr lang="ko-KR" altLang="en-US" sz="1400" dirty="0">
+                <a:solidFill>
+                  <a:srgbClr val="C00000"/>
+                </a:solidFill>
+                <a:latin typeface="나눔스퀘어 Bold" panose="020B0600000101010101" pitchFamily="50" charset="-127"/>
+                <a:ea typeface="나눔스퀘어 Bold" panose="020B0600000101010101" pitchFamily="50" charset="-127"/>
+              </a:rPr>
+              <a:t>게임 중</a:t>
+            </a:r>
+          </a:p>
+        </p:txBody>
+      </p:sp>
+      <p:sp>
+        <p:nvSpPr>
+          <p:cNvPr id="11" name="직사각형 10">
+            <a:extLst>
+              <a:ext uri="{FF2B5EF4-FFF2-40B4-BE49-F238E27FC236}">
+                <a16:creationId xmlns:a16="http://schemas.microsoft.com/office/drawing/2014/main" id="{28055EDA-3ABD-FCBF-64E0-8D4A87DB473C}"/>
+              </a:ext>
+            </a:extLst>
+          </p:cNvPr>
+          <p:cNvSpPr/>
+          <p:nvPr/>
+        </p:nvSpPr>
+        <p:spPr>
+          <a:xfrm>
+            <a:off x="7616633" y="3718525"/>
+            <a:ext cx="914400" cy="305719"/>
+          </a:xfrm>
+          <a:prstGeom prst="rect">
+            <a:avLst/>
+          </a:prstGeom>
+          <a:noFill/>
+          <a:ln>
+            <a:noFill/>
+          </a:ln>
+        </p:spPr>
+        <p:style>
+          <a:lnRef idx="2">
+            <a:schemeClr val="accent1">
+              <a:shade val="15000"/>
+            </a:schemeClr>
+          </a:lnRef>
+          <a:fillRef idx="1">
+            <a:schemeClr val="accent1"/>
+          </a:fillRef>
+          <a:effectRef idx="0">
+            <a:schemeClr val="accent1"/>
+          </a:effectRef>
+          <a:fontRef idx="minor">
+            <a:schemeClr val="lt1"/>
+          </a:fontRef>
+        </p:style>
+        <p:txBody>
+          <a:bodyPr rtlCol="0" anchor="ctr"/>
+          <a:lstStyle/>
+          <a:p>
+            <a:pPr algn="ctr"/>
+            <a:r>
+              <a:rPr lang="en-US" altLang="ko-KR" dirty="0">
+                <a:solidFill>
+                  <a:srgbClr val="C00000"/>
+                </a:solidFill>
+                <a:latin typeface="DS-Digital" pitchFamily="2" charset="0"/>
+              </a:rPr>
+              <a:t>3/3</a:t>
+            </a:r>
+            <a:endParaRPr lang="ko-KR" altLang="en-US" dirty="0">
+              <a:solidFill>
+                <a:srgbClr val="C00000"/>
+              </a:solidFill>
+              <a:latin typeface="DS-Digital" pitchFamily="2" charset="0"/>
+            </a:endParaRPr>
+          </a:p>
+        </p:txBody>
+      </p:sp>
+      <p:sp>
+        <p:nvSpPr>
+          <p:cNvPr id="12" name="직사각형 11">
+            <a:extLst>
+              <a:ext uri="{FF2B5EF4-FFF2-40B4-BE49-F238E27FC236}">
+                <a16:creationId xmlns:a16="http://schemas.microsoft.com/office/drawing/2014/main" id="{A3B56CDB-82FC-798E-3519-FC5DAC2202BC}"/>
+              </a:ext>
+            </a:extLst>
+          </p:cNvPr>
+          <p:cNvSpPr/>
+          <p:nvPr/>
+        </p:nvSpPr>
+        <p:spPr>
+          <a:xfrm>
+            <a:off x="7616633" y="4082531"/>
+            <a:ext cx="914400" cy="305719"/>
+          </a:xfrm>
+          <a:prstGeom prst="rect">
+            <a:avLst/>
+          </a:prstGeom>
+          <a:noFill/>
+          <a:ln>
+            <a:noFill/>
+          </a:ln>
+        </p:spPr>
+        <p:style>
+          <a:lnRef idx="2">
+            <a:schemeClr val="accent1">
+              <a:shade val="15000"/>
+            </a:schemeClr>
+          </a:lnRef>
+          <a:fillRef idx="1">
+            <a:schemeClr val="accent1"/>
+          </a:fillRef>
+          <a:effectRef idx="0">
+            <a:schemeClr val="accent1"/>
+          </a:effectRef>
+          <a:fontRef idx="minor">
+            <a:schemeClr val="lt1"/>
+          </a:fontRef>
+        </p:style>
+        <p:txBody>
+          <a:bodyPr rtlCol="0" anchor="ctr"/>
+          <a:lstStyle/>
+          <a:p>
+            <a:pPr algn="ctr"/>
+            <a:r>
+              <a:rPr lang="en-US" altLang="ko-KR" dirty="0">
+                <a:solidFill>
+                  <a:srgbClr val="C00000"/>
+                </a:solidFill>
+                <a:latin typeface="DS-Digital" pitchFamily="2" charset="0"/>
+              </a:rPr>
+              <a:t>3/3</a:t>
+            </a:r>
+            <a:endParaRPr lang="ko-KR" altLang="en-US" dirty="0">
+              <a:solidFill>
+                <a:srgbClr val="C00000"/>
+              </a:solidFill>
+              <a:latin typeface="DS-Digital" pitchFamily="2" charset="0"/>
+            </a:endParaRPr>
+          </a:p>
+        </p:txBody>
+      </p:sp>
+      <p:sp>
+        <p:nvSpPr>
+          <p:cNvPr id="13" name="직사각형 12">
+            <a:extLst>
+              <a:ext uri="{FF2B5EF4-FFF2-40B4-BE49-F238E27FC236}">
+                <a16:creationId xmlns:a16="http://schemas.microsoft.com/office/drawing/2014/main" id="{85852FDB-42B7-57F5-E6C0-DB7BBDCAEB7C}"/>
+              </a:ext>
+            </a:extLst>
+          </p:cNvPr>
+          <p:cNvSpPr/>
+          <p:nvPr/>
+        </p:nvSpPr>
+        <p:spPr>
+          <a:xfrm>
+            <a:off x="7616633" y="4458442"/>
+            <a:ext cx="914400" cy="305719"/>
+          </a:xfrm>
+          <a:prstGeom prst="rect">
+            <a:avLst/>
+          </a:prstGeom>
+          <a:noFill/>
+          <a:ln>
+            <a:noFill/>
+          </a:ln>
+        </p:spPr>
+        <p:style>
+          <a:lnRef idx="2">
+            <a:schemeClr val="accent1">
+              <a:shade val="15000"/>
+            </a:schemeClr>
+          </a:lnRef>
+          <a:fillRef idx="1">
+            <a:schemeClr val="accent1"/>
+          </a:fillRef>
+          <a:effectRef idx="0">
+            <a:schemeClr val="accent1"/>
+          </a:effectRef>
+          <a:fontRef idx="minor">
+            <a:schemeClr val="lt1"/>
+          </a:fontRef>
+        </p:style>
+        <p:txBody>
+          <a:bodyPr rtlCol="0" anchor="ctr"/>
+          <a:lstStyle/>
+          <a:p>
+            <a:pPr algn="ctr"/>
+            <a:r>
+              <a:rPr lang="en-US" altLang="ko-KR" dirty="0">
+                <a:solidFill>
+                  <a:srgbClr val="C00000"/>
+                </a:solidFill>
+                <a:latin typeface="DS-Digital" pitchFamily="2" charset="0"/>
+              </a:rPr>
+              <a:t>3/3</a:t>
+            </a:r>
+            <a:endParaRPr lang="ko-KR" altLang="en-US" dirty="0">
+              <a:solidFill>
+                <a:srgbClr val="C00000"/>
+              </a:solidFill>
+              <a:latin typeface="DS-Digital" pitchFamily="2" charset="0"/>
+            </a:endParaRPr>
+          </a:p>
+        </p:txBody>
+      </p:sp>
+      <p:sp>
+        <p:nvSpPr>
+          <p:cNvPr id="14" name="직사각형 13">
+            <a:extLst>
+              <a:ext uri="{FF2B5EF4-FFF2-40B4-BE49-F238E27FC236}">
+                <a16:creationId xmlns:a16="http://schemas.microsoft.com/office/drawing/2014/main" id="{C450F80D-D864-FB89-0CEA-91A2A071EE0F}"/>
+              </a:ext>
+            </a:extLst>
+          </p:cNvPr>
+          <p:cNvSpPr/>
+          <p:nvPr/>
+        </p:nvSpPr>
+        <p:spPr>
+          <a:xfrm>
+            <a:off x="8629982" y="4458442"/>
+            <a:ext cx="1479741" cy="305719"/>
+          </a:xfrm>
+          <a:prstGeom prst="rect">
+            <a:avLst/>
+          </a:prstGeom>
+          <a:noFill/>
+          <a:ln>
+            <a:noFill/>
+          </a:ln>
+        </p:spPr>
+        <p:style>
+          <a:lnRef idx="2">
+            <a:schemeClr val="accent1">
+              <a:shade val="15000"/>
+            </a:schemeClr>
+          </a:lnRef>
+          <a:fillRef idx="1">
+            <a:schemeClr val="accent1"/>
+          </a:fillRef>
+          <a:effectRef idx="0">
+            <a:schemeClr val="accent1"/>
+          </a:effectRef>
+          <a:fontRef idx="minor">
+            <a:schemeClr val="lt1"/>
+          </a:fontRef>
+        </p:style>
+        <p:txBody>
+          <a:bodyPr rtlCol="0" anchor="ctr"/>
+          <a:lstStyle/>
+          <a:p>
+            <a:pPr algn="ctr"/>
+            <a:r>
+              <a:rPr lang="ko-KR" altLang="en-US" sz="1400" dirty="0">
+                <a:solidFill>
+                  <a:srgbClr val="C00000"/>
+                </a:solidFill>
+                <a:latin typeface="나눔스퀘어 Bold" panose="020B0600000101010101" pitchFamily="50" charset="-127"/>
+                <a:ea typeface="나눔스퀘어 Bold" panose="020B0600000101010101" pitchFamily="50" charset="-127"/>
+              </a:rPr>
+              <a:t>게임 중</a:t>
+            </a:r>
+          </a:p>
+        </p:txBody>
+      </p:sp>
+      <p:sp>
+        <p:nvSpPr>
+          <p:cNvPr id="15" name="직사각형 14">
+            <a:extLst>
+              <a:ext uri="{FF2B5EF4-FFF2-40B4-BE49-F238E27FC236}">
+                <a16:creationId xmlns:a16="http://schemas.microsoft.com/office/drawing/2014/main" id="{EC18A6AF-CB33-AFF6-9275-46A43405594A}"/>
+              </a:ext>
+            </a:extLst>
+          </p:cNvPr>
+          <p:cNvSpPr/>
+          <p:nvPr/>
+        </p:nvSpPr>
+        <p:spPr>
+          <a:xfrm>
+            <a:off x="10555824" y="2202999"/>
+            <a:ext cx="2261066" cy="3435804"/>
+          </a:xfrm>
+          <a:prstGeom prst="rect">
+            <a:avLst/>
+          </a:prstGeom>
+        </p:spPr>
+        <p:style>
+          <a:lnRef idx="2">
+            <a:schemeClr val="accent1">
+              <a:shade val="15000"/>
+            </a:schemeClr>
+          </a:lnRef>
+          <a:fillRef idx="1">
+            <a:schemeClr val="accent1"/>
+          </a:fillRef>
+          <a:effectRef idx="0">
+            <a:schemeClr val="accent1"/>
+          </a:effectRef>
+          <a:fontRef idx="minor">
+            <a:schemeClr val="lt1"/>
+          </a:fontRef>
+        </p:style>
+        <p:txBody>
+          <a:bodyPr rtlCol="0" anchor="ctr"/>
+          <a:lstStyle/>
+          <a:p>
+            <a:pPr algn="ctr"/>
+            <a:endParaRPr lang="ko-KR" altLang="en-US" dirty="0"/>
+          </a:p>
+        </p:txBody>
+      </p:sp>
+      <p:grpSp>
+        <p:nvGrpSpPr>
+          <p:cNvPr id="23" name="그룹 22">
+            <a:extLst>
+              <a:ext uri="{FF2B5EF4-FFF2-40B4-BE49-F238E27FC236}">
+                <a16:creationId xmlns:a16="http://schemas.microsoft.com/office/drawing/2014/main" id="{3D2FF170-75A0-C188-A6BF-BE6772252C66}"/>
+              </a:ext>
+            </a:extLst>
+          </p:cNvPr>
+          <p:cNvGrpSpPr/>
+          <p:nvPr/>
+        </p:nvGrpSpPr>
+        <p:grpSpPr>
+          <a:xfrm>
+            <a:off x="11337147" y="2202999"/>
+            <a:ext cx="1479743" cy="917157"/>
+            <a:chOff x="11337147" y="2202999"/>
+            <a:chExt cx="1479743" cy="917157"/>
+          </a:xfrm>
+        </p:grpSpPr>
+        <p:sp>
+          <p:nvSpPr>
+            <p:cNvPr id="16" name="직사각형 15">
+              <a:extLst>
+                <a:ext uri="{FF2B5EF4-FFF2-40B4-BE49-F238E27FC236}">
+                  <a16:creationId xmlns:a16="http://schemas.microsoft.com/office/drawing/2014/main" id="{50AC6EEE-E39B-59C7-A6C5-EED6E0AE273B}"/>
+                </a:ext>
+              </a:extLst>
+            </p:cNvPr>
+            <p:cNvSpPr/>
+            <p:nvPr/>
+          </p:nvSpPr>
+          <p:spPr>
+            <a:xfrm>
+              <a:off x="11337147" y="2202999"/>
+              <a:ext cx="1479743" cy="305719"/>
+            </a:xfrm>
+            <a:prstGeom prst="rect">
+              <a:avLst/>
+            </a:prstGeom>
+            <a:noFill/>
+            <a:ln>
+              <a:noFill/>
+            </a:ln>
+          </p:spPr>
+          <p:style>
+            <a:lnRef idx="2">
+              <a:schemeClr val="accent1">
+                <a:shade val="15000"/>
+              </a:schemeClr>
+            </a:lnRef>
+            <a:fillRef idx="1">
+              <a:schemeClr val="accent1"/>
+            </a:fillRef>
+            <a:effectRef idx="0">
+              <a:schemeClr val="accent1"/>
+            </a:effectRef>
+            <a:fontRef idx="minor">
+              <a:schemeClr val="lt1"/>
+            </a:fontRef>
+          </p:style>
+          <p:txBody>
+            <a:bodyPr rtlCol="0" anchor="ctr"/>
+            <a:lstStyle/>
+            <a:p>
+              <a:pPr algn="ctr"/>
+              <a:r>
+                <a:rPr lang="ko-KR" altLang="en-US" sz="1400" dirty="0">
+                  <a:latin typeface="나눔스퀘어 Bold" panose="020B0600000101010101" pitchFamily="50" charset="-127"/>
+                  <a:ea typeface="나눔스퀘어 Bold" panose="020B0600000101010101" pitchFamily="50" charset="-127"/>
+                </a:rPr>
+                <a:t>준비 대기</a:t>
+              </a:r>
+            </a:p>
+          </p:txBody>
+        </p:sp>
+        <p:sp>
+          <p:nvSpPr>
+            <p:cNvPr id="17" name="직사각형 16">
+              <a:extLst>
+                <a:ext uri="{FF2B5EF4-FFF2-40B4-BE49-F238E27FC236}">
+                  <a16:creationId xmlns:a16="http://schemas.microsoft.com/office/drawing/2014/main" id="{FB2BA626-0FBE-5595-8C18-82D1C138983B}"/>
+                </a:ext>
+              </a:extLst>
+            </p:cNvPr>
+            <p:cNvSpPr/>
+            <p:nvPr/>
+          </p:nvSpPr>
+          <p:spPr>
+            <a:xfrm>
+              <a:off x="11337148" y="2508718"/>
+              <a:ext cx="1479742" cy="305719"/>
+            </a:xfrm>
+            <a:prstGeom prst="rect">
+              <a:avLst/>
+            </a:prstGeom>
+            <a:noFill/>
+            <a:ln>
+              <a:noFill/>
+            </a:ln>
+          </p:spPr>
+          <p:style>
+            <a:lnRef idx="2">
+              <a:schemeClr val="accent1">
+                <a:shade val="15000"/>
+              </a:schemeClr>
+            </a:lnRef>
+            <a:fillRef idx="1">
+              <a:schemeClr val="accent1"/>
+            </a:fillRef>
+            <a:effectRef idx="0">
+              <a:schemeClr val="accent1"/>
+            </a:effectRef>
+            <a:fontRef idx="minor">
+              <a:schemeClr val="lt1"/>
+            </a:fontRef>
+          </p:style>
+          <p:txBody>
+            <a:bodyPr rtlCol="0" anchor="ctr"/>
+            <a:lstStyle/>
+            <a:p>
+              <a:pPr algn="ctr"/>
+              <a:r>
+                <a:rPr lang="ko-KR" altLang="en-US" sz="1400" dirty="0">
+                  <a:solidFill>
+                    <a:srgbClr val="C00000"/>
+                  </a:solidFill>
+                  <a:latin typeface="나눔스퀘어 Bold" panose="020B0600000101010101" pitchFamily="50" charset="-127"/>
+                  <a:ea typeface="나눔스퀘어 Bold" panose="020B0600000101010101" pitchFamily="50" charset="-127"/>
+                </a:rPr>
+                <a:t>준비 완료</a:t>
+              </a:r>
+            </a:p>
+          </p:txBody>
+        </p:sp>
+        <p:sp>
+          <p:nvSpPr>
+            <p:cNvPr id="18" name="직사각형 17">
+              <a:extLst>
+                <a:ext uri="{FF2B5EF4-FFF2-40B4-BE49-F238E27FC236}">
+                  <a16:creationId xmlns:a16="http://schemas.microsoft.com/office/drawing/2014/main" id="{1AC402F7-CBB7-E81D-7636-E63B8F3DA970}"/>
+                </a:ext>
+              </a:extLst>
+            </p:cNvPr>
+            <p:cNvSpPr/>
+            <p:nvPr/>
+          </p:nvSpPr>
+          <p:spPr>
+            <a:xfrm>
+              <a:off x="11337147" y="2814437"/>
+              <a:ext cx="1479741" cy="305719"/>
+            </a:xfrm>
+            <a:prstGeom prst="rect">
+              <a:avLst/>
+            </a:prstGeom>
+            <a:noFill/>
+            <a:ln>
+              <a:noFill/>
+            </a:ln>
+          </p:spPr>
+          <p:style>
+            <a:lnRef idx="2">
+              <a:schemeClr val="accent1">
+                <a:shade val="15000"/>
+              </a:schemeClr>
+            </a:lnRef>
+            <a:fillRef idx="1">
+              <a:schemeClr val="accent1"/>
+            </a:fillRef>
+            <a:effectRef idx="0">
+              <a:schemeClr val="accent1"/>
+            </a:effectRef>
+            <a:fontRef idx="minor">
+              <a:schemeClr val="lt1"/>
+            </a:fontRef>
+          </p:style>
+          <p:txBody>
+            <a:bodyPr rtlCol="0" anchor="ctr"/>
+            <a:lstStyle/>
+            <a:p>
+              <a:pPr algn="ctr"/>
+              <a:r>
+                <a:rPr lang="ko-KR" altLang="en-US" sz="1400" dirty="0">
+                  <a:solidFill>
+                    <a:srgbClr val="C00000"/>
+                  </a:solidFill>
+                  <a:latin typeface="나눔스퀘어 Bold" panose="020B0600000101010101" pitchFamily="50" charset="-127"/>
+                  <a:ea typeface="나눔스퀘어 Bold" panose="020B0600000101010101" pitchFamily="50" charset="-127"/>
+                </a:rPr>
+                <a:t>게임 중</a:t>
+              </a:r>
+            </a:p>
+          </p:txBody>
+        </p:sp>
+      </p:grpSp>
+      <p:grpSp>
+        <p:nvGrpSpPr>
+          <p:cNvPr id="24" name="그룹 23">
+            <a:extLst>
+              <a:ext uri="{FF2B5EF4-FFF2-40B4-BE49-F238E27FC236}">
+                <a16:creationId xmlns:a16="http://schemas.microsoft.com/office/drawing/2014/main" id="{D7A11F18-DA15-C1CE-D46A-431DC5066AC2}"/>
+              </a:ext>
+            </a:extLst>
+          </p:cNvPr>
+          <p:cNvGrpSpPr/>
+          <p:nvPr/>
+        </p:nvGrpSpPr>
+        <p:grpSpPr>
+          <a:xfrm>
+            <a:off x="10603448" y="3183872"/>
+            <a:ext cx="914400" cy="917157"/>
+            <a:chOff x="10603448" y="3183872"/>
+            <a:chExt cx="914400" cy="917157"/>
+          </a:xfrm>
+        </p:grpSpPr>
+        <p:sp>
+          <p:nvSpPr>
+            <p:cNvPr id="19" name="직사각형 18">
+              <a:extLst>
+                <a:ext uri="{FF2B5EF4-FFF2-40B4-BE49-F238E27FC236}">
+                  <a16:creationId xmlns:a16="http://schemas.microsoft.com/office/drawing/2014/main" id="{3397E75D-79DE-AB48-CEA0-C129B0401286}"/>
+                </a:ext>
+              </a:extLst>
+            </p:cNvPr>
+            <p:cNvSpPr/>
+            <p:nvPr/>
+          </p:nvSpPr>
+          <p:spPr>
+            <a:xfrm>
+              <a:off x="10603448" y="3183872"/>
+              <a:ext cx="914400" cy="305719"/>
+            </a:xfrm>
+            <a:prstGeom prst="rect">
+              <a:avLst/>
+            </a:prstGeom>
+            <a:noFill/>
+            <a:ln>
+              <a:noFill/>
+            </a:ln>
+          </p:spPr>
+          <p:style>
+            <a:lnRef idx="2">
+              <a:schemeClr val="accent1">
+                <a:shade val="15000"/>
+              </a:schemeClr>
+            </a:lnRef>
+            <a:fillRef idx="1">
+              <a:schemeClr val="accent1"/>
+            </a:fillRef>
+            <a:effectRef idx="0">
+              <a:schemeClr val="accent1"/>
+            </a:effectRef>
+            <a:fontRef idx="minor">
+              <a:schemeClr val="lt1"/>
+            </a:fontRef>
+          </p:style>
+          <p:txBody>
+            <a:bodyPr rtlCol="0" anchor="ctr"/>
+            <a:lstStyle/>
+            <a:p>
+              <a:pPr algn="ctr"/>
+              <a:r>
+                <a:rPr lang="en-US" altLang="ko-KR" dirty="0">
+                  <a:latin typeface="DS-Digital" pitchFamily="2" charset="0"/>
+                </a:rPr>
+                <a:t>1/3</a:t>
+              </a:r>
+              <a:endParaRPr lang="ko-KR" altLang="en-US" dirty="0">
+                <a:latin typeface="DS-Digital" pitchFamily="2" charset="0"/>
+              </a:endParaRPr>
+            </a:p>
+          </p:txBody>
+        </p:sp>
+        <p:sp>
+          <p:nvSpPr>
+            <p:cNvPr id="21" name="직사각형 20">
+              <a:extLst>
+                <a:ext uri="{FF2B5EF4-FFF2-40B4-BE49-F238E27FC236}">
+                  <a16:creationId xmlns:a16="http://schemas.microsoft.com/office/drawing/2014/main" id="{1F6E5DFA-2B98-3EA2-88EB-4E93CB3D9CB6}"/>
+                </a:ext>
+              </a:extLst>
+            </p:cNvPr>
+            <p:cNvSpPr/>
+            <p:nvPr/>
+          </p:nvSpPr>
+          <p:spPr>
+            <a:xfrm>
+              <a:off x="10603448" y="3489591"/>
+              <a:ext cx="914400" cy="305719"/>
+            </a:xfrm>
+            <a:prstGeom prst="rect">
+              <a:avLst/>
+            </a:prstGeom>
+            <a:noFill/>
+            <a:ln>
+              <a:noFill/>
+            </a:ln>
+          </p:spPr>
+          <p:style>
+            <a:lnRef idx="2">
+              <a:schemeClr val="accent1">
+                <a:shade val="15000"/>
+              </a:schemeClr>
+            </a:lnRef>
+            <a:fillRef idx="1">
+              <a:schemeClr val="accent1"/>
+            </a:fillRef>
+            <a:effectRef idx="0">
+              <a:schemeClr val="accent1"/>
+            </a:effectRef>
+            <a:fontRef idx="minor">
+              <a:schemeClr val="lt1"/>
+            </a:fontRef>
+          </p:style>
+          <p:txBody>
+            <a:bodyPr rtlCol="0" anchor="ctr"/>
+            <a:lstStyle/>
+            <a:p>
+              <a:pPr algn="ctr"/>
+              <a:r>
+                <a:rPr lang="en-US" altLang="ko-KR" dirty="0">
+                  <a:latin typeface="DS-Digital" pitchFamily="2" charset="0"/>
+                </a:rPr>
+                <a:t>2/3</a:t>
+              </a:r>
+              <a:endParaRPr lang="ko-KR" altLang="en-US" dirty="0">
+                <a:latin typeface="DS-Digital" pitchFamily="2" charset="0"/>
+              </a:endParaRPr>
+            </a:p>
+          </p:txBody>
+        </p:sp>
+        <p:sp>
+          <p:nvSpPr>
+            <p:cNvPr id="22" name="직사각형 21">
+              <a:extLst>
+                <a:ext uri="{FF2B5EF4-FFF2-40B4-BE49-F238E27FC236}">
+                  <a16:creationId xmlns:a16="http://schemas.microsoft.com/office/drawing/2014/main" id="{3B34B41D-9631-7CE6-3159-52197D4DB7EB}"/>
+                </a:ext>
+              </a:extLst>
+            </p:cNvPr>
+            <p:cNvSpPr/>
+            <p:nvPr/>
+          </p:nvSpPr>
+          <p:spPr>
+            <a:xfrm>
+              <a:off x="10603448" y="3795310"/>
+              <a:ext cx="914400" cy="305719"/>
+            </a:xfrm>
+            <a:prstGeom prst="rect">
+              <a:avLst/>
+            </a:prstGeom>
+            <a:noFill/>
+            <a:ln>
+              <a:noFill/>
+            </a:ln>
+          </p:spPr>
+          <p:style>
+            <a:lnRef idx="2">
+              <a:schemeClr val="accent1">
+                <a:shade val="15000"/>
+              </a:schemeClr>
+            </a:lnRef>
+            <a:fillRef idx="1">
+              <a:schemeClr val="accent1"/>
+            </a:fillRef>
+            <a:effectRef idx="0">
+              <a:schemeClr val="accent1"/>
+            </a:effectRef>
+            <a:fontRef idx="minor">
+              <a:schemeClr val="lt1"/>
+            </a:fontRef>
+          </p:style>
+          <p:txBody>
+            <a:bodyPr rtlCol="0" anchor="ctr"/>
+            <a:lstStyle/>
+            <a:p>
+              <a:pPr algn="ctr"/>
+              <a:r>
+                <a:rPr lang="en-US" altLang="ko-KR" dirty="0">
+                  <a:solidFill>
+                    <a:srgbClr val="C00000"/>
+                  </a:solidFill>
+                  <a:latin typeface="DS-Digital" pitchFamily="2" charset="0"/>
+                </a:rPr>
+                <a:t>3/3</a:t>
+              </a:r>
+              <a:endParaRPr lang="ko-KR" altLang="en-US" dirty="0">
+                <a:solidFill>
+                  <a:srgbClr val="C00000"/>
+                </a:solidFill>
+                <a:latin typeface="DS-Digital" pitchFamily="2" charset="0"/>
+              </a:endParaRPr>
+            </a:p>
+          </p:txBody>
+        </p:sp>
+      </p:grpSp>
+    </p:spTree>
+    <p:extLst>
+      <p:ext uri="{BB962C8B-B14F-4D97-AF65-F5344CB8AC3E}">
+        <p14:creationId xmlns:p14="http://schemas.microsoft.com/office/powerpoint/2010/main" val="629617244"/>
+      </p:ext>
+    </p:extLst>
+  </p:cSld>
+  <p:clrMapOvr>
+    <a:masterClrMapping/>
+  </p:clrMapOvr>
+</p:sld>
+</file>
+
+<file path=ppt/slides/slide5.xml><?xml version="1.0" encoding="utf-8"?>
+<p:sld xmlns:a="http://schemas.openxmlformats.org/drawingml/2006/main" xmlns:r="http://schemas.openxmlformats.org/officeDocument/2006/relationships" xmlns:p="http://schemas.openxmlformats.org/presentationml/2006/main">
+  <p:cSld>
+    <p:spTree>
+      <p:nvGrpSpPr>
+        <p:cNvPr id="1" name=""/>
+        <p:cNvGrpSpPr/>
+        <p:nvPr/>
+      </p:nvGrpSpPr>
+      <p:grpSpPr>
+        <a:xfrm>
+          <a:off x="0" y="0"/>
+          <a:ext cx="0" cy="0"/>
+          <a:chOff x="0" y="0"/>
+          <a:chExt cx="0" cy="0"/>
+        </a:xfrm>
+      </p:grpSpPr>
+      <p:pic>
+        <p:nvPicPr>
+          <p:cNvPr id="8" name="그림 7">
+            <a:extLst>
+              <a:ext uri="{FF2B5EF4-FFF2-40B4-BE49-F238E27FC236}">
+                <a16:creationId xmlns:a16="http://schemas.microsoft.com/office/drawing/2014/main" id="{7160F3C6-882E-CF65-0291-99B1F5F2ACD9}"/>
+              </a:ext>
+            </a:extLst>
+          </p:cNvPr>
+          <p:cNvPicPr>
+            <a:picLocks noChangeAspect="1"/>
+          </p:cNvPicPr>
+          <p:nvPr/>
+        </p:nvPicPr>
+        <p:blipFill>
+          <a:blip r:embed="rId2">
+            <a:extLst>
+              <a:ext uri="{28A0092B-C50C-407E-A947-70E740481C1C}">
+                <a14:useLocalDpi xmlns:a14="http://schemas.microsoft.com/office/drawing/2010/main" val="0"/>
+              </a:ext>
+            </a:extLst>
+          </a:blip>
+          <a:stretch>
+            <a:fillRect/>
+          </a:stretch>
+        </p:blipFill>
+        <p:spPr>
+          <a:xfrm>
+            <a:off x="1809750" y="0"/>
+            <a:ext cx="8572500" cy="6858000"/>
+          </a:xfrm>
+          <a:prstGeom prst="rect">
+            <a:avLst/>
+          </a:prstGeom>
+        </p:spPr>
+      </p:pic>
+      <p:grpSp>
+        <p:nvGrpSpPr>
+          <p:cNvPr id="19" name="그룹 18">
+            <a:extLst>
+              <a:ext uri="{FF2B5EF4-FFF2-40B4-BE49-F238E27FC236}">
+                <a16:creationId xmlns:a16="http://schemas.microsoft.com/office/drawing/2014/main" id="{F4207818-FF3B-640D-5DB4-F39223FC96C1}"/>
+              </a:ext>
+            </a:extLst>
+          </p:cNvPr>
+          <p:cNvGrpSpPr/>
+          <p:nvPr/>
+        </p:nvGrpSpPr>
+        <p:grpSpPr>
+          <a:xfrm>
+            <a:off x="1983324" y="1974541"/>
+            <a:ext cx="8225352" cy="2858853"/>
+            <a:chOff x="1983324" y="1974541"/>
+            <a:chExt cx="8225352" cy="2858853"/>
+          </a:xfrm>
+        </p:grpSpPr>
+        <p:sp>
+          <p:nvSpPr>
+            <p:cNvPr id="3" name="직사각형 2">
+              <a:extLst>
+                <a:ext uri="{FF2B5EF4-FFF2-40B4-BE49-F238E27FC236}">
+                  <a16:creationId xmlns:a16="http://schemas.microsoft.com/office/drawing/2014/main" id="{1F94FC85-60A0-CB14-D1FC-1DF597268260}"/>
+                </a:ext>
+              </a:extLst>
+            </p:cNvPr>
+            <p:cNvSpPr/>
+            <p:nvPr/>
+          </p:nvSpPr>
+          <p:spPr>
+            <a:xfrm>
+              <a:off x="1983324" y="1974541"/>
+              <a:ext cx="8225352" cy="2858853"/>
+            </a:xfrm>
+            <a:prstGeom prst="rect">
+              <a:avLst/>
+            </a:prstGeom>
+            <a:solidFill>
+              <a:schemeClr val="tx1"/>
+            </a:solidFill>
+            <a:ln w="19050">
+              <a:solidFill>
+                <a:srgbClr val="F6DEAA"/>
+              </a:solidFill>
+            </a:ln>
+          </p:spPr>
+          <p:style>
+            <a:lnRef idx="2">
+              <a:schemeClr val="accent1">
+                <a:shade val="15000"/>
+              </a:schemeClr>
+            </a:lnRef>
+            <a:fillRef idx="1">
+              <a:schemeClr val="accent1"/>
+            </a:fillRef>
+            <a:effectRef idx="0">
+              <a:schemeClr val="accent1"/>
+            </a:effectRef>
+            <a:fontRef idx="minor">
+              <a:schemeClr val="lt1"/>
+            </a:fontRef>
+          </p:style>
+          <p:txBody>
+            <a:bodyPr rtlCol="0" anchor="ctr"/>
+            <a:lstStyle/>
+            <a:p>
+              <a:pPr algn="ctr"/>
+              <a:endParaRPr lang="ko-KR" altLang="en-US" dirty="0"/>
+            </a:p>
+          </p:txBody>
+        </p:sp>
+        <p:sp>
+          <p:nvSpPr>
+            <p:cNvPr id="16" name="사각형: 둥근 모서리 15">
+              <a:extLst>
+                <a:ext uri="{FF2B5EF4-FFF2-40B4-BE49-F238E27FC236}">
+                  <a16:creationId xmlns:a16="http://schemas.microsoft.com/office/drawing/2014/main" id="{AEE72679-C1DD-1296-9E30-6C0534244294}"/>
+                </a:ext>
+              </a:extLst>
+            </p:cNvPr>
+            <p:cNvSpPr/>
+            <p:nvPr/>
+          </p:nvSpPr>
+          <p:spPr>
+            <a:xfrm>
+              <a:off x="6451215" y="2297724"/>
+              <a:ext cx="1552575" cy="590550"/>
+            </a:xfrm>
+            <a:prstGeom prst="roundRect">
+              <a:avLst/>
+            </a:prstGeom>
+            <a:noFill/>
+            <a:ln w="38100">
+              <a:solidFill>
+                <a:srgbClr val="FF7D7D"/>
+              </a:solidFill>
+            </a:ln>
+          </p:spPr>
+          <p:style>
+            <a:lnRef idx="2">
+              <a:schemeClr val="accent1">
+                <a:shade val="15000"/>
+              </a:schemeClr>
+            </a:lnRef>
+            <a:fillRef idx="1">
+              <a:schemeClr val="accent1"/>
+            </a:fillRef>
+            <a:effectRef idx="0">
+              <a:schemeClr val="accent1"/>
+            </a:effectRef>
+            <a:fontRef idx="minor">
+              <a:schemeClr val="lt1"/>
+            </a:fontRef>
+          </p:style>
+          <p:txBody>
+            <a:bodyPr lIns="0" tIns="0" rIns="0" bIns="0" rtlCol="0" anchor="ctr"/>
+            <a:lstStyle/>
+            <a:p>
+              <a:pPr algn="ctr"/>
+              <a:r>
+                <a:rPr lang="ko-KR" altLang="en-US" sz="1600" dirty="0">
+                  <a:solidFill>
+                    <a:srgbClr val="FF7D7D"/>
+                  </a:solidFill>
+                  <a:latin typeface="나눔스퀘어 Bold" panose="020B0600000101010101" pitchFamily="50" charset="-127"/>
+                  <a:ea typeface="나눔스퀘어 Bold" panose="020B0600000101010101" pitchFamily="50" charset="-127"/>
+                </a:rPr>
+                <a:t>게임 시작</a:t>
+              </a:r>
+              <a:endParaRPr lang="ko-KR" altLang="en-US" sz="1600" spc="-300" dirty="0">
+                <a:solidFill>
+                  <a:srgbClr val="FF7D7D"/>
+                </a:solidFill>
+                <a:latin typeface="나눔스퀘어 Bold" panose="020B0600000101010101" pitchFamily="50" charset="-127"/>
+                <a:ea typeface="나눔스퀘어 Bold" panose="020B0600000101010101" pitchFamily="50" charset="-127"/>
+              </a:endParaRPr>
+            </a:p>
+          </p:txBody>
+        </p:sp>
+        <p:sp>
+          <p:nvSpPr>
+            <p:cNvPr id="17" name="사각형: 둥근 모서리 16">
+              <a:extLst>
+                <a:ext uri="{FF2B5EF4-FFF2-40B4-BE49-F238E27FC236}">
+                  <a16:creationId xmlns:a16="http://schemas.microsoft.com/office/drawing/2014/main" id="{2B400652-2C67-231F-6FB1-FD5BA3C62129}"/>
+                </a:ext>
+              </a:extLst>
+            </p:cNvPr>
+            <p:cNvSpPr/>
+            <p:nvPr/>
+          </p:nvSpPr>
+          <p:spPr>
+            <a:xfrm>
+              <a:off x="8331422" y="2297724"/>
+              <a:ext cx="1552575" cy="590550"/>
+            </a:xfrm>
+            <a:prstGeom prst="roundRect">
+              <a:avLst/>
+            </a:prstGeom>
+            <a:noFill/>
+            <a:ln w="38100">
+              <a:solidFill>
+                <a:schemeClr val="bg1"/>
+              </a:solidFill>
+            </a:ln>
+          </p:spPr>
+          <p:style>
+            <a:lnRef idx="2">
+              <a:schemeClr val="accent1">
+                <a:shade val="15000"/>
+              </a:schemeClr>
+            </a:lnRef>
+            <a:fillRef idx="1">
+              <a:schemeClr val="accent1"/>
+            </a:fillRef>
+            <a:effectRef idx="0">
+              <a:schemeClr val="accent1"/>
+            </a:effectRef>
+            <a:fontRef idx="minor">
+              <a:schemeClr val="lt1"/>
+            </a:fontRef>
+          </p:style>
+          <p:txBody>
+            <a:bodyPr lIns="0" tIns="0" rIns="0" bIns="0" rtlCol="0" anchor="ctr"/>
+            <a:lstStyle/>
+            <a:p>
+              <a:pPr algn="ctr"/>
+              <a:r>
+                <a:rPr lang="ko-KR" altLang="en-US" sz="1600" dirty="0">
+                  <a:latin typeface="나눔스퀘어 Bold" panose="020B0600000101010101" pitchFamily="50" charset="-127"/>
+                  <a:ea typeface="나눔스퀘어 Bold" panose="020B0600000101010101" pitchFamily="50" charset="-127"/>
+                </a:rPr>
+                <a:t>준비</a:t>
+              </a:r>
+            </a:p>
+          </p:txBody>
+        </p:sp>
+        <p:sp>
+          <p:nvSpPr>
+            <p:cNvPr id="18" name="사각형: 둥근 모서리 17">
+              <a:extLst>
+                <a:ext uri="{FF2B5EF4-FFF2-40B4-BE49-F238E27FC236}">
+                  <a16:creationId xmlns:a16="http://schemas.microsoft.com/office/drawing/2014/main" id="{0D27EAF0-65E9-8067-7911-FBEBA5801936}"/>
+                </a:ext>
+              </a:extLst>
+            </p:cNvPr>
+            <p:cNvSpPr/>
+            <p:nvPr/>
+          </p:nvSpPr>
+          <p:spPr>
+            <a:xfrm>
+              <a:off x="2084605" y="2057864"/>
+              <a:ext cx="1211046" cy="362206"/>
+            </a:xfrm>
+            <a:prstGeom prst="roundRect">
+              <a:avLst/>
+            </a:prstGeom>
+            <a:noFill/>
+            <a:ln>
+              <a:noFill/>
+            </a:ln>
+          </p:spPr>
+          <p:style>
+            <a:lnRef idx="2">
+              <a:schemeClr val="accent1">
+                <a:shade val="15000"/>
+              </a:schemeClr>
+            </a:lnRef>
+            <a:fillRef idx="1">
+              <a:schemeClr val="accent1"/>
+            </a:fillRef>
+            <a:effectRef idx="0">
+              <a:schemeClr val="accent1"/>
+            </a:effectRef>
+            <a:fontRef idx="minor">
+              <a:schemeClr val="lt1"/>
+            </a:fontRef>
+          </p:style>
+          <p:txBody>
+            <a:bodyPr rtlCol="0" anchor="ctr"/>
+            <a:lstStyle/>
+            <a:p>
+              <a:r>
+                <a:rPr lang="en-US" altLang="ko-KR" sz="1400" dirty="0">
+                  <a:solidFill>
+                    <a:srgbClr val="325D6D"/>
+                  </a:solidFill>
+                  <a:latin typeface="나눔스퀘어 ExtraBold" panose="020B0600000101010101" pitchFamily="50" charset="-127"/>
+                  <a:ea typeface="나눔스퀘어 ExtraBold" panose="020B0600000101010101" pitchFamily="50" charset="-127"/>
+                </a:rPr>
+                <a:t>NO.</a:t>
+              </a:r>
+              <a:endParaRPr lang="ko-KR" altLang="en-US" sz="1400" dirty="0">
+                <a:solidFill>
+                  <a:srgbClr val="325D6D"/>
+                </a:solidFill>
+                <a:latin typeface="나눔스퀘어 ExtraBold" panose="020B0600000101010101" pitchFamily="50" charset="-127"/>
+                <a:ea typeface="나눔스퀘어 ExtraBold" panose="020B0600000101010101" pitchFamily="50" charset="-127"/>
+              </a:endParaRPr>
+            </a:p>
+          </p:txBody>
+        </p:sp>
+      </p:grpSp>
+      <p:graphicFrame>
+        <p:nvGraphicFramePr>
+          <p:cNvPr id="9" name="표 9">
+            <a:extLst>
+              <a:ext uri="{FF2B5EF4-FFF2-40B4-BE49-F238E27FC236}">
+                <a16:creationId xmlns:a16="http://schemas.microsoft.com/office/drawing/2014/main" id="{4C519DC6-1230-231B-A716-903D29B149CC}"/>
+              </a:ext>
+            </a:extLst>
+          </p:cNvPr>
+          <p:cNvGraphicFramePr>
+            <a:graphicFrameLocks noGrp="1"/>
+          </p:cNvGraphicFramePr>
+          <p:nvPr>
+            <p:extLst>
+              <p:ext uri="{D42A27DB-BD31-4B8C-83A1-F6EECF244321}">
+                <p14:modId xmlns:p14="http://schemas.microsoft.com/office/powerpoint/2010/main" val="2455763965"/>
+              </p:ext>
+            </p:extLst>
+          </p:nvPr>
+        </p:nvGraphicFramePr>
+        <p:xfrm>
+          <a:off x="2170001" y="3161580"/>
+          <a:ext cx="7851998" cy="1483360"/>
+        </p:xfrm>
+        <a:graphic>
+          <a:graphicData uri="http://schemas.openxmlformats.org/drawingml/2006/table">
+            <a:tbl>
+              <a:tblPr firstRow="1" bandRow="1">
+                <a:tableStyleId>{5C22544A-7EE6-4342-B048-85BDC9FD1C3A}</a:tableStyleId>
+              </a:tblPr>
+              <a:tblGrid>
+                <a:gridCol w="6107224">
+                  <a:extLst>
+                    <a:ext uri="{9D8B030D-6E8A-4147-A177-3AD203B41FA5}">
+                      <a16:colId xmlns:a16="http://schemas.microsoft.com/office/drawing/2014/main" val="3052294826"/>
+                    </a:ext>
+                  </a:extLst>
+                </a:gridCol>
+                <a:gridCol w="1744774">
+                  <a:extLst>
+                    <a:ext uri="{9D8B030D-6E8A-4147-A177-3AD203B41FA5}">
+                      <a16:colId xmlns:a16="http://schemas.microsoft.com/office/drawing/2014/main" val="209985340"/>
+                    </a:ext>
+                  </a:extLst>
+                </a:gridCol>
+              </a:tblGrid>
+              <a:tr h="370840">
+                <a:tc>
+                  <a:txBody>
+                    <a:bodyPr/>
+                    <a:lstStyle/>
+                    <a:p>
+                      <a:pPr algn="ctr" latinLnBrk="1"/>
+                      <a:r>
+                        <a:rPr lang="ko-KR" altLang="en-US" b="0" dirty="0">
+                          <a:solidFill>
+                            <a:schemeClr val="bg1"/>
+                          </a:solidFill>
+                          <a:latin typeface="나눔스퀘어 Bold" panose="020B0600000101010101" pitchFamily="50" charset="-127"/>
+                          <a:ea typeface="나눔스퀘어 Bold" panose="020B0600000101010101" pitchFamily="50" charset="-127"/>
+                        </a:rPr>
+                        <a:t>닉네임</a:t>
+                      </a:r>
+                    </a:p>
+                  </a:txBody>
+                  <a:tcPr>
+                    <a:lnL w="12700" cap="flat" cmpd="sng" algn="ctr">
+                      <a:solidFill>
+                        <a:schemeClr val="bg1"/>
+                      </a:solidFill>
+                      <a:prstDash val="solid"/>
+                      <a:round/>
+                      <a:headEnd type="none" w="med" len="med"/>
+                      <a:tailEnd type="none" w="med" len="med"/>
+                    </a:lnL>
+                    <a:lnR w="12700" cap="flat" cmpd="sng" algn="ctr">
+                      <a:solidFill>
+                        <a:schemeClr val="bg1"/>
+                      </a:solidFill>
+                      <a:prstDash val="solid"/>
+                      <a:round/>
+                      <a:headEnd type="none" w="med" len="med"/>
+                      <a:tailEnd type="none" w="med" len="med"/>
+                    </a:lnR>
+                    <a:lnT w="12700" cap="flat" cmpd="sng" algn="ctr">
+                      <a:solidFill>
+                        <a:schemeClr val="bg1"/>
+                      </a:solidFill>
+                      <a:prstDash val="solid"/>
+                      <a:round/>
+                      <a:headEnd type="none" w="med" len="med"/>
+                      <a:tailEnd type="none" w="med" len="med"/>
+                    </a:lnT>
+                    <a:lnB w="12700" cap="flat" cmpd="sng" algn="ctr">
+                      <a:solidFill>
+                        <a:schemeClr val="bg1"/>
+                      </a:solidFill>
+                      <a:prstDash val="solid"/>
+                      <a:round/>
+                      <a:headEnd type="none" w="med" len="med"/>
+                      <a:tailEnd type="none" w="med" len="med"/>
+                    </a:lnB>
+                    <a:lnTlToBr w="12700" cmpd="sng">
+                      <a:noFill/>
+                      <a:prstDash val="solid"/>
+                    </a:lnTlToBr>
+                    <a:lnBlToTr w="12700" cmpd="sng">
+                      <a:noFill/>
+                      <a:prstDash val="solid"/>
+                    </a:lnBlToTr>
+                    <a:solidFill>
+                      <a:srgbClr val="325D6D"/>
+                    </a:solidFill>
+                  </a:tcPr>
+                </a:tc>
+                <a:tc>
+                  <a:txBody>
+                    <a:bodyPr/>
+                    <a:lstStyle/>
+                    <a:p>
+                      <a:pPr algn="ctr" latinLnBrk="1"/>
+                      <a:r>
+                        <a:rPr lang="ko-KR" altLang="en-US" b="0" dirty="0">
+                          <a:latin typeface="나눔스퀘어 Bold" panose="020B0600000101010101" pitchFamily="50" charset="-127"/>
+                          <a:ea typeface="나눔스퀘어 Bold" panose="020B0600000101010101" pitchFamily="50" charset="-127"/>
+                        </a:rPr>
+                        <a:t>준비 상태</a:t>
+                      </a:r>
+                    </a:p>
+                  </a:txBody>
+                  <a:tcPr>
+                    <a:lnL w="12700" cap="flat" cmpd="sng" algn="ctr">
+                      <a:solidFill>
+                        <a:schemeClr val="bg1"/>
+                      </a:solidFill>
+                      <a:prstDash val="solid"/>
+                      <a:round/>
+                      <a:headEnd type="none" w="med" len="med"/>
+                      <a:tailEnd type="none" w="med" len="med"/>
+                    </a:lnL>
+                    <a:lnR w="12700" cap="flat" cmpd="sng" algn="ctr">
+                      <a:solidFill>
+                        <a:schemeClr val="bg1"/>
+                      </a:solidFill>
+                      <a:prstDash val="solid"/>
+                      <a:round/>
+                      <a:headEnd type="none" w="med" len="med"/>
+                      <a:tailEnd type="none" w="med" len="med"/>
+                    </a:lnR>
+                    <a:lnT w="12700" cap="flat" cmpd="sng" algn="ctr">
+                      <a:solidFill>
+                        <a:schemeClr val="bg1"/>
+                      </a:solidFill>
+                      <a:prstDash val="solid"/>
+                      <a:round/>
+                      <a:headEnd type="none" w="med" len="med"/>
+                      <a:tailEnd type="none" w="med" len="med"/>
+                    </a:lnT>
+                    <a:lnB w="12700" cap="flat" cmpd="sng" algn="ctr">
+                      <a:solidFill>
+                        <a:schemeClr val="bg1"/>
+                      </a:solidFill>
+                      <a:prstDash val="solid"/>
+                      <a:round/>
+                      <a:headEnd type="none" w="med" len="med"/>
+                      <a:tailEnd type="none" w="med" len="med"/>
+                    </a:lnB>
+                    <a:lnTlToBr w="12700" cmpd="sng">
+                      <a:noFill/>
+                      <a:prstDash val="solid"/>
+                    </a:lnTlToBr>
+                    <a:lnBlToTr w="12700" cmpd="sng">
+                      <a:noFill/>
+                      <a:prstDash val="solid"/>
+                    </a:lnBlToTr>
+                    <a:solidFill>
+                      <a:srgbClr val="325D6D"/>
+                    </a:solidFill>
+                  </a:tcPr>
+                </a:tc>
+                <a:extLst>
+                  <a:ext uri="{0D108BD9-81ED-4DB2-BD59-A6C34878D82A}">
+                    <a16:rowId xmlns:a16="http://schemas.microsoft.com/office/drawing/2014/main" val="3173406684"/>
+                  </a:ext>
+                </a:extLst>
+              </a:tr>
+              <a:tr h="370840">
+                <a:tc>
+                  <a:txBody>
+                    <a:bodyPr/>
+                    <a:lstStyle/>
+                    <a:p>
+                      <a:pPr latinLnBrk="1"/>
+                      <a:endParaRPr lang="ko-KR" altLang="en-US" dirty="0"/>
+                    </a:p>
+                  </a:txBody>
+                  <a:tcPr>
+                    <a:lnL w="12700" cap="flat" cmpd="sng" algn="ctr">
+                      <a:solidFill>
+                        <a:schemeClr val="bg1"/>
+                      </a:solidFill>
+                      <a:prstDash val="solid"/>
+                      <a:round/>
+                      <a:headEnd type="none" w="med" len="med"/>
+                      <a:tailEnd type="none" w="med" len="med"/>
+                    </a:lnL>
+                    <a:lnR w="12700" cap="flat" cmpd="sng" algn="ctr">
+                      <a:solidFill>
+                        <a:schemeClr val="bg1"/>
+                      </a:solidFill>
+                      <a:prstDash val="solid"/>
+                      <a:round/>
+                      <a:headEnd type="none" w="med" len="med"/>
+                      <a:tailEnd type="none" w="med" len="med"/>
+                    </a:lnR>
+                    <a:lnT w="12700" cap="flat" cmpd="sng" algn="ctr">
+                      <a:solidFill>
+                        <a:schemeClr val="bg1"/>
+                      </a:solidFill>
+                      <a:prstDash val="solid"/>
+                      <a:round/>
+                      <a:headEnd type="none" w="med" len="med"/>
+                      <a:tailEnd type="none" w="med" len="med"/>
+                    </a:lnT>
+                    <a:lnB w="12700" cap="flat" cmpd="sng" algn="ctr">
+                      <a:solidFill>
+                        <a:schemeClr val="bg1"/>
+                      </a:solidFill>
+                      <a:prstDash val="solid"/>
+                      <a:round/>
+                      <a:headEnd type="none" w="med" len="med"/>
+                      <a:tailEnd type="none" w="med" len="med"/>
+                    </a:lnB>
+                    <a:lnTlToBr w="12700" cmpd="sng">
+                      <a:noFill/>
+                      <a:prstDash val="solid"/>
+                    </a:lnTlToBr>
+                    <a:lnBlToTr w="12700" cmpd="sng">
+                      <a:noFill/>
+                      <a:prstDash val="solid"/>
+                    </a:lnBlToTr>
+                    <a:noFill/>
+                  </a:tcPr>
+                </a:tc>
+                <a:tc>
+                  <a:txBody>
+                    <a:bodyPr/>
+                    <a:lstStyle/>
+                    <a:p>
+                      <a:pPr latinLnBrk="1"/>
+                      <a:endParaRPr lang="ko-KR" altLang="en-US" dirty="0"/>
+                    </a:p>
+                  </a:txBody>
+                  <a:tcPr>
+                    <a:lnL w="12700" cap="flat" cmpd="sng" algn="ctr">
+                      <a:solidFill>
+                        <a:schemeClr val="bg1"/>
+                      </a:solidFill>
+                      <a:prstDash val="solid"/>
+                      <a:round/>
+                      <a:headEnd type="none" w="med" len="med"/>
+                      <a:tailEnd type="none" w="med" len="med"/>
+                    </a:lnL>
+                    <a:lnR w="12700" cap="flat" cmpd="sng" algn="ctr">
+                      <a:solidFill>
+                        <a:schemeClr val="bg1"/>
+                      </a:solidFill>
+                      <a:prstDash val="solid"/>
+                      <a:round/>
+                      <a:headEnd type="none" w="med" len="med"/>
+                      <a:tailEnd type="none" w="med" len="med"/>
+                    </a:lnR>
+                    <a:lnT w="12700" cap="flat" cmpd="sng" algn="ctr">
+                      <a:solidFill>
+                        <a:schemeClr val="bg1"/>
+                      </a:solidFill>
+                      <a:prstDash val="solid"/>
+                      <a:round/>
+                      <a:headEnd type="none" w="med" len="med"/>
+                      <a:tailEnd type="none" w="med" len="med"/>
+                    </a:lnT>
+                    <a:lnB w="12700" cap="flat" cmpd="sng" algn="ctr">
+                      <a:solidFill>
+                        <a:schemeClr val="bg1"/>
+                      </a:solidFill>
+                      <a:prstDash val="solid"/>
+                      <a:round/>
+                      <a:headEnd type="none" w="med" len="med"/>
+                      <a:tailEnd type="none" w="med" len="med"/>
+                    </a:lnB>
+                    <a:lnTlToBr w="12700" cmpd="sng">
+                      <a:noFill/>
+                      <a:prstDash val="solid"/>
+                    </a:lnTlToBr>
+                    <a:lnBlToTr w="12700" cmpd="sng">
+                      <a:noFill/>
+                      <a:prstDash val="solid"/>
+                    </a:lnBlToTr>
+                    <a:noFill/>
+                  </a:tcPr>
+                </a:tc>
+                <a:extLst>
+                  <a:ext uri="{0D108BD9-81ED-4DB2-BD59-A6C34878D82A}">
+                    <a16:rowId xmlns:a16="http://schemas.microsoft.com/office/drawing/2014/main" val="3591462297"/>
+                  </a:ext>
+                </a:extLst>
+              </a:tr>
+              <a:tr h="370840">
+                <a:tc>
+                  <a:txBody>
+                    <a:bodyPr/>
+                    <a:lstStyle/>
+                    <a:p>
+                      <a:pPr latinLnBrk="1"/>
+                      <a:endParaRPr lang="ko-KR" altLang="en-US"/>
+                    </a:p>
+                  </a:txBody>
+                  <a:tcPr>
+                    <a:lnL w="12700" cap="flat" cmpd="sng" algn="ctr">
+                      <a:solidFill>
+                        <a:schemeClr val="bg1"/>
+                      </a:solidFill>
+                      <a:prstDash val="solid"/>
+                      <a:round/>
+                      <a:headEnd type="none" w="med" len="med"/>
+                      <a:tailEnd type="none" w="med" len="med"/>
+                    </a:lnL>
+                    <a:lnR w="12700" cap="flat" cmpd="sng" algn="ctr">
+                      <a:solidFill>
+                        <a:schemeClr val="bg1"/>
+                      </a:solidFill>
+                      <a:prstDash val="solid"/>
+                      <a:round/>
+                      <a:headEnd type="none" w="med" len="med"/>
+                      <a:tailEnd type="none" w="med" len="med"/>
+                    </a:lnR>
+                    <a:lnT w="12700" cap="flat" cmpd="sng" algn="ctr">
+                      <a:solidFill>
+                        <a:schemeClr val="bg1"/>
+                      </a:solidFill>
+                      <a:prstDash val="solid"/>
+                      <a:round/>
+                      <a:headEnd type="none" w="med" len="med"/>
+                      <a:tailEnd type="none" w="med" len="med"/>
+                    </a:lnT>
+                    <a:lnB w="12700" cap="flat" cmpd="sng" algn="ctr">
+                      <a:solidFill>
+                        <a:schemeClr val="bg1"/>
+                      </a:solidFill>
+                      <a:prstDash val="solid"/>
+                      <a:round/>
+                      <a:headEnd type="none" w="med" len="med"/>
+                      <a:tailEnd type="none" w="med" len="med"/>
+                    </a:lnB>
+                    <a:lnTlToBr w="12700" cmpd="sng">
+                      <a:noFill/>
+                      <a:prstDash val="solid"/>
+                    </a:lnTlToBr>
+                    <a:lnBlToTr w="12700" cmpd="sng">
+                      <a:noFill/>
+                      <a:prstDash val="solid"/>
+                    </a:lnBlToTr>
+                    <a:noFill/>
+                  </a:tcPr>
+                </a:tc>
+                <a:tc>
+                  <a:txBody>
+                    <a:bodyPr/>
+                    <a:lstStyle/>
+                    <a:p>
+                      <a:pPr latinLnBrk="1"/>
+                      <a:endParaRPr lang="ko-KR" altLang="en-US" dirty="0"/>
+                    </a:p>
+                  </a:txBody>
+                  <a:tcPr>
+                    <a:lnL w="12700" cap="flat" cmpd="sng" algn="ctr">
+                      <a:solidFill>
+                        <a:schemeClr val="bg1"/>
+                      </a:solidFill>
+                      <a:prstDash val="solid"/>
+                      <a:round/>
+                      <a:headEnd type="none" w="med" len="med"/>
+                      <a:tailEnd type="none" w="med" len="med"/>
+                    </a:lnL>
+                    <a:lnR w="12700" cap="flat" cmpd="sng" algn="ctr">
+                      <a:solidFill>
+                        <a:schemeClr val="bg1"/>
+                      </a:solidFill>
+                      <a:prstDash val="solid"/>
+                      <a:round/>
+                      <a:headEnd type="none" w="med" len="med"/>
+                      <a:tailEnd type="none" w="med" len="med"/>
+                    </a:lnR>
+                    <a:lnT w="12700" cap="flat" cmpd="sng" algn="ctr">
+                      <a:solidFill>
+                        <a:schemeClr val="bg1"/>
+                      </a:solidFill>
+                      <a:prstDash val="solid"/>
+                      <a:round/>
+                      <a:headEnd type="none" w="med" len="med"/>
+                      <a:tailEnd type="none" w="med" len="med"/>
+                    </a:lnT>
+                    <a:lnB w="12700" cap="flat" cmpd="sng" algn="ctr">
+                      <a:solidFill>
+                        <a:schemeClr val="bg1"/>
+                      </a:solidFill>
+                      <a:prstDash val="solid"/>
+                      <a:round/>
+                      <a:headEnd type="none" w="med" len="med"/>
+                      <a:tailEnd type="none" w="med" len="med"/>
+                    </a:lnB>
+                    <a:lnTlToBr w="12700" cmpd="sng">
+                      <a:noFill/>
+                      <a:prstDash val="solid"/>
+                    </a:lnTlToBr>
+                    <a:lnBlToTr w="12700" cmpd="sng">
+                      <a:noFill/>
+                      <a:prstDash val="solid"/>
+                    </a:lnBlToTr>
+                    <a:noFill/>
+                  </a:tcPr>
+                </a:tc>
+                <a:extLst>
+                  <a:ext uri="{0D108BD9-81ED-4DB2-BD59-A6C34878D82A}">
+                    <a16:rowId xmlns:a16="http://schemas.microsoft.com/office/drawing/2014/main" val="3187490706"/>
+                  </a:ext>
+                </a:extLst>
+              </a:tr>
+              <a:tr h="370840">
+                <a:tc>
+                  <a:txBody>
+                    <a:bodyPr/>
+                    <a:lstStyle/>
+                    <a:p>
+                      <a:pPr latinLnBrk="1"/>
+                      <a:endParaRPr lang="ko-KR" altLang="en-US" dirty="0"/>
+                    </a:p>
+                  </a:txBody>
+                  <a:tcPr>
+                    <a:lnL w="12700" cap="flat" cmpd="sng" algn="ctr">
+                      <a:solidFill>
+                        <a:schemeClr val="bg1"/>
+                      </a:solidFill>
+                      <a:prstDash val="solid"/>
+                      <a:round/>
+                      <a:headEnd type="none" w="med" len="med"/>
+                      <a:tailEnd type="none" w="med" len="med"/>
+                    </a:lnL>
+                    <a:lnR w="12700" cap="flat" cmpd="sng" algn="ctr">
+                      <a:solidFill>
+                        <a:schemeClr val="bg1"/>
+                      </a:solidFill>
+                      <a:prstDash val="solid"/>
+                      <a:round/>
+                      <a:headEnd type="none" w="med" len="med"/>
+                      <a:tailEnd type="none" w="med" len="med"/>
+                    </a:lnR>
+                    <a:lnT w="12700" cap="flat" cmpd="sng" algn="ctr">
+                      <a:solidFill>
+                        <a:schemeClr val="bg1"/>
+                      </a:solidFill>
+                      <a:prstDash val="solid"/>
+                      <a:round/>
+                      <a:headEnd type="none" w="med" len="med"/>
+                      <a:tailEnd type="none" w="med" len="med"/>
+                    </a:lnT>
+                    <a:lnB w="12700" cap="flat" cmpd="sng" algn="ctr">
+                      <a:solidFill>
+                        <a:schemeClr val="bg1"/>
+                      </a:solidFill>
+                      <a:prstDash val="solid"/>
+                      <a:round/>
+                      <a:headEnd type="none" w="med" len="med"/>
+                      <a:tailEnd type="none" w="med" len="med"/>
+                    </a:lnB>
+                    <a:lnTlToBr w="12700" cmpd="sng">
+                      <a:noFill/>
+                      <a:prstDash val="solid"/>
+                    </a:lnTlToBr>
+                    <a:lnBlToTr w="12700" cmpd="sng">
+                      <a:noFill/>
+                      <a:prstDash val="solid"/>
+                    </a:lnBlToTr>
+                    <a:noFill/>
+                  </a:tcPr>
+                </a:tc>
+                <a:tc>
+                  <a:txBody>
+                    <a:bodyPr/>
+                    <a:lstStyle/>
+                    <a:p>
+                      <a:pPr latinLnBrk="1"/>
+                      <a:endParaRPr lang="ko-KR" altLang="en-US" dirty="0"/>
+                    </a:p>
+                  </a:txBody>
+                  <a:tcPr>
+                    <a:lnL w="12700" cap="flat" cmpd="sng" algn="ctr">
+                      <a:solidFill>
+                        <a:schemeClr val="bg1"/>
+                      </a:solidFill>
+                      <a:prstDash val="solid"/>
+                      <a:round/>
+                      <a:headEnd type="none" w="med" len="med"/>
+                      <a:tailEnd type="none" w="med" len="med"/>
+                    </a:lnL>
+                    <a:lnR w="12700" cap="flat" cmpd="sng" algn="ctr">
+                      <a:solidFill>
+                        <a:schemeClr val="bg1"/>
+                      </a:solidFill>
+                      <a:prstDash val="solid"/>
+                      <a:round/>
+                      <a:headEnd type="none" w="med" len="med"/>
+                      <a:tailEnd type="none" w="med" len="med"/>
+                    </a:lnR>
+                    <a:lnT w="12700" cap="flat" cmpd="sng" algn="ctr">
+                      <a:solidFill>
+                        <a:schemeClr val="bg1"/>
+                      </a:solidFill>
+                      <a:prstDash val="solid"/>
+                      <a:round/>
+                      <a:headEnd type="none" w="med" len="med"/>
+                      <a:tailEnd type="none" w="med" len="med"/>
+                    </a:lnT>
+                    <a:lnB w="12700" cap="flat" cmpd="sng" algn="ctr">
+                      <a:solidFill>
+                        <a:schemeClr val="bg1"/>
+                      </a:solidFill>
+                      <a:prstDash val="solid"/>
+                      <a:round/>
+                      <a:headEnd type="none" w="med" len="med"/>
+                      <a:tailEnd type="none" w="med" len="med"/>
+                    </a:lnB>
+                    <a:lnTlToBr w="12700" cmpd="sng">
+                      <a:noFill/>
+                      <a:prstDash val="solid"/>
+                    </a:lnTlToBr>
+                    <a:lnBlToTr w="12700" cmpd="sng">
+                      <a:noFill/>
+                      <a:prstDash val="solid"/>
+                    </a:lnBlToTr>
+                    <a:noFill/>
+                  </a:tcPr>
+                </a:tc>
+                <a:extLst>
+                  <a:ext uri="{0D108BD9-81ED-4DB2-BD59-A6C34878D82A}">
+                    <a16:rowId xmlns:a16="http://schemas.microsoft.com/office/drawing/2014/main" val="988543443"/>
+                  </a:ext>
+                </a:extLst>
+              </a:tr>
+            </a:tbl>
+          </a:graphicData>
+        </a:graphic>
+      </p:graphicFrame>
+      <p:sp>
+        <p:nvSpPr>
+          <p:cNvPr id="21" name="직사각형 20">
+            <a:extLst>
+              <a:ext uri="{FF2B5EF4-FFF2-40B4-BE49-F238E27FC236}">
+                <a16:creationId xmlns:a16="http://schemas.microsoft.com/office/drawing/2014/main" id="{243C8D88-B1BF-9D06-DD1C-526BEF511611}"/>
+              </a:ext>
+            </a:extLst>
+          </p:cNvPr>
+          <p:cNvSpPr/>
+          <p:nvPr/>
+        </p:nvSpPr>
+        <p:spPr>
+          <a:xfrm>
+            <a:off x="10555824" y="2202999"/>
+            <a:ext cx="2261066" cy="3435804"/>
+          </a:xfrm>
+          <a:prstGeom prst="rect">
+            <a:avLst/>
+          </a:prstGeom>
+        </p:spPr>
+        <p:style>
+          <a:lnRef idx="2">
+            <a:schemeClr val="accent1">
+              <a:shade val="15000"/>
+            </a:schemeClr>
+          </a:lnRef>
+          <a:fillRef idx="1">
+            <a:schemeClr val="accent1"/>
+          </a:fillRef>
+          <a:effectRef idx="0">
+            <a:schemeClr val="accent1"/>
+          </a:effectRef>
+          <a:fontRef idx="minor">
+            <a:schemeClr val="lt1"/>
+          </a:fontRef>
+        </p:style>
+        <p:txBody>
+          <a:bodyPr rtlCol="0" anchor="ctr"/>
+          <a:lstStyle/>
+          <a:p>
+            <a:pPr algn="ctr"/>
+            <a:endParaRPr lang="ko-KR" altLang="en-US" dirty="0"/>
+          </a:p>
+        </p:txBody>
+      </p:sp>
+      <p:grpSp>
+        <p:nvGrpSpPr>
+          <p:cNvPr id="1138" name="그룹 1137">
+            <a:extLst>
+              <a:ext uri="{FF2B5EF4-FFF2-40B4-BE49-F238E27FC236}">
+                <a16:creationId xmlns:a16="http://schemas.microsoft.com/office/drawing/2014/main" id="{30AEA83E-80B3-8DD0-EC3F-573487B91248}"/>
+              </a:ext>
+            </a:extLst>
+          </p:cNvPr>
+          <p:cNvGrpSpPr/>
+          <p:nvPr/>
+        </p:nvGrpSpPr>
+        <p:grpSpPr>
+          <a:xfrm>
+            <a:off x="10603447" y="430429"/>
+            <a:ext cx="1552576" cy="1217778"/>
+            <a:chOff x="10603447" y="430429"/>
+            <a:chExt cx="1552576" cy="1217778"/>
+          </a:xfrm>
+        </p:grpSpPr>
+        <p:sp>
+          <p:nvSpPr>
+            <p:cNvPr id="30" name="사각형: 둥근 모서리 29">
+              <a:extLst>
+                <a:ext uri="{FF2B5EF4-FFF2-40B4-BE49-F238E27FC236}">
+                  <a16:creationId xmlns:a16="http://schemas.microsoft.com/office/drawing/2014/main" id="{A658974E-6D69-F1EE-A33B-870A00B088DC}"/>
+                </a:ext>
+              </a:extLst>
+            </p:cNvPr>
+            <p:cNvSpPr/>
+            <p:nvPr/>
+          </p:nvSpPr>
+          <p:spPr>
+            <a:xfrm>
+              <a:off x="10603448" y="430429"/>
+              <a:ext cx="1552575" cy="590550"/>
+            </a:xfrm>
+            <a:prstGeom prst="roundRect">
+              <a:avLst/>
+            </a:prstGeom>
+            <a:noFill/>
+            <a:ln w="38100">
+              <a:solidFill>
+                <a:srgbClr val="820000"/>
+              </a:solidFill>
+            </a:ln>
+          </p:spPr>
+          <p:style>
+            <a:lnRef idx="2">
+              <a:schemeClr val="accent1">
+                <a:shade val="15000"/>
+              </a:schemeClr>
+            </a:lnRef>
+            <a:fillRef idx="1">
+              <a:schemeClr val="accent1"/>
+            </a:fillRef>
+            <a:effectRef idx="0">
+              <a:schemeClr val="accent1"/>
+            </a:effectRef>
+            <a:fontRef idx="minor">
+              <a:schemeClr val="lt1"/>
+            </a:fontRef>
+          </p:style>
+          <p:txBody>
+            <a:bodyPr lIns="0" tIns="0" rIns="0" bIns="0" rtlCol="0" anchor="ctr"/>
+            <a:lstStyle/>
+            <a:p>
+              <a:pPr algn="ctr"/>
+              <a:r>
+                <a:rPr lang="ko-KR" altLang="en-US" sz="1600" dirty="0">
+                  <a:solidFill>
+                    <a:srgbClr val="820000"/>
+                  </a:solidFill>
+                  <a:latin typeface="나눔스퀘어 ExtraBold" panose="020B0600000101010101" pitchFamily="50" charset="-127"/>
+                  <a:ea typeface="나눔스퀘어 ExtraBold" panose="020B0600000101010101" pitchFamily="50" charset="-127"/>
+                </a:rPr>
+                <a:t>게임 시작</a:t>
+              </a:r>
+              <a:endParaRPr lang="ko-KR" altLang="en-US" sz="1600" spc="-300" dirty="0">
+                <a:solidFill>
+                  <a:srgbClr val="820000"/>
+                </a:solidFill>
+                <a:latin typeface="나눔스퀘어 ExtraBold" panose="020B0600000101010101" pitchFamily="50" charset="-127"/>
+                <a:ea typeface="나눔스퀘어 ExtraBold" panose="020B0600000101010101" pitchFamily="50" charset="-127"/>
+              </a:endParaRPr>
+            </a:p>
+          </p:txBody>
+        </p:sp>
+        <p:sp>
+          <p:nvSpPr>
+            <p:cNvPr id="31" name="사각형: 둥근 모서리 30">
+              <a:extLst>
+                <a:ext uri="{FF2B5EF4-FFF2-40B4-BE49-F238E27FC236}">
+                  <a16:creationId xmlns:a16="http://schemas.microsoft.com/office/drawing/2014/main" id="{1E23F80C-56CE-5F21-2F59-A351DA4D6E98}"/>
+                </a:ext>
+              </a:extLst>
+            </p:cNvPr>
+            <p:cNvSpPr/>
+            <p:nvPr/>
+          </p:nvSpPr>
+          <p:spPr>
+            <a:xfrm>
+              <a:off x="10603447" y="1057657"/>
+              <a:ext cx="1552575" cy="590550"/>
+            </a:xfrm>
+            <a:prstGeom prst="roundRect">
+              <a:avLst/>
+            </a:prstGeom>
+            <a:noFill/>
+            <a:ln w="38100">
+              <a:solidFill>
+                <a:srgbClr val="FF7D7D"/>
+              </a:solidFill>
+            </a:ln>
+          </p:spPr>
+          <p:style>
+            <a:lnRef idx="2">
+              <a:schemeClr val="accent1">
+                <a:shade val="15000"/>
+              </a:schemeClr>
+            </a:lnRef>
+            <a:fillRef idx="1">
+              <a:schemeClr val="accent1"/>
+            </a:fillRef>
+            <a:effectRef idx="0">
+              <a:schemeClr val="accent1"/>
+            </a:effectRef>
+            <a:fontRef idx="minor">
+              <a:schemeClr val="lt1"/>
+            </a:fontRef>
+          </p:style>
+          <p:txBody>
+            <a:bodyPr lIns="0" tIns="0" rIns="0" bIns="0" rtlCol="0" anchor="ctr"/>
+            <a:lstStyle/>
+            <a:p>
+              <a:pPr algn="ctr"/>
+              <a:r>
+                <a:rPr lang="ko-KR" altLang="en-US" sz="1600" dirty="0">
+                  <a:solidFill>
+                    <a:srgbClr val="FF7D7D"/>
+                  </a:solidFill>
+                  <a:latin typeface="나눔스퀘어 ExtraBold" panose="020B0600000101010101" pitchFamily="50" charset="-127"/>
+                  <a:ea typeface="나눔스퀘어 ExtraBold" panose="020B0600000101010101" pitchFamily="50" charset="-127"/>
+                </a:rPr>
+                <a:t>게임 시작</a:t>
+              </a:r>
+              <a:endParaRPr lang="ko-KR" altLang="en-US" sz="1600" spc="-300" dirty="0">
+                <a:solidFill>
+                  <a:srgbClr val="FF7D7D"/>
+                </a:solidFill>
+                <a:latin typeface="나눔스퀘어 ExtraBold" panose="020B0600000101010101" pitchFamily="50" charset="-127"/>
+                <a:ea typeface="나눔스퀘어 ExtraBold" panose="020B0600000101010101" pitchFamily="50" charset="-127"/>
+              </a:endParaRPr>
+            </a:p>
+          </p:txBody>
+        </p:sp>
+      </p:grpSp>
+      <p:grpSp>
+        <p:nvGrpSpPr>
+          <p:cNvPr id="1137" name="그룹 1136">
+            <a:extLst>
+              <a:ext uri="{FF2B5EF4-FFF2-40B4-BE49-F238E27FC236}">
+                <a16:creationId xmlns:a16="http://schemas.microsoft.com/office/drawing/2014/main" id="{D66B2AB2-C552-FDE9-A53A-EF0E33DDCB86}"/>
+              </a:ext>
+            </a:extLst>
+          </p:cNvPr>
+          <p:cNvGrpSpPr/>
+          <p:nvPr/>
+        </p:nvGrpSpPr>
+        <p:grpSpPr>
+          <a:xfrm>
+            <a:off x="12286185" y="430429"/>
+            <a:ext cx="1552576" cy="1217778"/>
+            <a:chOff x="12286185" y="430429"/>
+            <a:chExt cx="1552576" cy="1217778"/>
+          </a:xfrm>
+        </p:grpSpPr>
+        <p:sp>
+          <p:nvSpPr>
+            <p:cNvPr id="1121" name="사각형: 둥근 모서리 1120">
+              <a:extLst>
+                <a:ext uri="{FF2B5EF4-FFF2-40B4-BE49-F238E27FC236}">
+                  <a16:creationId xmlns:a16="http://schemas.microsoft.com/office/drawing/2014/main" id="{621640B7-0C65-5BF8-6A48-27B6980D509E}"/>
+                </a:ext>
+              </a:extLst>
+            </p:cNvPr>
+            <p:cNvSpPr/>
+            <p:nvPr/>
+          </p:nvSpPr>
+          <p:spPr>
+            <a:xfrm>
+              <a:off x="12286185" y="1057657"/>
+              <a:ext cx="1552575" cy="590550"/>
+            </a:xfrm>
+            <a:prstGeom prst="roundRect">
+              <a:avLst/>
+            </a:prstGeom>
+            <a:noFill/>
+            <a:ln w="38100">
+              <a:solidFill>
+                <a:schemeClr val="bg1">
+                  <a:lumMod val="50000"/>
+                </a:schemeClr>
+              </a:solidFill>
+            </a:ln>
+          </p:spPr>
+          <p:style>
+            <a:lnRef idx="2">
+              <a:schemeClr val="accent1">
+                <a:shade val="15000"/>
+              </a:schemeClr>
+            </a:lnRef>
+            <a:fillRef idx="1">
+              <a:schemeClr val="accent1"/>
+            </a:fillRef>
+            <a:effectRef idx="0">
+              <a:schemeClr val="accent1"/>
+            </a:effectRef>
+            <a:fontRef idx="minor">
+              <a:schemeClr val="lt1"/>
+            </a:fontRef>
+          </p:style>
+          <p:txBody>
+            <a:bodyPr lIns="0" tIns="0" rIns="0" bIns="0" rtlCol="0" anchor="ctr"/>
+            <a:lstStyle/>
+            <a:p>
+              <a:pPr algn="ctr"/>
+              <a:r>
+                <a:rPr lang="ko-KR" altLang="en-US" sz="1600" dirty="0">
+                  <a:solidFill>
+                    <a:schemeClr val="bg1">
+                      <a:lumMod val="65000"/>
+                    </a:schemeClr>
+                  </a:solidFill>
+                  <a:latin typeface="나눔스퀘어 ExtraBold" panose="020B0600000101010101" pitchFamily="50" charset="-127"/>
+                  <a:ea typeface="나눔스퀘어 ExtraBold" panose="020B0600000101010101" pitchFamily="50" charset="-127"/>
+                </a:rPr>
+                <a:t>준비</a:t>
+              </a:r>
+            </a:p>
+          </p:txBody>
+        </p:sp>
+        <p:sp>
+          <p:nvSpPr>
+            <p:cNvPr id="1122" name="사각형: 둥근 모서리 1121">
+              <a:extLst>
+                <a:ext uri="{FF2B5EF4-FFF2-40B4-BE49-F238E27FC236}">
+                  <a16:creationId xmlns:a16="http://schemas.microsoft.com/office/drawing/2014/main" id="{02F464BE-72A0-0C09-67B0-D3D70B9F4642}"/>
+                </a:ext>
+              </a:extLst>
+            </p:cNvPr>
+            <p:cNvSpPr/>
+            <p:nvPr/>
+          </p:nvSpPr>
+          <p:spPr>
+            <a:xfrm>
+              <a:off x="12286186" y="430429"/>
+              <a:ext cx="1552575" cy="590550"/>
+            </a:xfrm>
+            <a:prstGeom prst="roundRect">
+              <a:avLst/>
+            </a:prstGeom>
+            <a:noFill/>
+            <a:ln w="38100">
+              <a:solidFill>
+                <a:schemeClr val="bg1"/>
+              </a:solidFill>
+            </a:ln>
+          </p:spPr>
+          <p:style>
+            <a:lnRef idx="2">
+              <a:schemeClr val="accent1">
+                <a:shade val="15000"/>
+              </a:schemeClr>
+            </a:lnRef>
+            <a:fillRef idx="1">
+              <a:schemeClr val="accent1"/>
+            </a:fillRef>
+            <a:effectRef idx="0">
+              <a:schemeClr val="accent1"/>
+            </a:effectRef>
+            <a:fontRef idx="minor">
+              <a:schemeClr val="lt1"/>
+            </a:fontRef>
+          </p:style>
+          <p:txBody>
+            <a:bodyPr lIns="0" tIns="0" rIns="0" bIns="0" rtlCol="0" anchor="ctr"/>
+            <a:lstStyle/>
+            <a:p>
+              <a:pPr algn="ctr"/>
+              <a:r>
+                <a:rPr lang="ko-KR" altLang="en-US" sz="1600" dirty="0">
+                  <a:latin typeface="나눔스퀘어 ExtraBold" panose="020B0600000101010101" pitchFamily="50" charset="-127"/>
+                  <a:ea typeface="나눔스퀘어 ExtraBold" panose="020B0600000101010101" pitchFamily="50" charset="-127"/>
+                </a:rPr>
+                <a:t>준비</a:t>
+              </a:r>
+            </a:p>
+          </p:txBody>
+        </p:sp>
+      </p:grpSp>
+      <p:sp>
+        <p:nvSpPr>
+          <p:cNvPr id="1123" name="직사각형 1122">
+            <a:extLst>
+              <a:ext uri="{FF2B5EF4-FFF2-40B4-BE49-F238E27FC236}">
+                <a16:creationId xmlns:a16="http://schemas.microsoft.com/office/drawing/2014/main" id="{F3099418-E56A-5C72-2176-CA548E298D4A}"/>
+              </a:ext>
+            </a:extLst>
+          </p:cNvPr>
+          <p:cNvSpPr/>
+          <p:nvPr/>
+        </p:nvSpPr>
+        <p:spPr>
+          <a:xfrm>
+            <a:off x="8293099" y="3550920"/>
+            <a:ext cx="1728899" cy="342900"/>
+          </a:xfrm>
+          <a:prstGeom prst="rect">
+            <a:avLst/>
+          </a:prstGeom>
+          <a:noFill/>
+          <a:ln>
+            <a:noFill/>
+          </a:ln>
+        </p:spPr>
+        <p:style>
+          <a:lnRef idx="2">
+            <a:schemeClr val="accent1">
+              <a:shade val="15000"/>
+            </a:schemeClr>
+          </a:lnRef>
+          <a:fillRef idx="1">
+            <a:schemeClr val="accent1"/>
+          </a:fillRef>
+          <a:effectRef idx="0">
+            <a:schemeClr val="accent1"/>
+          </a:effectRef>
+          <a:fontRef idx="minor">
+            <a:schemeClr val="lt1"/>
+          </a:fontRef>
+        </p:style>
+        <p:txBody>
+          <a:bodyPr rtlCol="0" anchor="ctr"/>
+          <a:lstStyle/>
+          <a:p>
+            <a:pPr algn="ctr"/>
+            <a:r>
+              <a:rPr lang="ko-KR" altLang="en-US" sz="1400" dirty="0">
+                <a:latin typeface="나눔스퀘어 Bold" panose="020B0600000101010101" pitchFamily="50" charset="-127"/>
+                <a:ea typeface="나눔스퀘어 Bold" panose="020B0600000101010101" pitchFamily="50" charset="-127"/>
+              </a:rPr>
+              <a:t>준비 대기</a:t>
+            </a:r>
+          </a:p>
+        </p:txBody>
+      </p:sp>
+      <p:sp>
+        <p:nvSpPr>
+          <p:cNvPr id="1125" name="직사각형 1124">
+            <a:extLst>
+              <a:ext uri="{FF2B5EF4-FFF2-40B4-BE49-F238E27FC236}">
+                <a16:creationId xmlns:a16="http://schemas.microsoft.com/office/drawing/2014/main" id="{85AAC00B-6C6F-7030-A3F6-A58AF018CF28}"/>
+              </a:ext>
+            </a:extLst>
+          </p:cNvPr>
+          <p:cNvSpPr/>
+          <p:nvPr/>
+        </p:nvSpPr>
+        <p:spPr>
+          <a:xfrm>
+            <a:off x="8293099" y="3920901"/>
+            <a:ext cx="1728899" cy="342900"/>
+          </a:xfrm>
+          <a:prstGeom prst="rect">
+            <a:avLst/>
+          </a:prstGeom>
+          <a:noFill/>
+          <a:ln>
+            <a:noFill/>
+          </a:ln>
+        </p:spPr>
+        <p:style>
+          <a:lnRef idx="2">
+            <a:schemeClr val="accent1">
+              <a:shade val="15000"/>
+            </a:schemeClr>
+          </a:lnRef>
+          <a:fillRef idx="1">
+            <a:schemeClr val="accent1"/>
+          </a:fillRef>
+          <a:effectRef idx="0">
+            <a:schemeClr val="accent1"/>
+          </a:effectRef>
+          <a:fontRef idx="minor">
+            <a:schemeClr val="lt1"/>
+          </a:fontRef>
+        </p:style>
+        <p:txBody>
+          <a:bodyPr rtlCol="0" anchor="ctr"/>
+          <a:lstStyle/>
+          <a:p>
+            <a:pPr algn="ctr"/>
+            <a:r>
+              <a:rPr lang="ko-KR" altLang="en-US" sz="1400" dirty="0">
+                <a:latin typeface="나눔스퀘어 Bold" panose="020B0600000101010101" pitchFamily="50" charset="-127"/>
+                <a:ea typeface="나눔스퀘어 Bold" panose="020B0600000101010101" pitchFamily="50" charset="-127"/>
+              </a:rPr>
+              <a:t>준비 대기</a:t>
+            </a:r>
+          </a:p>
+        </p:txBody>
+      </p:sp>
+      <p:sp>
+        <p:nvSpPr>
+          <p:cNvPr id="1126" name="직사각형 1125">
+            <a:extLst>
+              <a:ext uri="{FF2B5EF4-FFF2-40B4-BE49-F238E27FC236}">
+                <a16:creationId xmlns:a16="http://schemas.microsoft.com/office/drawing/2014/main" id="{3BCBB2C4-C2D7-114B-ED16-BBA194A942CA}"/>
+              </a:ext>
+            </a:extLst>
+          </p:cNvPr>
+          <p:cNvSpPr/>
+          <p:nvPr/>
+        </p:nvSpPr>
+        <p:spPr>
+          <a:xfrm>
+            <a:off x="8293098" y="4290882"/>
+            <a:ext cx="1728899" cy="344447"/>
+          </a:xfrm>
+          <a:prstGeom prst="rect">
+            <a:avLst/>
+          </a:prstGeom>
+          <a:noFill/>
+          <a:ln>
+            <a:noFill/>
+          </a:ln>
+        </p:spPr>
+        <p:style>
+          <a:lnRef idx="2">
+            <a:schemeClr val="accent1">
+              <a:shade val="15000"/>
+            </a:schemeClr>
+          </a:lnRef>
+          <a:fillRef idx="1">
+            <a:schemeClr val="accent1"/>
+          </a:fillRef>
+          <a:effectRef idx="0">
+            <a:schemeClr val="accent1"/>
+          </a:effectRef>
+          <a:fontRef idx="minor">
+            <a:schemeClr val="lt1"/>
+          </a:fontRef>
+        </p:style>
+        <p:txBody>
+          <a:bodyPr rtlCol="0" anchor="ctr"/>
+          <a:lstStyle/>
+          <a:p>
+            <a:pPr algn="ctr"/>
+            <a:r>
+              <a:rPr lang="ko-KR" altLang="en-US" sz="1400" dirty="0">
+                <a:solidFill>
+                  <a:srgbClr val="C00000"/>
+                </a:solidFill>
+                <a:latin typeface="나눔스퀘어 Bold" panose="020B0600000101010101" pitchFamily="50" charset="-127"/>
+                <a:ea typeface="나눔스퀘어 Bold" panose="020B0600000101010101" pitchFamily="50" charset="-127"/>
+              </a:rPr>
+              <a:t>준비 완료</a:t>
+            </a:r>
+          </a:p>
+        </p:txBody>
+      </p:sp>
+      <p:grpSp>
+        <p:nvGrpSpPr>
+          <p:cNvPr id="1136" name="그룹 1135">
+            <a:extLst>
+              <a:ext uri="{FF2B5EF4-FFF2-40B4-BE49-F238E27FC236}">
+                <a16:creationId xmlns:a16="http://schemas.microsoft.com/office/drawing/2014/main" id="{9454751D-C0DD-EF43-DBCA-D284CDCDD797}"/>
+              </a:ext>
+            </a:extLst>
+          </p:cNvPr>
+          <p:cNvGrpSpPr/>
+          <p:nvPr/>
+        </p:nvGrpSpPr>
+        <p:grpSpPr>
+          <a:xfrm>
+            <a:off x="10821906" y="2647650"/>
+            <a:ext cx="1728901" cy="1027859"/>
+            <a:chOff x="10740864" y="4216271"/>
+            <a:chExt cx="1728901" cy="1027859"/>
+          </a:xfrm>
+        </p:grpSpPr>
+        <p:sp>
+          <p:nvSpPr>
+            <p:cNvPr id="1127" name="직사각형 1126">
+              <a:extLst>
+                <a:ext uri="{FF2B5EF4-FFF2-40B4-BE49-F238E27FC236}">
+                  <a16:creationId xmlns:a16="http://schemas.microsoft.com/office/drawing/2014/main" id="{5BA95B7E-D3CB-6AB5-02CE-7369741356D3}"/>
+                </a:ext>
+              </a:extLst>
+            </p:cNvPr>
+            <p:cNvSpPr/>
+            <p:nvPr/>
+          </p:nvSpPr>
+          <p:spPr>
+            <a:xfrm>
+              <a:off x="10740866" y="4216271"/>
+              <a:ext cx="1728899" cy="342900"/>
+            </a:xfrm>
+            <a:prstGeom prst="rect">
+              <a:avLst/>
+            </a:prstGeom>
+            <a:noFill/>
+            <a:ln>
+              <a:noFill/>
+            </a:ln>
+          </p:spPr>
+          <p:style>
+            <a:lnRef idx="2">
+              <a:schemeClr val="accent1">
+                <a:shade val="15000"/>
+              </a:schemeClr>
+            </a:lnRef>
+            <a:fillRef idx="1">
+              <a:schemeClr val="accent1"/>
+            </a:fillRef>
+            <a:effectRef idx="0">
+              <a:schemeClr val="accent1"/>
+            </a:effectRef>
+            <a:fontRef idx="minor">
+              <a:schemeClr val="lt1"/>
+            </a:fontRef>
+          </p:style>
+          <p:txBody>
+            <a:bodyPr rtlCol="0" anchor="ctr"/>
+            <a:lstStyle/>
+            <a:p>
+              <a:pPr algn="ctr"/>
+              <a:r>
+                <a:rPr lang="ko-KR" altLang="en-US" sz="1400" dirty="0">
+                  <a:latin typeface="나눔스퀘어 Bold" panose="020B0600000101010101" pitchFamily="50" charset="-127"/>
+                  <a:ea typeface="나눔스퀘어 Bold" panose="020B0600000101010101" pitchFamily="50" charset="-127"/>
+                </a:rPr>
+                <a:t>준비 대기</a:t>
+              </a:r>
+            </a:p>
+          </p:txBody>
+        </p:sp>
+        <p:sp>
+          <p:nvSpPr>
+            <p:cNvPr id="1128" name="직사각형 1127">
+              <a:extLst>
+                <a:ext uri="{FF2B5EF4-FFF2-40B4-BE49-F238E27FC236}">
+                  <a16:creationId xmlns:a16="http://schemas.microsoft.com/office/drawing/2014/main" id="{5E2EA0B1-5572-E8CE-3607-5701A230C406}"/>
+                </a:ext>
+              </a:extLst>
+            </p:cNvPr>
+            <p:cNvSpPr/>
+            <p:nvPr/>
+          </p:nvSpPr>
+          <p:spPr>
+            <a:xfrm>
+              <a:off x="10740865" y="4556783"/>
+              <a:ext cx="1728899" cy="342900"/>
+            </a:xfrm>
+            <a:prstGeom prst="rect">
+              <a:avLst/>
+            </a:prstGeom>
+            <a:noFill/>
+            <a:ln>
+              <a:noFill/>
+            </a:ln>
+          </p:spPr>
+          <p:style>
+            <a:lnRef idx="2">
+              <a:schemeClr val="accent1">
+                <a:shade val="15000"/>
+              </a:schemeClr>
+            </a:lnRef>
+            <a:fillRef idx="1">
+              <a:schemeClr val="accent1"/>
+            </a:fillRef>
+            <a:effectRef idx="0">
+              <a:schemeClr val="accent1"/>
+            </a:effectRef>
+            <a:fontRef idx="minor">
+              <a:schemeClr val="lt1"/>
+            </a:fontRef>
+          </p:style>
+          <p:txBody>
+            <a:bodyPr rtlCol="0" anchor="ctr"/>
+            <a:lstStyle/>
+            <a:p>
+              <a:pPr algn="ctr"/>
+              <a:r>
+                <a:rPr lang="ko-KR" altLang="en-US" sz="1400" dirty="0">
+                  <a:latin typeface="나눔스퀘어 Bold" panose="020B0600000101010101" pitchFamily="50" charset="-127"/>
+                  <a:ea typeface="나눔스퀘어 Bold" panose="020B0600000101010101" pitchFamily="50" charset="-127"/>
+                </a:rPr>
+                <a:t>준비 대기</a:t>
+              </a:r>
+            </a:p>
+          </p:txBody>
+        </p:sp>
+        <p:sp>
+          <p:nvSpPr>
+            <p:cNvPr id="1129" name="직사각형 1128">
+              <a:extLst>
+                <a:ext uri="{FF2B5EF4-FFF2-40B4-BE49-F238E27FC236}">
+                  <a16:creationId xmlns:a16="http://schemas.microsoft.com/office/drawing/2014/main" id="{4E3C11FA-F608-1E13-FC88-F4649A21488E}"/>
+                </a:ext>
+              </a:extLst>
+            </p:cNvPr>
+            <p:cNvSpPr/>
+            <p:nvPr/>
+          </p:nvSpPr>
+          <p:spPr>
+            <a:xfrm>
+              <a:off x="10740864" y="4899683"/>
+              <a:ext cx="1728899" cy="344447"/>
+            </a:xfrm>
+            <a:prstGeom prst="rect">
+              <a:avLst/>
+            </a:prstGeom>
+            <a:noFill/>
+            <a:ln>
+              <a:noFill/>
+            </a:ln>
+          </p:spPr>
+          <p:style>
+            <a:lnRef idx="2">
+              <a:schemeClr val="accent1">
+                <a:shade val="15000"/>
+              </a:schemeClr>
+            </a:lnRef>
+            <a:fillRef idx="1">
+              <a:schemeClr val="accent1"/>
+            </a:fillRef>
+            <a:effectRef idx="0">
+              <a:schemeClr val="accent1"/>
+            </a:effectRef>
+            <a:fontRef idx="minor">
+              <a:schemeClr val="lt1"/>
+            </a:fontRef>
+          </p:style>
+          <p:txBody>
+            <a:bodyPr rtlCol="0" anchor="ctr"/>
+            <a:lstStyle/>
+            <a:p>
+              <a:pPr algn="ctr"/>
+              <a:r>
+                <a:rPr lang="ko-KR" altLang="en-US" sz="1400" dirty="0">
+                  <a:solidFill>
+                    <a:srgbClr val="C00000"/>
+                  </a:solidFill>
+                  <a:latin typeface="나눔스퀘어 Bold" panose="020B0600000101010101" pitchFamily="50" charset="-127"/>
+                  <a:ea typeface="나눔스퀘어 Bold" panose="020B0600000101010101" pitchFamily="50" charset="-127"/>
+                </a:rPr>
+                <a:t>준비 완료</a:t>
+              </a:r>
+            </a:p>
+          </p:txBody>
+        </p:sp>
+      </p:grpSp>
+      <p:grpSp>
+        <p:nvGrpSpPr>
+          <p:cNvPr id="7" name="그룹 6">
+            <a:extLst>
+              <a:ext uri="{FF2B5EF4-FFF2-40B4-BE49-F238E27FC236}">
+                <a16:creationId xmlns:a16="http://schemas.microsoft.com/office/drawing/2014/main" id="{CF43DE43-D502-5E48-4911-BC0449AC03E8}"/>
+              </a:ext>
+            </a:extLst>
+          </p:cNvPr>
+          <p:cNvGrpSpPr/>
+          <p:nvPr/>
+        </p:nvGrpSpPr>
+        <p:grpSpPr>
+          <a:xfrm>
+            <a:off x="1809749" y="1276668"/>
+            <a:ext cx="8248603" cy="2877561"/>
+            <a:chOff x="-2326568" y="713201"/>
+            <a:chExt cx="8248603" cy="2877561"/>
+          </a:xfrm>
+        </p:grpSpPr>
+        <p:pic>
+          <p:nvPicPr>
+            <p:cNvPr id="4" name="그림 3">
+              <a:extLst>
+                <a:ext uri="{FF2B5EF4-FFF2-40B4-BE49-F238E27FC236}">
+                  <a16:creationId xmlns:a16="http://schemas.microsoft.com/office/drawing/2014/main" id="{E12F38A4-A94B-4C15-A50D-D96BD58BC952}"/>
+                </a:ext>
+              </a:extLst>
+            </p:cNvPr>
+            <p:cNvPicPr>
+              <a:picLocks noChangeAspect="1"/>
+            </p:cNvPicPr>
+            <p:nvPr/>
+          </p:nvPicPr>
+          <p:blipFill>
+            <a:blip r:embed="rId3">
+              <a:extLst>
+                <a:ext uri="{28A0092B-C50C-407E-A947-70E740481C1C}">
+                  <a14:useLocalDpi xmlns:a14="http://schemas.microsoft.com/office/drawing/2010/main" val="0"/>
+                </a:ext>
+              </a:extLst>
+            </a:blip>
+            <a:stretch>
+              <a:fillRect/>
+            </a:stretch>
+          </p:blipFill>
+          <p:spPr>
+            <a:xfrm>
+              <a:off x="-2326568" y="713201"/>
+              <a:ext cx="8248603" cy="2877561"/>
+            </a:xfrm>
+            <a:prstGeom prst="rect">
+              <a:avLst/>
+            </a:prstGeom>
+          </p:spPr>
+        </p:pic>
+        <p:pic>
+          <p:nvPicPr>
+            <p:cNvPr id="6" name="그림 5">
+              <a:extLst>
+                <a:ext uri="{FF2B5EF4-FFF2-40B4-BE49-F238E27FC236}">
+                  <a16:creationId xmlns:a16="http://schemas.microsoft.com/office/drawing/2014/main" id="{C2BBA3E9-6C17-F7F3-0A16-0CB2CDECBFF7}"/>
+                </a:ext>
+              </a:extLst>
+            </p:cNvPr>
+            <p:cNvPicPr>
+              <a:picLocks noChangeAspect="1"/>
+            </p:cNvPicPr>
+            <p:nvPr/>
+          </p:nvPicPr>
+          <p:blipFill>
+            <a:blip r:embed="rId4">
+              <a:extLst>
+                <a:ext uri="{28A0092B-C50C-407E-A947-70E740481C1C}">
+                  <a14:useLocalDpi xmlns:a14="http://schemas.microsoft.com/office/drawing/2010/main" val="0"/>
+                </a:ext>
+              </a:extLst>
+            </a:blip>
+            <a:stretch>
+              <a:fillRect/>
+            </a:stretch>
+          </p:blipFill>
+          <p:spPr>
+            <a:xfrm>
+              <a:off x="-2143673" y="1873738"/>
+              <a:ext cx="7882811" cy="1530229"/>
+            </a:xfrm>
+            <a:prstGeom prst="rect">
+              <a:avLst/>
+            </a:prstGeom>
+          </p:spPr>
+        </p:pic>
+      </p:grpSp>
+    </p:spTree>
+    <p:extLst>
+      <p:ext uri="{BB962C8B-B14F-4D97-AF65-F5344CB8AC3E}">
+        <p14:creationId xmlns:p14="http://schemas.microsoft.com/office/powerpoint/2010/main" val="3646162943"/>
+      </p:ext>
+    </p:extLst>
+  </p:cSld>
+  <p:clrMapOvr>
+    <a:masterClrMapping/>
+  </p:clrMapOvr>
+</p:sld>
+</file>
+
 <file path=ppt/theme/theme1.xml><?xml version="1.0" encoding="utf-8"?>
 <a:theme xmlns:a="http://schemas.openxmlformats.org/drawingml/2006/main" name="Office 테마">
   <a:themeElements>

--- a/Client/PvE/REVENGER/UI/XDUI/UI.pptx
+++ b/Client/PvE/REVENGER/UI/XDUI/UI.pptx
@@ -263,7 +263,7 @@
           <a:p>
             <a:fld id="{E54CAA87-A1E0-4A2A-8255-07B10906445F}" type="datetimeFigureOut">
               <a:rPr lang="ko-KR" altLang="en-US" smtClean="0"/>
-              <a:t>2023-06-26</a:t>
+              <a:t>2023-06-27</a:t>
             </a:fld>
             <a:endParaRPr lang="ko-KR" altLang="en-US"/>
           </a:p>
@@ -461,7 +461,7 @@
           <a:p>
             <a:fld id="{E54CAA87-A1E0-4A2A-8255-07B10906445F}" type="datetimeFigureOut">
               <a:rPr lang="ko-KR" altLang="en-US" smtClean="0"/>
-              <a:t>2023-06-26</a:t>
+              <a:t>2023-06-27</a:t>
             </a:fld>
             <a:endParaRPr lang="ko-KR" altLang="en-US"/>
           </a:p>
@@ -669,7 +669,7 @@
           <a:p>
             <a:fld id="{E54CAA87-A1E0-4A2A-8255-07B10906445F}" type="datetimeFigureOut">
               <a:rPr lang="ko-KR" altLang="en-US" smtClean="0"/>
-              <a:t>2023-06-26</a:t>
+              <a:t>2023-06-27</a:t>
             </a:fld>
             <a:endParaRPr lang="ko-KR" altLang="en-US"/>
           </a:p>
@@ -867,7 +867,7 @@
           <a:p>
             <a:fld id="{E54CAA87-A1E0-4A2A-8255-07B10906445F}" type="datetimeFigureOut">
               <a:rPr lang="ko-KR" altLang="en-US" smtClean="0"/>
-              <a:t>2023-06-26</a:t>
+              <a:t>2023-06-27</a:t>
             </a:fld>
             <a:endParaRPr lang="ko-KR" altLang="en-US"/>
           </a:p>
@@ -1142,7 +1142,7 @@
           <a:p>
             <a:fld id="{E54CAA87-A1E0-4A2A-8255-07B10906445F}" type="datetimeFigureOut">
               <a:rPr lang="ko-KR" altLang="en-US" smtClean="0"/>
-              <a:t>2023-06-26</a:t>
+              <a:t>2023-06-27</a:t>
             </a:fld>
             <a:endParaRPr lang="ko-KR" altLang="en-US"/>
           </a:p>
@@ -1407,7 +1407,7 @@
           <a:p>
             <a:fld id="{E54CAA87-A1E0-4A2A-8255-07B10906445F}" type="datetimeFigureOut">
               <a:rPr lang="ko-KR" altLang="en-US" smtClean="0"/>
-              <a:t>2023-06-26</a:t>
+              <a:t>2023-06-27</a:t>
             </a:fld>
             <a:endParaRPr lang="ko-KR" altLang="en-US"/>
           </a:p>
@@ -1819,7 +1819,7 @@
           <a:p>
             <a:fld id="{E54CAA87-A1E0-4A2A-8255-07B10906445F}" type="datetimeFigureOut">
               <a:rPr lang="ko-KR" altLang="en-US" smtClean="0"/>
-              <a:t>2023-06-26</a:t>
+              <a:t>2023-06-27</a:t>
             </a:fld>
             <a:endParaRPr lang="ko-KR" altLang="en-US"/>
           </a:p>
@@ -1960,7 +1960,7 @@
           <a:p>
             <a:fld id="{E54CAA87-A1E0-4A2A-8255-07B10906445F}" type="datetimeFigureOut">
               <a:rPr lang="ko-KR" altLang="en-US" smtClean="0"/>
-              <a:t>2023-06-26</a:t>
+              <a:t>2023-06-27</a:t>
             </a:fld>
             <a:endParaRPr lang="ko-KR" altLang="en-US"/>
           </a:p>
@@ -2073,7 +2073,7 @@
           <a:p>
             <a:fld id="{E54CAA87-A1E0-4A2A-8255-07B10906445F}" type="datetimeFigureOut">
               <a:rPr lang="ko-KR" altLang="en-US" smtClean="0"/>
-              <a:t>2023-06-26</a:t>
+              <a:t>2023-06-27</a:t>
             </a:fld>
             <a:endParaRPr lang="ko-KR" altLang="en-US"/>
           </a:p>
@@ -2384,7 +2384,7 @@
           <a:p>
             <a:fld id="{E54CAA87-A1E0-4A2A-8255-07B10906445F}" type="datetimeFigureOut">
               <a:rPr lang="ko-KR" altLang="en-US" smtClean="0"/>
-              <a:t>2023-06-26</a:t>
+              <a:t>2023-06-27</a:t>
             </a:fld>
             <a:endParaRPr lang="ko-KR" altLang="en-US"/>
           </a:p>
@@ -2672,7 +2672,7 @@
           <a:p>
             <a:fld id="{E54CAA87-A1E0-4A2A-8255-07B10906445F}" type="datetimeFigureOut">
               <a:rPr lang="ko-KR" altLang="en-US" smtClean="0"/>
-              <a:t>2023-06-26</a:t>
+              <a:t>2023-06-27</a:t>
             </a:fld>
             <a:endParaRPr lang="ko-KR" altLang="en-US"/>
           </a:p>
@@ -2913,7 +2913,7 @@
           <a:p>
             <a:fld id="{E54CAA87-A1E0-4A2A-8255-07B10906445F}" type="datetimeFigureOut">
               <a:rPr lang="ko-KR" altLang="en-US" smtClean="0"/>
-              <a:t>2023-06-26</a:t>
+              <a:t>2023-06-27</a:t>
             </a:fld>
             <a:endParaRPr lang="ko-KR" altLang="en-US"/>
           </a:p>
@@ -12147,272 +12147,251 @@
           </a:prstGeom>
         </p:spPr>
       </p:pic>
-      <p:grpSp>
-        <p:nvGrpSpPr>
-          <p:cNvPr id="19" name="그룹 18">
+      <p:sp>
+        <p:nvSpPr>
+          <p:cNvPr id="3" name="직사각형 2">
             <a:extLst>
               <a:ext uri="{FF2B5EF4-FFF2-40B4-BE49-F238E27FC236}">
-                <a16:creationId xmlns:a16="http://schemas.microsoft.com/office/drawing/2014/main" id="{F4207818-FF3B-640D-5DB4-F39223FC96C1}"/>
+                <a16:creationId xmlns:a16="http://schemas.microsoft.com/office/drawing/2014/main" id="{1F94FC85-60A0-CB14-D1FC-1DF597268260}"/>
               </a:ext>
             </a:extLst>
           </p:cNvPr>
-          <p:cNvGrpSpPr/>
+          <p:cNvSpPr/>
           <p:nvPr/>
-        </p:nvGrpSpPr>
-        <p:grpSpPr>
+        </p:nvSpPr>
+        <p:spPr>
           <a:xfrm>
             <a:off x="1983324" y="1974541"/>
             <a:ext cx="8225352" cy="2858853"/>
-            <a:chOff x="1983324" y="1974541"/>
-            <a:chExt cx="8225352" cy="2858853"/>
           </a:xfrm>
-        </p:grpSpPr>
-        <p:sp>
-          <p:nvSpPr>
-            <p:cNvPr id="3" name="직사각형 2">
-              <a:extLst>
-                <a:ext uri="{FF2B5EF4-FFF2-40B4-BE49-F238E27FC236}">
-                  <a16:creationId xmlns:a16="http://schemas.microsoft.com/office/drawing/2014/main" id="{1F94FC85-60A0-CB14-D1FC-1DF597268260}"/>
-                </a:ext>
-              </a:extLst>
-            </p:cNvPr>
-            <p:cNvSpPr/>
-            <p:nvPr/>
-          </p:nvSpPr>
-          <p:spPr>
-            <a:xfrm>
-              <a:off x="1983324" y="1974541"/>
-              <a:ext cx="8225352" cy="2858853"/>
-            </a:xfrm>
-            <a:prstGeom prst="rect">
-              <a:avLst/>
-            </a:prstGeom>
+          <a:prstGeom prst="rect">
+            <a:avLst/>
+          </a:prstGeom>
+          <a:solidFill>
+            <a:schemeClr val="tx1"/>
+          </a:solidFill>
+          <a:ln w="19050">
             <a:solidFill>
-              <a:schemeClr val="tx1"/>
+              <a:srgbClr val="F6DEAA"/>
             </a:solidFill>
-            <a:ln w="19050">
-              <a:solidFill>
-                <a:srgbClr val="F6DEAA"/>
-              </a:solidFill>
-            </a:ln>
-          </p:spPr>
-          <p:style>
-            <a:lnRef idx="2">
-              <a:schemeClr val="accent1">
-                <a:shade val="15000"/>
-              </a:schemeClr>
-            </a:lnRef>
-            <a:fillRef idx="1">
-              <a:schemeClr val="accent1"/>
-            </a:fillRef>
-            <a:effectRef idx="0">
-              <a:schemeClr val="accent1"/>
-            </a:effectRef>
-            <a:fontRef idx="minor">
-              <a:schemeClr val="lt1"/>
-            </a:fontRef>
-          </p:style>
-          <p:txBody>
-            <a:bodyPr rtlCol="0" anchor="ctr"/>
-            <a:lstStyle/>
-            <a:p>
-              <a:pPr algn="ctr"/>
-              <a:endParaRPr lang="ko-KR" altLang="en-US" dirty="0"/>
-            </a:p>
-          </p:txBody>
-        </p:sp>
-        <p:sp>
-          <p:nvSpPr>
-            <p:cNvPr id="16" name="사각형: 둥근 모서리 15">
-              <a:extLst>
-                <a:ext uri="{FF2B5EF4-FFF2-40B4-BE49-F238E27FC236}">
-                  <a16:creationId xmlns:a16="http://schemas.microsoft.com/office/drawing/2014/main" id="{AEE72679-C1DD-1296-9E30-6C0534244294}"/>
-                </a:ext>
-              </a:extLst>
-            </p:cNvPr>
-            <p:cNvSpPr/>
-            <p:nvPr/>
-          </p:nvSpPr>
-          <p:spPr>
-            <a:xfrm>
-              <a:off x="6451215" y="2297724"/>
-              <a:ext cx="1552575" cy="590550"/>
-            </a:xfrm>
-            <a:prstGeom prst="roundRect">
-              <a:avLst/>
-            </a:prstGeom>
-            <a:noFill/>
-            <a:ln w="38100">
-              <a:solidFill>
-                <a:srgbClr val="FF7D7D"/>
-              </a:solidFill>
-            </a:ln>
-          </p:spPr>
-          <p:style>
-            <a:lnRef idx="2">
-              <a:schemeClr val="accent1">
-                <a:shade val="15000"/>
-              </a:schemeClr>
-            </a:lnRef>
-            <a:fillRef idx="1">
-              <a:schemeClr val="accent1"/>
-            </a:fillRef>
-            <a:effectRef idx="0">
-              <a:schemeClr val="accent1"/>
-            </a:effectRef>
-            <a:fontRef idx="minor">
-              <a:schemeClr val="lt1"/>
-            </a:fontRef>
-          </p:style>
-          <p:txBody>
-            <a:bodyPr lIns="0" tIns="0" rIns="0" bIns="0" rtlCol="0" anchor="ctr"/>
-            <a:lstStyle/>
-            <a:p>
-              <a:pPr algn="ctr"/>
-              <a:r>
-                <a:rPr lang="ko-KR" altLang="en-US" sz="1600" dirty="0">
-                  <a:solidFill>
-                    <a:srgbClr val="FF7D7D"/>
-                  </a:solidFill>
-                  <a:latin typeface="나눔스퀘어 Bold" panose="020B0600000101010101" pitchFamily="50" charset="-127"/>
-                  <a:ea typeface="나눔스퀘어 Bold" panose="020B0600000101010101" pitchFamily="50" charset="-127"/>
-                </a:rPr>
-                <a:t>게임 시작</a:t>
-              </a:r>
-              <a:endParaRPr lang="ko-KR" altLang="en-US" sz="1600" spc="-300" dirty="0">
+          </a:ln>
+        </p:spPr>
+        <p:style>
+          <a:lnRef idx="2">
+            <a:schemeClr val="accent1">
+              <a:shade val="15000"/>
+            </a:schemeClr>
+          </a:lnRef>
+          <a:fillRef idx="1">
+            <a:schemeClr val="accent1"/>
+          </a:fillRef>
+          <a:effectRef idx="0">
+            <a:schemeClr val="accent1"/>
+          </a:effectRef>
+          <a:fontRef idx="minor">
+            <a:schemeClr val="lt1"/>
+          </a:fontRef>
+        </p:style>
+        <p:txBody>
+          <a:bodyPr rtlCol="0" anchor="ctr"/>
+          <a:lstStyle/>
+          <a:p>
+            <a:pPr algn="ctr"/>
+            <a:endParaRPr lang="ko-KR" altLang="en-US" dirty="0"/>
+          </a:p>
+        </p:txBody>
+      </p:sp>
+      <p:sp>
+        <p:nvSpPr>
+          <p:cNvPr id="16" name="사각형: 둥근 모서리 15">
+            <a:extLst>
+              <a:ext uri="{FF2B5EF4-FFF2-40B4-BE49-F238E27FC236}">
+                <a16:creationId xmlns:a16="http://schemas.microsoft.com/office/drawing/2014/main" id="{AEE72679-C1DD-1296-9E30-6C0534244294}"/>
+              </a:ext>
+            </a:extLst>
+          </p:cNvPr>
+          <p:cNvSpPr/>
+          <p:nvPr/>
+        </p:nvSpPr>
+        <p:spPr>
+          <a:xfrm>
+            <a:off x="6451215" y="2297724"/>
+            <a:ext cx="1552575" cy="590550"/>
+          </a:xfrm>
+          <a:prstGeom prst="roundRect">
+            <a:avLst/>
+          </a:prstGeom>
+          <a:noFill/>
+          <a:ln w="38100">
+            <a:solidFill>
+              <a:srgbClr val="FF7D7D"/>
+            </a:solidFill>
+          </a:ln>
+        </p:spPr>
+        <p:style>
+          <a:lnRef idx="2">
+            <a:schemeClr val="accent1">
+              <a:shade val="15000"/>
+            </a:schemeClr>
+          </a:lnRef>
+          <a:fillRef idx="1">
+            <a:schemeClr val="accent1"/>
+          </a:fillRef>
+          <a:effectRef idx="0">
+            <a:schemeClr val="accent1"/>
+          </a:effectRef>
+          <a:fontRef idx="minor">
+            <a:schemeClr val="lt1"/>
+          </a:fontRef>
+        </p:style>
+        <p:txBody>
+          <a:bodyPr lIns="0" tIns="0" rIns="0" bIns="0" rtlCol="0" anchor="ctr"/>
+          <a:lstStyle/>
+          <a:p>
+            <a:pPr algn="ctr"/>
+            <a:r>
+              <a:rPr lang="ko-KR" altLang="en-US" sz="1600" dirty="0">
                 <a:solidFill>
                   <a:srgbClr val="FF7D7D"/>
                 </a:solidFill>
                 <a:latin typeface="나눔스퀘어 Bold" panose="020B0600000101010101" pitchFamily="50" charset="-127"/>
                 <a:ea typeface="나눔스퀘어 Bold" panose="020B0600000101010101" pitchFamily="50" charset="-127"/>
-              </a:endParaRPr>
-            </a:p>
-          </p:txBody>
-        </p:sp>
-        <p:sp>
-          <p:nvSpPr>
-            <p:cNvPr id="17" name="사각형: 둥근 모서리 16">
-              <a:extLst>
-                <a:ext uri="{FF2B5EF4-FFF2-40B4-BE49-F238E27FC236}">
-                  <a16:creationId xmlns:a16="http://schemas.microsoft.com/office/drawing/2014/main" id="{2B400652-2C67-231F-6FB1-FD5BA3C62129}"/>
-                </a:ext>
-              </a:extLst>
-            </p:cNvPr>
-            <p:cNvSpPr/>
-            <p:nvPr/>
-          </p:nvSpPr>
-          <p:spPr>
-            <a:xfrm>
-              <a:off x="8331422" y="2297724"/>
-              <a:ext cx="1552575" cy="590550"/>
-            </a:xfrm>
-            <a:prstGeom prst="roundRect">
-              <a:avLst/>
-            </a:prstGeom>
+              </a:rPr>
+              <a:t>게임 시작</a:t>
+            </a:r>
+            <a:endParaRPr lang="ko-KR" altLang="en-US" sz="1600" spc="-300" dirty="0">
+              <a:solidFill>
+                <a:srgbClr val="FF7D7D"/>
+              </a:solidFill>
+              <a:latin typeface="나눔스퀘어 Bold" panose="020B0600000101010101" pitchFamily="50" charset="-127"/>
+              <a:ea typeface="나눔스퀘어 Bold" panose="020B0600000101010101" pitchFamily="50" charset="-127"/>
+            </a:endParaRPr>
+          </a:p>
+        </p:txBody>
+      </p:sp>
+      <p:sp>
+        <p:nvSpPr>
+          <p:cNvPr id="17" name="사각형: 둥근 모서리 16">
+            <a:extLst>
+              <a:ext uri="{FF2B5EF4-FFF2-40B4-BE49-F238E27FC236}">
+                <a16:creationId xmlns:a16="http://schemas.microsoft.com/office/drawing/2014/main" id="{2B400652-2C67-231F-6FB1-FD5BA3C62129}"/>
+              </a:ext>
+            </a:extLst>
+          </p:cNvPr>
+          <p:cNvSpPr/>
+          <p:nvPr/>
+        </p:nvSpPr>
+        <p:spPr>
+          <a:xfrm>
+            <a:off x="8331422" y="2297724"/>
+            <a:ext cx="1552575" cy="590550"/>
+          </a:xfrm>
+          <a:prstGeom prst="roundRect">
+            <a:avLst/>
+          </a:prstGeom>
+          <a:noFill/>
+          <a:ln w="38100">
+            <a:solidFill>
+              <a:schemeClr val="bg1"/>
+            </a:solidFill>
+          </a:ln>
+        </p:spPr>
+        <p:style>
+          <a:lnRef idx="2">
+            <a:schemeClr val="accent1">
+              <a:shade val="15000"/>
+            </a:schemeClr>
+          </a:lnRef>
+          <a:fillRef idx="1">
+            <a:schemeClr val="accent1"/>
+          </a:fillRef>
+          <a:effectRef idx="0">
+            <a:schemeClr val="accent1"/>
+          </a:effectRef>
+          <a:fontRef idx="minor">
+            <a:schemeClr val="lt1"/>
+          </a:fontRef>
+        </p:style>
+        <p:txBody>
+          <a:bodyPr lIns="0" tIns="0" rIns="0" bIns="0" rtlCol="0" anchor="ctr"/>
+          <a:lstStyle/>
+          <a:p>
+            <a:pPr algn="ctr"/>
+            <a:r>
+              <a:rPr lang="ko-KR" altLang="en-US" sz="1600" dirty="0">
+                <a:latin typeface="나눔스퀘어 Bold" panose="020B0600000101010101" pitchFamily="50" charset="-127"/>
+                <a:ea typeface="나눔스퀘어 Bold" panose="020B0600000101010101" pitchFamily="50" charset="-127"/>
+              </a:rPr>
+              <a:t>준비</a:t>
+            </a:r>
+          </a:p>
+        </p:txBody>
+      </p:sp>
+      <p:sp>
+        <p:nvSpPr>
+          <p:cNvPr id="18" name="사각형: 둥근 모서리 17">
+            <a:extLst>
+              <a:ext uri="{FF2B5EF4-FFF2-40B4-BE49-F238E27FC236}">
+                <a16:creationId xmlns:a16="http://schemas.microsoft.com/office/drawing/2014/main" id="{0D27EAF0-65E9-8067-7911-FBEBA5801936}"/>
+              </a:ext>
+            </a:extLst>
+          </p:cNvPr>
+          <p:cNvSpPr/>
+          <p:nvPr/>
+        </p:nvSpPr>
+        <p:spPr>
+          <a:xfrm>
+            <a:off x="2084605" y="2057864"/>
+            <a:ext cx="1211046" cy="362206"/>
+          </a:xfrm>
+          <a:prstGeom prst="roundRect">
+            <a:avLst/>
+          </a:prstGeom>
+          <a:noFill/>
+          <a:ln>
             <a:noFill/>
-            <a:ln w="38100">
-              <a:solidFill>
-                <a:schemeClr val="bg1"/>
-              </a:solidFill>
-            </a:ln>
-          </p:spPr>
-          <p:style>
-            <a:lnRef idx="2">
-              <a:schemeClr val="accent1">
-                <a:shade val="15000"/>
-              </a:schemeClr>
-            </a:lnRef>
-            <a:fillRef idx="1">
-              <a:schemeClr val="accent1"/>
-            </a:fillRef>
-            <a:effectRef idx="0">
-              <a:schemeClr val="accent1"/>
-            </a:effectRef>
-            <a:fontRef idx="minor">
-              <a:schemeClr val="lt1"/>
-            </a:fontRef>
-          </p:style>
-          <p:txBody>
-            <a:bodyPr lIns="0" tIns="0" rIns="0" bIns="0" rtlCol="0" anchor="ctr"/>
-            <a:lstStyle/>
-            <a:p>
-              <a:pPr algn="ctr"/>
-              <a:r>
-                <a:rPr lang="ko-KR" altLang="en-US" sz="1600" dirty="0">
-                  <a:latin typeface="나눔스퀘어 Bold" panose="020B0600000101010101" pitchFamily="50" charset="-127"/>
-                  <a:ea typeface="나눔스퀘어 Bold" panose="020B0600000101010101" pitchFamily="50" charset="-127"/>
-                </a:rPr>
-                <a:t>준비</a:t>
-              </a:r>
-            </a:p>
-          </p:txBody>
-        </p:sp>
-        <p:sp>
-          <p:nvSpPr>
-            <p:cNvPr id="18" name="사각형: 둥근 모서리 17">
-              <a:extLst>
-                <a:ext uri="{FF2B5EF4-FFF2-40B4-BE49-F238E27FC236}">
-                  <a16:creationId xmlns:a16="http://schemas.microsoft.com/office/drawing/2014/main" id="{0D27EAF0-65E9-8067-7911-FBEBA5801936}"/>
-                </a:ext>
-              </a:extLst>
-            </p:cNvPr>
-            <p:cNvSpPr/>
-            <p:nvPr/>
-          </p:nvSpPr>
-          <p:spPr>
-            <a:xfrm>
-              <a:off x="2084605" y="2057864"/>
-              <a:ext cx="1211046" cy="362206"/>
-            </a:xfrm>
-            <a:prstGeom prst="roundRect">
-              <a:avLst/>
-            </a:prstGeom>
-            <a:noFill/>
-            <a:ln>
-              <a:noFill/>
-            </a:ln>
-          </p:spPr>
-          <p:style>
-            <a:lnRef idx="2">
-              <a:schemeClr val="accent1">
-                <a:shade val="15000"/>
-              </a:schemeClr>
-            </a:lnRef>
-            <a:fillRef idx="1">
-              <a:schemeClr val="accent1"/>
-            </a:fillRef>
-            <a:effectRef idx="0">
-              <a:schemeClr val="accent1"/>
-            </a:effectRef>
-            <a:fontRef idx="minor">
-              <a:schemeClr val="lt1"/>
-            </a:fontRef>
-          </p:style>
-          <p:txBody>
-            <a:bodyPr rtlCol="0" anchor="ctr"/>
-            <a:lstStyle/>
-            <a:p>
-              <a:r>
-                <a:rPr lang="en-US" altLang="ko-KR" sz="1400" dirty="0">
-                  <a:solidFill>
-                    <a:srgbClr val="325D6D"/>
-                  </a:solidFill>
-                  <a:latin typeface="나눔스퀘어 ExtraBold" panose="020B0600000101010101" pitchFamily="50" charset="-127"/>
-                  <a:ea typeface="나눔스퀘어 ExtraBold" panose="020B0600000101010101" pitchFamily="50" charset="-127"/>
-                </a:rPr>
-                <a:t>NO.</a:t>
-              </a:r>
-              <a:endParaRPr lang="ko-KR" altLang="en-US" sz="1400" dirty="0">
+          </a:ln>
+        </p:spPr>
+        <p:style>
+          <a:lnRef idx="2">
+            <a:schemeClr val="accent1">
+              <a:shade val="15000"/>
+            </a:schemeClr>
+          </a:lnRef>
+          <a:fillRef idx="1">
+            <a:schemeClr val="accent1"/>
+          </a:fillRef>
+          <a:effectRef idx="0">
+            <a:schemeClr val="accent1"/>
+          </a:effectRef>
+          <a:fontRef idx="minor">
+            <a:schemeClr val="lt1"/>
+          </a:fontRef>
+        </p:style>
+        <p:txBody>
+          <a:bodyPr rtlCol="0" anchor="ctr"/>
+          <a:lstStyle/>
+          <a:p>
+            <a:r>
+              <a:rPr lang="en-US" altLang="ko-KR" sz="1400" dirty="0">
                 <a:solidFill>
                   <a:srgbClr val="325D6D"/>
                 </a:solidFill>
                 <a:latin typeface="나눔스퀘어 ExtraBold" panose="020B0600000101010101" pitchFamily="50" charset="-127"/>
                 <a:ea typeface="나눔스퀘어 ExtraBold" panose="020B0600000101010101" pitchFamily="50" charset="-127"/>
-              </a:endParaRPr>
-            </a:p>
-          </p:txBody>
-        </p:sp>
-      </p:grpSp>
+              </a:rPr>
+              <a:t>NO.</a:t>
+            </a:r>
+            <a:endParaRPr lang="ko-KR" altLang="en-US" sz="1400" dirty="0">
+              <a:solidFill>
+                <a:srgbClr val="325D6D"/>
+              </a:solidFill>
+              <a:latin typeface="나눔스퀘어 ExtraBold" panose="020B0600000101010101" pitchFamily="50" charset="-127"/>
+              <a:ea typeface="나눔스퀘어 ExtraBold" panose="020B0600000101010101" pitchFamily="50" charset="-127"/>
+            </a:endParaRPr>
+          </a:p>
+        </p:txBody>
+      </p:sp>
       <p:graphicFrame>
         <p:nvGraphicFramePr>
           <p:cNvPr id="9" name="표 9">
@@ -13313,177 +13292,6 @@
           </p:txBody>
         </p:sp>
       </p:grpSp>
-      <p:sp>
-        <p:nvSpPr>
-          <p:cNvPr id="1123" name="직사각형 1122">
-            <a:extLst>
-              <a:ext uri="{FF2B5EF4-FFF2-40B4-BE49-F238E27FC236}">
-                <a16:creationId xmlns:a16="http://schemas.microsoft.com/office/drawing/2014/main" id="{F3099418-E56A-5C72-2176-CA548E298D4A}"/>
-              </a:ext>
-            </a:extLst>
-          </p:cNvPr>
-          <p:cNvSpPr/>
-          <p:nvPr/>
-        </p:nvSpPr>
-        <p:spPr>
-          <a:xfrm>
-            <a:off x="8293099" y="3550920"/>
-            <a:ext cx="1728899" cy="342900"/>
-          </a:xfrm>
-          <a:prstGeom prst="rect">
-            <a:avLst/>
-          </a:prstGeom>
-          <a:noFill/>
-          <a:ln>
-            <a:noFill/>
-          </a:ln>
-        </p:spPr>
-        <p:style>
-          <a:lnRef idx="2">
-            <a:schemeClr val="accent1">
-              <a:shade val="15000"/>
-            </a:schemeClr>
-          </a:lnRef>
-          <a:fillRef idx="1">
-            <a:schemeClr val="accent1"/>
-          </a:fillRef>
-          <a:effectRef idx="0">
-            <a:schemeClr val="accent1"/>
-          </a:effectRef>
-          <a:fontRef idx="minor">
-            <a:schemeClr val="lt1"/>
-          </a:fontRef>
-        </p:style>
-        <p:txBody>
-          <a:bodyPr rtlCol="0" anchor="ctr"/>
-          <a:lstStyle/>
-          <a:p>
-            <a:pPr algn="ctr"/>
-            <a:r>
-              <a:rPr lang="ko-KR" altLang="en-US" sz="1400" dirty="0">
-                <a:latin typeface="나눔스퀘어 Bold" panose="020B0600000101010101" pitchFamily="50" charset="-127"/>
-                <a:ea typeface="나눔스퀘어 Bold" panose="020B0600000101010101" pitchFamily="50" charset="-127"/>
-              </a:rPr>
-              <a:t>준비 대기</a:t>
-            </a:r>
-          </a:p>
-        </p:txBody>
-      </p:sp>
-      <p:sp>
-        <p:nvSpPr>
-          <p:cNvPr id="1125" name="직사각형 1124">
-            <a:extLst>
-              <a:ext uri="{FF2B5EF4-FFF2-40B4-BE49-F238E27FC236}">
-                <a16:creationId xmlns:a16="http://schemas.microsoft.com/office/drawing/2014/main" id="{85AAC00B-6C6F-7030-A3F6-A58AF018CF28}"/>
-              </a:ext>
-            </a:extLst>
-          </p:cNvPr>
-          <p:cNvSpPr/>
-          <p:nvPr/>
-        </p:nvSpPr>
-        <p:spPr>
-          <a:xfrm>
-            <a:off x="8293099" y="3920901"/>
-            <a:ext cx="1728899" cy="342900"/>
-          </a:xfrm>
-          <a:prstGeom prst="rect">
-            <a:avLst/>
-          </a:prstGeom>
-          <a:noFill/>
-          <a:ln>
-            <a:noFill/>
-          </a:ln>
-        </p:spPr>
-        <p:style>
-          <a:lnRef idx="2">
-            <a:schemeClr val="accent1">
-              <a:shade val="15000"/>
-            </a:schemeClr>
-          </a:lnRef>
-          <a:fillRef idx="1">
-            <a:schemeClr val="accent1"/>
-          </a:fillRef>
-          <a:effectRef idx="0">
-            <a:schemeClr val="accent1"/>
-          </a:effectRef>
-          <a:fontRef idx="minor">
-            <a:schemeClr val="lt1"/>
-          </a:fontRef>
-        </p:style>
-        <p:txBody>
-          <a:bodyPr rtlCol="0" anchor="ctr"/>
-          <a:lstStyle/>
-          <a:p>
-            <a:pPr algn="ctr"/>
-            <a:r>
-              <a:rPr lang="ko-KR" altLang="en-US" sz="1400" dirty="0">
-                <a:latin typeface="나눔스퀘어 Bold" panose="020B0600000101010101" pitchFamily="50" charset="-127"/>
-                <a:ea typeface="나눔스퀘어 Bold" panose="020B0600000101010101" pitchFamily="50" charset="-127"/>
-              </a:rPr>
-              <a:t>준비 대기</a:t>
-            </a:r>
-          </a:p>
-        </p:txBody>
-      </p:sp>
-      <p:sp>
-        <p:nvSpPr>
-          <p:cNvPr id="1126" name="직사각형 1125">
-            <a:extLst>
-              <a:ext uri="{FF2B5EF4-FFF2-40B4-BE49-F238E27FC236}">
-                <a16:creationId xmlns:a16="http://schemas.microsoft.com/office/drawing/2014/main" id="{3BCBB2C4-C2D7-114B-ED16-BBA194A942CA}"/>
-              </a:ext>
-            </a:extLst>
-          </p:cNvPr>
-          <p:cNvSpPr/>
-          <p:nvPr/>
-        </p:nvSpPr>
-        <p:spPr>
-          <a:xfrm>
-            <a:off x="8293098" y="4290882"/>
-            <a:ext cx="1728899" cy="344447"/>
-          </a:xfrm>
-          <a:prstGeom prst="rect">
-            <a:avLst/>
-          </a:prstGeom>
-          <a:noFill/>
-          <a:ln>
-            <a:noFill/>
-          </a:ln>
-        </p:spPr>
-        <p:style>
-          <a:lnRef idx="2">
-            <a:schemeClr val="accent1">
-              <a:shade val="15000"/>
-            </a:schemeClr>
-          </a:lnRef>
-          <a:fillRef idx="1">
-            <a:schemeClr val="accent1"/>
-          </a:fillRef>
-          <a:effectRef idx="0">
-            <a:schemeClr val="accent1"/>
-          </a:effectRef>
-          <a:fontRef idx="minor">
-            <a:schemeClr val="lt1"/>
-          </a:fontRef>
-        </p:style>
-        <p:txBody>
-          <a:bodyPr rtlCol="0" anchor="ctr"/>
-          <a:lstStyle/>
-          <a:p>
-            <a:pPr algn="ctr"/>
-            <a:r>
-              <a:rPr lang="ko-KR" altLang="en-US" sz="1400" dirty="0">
-                <a:solidFill>
-                  <a:srgbClr val="C00000"/>
-                </a:solidFill>
-                <a:latin typeface="나눔스퀘어 Bold" panose="020B0600000101010101" pitchFamily="50" charset="-127"/>
-                <a:ea typeface="나눔스퀘어 Bold" panose="020B0600000101010101" pitchFamily="50" charset="-127"/>
-              </a:rPr>
-              <a:t>준비 완료</a:t>
-            </a:r>
-          </a:p>
-        </p:txBody>
-      </p:sp>
       <p:grpSp>
         <p:nvGrpSpPr>
           <p:cNvPr id="1136" name="그룹 1135">
@@ -13675,99 +13483,6 @@
             </a:p>
           </p:txBody>
         </p:sp>
-      </p:grpSp>
-      <p:grpSp>
-        <p:nvGrpSpPr>
-          <p:cNvPr id="7" name="그룹 6">
-            <a:extLst>
-              <a:ext uri="{FF2B5EF4-FFF2-40B4-BE49-F238E27FC236}">
-                <a16:creationId xmlns:a16="http://schemas.microsoft.com/office/drawing/2014/main" id="{CF43DE43-D502-5E48-4911-BC0449AC03E8}"/>
-              </a:ext>
-            </a:extLst>
-          </p:cNvPr>
-          <p:cNvGrpSpPr/>
-          <p:nvPr/>
-        </p:nvGrpSpPr>
-        <p:grpSpPr>
-          <a:xfrm>
-            <a:off x="1809749" y="1276668"/>
-            <a:ext cx="8248603" cy="2877561"/>
-            <a:chOff x="-2326568" y="713201"/>
-            <a:chExt cx="8248603" cy="2877561"/>
-          </a:xfrm>
-        </p:grpSpPr>
-        <p:pic>
-          <p:nvPicPr>
-            <p:cNvPr id="4" name="그림 3">
-              <a:extLst>
-                <a:ext uri="{FF2B5EF4-FFF2-40B4-BE49-F238E27FC236}">
-                  <a16:creationId xmlns:a16="http://schemas.microsoft.com/office/drawing/2014/main" id="{E12F38A4-A94B-4C15-A50D-D96BD58BC952}"/>
-                </a:ext>
-              </a:extLst>
-            </p:cNvPr>
-            <p:cNvPicPr>
-              <a:picLocks noChangeAspect="1"/>
-            </p:cNvPicPr>
-            <p:nvPr/>
-          </p:nvPicPr>
-          <p:blipFill>
-            <a:blip r:embed="rId3">
-              <a:extLst>
-                <a:ext uri="{28A0092B-C50C-407E-A947-70E740481C1C}">
-                  <a14:useLocalDpi xmlns:a14="http://schemas.microsoft.com/office/drawing/2010/main" val="0"/>
-                </a:ext>
-              </a:extLst>
-            </a:blip>
-            <a:stretch>
-              <a:fillRect/>
-            </a:stretch>
-          </p:blipFill>
-          <p:spPr>
-            <a:xfrm>
-              <a:off x="-2326568" y="713201"/>
-              <a:ext cx="8248603" cy="2877561"/>
-            </a:xfrm>
-            <a:prstGeom prst="rect">
-              <a:avLst/>
-            </a:prstGeom>
-          </p:spPr>
-        </p:pic>
-        <p:pic>
-          <p:nvPicPr>
-            <p:cNvPr id="6" name="그림 5">
-              <a:extLst>
-                <a:ext uri="{FF2B5EF4-FFF2-40B4-BE49-F238E27FC236}">
-                  <a16:creationId xmlns:a16="http://schemas.microsoft.com/office/drawing/2014/main" id="{C2BBA3E9-6C17-F7F3-0A16-0CB2CDECBFF7}"/>
-                </a:ext>
-              </a:extLst>
-            </p:cNvPr>
-            <p:cNvPicPr>
-              <a:picLocks noChangeAspect="1"/>
-            </p:cNvPicPr>
-            <p:nvPr/>
-          </p:nvPicPr>
-          <p:blipFill>
-            <a:blip r:embed="rId4">
-              <a:extLst>
-                <a:ext uri="{28A0092B-C50C-407E-A947-70E740481C1C}">
-                  <a14:useLocalDpi xmlns:a14="http://schemas.microsoft.com/office/drawing/2010/main" val="0"/>
-                </a:ext>
-              </a:extLst>
-            </a:blip>
-            <a:stretch>
-              <a:fillRect/>
-            </a:stretch>
-          </p:blipFill>
-          <p:spPr>
-            <a:xfrm>
-              <a:off x="-2143673" y="1873738"/>
-              <a:ext cx="7882811" cy="1530229"/>
-            </a:xfrm>
-            <a:prstGeom prst="rect">
-              <a:avLst/>
-            </a:prstGeom>
-          </p:spPr>
-        </p:pic>
       </p:grpSp>
     </p:spTree>
     <p:extLst>

--- a/Client/PvE/REVENGER/UI/XDUI/UI.pptx
+++ b/Client/PvE/REVENGER/UI/XDUI/UI.pptx
@@ -263,7 +263,7 @@
           <a:p>
             <a:fld id="{E54CAA87-A1E0-4A2A-8255-07B10906445F}" type="datetimeFigureOut">
               <a:rPr lang="ko-KR" altLang="en-US" smtClean="0"/>
-              <a:t>2023-06-27</a:t>
+              <a:t>2023-07-03</a:t>
             </a:fld>
             <a:endParaRPr lang="ko-KR" altLang="en-US"/>
           </a:p>
@@ -461,7 +461,7 @@
           <a:p>
             <a:fld id="{E54CAA87-A1E0-4A2A-8255-07B10906445F}" type="datetimeFigureOut">
               <a:rPr lang="ko-KR" altLang="en-US" smtClean="0"/>
-              <a:t>2023-06-27</a:t>
+              <a:t>2023-07-03</a:t>
             </a:fld>
             <a:endParaRPr lang="ko-KR" altLang="en-US"/>
           </a:p>
@@ -669,7 +669,7 @@
           <a:p>
             <a:fld id="{E54CAA87-A1E0-4A2A-8255-07B10906445F}" type="datetimeFigureOut">
               <a:rPr lang="ko-KR" altLang="en-US" smtClean="0"/>
-              <a:t>2023-06-27</a:t>
+              <a:t>2023-07-03</a:t>
             </a:fld>
             <a:endParaRPr lang="ko-KR" altLang="en-US"/>
           </a:p>
@@ -867,7 +867,7 @@
           <a:p>
             <a:fld id="{E54CAA87-A1E0-4A2A-8255-07B10906445F}" type="datetimeFigureOut">
               <a:rPr lang="ko-KR" altLang="en-US" smtClean="0"/>
-              <a:t>2023-06-27</a:t>
+              <a:t>2023-07-03</a:t>
             </a:fld>
             <a:endParaRPr lang="ko-KR" altLang="en-US"/>
           </a:p>
@@ -1142,7 +1142,7 @@
           <a:p>
             <a:fld id="{E54CAA87-A1E0-4A2A-8255-07B10906445F}" type="datetimeFigureOut">
               <a:rPr lang="ko-KR" altLang="en-US" smtClean="0"/>
-              <a:t>2023-06-27</a:t>
+              <a:t>2023-07-03</a:t>
             </a:fld>
             <a:endParaRPr lang="ko-KR" altLang="en-US"/>
           </a:p>
@@ -1407,7 +1407,7 @@
           <a:p>
             <a:fld id="{E54CAA87-A1E0-4A2A-8255-07B10906445F}" type="datetimeFigureOut">
               <a:rPr lang="ko-KR" altLang="en-US" smtClean="0"/>
-              <a:t>2023-06-27</a:t>
+              <a:t>2023-07-03</a:t>
             </a:fld>
             <a:endParaRPr lang="ko-KR" altLang="en-US"/>
           </a:p>
@@ -1819,7 +1819,7 @@
           <a:p>
             <a:fld id="{E54CAA87-A1E0-4A2A-8255-07B10906445F}" type="datetimeFigureOut">
               <a:rPr lang="ko-KR" altLang="en-US" smtClean="0"/>
-              <a:t>2023-06-27</a:t>
+              <a:t>2023-07-03</a:t>
             </a:fld>
             <a:endParaRPr lang="ko-KR" altLang="en-US"/>
           </a:p>
@@ -1960,7 +1960,7 @@
           <a:p>
             <a:fld id="{E54CAA87-A1E0-4A2A-8255-07B10906445F}" type="datetimeFigureOut">
               <a:rPr lang="ko-KR" altLang="en-US" smtClean="0"/>
-              <a:t>2023-06-27</a:t>
+              <a:t>2023-07-03</a:t>
             </a:fld>
             <a:endParaRPr lang="ko-KR" altLang="en-US"/>
           </a:p>
@@ -2073,7 +2073,7 @@
           <a:p>
             <a:fld id="{E54CAA87-A1E0-4A2A-8255-07B10906445F}" type="datetimeFigureOut">
               <a:rPr lang="ko-KR" altLang="en-US" smtClean="0"/>
-              <a:t>2023-06-27</a:t>
+              <a:t>2023-07-03</a:t>
             </a:fld>
             <a:endParaRPr lang="ko-KR" altLang="en-US"/>
           </a:p>
@@ -2384,7 +2384,7 @@
           <a:p>
             <a:fld id="{E54CAA87-A1E0-4A2A-8255-07B10906445F}" type="datetimeFigureOut">
               <a:rPr lang="ko-KR" altLang="en-US" smtClean="0"/>
-              <a:t>2023-06-27</a:t>
+              <a:t>2023-07-03</a:t>
             </a:fld>
             <a:endParaRPr lang="ko-KR" altLang="en-US"/>
           </a:p>
@@ -2672,7 +2672,7 @@
           <a:p>
             <a:fld id="{E54CAA87-A1E0-4A2A-8255-07B10906445F}" type="datetimeFigureOut">
               <a:rPr lang="ko-KR" altLang="en-US" smtClean="0"/>
-              <a:t>2023-06-27</a:t>
+              <a:t>2023-07-03</a:t>
             </a:fld>
             <a:endParaRPr lang="ko-KR" altLang="en-US"/>
           </a:p>
@@ -2913,7 +2913,7 @@
           <a:p>
             <a:fld id="{E54CAA87-A1E0-4A2A-8255-07B10906445F}" type="datetimeFigureOut">
               <a:rPr lang="ko-KR" altLang="en-US" smtClean="0"/>
-              <a:t>2023-06-27</a:t>
+              <a:t>2023-07-03</a:t>
             </a:fld>
             <a:endParaRPr lang="ko-KR" altLang="en-US"/>
           </a:p>
@@ -7384,6 +7384,153 @@
           </a:p>
         </p:txBody>
       </p:sp>
+      <p:sp>
+        <p:nvSpPr>
+          <p:cNvPr id="7" name="직사각형 6">
+            <a:extLst>
+              <a:ext uri="{FF2B5EF4-FFF2-40B4-BE49-F238E27FC236}">
+                <a16:creationId xmlns:a16="http://schemas.microsoft.com/office/drawing/2014/main" id="{A901737B-201F-B8DC-1DD2-5028AA6F80D8}"/>
+              </a:ext>
+            </a:extLst>
+          </p:cNvPr>
+          <p:cNvSpPr/>
+          <p:nvPr/>
+        </p:nvSpPr>
+        <p:spPr>
+          <a:xfrm>
+            <a:off x="7422592" y="2876370"/>
+            <a:ext cx="4769408" cy="1771997"/>
+          </a:xfrm>
+          <a:prstGeom prst="rect">
+            <a:avLst/>
+          </a:prstGeom>
+          <a:solidFill>
+            <a:schemeClr val="tx1">
+              <a:lumMod val="75000"/>
+              <a:lumOff val="25000"/>
+              <a:alpha val="65000"/>
+            </a:schemeClr>
+          </a:solidFill>
+          <a:ln>
+            <a:noFill/>
+          </a:ln>
+        </p:spPr>
+        <p:style>
+          <a:lnRef idx="2">
+            <a:schemeClr val="accent1">
+              <a:shade val="15000"/>
+            </a:schemeClr>
+          </a:lnRef>
+          <a:fillRef idx="1">
+            <a:schemeClr val="accent1"/>
+          </a:fillRef>
+          <a:effectRef idx="0">
+            <a:schemeClr val="accent1"/>
+          </a:effectRef>
+          <a:fontRef idx="minor">
+            <a:schemeClr val="lt1"/>
+          </a:fontRef>
+        </p:style>
+        <p:txBody>
+          <a:bodyPr rtlCol="0" anchor="ctr"/>
+          <a:lstStyle/>
+          <a:p>
+            <a:pPr algn="ctr"/>
+            <a:endParaRPr lang="ko-KR" altLang="en-US"/>
+          </a:p>
+        </p:txBody>
+      </p:sp>
+      <p:pic>
+        <p:nvPicPr>
+          <p:cNvPr id="9" name="그림 8">
+            <a:extLst>
+              <a:ext uri="{FF2B5EF4-FFF2-40B4-BE49-F238E27FC236}">
+                <a16:creationId xmlns:a16="http://schemas.microsoft.com/office/drawing/2014/main" id="{20ED4252-F754-B125-34D3-4782F944F471}"/>
+              </a:ext>
+            </a:extLst>
+          </p:cNvPr>
+          <p:cNvPicPr>
+            <a:picLocks noChangeAspect="1"/>
+          </p:cNvPicPr>
+          <p:nvPr/>
+        </p:nvPicPr>
+        <p:blipFill>
+          <a:blip r:embed="rId9">
+            <a:extLst>
+              <a:ext uri="{28A0092B-C50C-407E-A947-70E740481C1C}">
+                <a14:useLocalDpi xmlns:a14="http://schemas.microsoft.com/office/drawing/2010/main" val="0"/>
+              </a:ext>
+            </a:extLst>
+          </a:blip>
+          <a:stretch>
+            <a:fillRect/>
+          </a:stretch>
+        </p:blipFill>
+        <p:spPr>
+          <a:xfrm>
+            <a:off x="1659329" y="0"/>
+            <a:ext cx="9043390" cy="6858000"/>
+          </a:xfrm>
+          <a:prstGeom prst="rect">
+            <a:avLst/>
+          </a:prstGeom>
+        </p:spPr>
+      </p:pic>
+      <p:sp>
+        <p:nvSpPr>
+          <p:cNvPr id="11" name="직사각형 10">
+            <a:extLst>
+              <a:ext uri="{FF2B5EF4-FFF2-40B4-BE49-F238E27FC236}">
+                <a16:creationId xmlns:a16="http://schemas.microsoft.com/office/drawing/2014/main" id="{99A76A8F-90E3-E51E-9454-5C56BEF540D8}"/>
+              </a:ext>
+            </a:extLst>
+          </p:cNvPr>
+          <p:cNvSpPr/>
+          <p:nvPr/>
+        </p:nvSpPr>
+        <p:spPr>
+          <a:xfrm>
+            <a:off x="7422577" y="4668950"/>
+            <a:ext cx="4769408" cy="420275"/>
+          </a:xfrm>
+          <a:prstGeom prst="rect">
+            <a:avLst/>
+          </a:prstGeom>
+          <a:solidFill>
+            <a:schemeClr val="tx1">
+              <a:lumMod val="75000"/>
+              <a:lumOff val="25000"/>
+            </a:schemeClr>
+          </a:solidFill>
+          <a:ln>
+            <a:noFill/>
+          </a:ln>
+        </p:spPr>
+        <p:style>
+          <a:lnRef idx="2">
+            <a:schemeClr val="accent1">
+              <a:shade val="15000"/>
+            </a:schemeClr>
+          </a:lnRef>
+          <a:fillRef idx="1">
+            <a:schemeClr val="accent1"/>
+          </a:fillRef>
+          <a:effectRef idx="0">
+            <a:schemeClr val="accent1"/>
+          </a:effectRef>
+          <a:fontRef idx="minor">
+            <a:schemeClr val="lt1"/>
+          </a:fontRef>
+        </p:style>
+        <p:txBody>
+          <a:bodyPr rtlCol="0" anchor="ctr"/>
+          <a:lstStyle/>
+          <a:p>
+            <a:pPr algn="ctr"/>
+            <a:endParaRPr lang="ko-KR" altLang="en-US"/>
+          </a:p>
+        </p:txBody>
+      </p:sp>
     </p:spTree>
     <p:extLst>
       <p:ext uri="{BB962C8B-B14F-4D97-AF65-F5344CB8AC3E}">

--- a/Client/PvE/REVENGER/UI/XDUI/UI.pptx
+++ b/Client/PvE/REVENGER/UI/XDUI/UI.pptx
@@ -10,6 +10,7 @@
     <p:sldId id="258" r:id="rId4"/>
     <p:sldId id="259" r:id="rId5"/>
     <p:sldId id="260" r:id="rId6"/>
+    <p:sldId id="261" r:id="rId7"/>
   </p:sldIdLst>
   <p:sldSz cx="12192000" cy="6858000"/>
   <p:notesSz cx="6858000" cy="9144000"/>
@@ -263,7 +264,7 @@
           <a:p>
             <a:fld id="{E54CAA87-A1E0-4A2A-8255-07B10906445F}" type="datetimeFigureOut">
               <a:rPr lang="ko-KR" altLang="en-US" smtClean="0"/>
-              <a:t>2023-07-03</a:t>
+              <a:t>2023-07-09</a:t>
             </a:fld>
             <a:endParaRPr lang="ko-KR" altLang="en-US"/>
           </a:p>
@@ -461,7 +462,7 @@
           <a:p>
             <a:fld id="{E54CAA87-A1E0-4A2A-8255-07B10906445F}" type="datetimeFigureOut">
               <a:rPr lang="ko-KR" altLang="en-US" smtClean="0"/>
-              <a:t>2023-07-03</a:t>
+              <a:t>2023-07-09</a:t>
             </a:fld>
             <a:endParaRPr lang="ko-KR" altLang="en-US"/>
           </a:p>
@@ -669,7 +670,7 @@
           <a:p>
             <a:fld id="{E54CAA87-A1E0-4A2A-8255-07B10906445F}" type="datetimeFigureOut">
               <a:rPr lang="ko-KR" altLang="en-US" smtClean="0"/>
-              <a:t>2023-07-03</a:t>
+              <a:t>2023-07-09</a:t>
             </a:fld>
             <a:endParaRPr lang="ko-KR" altLang="en-US"/>
           </a:p>
@@ -867,7 +868,7 @@
           <a:p>
             <a:fld id="{E54CAA87-A1E0-4A2A-8255-07B10906445F}" type="datetimeFigureOut">
               <a:rPr lang="ko-KR" altLang="en-US" smtClean="0"/>
-              <a:t>2023-07-03</a:t>
+              <a:t>2023-07-09</a:t>
             </a:fld>
             <a:endParaRPr lang="ko-KR" altLang="en-US"/>
           </a:p>
@@ -1142,7 +1143,7 @@
           <a:p>
             <a:fld id="{E54CAA87-A1E0-4A2A-8255-07B10906445F}" type="datetimeFigureOut">
               <a:rPr lang="ko-KR" altLang="en-US" smtClean="0"/>
-              <a:t>2023-07-03</a:t>
+              <a:t>2023-07-09</a:t>
             </a:fld>
             <a:endParaRPr lang="ko-KR" altLang="en-US"/>
           </a:p>
@@ -1407,7 +1408,7 @@
           <a:p>
             <a:fld id="{E54CAA87-A1E0-4A2A-8255-07B10906445F}" type="datetimeFigureOut">
               <a:rPr lang="ko-KR" altLang="en-US" smtClean="0"/>
-              <a:t>2023-07-03</a:t>
+              <a:t>2023-07-09</a:t>
             </a:fld>
             <a:endParaRPr lang="ko-KR" altLang="en-US"/>
           </a:p>
@@ -1819,7 +1820,7 @@
           <a:p>
             <a:fld id="{E54CAA87-A1E0-4A2A-8255-07B10906445F}" type="datetimeFigureOut">
               <a:rPr lang="ko-KR" altLang="en-US" smtClean="0"/>
-              <a:t>2023-07-03</a:t>
+              <a:t>2023-07-09</a:t>
             </a:fld>
             <a:endParaRPr lang="ko-KR" altLang="en-US"/>
           </a:p>
@@ -1960,7 +1961,7 @@
           <a:p>
             <a:fld id="{E54CAA87-A1E0-4A2A-8255-07B10906445F}" type="datetimeFigureOut">
               <a:rPr lang="ko-KR" altLang="en-US" smtClean="0"/>
-              <a:t>2023-07-03</a:t>
+              <a:t>2023-07-09</a:t>
             </a:fld>
             <a:endParaRPr lang="ko-KR" altLang="en-US"/>
           </a:p>
@@ -2073,7 +2074,7 @@
           <a:p>
             <a:fld id="{E54CAA87-A1E0-4A2A-8255-07B10906445F}" type="datetimeFigureOut">
               <a:rPr lang="ko-KR" altLang="en-US" smtClean="0"/>
-              <a:t>2023-07-03</a:t>
+              <a:t>2023-07-09</a:t>
             </a:fld>
             <a:endParaRPr lang="ko-KR" altLang="en-US"/>
           </a:p>
@@ -2384,7 +2385,7 @@
           <a:p>
             <a:fld id="{E54CAA87-A1E0-4A2A-8255-07B10906445F}" type="datetimeFigureOut">
               <a:rPr lang="ko-KR" altLang="en-US" smtClean="0"/>
-              <a:t>2023-07-03</a:t>
+              <a:t>2023-07-09</a:t>
             </a:fld>
             <a:endParaRPr lang="ko-KR" altLang="en-US"/>
           </a:p>
@@ -2672,7 +2673,7 @@
           <a:p>
             <a:fld id="{E54CAA87-A1E0-4A2A-8255-07B10906445F}" type="datetimeFigureOut">
               <a:rPr lang="ko-KR" altLang="en-US" smtClean="0"/>
-              <a:t>2023-07-03</a:t>
+              <a:t>2023-07-09</a:t>
             </a:fld>
             <a:endParaRPr lang="ko-KR" altLang="en-US"/>
           </a:p>
@@ -2913,7 +2914,7 @@
           <a:p>
             <a:fld id="{E54CAA87-A1E0-4A2A-8255-07B10906445F}" type="datetimeFigureOut">
               <a:rPr lang="ko-KR" altLang="en-US" smtClean="0"/>
-              <a:t>2023-07-03</a:t>
+              <a:t>2023-07-09</a:t>
             </a:fld>
             <a:endParaRPr lang="ko-KR" altLang="en-US"/>
           </a:p>
@@ -7468,8 +7469,8 @@
         </p:blipFill>
         <p:spPr>
           <a:xfrm>
-            <a:off x="1659329" y="0"/>
-            <a:ext cx="9043390" cy="6858000"/>
+            <a:off x="1659329" y="-640668"/>
+            <a:ext cx="9043390" cy="7498668"/>
           </a:xfrm>
           <a:prstGeom prst="rect">
             <a:avLst/>
@@ -8424,6 +8425,157 @@
             </a:prstGeom>
           </p:spPr>
         </p:pic>
+      </p:grpSp>
+      <p:grpSp>
+        <p:nvGrpSpPr>
+          <p:cNvPr id="7" name="그룹 6">
+            <a:extLst>
+              <a:ext uri="{FF2B5EF4-FFF2-40B4-BE49-F238E27FC236}">
+                <a16:creationId xmlns:a16="http://schemas.microsoft.com/office/drawing/2014/main" id="{B540EDC7-A2FF-A666-4B67-FFCCA079462D}"/>
+              </a:ext>
+            </a:extLst>
+          </p:cNvPr>
+          <p:cNvGrpSpPr/>
+          <p:nvPr/>
+        </p:nvGrpSpPr>
+        <p:grpSpPr>
+          <a:xfrm>
+            <a:off x="9721850" y="1339850"/>
+            <a:ext cx="233670" cy="234950"/>
+            <a:chOff x="9668071" y="1341692"/>
+            <a:chExt cx="287253" cy="323184"/>
+          </a:xfrm>
+        </p:grpSpPr>
+        <p:sp>
+          <p:nvSpPr>
+            <p:cNvPr id="2" name="직사각형 1">
+              <a:extLst>
+                <a:ext uri="{FF2B5EF4-FFF2-40B4-BE49-F238E27FC236}">
+                  <a16:creationId xmlns:a16="http://schemas.microsoft.com/office/drawing/2014/main" id="{82BFAF5C-5597-3BBE-661D-6618F0B6B3AD}"/>
+                </a:ext>
+              </a:extLst>
+            </p:cNvPr>
+            <p:cNvSpPr/>
+            <p:nvPr/>
+          </p:nvSpPr>
+          <p:spPr>
+            <a:xfrm>
+              <a:off x="9668071" y="1341692"/>
+              <a:ext cx="287253" cy="323184"/>
+            </a:xfrm>
+            <a:prstGeom prst="rect">
+              <a:avLst/>
+            </a:prstGeom>
+            <a:solidFill>
+              <a:schemeClr val="tx1">
+                <a:lumMod val="95000"/>
+                <a:lumOff val="5000"/>
+              </a:schemeClr>
+            </a:solidFill>
+            <a:ln>
+              <a:solidFill>
+                <a:schemeClr val="tx1">
+                  <a:lumMod val="50000"/>
+                  <a:lumOff val="50000"/>
+                </a:schemeClr>
+              </a:solidFill>
+            </a:ln>
+          </p:spPr>
+          <p:style>
+            <a:lnRef idx="2">
+              <a:schemeClr val="accent1">
+                <a:shade val="15000"/>
+              </a:schemeClr>
+            </a:lnRef>
+            <a:fillRef idx="1">
+              <a:schemeClr val="accent1"/>
+            </a:fillRef>
+            <a:effectRef idx="0">
+              <a:schemeClr val="accent1"/>
+            </a:effectRef>
+            <a:fontRef idx="minor">
+              <a:schemeClr val="lt1"/>
+            </a:fontRef>
+          </p:style>
+          <p:txBody>
+            <a:bodyPr rtlCol="0" anchor="ctr"/>
+            <a:lstStyle/>
+            <a:p>
+              <a:pPr algn="ctr"/>
+              <a:endParaRPr lang="ko-KR" altLang="en-US" dirty="0">
+                <a:solidFill>
+                  <a:srgbClr val="C00000"/>
+                </a:solidFill>
+              </a:endParaRPr>
+            </a:p>
+          </p:txBody>
+        </p:sp>
+        <p:sp>
+          <p:nvSpPr>
+            <p:cNvPr id="4" name="화살표: U자형 3">
+              <a:extLst>
+                <a:ext uri="{FF2B5EF4-FFF2-40B4-BE49-F238E27FC236}">
+                  <a16:creationId xmlns:a16="http://schemas.microsoft.com/office/drawing/2014/main" id="{44383A2B-06E4-66E6-7886-BBF7214BBF09}"/>
+                </a:ext>
+              </a:extLst>
+            </p:cNvPr>
+            <p:cNvSpPr/>
+            <p:nvPr/>
+          </p:nvSpPr>
+          <p:spPr>
+            <a:xfrm rot="5400000">
+              <a:off x="9670391" y="1379459"/>
+              <a:ext cx="285565" cy="247650"/>
+            </a:xfrm>
+            <a:prstGeom prst="uturnArrow">
+              <a:avLst>
+                <a:gd name="adj1" fmla="val 16726"/>
+                <a:gd name="adj2" fmla="val 25000"/>
+                <a:gd name="adj3" fmla="val 35578"/>
+                <a:gd name="adj4" fmla="val 22595"/>
+                <a:gd name="adj5" fmla="val 79807"/>
+              </a:avLst>
+            </a:prstGeom>
+            <a:solidFill>
+              <a:srgbClr val="C00000"/>
+            </a:solidFill>
+            <a:ln>
+              <a:solidFill>
+                <a:schemeClr val="bg1">
+                  <a:lumMod val="75000"/>
+                </a:schemeClr>
+              </a:solidFill>
+            </a:ln>
+          </p:spPr>
+          <p:style>
+            <a:lnRef idx="2">
+              <a:schemeClr val="accent1">
+                <a:shade val="15000"/>
+              </a:schemeClr>
+            </a:lnRef>
+            <a:fillRef idx="1">
+              <a:schemeClr val="accent1"/>
+            </a:fillRef>
+            <a:effectRef idx="0">
+              <a:schemeClr val="accent1"/>
+            </a:effectRef>
+            <a:fontRef idx="minor">
+              <a:schemeClr val="lt1"/>
+            </a:fontRef>
+          </p:style>
+          <p:txBody>
+            <a:bodyPr rtlCol="0" anchor="ctr"/>
+            <a:lstStyle/>
+            <a:p>
+              <a:pPr algn="ctr"/>
+              <a:endParaRPr lang="ko-KR" altLang="en-US">
+                <a:solidFill>
+                  <a:schemeClr val="tx1"/>
+                </a:solidFill>
+              </a:endParaRPr>
+            </a:p>
+          </p:txBody>
+        </p:sp>
       </p:grpSp>
     </p:spTree>
     <p:extLst>
@@ -12228,6 +12380,160 @@
           </p:txBody>
         </p:sp>
       </p:grpSp>
+      <p:grpSp>
+        <p:nvGrpSpPr>
+          <p:cNvPr id="1136" name="그룹 1135">
+            <a:extLst>
+              <a:ext uri="{FF2B5EF4-FFF2-40B4-BE49-F238E27FC236}">
+                <a16:creationId xmlns:a16="http://schemas.microsoft.com/office/drawing/2014/main" id="{3611CCC2-45C1-3728-540E-703F7DD3046F}"/>
+              </a:ext>
+            </a:extLst>
+          </p:cNvPr>
+          <p:cNvGrpSpPr/>
+          <p:nvPr/>
+        </p:nvGrpSpPr>
+        <p:grpSpPr>
+          <a:xfrm>
+            <a:off x="9966008" y="1074091"/>
+            <a:ext cx="233129" cy="238588"/>
+            <a:chOff x="9902710" y="1994011"/>
+            <a:chExt cx="287253" cy="323184"/>
+          </a:xfrm>
+        </p:grpSpPr>
+        <p:sp>
+          <p:nvSpPr>
+            <p:cNvPr id="1137" name="직사각형 1136">
+              <a:extLst>
+                <a:ext uri="{FF2B5EF4-FFF2-40B4-BE49-F238E27FC236}">
+                  <a16:creationId xmlns:a16="http://schemas.microsoft.com/office/drawing/2014/main" id="{0B5030A8-78A3-B970-5C10-0F73E6EF6CA3}"/>
+                </a:ext>
+              </a:extLst>
+            </p:cNvPr>
+            <p:cNvSpPr/>
+            <p:nvPr/>
+          </p:nvSpPr>
+          <p:spPr>
+            <a:xfrm>
+              <a:off x="9902710" y="1994011"/>
+              <a:ext cx="287253" cy="323184"/>
+            </a:xfrm>
+            <a:prstGeom prst="rect">
+              <a:avLst/>
+            </a:prstGeom>
+            <a:solidFill>
+              <a:schemeClr val="tx1">
+                <a:lumMod val="95000"/>
+                <a:lumOff val="5000"/>
+              </a:schemeClr>
+            </a:solidFill>
+            <a:ln>
+              <a:solidFill>
+                <a:schemeClr val="tx1">
+                  <a:lumMod val="50000"/>
+                  <a:lumOff val="50000"/>
+                </a:schemeClr>
+              </a:solidFill>
+            </a:ln>
+          </p:spPr>
+          <p:style>
+            <a:lnRef idx="2">
+              <a:schemeClr val="accent1">
+                <a:shade val="15000"/>
+              </a:schemeClr>
+            </a:lnRef>
+            <a:fillRef idx="1">
+              <a:schemeClr val="accent1"/>
+            </a:fillRef>
+            <a:effectRef idx="0">
+              <a:schemeClr val="accent1"/>
+            </a:effectRef>
+            <a:fontRef idx="minor">
+              <a:schemeClr val="lt1"/>
+            </a:fontRef>
+          </p:style>
+          <p:txBody>
+            <a:bodyPr rtlCol="0" anchor="ctr"/>
+            <a:lstStyle/>
+            <a:p>
+              <a:pPr algn="ctr"/>
+              <a:endParaRPr lang="ko-KR" altLang="en-US" dirty="0">
+                <a:solidFill>
+                  <a:srgbClr val="C00000"/>
+                </a:solidFill>
+              </a:endParaRPr>
+            </a:p>
+          </p:txBody>
+        </p:sp>
+        <p:sp>
+          <p:nvSpPr>
+            <p:cNvPr id="1138" name="화살표: U자형 1137">
+              <a:extLst>
+                <a:ext uri="{FF2B5EF4-FFF2-40B4-BE49-F238E27FC236}">
+                  <a16:creationId xmlns:a16="http://schemas.microsoft.com/office/drawing/2014/main" id="{ACC95ADE-C972-605F-16C1-68E9DB13AE12}"/>
+                </a:ext>
+              </a:extLst>
+            </p:cNvPr>
+            <p:cNvSpPr/>
+            <p:nvPr/>
+          </p:nvSpPr>
+          <p:spPr>
+            <a:xfrm rot="5400000">
+              <a:off x="9905030" y="2031778"/>
+              <a:ext cx="285565" cy="247650"/>
+            </a:xfrm>
+            <a:prstGeom prst="uturnArrow">
+              <a:avLst>
+                <a:gd name="adj1" fmla="val 16726"/>
+                <a:gd name="adj2" fmla="val 25000"/>
+                <a:gd name="adj3" fmla="val 35578"/>
+                <a:gd name="adj4" fmla="val 22595"/>
+                <a:gd name="adj5" fmla="val 79807"/>
+              </a:avLst>
+            </a:prstGeom>
+            <a:solidFill>
+              <a:schemeClr val="tx1">
+                <a:lumMod val="75000"/>
+                <a:lumOff val="25000"/>
+              </a:schemeClr>
+            </a:solidFill>
+            <a:ln>
+              <a:solidFill>
+                <a:schemeClr val="bg1">
+                  <a:lumMod val="75000"/>
+                </a:schemeClr>
+              </a:solidFill>
+            </a:ln>
+          </p:spPr>
+          <p:style>
+            <a:lnRef idx="2">
+              <a:schemeClr val="accent1">
+                <a:shade val="15000"/>
+              </a:schemeClr>
+            </a:lnRef>
+            <a:fillRef idx="1">
+              <a:schemeClr val="accent1"/>
+            </a:fillRef>
+            <a:effectRef idx="0">
+              <a:schemeClr val="accent1"/>
+            </a:effectRef>
+            <a:fontRef idx="minor">
+              <a:schemeClr val="lt1"/>
+            </a:fontRef>
+          </p:style>
+          <p:txBody>
+            <a:bodyPr rtlCol="0" anchor="ctr"/>
+            <a:lstStyle/>
+            <a:p>
+              <a:pPr algn="ctr"/>
+              <a:endParaRPr lang="ko-KR" altLang="en-US">
+                <a:solidFill>
+                  <a:schemeClr val="tx1"/>
+                </a:solidFill>
+              </a:endParaRPr>
+            </a:p>
+          </p:txBody>
+        </p:sp>
+      </p:grpSp>
     </p:spTree>
     <p:extLst>
       <p:ext uri="{BB962C8B-B14F-4D97-AF65-F5344CB8AC3E}">
@@ -12554,7 +12860,7 @@
           <p:nvPr>
             <p:extLst>
               <p:ext uri="{D42A27DB-BD31-4B8C-83A1-F6EECF244321}">
-                <p14:modId xmlns:p14="http://schemas.microsoft.com/office/powerpoint/2010/main" val="2455763965"/>
+                <p14:modId xmlns:p14="http://schemas.microsoft.com/office/powerpoint/2010/main" val="1177037204"/>
               </p:ext>
             </p:extLst>
           </p:nvPr>
@@ -12570,10 +12876,17 @@
                 <a:tableStyleId>{5C22544A-7EE6-4342-B048-85BDC9FD1C3A}</a:tableStyleId>
               </a:tblPr>
               <a:tblGrid>
-                <a:gridCol w="6107224">
+                <a:gridCol w="5119799">
                   <a:extLst>
                     <a:ext uri="{9D8B030D-6E8A-4147-A177-3AD203B41FA5}">
                       <a16:colId xmlns:a16="http://schemas.microsoft.com/office/drawing/2014/main" val="3052294826"/>
+                    </a:ext>
+                  </a:extLst>
+                </a:gridCol>
+                <a:gridCol w="987425">
+                  <a:extLst>
+                    <a:ext uri="{9D8B030D-6E8A-4147-A177-3AD203B41FA5}">
+                      <a16:colId xmlns:a16="http://schemas.microsoft.com/office/drawing/2014/main" val="471979511"/>
                     </a:ext>
                   </a:extLst>
                 </a:gridCol>
@@ -12662,6 +12975,74 @@
                       <a:pPr algn="ctr" latinLnBrk="1"/>
                       <a:r>
                         <a:rPr lang="ko-KR" altLang="en-US" b="0" dirty="0">
+                          <a:solidFill>
+                            <a:schemeClr val="bg1"/>
+                          </a:solidFill>
+                          <a:latin typeface="나눔스퀘어 Bold" panose="020B0600000101010101" pitchFamily="50" charset="-127"/>
+                          <a:ea typeface="나눔스퀘어 Bold" panose="020B0600000101010101" pitchFamily="50" charset="-127"/>
+                        </a:rPr>
+                        <a:t>역할</a:t>
+                      </a:r>
+                    </a:p>
+                  </a:txBody>
+                  <a:tcPr>
+                    <a:lnL w="12700" cap="flat" cmpd="sng" algn="ctr">
+                      <a:solidFill>
+                        <a:schemeClr val="bg1"/>
+                      </a:solidFill>
+                      <a:prstDash val="solid"/>
+                      <a:round/>
+                      <a:headEnd type="none" w="med" len="med"/>
+                      <a:tailEnd type="none" w="med" len="med"/>
+                    </a:lnL>
+                    <a:lnR w="12700" cap="flat" cmpd="sng" algn="ctr">
+                      <a:solidFill>
+                        <a:schemeClr val="bg1"/>
+                      </a:solidFill>
+                      <a:prstDash val="solid"/>
+                      <a:round/>
+                      <a:headEnd type="none" w="med" len="med"/>
+                      <a:tailEnd type="none" w="med" len="med"/>
+                    </a:lnR>
+                    <a:lnT w="12700" cap="flat" cmpd="sng" algn="ctr">
+                      <a:solidFill>
+                        <a:schemeClr val="bg1"/>
+                      </a:solidFill>
+                      <a:prstDash val="solid"/>
+                      <a:round/>
+                      <a:headEnd type="none" w="med" len="med"/>
+                      <a:tailEnd type="none" w="med" len="med"/>
+                    </a:lnT>
+                    <a:lnB w="12700" cap="flat" cmpd="sng" algn="ctr">
+                      <a:solidFill>
+                        <a:schemeClr val="bg1"/>
+                      </a:solidFill>
+                      <a:prstDash val="solid"/>
+                      <a:round/>
+                      <a:headEnd type="none" w="med" len="med"/>
+                      <a:tailEnd type="none" w="med" len="med"/>
+                    </a:lnB>
+                    <a:lnTlToBr w="12700" cmpd="sng">
+                      <a:noFill/>
+                      <a:prstDash val="solid"/>
+                    </a:lnTlToBr>
+                    <a:lnBlToTr w="12700" cmpd="sng">
+                      <a:noFill/>
+                      <a:prstDash val="solid"/>
+                    </a:lnBlToTr>
+                    <a:solidFill>
+                      <a:srgbClr val="325D6D"/>
+                    </a:solidFill>
+                  </a:tcPr>
+                </a:tc>
+                <a:tc>
+                  <a:txBody>
+                    <a:bodyPr/>
+                    <a:lstStyle/>
+                    <a:p>
+                      <a:pPr algn="ctr" latinLnBrk="1"/>
+                      <a:r>
+                        <a:rPr lang="ko-KR" altLang="en-US" b="0" dirty="0">
                           <a:latin typeface="나눔스퀘어 Bold" panose="020B0600000101010101" pitchFamily="50" charset="-127"/>
                           <a:ea typeface="나눔스퀘어 Bold" panose="020B0600000101010101" pitchFamily="50" charset="-127"/>
                         </a:rPr>
@@ -12788,6 +13169,75 @@
                     <a:bodyPr/>
                     <a:lstStyle/>
                     <a:p>
+                      <a:pPr algn="ctr" latinLnBrk="1"/>
+                      <a:r>
+                        <a:rPr lang="en-US" altLang="ko-KR" dirty="0">
+                          <a:solidFill>
+                            <a:schemeClr val="bg1"/>
+                          </a:solidFill>
+                        </a:rPr>
+                        <a:t>ARMY</a:t>
+                      </a:r>
+                      <a:endParaRPr lang="ko-KR" altLang="en-US" dirty="0">
+                        <a:solidFill>
+                          <a:schemeClr val="bg1"/>
+                        </a:solidFill>
+                      </a:endParaRPr>
+                    </a:p>
+                  </a:txBody>
+                  <a:tcPr>
+                    <a:lnL w="12700" cap="flat" cmpd="sng" algn="ctr">
+                      <a:solidFill>
+                        <a:schemeClr val="bg1"/>
+                      </a:solidFill>
+                      <a:prstDash val="solid"/>
+                      <a:round/>
+                      <a:headEnd type="none" w="med" len="med"/>
+                      <a:tailEnd type="none" w="med" len="med"/>
+                    </a:lnL>
+                    <a:lnR w="12700" cap="flat" cmpd="sng" algn="ctr">
+                      <a:solidFill>
+                        <a:schemeClr val="bg1"/>
+                      </a:solidFill>
+                      <a:prstDash val="solid"/>
+                      <a:round/>
+                      <a:headEnd type="none" w="med" len="med"/>
+                      <a:tailEnd type="none" w="med" len="med"/>
+                    </a:lnR>
+                    <a:lnT w="12700" cap="flat" cmpd="sng" algn="ctr">
+                      <a:solidFill>
+                        <a:schemeClr val="bg1"/>
+                      </a:solidFill>
+                      <a:prstDash val="solid"/>
+                      <a:round/>
+                      <a:headEnd type="none" w="med" len="med"/>
+                      <a:tailEnd type="none" w="med" len="med"/>
+                    </a:lnT>
+                    <a:lnB w="12700" cap="flat" cmpd="sng" algn="ctr">
+                      <a:solidFill>
+                        <a:schemeClr val="bg1"/>
+                      </a:solidFill>
+                      <a:prstDash val="solid"/>
+                      <a:round/>
+                      <a:headEnd type="none" w="med" len="med"/>
+                      <a:tailEnd type="none" w="med" len="med"/>
+                    </a:lnB>
+                    <a:lnTlToBr w="12700" cmpd="sng">
+                      <a:noFill/>
+                      <a:prstDash val="solid"/>
+                    </a:lnTlToBr>
+                    <a:lnBlToTr w="12700" cmpd="sng">
+                      <a:noFill/>
+                      <a:prstDash val="solid"/>
+                    </a:lnBlToTr>
+                    <a:noFill/>
+                  </a:tcPr>
+                </a:tc>
+                <a:tc>
+                  <a:txBody>
+                    <a:bodyPr/>
+                    <a:lstStyle/>
+                    <a:p>
                       <a:pPr latinLnBrk="1"/>
                       <a:endParaRPr lang="ko-KR" altLang="en-US" dirty="0"/>
                     </a:p>
@@ -12853,7 +13303,92 @@
                     <a:lstStyle/>
                     <a:p>
                       <a:pPr latinLnBrk="1"/>
-                      <a:endParaRPr lang="ko-KR" altLang="en-US"/>
+                      <a:endParaRPr lang="ko-KR" altLang="en-US" dirty="0"/>
+                    </a:p>
+                  </a:txBody>
+                  <a:tcPr>
+                    <a:lnL w="12700" cap="flat" cmpd="sng" algn="ctr">
+                      <a:solidFill>
+                        <a:schemeClr val="bg1"/>
+                      </a:solidFill>
+                      <a:prstDash val="solid"/>
+                      <a:round/>
+                      <a:headEnd type="none" w="med" len="med"/>
+                      <a:tailEnd type="none" w="med" len="med"/>
+                    </a:lnL>
+                    <a:lnR w="12700" cap="flat" cmpd="sng" algn="ctr">
+                      <a:solidFill>
+                        <a:schemeClr val="bg1"/>
+                      </a:solidFill>
+                      <a:prstDash val="solid"/>
+                      <a:round/>
+                      <a:headEnd type="none" w="med" len="med"/>
+                      <a:tailEnd type="none" w="med" len="med"/>
+                    </a:lnR>
+                    <a:lnT w="12700" cap="flat" cmpd="sng" algn="ctr">
+                      <a:solidFill>
+                        <a:schemeClr val="bg1"/>
+                      </a:solidFill>
+                      <a:prstDash val="solid"/>
+                      <a:round/>
+                      <a:headEnd type="none" w="med" len="med"/>
+                      <a:tailEnd type="none" w="med" len="med"/>
+                    </a:lnT>
+                    <a:lnB w="12700" cap="flat" cmpd="sng" algn="ctr">
+                      <a:solidFill>
+                        <a:schemeClr val="bg1"/>
+                      </a:solidFill>
+                      <a:prstDash val="solid"/>
+                      <a:round/>
+                      <a:headEnd type="none" w="med" len="med"/>
+                      <a:tailEnd type="none" w="med" len="med"/>
+                    </a:lnB>
+                    <a:lnTlToBr w="12700" cmpd="sng">
+                      <a:noFill/>
+                      <a:prstDash val="solid"/>
+                    </a:lnTlToBr>
+                    <a:lnBlToTr w="12700" cmpd="sng">
+                      <a:noFill/>
+                      <a:prstDash val="solid"/>
+                    </a:lnBlToTr>
+                    <a:noFill/>
+                  </a:tcPr>
+                </a:tc>
+                <a:tc>
+                  <a:txBody>
+                    <a:bodyPr/>
+                    <a:lstStyle/>
+                    <a:p>
+                      <a:pPr marL="0" marR="0" lvl="0" indent="0" algn="ctr" defTabSz="914400" rtl="0" eaLnBrk="1" fontAlgn="auto" latinLnBrk="1" hangingPunct="1">
+                        <a:lnSpc>
+                          <a:spcPct val="100000"/>
+                        </a:lnSpc>
+                        <a:spcBef>
+                          <a:spcPts val="0"/>
+                        </a:spcBef>
+                        <a:spcAft>
+                          <a:spcPts val="0"/>
+                        </a:spcAft>
+                        <a:buClrTx/>
+                        <a:buSzTx/>
+                        <a:buFontTx/>
+                        <a:buNone/>
+                        <a:tabLst/>
+                        <a:defRPr/>
+                      </a:pPr>
+                      <a:r>
+                        <a:rPr lang="en-US" altLang="ko-KR" dirty="0">
+                          <a:solidFill>
+                            <a:schemeClr val="bg1"/>
+                          </a:solidFill>
+                        </a:rPr>
+                        <a:t>ARMY</a:t>
+                      </a:r>
+                      <a:endParaRPr lang="ko-KR" altLang="en-US" dirty="0">
+                        <a:solidFill>
+                          <a:schemeClr val="bg1"/>
+                        </a:solidFill>
+                      </a:endParaRPr>
                     </a:p>
                   </a:txBody>
                   <a:tcPr>
@@ -13030,6 +13565,75 @@
                     <a:bodyPr/>
                     <a:lstStyle/>
                     <a:p>
+                      <a:pPr algn="ctr" latinLnBrk="1"/>
+                      <a:r>
+                        <a:rPr lang="en-US" altLang="ko-KR" dirty="0">
+                          <a:solidFill>
+                            <a:schemeClr val="bg1"/>
+                          </a:solidFill>
+                        </a:rPr>
+                        <a:t>HELI</a:t>
+                      </a:r>
+                      <a:endParaRPr lang="ko-KR" altLang="en-US" dirty="0">
+                        <a:solidFill>
+                          <a:schemeClr val="bg1"/>
+                        </a:solidFill>
+                      </a:endParaRPr>
+                    </a:p>
+                  </a:txBody>
+                  <a:tcPr>
+                    <a:lnL w="12700" cap="flat" cmpd="sng" algn="ctr">
+                      <a:solidFill>
+                        <a:schemeClr val="bg1"/>
+                      </a:solidFill>
+                      <a:prstDash val="solid"/>
+                      <a:round/>
+                      <a:headEnd type="none" w="med" len="med"/>
+                      <a:tailEnd type="none" w="med" len="med"/>
+                    </a:lnL>
+                    <a:lnR w="12700" cap="flat" cmpd="sng" algn="ctr">
+                      <a:solidFill>
+                        <a:schemeClr val="bg1"/>
+                      </a:solidFill>
+                      <a:prstDash val="solid"/>
+                      <a:round/>
+                      <a:headEnd type="none" w="med" len="med"/>
+                      <a:tailEnd type="none" w="med" len="med"/>
+                    </a:lnR>
+                    <a:lnT w="12700" cap="flat" cmpd="sng" algn="ctr">
+                      <a:solidFill>
+                        <a:schemeClr val="bg1"/>
+                      </a:solidFill>
+                      <a:prstDash val="solid"/>
+                      <a:round/>
+                      <a:headEnd type="none" w="med" len="med"/>
+                      <a:tailEnd type="none" w="med" len="med"/>
+                    </a:lnT>
+                    <a:lnB w="12700" cap="flat" cmpd="sng" algn="ctr">
+                      <a:solidFill>
+                        <a:schemeClr val="bg1"/>
+                      </a:solidFill>
+                      <a:prstDash val="solid"/>
+                      <a:round/>
+                      <a:headEnd type="none" w="med" len="med"/>
+                      <a:tailEnd type="none" w="med" len="med"/>
+                    </a:lnB>
+                    <a:lnTlToBr w="12700" cmpd="sng">
+                      <a:noFill/>
+                      <a:prstDash val="solid"/>
+                    </a:lnTlToBr>
+                    <a:lnBlToTr w="12700" cmpd="sng">
+                      <a:noFill/>
+                      <a:prstDash val="solid"/>
+                    </a:lnBlToTr>
+                    <a:noFill/>
+                  </a:tcPr>
+                </a:tc>
+                <a:tc>
+                  <a:txBody>
+                    <a:bodyPr/>
+                    <a:lstStyle/>
+                    <a:p>
                       <a:pPr latinLnBrk="1"/>
                       <a:endParaRPr lang="ko-KR" altLang="en-US" dirty="0"/>
                     </a:p>
@@ -13092,6 +13696,771 @@
           </a:graphicData>
         </a:graphic>
       </p:graphicFrame>
+      <p:sp>
+        <p:nvSpPr>
+          <p:cNvPr id="21" name="직사각형 20">
+            <a:extLst>
+              <a:ext uri="{FF2B5EF4-FFF2-40B4-BE49-F238E27FC236}">
+                <a16:creationId xmlns:a16="http://schemas.microsoft.com/office/drawing/2014/main" id="{243C8D88-B1BF-9D06-DD1C-526BEF511611}"/>
+              </a:ext>
+            </a:extLst>
+          </p:cNvPr>
+          <p:cNvSpPr/>
+          <p:nvPr/>
+        </p:nvSpPr>
+        <p:spPr>
+          <a:xfrm>
+            <a:off x="10555824" y="2202999"/>
+            <a:ext cx="2261066" cy="3435804"/>
+          </a:xfrm>
+          <a:prstGeom prst="rect">
+            <a:avLst/>
+          </a:prstGeom>
+        </p:spPr>
+        <p:style>
+          <a:lnRef idx="2">
+            <a:schemeClr val="accent1">
+              <a:shade val="15000"/>
+            </a:schemeClr>
+          </a:lnRef>
+          <a:fillRef idx="1">
+            <a:schemeClr val="accent1"/>
+          </a:fillRef>
+          <a:effectRef idx="0">
+            <a:schemeClr val="accent1"/>
+          </a:effectRef>
+          <a:fontRef idx="minor">
+            <a:schemeClr val="lt1"/>
+          </a:fontRef>
+        </p:style>
+        <p:txBody>
+          <a:bodyPr rtlCol="0" anchor="ctr"/>
+          <a:lstStyle/>
+          <a:p>
+            <a:pPr algn="ctr"/>
+            <a:endParaRPr lang="ko-KR" altLang="en-US" dirty="0"/>
+          </a:p>
+        </p:txBody>
+      </p:sp>
+      <p:grpSp>
+        <p:nvGrpSpPr>
+          <p:cNvPr id="1138" name="그룹 1137">
+            <a:extLst>
+              <a:ext uri="{FF2B5EF4-FFF2-40B4-BE49-F238E27FC236}">
+                <a16:creationId xmlns:a16="http://schemas.microsoft.com/office/drawing/2014/main" id="{30AEA83E-80B3-8DD0-EC3F-573487B91248}"/>
+              </a:ext>
+            </a:extLst>
+          </p:cNvPr>
+          <p:cNvGrpSpPr/>
+          <p:nvPr/>
+        </p:nvGrpSpPr>
+        <p:grpSpPr>
+          <a:xfrm>
+            <a:off x="10603447" y="430429"/>
+            <a:ext cx="1552576" cy="1217778"/>
+            <a:chOff x="10603447" y="430429"/>
+            <a:chExt cx="1552576" cy="1217778"/>
+          </a:xfrm>
+        </p:grpSpPr>
+        <p:sp>
+          <p:nvSpPr>
+            <p:cNvPr id="30" name="사각형: 둥근 모서리 29">
+              <a:extLst>
+                <a:ext uri="{FF2B5EF4-FFF2-40B4-BE49-F238E27FC236}">
+                  <a16:creationId xmlns:a16="http://schemas.microsoft.com/office/drawing/2014/main" id="{A658974E-6D69-F1EE-A33B-870A00B088DC}"/>
+                </a:ext>
+              </a:extLst>
+            </p:cNvPr>
+            <p:cNvSpPr/>
+            <p:nvPr/>
+          </p:nvSpPr>
+          <p:spPr>
+            <a:xfrm>
+              <a:off x="10603448" y="430429"/>
+              <a:ext cx="1552575" cy="590550"/>
+            </a:xfrm>
+            <a:prstGeom prst="roundRect">
+              <a:avLst/>
+            </a:prstGeom>
+            <a:noFill/>
+            <a:ln w="38100">
+              <a:solidFill>
+                <a:srgbClr val="820000"/>
+              </a:solidFill>
+            </a:ln>
+          </p:spPr>
+          <p:style>
+            <a:lnRef idx="2">
+              <a:schemeClr val="accent1">
+                <a:shade val="15000"/>
+              </a:schemeClr>
+            </a:lnRef>
+            <a:fillRef idx="1">
+              <a:schemeClr val="accent1"/>
+            </a:fillRef>
+            <a:effectRef idx="0">
+              <a:schemeClr val="accent1"/>
+            </a:effectRef>
+            <a:fontRef idx="minor">
+              <a:schemeClr val="lt1"/>
+            </a:fontRef>
+          </p:style>
+          <p:txBody>
+            <a:bodyPr lIns="0" tIns="0" rIns="0" bIns="0" rtlCol="0" anchor="ctr"/>
+            <a:lstStyle/>
+            <a:p>
+              <a:pPr algn="ctr"/>
+              <a:r>
+                <a:rPr lang="ko-KR" altLang="en-US" sz="1600" dirty="0">
+                  <a:solidFill>
+                    <a:srgbClr val="820000"/>
+                  </a:solidFill>
+                  <a:latin typeface="나눔스퀘어 ExtraBold" panose="020B0600000101010101" pitchFamily="50" charset="-127"/>
+                  <a:ea typeface="나눔스퀘어 ExtraBold" panose="020B0600000101010101" pitchFamily="50" charset="-127"/>
+                </a:rPr>
+                <a:t>게임 시작</a:t>
+              </a:r>
+              <a:endParaRPr lang="ko-KR" altLang="en-US" sz="1600" spc="-300" dirty="0">
+                <a:solidFill>
+                  <a:srgbClr val="820000"/>
+                </a:solidFill>
+                <a:latin typeface="나눔스퀘어 ExtraBold" panose="020B0600000101010101" pitchFamily="50" charset="-127"/>
+                <a:ea typeface="나눔스퀘어 ExtraBold" panose="020B0600000101010101" pitchFamily="50" charset="-127"/>
+              </a:endParaRPr>
+            </a:p>
+          </p:txBody>
+        </p:sp>
+        <p:sp>
+          <p:nvSpPr>
+            <p:cNvPr id="31" name="사각형: 둥근 모서리 30">
+              <a:extLst>
+                <a:ext uri="{FF2B5EF4-FFF2-40B4-BE49-F238E27FC236}">
+                  <a16:creationId xmlns:a16="http://schemas.microsoft.com/office/drawing/2014/main" id="{1E23F80C-56CE-5F21-2F59-A351DA4D6E98}"/>
+                </a:ext>
+              </a:extLst>
+            </p:cNvPr>
+            <p:cNvSpPr/>
+            <p:nvPr/>
+          </p:nvSpPr>
+          <p:spPr>
+            <a:xfrm>
+              <a:off x="10603447" y="1057657"/>
+              <a:ext cx="1552575" cy="590550"/>
+            </a:xfrm>
+            <a:prstGeom prst="roundRect">
+              <a:avLst/>
+            </a:prstGeom>
+            <a:noFill/>
+            <a:ln w="38100">
+              <a:solidFill>
+                <a:srgbClr val="FF7D7D"/>
+              </a:solidFill>
+            </a:ln>
+          </p:spPr>
+          <p:style>
+            <a:lnRef idx="2">
+              <a:schemeClr val="accent1">
+                <a:shade val="15000"/>
+              </a:schemeClr>
+            </a:lnRef>
+            <a:fillRef idx="1">
+              <a:schemeClr val="accent1"/>
+            </a:fillRef>
+            <a:effectRef idx="0">
+              <a:schemeClr val="accent1"/>
+            </a:effectRef>
+            <a:fontRef idx="minor">
+              <a:schemeClr val="lt1"/>
+            </a:fontRef>
+          </p:style>
+          <p:txBody>
+            <a:bodyPr lIns="0" tIns="0" rIns="0" bIns="0" rtlCol="0" anchor="ctr"/>
+            <a:lstStyle/>
+            <a:p>
+              <a:pPr algn="ctr"/>
+              <a:r>
+                <a:rPr lang="ko-KR" altLang="en-US" sz="1600" dirty="0">
+                  <a:solidFill>
+                    <a:srgbClr val="FF7D7D"/>
+                  </a:solidFill>
+                  <a:latin typeface="나눔스퀘어 ExtraBold" panose="020B0600000101010101" pitchFamily="50" charset="-127"/>
+                  <a:ea typeface="나눔스퀘어 ExtraBold" panose="020B0600000101010101" pitchFamily="50" charset="-127"/>
+                </a:rPr>
+                <a:t>게임 시작</a:t>
+              </a:r>
+              <a:endParaRPr lang="ko-KR" altLang="en-US" sz="1600" spc="-300" dirty="0">
+                <a:solidFill>
+                  <a:srgbClr val="FF7D7D"/>
+                </a:solidFill>
+                <a:latin typeface="나눔스퀘어 ExtraBold" panose="020B0600000101010101" pitchFamily="50" charset="-127"/>
+                <a:ea typeface="나눔스퀘어 ExtraBold" panose="020B0600000101010101" pitchFamily="50" charset="-127"/>
+              </a:endParaRPr>
+            </a:p>
+          </p:txBody>
+        </p:sp>
+      </p:grpSp>
+      <p:grpSp>
+        <p:nvGrpSpPr>
+          <p:cNvPr id="1137" name="그룹 1136">
+            <a:extLst>
+              <a:ext uri="{FF2B5EF4-FFF2-40B4-BE49-F238E27FC236}">
+                <a16:creationId xmlns:a16="http://schemas.microsoft.com/office/drawing/2014/main" id="{D66B2AB2-C552-FDE9-A53A-EF0E33DDCB86}"/>
+              </a:ext>
+            </a:extLst>
+          </p:cNvPr>
+          <p:cNvGrpSpPr/>
+          <p:nvPr/>
+        </p:nvGrpSpPr>
+        <p:grpSpPr>
+          <a:xfrm>
+            <a:off x="12286185" y="430429"/>
+            <a:ext cx="1552576" cy="1217778"/>
+            <a:chOff x="12286185" y="430429"/>
+            <a:chExt cx="1552576" cy="1217778"/>
+          </a:xfrm>
+        </p:grpSpPr>
+        <p:sp>
+          <p:nvSpPr>
+            <p:cNvPr id="1121" name="사각형: 둥근 모서리 1120">
+              <a:extLst>
+                <a:ext uri="{FF2B5EF4-FFF2-40B4-BE49-F238E27FC236}">
+                  <a16:creationId xmlns:a16="http://schemas.microsoft.com/office/drawing/2014/main" id="{621640B7-0C65-5BF8-6A48-27B6980D509E}"/>
+                </a:ext>
+              </a:extLst>
+            </p:cNvPr>
+            <p:cNvSpPr/>
+            <p:nvPr/>
+          </p:nvSpPr>
+          <p:spPr>
+            <a:xfrm>
+              <a:off x="12286185" y="1057657"/>
+              <a:ext cx="1552575" cy="590550"/>
+            </a:xfrm>
+            <a:prstGeom prst="roundRect">
+              <a:avLst/>
+            </a:prstGeom>
+            <a:noFill/>
+            <a:ln w="38100">
+              <a:solidFill>
+                <a:schemeClr val="bg1">
+                  <a:lumMod val="50000"/>
+                </a:schemeClr>
+              </a:solidFill>
+            </a:ln>
+          </p:spPr>
+          <p:style>
+            <a:lnRef idx="2">
+              <a:schemeClr val="accent1">
+                <a:shade val="15000"/>
+              </a:schemeClr>
+            </a:lnRef>
+            <a:fillRef idx="1">
+              <a:schemeClr val="accent1"/>
+            </a:fillRef>
+            <a:effectRef idx="0">
+              <a:schemeClr val="accent1"/>
+            </a:effectRef>
+            <a:fontRef idx="minor">
+              <a:schemeClr val="lt1"/>
+            </a:fontRef>
+          </p:style>
+          <p:txBody>
+            <a:bodyPr lIns="0" tIns="0" rIns="0" bIns="0" rtlCol="0" anchor="ctr"/>
+            <a:lstStyle/>
+            <a:p>
+              <a:pPr algn="ctr"/>
+              <a:r>
+                <a:rPr lang="ko-KR" altLang="en-US" sz="1600" dirty="0">
+                  <a:solidFill>
+                    <a:schemeClr val="bg1">
+                      <a:lumMod val="65000"/>
+                    </a:schemeClr>
+                  </a:solidFill>
+                  <a:latin typeface="나눔스퀘어 ExtraBold" panose="020B0600000101010101" pitchFamily="50" charset="-127"/>
+                  <a:ea typeface="나눔스퀘어 ExtraBold" panose="020B0600000101010101" pitchFamily="50" charset="-127"/>
+                </a:rPr>
+                <a:t>준비</a:t>
+              </a:r>
+            </a:p>
+          </p:txBody>
+        </p:sp>
+        <p:sp>
+          <p:nvSpPr>
+            <p:cNvPr id="1122" name="사각형: 둥근 모서리 1121">
+              <a:extLst>
+                <a:ext uri="{FF2B5EF4-FFF2-40B4-BE49-F238E27FC236}">
+                  <a16:creationId xmlns:a16="http://schemas.microsoft.com/office/drawing/2014/main" id="{02F464BE-72A0-0C09-67B0-D3D70B9F4642}"/>
+                </a:ext>
+              </a:extLst>
+            </p:cNvPr>
+            <p:cNvSpPr/>
+            <p:nvPr/>
+          </p:nvSpPr>
+          <p:spPr>
+            <a:xfrm>
+              <a:off x="12286186" y="430429"/>
+              <a:ext cx="1552575" cy="590550"/>
+            </a:xfrm>
+            <a:prstGeom prst="roundRect">
+              <a:avLst/>
+            </a:prstGeom>
+            <a:noFill/>
+            <a:ln w="38100">
+              <a:solidFill>
+                <a:schemeClr val="bg1"/>
+              </a:solidFill>
+            </a:ln>
+          </p:spPr>
+          <p:style>
+            <a:lnRef idx="2">
+              <a:schemeClr val="accent1">
+                <a:shade val="15000"/>
+              </a:schemeClr>
+            </a:lnRef>
+            <a:fillRef idx="1">
+              <a:schemeClr val="accent1"/>
+            </a:fillRef>
+            <a:effectRef idx="0">
+              <a:schemeClr val="accent1"/>
+            </a:effectRef>
+            <a:fontRef idx="minor">
+              <a:schemeClr val="lt1"/>
+            </a:fontRef>
+          </p:style>
+          <p:txBody>
+            <a:bodyPr lIns="0" tIns="0" rIns="0" bIns="0" rtlCol="0" anchor="ctr"/>
+            <a:lstStyle/>
+            <a:p>
+              <a:pPr algn="ctr"/>
+              <a:r>
+                <a:rPr lang="ko-KR" altLang="en-US" sz="1600" dirty="0">
+                  <a:latin typeface="나눔스퀘어 ExtraBold" panose="020B0600000101010101" pitchFamily="50" charset="-127"/>
+                  <a:ea typeface="나눔스퀘어 ExtraBold" panose="020B0600000101010101" pitchFamily="50" charset="-127"/>
+                </a:rPr>
+                <a:t>준비</a:t>
+              </a:r>
+            </a:p>
+          </p:txBody>
+        </p:sp>
+      </p:grpSp>
+      <p:grpSp>
+        <p:nvGrpSpPr>
+          <p:cNvPr id="1136" name="그룹 1135">
+            <a:extLst>
+              <a:ext uri="{FF2B5EF4-FFF2-40B4-BE49-F238E27FC236}">
+                <a16:creationId xmlns:a16="http://schemas.microsoft.com/office/drawing/2014/main" id="{9454751D-C0DD-EF43-DBCA-D284CDCDD797}"/>
+              </a:ext>
+            </a:extLst>
+          </p:cNvPr>
+          <p:cNvGrpSpPr/>
+          <p:nvPr/>
+        </p:nvGrpSpPr>
+        <p:grpSpPr>
+          <a:xfrm>
+            <a:off x="12974309" y="2790459"/>
+            <a:ext cx="1728900" cy="687347"/>
+            <a:chOff x="10740864" y="4556783"/>
+            <a:chExt cx="1728900" cy="687347"/>
+          </a:xfrm>
+        </p:grpSpPr>
+        <p:sp>
+          <p:nvSpPr>
+            <p:cNvPr id="1128" name="직사각형 1127">
+              <a:extLst>
+                <a:ext uri="{FF2B5EF4-FFF2-40B4-BE49-F238E27FC236}">
+                  <a16:creationId xmlns:a16="http://schemas.microsoft.com/office/drawing/2014/main" id="{5E2EA0B1-5572-E8CE-3607-5701A230C406}"/>
+                </a:ext>
+              </a:extLst>
+            </p:cNvPr>
+            <p:cNvSpPr/>
+            <p:nvPr/>
+          </p:nvSpPr>
+          <p:spPr>
+            <a:xfrm>
+              <a:off x="10740865" y="4556783"/>
+              <a:ext cx="1728899" cy="342900"/>
+            </a:xfrm>
+            <a:prstGeom prst="rect">
+              <a:avLst/>
+            </a:prstGeom>
+            <a:noFill/>
+            <a:ln>
+              <a:noFill/>
+            </a:ln>
+          </p:spPr>
+          <p:style>
+            <a:lnRef idx="2">
+              <a:schemeClr val="accent1">
+                <a:shade val="15000"/>
+              </a:schemeClr>
+            </a:lnRef>
+            <a:fillRef idx="1">
+              <a:schemeClr val="accent1"/>
+            </a:fillRef>
+            <a:effectRef idx="0">
+              <a:schemeClr val="accent1"/>
+            </a:effectRef>
+            <a:fontRef idx="minor">
+              <a:schemeClr val="lt1"/>
+            </a:fontRef>
+          </p:style>
+          <p:txBody>
+            <a:bodyPr rtlCol="0" anchor="ctr"/>
+            <a:lstStyle/>
+            <a:p>
+              <a:pPr algn="ctr"/>
+              <a:r>
+                <a:rPr lang="ko-KR" altLang="en-US" sz="1400" dirty="0">
+                  <a:latin typeface="나눔스퀘어 Bold" panose="020B0600000101010101" pitchFamily="50" charset="-127"/>
+                  <a:ea typeface="나눔스퀘어 Bold" panose="020B0600000101010101" pitchFamily="50" charset="-127"/>
+                </a:rPr>
+                <a:t>준비 대기</a:t>
+              </a:r>
+            </a:p>
+          </p:txBody>
+        </p:sp>
+        <p:sp>
+          <p:nvSpPr>
+            <p:cNvPr id="1129" name="직사각형 1128">
+              <a:extLst>
+                <a:ext uri="{FF2B5EF4-FFF2-40B4-BE49-F238E27FC236}">
+                  <a16:creationId xmlns:a16="http://schemas.microsoft.com/office/drawing/2014/main" id="{4E3C11FA-F608-1E13-FC88-F4649A21488E}"/>
+                </a:ext>
+              </a:extLst>
+            </p:cNvPr>
+            <p:cNvSpPr/>
+            <p:nvPr/>
+          </p:nvSpPr>
+          <p:spPr>
+            <a:xfrm>
+              <a:off x="10740864" y="4899683"/>
+              <a:ext cx="1728899" cy="344447"/>
+            </a:xfrm>
+            <a:prstGeom prst="rect">
+              <a:avLst/>
+            </a:prstGeom>
+            <a:noFill/>
+            <a:ln>
+              <a:noFill/>
+            </a:ln>
+          </p:spPr>
+          <p:style>
+            <a:lnRef idx="2">
+              <a:schemeClr val="accent1">
+                <a:shade val="15000"/>
+              </a:schemeClr>
+            </a:lnRef>
+            <a:fillRef idx="1">
+              <a:schemeClr val="accent1"/>
+            </a:fillRef>
+            <a:effectRef idx="0">
+              <a:schemeClr val="accent1"/>
+            </a:effectRef>
+            <a:fontRef idx="minor">
+              <a:schemeClr val="lt1"/>
+            </a:fontRef>
+          </p:style>
+          <p:txBody>
+            <a:bodyPr rtlCol="0" anchor="ctr"/>
+            <a:lstStyle/>
+            <a:p>
+              <a:pPr algn="ctr"/>
+              <a:r>
+                <a:rPr lang="ko-KR" altLang="en-US" sz="1400" dirty="0">
+                  <a:solidFill>
+                    <a:srgbClr val="C00000"/>
+                  </a:solidFill>
+                  <a:latin typeface="나눔스퀘어 Bold" panose="020B0600000101010101" pitchFamily="50" charset="-127"/>
+                  <a:ea typeface="나눔스퀘어 Bold" panose="020B0600000101010101" pitchFamily="50" charset="-127"/>
+                </a:rPr>
+                <a:t>준비 완료</a:t>
+              </a:r>
+            </a:p>
+          </p:txBody>
+        </p:sp>
+      </p:grpSp>
+      <p:grpSp>
+        <p:nvGrpSpPr>
+          <p:cNvPr id="10" name="그룹 9">
+            <a:extLst>
+              <a:ext uri="{FF2B5EF4-FFF2-40B4-BE49-F238E27FC236}">
+                <a16:creationId xmlns:a16="http://schemas.microsoft.com/office/drawing/2014/main" id="{36836665-180C-06CE-4D0A-AE9D21CD1DA9}"/>
+              </a:ext>
+            </a:extLst>
+          </p:cNvPr>
+          <p:cNvGrpSpPr/>
+          <p:nvPr/>
+        </p:nvGrpSpPr>
+        <p:grpSpPr>
+          <a:xfrm>
+            <a:off x="9938544" y="1995600"/>
+            <a:ext cx="260150" cy="258652"/>
+            <a:chOff x="9902710" y="1994011"/>
+            <a:chExt cx="287253" cy="323184"/>
+          </a:xfrm>
+        </p:grpSpPr>
+        <p:sp>
+          <p:nvSpPr>
+            <p:cNvPr id="2" name="직사각형 1">
+              <a:extLst>
+                <a:ext uri="{FF2B5EF4-FFF2-40B4-BE49-F238E27FC236}">
+                  <a16:creationId xmlns:a16="http://schemas.microsoft.com/office/drawing/2014/main" id="{6ACAFCB7-B58D-A0E1-9839-3E9711CF49F0}"/>
+                </a:ext>
+              </a:extLst>
+            </p:cNvPr>
+            <p:cNvSpPr/>
+            <p:nvPr/>
+          </p:nvSpPr>
+          <p:spPr>
+            <a:xfrm>
+              <a:off x="9902710" y="1994011"/>
+              <a:ext cx="287253" cy="323184"/>
+            </a:xfrm>
+            <a:prstGeom prst="rect">
+              <a:avLst/>
+            </a:prstGeom>
+            <a:solidFill>
+              <a:schemeClr val="tx1">
+                <a:lumMod val="95000"/>
+                <a:lumOff val="5000"/>
+              </a:schemeClr>
+            </a:solidFill>
+            <a:ln>
+              <a:solidFill>
+                <a:schemeClr val="tx1">
+                  <a:lumMod val="50000"/>
+                  <a:lumOff val="50000"/>
+                </a:schemeClr>
+              </a:solidFill>
+            </a:ln>
+          </p:spPr>
+          <p:style>
+            <a:lnRef idx="2">
+              <a:schemeClr val="accent1">
+                <a:shade val="15000"/>
+              </a:schemeClr>
+            </a:lnRef>
+            <a:fillRef idx="1">
+              <a:schemeClr val="accent1"/>
+            </a:fillRef>
+            <a:effectRef idx="0">
+              <a:schemeClr val="accent1"/>
+            </a:effectRef>
+            <a:fontRef idx="minor">
+              <a:schemeClr val="lt1"/>
+            </a:fontRef>
+          </p:style>
+          <p:txBody>
+            <a:bodyPr rtlCol="0" anchor="ctr"/>
+            <a:lstStyle/>
+            <a:p>
+              <a:pPr algn="ctr"/>
+              <a:endParaRPr lang="ko-KR" altLang="en-US" dirty="0">
+                <a:solidFill>
+                  <a:srgbClr val="C00000"/>
+                </a:solidFill>
+              </a:endParaRPr>
+            </a:p>
+          </p:txBody>
+        </p:sp>
+        <p:sp>
+          <p:nvSpPr>
+            <p:cNvPr id="7" name="화살표: U자형 6">
+              <a:extLst>
+                <a:ext uri="{FF2B5EF4-FFF2-40B4-BE49-F238E27FC236}">
+                  <a16:creationId xmlns:a16="http://schemas.microsoft.com/office/drawing/2014/main" id="{E72267CC-3B33-0643-1477-AD72C0AD376B}"/>
+                </a:ext>
+              </a:extLst>
+            </p:cNvPr>
+            <p:cNvSpPr/>
+            <p:nvPr/>
+          </p:nvSpPr>
+          <p:spPr>
+            <a:xfrm rot="5400000">
+              <a:off x="9905030" y="2031778"/>
+              <a:ext cx="285565" cy="247650"/>
+            </a:xfrm>
+            <a:prstGeom prst="uturnArrow">
+              <a:avLst>
+                <a:gd name="adj1" fmla="val 16726"/>
+                <a:gd name="adj2" fmla="val 25000"/>
+                <a:gd name="adj3" fmla="val 35578"/>
+                <a:gd name="adj4" fmla="val 22595"/>
+                <a:gd name="adj5" fmla="val 79807"/>
+              </a:avLst>
+            </a:prstGeom>
+            <a:solidFill>
+              <a:srgbClr val="C00000"/>
+            </a:solidFill>
+            <a:ln>
+              <a:solidFill>
+                <a:schemeClr val="bg1">
+                  <a:lumMod val="75000"/>
+                </a:schemeClr>
+              </a:solidFill>
+            </a:ln>
+          </p:spPr>
+          <p:style>
+            <a:lnRef idx="2">
+              <a:schemeClr val="accent1">
+                <a:shade val="15000"/>
+              </a:schemeClr>
+            </a:lnRef>
+            <a:fillRef idx="1">
+              <a:schemeClr val="accent1"/>
+            </a:fillRef>
+            <a:effectRef idx="0">
+              <a:schemeClr val="accent1"/>
+            </a:effectRef>
+            <a:fontRef idx="minor">
+              <a:schemeClr val="lt1"/>
+            </a:fontRef>
+          </p:style>
+          <p:txBody>
+            <a:bodyPr rtlCol="0" anchor="ctr"/>
+            <a:lstStyle/>
+            <a:p>
+              <a:pPr algn="ctr"/>
+              <a:endParaRPr lang="ko-KR" altLang="en-US">
+                <a:solidFill>
+                  <a:schemeClr val="tx1"/>
+                </a:solidFill>
+              </a:endParaRPr>
+            </a:p>
+          </p:txBody>
+        </p:sp>
+      </p:grpSp>
+    </p:spTree>
+    <p:extLst>
+      <p:ext uri="{BB962C8B-B14F-4D97-AF65-F5344CB8AC3E}">
+        <p14:creationId xmlns:p14="http://schemas.microsoft.com/office/powerpoint/2010/main" val="3646162943"/>
+      </p:ext>
+    </p:extLst>
+  </p:cSld>
+  <p:clrMapOvr>
+    <a:masterClrMapping/>
+  </p:clrMapOvr>
+</p:sld>
+</file>
+
+<file path=ppt/slides/slide6.xml><?xml version="1.0" encoding="utf-8"?>
+<p:sld xmlns:a="http://schemas.openxmlformats.org/drawingml/2006/main" xmlns:r="http://schemas.openxmlformats.org/officeDocument/2006/relationships" xmlns:p="http://schemas.openxmlformats.org/presentationml/2006/main">
+  <p:cSld>
+    <p:spTree>
+      <p:nvGrpSpPr>
+        <p:cNvPr id="1" name=""/>
+        <p:cNvGrpSpPr/>
+        <p:nvPr/>
+      </p:nvGrpSpPr>
+      <p:grpSpPr>
+        <a:xfrm>
+          <a:off x="0" y="0"/>
+          <a:ext cx="0" cy="0"/>
+          <a:chOff x="0" y="0"/>
+          <a:chExt cx="0" cy="0"/>
+        </a:xfrm>
+      </p:grpSpPr>
+      <p:pic>
+        <p:nvPicPr>
+          <p:cNvPr id="8" name="그림 7">
+            <a:extLst>
+              <a:ext uri="{FF2B5EF4-FFF2-40B4-BE49-F238E27FC236}">
+                <a16:creationId xmlns:a16="http://schemas.microsoft.com/office/drawing/2014/main" id="{7160F3C6-882E-CF65-0291-99B1F5F2ACD9}"/>
+              </a:ext>
+            </a:extLst>
+          </p:cNvPr>
+          <p:cNvPicPr>
+            <a:picLocks noChangeAspect="1"/>
+          </p:cNvPicPr>
+          <p:nvPr/>
+        </p:nvPicPr>
+        <p:blipFill>
+          <a:blip r:embed="rId2">
+            <a:extLst>
+              <a:ext uri="{28A0092B-C50C-407E-A947-70E740481C1C}">
+                <a14:useLocalDpi xmlns:a14="http://schemas.microsoft.com/office/drawing/2010/main" val="0"/>
+              </a:ext>
+            </a:extLst>
+          </a:blip>
+          <a:stretch>
+            <a:fillRect/>
+          </a:stretch>
+        </p:blipFill>
+        <p:spPr>
+          <a:xfrm>
+            <a:off x="1809750" y="0"/>
+            <a:ext cx="8572500" cy="6858000"/>
+          </a:xfrm>
+          <a:prstGeom prst="rect">
+            <a:avLst/>
+          </a:prstGeom>
+        </p:spPr>
+      </p:pic>
+      <p:sp>
+        <p:nvSpPr>
+          <p:cNvPr id="18" name="사각형: 둥근 모서리 17">
+            <a:extLst>
+              <a:ext uri="{FF2B5EF4-FFF2-40B4-BE49-F238E27FC236}">
+                <a16:creationId xmlns:a16="http://schemas.microsoft.com/office/drawing/2014/main" id="{0D27EAF0-65E9-8067-7911-FBEBA5801936}"/>
+              </a:ext>
+            </a:extLst>
+          </p:cNvPr>
+          <p:cNvSpPr/>
+          <p:nvPr/>
+        </p:nvSpPr>
+        <p:spPr>
+          <a:xfrm>
+            <a:off x="2084605" y="2057864"/>
+            <a:ext cx="1211046" cy="362206"/>
+          </a:xfrm>
+          <a:prstGeom prst="roundRect">
+            <a:avLst/>
+          </a:prstGeom>
+          <a:noFill/>
+          <a:ln>
+            <a:noFill/>
+          </a:ln>
+        </p:spPr>
+        <p:style>
+          <a:lnRef idx="2">
+            <a:schemeClr val="accent1">
+              <a:shade val="15000"/>
+            </a:schemeClr>
+          </a:lnRef>
+          <a:fillRef idx="1">
+            <a:schemeClr val="accent1"/>
+          </a:fillRef>
+          <a:effectRef idx="0">
+            <a:schemeClr val="accent1"/>
+          </a:effectRef>
+          <a:fontRef idx="minor">
+            <a:schemeClr val="lt1"/>
+          </a:fontRef>
+        </p:style>
+        <p:txBody>
+          <a:bodyPr rtlCol="0" anchor="ctr"/>
+          <a:lstStyle/>
+          <a:p>
+            <a:r>
+              <a:rPr lang="en-US" altLang="ko-KR" sz="1400" dirty="0">
+                <a:solidFill>
+                  <a:srgbClr val="325D6D"/>
+                </a:solidFill>
+                <a:latin typeface="나눔스퀘어 ExtraBold" panose="020B0600000101010101" pitchFamily="50" charset="-127"/>
+                <a:ea typeface="나눔스퀘어 ExtraBold" panose="020B0600000101010101" pitchFamily="50" charset="-127"/>
+              </a:rPr>
+              <a:t>NO.</a:t>
+            </a:r>
+            <a:endParaRPr lang="ko-KR" altLang="en-US" sz="1400" dirty="0">
+              <a:solidFill>
+                <a:srgbClr val="325D6D"/>
+              </a:solidFill>
+              <a:latin typeface="나눔스퀘어 ExtraBold" panose="020B0600000101010101" pitchFamily="50" charset="-127"/>
+              <a:ea typeface="나눔스퀘어 ExtraBold" panose="020B0600000101010101" pitchFamily="50" charset="-127"/>
+            </a:endParaRPr>
+          </a:p>
+        </p:txBody>
+      </p:sp>
       <p:sp>
         <p:nvSpPr>
           <p:cNvPr id="21" name="직사각형 20">
@@ -13631,10 +15000,339 @@
           </p:txBody>
         </p:sp>
       </p:grpSp>
+      <p:grpSp>
+        <p:nvGrpSpPr>
+          <p:cNvPr id="10" name="그룹 9">
+            <a:extLst>
+              <a:ext uri="{FF2B5EF4-FFF2-40B4-BE49-F238E27FC236}">
+                <a16:creationId xmlns:a16="http://schemas.microsoft.com/office/drawing/2014/main" id="{A5D35E35-069D-25D7-2236-DEF0354FC38B}"/>
+              </a:ext>
+            </a:extLst>
+          </p:cNvPr>
+          <p:cNvGrpSpPr/>
+          <p:nvPr/>
+        </p:nvGrpSpPr>
+        <p:grpSpPr>
+          <a:xfrm>
+            <a:off x="2572284" y="2584296"/>
+            <a:ext cx="6709333" cy="1810590"/>
+            <a:chOff x="2572284" y="2584296"/>
+            <a:chExt cx="6709333" cy="1810590"/>
+          </a:xfrm>
+        </p:grpSpPr>
+        <p:sp>
+          <p:nvSpPr>
+            <p:cNvPr id="2" name="직사각형 1">
+              <a:extLst>
+                <a:ext uri="{FF2B5EF4-FFF2-40B4-BE49-F238E27FC236}">
+                  <a16:creationId xmlns:a16="http://schemas.microsoft.com/office/drawing/2014/main" id="{85A5D5E2-2105-7486-B4DA-E1F993C28C71}"/>
+                </a:ext>
+              </a:extLst>
+            </p:cNvPr>
+            <p:cNvSpPr/>
+            <p:nvPr/>
+          </p:nvSpPr>
+          <p:spPr>
+            <a:xfrm>
+              <a:off x="2572284" y="2584296"/>
+              <a:ext cx="6709333" cy="1810590"/>
+            </a:xfrm>
+            <a:prstGeom prst="rect">
+              <a:avLst/>
+            </a:prstGeom>
+            <a:solidFill>
+              <a:schemeClr val="tx1"/>
+            </a:solidFill>
+            <a:ln w="19050">
+              <a:solidFill>
+                <a:srgbClr val="F6DEAA"/>
+              </a:solidFill>
+            </a:ln>
+          </p:spPr>
+          <p:style>
+            <a:lnRef idx="2">
+              <a:schemeClr val="accent1">
+                <a:shade val="15000"/>
+              </a:schemeClr>
+            </a:lnRef>
+            <a:fillRef idx="1">
+              <a:schemeClr val="accent1"/>
+            </a:fillRef>
+            <a:effectRef idx="0">
+              <a:schemeClr val="accent1"/>
+            </a:effectRef>
+            <a:fontRef idx="minor">
+              <a:schemeClr val="lt1"/>
+            </a:fontRef>
+          </p:style>
+          <p:txBody>
+            <a:bodyPr rtlCol="0" anchor="ctr"/>
+            <a:lstStyle/>
+            <a:p>
+              <a:pPr algn="ctr"/>
+              <a:endParaRPr lang="ko-KR" altLang="en-US" dirty="0"/>
+            </a:p>
+          </p:txBody>
+        </p:sp>
+        <p:sp>
+          <p:nvSpPr>
+            <p:cNvPr id="4" name="사각형: 둥근 모서리 3">
+              <a:extLst>
+                <a:ext uri="{FF2B5EF4-FFF2-40B4-BE49-F238E27FC236}">
+                  <a16:creationId xmlns:a16="http://schemas.microsoft.com/office/drawing/2014/main" id="{572332E4-DAE4-73F0-C234-359FB758478A}"/>
+                </a:ext>
+              </a:extLst>
+            </p:cNvPr>
+            <p:cNvSpPr/>
+            <p:nvPr/>
+          </p:nvSpPr>
+          <p:spPr>
+            <a:xfrm>
+              <a:off x="2725846" y="3101856"/>
+              <a:ext cx="1020232" cy="654288"/>
+            </a:xfrm>
+            <a:prstGeom prst="roundRect">
+              <a:avLst/>
+            </a:prstGeom>
+            <a:noFill/>
+            <a:ln w="38100">
+              <a:solidFill>
+                <a:schemeClr val="bg1">
+                  <a:lumMod val="50000"/>
+                </a:schemeClr>
+              </a:solidFill>
+            </a:ln>
+          </p:spPr>
+          <p:style>
+            <a:lnRef idx="2">
+              <a:schemeClr val="accent1">
+                <a:shade val="15000"/>
+              </a:schemeClr>
+            </a:lnRef>
+            <a:fillRef idx="1">
+              <a:schemeClr val="accent1"/>
+            </a:fillRef>
+            <a:effectRef idx="0">
+              <a:schemeClr val="accent1"/>
+            </a:effectRef>
+            <a:fontRef idx="minor">
+              <a:schemeClr val="lt1"/>
+            </a:fontRef>
+          </p:style>
+          <p:txBody>
+            <a:bodyPr lIns="0" tIns="0" rIns="0" bIns="0" rtlCol="0" anchor="ctr"/>
+            <a:lstStyle/>
+            <a:p>
+              <a:pPr algn="ctr"/>
+              <a:r>
+                <a:rPr lang="ko-KR" altLang="en-US" dirty="0">
+                  <a:latin typeface="에스코어 드림 6 Bold" panose="020B0703030302020204" pitchFamily="34" charset="-127"/>
+                  <a:ea typeface="에스코어 드림 6 Bold" panose="020B0703030302020204" pitchFamily="34" charset="-127"/>
+                </a:rPr>
+                <a:t>방 제목</a:t>
+              </a:r>
+            </a:p>
+          </p:txBody>
+        </p:sp>
+        <p:sp>
+          <p:nvSpPr>
+            <p:cNvPr id="5" name="사각형: 둥근 모서리 4">
+              <a:extLst>
+                <a:ext uri="{FF2B5EF4-FFF2-40B4-BE49-F238E27FC236}">
+                  <a16:creationId xmlns:a16="http://schemas.microsoft.com/office/drawing/2014/main" id="{C188DE85-D908-CCD8-5104-2D158C311F3A}"/>
+                </a:ext>
+              </a:extLst>
+            </p:cNvPr>
+            <p:cNvSpPr/>
+            <p:nvPr/>
+          </p:nvSpPr>
+          <p:spPr>
+            <a:xfrm>
+              <a:off x="3899640" y="3101856"/>
+              <a:ext cx="5287803" cy="654288"/>
+            </a:xfrm>
+            <a:prstGeom prst="roundRect">
+              <a:avLst/>
+            </a:prstGeom>
+            <a:solidFill>
+              <a:schemeClr val="bg1">
+                <a:lumMod val="75000"/>
+              </a:schemeClr>
+            </a:solidFill>
+            <a:ln w="38100">
+              <a:solidFill>
+                <a:schemeClr val="bg1">
+                  <a:lumMod val="50000"/>
+                </a:schemeClr>
+              </a:solidFill>
+            </a:ln>
+          </p:spPr>
+          <p:style>
+            <a:lnRef idx="2">
+              <a:schemeClr val="accent1">
+                <a:shade val="15000"/>
+              </a:schemeClr>
+            </a:lnRef>
+            <a:fillRef idx="1">
+              <a:schemeClr val="accent1"/>
+            </a:fillRef>
+            <a:effectRef idx="0">
+              <a:schemeClr val="accent1"/>
+            </a:effectRef>
+            <a:fontRef idx="minor">
+              <a:schemeClr val="lt1"/>
+            </a:fontRef>
+          </p:style>
+          <p:txBody>
+            <a:bodyPr rtlCol="0" anchor="ctr"/>
+            <a:lstStyle/>
+            <a:p>
+              <a:pPr algn="ctr"/>
+              <a:endParaRPr lang="ko-KR" altLang="en-US" sz="1400" dirty="0">
+                <a:latin typeface="나눔스퀘어 Bold" panose="020B0600000101010101" pitchFamily="50" charset="-127"/>
+                <a:ea typeface="나눔스퀘어 Bold" panose="020B0600000101010101" pitchFamily="50" charset="-127"/>
+              </a:endParaRPr>
+            </a:p>
+          </p:txBody>
+        </p:sp>
+        <p:sp>
+          <p:nvSpPr>
+            <p:cNvPr id="6" name="사각형: 둥근 모서리 5">
+              <a:extLst>
+                <a:ext uri="{FF2B5EF4-FFF2-40B4-BE49-F238E27FC236}">
+                  <a16:creationId xmlns:a16="http://schemas.microsoft.com/office/drawing/2014/main" id="{5C7770D0-7A79-5A27-EF22-0B62043D6E58}"/>
+                </a:ext>
+              </a:extLst>
+            </p:cNvPr>
+            <p:cNvSpPr/>
+            <p:nvPr/>
+          </p:nvSpPr>
+          <p:spPr>
+            <a:xfrm>
+              <a:off x="8332554" y="3896881"/>
+              <a:ext cx="874901" cy="417062"/>
+            </a:xfrm>
+            <a:prstGeom prst="roundRect">
+              <a:avLst/>
+            </a:prstGeom>
+            <a:noFill/>
+            <a:ln w="38100">
+              <a:solidFill>
+                <a:schemeClr val="bg1">
+                  <a:lumMod val="50000"/>
+                </a:schemeClr>
+              </a:solidFill>
+            </a:ln>
+          </p:spPr>
+          <p:style>
+            <a:lnRef idx="2">
+              <a:schemeClr val="accent1">
+                <a:shade val="15000"/>
+              </a:schemeClr>
+            </a:lnRef>
+            <a:fillRef idx="1">
+              <a:schemeClr val="accent1"/>
+            </a:fillRef>
+            <a:effectRef idx="0">
+              <a:schemeClr val="accent1"/>
+            </a:effectRef>
+            <a:fontRef idx="minor">
+              <a:schemeClr val="lt1"/>
+            </a:fontRef>
+          </p:style>
+          <p:txBody>
+            <a:bodyPr lIns="0" tIns="0" rIns="0" bIns="0" rtlCol="0" anchor="ctr"/>
+            <a:lstStyle/>
+            <a:p>
+              <a:pPr algn="ctr"/>
+              <a:r>
+                <a:rPr lang="ko-KR" altLang="en-US" sz="1600" dirty="0">
+                  <a:solidFill>
+                    <a:schemeClr val="bg1">
+                      <a:lumMod val="50000"/>
+                    </a:schemeClr>
+                  </a:solidFill>
+                  <a:latin typeface="나눔스퀘어 Bold" panose="020B0600000101010101" pitchFamily="50" charset="-127"/>
+                  <a:ea typeface="나눔스퀘어 Bold" panose="020B0600000101010101" pitchFamily="50" charset="-127"/>
+                </a:rPr>
+                <a:t>취소</a:t>
+              </a:r>
+            </a:p>
+          </p:txBody>
+        </p:sp>
+        <p:sp>
+          <p:nvSpPr>
+            <p:cNvPr id="7" name="사각형: 둥근 모서리 6">
+              <a:extLst>
+                <a:ext uri="{FF2B5EF4-FFF2-40B4-BE49-F238E27FC236}">
+                  <a16:creationId xmlns:a16="http://schemas.microsoft.com/office/drawing/2014/main" id="{3C356690-5CC3-3588-1743-830D9EB03969}"/>
+                </a:ext>
+              </a:extLst>
+            </p:cNvPr>
+            <p:cNvSpPr/>
+            <p:nvPr/>
+          </p:nvSpPr>
+          <p:spPr>
+            <a:xfrm>
+              <a:off x="7370866" y="3896510"/>
+              <a:ext cx="874901" cy="417061"/>
+            </a:xfrm>
+            <a:prstGeom prst="roundRect">
+              <a:avLst/>
+            </a:prstGeom>
+            <a:noFill/>
+            <a:ln w="38100">
+              <a:solidFill>
+                <a:srgbClr val="0CB8DA"/>
+              </a:solidFill>
+            </a:ln>
+          </p:spPr>
+          <p:style>
+            <a:lnRef idx="2">
+              <a:schemeClr val="accent1">
+                <a:shade val="15000"/>
+              </a:schemeClr>
+            </a:lnRef>
+            <a:fillRef idx="1">
+              <a:schemeClr val="accent1"/>
+            </a:fillRef>
+            <a:effectRef idx="0">
+              <a:schemeClr val="accent1"/>
+            </a:effectRef>
+            <a:fontRef idx="minor">
+              <a:schemeClr val="lt1"/>
+            </a:fontRef>
+          </p:style>
+          <p:txBody>
+            <a:bodyPr lIns="0" tIns="0" rIns="0" bIns="0" rtlCol="0" anchor="ctr"/>
+            <a:lstStyle/>
+            <a:p>
+              <a:pPr algn="ctr"/>
+              <a:r>
+                <a:rPr lang="ko-KR" altLang="en-US" sz="1600" dirty="0">
+                  <a:solidFill>
+                    <a:srgbClr val="0CB8DA"/>
+                  </a:solidFill>
+                  <a:latin typeface="나눔스퀘어 Bold" panose="020B0600000101010101" pitchFamily="50" charset="-127"/>
+                  <a:ea typeface="나눔스퀘어 Bold" panose="020B0600000101010101" pitchFamily="50" charset="-127"/>
+                </a:rPr>
+                <a:t>확인</a:t>
+              </a:r>
+              <a:endParaRPr lang="ko-KR" altLang="en-US" sz="1600" spc="-300" dirty="0">
+                <a:solidFill>
+                  <a:srgbClr val="0CB8DA"/>
+                </a:solidFill>
+                <a:latin typeface="나눔스퀘어 Bold" panose="020B0600000101010101" pitchFamily="50" charset="-127"/>
+                <a:ea typeface="나눔스퀘어 Bold" panose="020B0600000101010101" pitchFamily="50" charset="-127"/>
+              </a:endParaRPr>
+            </a:p>
+          </p:txBody>
+        </p:sp>
+      </p:grpSp>
     </p:spTree>
     <p:extLst>
       <p:ext uri="{BB962C8B-B14F-4D97-AF65-F5344CB8AC3E}">
-        <p14:creationId xmlns:p14="http://schemas.microsoft.com/office/powerpoint/2010/main" val="3646162943"/>
+        <p14:creationId xmlns:p14="http://schemas.microsoft.com/office/powerpoint/2010/main" val="1667388001"/>
       </p:ext>
     </p:extLst>
   </p:cSld>

--- a/Client/PvE/REVENGER/UI/XDUI/UI.pptx
+++ b/Client/PvE/REVENGER/UI/XDUI/UI.pptx
@@ -11,6 +11,7 @@
     <p:sldId id="259" r:id="rId5"/>
     <p:sldId id="260" r:id="rId6"/>
     <p:sldId id="261" r:id="rId7"/>
+    <p:sldId id="262" r:id="rId8"/>
   </p:sldIdLst>
   <p:sldSz cx="12192000" cy="6858000"/>
   <p:notesSz cx="6858000" cy="9144000"/>
@@ -264,7 +265,7 @@
           <a:p>
             <a:fld id="{E54CAA87-A1E0-4A2A-8255-07B10906445F}" type="datetimeFigureOut">
               <a:rPr lang="ko-KR" altLang="en-US" smtClean="0"/>
-              <a:t>2023-07-09</a:t>
+              <a:t>2023-07-10</a:t>
             </a:fld>
             <a:endParaRPr lang="ko-KR" altLang="en-US"/>
           </a:p>
@@ -462,7 +463,7 @@
           <a:p>
             <a:fld id="{E54CAA87-A1E0-4A2A-8255-07B10906445F}" type="datetimeFigureOut">
               <a:rPr lang="ko-KR" altLang="en-US" smtClean="0"/>
-              <a:t>2023-07-09</a:t>
+              <a:t>2023-07-10</a:t>
             </a:fld>
             <a:endParaRPr lang="ko-KR" altLang="en-US"/>
           </a:p>
@@ -670,7 +671,7 @@
           <a:p>
             <a:fld id="{E54CAA87-A1E0-4A2A-8255-07B10906445F}" type="datetimeFigureOut">
               <a:rPr lang="ko-KR" altLang="en-US" smtClean="0"/>
-              <a:t>2023-07-09</a:t>
+              <a:t>2023-07-10</a:t>
             </a:fld>
             <a:endParaRPr lang="ko-KR" altLang="en-US"/>
           </a:p>
@@ -868,7 +869,7 @@
           <a:p>
             <a:fld id="{E54CAA87-A1E0-4A2A-8255-07B10906445F}" type="datetimeFigureOut">
               <a:rPr lang="ko-KR" altLang="en-US" smtClean="0"/>
-              <a:t>2023-07-09</a:t>
+              <a:t>2023-07-10</a:t>
             </a:fld>
             <a:endParaRPr lang="ko-KR" altLang="en-US"/>
           </a:p>
@@ -1143,7 +1144,7 @@
           <a:p>
             <a:fld id="{E54CAA87-A1E0-4A2A-8255-07B10906445F}" type="datetimeFigureOut">
               <a:rPr lang="ko-KR" altLang="en-US" smtClean="0"/>
-              <a:t>2023-07-09</a:t>
+              <a:t>2023-07-10</a:t>
             </a:fld>
             <a:endParaRPr lang="ko-KR" altLang="en-US"/>
           </a:p>
@@ -1408,7 +1409,7 @@
           <a:p>
             <a:fld id="{E54CAA87-A1E0-4A2A-8255-07B10906445F}" type="datetimeFigureOut">
               <a:rPr lang="ko-KR" altLang="en-US" smtClean="0"/>
-              <a:t>2023-07-09</a:t>
+              <a:t>2023-07-10</a:t>
             </a:fld>
             <a:endParaRPr lang="ko-KR" altLang="en-US"/>
           </a:p>
@@ -1820,7 +1821,7 @@
           <a:p>
             <a:fld id="{E54CAA87-A1E0-4A2A-8255-07B10906445F}" type="datetimeFigureOut">
               <a:rPr lang="ko-KR" altLang="en-US" smtClean="0"/>
-              <a:t>2023-07-09</a:t>
+              <a:t>2023-07-10</a:t>
             </a:fld>
             <a:endParaRPr lang="ko-KR" altLang="en-US"/>
           </a:p>
@@ -1961,7 +1962,7 @@
           <a:p>
             <a:fld id="{E54CAA87-A1E0-4A2A-8255-07B10906445F}" type="datetimeFigureOut">
               <a:rPr lang="ko-KR" altLang="en-US" smtClean="0"/>
-              <a:t>2023-07-09</a:t>
+              <a:t>2023-07-10</a:t>
             </a:fld>
             <a:endParaRPr lang="ko-KR" altLang="en-US"/>
           </a:p>
@@ -2074,7 +2075,7 @@
           <a:p>
             <a:fld id="{E54CAA87-A1E0-4A2A-8255-07B10906445F}" type="datetimeFigureOut">
               <a:rPr lang="ko-KR" altLang="en-US" smtClean="0"/>
-              <a:t>2023-07-09</a:t>
+              <a:t>2023-07-10</a:t>
             </a:fld>
             <a:endParaRPr lang="ko-KR" altLang="en-US"/>
           </a:p>
@@ -2385,7 +2386,7 @@
           <a:p>
             <a:fld id="{E54CAA87-A1E0-4A2A-8255-07B10906445F}" type="datetimeFigureOut">
               <a:rPr lang="ko-KR" altLang="en-US" smtClean="0"/>
-              <a:t>2023-07-09</a:t>
+              <a:t>2023-07-10</a:t>
             </a:fld>
             <a:endParaRPr lang="ko-KR" altLang="en-US"/>
           </a:p>
@@ -2673,7 +2674,7 @@
           <a:p>
             <a:fld id="{E54CAA87-A1E0-4A2A-8255-07B10906445F}" type="datetimeFigureOut">
               <a:rPr lang="ko-KR" altLang="en-US" smtClean="0"/>
-              <a:t>2023-07-09</a:t>
+              <a:t>2023-07-10</a:t>
             </a:fld>
             <a:endParaRPr lang="ko-KR" altLang="en-US"/>
           </a:p>
@@ -2914,7 +2915,7 @@
           <a:p>
             <a:fld id="{E54CAA87-A1E0-4A2A-8255-07B10906445F}" type="datetimeFigureOut">
               <a:rPr lang="ko-KR" altLang="en-US" smtClean="0"/>
-              <a:t>2023-07-09</a:t>
+              <a:t>2023-07-10</a:t>
             </a:fld>
             <a:endParaRPr lang="ko-KR" altLang="en-US"/>
           </a:p>
@@ -7074,7 +7075,7 @@
         </p:blipFill>
         <p:spPr>
           <a:xfrm>
-            <a:off x="12778622" y="2737186"/>
+            <a:off x="12985483" y="944279"/>
             <a:ext cx="762000" cy="762000"/>
           </a:xfrm>
           <a:prstGeom prst="rect">
@@ -7505,6 +7506,114 @@
           </a:solidFill>
           <a:ln>
             <a:noFill/>
+          </a:ln>
+        </p:spPr>
+        <p:style>
+          <a:lnRef idx="2">
+            <a:schemeClr val="accent1">
+              <a:shade val="15000"/>
+            </a:schemeClr>
+          </a:lnRef>
+          <a:fillRef idx="1">
+            <a:schemeClr val="accent1"/>
+          </a:fillRef>
+          <a:effectRef idx="0">
+            <a:schemeClr val="accent1"/>
+          </a:effectRef>
+          <a:fontRef idx="minor">
+            <a:schemeClr val="lt1"/>
+          </a:fontRef>
+        </p:style>
+        <p:txBody>
+          <a:bodyPr rtlCol="0" anchor="ctr"/>
+          <a:lstStyle/>
+          <a:p>
+            <a:pPr algn="ctr"/>
+            <a:endParaRPr lang="ko-KR" altLang="en-US"/>
+          </a:p>
+        </p:txBody>
+      </p:sp>
+      <p:sp>
+        <p:nvSpPr>
+          <p:cNvPr id="8" name="타원 7">
+            <a:extLst>
+              <a:ext uri="{FF2B5EF4-FFF2-40B4-BE49-F238E27FC236}">
+                <a16:creationId xmlns:a16="http://schemas.microsoft.com/office/drawing/2014/main" id="{752FA870-D998-3AA5-2082-B2667C1DA29F}"/>
+              </a:ext>
+            </a:extLst>
+          </p:cNvPr>
+          <p:cNvSpPr/>
+          <p:nvPr/>
+        </p:nvSpPr>
+        <p:spPr>
+          <a:xfrm>
+            <a:off x="12778622" y="2270247"/>
+            <a:ext cx="36000" cy="36000"/>
+          </a:xfrm>
+          <a:prstGeom prst="ellipse">
+            <a:avLst/>
+          </a:prstGeom>
+          <a:solidFill>
+            <a:srgbClr val="C00000"/>
+          </a:solidFill>
+          <a:ln>
+            <a:solidFill>
+              <a:srgbClr val="C00000"/>
+            </a:solidFill>
+          </a:ln>
+        </p:spPr>
+        <p:style>
+          <a:lnRef idx="2">
+            <a:schemeClr val="accent1">
+              <a:shade val="15000"/>
+            </a:schemeClr>
+          </a:lnRef>
+          <a:fillRef idx="1">
+            <a:schemeClr val="accent1"/>
+          </a:fillRef>
+          <a:effectRef idx="0">
+            <a:schemeClr val="accent1"/>
+          </a:effectRef>
+          <a:fontRef idx="minor">
+            <a:schemeClr val="lt1"/>
+          </a:fontRef>
+        </p:style>
+        <p:txBody>
+          <a:bodyPr rtlCol="0" anchor="ctr"/>
+          <a:lstStyle/>
+          <a:p>
+            <a:pPr algn="ctr"/>
+            <a:endParaRPr lang="ko-KR" altLang="en-US"/>
+          </a:p>
+        </p:txBody>
+      </p:sp>
+      <p:sp>
+        <p:nvSpPr>
+          <p:cNvPr id="12" name="직사각형 11">
+            <a:extLst>
+              <a:ext uri="{FF2B5EF4-FFF2-40B4-BE49-F238E27FC236}">
+                <a16:creationId xmlns:a16="http://schemas.microsoft.com/office/drawing/2014/main" id="{0BB8FE70-A6DB-42DA-F38A-06101EBDA5BD}"/>
+              </a:ext>
+            </a:extLst>
+          </p:cNvPr>
+          <p:cNvSpPr/>
+          <p:nvPr/>
+        </p:nvSpPr>
+        <p:spPr>
+          <a:xfrm rot="2700000">
+            <a:off x="13335000" y="1943100"/>
+            <a:ext cx="72000" cy="72000"/>
+          </a:xfrm>
+          <a:prstGeom prst="rect">
+            <a:avLst/>
+          </a:prstGeom>
+          <a:solidFill>
+            <a:srgbClr val="C00000"/>
+          </a:solidFill>
+          <a:ln>
+            <a:solidFill>
+              <a:srgbClr val="C00000"/>
+            </a:solidFill>
           </a:ln>
         </p:spPr>
         <p:style>
@@ -15342,6 +15451,126 @@
 </p:sld>
 </file>
 
+<file path=ppt/slides/slide7.xml><?xml version="1.0" encoding="utf-8"?>
+<p:sld xmlns:a="http://schemas.openxmlformats.org/drawingml/2006/main" xmlns:r="http://schemas.openxmlformats.org/officeDocument/2006/relationships" xmlns:p="http://schemas.openxmlformats.org/presentationml/2006/main">
+  <p:cSld>
+    <p:spTree>
+      <p:nvGrpSpPr>
+        <p:cNvPr id="1" name=""/>
+        <p:cNvGrpSpPr/>
+        <p:nvPr/>
+      </p:nvGrpSpPr>
+      <p:grpSpPr>
+        <a:xfrm>
+          <a:off x="0" y="0"/>
+          <a:ext cx="0" cy="0"/>
+          <a:chOff x="0" y="0"/>
+          <a:chExt cx="0" cy="0"/>
+        </a:xfrm>
+      </p:grpSpPr>
+      <p:pic>
+        <p:nvPicPr>
+          <p:cNvPr id="9" name="그림 8">
+            <a:extLst>
+              <a:ext uri="{FF2B5EF4-FFF2-40B4-BE49-F238E27FC236}">
+                <a16:creationId xmlns:a16="http://schemas.microsoft.com/office/drawing/2014/main" id="{8E5200BE-B0D6-5B3C-6584-E22FBF1A7790}"/>
+              </a:ext>
+            </a:extLst>
+          </p:cNvPr>
+          <p:cNvPicPr>
+            <a:picLocks noChangeAspect="1"/>
+          </p:cNvPicPr>
+          <p:nvPr/>
+        </p:nvPicPr>
+        <p:blipFill>
+          <a:blip r:embed="rId2"/>
+          <a:stretch>
+            <a:fillRect/>
+          </a:stretch>
+        </p:blipFill>
+        <p:spPr>
+          <a:xfrm>
+            <a:off x="2107839" y="430802"/>
+            <a:ext cx="4267204" cy="5996396"/>
+          </a:xfrm>
+          <a:prstGeom prst="rect">
+            <a:avLst/>
+          </a:prstGeom>
+        </p:spPr>
+      </p:pic>
+      <p:pic>
+        <p:nvPicPr>
+          <p:cNvPr id="12" name="그림 11">
+            <a:extLst>
+              <a:ext uri="{FF2B5EF4-FFF2-40B4-BE49-F238E27FC236}">
+                <a16:creationId xmlns:a16="http://schemas.microsoft.com/office/drawing/2014/main" id="{FA4F5FC4-9FD4-D1FB-DD45-F6ADCEE85123}"/>
+              </a:ext>
+            </a:extLst>
+          </p:cNvPr>
+          <p:cNvPicPr>
+            <a:picLocks noChangeAspect="1"/>
+          </p:cNvPicPr>
+          <p:nvPr/>
+        </p:nvPicPr>
+        <p:blipFill>
+          <a:blip r:embed="rId3"/>
+          <a:stretch>
+            <a:fillRect/>
+          </a:stretch>
+        </p:blipFill>
+        <p:spPr>
+          <a:xfrm>
+            <a:off x="6744237" y="769818"/>
+            <a:ext cx="3417194" cy="5369878"/>
+          </a:xfrm>
+          <a:prstGeom prst="rect">
+            <a:avLst/>
+          </a:prstGeom>
+        </p:spPr>
+      </p:pic>
+      <p:pic>
+        <p:nvPicPr>
+          <p:cNvPr id="14" name="그림 13">
+            <a:extLst>
+              <a:ext uri="{FF2B5EF4-FFF2-40B4-BE49-F238E27FC236}">
+                <a16:creationId xmlns:a16="http://schemas.microsoft.com/office/drawing/2014/main" id="{4E16162A-6A91-838A-4E75-22C163392C90}"/>
+              </a:ext>
+            </a:extLst>
+          </p:cNvPr>
+          <p:cNvPicPr>
+            <a:picLocks noChangeAspect="1"/>
+          </p:cNvPicPr>
+          <p:nvPr/>
+        </p:nvPicPr>
+        <p:blipFill>
+          <a:blip r:embed="rId4"/>
+          <a:stretch>
+            <a:fillRect/>
+          </a:stretch>
+        </p:blipFill>
+        <p:spPr>
+          <a:xfrm>
+            <a:off x="395432" y="430802"/>
+            <a:ext cx="2686425" cy="4925112"/>
+          </a:xfrm>
+          <a:prstGeom prst="rect">
+            <a:avLst/>
+          </a:prstGeom>
+        </p:spPr>
+      </p:pic>
+    </p:spTree>
+    <p:extLst>
+      <p:ext uri="{BB962C8B-B14F-4D97-AF65-F5344CB8AC3E}">
+        <p14:creationId xmlns:p14="http://schemas.microsoft.com/office/powerpoint/2010/main" val="4143289742"/>
+      </p:ext>
+    </p:extLst>
+  </p:cSld>
+  <p:clrMapOvr>
+    <a:masterClrMapping/>
+  </p:clrMapOvr>
+</p:sld>
+</file>
+
 <file path=ppt/theme/theme1.xml><?xml version="1.0" encoding="utf-8"?>
 <a:theme xmlns:a="http://schemas.openxmlformats.org/drawingml/2006/main" name="Office 테마">
   <a:themeElements>

--- a/Client/PvE/REVENGER/UI/XDUI/UI.pptx
+++ b/Client/PvE/REVENGER/UI/XDUI/UI.pptx
@@ -265,7 +265,7 @@
           <a:p>
             <a:fld id="{E54CAA87-A1E0-4A2A-8255-07B10906445F}" type="datetimeFigureOut">
               <a:rPr lang="ko-KR" altLang="en-US" smtClean="0"/>
-              <a:t>2023-07-10</a:t>
+              <a:t>2023-07-12</a:t>
             </a:fld>
             <a:endParaRPr lang="ko-KR" altLang="en-US"/>
           </a:p>
@@ -463,7 +463,7 @@
           <a:p>
             <a:fld id="{E54CAA87-A1E0-4A2A-8255-07B10906445F}" type="datetimeFigureOut">
               <a:rPr lang="ko-KR" altLang="en-US" smtClean="0"/>
-              <a:t>2023-07-10</a:t>
+              <a:t>2023-07-12</a:t>
             </a:fld>
             <a:endParaRPr lang="ko-KR" altLang="en-US"/>
           </a:p>
@@ -671,7 +671,7 @@
           <a:p>
             <a:fld id="{E54CAA87-A1E0-4A2A-8255-07B10906445F}" type="datetimeFigureOut">
               <a:rPr lang="ko-KR" altLang="en-US" smtClean="0"/>
-              <a:t>2023-07-10</a:t>
+              <a:t>2023-07-12</a:t>
             </a:fld>
             <a:endParaRPr lang="ko-KR" altLang="en-US"/>
           </a:p>
@@ -869,7 +869,7 @@
           <a:p>
             <a:fld id="{E54CAA87-A1E0-4A2A-8255-07B10906445F}" type="datetimeFigureOut">
               <a:rPr lang="ko-KR" altLang="en-US" smtClean="0"/>
-              <a:t>2023-07-10</a:t>
+              <a:t>2023-07-12</a:t>
             </a:fld>
             <a:endParaRPr lang="ko-KR" altLang="en-US"/>
           </a:p>
@@ -1144,7 +1144,7 @@
           <a:p>
             <a:fld id="{E54CAA87-A1E0-4A2A-8255-07B10906445F}" type="datetimeFigureOut">
               <a:rPr lang="ko-KR" altLang="en-US" smtClean="0"/>
-              <a:t>2023-07-10</a:t>
+              <a:t>2023-07-12</a:t>
             </a:fld>
             <a:endParaRPr lang="ko-KR" altLang="en-US"/>
           </a:p>
@@ -1409,7 +1409,7 @@
           <a:p>
             <a:fld id="{E54CAA87-A1E0-4A2A-8255-07B10906445F}" type="datetimeFigureOut">
               <a:rPr lang="ko-KR" altLang="en-US" smtClean="0"/>
-              <a:t>2023-07-10</a:t>
+              <a:t>2023-07-12</a:t>
             </a:fld>
             <a:endParaRPr lang="ko-KR" altLang="en-US"/>
           </a:p>
@@ -1821,7 +1821,7 @@
           <a:p>
             <a:fld id="{E54CAA87-A1E0-4A2A-8255-07B10906445F}" type="datetimeFigureOut">
               <a:rPr lang="ko-KR" altLang="en-US" smtClean="0"/>
-              <a:t>2023-07-10</a:t>
+              <a:t>2023-07-12</a:t>
             </a:fld>
             <a:endParaRPr lang="ko-KR" altLang="en-US"/>
           </a:p>
@@ -1962,7 +1962,7 @@
           <a:p>
             <a:fld id="{E54CAA87-A1E0-4A2A-8255-07B10906445F}" type="datetimeFigureOut">
               <a:rPr lang="ko-KR" altLang="en-US" smtClean="0"/>
-              <a:t>2023-07-10</a:t>
+              <a:t>2023-07-12</a:t>
             </a:fld>
             <a:endParaRPr lang="ko-KR" altLang="en-US"/>
           </a:p>
@@ -2075,7 +2075,7 @@
           <a:p>
             <a:fld id="{E54CAA87-A1E0-4A2A-8255-07B10906445F}" type="datetimeFigureOut">
               <a:rPr lang="ko-KR" altLang="en-US" smtClean="0"/>
-              <a:t>2023-07-10</a:t>
+              <a:t>2023-07-12</a:t>
             </a:fld>
             <a:endParaRPr lang="ko-KR" altLang="en-US"/>
           </a:p>
@@ -2386,7 +2386,7 @@
           <a:p>
             <a:fld id="{E54CAA87-A1E0-4A2A-8255-07B10906445F}" type="datetimeFigureOut">
               <a:rPr lang="ko-KR" altLang="en-US" smtClean="0"/>
-              <a:t>2023-07-10</a:t>
+              <a:t>2023-07-12</a:t>
             </a:fld>
             <a:endParaRPr lang="ko-KR" altLang="en-US"/>
           </a:p>
@@ -2674,7 +2674,7 @@
           <a:p>
             <a:fld id="{E54CAA87-A1E0-4A2A-8255-07B10906445F}" type="datetimeFigureOut">
               <a:rPr lang="ko-KR" altLang="en-US" smtClean="0"/>
-              <a:t>2023-07-10</a:t>
+              <a:t>2023-07-12</a:t>
             </a:fld>
             <a:endParaRPr lang="ko-KR" altLang="en-US"/>
           </a:p>
@@ -2915,7 +2915,7 @@
           <a:p>
             <a:fld id="{E54CAA87-A1E0-4A2A-8255-07B10906445F}" type="datetimeFigureOut">
               <a:rPr lang="ko-KR" altLang="en-US" smtClean="0"/>
-              <a:t>2023-07-10</a:t>
+              <a:t>2023-07-12</a:t>
             </a:fld>
             <a:endParaRPr lang="ko-KR" altLang="en-US"/>
           </a:p>
@@ -7075,7 +7075,7 @@
         </p:blipFill>
         <p:spPr>
           <a:xfrm>
-            <a:off x="12985483" y="944279"/>
+            <a:off x="14104437" y="572515"/>
             <a:ext cx="762000" cy="762000"/>
           </a:xfrm>
           <a:prstGeom prst="rect">
@@ -7097,8 +7097,8 @@
         </p:nvSpPr>
         <p:spPr>
           <a:xfrm>
-            <a:off x="13859764" y="2814576"/>
-            <a:ext cx="45719" cy="161925"/>
+            <a:off x="13746989" y="2222964"/>
+            <a:ext cx="6035" cy="21600"/>
           </a:xfrm>
           <a:prstGeom prst="rect">
             <a:avLst/>
@@ -7106,22 +7106,19 @@
           <a:gradFill>
             <a:gsLst>
               <a:gs pos="0">
-                <a:schemeClr val="accent5">
-                  <a:lumMod val="0"/>
-                  <a:lumOff val="100000"/>
+                <a:schemeClr val="accent6">
+                  <a:lumMod val="50000"/>
                 </a:schemeClr>
               </a:gs>
               <a:gs pos="50000">
-                <a:schemeClr val="accent5">
-                  <a:lumMod val="0"/>
-                  <a:lumOff val="100000"/>
+                <a:schemeClr val="accent6">
+                  <a:lumMod val="75000"/>
                 </a:schemeClr>
               </a:gs>
               <a:gs pos="100000">
                 <a:schemeClr val="tx1">
                   <a:lumMod val="75000"/>
                   <a:lumOff val="25000"/>
-                  <a:alpha val="70000"/>
                 </a:schemeClr>
               </a:gs>
             </a:gsLst>
@@ -7172,8 +7169,8 @@
         </p:nvSpPr>
         <p:spPr>
           <a:xfrm>
-            <a:off x="13859764" y="3259870"/>
-            <a:ext cx="45719" cy="161925"/>
+            <a:off x="13746989" y="2278006"/>
+            <a:ext cx="6035" cy="21600"/>
           </a:xfrm>
           <a:prstGeom prst="rect">
             <a:avLst/>
@@ -7181,15 +7178,13 @@
           <a:gradFill flip="none" rotWithShape="1">
             <a:gsLst>
               <a:gs pos="0">
-                <a:schemeClr val="accent5">
-                  <a:lumMod val="0"/>
-                  <a:lumOff val="100000"/>
+                <a:schemeClr val="accent6">
+                  <a:lumMod val="50000"/>
                 </a:schemeClr>
               </a:gs>
               <a:gs pos="50000">
-                <a:schemeClr val="accent5">
-                  <a:lumMod val="0"/>
-                  <a:lumOff val="100000"/>
+                <a:schemeClr val="accent6">
+                  <a:lumMod val="75000"/>
                 </a:schemeClr>
               </a:gs>
               <a:gs pos="100000">
@@ -7248,8 +7243,8 @@
         </p:nvSpPr>
         <p:spPr>
           <a:xfrm>
-            <a:off x="14024665" y="3095264"/>
-            <a:ext cx="159544" cy="45719"/>
+            <a:off x="13766376" y="2258901"/>
+            <a:ext cx="21061" cy="6629"/>
           </a:xfrm>
           <a:prstGeom prst="rect">
             <a:avLst/>
@@ -7257,15 +7252,13 @@
           <a:gradFill flip="none" rotWithShape="1">
             <a:gsLst>
               <a:gs pos="0">
-                <a:schemeClr val="accent5">
-                  <a:lumMod val="0"/>
-                  <a:lumOff val="100000"/>
+                <a:schemeClr val="accent6">
+                  <a:lumMod val="50000"/>
                 </a:schemeClr>
               </a:gs>
               <a:gs pos="50000">
-                <a:schemeClr val="accent5">
-                  <a:lumMod val="0"/>
-                  <a:lumOff val="100000"/>
+                <a:schemeClr val="accent6">
+                  <a:lumMod val="75000"/>
                 </a:schemeClr>
               </a:gs>
               <a:gs pos="100000">
@@ -7324,8 +7317,8 @@
         </p:nvSpPr>
         <p:spPr>
           <a:xfrm>
-            <a:off x="13578951" y="3095263"/>
-            <a:ext cx="159544" cy="45720"/>
+            <a:off x="13712300" y="2258901"/>
+            <a:ext cx="21061" cy="6629"/>
           </a:xfrm>
           <a:prstGeom prst="rect">
             <a:avLst/>
@@ -7333,15 +7326,13 @@
           <a:gradFill flip="none" rotWithShape="1">
             <a:gsLst>
               <a:gs pos="0">
-                <a:schemeClr val="accent5">
-                  <a:lumMod val="0"/>
-                  <a:lumOff val="100000"/>
+                <a:schemeClr val="accent6">
+                  <a:lumMod val="50000"/>
                 </a:schemeClr>
               </a:gs>
               <a:gs pos="50000">
-                <a:schemeClr val="accent5">
-                  <a:lumMod val="0"/>
-                  <a:lumOff val="100000"/>
+                <a:schemeClr val="accent6">
+                  <a:lumMod val="75000"/>
                 </a:schemeClr>
               </a:gs>
               <a:gs pos="100000">
@@ -7601,8 +7592,8 @@
         </p:nvSpPr>
         <p:spPr>
           <a:xfrm rot="2700000">
-            <a:off x="13335000" y="1943100"/>
-            <a:ext cx="72000" cy="72000"/>
+            <a:off x="13353000" y="1935644"/>
+            <a:ext cx="36000" cy="36000"/>
           </a:xfrm>
           <a:prstGeom prst="rect">
             <a:avLst/>
@@ -7641,6 +7632,42 @@
           </a:p>
         </p:txBody>
       </p:sp>
+      <p:pic>
+        <p:nvPicPr>
+          <p:cNvPr id="14" name="그림 13">
+            <a:extLst>
+              <a:ext uri="{FF2B5EF4-FFF2-40B4-BE49-F238E27FC236}">
+                <a16:creationId xmlns:a16="http://schemas.microsoft.com/office/drawing/2014/main" id="{32F6D50A-E052-7DB8-DF00-D5DD2103B8BF}"/>
+              </a:ext>
+            </a:extLst>
+          </p:cNvPr>
+          <p:cNvPicPr>
+            <a:picLocks noChangeAspect="1"/>
+          </p:cNvPicPr>
+          <p:nvPr/>
+        </p:nvPicPr>
+        <p:blipFill>
+          <a:blip r:embed="rId10">
+            <a:extLst>
+              <a:ext uri="{28A0092B-C50C-407E-A947-70E740481C1C}">
+                <a14:useLocalDpi xmlns:a14="http://schemas.microsoft.com/office/drawing/2010/main" val="0"/>
+              </a:ext>
+            </a:extLst>
+          </a:blip>
+          <a:stretch>
+            <a:fillRect/>
+          </a:stretch>
+        </p:blipFill>
+        <p:spPr>
+          <a:xfrm>
+            <a:off x="11820268" y="1484962"/>
+            <a:ext cx="1946108" cy="1461042"/>
+          </a:xfrm>
+          <a:prstGeom prst="rect">
+            <a:avLst/>
+          </a:prstGeom>
+        </p:spPr>
+      </p:pic>
     </p:spTree>
     <p:extLst>
       <p:ext uri="{BB962C8B-B14F-4D97-AF65-F5344CB8AC3E}">

--- a/Client/PvE/REVENGER/UI/XDUI/UI.pptx
+++ b/Client/PvE/REVENGER/UI/XDUI/UI.pptx
@@ -12,6 +12,7 @@
     <p:sldId id="260" r:id="rId6"/>
     <p:sldId id="261" r:id="rId7"/>
     <p:sldId id="262" r:id="rId8"/>
+    <p:sldId id="263" r:id="rId9"/>
   </p:sldIdLst>
   <p:sldSz cx="12192000" cy="6858000"/>
   <p:notesSz cx="6858000" cy="9144000"/>
@@ -265,7 +266,7 @@
           <a:p>
             <a:fld id="{E54CAA87-A1E0-4A2A-8255-07B10906445F}" type="datetimeFigureOut">
               <a:rPr lang="ko-KR" altLang="en-US" smtClean="0"/>
-              <a:t>2023-07-12</a:t>
+              <a:t>2023-07-14</a:t>
             </a:fld>
             <a:endParaRPr lang="ko-KR" altLang="en-US"/>
           </a:p>
@@ -463,7 +464,7 @@
           <a:p>
             <a:fld id="{E54CAA87-A1E0-4A2A-8255-07B10906445F}" type="datetimeFigureOut">
               <a:rPr lang="ko-KR" altLang="en-US" smtClean="0"/>
-              <a:t>2023-07-12</a:t>
+              <a:t>2023-07-14</a:t>
             </a:fld>
             <a:endParaRPr lang="ko-KR" altLang="en-US"/>
           </a:p>
@@ -671,7 +672,7 @@
           <a:p>
             <a:fld id="{E54CAA87-A1E0-4A2A-8255-07B10906445F}" type="datetimeFigureOut">
               <a:rPr lang="ko-KR" altLang="en-US" smtClean="0"/>
-              <a:t>2023-07-12</a:t>
+              <a:t>2023-07-14</a:t>
             </a:fld>
             <a:endParaRPr lang="ko-KR" altLang="en-US"/>
           </a:p>
@@ -869,7 +870,7 @@
           <a:p>
             <a:fld id="{E54CAA87-A1E0-4A2A-8255-07B10906445F}" type="datetimeFigureOut">
               <a:rPr lang="ko-KR" altLang="en-US" smtClean="0"/>
-              <a:t>2023-07-12</a:t>
+              <a:t>2023-07-14</a:t>
             </a:fld>
             <a:endParaRPr lang="ko-KR" altLang="en-US"/>
           </a:p>
@@ -1144,7 +1145,7 @@
           <a:p>
             <a:fld id="{E54CAA87-A1E0-4A2A-8255-07B10906445F}" type="datetimeFigureOut">
               <a:rPr lang="ko-KR" altLang="en-US" smtClean="0"/>
-              <a:t>2023-07-12</a:t>
+              <a:t>2023-07-14</a:t>
             </a:fld>
             <a:endParaRPr lang="ko-KR" altLang="en-US"/>
           </a:p>
@@ -1409,7 +1410,7 @@
           <a:p>
             <a:fld id="{E54CAA87-A1E0-4A2A-8255-07B10906445F}" type="datetimeFigureOut">
               <a:rPr lang="ko-KR" altLang="en-US" smtClean="0"/>
-              <a:t>2023-07-12</a:t>
+              <a:t>2023-07-14</a:t>
             </a:fld>
             <a:endParaRPr lang="ko-KR" altLang="en-US"/>
           </a:p>
@@ -1821,7 +1822,7 @@
           <a:p>
             <a:fld id="{E54CAA87-A1E0-4A2A-8255-07B10906445F}" type="datetimeFigureOut">
               <a:rPr lang="ko-KR" altLang="en-US" smtClean="0"/>
-              <a:t>2023-07-12</a:t>
+              <a:t>2023-07-14</a:t>
             </a:fld>
             <a:endParaRPr lang="ko-KR" altLang="en-US"/>
           </a:p>
@@ -1962,7 +1963,7 @@
           <a:p>
             <a:fld id="{E54CAA87-A1E0-4A2A-8255-07B10906445F}" type="datetimeFigureOut">
               <a:rPr lang="ko-KR" altLang="en-US" smtClean="0"/>
-              <a:t>2023-07-12</a:t>
+              <a:t>2023-07-14</a:t>
             </a:fld>
             <a:endParaRPr lang="ko-KR" altLang="en-US"/>
           </a:p>
@@ -2075,7 +2076,7 @@
           <a:p>
             <a:fld id="{E54CAA87-A1E0-4A2A-8255-07B10906445F}" type="datetimeFigureOut">
               <a:rPr lang="ko-KR" altLang="en-US" smtClean="0"/>
-              <a:t>2023-07-12</a:t>
+              <a:t>2023-07-14</a:t>
             </a:fld>
             <a:endParaRPr lang="ko-KR" altLang="en-US"/>
           </a:p>
@@ -2386,7 +2387,7 @@
           <a:p>
             <a:fld id="{E54CAA87-A1E0-4A2A-8255-07B10906445F}" type="datetimeFigureOut">
               <a:rPr lang="ko-KR" altLang="en-US" smtClean="0"/>
-              <a:t>2023-07-12</a:t>
+              <a:t>2023-07-14</a:t>
             </a:fld>
             <a:endParaRPr lang="ko-KR" altLang="en-US"/>
           </a:p>
@@ -2674,7 +2675,7 @@
           <a:p>
             <a:fld id="{E54CAA87-A1E0-4A2A-8255-07B10906445F}" type="datetimeFigureOut">
               <a:rPr lang="ko-KR" altLang="en-US" smtClean="0"/>
-              <a:t>2023-07-12</a:t>
+              <a:t>2023-07-14</a:t>
             </a:fld>
             <a:endParaRPr lang="ko-KR" altLang="en-US"/>
           </a:p>
@@ -2915,7 +2916,7 @@
           <a:p>
             <a:fld id="{E54CAA87-A1E0-4A2A-8255-07B10906445F}" type="datetimeFigureOut">
               <a:rPr lang="ko-KR" altLang="en-US" smtClean="0"/>
-              <a:t>2023-07-12</a:t>
+              <a:t>2023-07-14</a:t>
             </a:fld>
             <a:endParaRPr lang="ko-KR" altLang="en-US"/>
           </a:p>
@@ -7748,7 +7749,7 @@
         </p:nvGrpSpPr>
         <p:grpSpPr>
           <a:xfrm>
-            <a:off x="2056825" y="4279218"/>
+            <a:off x="9562697" y="142920"/>
             <a:ext cx="2266950" cy="2309590"/>
             <a:chOff x="2056825" y="4279218"/>
             <a:chExt cx="2266950" cy="2309590"/>
@@ -8403,6 +8404,330 @@
           </p:txBody>
         </p:sp>
       </p:grpSp>
+      <p:sp>
+        <p:nvSpPr>
+          <p:cNvPr id="2" name="직사각형 1">
+            <a:extLst>
+              <a:ext uri="{FF2B5EF4-FFF2-40B4-BE49-F238E27FC236}">
+                <a16:creationId xmlns:a16="http://schemas.microsoft.com/office/drawing/2014/main" id="{DBBBC3AC-E99C-90AF-B52C-C8606009133C}"/>
+              </a:ext>
+            </a:extLst>
+          </p:cNvPr>
+          <p:cNvSpPr/>
+          <p:nvPr/>
+        </p:nvSpPr>
+        <p:spPr>
+          <a:xfrm>
+            <a:off x="2164347" y="-1050042"/>
+            <a:ext cx="1023456" cy="411368"/>
+          </a:xfrm>
+          <a:prstGeom prst="rect">
+            <a:avLst/>
+          </a:prstGeom>
+          <a:solidFill>
+            <a:schemeClr val="tx1">
+              <a:lumMod val="65000"/>
+              <a:lumOff val="35000"/>
+              <a:alpha val="60000"/>
+            </a:schemeClr>
+          </a:solidFill>
+          <a:ln w="19050">
+            <a:solidFill>
+              <a:srgbClr val="6F797E"/>
+            </a:solidFill>
+          </a:ln>
+        </p:spPr>
+        <p:style>
+          <a:lnRef idx="2">
+            <a:schemeClr val="accent1">
+              <a:shade val="15000"/>
+            </a:schemeClr>
+          </a:lnRef>
+          <a:fillRef idx="1">
+            <a:schemeClr val="accent1"/>
+          </a:fillRef>
+          <a:effectRef idx="0">
+            <a:schemeClr val="accent1"/>
+          </a:effectRef>
+          <a:fontRef idx="minor">
+            <a:schemeClr val="lt1"/>
+          </a:fontRef>
+        </p:style>
+        <p:txBody>
+          <a:bodyPr lIns="0" tIns="0" rIns="0" bIns="0" rtlCol="0" anchor="ctr"/>
+          <a:lstStyle/>
+          <a:p>
+            <a:pPr algn="ctr"/>
+            <a:r>
+              <a:rPr lang="ko-KR" altLang="en-US" sz="1600" dirty="0">
+                <a:solidFill>
+                  <a:schemeClr val="bg1">
+                    <a:lumMod val="65000"/>
+                  </a:schemeClr>
+                </a:solidFill>
+                <a:latin typeface="에스코어 드림 7 ExtraBold" panose="020B0803030302020204" pitchFamily="34" charset="-127"/>
+                <a:ea typeface="에스코어 드림 7 ExtraBold" panose="020B0803030302020204" pitchFamily="34" charset="-127"/>
+              </a:rPr>
+              <a:t>게임시작</a:t>
+            </a:r>
+          </a:p>
+        </p:txBody>
+      </p:sp>
+      <p:sp>
+        <p:nvSpPr>
+          <p:cNvPr id="3" name="직사각형 2">
+            <a:extLst>
+              <a:ext uri="{FF2B5EF4-FFF2-40B4-BE49-F238E27FC236}">
+                <a16:creationId xmlns:a16="http://schemas.microsoft.com/office/drawing/2014/main" id="{0EF137FB-5F9F-8554-5161-6E563B16A6A9}"/>
+              </a:ext>
+            </a:extLst>
+          </p:cNvPr>
+          <p:cNvSpPr/>
+          <p:nvPr/>
+        </p:nvSpPr>
+        <p:spPr>
+          <a:xfrm>
+            <a:off x="5470142" y="425576"/>
+            <a:ext cx="1023456" cy="411368"/>
+          </a:xfrm>
+          <a:prstGeom prst="rect">
+            <a:avLst/>
+          </a:prstGeom>
+          <a:solidFill>
+            <a:schemeClr val="lt1">
+              <a:alpha val="22000"/>
+            </a:schemeClr>
+          </a:solidFill>
+          <a:ln w="38100">
+            <a:solidFill>
+              <a:schemeClr val="tx1"/>
+            </a:solidFill>
+          </a:ln>
+        </p:spPr>
+        <p:style>
+          <a:lnRef idx="2">
+            <a:schemeClr val="accent1">
+              <a:shade val="15000"/>
+            </a:schemeClr>
+          </a:lnRef>
+          <a:fillRef idx="1">
+            <a:schemeClr val="accent1"/>
+          </a:fillRef>
+          <a:effectRef idx="0">
+            <a:schemeClr val="accent1"/>
+          </a:effectRef>
+          <a:fontRef idx="minor">
+            <a:schemeClr val="lt1"/>
+          </a:fontRef>
+        </p:style>
+        <p:txBody>
+          <a:bodyPr lIns="0" tIns="0" rIns="0" bIns="0" rtlCol="0" anchor="ctr"/>
+          <a:lstStyle/>
+          <a:p>
+            <a:pPr algn="ctr"/>
+            <a:r>
+              <a:rPr lang="ko-KR" altLang="en-US" sz="1600" dirty="0">
+                <a:latin typeface="에스코어 드림 7 ExtraBold" panose="020B0803030302020204" pitchFamily="34" charset="-127"/>
+                <a:ea typeface="에스코어 드림 7 ExtraBold" panose="020B0803030302020204" pitchFamily="34" charset="-127"/>
+              </a:rPr>
+              <a:t>게임종료</a:t>
+            </a:r>
+          </a:p>
+        </p:txBody>
+      </p:sp>
+      <p:sp>
+        <p:nvSpPr>
+          <p:cNvPr id="4" name="직사각형 3">
+            <a:extLst>
+              <a:ext uri="{FF2B5EF4-FFF2-40B4-BE49-F238E27FC236}">
+                <a16:creationId xmlns:a16="http://schemas.microsoft.com/office/drawing/2014/main" id="{3B1CE551-EDBC-3168-C83B-16F826DA95D4}"/>
+              </a:ext>
+            </a:extLst>
+          </p:cNvPr>
+          <p:cNvSpPr/>
+          <p:nvPr/>
+        </p:nvSpPr>
+        <p:spPr>
+          <a:xfrm>
+            <a:off x="2164347" y="-624564"/>
+            <a:ext cx="1023456" cy="411368"/>
+          </a:xfrm>
+          <a:prstGeom prst="rect">
+            <a:avLst/>
+          </a:prstGeom>
+          <a:solidFill>
+            <a:schemeClr val="lt1">
+              <a:alpha val="26000"/>
+            </a:schemeClr>
+          </a:solidFill>
+          <a:ln w="19050">
+            <a:solidFill>
+              <a:srgbClr val="B2C4CC"/>
+            </a:solidFill>
+          </a:ln>
+        </p:spPr>
+        <p:style>
+          <a:lnRef idx="2">
+            <a:schemeClr val="accent1">
+              <a:shade val="15000"/>
+            </a:schemeClr>
+          </a:lnRef>
+          <a:fillRef idx="1">
+            <a:schemeClr val="accent1"/>
+          </a:fillRef>
+          <a:effectRef idx="0">
+            <a:schemeClr val="accent1"/>
+          </a:effectRef>
+          <a:fontRef idx="minor">
+            <a:schemeClr val="lt1"/>
+          </a:fontRef>
+        </p:style>
+        <p:txBody>
+          <a:bodyPr lIns="0" tIns="0" rIns="0" bIns="0" rtlCol="0" anchor="ctr"/>
+          <a:lstStyle/>
+          <a:p>
+            <a:pPr algn="ctr"/>
+            <a:r>
+              <a:rPr lang="ko-KR" altLang="en-US" sz="1600" dirty="0">
+                <a:latin typeface="에스코어 드림 7 ExtraBold" panose="020B0803030302020204" pitchFamily="34" charset="-127"/>
+                <a:ea typeface="에스코어 드림 7 ExtraBold" panose="020B0803030302020204" pitchFamily="34" charset="-127"/>
+              </a:rPr>
+              <a:t>게임시작</a:t>
+            </a:r>
+          </a:p>
+        </p:txBody>
+      </p:sp>
+      <p:sp>
+        <p:nvSpPr>
+          <p:cNvPr id="5" name="직사각형 4">
+            <a:extLst>
+              <a:ext uri="{FF2B5EF4-FFF2-40B4-BE49-F238E27FC236}">
+                <a16:creationId xmlns:a16="http://schemas.microsoft.com/office/drawing/2014/main" id="{305F48D1-3590-9EE0-90BE-47C8F2633DB0}"/>
+              </a:ext>
+            </a:extLst>
+          </p:cNvPr>
+          <p:cNvSpPr/>
+          <p:nvPr/>
+        </p:nvSpPr>
+        <p:spPr>
+          <a:xfrm>
+            <a:off x="3340151" y="-1050042"/>
+            <a:ext cx="1023456" cy="411368"/>
+          </a:xfrm>
+          <a:prstGeom prst="rect">
+            <a:avLst/>
+          </a:prstGeom>
+          <a:solidFill>
+            <a:schemeClr val="tx1">
+              <a:lumMod val="65000"/>
+              <a:lumOff val="35000"/>
+              <a:alpha val="60000"/>
+            </a:schemeClr>
+          </a:solidFill>
+          <a:ln w="19050">
+            <a:solidFill>
+              <a:srgbClr val="6B767C"/>
+            </a:solidFill>
+          </a:ln>
+        </p:spPr>
+        <p:style>
+          <a:lnRef idx="2">
+            <a:schemeClr val="accent1">
+              <a:shade val="15000"/>
+            </a:schemeClr>
+          </a:lnRef>
+          <a:fillRef idx="1">
+            <a:schemeClr val="accent1"/>
+          </a:fillRef>
+          <a:effectRef idx="0">
+            <a:schemeClr val="accent1"/>
+          </a:effectRef>
+          <a:fontRef idx="minor">
+            <a:schemeClr val="lt1"/>
+          </a:fontRef>
+        </p:style>
+        <p:txBody>
+          <a:bodyPr lIns="0" tIns="0" rIns="0" bIns="0" rtlCol="0" anchor="ctr"/>
+          <a:lstStyle/>
+          <a:p>
+            <a:pPr algn="ctr"/>
+            <a:r>
+              <a:rPr lang="ko-KR" altLang="en-US" sz="1600" dirty="0">
+                <a:solidFill>
+                  <a:schemeClr val="bg1">
+                    <a:lumMod val="65000"/>
+                  </a:schemeClr>
+                </a:solidFill>
+                <a:latin typeface="에스코어 드림 7 ExtraBold" panose="020B0803030302020204" pitchFamily="34" charset="-127"/>
+                <a:ea typeface="에스코어 드림 7 ExtraBold" panose="020B0803030302020204" pitchFamily="34" charset="-127"/>
+              </a:rPr>
+              <a:t>게임종료</a:t>
+            </a:r>
+          </a:p>
+        </p:txBody>
+      </p:sp>
+      <p:sp>
+        <p:nvSpPr>
+          <p:cNvPr id="6" name="직사각형 5">
+            <a:extLst>
+              <a:ext uri="{FF2B5EF4-FFF2-40B4-BE49-F238E27FC236}">
+                <a16:creationId xmlns:a16="http://schemas.microsoft.com/office/drawing/2014/main" id="{4F004CF5-C9A7-8209-4824-828509B476CF}"/>
+              </a:ext>
+            </a:extLst>
+          </p:cNvPr>
+          <p:cNvSpPr/>
+          <p:nvPr/>
+        </p:nvSpPr>
+        <p:spPr>
+          <a:xfrm>
+            <a:off x="3340151" y="-624564"/>
+            <a:ext cx="1023456" cy="411368"/>
+          </a:xfrm>
+          <a:prstGeom prst="rect">
+            <a:avLst/>
+          </a:prstGeom>
+          <a:solidFill>
+            <a:schemeClr val="lt1">
+              <a:alpha val="26000"/>
+            </a:schemeClr>
+          </a:solidFill>
+          <a:ln w="19050">
+            <a:solidFill>
+              <a:srgbClr val="C6D1D7"/>
+            </a:solidFill>
+          </a:ln>
+        </p:spPr>
+        <p:style>
+          <a:lnRef idx="2">
+            <a:schemeClr val="accent1">
+              <a:shade val="15000"/>
+            </a:schemeClr>
+          </a:lnRef>
+          <a:fillRef idx="1">
+            <a:schemeClr val="accent1"/>
+          </a:fillRef>
+          <a:effectRef idx="0">
+            <a:schemeClr val="accent1"/>
+          </a:effectRef>
+          <a:fontRef idx="minor">
+            <a:schemeClr val="lt1"/>
+          </a:fontRef>
+        </p:style>
+        <p:txBody>
+          <a:bodyPr lIns="0" tIns="0" rIns="0" bIns="0" rtlCol="0" anchor="ctr"/>
+          <a:lstStyle/>
+          <a:p>
+            <a:pPr algn="ctr"/>
+            <a:r>
+              <a:rPr lang="ko-KR" altLang="en-US" sz="1600" dirty="0">
+                <a:latin typeface="에스코어 드림 7 ExtraBold" panose="020B0803030302020204" pitchFamily="34" charset="-127"/>
+                <a:ea typeface="에스코어 드림 7 ExtraBold" panose="020B0803030302020204" pitchFamily="34" charset="-127"/>
+              </a:rPr>
+              <a:t>게임종료</a:t>
+            </a:r>
+          </a:p>
+        </p:txBody>
+      </p:sp>
     </p:spTree>
     <p:extLst>
       <p:ext uri="{BB962C8B-B14F-4D97-AF65-F5344CB8AC3E}">
@@ -15598,6 +15923,73 @@
 </p:sld>
 </file>
 
+<file path=ppt/slides/slide8.xml><?xml version="1.0" encoding="utf-8"?>
+<p:sld xmlns:a="http://schemas.openxmlformats.org/drawingml/2006/main" xmlns:r="http://schemas.openxmlformats.org/officeDocument/2006/relationships" xmlns:p="http://schemas.openxmlformats.org/presentationml/2006/main">
+  <p:cSld>
+    <p:spTree>
+      <p:nvGrpSpPr>
+        <p:cNvPr id="1" name=""/>
+        <p:cNvGrpSpPr/>
+        <p:nvPr/>
+      </p:nvGrpSpPr>
+      <p:grpSpPr>
+        <a:xfrm>
+          <a:off x="0" y="0"/>
+          <a:ext cx="0" cy="0"/>
+          <a:chOff x="0" y="0"/>
+          <a:chExt cx="0" cy="0"/>
+        </a:xfrm>
+      </p:grpSpPr>
+      <p:pic>
+        <p:nvPicPr>
+          <p:cNvPr id="2" name="그림 1">
+            <a:extLst>
+              <a:ext uri="{FF2B5EF4-FFF2-40B4-BE49-F238E27FC236}">
+                <a16:creationId xmlns:a16="http://schemas.microsoft.com/office/drawing/2014/main" id="{645C5EB0-EC73-5EBE-C7BC-64283DFC7BFD}"/>
+              </a:ext>
+            </a:extLst>
+          </p:cNvPr>
+          <p:cNvPicPr>
+            <a:picLocks noChangeAspect="1"/>
+          </p:cNvPicPr>
+          <p:nvPr/>
+        </p:nvPicPr>
+        <p:blipFill>
+          <a:blip r:embed="rId2">
+            <a:extLst>
+              <a:ext uri="{28A0092B-C50C-407E-A947-70E740481C1C}">
+                <a14:useLocalDpi xmlns:a14="http://schemas.microsoft.com/office/drawing/2010/main" val="0"/>
+              </a:ext>
+            </a:extLst>
+          </a:blip>
+          <a:stretch>
+            <a:fillRect/>
+          </a:stretch>
+        </p:blipFill>
+        <p:spPr>
+          <a:xfrm>
+            <a:off x="2206171" y="-114421"/>
+            <a:ext cx="6501587" cy="6501587"/>
+          </a:xfrm>
+          <a:prstGeom prst="rect">
+            <a:avLst/>
+          </a:prstGeom>
+          <a:noFill/>
+        </p:spPr>
+      </p:pic>
+    </p:spTree>
+    <p:extLst>
+      <p:ext uri="{BB962C8B-B14F-4D97-AF65-F5344CB8AC3E}">
+        <p14:creationId xmlns:p14="http://schemas.microsoft.com/office/powerpoint/2010/main" val="1881466356"/>
+      </p:ext>
+    </p:extLst>
+  </p:cSld>
+  <p:clrMapOvr>
+    <a:masterClrMapping/>
+  </p:clrMapOvr>
+</p:sld>
+</file>
+
 <file path=ppt/theme/theme1.xml><?xml version="1.0" encoding="utf-8"?>
 <a:theme xmlns:a="http://schemas.openxmlformats.org/drawingml/2006/main" name="Office 테마">
   <a:themeElements>

--- a/Client/PvE/REVENGER/UI/XDUI/UI.pptx
+++ b/Client/PvE/REVENGER/UI/XDUI/UI.pptx
@@ -9104,369 +9104,366 @@
           </a:prstGeom>
         </p:spPr>
       </p:pic>
-      <p:grpSp>
-        <p:nvGrpSpPr>
-          <p:cNvPr id="1130" name="그룹 1129">
+      <p:sp>
+        <p:nvSpPr>
+          <p:cNvPr id="1131" name="직사각형 1130">
             <a:extLst>
               <a:ext uri="{FF2B5EF4-FFF2-40B4-BE49-F238E27FC236}">
-                <a16:creationId xmlns:a16="http://schemas.microsoft.com/office/drawing/2014/main" id="{4F015BF9-0B01-1935-0BA6-B376147979C1}"/>
+                <a16:creationId xmlns:a16="http://schemas.microsoft.com/office/drawing/2014/main" id="{634241B0-4C5A-3886-93E8-715E14A9BB71}"/>
               </a:ext>
             </a:extLst>
           </p:cNvPr>
-          <p:cNvGrpSpPr/>
+          <p:cNvSpPr/>
           <p:nvPr/>
-        </p:nvGrpSpPr>
-        <p:grpSpPr>
+        </p:nvSpPr>
+        <p:spPr>
           <a:xfrm>
-            <a:off x="1983324" y="1056388"/>
-            <a:ext cx="8225352" cy="4744070"/>
-            <a:chOff x="1983324" y="1056388"/>
-            <a:chExt cx="8225352" cy="4744070"/>
+            <a:off x="1983324" y="1056387"/>
+            <a:ext cx="8225352" cy="4944363"/>
           </a:xfrm>
-        </p:grpSpPr>
-        <p:sp>
-          <p:nvSpPr>
-            <p:cNvPr id="1131" name="직사각형 1130">
-              <a:extLst>
-                <a:ext uri="{FF2B5EF4-FFF2-40B4-BE49-F238E27FC236}">
-                  <a16:creationId xmlns:a16="http://schemas.microsoft.com/office/drawing/2014/main" id="{634241B0-4C5A-3886-93E8-715E14A9BB71}"/>
-                </a:ext>
-              </a:extLst>
-            </p:cNvPr>
-            <p:cNvSpPr/>
-            <p:nvPr/>
-          </p:nvSpPr>
-          <p:spPr>
-            <a:xfrm>
-              <a:off x="1983324" y="1056388"/>
-              <a:ext cx="8225352" cy="4744070"/>
-            </a:xfrm>
-            <a:prstGeom prst="rect">
-              <a:avLst/>
-            </a:prstGeom>
+          <a:prstGeom prst="rect">
+            <a:avLst/>
+          </a:prstGeom>
+          <a:solidFill>
+            <a:schemeClr val="tx1"/>
+          </a:solidFill>
+          <a:ln w="19050">
             <a:solidFill>
-              <a:schemeClr val="tx1"/>
+              <a:srgbClr val="F6DEAA"/>
             </a:solidFill>
-            <a:ln w="19050">
-              <a:solidFill>
-                <a:srgbClr val="F6DEAA"/>
-              </a:solidFill>
-            </a:ln>
-          </p:spPr>
-          <p:style>
-            <a:lnRef idx="2">
-              <a:schemeClr val="accent1">
-                <a:shade val="15000"/>
+          </a:ln>
+        </p:spPr>
+        <p:style>
+          <a:lnRef idx="2">
+            <a:schemeClr val="accent1">
+              <a:shade val="15000"/>
+            </a:schemeClr>
+          </a:lnRef>
+          <a:fillRef idx="1">
+            <a:schemeClr val="accent1"/>
+          </a:fillRef>
+          <a:effectRef idx="0">
+            <a:schemeClr val="accent1"/>
+          </a:effectRef>
+          <a:fontRef idx="minor">
+            <a:schemeClr val="lt1"/>
+          </a:fontRef>
+        </p:style>
+        <p:txBody>
+          <a:bodyPr rtlCol="0" anchor="ctr"/>
+          <a:lstStyle/>
+          <a:p>
+            <a:pPr algn="ctr"/>
+            <a:endParaRPr lang="ko-KR" altLang="en-US" dirty="0"/>
+          </a:p>
+        </p:txBody>
+      </p:sp>
+      <p:sp>
+        <p:nvSpPr>
+          <p:cNvPr id="1132" name="사각형: 둥근 모서리 1131">
+            <a:extLst>
+              <a:ext uri="{FF2B5EF4-FFF2-40B4-BE49-F238E27FC236}">
+                <a16:creationId xmlns:a16="http://schemas.microsoft.com/office/drawing/2014/main" id="{544C04D1-C1D9-5232-6F12-419A383C9A92}"/>
+              </a:ext>
+            </a:extLst>
+          </p:cNvPr>
+          <p:cNvSpPr/>
+          <p:nvPr/>
+        </p:nvSpPr>
+        <p:spPr>
+          <a:xfrm>
+            <a:off x="8529997" y="-655788"/>
+            <a:ext cx="1552575" cy="590550"/>
+          </a:xfrm>
+          <a:prstGeom prst="roundRect">
+            <a:avLst/>
+          </a:prstGeom>
+          <a:noFill/>
+          <a:ln w="38100">
+            <a:solidFill>
+              <a:schemeClr val="bg1"/>
+            </a:solidFill>
+          </a:ln>
+        </p:spPr>
+        <p:style>
+          <a:lnRef idx="2">
+            <a:schemeClr val="accent1">
+              <a:shade val="15000"/>
+            </a:schemeClr>
+          </a:lnRef>
+          <a:fillRef idx="1">
+            <a:schemeClr val="accent1"/>
+          </a:fillRef>
+          <a:effectRef idx="0">
+            <a:schemeClr val="accent1"/>
+          </a:effectRef>
+          <a:fontRef idx="minor">
+            <a:schemeClr val="lt1"/>
+          </a:fontRef>
+        </p:style>
+        <p:txBody>
+          <a:bodyPr lIns="0" tIns="0" rIns="0" bIns="0" rtlCol="0" anchor="ctr"/>
+          <a:lstStyle/>
+          <a:p>
+            <a:pPr algn="ctr"/>
+            <a:r>
+              <a:rPr lang="ko-KR" altLang="en-US" sz="1600" dirty="0">
+                <a:latin typeface="나눔스퀘어 Bold" panose="020B0600000101010101" pitchFamily="50" charset="-127"/>
+                <a:ea typeface="나눔스퀘어 Bold" panose="020B0600000101010101" pitchFamily="50" charset="-127"/>
+              </a:rPr>
+              <a:t>방 만들기</a:t>
+            </a:r>
+          </a:p>
+        </p:txBody>
+      </p:sp>
+      <p:sp>
+        <p:nvSpPr>
+          <p:cNvPr id="1133" name="사각형: 둥근 모서리 1132">
+            <a:extLst>
+              <a:ext uri="{FF2B5EF4-FFF2-40B4-BE49-F238E27FC236}">
+                <a16:creationId xmlns:a16="http://schemas.microsoft.com/office/drawing/2014/main" id="{D235587F-621B-83BF-953E-32F984C6E09D}"/>
+              </a:ext>
+            </a:extLst>
+          </p:cNvPr>
+          <p:cNvSpPr/>
+          <p:nvPr/>
+        </p:nvSpPr>
+        <p:spPr>
+          <a:xfrm>
+            <a:off x="10520049" y="-1281346"/>
+            <a:ext cx="1552575" cy="590550"/>
+          </a:xfrm>
+          <a:prstGeom prst="roundRect">
+            <a:avLst/>
+          </a:prstGeom>
+          <a:noFill/>
+          <a:ln w="38100">
+            <a:solidFill>
+              <a:schemeClr val="tx2">
+                <a:lumMod val="60000"/>
+                <a:lumOff val="40000"/>
               </a:schemeClr>
-            </a:lnRef>
-            <a:fillRef idx="1">
-              <a:schemeClr val="accent1"/>
-            </a:fillRef>
-            <a:effectRef idx="0">
-              <a:schemeClr val="accent1"/>
-            </a:effectRef>
-            <a:fontRef idx="minor">
-              <a:schemeClr val="lt1"/>
-            </a:fontRef>
-          </p:style>
-          <p:txBody>
-            <a:bodyPr rtlCol="0" anchor="ctr"/>
-            <a:lstStyle/>
-            <a:p>
-              <a:pPr algn="ctr"/>
-              <a:endParaRPr lang="ko-KR" altLang="en-US" dirty="0"/>
-            </a:p>
-          </p:txBody>
-        </p:sp>
-        <p:sp>
-          <p:nvSpPr>
-            <p:cNvPr id="1132" name="사각형: 둥근 모서리 1131">
-              <a:extLst>
-                <a:ext uri="{FF2B5EF4-FFF2-40B4-BE49-F238E27FC236}">
-                  <a16:creationId xmlns:a16="http://schemas.microsoft.com/office/drawing/2014/main" id="{544C04D1-C1D9-5232-6F12-419A383C9A92}"/>
-                </a:ext>
-              </a:extLst>
-            </p:cNvPr>
-            <p:cNvSpPr/>
-            <p:nvPr/>
-          </p:nvSpPr>
-          <p:spPr>
-            <a:xfrm>
-              <a:off x="8331422" y="1352550"/>
-              <a:ext cx="1552575" cy="590550"/>
-            </a:xfrm>
-            <a:prstGeom prst="roundRect">
-              <a:avLst/>
-            </a:prstGeom>
-            <a:noFill/>
-            <a:ln w="38100">
-              <a:solidFill>
-                <a:schemeClr val="bg1"/>
-              </a:solidFill>
-            </a:ln>
-          </p:spPr>
-          <p:style>
-            <a:lnRef idx="2">
-              <a:schemeClr val="accent1">
-                <a:shade val="15000"/>
-              </a:schemeClr>
-            </a:lnRef>
-            <a:fillRef idx="1">
-              <a:schemeClr val="accent1"/>
-            </a:fillRef>
-            <a:effectRef idx="0">
-              <a:schemeClr val="accent1"/>
-            </a:effectRef>
-            <a:fontRef idx="minor">
-              <a:schemeClr val="lt1"/>
-            </a:fontRef>
-          </p:style>
-          <p:txBody>
-            <a:bodyPr lIns="0" tIns="0" rIns="0" bIns="0" rtlCol="0" anchor="ctr"/>
-            <a:lstStyle/>
-            <a:p>
-              <a:pPr algn="ctr"/>
-              <a:r>
-                <a:rPr lang="ko-KR" altLang="en-US" sz="1600" dirty="0">
-                  <a:latin typeface="나눔스퀘어 Bold" panose="020B0600000101010101" pitchFamily="50" charset="-127"/>
-                  <a:ea typeface="나눔스퀘어 Bold" panose="020B0600000101010101" pitchFamily="50" charset="-127"/>
-                </a:rPr>
-                <a:t>방 만들기</a:t>
-              </a:r>
-            </a:p>
-          </p:txBody>
-        </p:sp>
-        <p:sp>
-          <p:nvSpPr>
-            <p:cNvPr id="1133" name="사각형: 둥근 모서리 1132">
-              <a:extLst>
-                <a:ext uri="{FF2B5EF4-FFF2-40B4-BE49-F238E27FC236}">
-                  <a16:creationId xmlns:a16="http://schemas.microsoft.com/office/drawing/2014/main" id="{D235587F-621B-83BF-953E-32F984C6E09D}"/>
-                </a:ext>
-              </a:extLst>
-            </p:cNvPr>
-            <p:cNvSpPr/>
-            <p:nvPr/>
-          </p:nvSpPr>
-          <p:spPr>
-            <a:xfrm>
-              <a:off x="6317865" y="1352550"/>
-              <a:ext cx="1552575" cy="590550"/>
-            </a:xfrm>
-            <a:prstGeom prst="roundRect">
-              <a:avLst/>
-            </a:prstGeom>
-            <a:noFill/>
-            <a:ln w="38100">
-              <a:solidFill>
-                <a:srgbClr val="6CA7BC"/>
-              </a:solidFill>
-            </a:ln>
-          </p:spPr>
-          <p:style>
-            <a:lnRef idx="2">
-              <a:schemeClr val="accent1">
-                <a:shade val="15000"/>
-              </a:schemeClr>
-            </a:lnRef>
-            <a:fillRef idx="1">
-              <a:schemeClr val="accent1"/>
-            </a:fillRef>
-            <a:effectRef idx="0">
-              <a:schemeClr val="accent1"/>
-            </a:effectRef>
-            <a:fontRef idx="minor">
-              <a:schemeClr val="lt1"/>
-            </a:fontRef>
-          </p:style>
-          <p:txBody>
-            <a:bodyPr lIns="0" tIns="0" rIns="0" bIns="0" rtlCol="0" anchor="ctr"/>
-            <a:lstStyle/>
-            <a:p>
-              <a:pPr algn="ctr"/>
-              <a:r>
-                <a:rPr lang="ko-KR" altLang="en-US" sz="1600" spc="-300" dirty="0">
-                  <a:solidFill>
-                    <a:srgbClr val="6CA7BC"/>
-                  </a:solidFill>
-                  <a:latin typeface="나눔스퀘어 Bold" panose="020B0600000101010101" pitchFamily="50" charset="-127"/>
-                  <a:ea typeface="나눔스퀘어 Bold" panose="020B0600000101010101" pitchFamily="50" charset="-127"/>
-                </a:rPr>
-                <a:t>▶▶</a:t>
-              </a:r>
-              <a:r>
-                <a:rPr lang="ko-KR" altLang="en-US" sz="1600" dirty="0">
-                  <a:solidFill>
-                    <a:srgbClr val="6CA7BC"/>
-                  </a:solidFill>
-                  <a:latin typeface="나눔스퀘어 Bold" panose="020B0600000101010101" pitchFamily="50" charset="-127"/>
-                  <a:ea typeface="나눔스퀘어 Bold" panose="020B0600000101010101" pitchFamily="50" charset="-127"/>
-                </a:rPr>
-                <a:t> </a:t>
-              </a:r>
-              <a:r>
-                <a:rPr lang="ko-KR" altLang="en-US" sz="1600" spc="-300" dirty="0">
-                  <a:solidFill>
-                    <a:srgbClr val="6CA7BC"/>
-                  </a:solidFill>
-                  <a:latin typeface="나눔스퀘어 Bold" panose="020B0600000101010101" pitchFamily="50" charset="-127"/>
-                  <a:ea typeface="나눔스퀘어 Bold" panose="020B0600000101010101" pitchFamily="50" charset="-127"/>
-                </a:rPr>
-                <a:t> </a:t>
-              </a:r>
-              <a:r>
-                <a:rPr lang="ko-KR" altLang="en-US" sz="1600" dirty="0">
-                  <a:solidFill>
-                    <a:srgbClr val="6CA7BC"/>
-                  </a:solidFill>
-                  <a:latin typeface="나눔스퀘어 Bold" panose="020B0600000101010101" pitchFamily="50" charset="-127"/>
-                  <a:ea typeface="나눔스퀘어 Bold" panose="020B0600000101010101" pitchFamily="50" charset="-127"/>
-                </a:rPr>
-                <a:t>빠른 시작</a:t>
-              </a:r>
-              <a:endParaRPr lang="ko-KR" altLang="en-US" sz="1600" spc="-300" dirty="0">
+            </a:solidFill>
+          </a:ln>
+        </p:spPr>
+        <p:style>
+          <a:lnRef idx="2">
+            <a:schemeClr val="accent1">
+              <a:shade val="15000"/>
+            </a:schemeClr>
+          </a:lnRef>
+          <a:fillRef idx="1">
+            <a:schemeClr val="accent1"/>
+          </a:fillRef>
+          <a:effectRef idx="0">
+            <a:schemeClr val="accent1"/>
+          </a:effectRef>
+          <a:fontRef idx="minor">
+            <a:schemeClr val="lt1"/>
+          </a:fontRef>
+        </p:style>
+        <p:txBody>
+          <a:bodyPr lIns="0" tIns="0" rIns="0" bIns="0" rtlCol="0" anchor="ctr"/>
+          <a:lstStyle/>
+          <a:p>
+            <a:pPr algn="ctr"/>
+            <a:r>
+              <a:rPr lang="ko-KR" altLang="en-US" sz="1600" spc="-300" dirty="0">
                 <a:solidFill>
-                  <a:srgbClr val="6CA7BC"/>
+                  <a:schemeClr val="tx2">
+                    <a:lumMod val="60000"/>
+                    <a:lumOff val="40000"/>
+                  </a:schemeClr>
                 </a:solidFill>
                 <a:latin typeface="나눔스퀘어 Bold" panose="020B0600000101010101" pitchFamily="50" charset="-127"/>
                 <a:ea typeface="나눔스퀘어 Bold" panose="020B0600000101010101" pitchFamily="50" charset="-127"/>
-              </a:endParaRPr>
-            </a:p>
-          </p:txBody>
-        </p:sp>
-        <p:sp>
-          <p:nvSpPr>
-            <p:cNvPr id="1134" name="사각형: 둥근 모서리 1133">
-              <a:extLst>
-                <a:ext uri="{FF2B5EF4-FFF2-40B4-BE49-F238E27FC236}">
-                  <a16:creationId xmlns:a16="http://schemas.microsoft.com/office/drawing/2014/main" id="{8EC69654-6182-7E70-8C68-F2716642B784}"/>
-                </a:ext>
-              </a:extLst>
-            </p:cNvPr>
-            <p:cNvSpPr/>
-            <p:nvPr/>
-          </p:nvSpPr>
-          <p:spPr>
-            <a:xfrm>
-              <a:off x="2082274" y="1395070"/>
-              <a:ext cx="1552575" cy="590550"/>
-            </a:xfrm>
-            <a:prstGeom prst="roundRect">
-              <a:avLst/>
-            </a:prstGeom>
+              </a:rPr>
+              <a:t>▶▶</a:t>
+            </a:r>
+            <a:r>
+              <a:rPr lang="ko-KR" altLang="en-US" sz="1600" dirty="0">
+                <a:solidFill>
+                  <a:schemeClr val="tx2">
+                    <a:lumMod val="60000"/>
+                    <a:lumOff val="40000"/>
+                  </a:schemeClr>
+                </a:solidFill>
+                <a:latin typeface="나눔스퀘어 Bold" panose="020B0600000101010101" pitchFamily="50" charset="-127"/>
+                <a:ea typeface="나눔스퀘어 Bold" panose="020B0600000101010101" pitchFamily="50" charset="-127"/>
+              </a:rPr>
+              <a:t> </a:t>
+            </a:r>
+            <a:r>
+              <a:rPr lang="ko-KR" altLang="en-US" sz="1600" spc="-300" dirty="0">
+                <a:solidFill>
+                  <a:schemeClr val="tx2">
+                    <a:lumMod val="60000"/>
+                    <a:lumOff val="40000"/>
+                  </a:schemeClr>
+                </a:solidFill>
+                <a:latin typeface="나눔스퀘어 Bold" panose="020B0600000101010101" pitchFamily="50" charset="-127"/>
+                <a:ea typeface="나눔스퀘어 Bold" panose="020B0600000101010101" pitchFamily="50" charset="-127"/>
+              </a:rPr>
+              <a:t> </a:t>
+            </a:r>
+            <a:r>
+              <a:rPr lang="ko-KR" altLang="en-US" sz="1600" dirty="0">
+                <a:solidFill>
+                  <a:schemeClr val="tx2">
+                    <a:lumMod val="60000"/>
+                    <a:lumOff val="40000"/>
+                  </a:schemeClr>
+                </a:solidFill>
+                <a:latin typeface="나눔스퀘어 Bold" panose="020B0600000101010101" pitchFamily="50" charset="-127"/>
+                <a:ea typeface="나눔스퀘어 Bold" panose="020B0600000101010101" pitchFamily="50" charset="-127"/>
+              </a:rPr>
+              <a:t>빠른 시작</a:t>
+            </a:r>
+            <a:endParaRPr lang="ko-KR" altLang="en-US" sz="1600" spc="-300" dirty="0">
+              <a:solidFill>
+                <a:schemeClr val="tx2">
+                  <a:lumMod val="60000"/>
+                  <a:lumOff val="40000"/>
+                </a:schemeClr>
+              </a:solidFill>
+              <a:latin typeface="나눔스퀘어 Bold" panose="020B0600000101010101" pitchFamily="50" charset="-127"/>
+              <a:ea typeface="나눔스퀘어 Bold" panose="020B0600000101010101" pitchFamily="50" charset="-127"/>
+            </a:endParaRPr>
+          </a:p>
+        </p:txBody>
+      </p:sp>
+      <p:sp>
+        <p:nvSpPr>
+          <p:cNvPr id="1134" name="사각형: 둥근 모서리 1133">
+            <a:extLst>
+              <a:ext uri="{FF2B5EF4-FFF2-40B4-BE49-F238E27FC236}">
+                <a16:creationId xmlns:a16="http://schemas.microsoft.com/office/drawing/2014/main" id="{8EC69654-6182-7E70-8C68-F2716642B784}"/>
+              </a:ext>
+            </a:extLst>
+          </p:cNvPr>
+          <p:cNvSpPr/>
+          <p:nvPr/>
+        </p:nvSpPr>
+        <p:spPr>
+          <a:xfrm>
+            <a:off x="2082274" y="1395070"/>
+            <a:ext cx="1552575" cy="590550"/>
+          </a:xfrm>
+          <a:prstGeom prst="roundRect">
+            <a:avLst/>
+          </a:prstGeom>
+          <a:noFill/>
+          <a:ln>
             <a:noFill/>
-            <a:ln>
-              <a:noFill/>
-            </a:ln>
-          </p:spPr>
-          <p:style>
-            <a:lnRef idx="2">
-              <a:schemeClr val="accent1">
-                <a:shade val="15000"/>
-              </a:schemeClr>
-            </a:lnRef>
-            <a:fillRef idx="1">
-              <a:schemeClr val="accent1"/>
-            </a:fillRef>
-            <a:effectRef idx="0">
-              <a:schemeClr val="accent1"/>
-            </a:effectRef>
-            <a:fontRef idx="minor">
-              <a:schemeClr val="lt1"/>
-            </a:fontRef>
-          </p:style>
-          <p:txBody>
-            <a:bodyPr rtlCol="0" anchor="ctr"/>
-            <a:lstStyle/>
-            <a:p>
-              <a:pPr algn="ctr"/>
-              <a:r>
-                <a:rPr lang="en-US" altLang="ko-KR" sz="4000" dirty="0">
-                  <a:solidFill>
-                    <a:schemeClr val="bg1"/>
-                  </a:solidFill>
-                  <a:latin typeface="DS-Digital" pitchFamily="2" charset="0"/>
-                  <a:ea typeface="나눔스퀘어 ExtraBold" panose="020B0600000101010101" pitchFamily="50" charset="-127"/>
-                </a:rPr>
-                <a:t>LOBBY</a:t>
-              </a:r>
-              <a:endParaRPr lang="ko-KR" altLang="en-US" sz="4000" dirty="0">
+          </a:ln>
+        </p:spPr>
+        <p:style>
+          <a:lnRef idx="2">
+            <a:schemeClr val="accent1">
+              <a:shade val="15000"/>
+            </a:schemeClr>
+          </a:lnRef>
+          <a:fillRef idx="1">
+            <a:schemeClr val="accent1"/>
+          </a:fillRef>
+          <a:effectRef idx="0">
+            <a:schemeClr val="accent1"/>
+          </a:effectRef>
+          <a:fontRef idx="minor">
+            <a:schemeClr val="lt1"/>
+          </a:fontRef>
+        </p:style>
+        <p:txBody>
+          <a:bodyPr rtlCol="0" anchor="ctr"/>
+          <a:lstStyle/>
+          <a:p>
+            <a:pPr algn="ctr"/>
+            <a:r>
+              <a:rPr lang="en-US" altLang="ko-KR" sz="4000" dirty="0">
                 <a:solidFill>
                   <a:schemeClr val="bg1"/>
                 </a:solidFill>
                 <a:latin typeface="DS-Digital" pitchFamily="2" charset="0"/>
                 <a:ea typeface="나눔스퀘어 ExtraBold" panose="020B0600000101010101" pitchFamily="50" charset="-127"/>
-              </a:endParaRPr>
-            </a:p>
-          </p:txBody>
-        </p:sp>
-        <p:sp>
-          <p:nvSpPr>
-            <p:cNvPr id="1135" name="사각형: 둥근 모서리 1134">
-              <a:extLst>
-                <a:ext uri="{FF2B5EF4-FFF2-40B4-BE49-F238E27FC236}">
-                  <a16:creationId xmlns:a16="http://schemas.microsoft.com/office/drawing/2014/main" id="{4773F345-D1F1-E2BA-AAD6-22D4BABD04B1}"/>
-                </a:ext>
-              </a:extLst>
-            </p:cNvPr>
-            <p:cNvSpPr/>
-            <p:nvPr/>
-          </p:nvSpPr>
-          <p:spPr>
-            <a:xfrm>
-              <a:off x="2084605" y="1099283"/>
-              <a:ext cx="1211046" cy="362206"/>
-            </a:xfrm>
-            <a:prstGeom prst="roundRect">
-              <a:avLst/>
-            </a:prstGeom>
+              </a:rPr>
+              <a:t>LOBBY</a:t>
+            </a:r>
+            <a:endParaRPr lang="ko-KR" altLang="en-US" sz="4000" dirty="0">
+              <a:solidFill>
+                <a:schemeClr val="bg1"/>
+              </a:solidFill>
+              <a:latin typeface="DS-Digital" pitchFamily="2" charset="0"/>
+              <a:ea typeface="나눔스퀘어 ExtraBold" panose="020B0600000101010101" pitchFamily="50" charset="-127"/>
+            </a:endParaRPr>
+          </a:p>
+        </p:txBody>
+      </p:sp>
+      <p:sp>
+        <p:nvSpPr>
+          <p:cNvPr id="1135" name="사각형: 둥근 모서리 1134">
+            <a:extLst>
+              <a:ext uri="{FF2B5EF4-FFF2-40B4-BE49-F238E27FC236}">
+                <a16:creationId xmlns:a16="http://schemas.microsoft.com/office/drawing/2014/main" id="{4773F345-D1F1-E2BA-AAD6-22D4BABD04B1}"/>
+              </a:ext>
+            </a:extLst>
+          </p:cNvPr>
+          <p:cNvSpPr/>
+          <p:nvPr/>
+        </p:nvSpPr>
+        <p:spPr>
+          <a:xfrm>
+            <a:off x="2084605" y="1099283"/>
+            <a:ext cx="1211046" cy="362206"/>
+          </a:xfrm>
+          <a:prstGeom prst="roundRect">
+            <a:avLst/>
+          </a:prstGeom>
+          <a:noFill/>
+          <a:ln>
             <a:noFill/>
-            <a:ln>
-              <a:noFill/>
-            </a:ln>
-          </p:spPr>
-          <p:style>
-            <a:lnRef idx="2">
-              <a:schemeClr val="accent1">
-                <a:shade val="15000"/>
-              </a:schemeClr>
-            </a:lnRef>
-            <a:fillRef idx="1">
-              <a:schemeClr val="accent1"/>
-            </a:fillRef>
-            <a:effectRef idx="0">
-              <a:schemeClr val="accent1"/>
-            </a:effectRef>
-            <a:fontRef idx="minor">
-              <a:schemeClr val="lt1"/>
-            </a:fontRef>
-          </p:style>
-          <p:txBody>
-            <a:bodyPr rtlCol="0" anchor="ctr"/>
-            <a:lstStyle/>
-            <a:p>
-              <a:pPr algn="ctr"/>
-              <a:r>
-                <a:rPr lang="en-US" altLang="ko-KR" sz="1400" dirty="0">
-                  <a:solidFill>
-                    <a:srgbClr val="325D6D"/>
-                  </a:solidFill>
-                  <a:latin typeface="나눔스퀘어 ExtraBold" panose="020B0600000101010101" pitchFamily="50" charset="-127"/>
-                  <a:ea typeface="나눔스퀘어 ExtraBold" panose="020B0600000101010101" pitchFamily="50" charset="-127"/>
-                </a:rPr>
-                <a:t>REVENGER</a:t>
-              </a:r>
-              <a:endParaRPr lang="ko-KR" altLang="en-US" sz="1400" dirty="0">
+          </a:ln>
+        </p:spPr>
+        <p:style>
+          <a:lnRef idx="2">
+            <a:schemeClr val="accent1">
+              <a:shade val="15000"/>
+            </a:schemeClr>
+          </a:lnRef>
+          <a:fillRef idx="1">
+            <a:schemeClr val="accent1"/>
+          </a:fillRef>
+          <a:effectRef idx="0">
+            <a:schemeClr val="accent1"/>
+          </a:effectRef>
+          <a:fontRef idx="minor">
+            <a:schemeClr val="lt1"/>
+          </a:fontRef>
+        </p:style>
+        <p:txBody>
+          <a:bodyPr rtlCol="0" anchor="ctr"/>
+          <a:lstStyle/>
+          <a:p>
+            <a:pPr algn="ctr"/>
+            <a:r>
+              <a:rPr lang="en-US" altLang="ko-KR" sz="1400" dirty="0">
                 <a:solidFill>
                   <a:srgbClr val="325D6D"/>
                 </a:solidFill>
                 <a:latin typeface="나눔스퀘어 ExtraBold" panose="020B0600000101010101" pitchFamily="50" charset="-127"/>
                 <a:ea typeface="나눔스퀘어 ExtraBold" panose="020B0600000101010101" pitchFamily="50" charset="-127"/>
-              </a:endParaRPr>
-            </a:p>
-          </p:txBody>
-        </p:sp>
-      </p:grpSp>
+              </a:rPr>
+              <a:t>REVENGER</a:t>
+            </a:r>
+            <a:endParaRPr lang="ko-KR" altLang="en-US" sz="1400" dirty="0">
+              <a:solidFill>
+                <a:srgbClr val="325D6D"/>
+              </a:solidFill>
+              <a:latin typeface="나눔스퀘어 ExtraBold" panose="020B0600000101010101" pitchFamily="50" charset="-127"/>
+              <a:ea typeface="나눔스퀘어 ExtraBold" panose="020B0600000101010101" pitchFamily="50" charset="-127"/>
+            </a:endParaRPr>
+          </a:p>
+        </p:txBody>
+      </p:sp>
       <p:graphicFrame>
         <p:nvGraphicFramePr>
           <p:cNvPr id="1124" name="표 1124">
@@ -11696,7 +11693,7 @@
         </p:nvSpPr>
         <p:spPr>
           <a:xfrm>
-            <a:off x="7616633" y="2596465"/>
+            <a:off x="12359688" y="-334132"/>
             <a:ext cx="914400" cy="305719"/>
           </a:xfrm>
           <a:prstGeom prst="rect">
@@ -11754,7 +11751,7 @@
         </p:nvSpPr>
         <p:spPr>
           <a:xfrm>
-            <a:off x="7616633" y="2972376"/>
+            <a:off x="12359688" y="41779"/>
             <a:ext cx="914400" cy="305719"/>
           </a:xfrm>
           <a:prstGeom prst="rect">
@@ -11812,7 +11809,7 @@
         </p:nvSpPr>
         <p:spPr>
           <a:xfrm>
-            <a:off x="7616633" y="3342614"/>
+            <a:off x="12359688" y="412017"/>
             <a:ext cx="914400" cy="305719"/>
           </a:xfrm>
           <a:prstGeom prst="rect">
@@ -11876,7 +11873,7 @@
         </p:nvSpPr>
         <p:spPr>
           <a:xfrm>
-            <a:off x="8629983" y="2599189"/>
+            <a:off x="13373038" y="-331408"/>
             <a:ext cx="1479743" cy="305719"/>
           </a:xfrm>
           <a:prstGeom prst="rect">
@@ -11932,7 +11929,7 @@
         </p:nvSpPr>
         <p:spPr>
           <a:xfrm>
-            <a:off x="8629983" y="2976376"/>
+            <a:off x="13373038" y="45779"/>
             <a:ext cx="1479743" cy="305719"/>
           </a:xfrm>
           <a:prstGeom prst="rect">
@@ -11988,7 +11985,7 @@
         </p:nvSpPr>
         <p:spPr>
           <a:xfrm>
-            <a:off x="8629983" y="3342614"/>
+            <a:off x="13373038" y="412017"/>
             <a:ext cx="1479743" cy="305719"/>
           </a:xfrm>
           <a:prstGeom prst="rect">
@@ -12044,7 +12041,7 @@
         </p:nvSpPr>
         <p:spPr>
           <a:xfrm>
-            <a:off x="8629983" y="3718525"/>
+            <a:off x="13373038" y="787928"/>
             <a:ext cx="1479742" cy="305719"/>
           </a:xfrm>
           <a:prstGeom prst="rect">
@@ -12103,7 +12100,7 @@
         </p:nvSpPr>
         <p:spPr>
           <a:xfrm>
-            <a:off x="8629982" y="4082532"/>
+            <a:off x="13373037" y="1151935"/>
             <a:ext cx="1479741" cy="305719"/>
           </a:xfrm>
           <a:prstGeom prst="rect">
@@ -12162,7 +12159,7 @@
         </p:nvSpPr>
         <p:spPr>
           <a:xfrm>
-            <a:off x="7616633" y="3718525"/>
+            <a:off x="12359688" y="787928"/>
             <a:ext cx="914400" cy="305719"/>
           </a:xfrm>
           <a:prstGeom prst="rect">
@@ -12226,7 +12223,7 @@
         </p:nvSpPr>
         <p:spPr>
           <a:xfrm>
-            <a:off x="7616633" y="4082531"/>
+            <a:off x="12359688" y="1151934"/>
             <a:ext cx="914400" cy="305719"/>
           </a:xfrm>
           <a:prstGeom prst="rect">
@@ -12290,7 +12287,7 @@
         </p:nvSpPr>
         <p:spPr>
           <a:xfrm>
-            <a:off x="7616633" y="4458442"/>
+            <a:off x="12359688" y="1527845"/>
             <a:ext cx="914400" cy="305719"/>
           </a:xfrm>
           <a:prstGeom prst="rect">
@@ -12354,7 +12351,7 @@
         </p:nvSpPr>
         <p:spPr>
           <a:xfrm>
-            <a:off x="8629982" y="4458442"/>
+            <a:off x="13373037" y="1527845"/>
             <a:ext cx="1479741" cy="305719"/>
           </a:xfrm>
           <a:prstGeom prst="rect">
@@ -12952,10 +12949,7 @@
               </a:avLst>
             </a:prstGeom>
             <a:solidFill>
-              <a:schemeClr val="tx1">
-                <a:lumMod val="75000"/>
-                <a:lumOff val="25000"/>
-              </a:schemeClr>
+              <a:srgbClr val="C00000"/>
             </a:solidFill>
             <a:ln>
               <a:solidFill>
@@ -12995,6 +12989,379 @@
           </p:txBody>
         </p:sp>
       </p:grpSp>
+      <p:sp>
+        <p:nvSpPr>
+          <p:cNvPr id="20" name="사각형: 둥근 모서리 19">
+            <a:extLst>
+              <a:ext uri="{FF2B5EF4-FFF2-40B4-BE49-F238E27FC236}">
+                <a16:creationId xmlns:a16="http://schemas.microsoft.com/office/drawing/2014/main" id="{31D3FA86-6069-7569-CD87-8F8B802E5831}"/>
+              </a:ext>
+            </a:extLst>
+          </p:cNvPr>
+          <p:cNvSpPr/>
+          <p:nvPr/>
+        </p:nvSpPr>
+        <p:spPr>
+          <a:xfrm>
+            <a:off x="10520050" y="-655788"/>
+            <a:ext cx="1552575" cy="590550"/>
+          </a:xfrm>
+          <a:prstGeom prst="roundRect">
+            <a:avLst/>
+          </a:prstGeom>
+          <a:noFill/>
+          <a:ln w="38100">
+            <a:solidFill>
+              <a:srgbClr val="0CB8DA"/>
+            </a:solidFill>
+          </a:ln>
+        </p:spPr>
+        <p:style>
+          <a:lnRef idx="2">
+            <a:schemeClr val="accent1">
+              <a:shade val="15000"/>
+            </a:schemeClr>
+          </a:lnRef>
+          <a:fillRef idx="1">
+            <a:schemeClr val="accent1"/>
+          </a:fillRef>
+          <a:effectRef idx="0">
+            <a:schemeClr val="accent1"/>
+          </a:effectRef>
+          <a:fontRef idx="minor">
+            <a:schemeClr val="lt1"/>
+          </a:fontRef>
+        </p:style>
+        <p:txBody>
+          <a:bodyPr lIns="0" tIns="0" rIns="0" bIns="0" rtlCol="0" anchor="ctr"/>
+          <a:lstStyle/>
+          <a:p>
+            <a:pPr algn="ctr"/>
+            <a:r>
+              <a:rPr lang="ko-KR" altLang="en-US" sz="1600" spc="-300" dirty="0">
+                <a:solidFill>
+                  <a:srgbClr val="0CB8DA"/>
+                </a:solidFill>
+                <a:latin typeface="나눔스퀘어 Bold" panose="020B0600000101010101" pitchFamily="50" charset="-127"/>
+                <a:ea typeface="나눔스퀘어 Bold" panose="020B0600000101010101" pitchFamily="50" charset="-127"/>
+              </a:rPr>
+              <a:t>▶▶</a:t>
+            </a:r>
+            <a:r>
+              <a:rPr lang="ko-KR" altLang="en-US" sz="1600" dirty="0">
+                <a:solidFill>
+                  <a:srgbClr val="0CB8DA"/>
+                </a:solidFill>
+                <a:latin typeface="나눔스퀘어 Bold" panose="020B0600000101010101" pitchFamily="50" charset="-127"/>
+                <a:ea typeface="나눔스퀘어 Bold" panose="020B0600000101010101" pitchFamily="50" charset="-127"/>
+              </a:rPr>
+              <a:t> </a:t>
+            </a:r>
+            <a:r>
+              <a:rPr lang="ko-KR" altLang="en-US" sz="1600" spc="-300" dirty="0">
+                <a:solidFill>
+                  <a:srgbClr val="0CB8DA"/>
+                </a:solidFill>
+                <a:latin typeface="나눔스퀘어 Bold" panose="020B0600000101010101" pitchFamily="50" charset="-127"/>
+                <a:ea typeface="나눔스퀘어 Bold" panose="020B0600000101010101" pitchFamily="50" charset="-127"/>
+              </a:rPr>
+              <a:t> </a:t>
+            </a:r>
+            <a:r>
+              <a:rPr lang="ko-KR" altLang="en-US" sz="1600" dirty="0">
+                <a:solidFill>
+                  <a:srgbClr val="0CB8DA"/>
+                </a:solidFill>
+                <a:latin typeface="나눔스퀘어 Bold" panose="020B0600000101010101" pitchFamily="50" charset="-127"/>
+                <a:ea typeface="나눔스퀘어 Bold" panose="020B0600000101010101" pitchFamily="50" charset="-127"/>
+              </a:rPr>
+              <a:t>빠른 시작</a:t>
+            </a:r>
+            <a:endParaRPr lang="ko-KR" altLang="en-US" sz="1600" spc="-300" dirty="0">
+              <a:solidFill>
+                <a:srgbClr val="0CB8DA"/>
+              </a:solidFill>
+              <a:latin typeface="나눔스퀘어 Bold" panose="020B0600000101010101" pitchFamily="50" charset="-127"/>
+              <a:ea typeface="나눔스퀘어 Bold" panose="020B0600000101010101" pitchFamily="50" charset="-127"/>
+            </a:endParaRPr>
+          </a:p>
+        </p:txBody>
+      </p:sp>
+      <p:sp>
+        <p:nvSpPr>
+          <p:cNvPr id="25" name="사각형: 둥근 모서리 24">
+            <a:extLst>
+              <a:ext uri="{FF2B5EF4-FFF2-40B4-BE49-F238E27FC236}">
+                <a16:creationId xmlns:a16="http://schemas.microsoft.com/office/drawing/2014/main" id="{14B2DE05-5BEC-A619-1825-0263BFE783B6}"/>
+              </a:ext>
+            </a:extLst>
+          </p:cNvPr>
+          <p:cNvSpPr/>
+          <p:nvPr/>
+        </p:nvSpPr>
+        <p:spPr>
+          <a:xfrm>
+            <a:off x="8529997" y="-1280486"/>
+            <a:ext cx="1552575" cy="590550"/>
+          </a:xfrm>
+          <a:prstGeom prst="roundRect">
+            <a:avLst/>
+          </a:prstGeom>
+          <a:noFill/>
+          <a:ln w="38100">
+            <a:solidFill>
+              <a:schemeClr val="tx1">
+                <a:lumMod val="50000"/>
+                <a:lumOff val="50000"/>
+              </a:schemeClr>
+            </a:solidFill>
+          </a:ln>
+        </p:spPr>
+        <p:style>
+          <a:lnRef idx="2">
+            <a:schemeClr val="accent1">
+              <a:shade val="15000"/>
+            </a:schemeClr>
+          </a:lnRef>
+          <a:fillRef idx="1">
+            <a:schemeClr val="accent1"/>
+          </a:fillRef>
+          <a:effectRef idx="0">
+            <a:schemeClr val="accent1"/>
+          </a:effectRef>
+          <a:fontRef idx="minor">
+            <a:schemeClr val="lt1"/>
+          </a:fontRef>
+        </p:style>
+        <p:txBody>
+          <a:bodyPr lIns="0" tIns="0" rIns="0" bIns="0" rtlCol="0" anchor="ctr"/>
+          <a:lstStyle/>
+          <a:p>
+            <a:pPr algn="ctr"/>
+            <a:r>
+              <a:rPr lang="ko-KR" altLang="en-US" sz="1600" dirty="0">
+                <a:solidFill>
+                  <a:schemeClr val="tx1">
+                    <a:lumMod val="50000"/>
+                    <a:lumOff val="50000"/>
+                  </a:schemeClr>
+                </a:solidFill>
+                <a:latin typeface="나눔스퀘어 Bold" panose="020B0600000101010101" pitchFamily="50" charset="-127"/>
+                <a:ea typeface="나눔스퀘어 Bold" panose="020B0600000101010101" pitchFamily="50" charset="-127"/>
+              </a:rPr>
+              <a:t>방 만들기</a:t>
+            </a:r>
+          </a:p>
+        </p:txBody>
+      </p:sp>
+      <p:sp>
+        <p:nvSpPr>
+          <p:cNvPr id="1121" name="TextBox 1120">
+            <a:extLst>
+              <a:ext uri="{FF2B5EF4-FFF2-40B4-BE49-F238E27FC236}">
+                <a16:creationId xmlns:a16="http://schemas.microsoft.com/office/drawing/2014/main" id="{1DEC0A14-626C-71D4-A103-3791727DA76E}"/>
+              </a:ext>
+            </a:extLst>
+          </p:cNvPr>
+          <p:cNvSpPr txBox="1"/>
+          <p:nvPr/>
+        </p:nvSpPr>
+        <p:spPr>
+          <a:xfrm>
+            <a:off x="11278336" y="1193384"/>
+            <a:ext cx="202544" cy="276999"/>
+          </a:xfrm>
+          <a:prstGeom prst="rect">
+            <a:avLst/>
+          </a:prstGeom>
+          <a:noFill/>
+          <a:ln>
+            <a:solidFill>
+              <a:schemeClr val="tx1"/>
+            </a:solidFill>
+          </a:ln>
+        </p:spPr>
+        <p:txBody>
+          <a:bodyPr wrap="square" lIns="0" tIns="0" rIns="0" bIns="0" anchor="ctr" anchorCtr="0">
+            <a:spAutoFit/>
+          </a:bodyPr>
+          <a:lstStyle/>
+          <a:p>
+            <a:r>
+              <a:rPr lang="ko-KR" altLang="en-US" sz="1800" b="1" spc="-300" dirty="0">
+                <a:solidFill>
+                  <a:schemeClr val="accent5">
+                    <a:lumMod val="60000"/>
+                    <a:lumOff val="40000"/>
+                  </a:schemeClr>
+                </a:solidFill>
+                <a:latin typeface="나눔스퀘어 Bold" panose="020B0600000101010101" pitchFamily="50" charset="-127"/>
+                <a:ea typeface="나눔스퀘어 Bold" panose="020B0600000101010101" pitchFamily="50" charset="-127"/>
+              </a:rPr>
+              <a:t>▶</a:t>
+            </a:r>
+            <a:endParaRPr lang="ko-KR" altLang="en-US" b="1" dirty="0">
+              <a:solidFill>
+                <a:schemeClr val="accent5">
+                  <a:lumMod val="60000"/>
+                  <a:lumOff val="40000"/>
+                </a:schemeClr>
+              </a:solidFill>
+            </a:endParaRPr>
+          </a:p>
+        </p:txBody>
+      </p:sp>
+      <p:sp>
+        <p:nvSpPr>
+          <p:cNvPr id="1122" name="TextBox 1121">
+            <a:extLst>
+              <a:ext uri="{FF2B5EF4-FFF2-40B4-BE49-F238E27FC236}">
+                <a16:creationId xmlns:a16="http://schemas.microsoft.com/office/drawing/2014/main" id="{C4B33F3C-19AF-B538-04CA-AA68DC64BF1F}"/>
+              </a:ext>
+            </a:extLst>
+          </p:cNvPr>
+          <p:cNvSpPr txBox="1"/>
+          <p:nvPr/>
+        </p:nvSpPr>
+        <p:spPr>
+          <a:xfrm>
+            <a:off x="10913132" y="1193385"/>
+            <a:ext cx="202544" cy="276999"/>
+          </a:xfrm>
+          <a:prstGeom prst="rect">
+            <a:avLst/>
+          </a:prstGeom>
+          <a:noFill/>
+          <a:ln>
+            <a:solidFill>
+              <a:schemeClr val="tx1"/>
+            </a:solidFill>
+          </a:ln>
+        </p:spPr>
+        <p:txBody>
+          <a:bodyPr wrap="square" lIns="0" tIns="0" rIns="0" bIns="0" anchor="ctr" anchorCtr="0">
+            <a:spAutoFit/>
+          </a:bodyPr>
+          <a:lstStyle/>
+          <a:p>
+            <a:r>
+              <a:rPr lang="ko-KR" altLang="en-US" sz="1800" b="1" spc="-300" dirty="0">
+                <a:solidFill>
+                  <a:schemeClr val="accent5">
+                    <a:lumMod val="60000"/>
+                    <a:lumOff val="40000"/>
+                  </a:schemeClr>
+                </a:solidFill>
+                <a:latin typeface="나눔스퀘어 Bold" panose="020B0600000101010101" pitchFamily="50" charset="-127"/>
+                <a:ea typeface="나눔스퀘어 Bold" panose="020B0600000101010101" pitchFamily="50" charset="-127"/>
+              </a:rPr>
+              <a:t>◀</a:t>
+            </a:r>
+            <a:endParaRPr lang="ko-KR" altLang="en-US" b="1" dirty="0">
+              <a:solidFill>
+                <a:schemeClr val="accent5">
+                  <a:lumMod val="60000"/>
+                  <a:lumOff val="40000"/>
+                </a:schemeClr>
+              </a:solidFill>
+            </a:endParaRPr>
+          </a:p>
+        </p:txBody>
+      </p:sp>
+      <p:sp>
+        <p:nvSpPr>
+          <p:cNvPr id="1123" name="TextBox 1122">
+            <a:extLst>
+              <a:ext uri="{FF2B5EF4-FFF2-40B4-BE49-F238E27FC236}">
+                <a16:creationId xmlns:a16="http://schemas.microsoft.com/office/drawing/2014/main" id="{D31280C6-72BC-9E48-9D54-119FBF66F9D3}"/>
+              </a:ext>
+            </a:extLst>
+          </p:cNvPr>
+          <p:cNvSpPr txBox="1"/>
+          <p:nvPr/>
+        </p:nvSpPr>
+        <p:spPr>
+          <a:xfrm>
+            <a:off x="10913132" y="1471631"/>
+            <a:ext cx="202544" cy="276999"/>
+          </a:xfrm>
+          <a:prstGeom prst="rect">
+            <a:avLst/>
+          </a:prstGeom>
+          <a:noFill/>
+          <a:ln>
+            <a:solidFill>
+              <a:schemeClr val="tx1"/>
+            </a:solidFill>
+          </a:ln>
+        </p:spPr>
+        <p:txBody>
+          <a:bodyPr wrap="square" lIns="0" tIns="0" rIns="0" bIns="0" anchor="ctr" anchorCtr="0">
+            <a:spAutoFit/>
+          </a:bodyPr>
+          <a:lstStyle/>
+          <a:p>
+            <a:r>
+              <a:rPr lang="ko-KR" altLang="en-US" sz="1800" b="1" spc="-300" dirty="0">
+                <a:solidFill>
+                  <a:srgbClr val="0CB8DA"/>
+                </a:solidFill>
+                <a:latin typeface="나눔스퀘어 Bold" panose="020B0600000101010101" pitchFamily="50" charset="-127"/>
+                <a:ea typeface="나눔스퀘어 Bold" panose="020B0600000101010101" pitchFamily="50" charset="-127"/>
+              </a:rPr>
+              <a:t>◀</a:t>
+            </a:r>
+            <a:endParaRPr lang="ko-KR" altLang="en-US" b="1" dirty="0"/>
+          </a:p>
+        </p:txBody>
+      </p:sp>
+      <p:sp>
+        <p:nvSpPr>
+          <p:cNvPr id="1125" name="TextBox 1124">
+            <a:extLst>
+              <a:ext uri="{FF2B5EF4-FFF2-40B4-BE49-F238E27FC236}">
+                <a16:creationId xmlns:a16="http://schemas.microsoft.com/office/drawing/2014/main" id="{557D15FD-7F75-89E6-19CF-9A902C68D8D2}"/>
+              </a:ext>
+            </a:extLst>
+          </p:cNvPr>
+          <p:cNvSpPr txBox="1"/>
+          <p:nvPr/>
+        </p:nvSpPr>
+        <p:spPr>
+          <a:xfrm>
+            <a:off x="11278336" y="1474422"/>
+            <a:ext cx="202544" cy="276999"/>
+          </a:xfrm>
+          <a:prstGeom prst="rect">
+            <a:avLst/>
+          </a:prstGeom>
+          <a:noFill/>
+          <a:ln>
+            <a:solidFill>
+              <a:schemeClr val="tx1"/>
+            </a:solidFill>
+          </a:ln>
+        </p:spPr>
+        <p:txBody>
+          <a:bodyPr wrap="square" lIns="0" tIns="0" rIns="0" bIns="0" anchor="ctr" anchorCtr="0">
+            <a:spAutoFit/>
+          </a:bodyPr>
+          <a:lstStyle/>
+          <a:p>
+            <a:r>
+              <a:rPr lang="ko-KR" altLang="en-US" sz="1800" b="1" spc="-300" dirty="0">
+                <a:solidFill>
+                  <a:srgbClr val="0CB8DA"/>
+                </a:solidFill>
+                <a:latin typeface="나눔스퀘어 Bold" panose="020B0600000101010101" pitchFamily="50" charset="-127"/>
+                <a:ea typeface="나눔스퀘어 Bold" panose="020B0600000101010101" pitchFamily="50" charset="-127"/>
+              </a:rPr>
+              <a:t>▶</a:t>
+            </a:r>
+            <a:endParaRPr lang="ko-KR" altLang="en-US" b="1" dirty="0"/>
+          </a:p>
+        </p:txBody>
+      </p:sp>
     </p:spTree>
     <p:extLst>
       <p:ext uri="{BB962C8B-B14F-4D97-AF65-F5344CB8AC3E}">

--- a/Client/PvE/REVENGER/UI/XDUI/UI.pptx
+++ b/Client/PvE/REVENGER/UI/XDUI/UI.pptx
@@ -266,7 +266,7 @@
           <a:p>
             <a:fld id="{E54CAA87-A1E0-4A2A-8255-07B10906445F}" type="datetimeFigureOut">
               <a:rPr lang="ko-KR" altLang="en-US" smtClean="0"/>
-              <a:t>2023-07-14</a:t>
+              <a:t>2023-07-15</a:t>
             </a:fld>
             <a:endParaRPr lang="ko-KR" altLang="en-US"/>
           </a:p>
@@ -464,7 +464,7 @@
           <a:p>
             <a:fld id="{E54CAA87-A1E0-4A2A-8255-07B10906445F}" type="datetimeFigureOut">
               <a:rPr lang="ko-KR" altLang="en-US" smtClean="0"/>
-              <a:t>2023-07-14</a:t>
+              <a:t>2023-07-15</a:t>
             </a:fld>
             <a:endParaRPr lang="ko-KR" altLang="en-US"/>
           </a:p>
@@ -672,7 +672,7 @@
           <a:p>
             <a:fld id="{E54CAA87-A1E0-4A2A-8255-07B10906445F}" type="datetimeFigureOut">
               <a:rPr lang="ko-KR" altLang="en-US" smtClean="0"/>
-              <a:t>2023-07-14</a:t>
+              <a:t>2023-07-15</a:t>
             </a:fld>
             <a:endParaRPr lang="ko-KR" altLang="en-US"/>
           </a:p>
@@ -870,7 +870,7 @@
           <a:p>
             <a:fld id="{E54CAA87-A1E0-4A2A-8255-07B10906445F}" type="datetimeFigureOut">
               <a:rPr lang="ko-KR" altLang="en-US" smtClean="0"/>
-              <a:t>2023-07-14</a:t>
+              <a:t>2023-07-15</a:t>
             </a:fld>
             <a:endParaRPr lang="ko-KR" altLang="en-US"/>
           </a:p>
@@ -1145,7 +1145,7 @@
           <a:p>
             <a:fld id="{E54CAA87-A1E0-4A2A-8255-07B10906445F}" type="datetimeFigureOut">
               <a:rPr lang="ko-KR" altLang="en-US" smtClean="0"/>
-              <a:t>2023-07-14</a:t>
+              <a:t>2023-07-15</a:t>
             </a:fld>
             <a:endParaRPr lang="ko-KR" altLang="en-US"/>
           </a:p>
@@ -1410,7 +1410,7 @@
           <a:p>
             <a:fld id="{E54CAA87-A1E0-4A2A-8255-07B10906445F}" type="datetimeFigureOut">
               <a:rPr lang="ko-KR" altLang="en-US" smtClean="0"/>
-              <a:t>2023-07-14</a:t>
+              <a:t>2023-07-15</a:t>
             </a:fld>
             <a:endParaRPr lang="ko-KR" altLang="en-US"/>
           </a:p>
@@ -1822,7 +1822,7 @@
           <a:p>
             <a:fld id="{E54CAA87-A1E0-4A2A-8255-07B10906445F}" type="datetimeFigureOut">
               <a:rPr lang="ko-KR" altLang="en-US" smtClean="0"/>
-              <a:t>2023-07-14</a:t>
+              <a:t>2023-07-15</a:t>
             </a:fld>
             <a:endParaRPr lang="ko-KR" altLang="en-US"/>
           </a:p>
@@ -1963,7 +1963,7 @@
           <a:p>
             <a:fld id="{E54CAA87-A1E0-4A2A-8255-07B10906445F}" type="datetimeFigureOut">
               <a:rPr lang="ko-KR" altLang="en-US" smtClean="0"/>
-              <a:t>2023-07-14</a:t>
+              <a:t>2023-07-15</a:t>
             </a:fld>
             <a:endParaRPr lang="ko-KR" altLang="en-US"/>
           </a:p>
@@ -2076,7 +2076,7 @@
           <a:p>
             <a:fld id="{E54CAA87-A1E0-4A2A-8255-07B10906445F}" type="datetimeFigureOut">
               <a:rPr lang="ko-KR" altLang="en-US" smtClean="0"/>
-              <a:t>2023-07-14</a:t>
+              <a:t>2023-07-15</a:t>
             </a:fld>
             <a:endParaRPr lang="ko-KR" altLang="en-US"/>
           </a:p>
@@ -2387,7 +2387,7 @@
           <a:p>
             <a:fld id="{E54CAA87-A1E0-4A2A-8255-07B10906445F}" type="datetimeFigureOut">
               <a:rPr lang="ko-KR" altLang="en-US" smtClean="0"/>
-              <a:t>2023-07-14</a:t>
+              <a:t>2023-07-15</a:t>
             </a:fld>
             <a:endParaRPr lang="ko-KR" altLang="en-US"/>
           </a:p>
@@ -2675,7 +2675,7 @@
           <a:p>
             <a:fld id="{E54CAA87-A1E0-4A2A-8255-07B10906445F}" type="datetimeFigureOut">
               <a:rPr lang="ko-KR" altLang="en-US" smtClean="0"/>
-              <a:t>2023-07-14</a:t>
+              <a:t>2023-07-15</a:t>
             </a:fld>
             <a:endParaRPr lang="ko-KR" altLang="en-US"/>
           </a:p>
@@ -2916,7 +2916,7 @@
           <a:p>
             <a:fld id="{E54CAA87-A1E0-4A2A-8255-07B10906445F}" type="datetimeFigureOut">
               <a:rPr lang="ko-KR" altLang="en-US" smtClean="0"/>
-              <a:t>2023-07-14</a:t>
+              <a:t>2023-07-15</a:t>
             </a:fld>
             <a:endParaRPr lang="ko-KR" altLang="en-US"/>
           </a:p>
@@ -13688,7 +13688,7 @@
           <p:nvPr>
             <p:extLst>
               <p:ext uri="{D42A27DB-BD31-4B8C-83A1-F6EECF244321}">
-                <p14:modId xmlns:p14="http://schemas.microsoft.com/office/powerpoint/2010/main" val="1177037204"/>
+                <p14:modId xmlns:p14="http://schemas.microsoft.com/office/powerpoint/2010/main" val="3259238720"/>
               </p:ext>
             </p:extLst>
           </p:nvPr>
@@ -13998,14 +13998,6 @@
                     <a:lstStyle/>
                     <a:p>
                       <a:pPr algn="ctr" latinLnBrk="1"/>
-                      <a:r>
-                        <a:rPr lang="en-US" altLang="ko-KR" dirty="0">
-                          <a:solidFill>
-                            <a:schemeClr val="bg1"/>
-                          </a:solidFill>
-                        </a:rPr>
-                        <a:t>ARMY</a:t>
-                      </a:r>
                       <a:endParaRPr lang="ko-KR" altLang="en-US" dirty="0">
                         <a:solidFill>
                           <a:schemeClr val="bg1"/>
@@ -14204,14 +14196,6 @@
                         <a:tabLst/>
                         <a:defRPr/>
                       </a:pPr>
-                      <a:r>
-                        <a:rPr lang="en-US" altLang="ko-KR" dirty="0">
-                          <a:solidFill>
-                            <a:schemeClr val="bg1"/>
-                          </a:solidFill>
-                        </a:rPr>
-                        <a:t>ARMY</a:t>
-                      </a:r>
                       <a:endParaRPr lang="ko-KR" altLang="en-US" dirty="0">
                         <a:solidFill>
                           <a:schemeClr val="bg1"/>
@@ -14394,14 +14378,6 @@
                     <a:lstStyle/>
                     <a:p>
                       <a:pPr algn="ctr" latinLnBrk="1"/>
-                      <a:r>
-                        <a:rPr lang="en-US" altLang="ko-KR" dirty="0">
-                          <a:solidFill>
-                            <a:schemeClr val="bg1"/>
-                          </a:solidFill>
-                        </a:rPr>
-                        <a:t>HELI</a:t>
-                      </a:r>
                       <a:endParaRPr lang="ko-KR" altLang="en-US" dirty="0">
                         <a:solidFill>
                           <a:schemeClr val="bg1"/>
@@ -15158,6 +15134,162 @@
           </p:txBody>
         </p:sp>
       </p:grpSp>
+      <p:pic>
+        <p:nvPicPr>
+          <p:cNvPr id="4" name="그림 3">
+            <a:extLst>
+              <a:ext uri="{FF2B5EF4-FFF2-40B4-BE49-F238E27FC236}">
+                <a16:creationId xmlns:a16="http://schemas.microsoft.com/office/drawing/2014/main" id="{420375B1-917C-4471-FDA1-C2677329ADAB}"/>
+              </a:ext>
+            </a:extLst>
+          </p:cNvPr>
+          <p:cNvPicPr>
+            <a:picLocks noChangeAspect="1"/>
+          </p:cNvPicPr>
+          <p:nvPr/>
+        </p:nvPicPr>
+        <p:blipFill>
+          <a:blip r:embed="rId3">
+            <a:extLst>
+              <a:ext uri="{28A0092B-C50C-407E-A947-70E740481C1C}">
+                <a14:useLocalDpi xmlns:a14="http://schemas.microsoft.com/office/drawing/2010/main" val="0"/>
+              </a:ext>
+            </a:extLst>
+          </a:blip>
+          <a:stretch>
+            <a:fillRect/>
+          </a:stretch>
+        </p:blipFill>
+        <p:spPr>
+          <a:xfrm>
+            <a:off x="-860221" y="3496190"/>
+            <a:ext cx="304800" cy="304800"/>
+          </a:xfrm>
+          <a:prstGeom prst="rect">
+            <a:avLst/>
+          </a:prstGeom>
+          <a:ln>
+            <a:noFill/>
+          </a:ln>
+        </p:spPr>
+      </p:pic>
+      <p:pic>
+        <p:nvPicPr>
+          <p:cNvPr id="5" name="그림 4">
+            <a:extLst>
+              <a:ext uri="{FF2B5EF4-FFF2-40B4-BE49-F238E27FC236}">
+                <a16:creationId xmlns:a16="http://schemas.microsoft.com/office/drawing/2014/main" id="{9C7D259B-87FB-2B36-7EBC-7AC0EB0852D0}"/>
+              </a:ext>
+            </a:extLst>
+          </p:cNvPr>
+          <p:cNvPicPr>
+            <a:picLocks noChangeAspect="1"/>
+          </p:cNvPicPr>
+          <p:nvPr/>
+        </p:nvPicPr>
+        <p:blipFill>
+          <a:blip r:embed="rId4">
+            <a:extLst>
+              <a:ext uri="{28A0092B-C50C-407E-A947-70E740481C1C}">
+                <a14:useLocalDpi xmlns:a14="http://schemas.microsoft.com/office/drawing/2010/main" val="0"/>
+              </a:ext>
+            </a:extLst>
+          </a:blip>
+          <a:stretch>
+            <a:fillRect/>
+          </a:stretch>
+        </p:blipFill>
+        <p:spPr>
+          <a:xfrm>
+            <a:off x="-521144" y="3803373"/>
+            <a:ext cx="304800" cy="304800"/>
+          </a:xfrm>
+          <a:prstGeom prst="rect">
+            <a:avLst/>
+          </a:prstGeom>
+          <a:ln>
+            <a:noFill/>
+          </a:ln>
+        </p:spPr>
+      </p:pic>
+      <p:pic>
+        <p:nvPicPr>
+          <p:cNvPr id="6" name="그림 5">
+            <a:extLst>
+              <a:ext uri="{FF2B5EF4-FFF2-40B4-BE49-F238E27FC236}">
+                <a16:creationId xmlns:a16="http://schemas.microsoft.com/office/drawing/2014/main" id="{7CD6BE07-640B-6A35-29AC-670BCBAFE4BA}"/>
+              </a:ext>
+            </a:extLst>
+          </p:cNvPr>
+          <p:cNvPicPr>
+            <a:picLocks noChangeAspect="1"/>
+          </p:cNvPicPr>
+          <p:nvPr/>
+        </p:nvPicPr>
+        <p:blipFill>
+          <a:blip r:embed="rId5">
+            <a:extLst>
+              <a:ext uri="{28A0092B-C50C-407E-A947-70E740481C1C}">
+                <a14:useLocalDpi xmlns:a14="http://schemas.microsoft.com/office/drawing/2010/main" val="0"/>
+              </a:ext>
+            </a:extLst>
+          </a:blip>
+          <a:stretch>
+            <a:fillRect/>
+          </a:stretch>
+        </p:blipFill>
+        <p:spPr>
+          <a:xfrm>
+            <a:off x="-521144" y="3496339"/>
+            <a:ext cx="304800" cy="304800"/>
+          </a:xfrm>
+          <a:prstGeom prst="rect">
+            <a:avLst/>
+          </a:prstGeom>
+          <a:ln>
+            <a:noFill/>
+          </a:ln>
+        </p:spPr>
+      </p:pic>
+      <p:pic>
+        <p:nvPicPr>
+          <p:cNvPr id="11" name="그림 10">
+            <a:extLst>
+              <a:ext uri="{FF2B5EF4-FFF2-40B4-BE49-F238E27FC236}">
+                <a16:creationId xmlns:a16="http://schemas.microsoft.com/office/drawing/2014/main" id="{A8734C4B-7C4A-29A1-AEDE-E16BB2D03329}"/>
+              </a:ext>
+            </a:extLst>
+          </p:cNvPr>
+          <p:cNvPicPr>
+            <a:picLocks noChangeAspect="1"/>
+          </p:cNvPicPr>
+          <p:nvPr/>
+        </p:nvPicPr>
+        <p:blipFill>
+          <a:blip r:embed="rId6">
+            <a:extLst>
+              <a:ext uri="{28A0092B-C50C-407E-A947-70E740481C1C}">
+                <a14:useLocalDpi xmlns:a14="http://schemas.microsoft.com/office/drawing/2010/main" val="0"/>
+              </a:ext>
+            </a:extLst>
+          </a:blip>
+          <a:stretch>
+            <a:fillRect/>
+          </a:stretch>
+        </p:blipFill>
+        <p:spPr>
+          <a:xfrm>
+            <a:off x="-860221" y="3803373"/>
+            <a:ext cx="304800" cy="304800"/>
+          </a:xfrm>
+          <a:prstGeom prst="rect">
+            <a:avLst/>
+          </a:prstGeom>
+          <a:ln>
+            <a:noFill/>
+          </a:ln>
+        </p:spPr>
+      </p:pic>
     </p:spTree>
     <p:extLst>
       <p:ext uri="{BB962C8B-B14F-4D97-AF65-F5344CB8AC3E}">

--- a/Client/PvE/REVENGER/UI/XDUI/UI.pptx
+++ b/Client/PvE/REVENGER/UI/XDUI/UI.pptx
@@ -266,7 +266,7 @@
           <a:p>
             <a:fld id="{E54CAA87-A1E0-4A2A-8255-07B10906445F}" type="datetimeFigureOut">
               <a:rPr lang="ko-KR" altLang="en-US" smtClean="0"/>
-              <a:t>2023-07-15</a:t>
+              <a:t>2023-07-17</a:t>
             </a:fld>
             <a:endParaRPr lang="ko-KR" altLang="en-US"/>
           </a:p>
@@ -464,7 +464,7 @@
           <a:p>
             <a:fld id="{E54CAA87-A1E0-4A2A-8255-07B10906445F}" type="datetimeFigureOut">
               <a:rPr lang="ko-KR" altLang="en-US" smtClean="0"/>
-              <a:t>2023-07-15</a:t>
+              <a:t>2023-07-17</a:t>
             </a:fld>
             <a:endParaRPr lang="ko-KR" altLang="en-US"/>
           </a:p>
@@ -672,7 +672,7 @@
           <a:p>
             <a:fld id="{E54CAA87-A1E0-4A2A-8255-07B10906445F}" type="datetimeFigureOut">
               <a:rPr lang="ko-KR" altLang="en-US" smtClean="0"/>
-              <a:t>2023-07-15</a:t>
+              <a:t>2023-07-17</a:t>
             </a:fld>
             <a:endParaRPr lang="ko-KR" altLang="en-US"/>
           </a:p>
@@ -870,7 +870,7 @@
           <a:p>
             <a:fld id="{E54CAA87-A1E0-4A2A-8255-07B10906445F}" type="datetimeFigureOut">
               <a:rPr lang="ko-KR" altLang="en-US" smtClean="0"/>
-              <a:t>2023-07-15</a:t>
+              <a:t>2023-07-17</a:t>
             </a:fld>
             <a:endParaRPr lang="ko-KR" altLang="en-US"/>
           </a:p>
@@ -1145,7 +1145,7 @@
           <a:p>
             <a:fld id="{E54CAA87-A1E0-4A2A-8255-07B10906445F}" type="datetimeFigureOut">
               <a:rPr lang="ko-KR" altLang="en-US" smtClean="0"/>
-              <a:t>2023-07-15</a:t>
+              <a:t>2023-07-17</a:t>
             </a:fld>
             <a:endParaRPr lang="ko-KR" altLang="en-US"/>
           </a:p>
@@ -1410,7 +1410,7 @@
           <a:p>
             <a:fld id="{E54CAA87-A1E0-4A2A-8255-07B10906445F}" type="datetimeFigureOut">
               <a:rPr lang="ko-KR" altLang="en-US" smtClean="0"/>
-              <a:t>2023-07-15</a:t>
+              <a:t>2023-07-17</a:t>
             </a:fld>
             <a:endParaRPr lang="ko-KR" altLang="en-US"/>
           </a:p>
@@ -1822,7 +1822,7 @@
           <a:p>
             <a:fld id="{E54CAA87-A1E0-4A2A-8255-07B10906445F}" type="datetimeFigureOut">
               <a:rPr lang="ko-KR" altLang="en-US" smtClean="0"/>
-              <a:t>2023-07-15</a:t>
+              <a:t>2023-07-17</a:t>
             </a:fld>
             <a:endParaRPr lang="ko-KR" altLang="en-US"/>
           </a:p>
@@ -1963,7 +1963,7 @@
           <a:p>
             <a:fld id="{E54CAA87-A1E0-4A2A-8255-07B10906445F}" type="datetimeFigureOut">
               <a:rPr lang="ko-KR" altLang="en-US" smtClean="0"/>
-              <a:t>2023-07-15</a:t>
+              <a:t>2023-07-17</a:t>
             </a:fld>
             <a:endParaRPr lang="ko-KR" altLang="en-US"/>
           </a:p>
@@ -2076,7 +2076,7 @@
           <a:p>
             <a:fld id="{E54CAA87-A1E0-4A2A-8255-07B10906445F}" type="datetimeFigureOut">
               <a:rPr lang="ko-KR" altLang="en-US" smtClean="0"/>
-              <a:t>2023-07-15</a:t>
+              <a:t>2023-07-17</a:t>
             </a:fld>
             <a:endParaRPr lang="ko-KR" altLang="en-US"/>
           </a:p>
@@ -2387,7 +2387,7 @@
           <a:p>
             <a:fld id="{E54CAA87-A1E0-4A2A-8255-07B10906445F}" type="datetimeFigureOut">
               <a:rPr lang="ko-KR" altLang="en-US" smtClean="0"/>
-              <a:t>2023-07-15</a:t>
+              <a:t>2023-07-17</a:t>
             </a:fld>
             <a:endParaRPr lang="ko-KR" altLang="en-US"/>
           </a:p>
@@ -2675,7 +2675,7 @@
           <a:p>
             <a:fld id="{E54CAA87-A1E0-4A2A-8255-07B10906445F}" type="datetimeFigureOut">
               <a:rPr lang="ko-KR" altLang="en-US" smtClean="0"/>
-              <a:t>2023-07-15</a:t>
+              <a:t>2023-07-17</a:t>
             </a:fld>
             <a:endParaRPr lang="ko-KR" altLang="en-US"/>
           </a:p>
@@ -2916,7 +2916,7 @@
           <a:p>
             <a:fld id="{E54CAA87-A1E0-4A2A-8255-07B10906445F}" type="datetimeFigureOut">
               <a:rPr lang="ko-KR" altLang="en-US" smtClean="0"/>
-              <a:t>2023-07-15</a:t>
+              <a:t>2023-07-17</a:t>
             </a:fld>
             <a:endParaRPr lang="ko-KR" altLang="en-US"/>
           </a:p>
@@ -7737,10 +7737,10 @@
       </p:pic>
       <p:grpSp>
         <p:nvGrpSpPr>
-          <p:cNvPr id="29" name="그룹 28">
-            <a:extLst>
-              <a:ext uri="{FF2B5EF4-FFF2-40B4-BE49-F238E27FC236}">
-                <a16:creationId xmlns:a16="http://schemas.microsoft.com/office/drawing/2014/main" id="{B5EBE16B-1653-BB77-5A66-103B6807B6E6}"/>
+          <p:cNvPr id="17" name="그룹 16">
+            <a:extLst>
+              <a:ext uri="{FF2B5EF4-FFF2-40B4-BE49-F238E27FC236}">
+                <a16:creationId xmlns:a16="http://schemas.microsoft.com/office/drawing/2014/main" id="{EFA09F6E-F7C1-00EA-6356-F559CD5EAFEA}"/>
               </a:ext>
             </a:extLst>
           </p:cNvPr>
@@ -7749,145 +7749,18 @@
         </p:nvGrpSpPr>
         <p:grpSpPr>
           <a:xfrm>
-            <a:off x="9562697" y="142920"/>
-            <a:ext cx="2266950" cy="2309590"/>
-            <a:chOff x="2056825" y="4279218"/>
-            <a:chExt cx="2266950" cy="2309590"/>
+            <a:off x="10868983" y="986982"/>
+            <a:ext cx="2266950" cy="1756218"/>
+            <a:chOff x="2056825" y="4514850"/>
+            <a:chExt cx="2266950" cy="1838325"/>
           </a:xfrm>
         </p:grpSpPr>
-        <p:grpSp>
-          <p:nvGrpSpPr>
-            <p:cNvPr id="17" name="그룹 16">
+        <p:sp>
+          <p:nvSpPr>
+            <p:cNvPr id="13" name="직사각형 12">
               <a:extLst>
                 <a:ext uri="{FF2B5EF4-FFF2-40B4-BE49-F238E27FC236}">
-                  <a16:creationId xmlns:a16="http://schemas.microsoft.com/office/drawing/2014/main" id="{EFA09F6E-F7C1-00EA-6356-F559CD5EAFEA}"/>
-                </a:ext>
-              </a:extLst>
-            </p:cNvPr>
-            <p:cNvGrpSpPr/>
-            <p:nvPr/>
-          </p:nvGrpSpPr>
-          <p:grpSpPr>
-            <a:xfrm>
-              <a:off x="2056825" y="4279218"/>
-              <a:ext cx="2266950" cy="2309590"/>
-              <a:chOff x="2056825" y="4514850"/>
-              <a:chExt cx="2266950" cy="1838325"/>
-            </a:xfrm>
-          </p:grpSpPr>
-          <p:sp>
-            <p:nvSpPr>
-              <p:cNvPr id="13" name="직사각형 12">
-                <a:extLst>
-                  <a:ext uri="{FF2B5EF4-FFF2-40B4-BE49-F238E27FC236}">
-                    <a16:creationId xmlns:a16="http://schemas.microsoft.com/office/drawing/2014/main" id="{A7695C39-E3DB-E017-91ED-4AAA57D35E1C}"/>
-                  </a:ext>
-                </a:extLst>
-              </p:cNvPr>
-              <p:cNvSpPr/>
-              <p:nvPr/>
-            </p:nvSpPr>
-            <p:spPr>
-              <a:xfrm>
-                <a:off x="2056825" y="4514850"/>
-                <a:ext cx="2266950" cy="1838325"/>
-              </a:xfrm>
-              <a:prstGeom prst="rect">
-                <a:avLst/>
-              </a:prstGeom>
-              <a:noFill/>
-              <a:ln w="57150">
-                <a:solidFill>
-                  <a:schemeClr val="bg1"/>
-                </a:solidFill>
-              </a:ln>
-            </p:spPr>
-            <p:style>
-              <a:lnRef idx="2">
-                <a:schemeClr val="accent1">
-                  <a:shade val="15000"/>
-                </a:schemeClr>
-              </a:lnRef>
-              <a:fillRef idx="1">
-                <a:schemeClr val="accent1"/>
-              </a:fillRef>
-              <a:effectRef idx="0">
-                <a:schemeClr val="accent1"/>
-              </a:effectRef>
-              <a:fontRef idx="minor">
-                <a:schemeClr val="lt1"/>
-              </a:fontRef>
-            </p:style>
-            <p:txBody>
-              <a:bodyPr rtlCol="0" anchor="ctr"/>
-              <a:lstStyle/>
-              <a:p>
-                <a:pPr algn="ctr"/>
-                <a:endParaRPr lang="ko-KR" altLang="en-US" dirty="0"/>
-              </a:p>
-            </p:txBody>
-          </p:sp>
-          <p:sp>
-            <p:nvSpPr>
-              <p:cNvPr id="9" name="직사각형 8">
-                <a:extLst>
-                  <a:ext uri="{FF2B5EF4-FFF2-40B4-BE49-F238E27FC236}">
-                    <a16:creationId xmlns:a16="http://schemas.microsoft.com/office/drawing/2014/main" id="{5EA3A433-AD13-6DE3-F7E7-947F0DD2D706}"/>
-                  </a:ext>
-                </a:extLst>
-              </p:cNvPr>
-              <p:cNvSpPr/>
-              <p:nvPr/>
-            </p:nvSpPr>
-            <p:spPr>
-              <a:xfrm>
-                <a:off x="2056825" y="4514850"/>
-                <a:ext cx="2266950" cy="1838325"/>
-              </a:xfrm>
-              <a:prstGeom prst="rect">
-                <a:avLst/>
-              </a:prstGeom>
-              <a:solidFill>
-                <a:srgbClr val="030303"/>
-              </a:solidFill>
-              <a:ln w="28575">
-                <a:solidFill>
-                  <a:srgbClr val="F6DEAA"/>
-                </a:solidFill>
-              </a:ln>
-            </p:spPr>
-            <p:style>
-              <a:lnRef idx="2">
-                <a:schemeClr val="accent1">
-                  <a:shade val="15000"/>
-                </a:schemeClr>
-              </a:lnRef>
-              <a:fillRef idx="1">
-                <a:schemeClr val="accent1"/>
-              </a:fillRef>
-              <a:effectRef idx="0">
-                <a:schemeClr val="accent1"/>
-              </a:effectRef>
-              <a:fontRef idx="minor">
-                <a:schemeClr val="lt1"/>
-              </a:fontRef>
-            </p:style>
-            <p:txBody>
-              <a:bodyPr rtlCol="0" anchor="ctr"/>
-              <a:lstStyle/>
-              <a:p>
-                <a:pPr algn="ctr"/>
-                <a:endParaRPr lang="ko-KR" altLang="en-US"/>
-              </a:p>
-            </p:txBody>
-          </p:sp>
-        </p:grpSp>
-        <p:sp>
-          <p:nvSpPr>
-            <p:cNvPr id="14" name="직사각형 13">
-              <a:extLst>
-                <a:ext uri="{FF2B5EF4-FFF2-40B4-BE49-F238E27FC236}">
-                  <a16:creationId xmlns:a16="http://schemas.microsoft.com/office/drawing/2014/main" id="{454F8F55-6BAF-C1E6-9BC0-0F679F396AB2}"/>
+                  <a16:creationId xmlns:a16="http://schemas.microsoft.com/office/drawing/2014/main" id="{A7695C39-E3DB-E017-91ED-4AAA57D35E1C}"/>
                 </a:ext>
               </a:extLst>
             </p:cNvPr>
@@ -7896,73 +7769,17 @@
           </p:nvSpPr>
           <p:spPr>
             <a:xfrm>
-              <a:off x="2755821" y="4414606"/>
-              <a:ext cx="1448710" cy="435836"/>
+              <a:off x="2056825" y="4514850"/>
+              <a:ext cx="2266950" cy="1838325"/>
             </a:xfrm>
             <a:prstGeom prst="rect">
               <a:avLst/>
             </a:prstGeom>
-            <a:solidFill>
-              <a:schemeClr val="bg1">
-                <a:lumMod val="75000"/>
-              </a:schemeClr>
-            </a:solidFill>
-            <a:ln>
-              <a:noFill/>
-            </a:ln>
-          </p:spPr>
-          <p:style>
-            <a:lnRef idx="2">
-              <a:schemeClr val="accent1">
-                <a:shade val="15000"/>
-              </a:schemeClr>
-            </a:lnRef>
-            <a:fillRef idx="1">
-              <a:schemeClr val="accent1"/>
-            </a:fillRef>
-            <a:effectRef idx="0">
-              <a:schemeClr val="accent1"/>
-            </a:effectRef>
-            <a:fontRef idx="minor">
-              <a:schemeClr val="lt1"/>
-            </a:fontRef>
-          </p:style>
-          <p:txBody>
-            <a:bodyPr rtlCol="0" anchor="ctr"/>
-            <a:lstStyle/>
-            <a:p>
-              <a:pPr algn="ctr"/>
-              <a:endParaRPr lang="ko-KR" altLang="en-US"/>
-            </a:p>
-          </p:txBody>
-        </p:sp>
-        <p:sp>
-          <p:nvSpPr>
-            <p:cNvPr id="15" name="직사각형 14">
-              <a:extLst>
-                <a:ext uri="{FF2B5EF4-FFF2-40B4-BE49-F238E27FC236}">
-                  <a16:creationId xmlns:a16="http://schemas.microsoft.com/office/drawing/2014/main" id="{CCBE92BC-1E57-BCD6-FBDC-E7D0724C0849}"/>
-                </a:ext>
-              </a:extLst>
-            </p:cNvPr>
-            <p:cNvSpPr/>
-            <p:nvPr/>
-          </p:nvSpPr>
-          <p:spPr>
-            <a:xfrm>
-              <a:off x="2755821" y="4973242"/>
-              <a:ext cx="1448710" cy="435836"/>
-            </a:xfrm>
-            <a:prstGeom prst="rect">
-              <a:avLst/>
-            </a:prstGeom>
-            <a:solidFill>
-              <a:schemeClr val="bg1">
-                <a:lumMod val="75000"/>
-              </a:schemeClr>
-            </a:solidFill>
-            <a:ln>
-              <a:noFill/>
+            <a:noFill/>
+            <a:ln w="57150">
+              <a:solidFill>
+                <a:schemeClr val="bg1"/>
+              </a:solidFill>
             </a:ln>
           </p:spPr>
           <p:style>
@@ -7992,10 +7809,10 @@
         </p:sp>
         <p:sp>
           <p:nvSpPr>
-            <p:cNvPr id="16" name="직사각형 15">
+            <p:cNvPr id="9" name="직사각형 8">
               <a:extLst>
                 <a:ext uri="{FF2B5EF4-FFF2-40B4-BE49-F238E27FC236}">
-                  <a16:creationId xmlns:a16="http://schemas.microsoft.com/office/drawing/2014/main" id="{9E5273B3-21FE-EC43-1967-05A0ABFA84A4}"/>
+                  <a16:creationId xmlns:a16="http://schemas.microsoft.com/office/drawing/2014/main" id="{5EA3A433-AD13-6DE3-F7E7-947F0DD2D706}"/>
                 </a:ext>
               </a:extLst>
             </p:cNvPr>
@@ -8004,19 +7821,21 @@
           </p:nvSpPr>
           <p:spPr>
             <a:xfrm>
-              <a:off x="2755821" y="5517969"/>
-              <a:ext cx="1448710" cy="435836"/>
+              <a:off x="2056825" y="4514850"/>
+              <a:ext cx="2266950" cy="1838325"/>
             </a:xfrm>
             <a:prstGeom prst="rect">
               <a:avLst/>
             </a:prstGeom>
             <a:solidFill>
-              <a:schemeClr val="bg1">
-                <a:lumMod val="75000"/>
-              </a:schemeClr>
+              <a:srgbClr val="030303">
+                <a:alpha val="80000"/>
+              </a:srgbClr>
             </a:solidFill>
-            <a:ln>
-              <a:noFill/>
+            <a:ln w="28575">
+              <a:solidFill>
+                <a:srgbClr val="F6DEAA"/>
+              </a:solidFill>
             </a:ln>
           </p:spPr>
           <p:style>
@@ -8044,366 +7863,412 @@
             </a:p>
           </p:txBody>
         </p:sp>
-        <p:sp>
-          <p:nvSpPr>
-            <p:cNvPr id="22" name="사각형: 둥근 모서리 21">
-              <a:extLst>
-                <a:ext uri="{FF2B5EF4-FFF2-40B4-BE49-F238E27FC236}">
-                  <a16:creationId xmlns:a16="http://schemas.microsoft.com/office/drawing/2014/main" id="{B26FD2E2-3E62-5D0C-31F1-0BC3D2171F2A}"/>
-                </a:ext>
-              </a:extLst>
-            </p:cNvPr>
-            <p:cNvSpPr/>
-            <p:nvPr/>
-          </p:nvSpPr>
-          <p:spPr>
-            <a:xfrm>
-              <a:off x="3228687" y="6069650"/>
-              <a:ext cx="1018417" cy="435836"/>
-            </a:xfrm>
-            <a:prstGeom prst="roundRect">
-              <a:avLst>
-                <a:gd name="adj" fmla="val 50000"/>
-              </a:avLst>
-            </a:prstGeom>
-            <a:gradFill>
-              <a:gsLst>
-                <a:gs pos="0">
-                  <a:schemeClr val="accent1">
-                    <a:lumMod val="5000"/>
-                    <a:lumOff val="95000"/>
-                  </a:schemeClr>
-                </a:gs>
-                <a:gs pos="33000">
-                  <a:schemeClr val="accent1">
-                    <a:lumMod val="67000"/>
-                    <a:lumOff val="33000"/>
-                  </a:schemeClr>
-                </a:gs>
-                <a:gs pos="66000">
-                  <a:schemeClr val="accent1">
-                    <a:lumMod val="67000"/>
-                    <a:lumOff val="33000"/>
-                  </a:schemeClr>
-                </a:gs>
-                <a:gs pos="100000">
-                  <a:schemeClr val="bg1"/>
-                </a:gs>
-              </a:gsLst>
-              <a:lin ang="5400000" scaled="1"/>
-            </a:gradFill>
-            <a:ln>
-              <a:noFill/>
-            </a:ln>
-          </p:spPr>
-          <p:style>
-            <a:lnRef idx="2">
-              <a:schemeClr val="accent1">
-                <a:shade val="15000"/>
-              </a:schemeClr>
-            </a:lnRef>
-            <a:fillRef idx="1">
-              <a:schemeClr val="accent1"/>
-            </a:fillRef>
-            <a:effectRef idx="0">
-              <a:schemeClr val="accent1"/>
-            </a:effectRef>
-            <a:fontRef idx="minor">
-              <a:schemeClr val="lt1"/>
-            </a:fontRef>
-          </p:style>
-          <p:txBody>
-            <a:bodyPr rtlCol="0" anchor="ctr"/>
-            <a:lstStyle/>
-            <a:p>
-              <a:pPr algn="ctr"/>
-              <a:r>
-                <a:rPr lang="en-US" altLang="ko-KR" sz="1600" b="1" dirty="0">
-                  <a:solidFill>
-                    <a:schemeClr val="tx1"/>
-                  </a:solidFill>
-                </a:rPr>
-                <a:t>LOG IN</a:t>
-              </a:r>
-              <a:endParaRPr lang="ko-KR" altLang="en-US" sz="1600" b="1" dirty="0">
+      </p:grpSp>
+      <p:sp>
+        <p:nvSpPr>
+          <p:cNvPr id="14" name="직사각형 13">
+            <a:extLst>
+              <a:ext uri="{FF2B5EF4-FFF2-40B4-BE49-F238E27FC236}">
+                <a16:creationId xmlns:a16="http://schemas.microsoft.com/office/drawing/2014/main" id="{454F8F55-6BAF-C1E6-9BC0-0F679F396AB2}"/>
+              </a:ext>
+            </a:extLst>
+          </p:cNvPr>
+          <p:cNvSpPr/>
+          <p:nvPr/>
+        </p:nvSpPr>
+        <p:spPr>
+          <a:xfrm>
+            <a:off x="11567979" y="1122370"/>
+            <a:ext cx="1448710" cy="435836"/>
+          </a:xfrm>
+          <a:prstGeom prst="rect">
+            <a:avLst/>
+          </a:prstGeom>
+          <a:solidFill>
+            <a:schemeClr val="bg1">
+              <a:alpha val="55000"/>
+            </a:schemeClr>
+          </a:solidFill>
+          <a:ln>
+            <a:noFill/>
+          </a:ln>
+        </p:spPr>
+        <p:style>
+          <a:lnRef idx="2">
+            <a:schemeClr val="accent1">
+              <a:shade val="15000"/>
+            </a:schemeClr>
+          </a:lnRef>
+          <a:fillRef idx="1">
+            <a:schemeClr val="accent1"/>
+          </a:fillRef>
+          <a:effectRef idx="0">
+            <a:schemeClr val="accent1"/>
+          </a:effectRef>
+          <a:fontRef idx="minor">
+            <a:schemeClr val="lt1"/>
+          </a:fontRef>
+        </p:style>
+        <p:txBody>
+          <a:bodyPr rtlCol="0" anchor="ctr"/>
+          <a:lstStyle/>
+          <a:p>
+            <a:pPr algn="ctr"/>
+            <a:endParaRPr lang="ko-KR" altLang="en-US"/>
+          </a:p>
+        </p:txBody>
+      </p:sp>
+      <p:sp>
+        <p:nvSpPr>
+          <p:cNvPr id="15" name="직사각형 14">
+            <a:extLst>
+              <a:ext uri="{FF2B5EF4-FFF2-40B4-BE49-F238E27FC236}">
+                <a16:creationId xmlns:a16="http://schemas.microsoft.com/office/drawing/2014/main" id="{CCBE92BC-1E57-BCD6-FBDC-E7D0724C0849}"/>
+              </a:ext>
+            </a:extLst>
+          </p:cNvPr>
+          <p:cNvSpPr/>
+          <p:nvPr/>
+        </p:nvSpPr>
+        <p:spPr>
+          <a:xfrm>
+            <a:off x="11567979" y="1681006"/>
+            <a:ext cx="1448710" cy="435836"/>
+          </a:xfrm>
+          <a:prstGeom prst="rect">
+            <a:avLst/>
+          </a:prstGeom>
+          <a:solidFill>
+            <a:schemeClr val="bg1">
+              <a:alpha val="55000"/>
+            </a:schemeClr>
+          </a:solidFill>
+          <a:ln>
+            <a:noFill/>
+          </a:ln>
+        </p:spPr>
+        <p:style>
+          <a:lnRef idx="2">
+            <a:schemeClr val="accent1">
+              <a:shade val="15000"/>
+            </a:schemeClr>
+          </a:lnRef>
+          <a:fillRef idx="1">
+            <a:schemeClr val="accent1"/>
+          </a:fillRef>
+          <a:effectRef idx="0">
+            <a:schemeClr val="accent1"/>
+          </a:effectRef>
+          <a:fontRef idx="minor">
+            <a:schemeClr val="lt1"/>
+          </a:fontRef>
+        </p:style>
+        <p:txBody>
+          <a:bodyPr rtlCol="0" anchor="ctr"/>
+          <a:lstStyle/>
+          <a:p>
+            <a:pPr algn="ctr"/>
+            <a:endParaRPr lang="ko-KR" altLang="en-US" dirty="0"/>
+          </a:p>
+        </p:txBody>
+      </p:sp>
+      <p:sp>
+        <p:nvSpPr>
+          <p:cNvPr id="22" name="사각형: 둥근 모서리 21">
+            <a:extLst>
+              <a:ext uri="{FF2B5EF4-FFF2-40B4-BE49-F238E27FC236}">
+                <a16:creationId xmlns:a16="http://schemas.microsoft.com/office/drawing/2014/main" id="{B26FD2E2-3E62-5D0C-31F1-0BC3D2171F2A}"/>
+              </a:ext>
+            </a:extLst>
+          </p:cNvPr>
+          <p:cNvSpPr/>
+          <p:nvPr/>
+        </p:nvSpPr>
+        <p:spPr>
+          <a:xfrm>
+            <a:off x="12292333" y="2967772"/>
+            <a:ext cx="1018417" cy="435836"/>
+          </a:xfrm>
+          <a:prstGeom prst="roundRect">
+            <a:avLst>
+              <a:gd name="adj" fmla="val 50000"/>
+            </a:avLst>
+          </a:prstGeom>
+          <a:gradFill>
+            <a:gsLst>
+              <a:gs pos="0">
+                <a:schemeClr val="accent1">
+                  <a:lumMod val="5000"/>
+                  <a:lumOff val="95000"/>
+                </a:schemeClr>
+              </a:gs>
+              <a:gs pos="33000">
+                <a:schemeClr val="accent1">
+                  <a:lumMod val="67000"/>
+                  <a:lumOff val="33000"/>
+                </a:schemeClr>
+              </a:gs>
+              <a:gs pos="66000">
+                <a:schemeClr val="accent1">
+                  <a:lumMod val="67000"/>
+                  <a:lumOff val="33000"/>
+                </a:schemeClr>
+              </a:gs>
+              <a:gs pos="100000">
+                <a:schemeClr val="bg1"/>
+              </a:gs>
+            </a:gsLst>
+            <a:lin ang="5400000" scaled="1"/>
+          </a:gradFill>
+          <a:ln>
+            <a:noFill/>
+          </a:ln>
+        </p:spPr>
+        <p:style>
+          <a:lnRef idx="2">
+            <a:schemeClr val="accent1">
+              <a:shade val="15000"/>
+            </a:schemeClr>
+          </a:lnRef>
+          <a:fillRef idx="1">
+            <a:schemeClr val="accent1"/>
+          </a:fillRef>
+          <a:effectRef idx="0">
+            <a:schemeClr val="accent1"/>
+          </a:effectRef>
+          <a:fontRef idx="minor">
+            <a:schemeClr val="lt1"/>
+          </a:fontRef>
+        </p:style>
+        <p:txBody>
+          <a:bodyPr rtlCol="0" anchor="ctr"/>
+          <a:lstStyle/>
+          <a:p>
+            <a:pPr algn="ctr"/>
+            <a:r>
+              <a:rPr lang="en-US" altLang="ko-KR" sz="1600" b="1" dirty="0">
                 <a:solidFill>
                   <a:schemeClr val="tx1"/>
                 </a:solidFill>
-              </a:endParaRPr>
-            </a:p>
-          </p:txBody>
-        </p:sp>
-        <p:sp>
-          <p:nvSpPr>
-            <p:cNvPr id="24" name="사각형: 둥근 모서리 23">
-              <a:extLst>
-                <a:ext uri="{FF2B5EF4-FFF2-40B4-BE49-F238E27FC236}">
-                  <a16:creationId xmlns:a16="http://schemas.microsoft.com/office/drawing/2014/main" id="{522333BA-5B16-04B2-98F0-53275D126127}"/>
-                </a:ext>
-              </a:extLst>
-            </p:cNvPr>
-            <p:cNvSpPr/>
-            <p:nvPr/>
-          </p:nvSpPr>
-          <p:spPr>
-            <a:xfrm>
-              <a:off x="2133600" y="6069650"/>
-              <a:ext cx="1018417" cy="435836"/>
-            </a:xfrm>
-            <a:prstGeom prst="roundRect">
-              <a:avLst>
-                <a:gd name="adj" fmla="val 50000"/>
-              </a:avLst>
-            </a:prstGeom>
-            <a:gradFill>
-              <a:gsLst>
-                <a:gs pos="33000">
-                  <a:schemeClr val="bg1"/>
-                </a:gs>
-                <a:gs pos="0">
-                  <a:schemeClr val="accent2">
-                    <a:lumMod val="75000"/>
-                  </a:schemeClr>
-                </a:gs>
-                <a:gs pos="100000">
-                  <a:schemeClr val="accent2">
-                    <a:lumMod val="75000"/>
-                  </a:schemeClr>
-                </a:gs>
-                <a:gs pos="66000">
-                  <a:schemeClr val="bg1"/>
-                </a:gs>
-              </a:gsLst>
-              <a:lin ang="5400000" scaled="1"/>
-            </a:gradFill>
-            <a:ln>
-              <a:noFill/>
-            </a:ln>
-          </p:spPr>
-          <p:style>
-            <a:lnRef idx="2">
-              <a:schemeClr val="accent1">
-                <a:shade val="15000"/>
-              </a:schemeClr>
-            </a:lnRef>
-            <a:fillRef idx="1">
-              <a:schemeClr val="accent1"/>
-            </a:fillRef>
-            <a:effectRef idx="0">
-              <a:schemeClr val="accent1"/>
-            </a:effectRef>
-            <a:fontRef idx="minor">
-              <a:schemeClr val="lt1"/>
-            </a:fontRef>
-          </p:style>
-          <p:txBody>
-            <a:bodyPr lIns="0" tIns="0" rIns="0" bIns="0" rtlCol="0" anchor="ctr"/>
-            <a:lstStyle/>
-            <a:p>
-              <a:pPr algn="ctr"/>
-              <a:r>
-                <a:rPr lang="en-US" altLang="ko-KR" sz="1050" b="1" dirty="0">
-                  <a:solidFill>
-                    <a:schemeClr val="tx1"/>
-                  </a:solidFill>
-                </a:rPr>
-                <a:t>REGISTRAION</a:t>
-              </a:r>
-              <a:endParaRPr lang="ko-KR" altLang="en-US" sz="1050" b="1" dirty="0">
+              </a:rPr>
+              <a:t>LOG IN</a:t>
+            </a:r>
+            <a:endParaRPr lang="ko-KR" altLang="en-US" sz="1600" b="1" dirty="0">
+              <a:solidFill>
+                <a:schemeClr val="tx1"/>
+              </a:solidFill>
+            </a:endParaRPr>
+          </a:p>
+        </p:txBody>
+      </p:sp>
+      <p:sp>
+        <p:nvSpPr>
+          <p:cNvPr id="24" name="사각형: 둥근 모서리 23">
+            <a:extLst>
+              <a:ext uri="{FF2B5EF4-FFF2-40B4-BE49-F238E27FC236}">
+                <a16:creationId xmlns:a16="http://schemas.microsoft.com/office/drawing/2014/main" id="{522333BA-5B16-04B2-98F0-53275D126127}"/>
+              </a:ext>
+            </a:extLst>
+          </p:cNvPr>
+          <p:cNvSpPr/>
+          <p:nvPr/>
+        </p:nvSpPr>
+        <p:spPr>
+          <a:xfrm>
+            <a:off x="10868983" y="2967772"/>
+            <a:ext cx="1018417" cy="435836"/>
+          </a:xfrm>
+          <a:prstGeom prst="roundRect">
+            <a:avLst>
+              <a:gd name="adj" fmla="val 50000"/>
+            </a:avLst>
+          </a:prstGeom>
+          <a:gradFill>
+            <a:gsLst>
+              <a:gs pos="33000">
+                <a:schemeClr val="bg1"/>
+              </a:gs>
+              <a:gs pos="0">
+                <a:schemeClr val="accent2">
+                  <a:lumMod val="75000"/>
+                </a:schemeClr>
+              </a:gs>
+              <a:gs pos="100000">
+                <a:schemeClr val="accent2">
+                  <a:lumMod val="75000"/>
+                </a:schemeClr>
+              </a:gs>
+              <a:gs pos="66000">
+                <a:schemeClr val="bg1"/>
+              </a:gs>
+            </a:gsLst>
+            <a:lin ang="5400000" scaled="1"/>
+          </a:gradFill>
+          <a:ln>
+            <a:noFill/>
+          </a:ln>
+        </p:spPr>
+        <p:style>
+          <a:lnRef idx="2">
+            <a:schemeClr val="accent1">
+              <a:shade val="15000"/>
+            </a:schemeClr>
+          </a:lnRef>
+          <a:fillRef idx="1">
+            <a:schemeClr val="accent1"/>
+          </a:fillRef>
+          <a:effectRef idx="0">
+            <a:schemeClr val="accent1"/>
+          </a:effectRef>
+          <a:fontRef idx="minor">
+            <a:schemeClr val="lt1"/>
+          </a:fontRef>
+        </p:style>
+        <p:txBody>
+          <a:bodyPr lIns="0" tIns="0" rIns="0" bIns="0" rtlCol="0" anchor="ctr"/>
+          <a:lstStyle/>
+          <a:p>
+            <a:pPr algn="ctr"/>
+            <a:r>
+              <a:rPr lang="en-US" altLang="ko-KR" sz="1050" b="1" dirty="0">
                 <a:solidFill>
                   <a:schemeClr val="tx1"/>
                 </a:solidFill>
-              </a:endParaRPr>
-            </a:p>
-          </p:txBody>
-        </p:sp>
-        <p:sp>
-          <p:nvSpPr>
-            <p:cNvPr id="26" name="직사각형 25">
-              <a:extLst>
-                <a:ext uri="{FF2B5EF4-FFF2-40B4-BE49-F238E27FC236}">
-                  <a16:creationId xmlns:a16="http://schemas.microsoft.com/office/drawing/2014/main" id="{DA15F454-CA1A-89B1-7524-9BC74056E72E}"/>
-                </a:ext>
-              </a:extLst>
-            </p:cNvPr>
-            <p:cNvSpPr/>
-            <p:nvPr/>
-          </p:nvSpPr>
-          <p:spPr>
-            <a:xfrm>
-              <a:off x="2154834" y="4414606"/>
-              <a:ext cx="502977" cy="435836"/>
-            </a:xfrm>
-            <a:prstGeom prst="rect">
-              <a:avLst/>
-            </a:prstGeom>
+              </a:rPr>
+              <a:t>REGISTRAION</a:t>
+            </a:r>
+            <a:endParaRPr lang="ko-KR" altLang="en-US" sz="1050" b="1" dirty="0">
+              <a:solidFill>
+                <a:schemeClr val="tx1"/>
+              </a:solidFill>
+            </a:endParaRPr>
+          </a:p>
+        </p:txBody>
+      </p:sp>
+      <p:sp>
+        <p:nvSpPr>
+          <p:cNvPr id="26" name="직사각형 25">
+            <a:extLst>
+              <a:ext uri="{FF2B5EF4-FFF2-40B4-BE49-F238E27FC236}">
+                <a16:creationId xmlns:a16="http://schemas.microsoft.com/office/drawing/2014/main" id="{DA15F454-CA1A-89B1-7524-9BC74056E72E}"/>
+              </a:ext>
+            </a:extLst>
+          </p:cNvPr>
+          <p:cNvSpPr/>
+          <p:nvPr/>
+        </p:nvSpPr>
+        <p:spPr>
+          <a:xfrm>
+            <a:off x="10966992" y="1122370"/>
+            <a:ext cx="502977" cy="435836"/>
+          </a:xfrm>
+          <a:prstGeom prst="rect">
+            <a:avLst/>
+          </a:prstGeom>
+          <a:noFill/>
+          <a:ln>
             <a:noFill/>
-            <a:ln>
-              <a:noFill/>
-            </a:ln>
-          </p:spPr>
-          <p:style>
-            <a:lnRef idx="2">
-              <a:schemeClr val="accent1">
-                <a:shade val="15000"/>
-              </a:schemeClr>
-            </a:lnRef>
-            <a:fillRef idx="1">
-              <a:schemeClr val="accent1"/>
-            </a:fillRef>
-            <a:effectRef idx="0">
-              <a:schemeClr val="accent1"/>
-            </a:effectRef>
-            <a:fontRef idx="minor">
-              <a:schemeClr val="lt1"/>
-            </a:fontRef>
-          </p:style>
-          <p:txBody>
-            <a:bodyPr rtlCol="0" anchor="ctr"/>
-            <a:lstStyle/>
-            <a:p>
-              <a:pPr algn="ctr"/>
-              <a:r>
-                <a:rPr lang="en-US" altLang="ko-KR" sz="1400" b="1" dirty="0">
-                  <a:solidFill>
-                    <a:schemeClr val="bg1"/>
-                  </a:solidFill>
-                </a:rPr>
-                <a:t>ID</a:t>
-              </a:r>
-              <a:endParaRPr lang="ko-KR" altLang="en-US" sz="1400" b="1" dirty="0">
+          </a:ln>
+        </p:spPr>
+        <p:style>
+          <a:lnRef idx="2">
+            <a:schemeClr val="accent1">
+              <a:shade val="15000"/>
+            </a:schemeClr>
+          </a:lnRef>
+          <a:fillRef idx="1">
+            <a:schemeClr val="accent1"/>
+          </a:fillRef>
+          <a:effectRef idx="0">
+            <a:schemeClr val="accent1"/>
+          </a:effectRef>
+          <a:fontRef idx="minor">
+            <a:schemeClr val="lt1"/>
+          </a:fontRef>
+        </p:style>
+        <p:txBody>
+          <a:bodyPr rtlCol="0" anchor="ctr"/>
+          <a:lstStyle/>
+          <a:p>
+            <a:pPr algn="ctr"/>
+            <a:r>
+              <a:rPr lang="en-US" altLang="ko-KR" sz="1400" b="1" dirty="0">
                 <a:solidFill>
                   <a:schemeClr val="bg1"/>
                 </a:solidFill>
-              </a:endParaRPr>
-            </a:p>
-          </p:txBody>
-        </p:sp>
-        <p:sp>
-          <p:nvSpPr>
-            <p:cNvPr id="27" name="직사각형 26">
-              <a:extLst>
-                <a:ext uri="{FF2B5EF4-FFF2-40B4-BE49-F238E27FC236}">
-                  <a16:creationId xmlns:a16="http://schemas.microsoft.com/office/drawing/2014/main" id="{33B7D69D-47FB-2514-AB9A-628DF2294428}"/>
-                </a:ext>
-              </a:extLst>
-            </p:cNvPr>
-            <p:cNvSpPr/>
-            <p:nvPr/>
-          </p:nvSpPr>
-          <p:spPr>
-            <a:xfrm>
-              <a:off x="2154835" y="4973242"/>
-              <a:ext cx="502977" cy="435836"/>
-            </a:xfrm>
-            <a:prstGeom prst="rect">
-              <a:avLst/>
-            </a:prstGeom>
+              </a:rPr>
+              <a:t>ID</a:t>
+            </a:r>
+            <a:endParaRPr lang="ko-KR" altLang="en-US" sz="1400" b="1" dirty="0">
+              <a:solidFill>
+                <a:schemeClr val="bg1"/>
+              </a:solidFill>
+            </a:endParaRPr>
+          </a:p>
+        </p:txBody>
+      </p:sp>
+      <p:sp>
+        <p:nvSpPr>
+          <p:cNvPr id="27" name="직사각형 26">
+            <a:extLst>
+              <a:ext uri="{FF2B5EF4-FFF2-40B4-BE49-F238E27FC236}">
+                <a16:creationId xmlns:a16="http://schemas.microsoft.com/office/drawing/2014/main" id="{33B7D69D-47FB-2514-AB9A-628DF2294428}"/>
+              </a:ext>
+            </a:extLst>
+          </p:cNvPr>
+          <p:cNvSpPr/>
+          <p:nvPr/>
+        </p:nvSpPr>
+        <p:spPr>
+          <a:xfrm>
+            <a:off x="10966993" y="1681006"/>
+            <a:ext cx="502977" cy="435836"/>
+          </a:xfrm>
+          <a:prstGeom prst="rect">
+            <a:avLst/>
+          </a:prstGeom>
+          <a:noFill/>
+          <a:ln>
             <a:noFill/>
-            <a:ln>
-              <a:noFill/>
-            </a:ln>
-          </p:spPr>
-          <p:style>
-            <a:lnRef idx="2">
-              <a:schemeClr val="accent1">
-                <a:shade val="15000"/>
-              </a:schemeClr>
-            </a:lnRef>
-            <a:fillRef idx="1">
-              <a:schemeClr val="accent1"/>
-            </a:fillRef>
-            <a:effectRef idx="0">
-              <a:schemeClr val="accent1"/>
-            </a:effectRef>
-            <a:fontRef idx="minor">
-              <a:schemeClr val="lt1"/>
-            </a:fontRef>
-          </p:style>
-          <p:txBody>
-            <a:bodyPr rtlCol="0" anchor="ctr"/>
-            <a:lstStyle/>
-            <a:p>
-              <a:pPr algn="ctr"/>
-              <a:r>
-                <a:rPr lang="en-US" altLang="ko-KR" sz="1400" b="1" dirty="0">
-                  <a:solidFill>
-                    <a:schemeClr val="bg1"/>
-                  </a:solidFill>
-                </a:rPr>
-                <a:t>PW</a:t>
-              </a:r>
-              <a:endParaRPr lang="ko-KR" altLang="en-US" sz="1400" b="1" dirty="0">
+          </a:ln>
+        </p:spPr>
+        <p:style>
+          <a:lnRef idx="2">
+            <a:schemeClr val="accent1">
+              <a:shade val="15000"/>
+            </a:schemeClr>
+          </a:lnRef>
+          <a:fillRef idx="1">
+            <a:schemeClr val="accent1"/>
+          </a:fillRef>
+          <a:effectRef idx="0">
+            <a:schemeClr val="accent1"/>
+          </a:effectRef>
+          <a:fontRef idx="minor">
+            <a:schemeClr val="lt1"/>
+          </a:fontRef>
+        </p:style>
+        <p:txBody>
+          <a:bodyPr rtlCol="0" anchor="ctr"/>
+          <a:lstStyle/>
+          <a:p>
+            <a:pPr algn="ctr"/>
+            <a:r>
+              <a:rPr lang="en-US" altLang="ko-KR" sz="1400" b="1" dirty="0">
                 <a:solidFill>
                   <a:schemeClr val="bg1"/>
                 </a:solidFill>
-              </a:endParaRPr>
-            </a:p>
-          </p:txBody>
-        </p:sp>
-        <p:sp>
-          <p:nvSpPr>
-            <p:cNvPr id="28" name="직사각형 27">
-              <a:extLst>
-                <a:ext uri="{FF2B5EF4-FFF2-40B4-BE49-F238E27FC236}">
-                  <a16:creationId xmlns:a16="http://schemas.microsoft.com/office/drawing/2014/main" id="{264360D3-1EB7-EA0B-951C-F0600B127622}"/>
-                </a:ext>
-              </a:extLst>
-            </p:cNvPr>
-            <p:cNvSpPr/>
-            <p:nvPr/>
-          </p:nvSpPr>
-          <p:spPr>
-            <a:xfrm>
-              <a:off x="2154835" y="5517969"/>
-              <a:ext cx="502977" cy="435836"/>
-            </a:xfrm>
-            <a:prstGeom prst="rect">
-              <a:avLst/>
-            </a:prstGeom>
-            <a:noFill/>
-            <a:ln>
-              <a:noFill/>
-            </a:ln>
-          </p:spPr>
-          <p:style>
-            <a:lnRef idx="2">
-              <a:schemeClr val="accent1">
-                <a:shade val="15000"/>
-              </a:schemeClr>
-            </a:lnRef>
-            <a:fillRef idx="1">
-              <a:schemeClr val="accent1"/>
-            </a:fillRef>
-            <a:effectRef idx="0">
-              <a:schemeClr val="accent1"/>
-            </a:effectRef>
-            <a:fontRef idx="minor">
-              <a:schemeClr val="lt1"/>
-            </a:fontRef>
-          </p:style>
-          <p:txBody>
-            <a:bodyPr rtlCol="0" anchor="ctr"/>
-            <a:lstStyle/>
-            <a:p>
-              <a:pPr algn="ctr"/>
-              <a:r>
-                <a:rPr lang="en-US" altLang="ko-KR" sz="1400" b="1" dirty="0">
-                  <a:solidFill>
-                    <a:schemeClr val="bg1"/>
-                  </a:solidFill>
-                </a:rPr>
-                <a:t>IP</a:t>
-              </a:r>
-              <a:endParaRPr lang="ko-KR" altLang="en-US" sz="1400" b="1" dirty="0">
-                <a:solidFill>
-                  <a:schemeClr val="bg1"/>
-                </a:solidFill>
-              </a:endParaRPr>
-            </a:p>
-          </p:txBody>
-        </p:sp>
-      </p:grpSp>
+              </a:rPr>
+              <a:t>PW</a:t>
+            </a:r>
+            <a:endParaRPr lang="ko-KR" altLang="en-US" sz="1400" b="1" dirty="0">
+              <a:solidFill>
+                <a:schemeClr val="bg1"/>
+              </a:solidFill>
+            </a:endParaRPr>
+          </a:p>
+        </p:txBody>
+      </p:sp>
       <p:sp>
         <p:nvSpPr>
           <p:cNvPr id="2" name="직사각형 1">
@@ -8725,6 +8590,194 @@
               </a:rPr>
               <a:t>게임종료</a:t>
             </a:r>
+          </a:p>
+        </p:txBody>
+      </p:sp>
+      <p:sp>
+        <p:nvSpPr>
+          <p:cNvPr id="7" name="사각형: 둥근 모서리 6">
+            <a:extLst>
+              <a:ext uri="{FF2B5EF4-FFF2-40B4-BE49-F238E27FC236}">
+                <a16:creationId xmlns:a16="http://schemas.microsoft.com/office/drawing/2014/main" id="{4BD344EE-67DF-3648-EC38-0EA8A7537A51}"/>
+              </a:ext>
+            </a:extLst>
+          </p:cNvPr>
+          <p:cNvSpPr/>
+          <p:nvPr/>
+        </p:nvSpPr>
+        <p:spPr>
+          <a:xfrm>
+            <a:off x="12292334" y="3408370"/>
+            <a:ext cx="1018417" cy="435836"/>
+          </a:xfrm>
+          <a:prstGeom prst="roundRect">
+            <a:avLst>
+              <a:gd name="adj" fmla="val 50000"/>
+            </a:avLst>
+          </a:prstGeom>
+          <a:gradFill>
+            <a:gsLst>
+              <a:gs pos="33000">
+                <a:schemeClr val="accent1">
+                  <a:lumMod val="50000"/>
+                </a:schemeClr>
+              </a:gs>
+              <a:gs pos="0">
+                <a:schemeClr val="accent1">
+                  <a:lumMod val="67000"/>
+                  <a:lumOff val="33000"/>
+                </a:schemeClr>
+              </a:gs>
+              <a:gs pos="100000">
+                <a:schemeClr val="accent1">
+                  <a:lumMod val="67000"/>
+                  <a:lumOff val="33000"/>
+                </a:schemeClr>
+              </a:gs>
+              <a:gs pos="66000">
+                <a:schemeClr val="accent1">
+                  <a:lumMod val="50000"/>
+                </a:schemeClr>
+              </a:gs>
+            </a:gsLst>
+            <a:lin ang="5400000" scaled="1"/>
+          </a:gradFill>
+          <a:ln>
+            <a:noFill/>
+          </a:ln>
+        </p:spPr>
+        <p:style>
+          <a:lnRef idx="2">
+            <a:schemeClr val="accent1">
+              <a:shade val="15000"/>
+            </a:schemeClr>
+          </a:lnRef>
+          <a:fillRef idx="1">
+            <a:schemeClr val="accent1"/>
+          </a:fillRef>
+          <a:effectRef idx="0">
+            <a:schemeClr val="accent1"/>
+          </a:effectRef>
+          <a:fontRef idx="minor">
+            <a:schemeClr val="lt1"/>
+          </a:fontRef>
+        </p:style>
+        <p:txBody>
+          <a:bodyPr rtlCol="0" anchor="ctr"/>
+          <a:lstStyle/>
+          <a:p>
+            <a:pPr algn="ctr"/>
+            <a:r>
+              <a:rPr lang="en-US" altLang="ko-KR" sz="1600" b="1" dirty="0">
+                <a:solidFill>
+                  <a:schemeClr val="bg2">
+                    <a:lumMod val="75000"/>
+                  </a:schemeClr>
+                </a:solidFill>
+              </a:rPr>
+              <a:t>LOG IN</a:t>
+            </a:r>
+            <a:endParaRPr lang="ko-KR" altLang="en-US" sz="1600" b="1" dirty="0">
+              <a:solidFill>
+                <a:schemeClr val="bg2">
+                  <a:lumMod val="75000"/>
+                </a:schemeClr>
+              </a:solidFill>
+            </a:endParaRPr>
+          </a:p>
+        </p:txBody>
+      </p:sp>
+      <p:sp>
+        <p:nvSpPr>
+          <p:cNvPr id="10" name="사각형: 둥근 모서리 9">
+            <a:extLst>
+              <a:ext uri="{FF2B5EF4-FFF2-40B4-BE49-F238E27FC236}">
+                <a16:creationId xmlns:a16="http://schemas.microsoft.com/office/drawing/2014/main" id="{86C2E34D-B9E9-1CD4-140A-7BA981B407F6}"/>
+              </a:ext>
+            </a:extLst>
+          </p:cNvPr>
+          <p:cNvSpPr/>
+          <p:nvPr/>
+        </p:nvSpPr>
+        <p:spPr>
+          <a:xfrm>
+            <a:off x="10868983" y="3405989"/>
+            <a:ext cx="1018417" cy="435836"/>
+          </a:xfrm>
+          <a:prstGeom prst="roundRect">
+            <a:avLst>
+              <a:gd name="adj" fmla="val 50000"/>
+            </a:avLst>
+          </a:prstGeom>
+          <a:gradFill>
+            <a:gsLst>
+              <a:gs pos="0">
+                <a:schemeClr val="bg1">
+                  <a:lumMod val="30000"/>
+                  <a:alpha val="70000"/>
+                </a:schemeClr>
+              </a:gs>
+              <a:gs pos="33000">
+                <a:schemeClr val="accent2">
+                  <a:lumMod val="75000"/>
+                </a:schemeClr>
+              </a:gs>
+              <a:gs pos="66000">
+                <a:schemeClr val="accent2">
+                  <a:lumMod val="75000"/>
+                </a:schemeClr>
+              </a:gs>
+              <a:gs pos="100000">
+                <a:schemeClr val="bg1">
+                  <a:lumMod val="30000"/>
+                  <a:alpha val="70000"/>
+                </a:schemeClr>
+              </a:gs>
+            </a:gsLst>
+            <a:lin ang="5400000" scaled="1"/>
+          </a:gradFill>
+          <a:ln>
+            <a:noFill/>
+          </a:ln>
+        </p:spPr>
+        <p:style>
+          <a:lnRef idx="2">
+            <a:schemeClr val="accent1">
+              <a:shade val="15000"/>
+            </a:schemeClr>
+          </a:lnRef>
+          <a:fillRef idx="1">
+            <a:schemeClr val="accent1"/>
+          </a:fillRef>
+          <a:effectRef idx="0">
+            <a:schemeClr val="accent1"/>
+          </a:effectRef>
+          <a:fontRef idx="minor">
+            <a:schemeClr val="lt1"/>
+          </a:fontRef>
+        </p:style>
+        <p:txBody>
+          <a:bodyPr lIns="0" tIns="0" rIns="0" bIns="0" rtlCol="0" anchor="ctr"/>
+          <a:lstStyle/>
+          <a:p>
+            <a:pPr algn="ctr"/>
+            <a:r>
+              <a:rPr lang="en-US" altLang="ko-KR" sz="1050" b="1" dirty="0">
+                <a:solidFill>
+                  <a:schemeClr val="bg2">
+                    <a:lumMod val="75000"/>
+                  </a:schemeClr>
+                </a:solidFill>
+              </a:rPr>
+              <a:t>REGISTRAION</a:t>
+            </a:r>
+            <a:endParaRPr lang="ko-KR" altLang="en-US" sz="1050" b="1" dirty="0">
+              <a:solidFill>
+                <a:schemeClr val="bg2">
+                  <a:lumMod val="75000"/>
+                </a:schemeClr>
+              </a:solidFill>
+            </a:endParaRPr>
           </a:p>
         </p:txBody>
       </p:sp>

--- a/Client/PvE/REVENGER/UI/XDUI/UI.pptx
+++ b/Client/PvE/REVENGER/UI/XDUI/UI.pptx
@@ -266,7 +266,7 @@
           <a:p>
             <a:fld id="{E54CAA87-A1E0-4A2A-8255-07B10906445F}" type="datetimeFigureOut">
               <a:rPr lang="ko-KR" altLang="en-US" smtClean="0"/>
-              <a:t>2023-07-17</a:t>
+              <a:t>2023-07-24</a:t>
             </a:fld>
             <a:endParaRPr lang="ko-KR" altLang="en-US"/>
           </a:p>
@@ -464,7 +464,7 @@
           <a:p>
             <a:fld id="{E54CAA87-A1E0-4A2A-8255-07B10906445F}" type="datetimeFigureOut">
               <a:rPr lang="ko-KR" altLang="en-US" smtClean="0"/>
-              <a:t>2023-07-17</a:t>
+              <a:t>2023-07-24</a:t>
             </a:fld>
             <a:endParaRPr lang="ko-KR" altLang="en-US"/>
           </a:p>
@@ -672,7 +672,7 @@
           <a:p>
             <a:fld id="{E54CAA87-A1E0-4A2A-8255-07B10906445F}" type="datetimeFigureOut">
               <a:rPr lang="ko-KR" altLang="en-US" smtClean="0"/>
-              <a:t>2023-07-17</a:t>
+              <a:t>2023-07-24</a:t>
             </a:fld>
             <a:endParaRPr lang="ko-KR" altLang="en-US"/>
           </a:p>
@@ -870,7 +870,7 @@
           <a:p>
             <a:fld id="{E54CAA87-A1E0-4A2A-8255-07B10906445F}" type="datetimeFigureOut">
               <a:rPr lang="ko-KR" altLang="en-US" smtClean="0"/>
-              <a:t>2023-07-17</a:t>
+              <a:t>2023-07-24</a:t>
             </a:fld>
             <a:endParaRPr lang="ko-KR" altLang="en-US"/>
           </a:p>
@@ -1145,7 +1145,7 @@
           <a:p>
             <a:fld id="{E54CAA87-A1E0-4A2A-8255-07B10906445F}" type="datetimeFigureOut">
               <a:rPr lang="ko-KR" altLang="en-US" smtClean="0"/>
-              <a:t>2023-07-17</a:t>
+              <a:t>2023-07-24</a:t>
             </a:fld>
             <a:endParaRPr lang="ko-KR" altLang="en-US"/>
           </a:p>
@@ -1410,7 +1410,7 @@
           <a:p>
             <a:fld id="{E54CAA87-A1E0-4A2A-8255-07B10906445F}" type="datetimeFigureOut">
               <a:rPr lang="ko-KR" altLang="en-US" smtClean="0"/>
-              <a:t>2023-07-17</a:t>
+              <a:t>2023-07-24</a:t>
             </a:fld>
             <a:endParaRPr lang="ko-KR" altLang="en-US"/>
           </a:p>
@@ -1822,7 +1822,7 @@
           <a:p>
             <a:fld id="{E54CAA87-A1E0-4A2A-8255-07B10906445F}" type="datetimeFigureOut">
               <a:rPr lang="ko-KR" altLang="en-US" smtClean="0"/>
-              <a:t>2023-07-17</a:t>
+              <a:t>2023-07-24</a:t>
             </a:fld>
             <a:endParaRPr lang="ko-KR" altLang="en-US"/>
           </a:p>
@@ -1963,7 +1963,7 @@
           <a:p>
             <a:fld id="{E54CAA87-A1E0-4A2A-8255-07B10906445F}" type="datetimeFigureOut">
               <a:rPr lang="ko-KR" altLang="en-US" smtClean="0"/>
-              <a:t>2023-07-17</a:t>
+              <a:t>2023-07-24</a:t>
             </a:fld>
             <a:endParaRPr lang="ko-KR" altLang="en-US"/>
           </a:p>
@@ -2076,7 +2076,7 @@
           <a:p>
             <a:fld id="{E54CAA87-A1E0-4A2A-8255-07B10906445F}" type="datetimeFigureOut">
               <a:rPr lang="ko-KR" altLang="en-US" smtClean="0"/>
-              <a:t>2023-07-17</a:t>
+              <a:t>2023-07-24</a:t>
             </a:fld>
             <a:endParaRPr lang="ko-KR" altLang="en-US"/>
           </a:p>
@@ -2387,7 +2387,7 @@
           <a:p>
             <a:fld id="{E54CAA87-A1E0-4A2A-8255-07B10906445F}" type="datetimeFigureOut">
               <a:rPr lang="ko-KR" altLang="en-US" smtClean="0"/>
-              <a:t>2023-07-17</a:t>
+              <a:t>2023-07-24</a:t>
             </a:fld>
             <a:endParaRPr lang="ko-KR" altLang="en-US"/>
           </a:p>
@@ -2675,7 +2675,7 @@
           <a:p>
             <a:fld id="{E54CAA87-A1E0-4A2A-8255-07B10906445F}" type="datetimeFigureOut">
               <a:rPr lang="ko-KR" altLang="en-US" smtClean="0"/>
-              <a:t>2023-07-17</a:t>
+              <a:t>2023-07-24</a:t>
             </a:fld>
             <a:endParaRPr lang="ko-KR" altLang="en-US"/>
           </a:p>
@@ -2916,7 +2916,7 @@
           <a:p>
             <a:fld id="{E54CAA87-A1E0-4A2A-8255-07B10906445F}" type="datetimeFigureOut">
               <a:rPr lang="ko-KR" altLang="en-US" smtClean="0"/>
-              <a:t>2023-07-17</a:t>
+              <a:t>2023-07-24</a:t>
             </a:fld>
             <a:endParaRPr lang="ko-KR" altLang="en-US"/>
           </a:p>
@@ -14902,142 +14902,6 @@
       </p:grpSp>
       <p:grpSp>
         <p:nvGrpSpPr>
-          <p:cNvPr id="1136" name="그룹 1135">
-            <a:extLst>
-              <a:ext uri="{FF2B5EF4-FFF2-40B4-BE49-F238E27FC236}">
-                <a16:creationId xmlns:a16="http://schemas.microsoft.com/office/drawing/2014/main" id="{9454751D-C0DD-EF43-DBCA-D284CDCDD797}"/>
-              </a:ext>
-            </a:extLst>
-          </p:cNvPr>
-          <p:cNvGrpSpPr/>
-          <p:nvPr/>
-        </p:nvGrpSpPr>
-        <p:grpSpPr>
-          <a:xfrm>
-            <a:off x="12974309" y="2790459"/>
-            <a:ext cx="1728900" cy="687347"/>
-            <a:chOff x="10740864" y="4556783"/>
-            <a:chExt cx="1728900" cy="687347"/>
-          </a:xfrm>
-        </p:grpSpPr>
-        <p:sp>
-          <p:nvSpPr>
-            <p:cNvPr id="1128" name="직사각형 1127">
-              <a:extLst>
-                <a:ext uri="{FF2B5EF4-FFF2-40B4-BE49-F238E27FC236}">
-                  <a16:creationId xmlns:a16="http://schemas.microsoft.com/office/drawing/2014/main" id="{5E2EA0B1-5572-E8CE-3607-5701A230C406}"/>
-                </a:ext>
-              </a:extLst>
-            </p:cNvPr>
-            <p:cNvSpPr/>
-            <p:nvPr/>
-          </p:nvSpPr>
-          <p:spPr>
-            <a:xfrm>
-              <a:off x="10740865" y="4556783"/>
-              <a:ext cx="1728899" cy="342900"/>
-            </a:xfrm>
-            <a:prstGeom prst="rect">
-              <a:avLst/>
-            </a:prstGeom>
-            <a:noFill/>
-            <a:ln>
-              <a:noFill/>
-            </a:ln>
-          </p:spPr>
-          <p:style>
-            <a:lnRef idx="2">
-              <a:schemeClr val="accent1">
-                <a:shade val="15000"/>
-              </a:schemeClr>
-            </a:lnRef>
-            <a:fillRef idx="1">
-              <a:schemeClr val="accent1"/>
-            </a:fillRef>
-            <a:effectRef idx="0">
-              <a:schemeClr val="accent1"/>
-            </a:effectRef>
-            <a:fontRef idx="minor">
-              <a:schemeClr val="lt1"/>
-            </a:fontRef>
-          </p:style>
-          <p:txBody>
-            <a:bodyPr rtlCol="0" anchor="ctr"/>
-            <a:lstStyle/>
-            <a:p>
-              <a:pPr algn="ctr"/>
-              <a:r>
-                <a:rPr lang="ko-KR" altLang="en-US" sz="1400" dirty="0">
-                  <a:latin typeface="나눔스퀘어 Bold" panose="020B0600000101010101" pitchFamily="50" charset="-127"/>
-                  <a:ea typeface="나눔스퀘어 Bold" panose="020B0600000101010101" pitchFamily="50" charset="-127"/>
-                </a:rPr>
-                <a:t>준비 대기</a:t>
-              </a:r>
-            </a:p>
-          </p:txBody>
-        </p:sp>
-        <p:sp>
-          <p:nvSpPr>
-            <p:cNvPr id="1129" name="직사각형 1128">
-              <a:extLst>
-                <a:ext uri="{FF2B5EF4-FFF2-40B4-BE49-F238E27FC236}">
-                  <a16:creationId xmlns:a16="http://schemas.microsoft.com/office/drawing/2014/main" id="{4E3C11FA-F608-1E13-FC88-F4649A21488E}"/>
-                </a:ext>
-              </a:extLst>
-            </p:cNvPr>
-            <p:cNvSpPr/>
-            <p:nvPr/>
-          </p:nvSpPr>
-          <p:spPr>
-            <a:xfrm>
-              <a:off x="10740864" y="4899683"/>
-              <a:ext cx="1728899" cy="344447"/>
-            </a:xfrm>
-            <a:prstGeom prst="rect">
-              <a:avLst/>
-            </a:prstGeom>
-            <a:noFill/>
-            <a:ln>
-              <a:noFill/>
-            </a:ln>
-          </p:spPr>
-          <p:style>
-            <a:lnRef idx="2">
-              <a:schemeClr val="accent1">
-                <a:shade val="15000"/>
-              </a:schemeClr>
-            </a:lnRef>
-            <a:fillRef idx="1">
-              <a:schemeClr val="accent1"/>
-            </a:fillRef>
-            <a:effectRef idx="0">
-              <a:schemeClr val="accent1"/>
-            </a:effectRef>
-            <a:fontRef idx="minor">
-              <a:schemeClr val="lt1"/>
-            </a:fontRef>
-          </p:style>
-          <p:txBody>
-            <a:bodyPr rtlCol="0" anchor="ctr"/>
-            <a:lstStyle/>
-            <a:p>
-              <a:pPr algn="ctr"/>
-              <a:r>
-                <a:rPr lang="ko-KR" altLang="en-US" sz="1400" dirty="0">
-                  <a:solidFill>
-                    <a:srgbClr val="C00000"/>
-                  </a:solidFill>
-                  <a:latin typeface="나눔스퀘어 Bold" panose="020B0600000101010101" pitchFamily="50" charset="-127"/>
-                  <a:ea typeface="나눔스퀘어 Bold" panose="020B0600000101010101" pitchFamily="50" charset="-127"/>
-                </a:rPr>
-                <a:t>준비 완료</a:t>
-              </a:r>
-            </a:p>
-          </p:txBody>
-        </p:sp>
-      </p:grpSp>
-      <p:grpSp>
-        <p:nvGrpSpPr>
           <p:cNvPr id="10" name="그룹 9">
             <a:extLst>
               <a:ext uri="{FF2B5EF4-FFF2-40B4-BE49-F238E27FC236}">
@@ -15343,6 +15207,180 @@
           </a:ln>
         </p:spPr>
       </p:pic>
+      <p:sp>
+        <p:nvSpPr>
+          <p:cNvPr id="1128" name="직사각형 1127">
+            <a:extLst>
+              <a:ext uri="{FF2B5EF4-FFF2-40B4-BE49-F238E27FC236}">
+                <a16:creationId xmlns:a16="http://schemas.microsoft.com/office/drawing/2014/main" id="{5E2EA0B1-5572-E8CE-3607-5701A230C406}"/>
+              </a:ext>
+            </a:extLst>
+          </p:cNvPr>
+          <p:cNvSpPr/>
+          <p:nvPr/>
+        </p:nvSpPr>
+        <p:spPr>
+          <a:xfrm>
+            <a:off x="12974310" y="2788078"/>
+            <a:ext cx="1728899" cy="342900"/>
+          </a:xfrm>
+          <a:prstGeom prst="rect">
+            <a:avLst/>
+          </a:prstGeom>
+          <a:noFill/>
+          <a:ln>
+            <a:noFill/>
+          </a:ln>
+        </p:spPr>
+        <p:style>
+          <a:lnRef idx="2">
+            <a:schemeClr val="accent1">
+              <a:shade val="15000"/>
+            </a:schemeClr>
+          </a:lnRef>
+          <a:fillRef idx="1">
+            <a:schemeClr val="accent1"/>
+          </a:fillRef>
+          <a:effectRef idx="0">
+            <a:schemeClr val="accent1"/>
+          </a:effectRef>
+          <a:fontRef idx="minor">
+            <a:schemeClr val="lt1"/>
+          </a:fontRef>
+        </p:style>
+        <p:txBody>
+          <a:bodyPr rtlCol="0" anchor="ctr"/>
+          <a:lstStyle/>
+          <a:p>
+            <a:pPr algn="ctr"/>
+            <a:r>
+              <a:rPr lang="ko-KR" altLang="en-US" sz="1400" dirty="0">
+                <a:latin typeface="나눔스퀘어 Bold" panose="020B0600000101010101" pitchFamily="50" charset="-127"/>
+                <a:ea typeface="나눔스퀘어 Bold" panose="020B0600000101010101" pitchFamily="50" charset="-127"/>
+              </a:rPr>
+              <a:t>준비 대기</a:t>
+            </a:r>
+          </a:p>
+        </p:txBody>
+      </p:sp>
+      <p:sp>
+        <p:nvSpPr>
+          <p:cNvPr id="1129" name="직사각형 1128">
+            <a:extLst>
+              <a:ext uri="{FF2B5EF4-FFF2-40B4-BE49-F238E27FC236}">
+                <a16:creationId xmlns:a16="http://schemas.microsoft.com/office/drawing/2014/main" id="{4E3C11FA-F608-1E13-FC88-F4649A21488E}"/>
+              </a:ext>
+            </a:extLst>
+          </p:cNvPr>
+          <p:cNvSpPr/>
+          <p:nvPr/>
+        </p:nvSpPr>
+        <p:spPr>
+          <a:xfrm>
+            <a:off x="12974309" y="3140502"/>
+            <a:ext cx="1728899" cy="344447"/>
+          </a:xfrm>
+          <a:prstGeom prst="rect">
+            <a:avLst/>
+          </a:prstGeom>
+          <a:noFill/>
+          <a:ln>
+            <a:noFill/>
+          </a:ln>
+        </p:spPr>
+        <p:style>
+          <a:lnRef idx="2">
+            <a:schemeClr val="accent1">
+              <a:shade val="15000"/>
+            </a:schemeClr>
+          </a:lnRef>
+          <a:fillRef idx="1">
+            <a:schemeClr val="accent1"/>
+          </a:fillRef>
+          <a:effectRef idx="0">
+            <a:schemeClr val="accent1"/>
+          </a:effectRef>
+          <a:fontRef idx="minor">
+            <a:schemeClr val="lt1"/>
+          </a:fontRef>
+        </p:style>
+        <p:txBody>
+          <a:bodyPr rtlCol="0" anchor="ctr"/>
+          <a:lstStyle/>
+          <a:p>
+            <a:pPr algn="ctr"/>
+            <a:r>
+              <a:rPr lang="ko-KR" altLang="en-US" sz="1400" dirty="0">
+                <a:solidFill>
+                  <a:srgbClr val="C00000"/>
+                </a:solidFill>
+                <a:latin typeface="나눔스퀘어 Bold" panose="020B0600000101010101" pitchFamily="50" charset="-127"/>
+                <a:ea typeface="나눔스퀘어 Bold" panose="020B0600000101010101" pitchFamily="50" charset="-127"/>
+              </a:rPr>
+              <a:t>준비 완료</a:t>
+            </a:r>
+          </a:p>
+        </p:txBody>
+      </p:sp>
+      <p:sp>
+        <p:nvSpPr>
+          <p:cNvPr id="12" name="직사각형 11">
+            <a:extLst>
+              <a:ext uri="{FF2B5EF4-FFF2-40B4-BE49-F238E27FC236}">
+                <a16:creationId xmlns:a16="http://schemas.microsoft.com/office/drawing/2014/main" id="{D267A858-DAA1-3ADB-0D8F-C36D71CB7F0A}"/>
+              </a:ext>
+            </a:extLst>
+          </p:cNvPr>
+          <p:cNvSpPr/>
+          <p:nvPr/>
+        </p:nvSpPr>
+        <p:spPr>
+          <a:xfrm>
+            <a:off x="12974308" y="3494011"/>
+            <a:ext cx="1728899" cy="344447"/>
+          </a:xfrm>
+          <a:prstGeom prst="rect">
+            <a:avLst/>
+          </a:prstGeom>
+          <a:noFill/>
+          <a:ln>
+            <a:noFill/>
+          </a:ln>
+        </p:spPr>
+        <p:style>
+          <a:lnRef idx="2">
+            <a:schemeClr val="accent1">
+              <a:shade val="15000"/>
+            </a:schemeClr>
+          </a:lnRef>
+          <a:fillRef idx="1">
+            <a:schemeClr val="accent1"/>
+          </a:fillRef>
+          <a:effectRef idx="0">
+            <a:schemeClr val="accent1"/>
+          </a:effectRef>
+          <a:fontRef idx="minor">
+            <a:schemeClr val="lt1"/>
+          </a:fontRef>
+        </p:style>
+        <p:txBody>
+          <a:bodyPr rtlCol="0" anchor="ctr"/>
+          <a:lstStyle/>
+          <a:p>
+            <a:pPr algn="ctr"/>
+            <a:r>
+              <a:rPr lang="ko-KR" altLang="en-US" sz="1400" dirty="0">
+                <a:solidFill>
+                  <a:srgbClr val="00B0F0"/>
+                </a:solidFill>
+                <a:latin typeface="나눔스퀘어 Bold" panose="020B0600000101010101" pitchFamily="50" charset="-127"/>
+                <a:ea typeface="나눔스퀘어 Bold" panose="020B0600000101010101" pitchFamily="50" charset="-127"/>
+              </a:rPr>
+              <a:t>방장</a:t>
+            </a:r>
+          </a:p>
+        </p:txBody>
+      </p:sp>
     </p:spTree>
     <p:extLst>
       <p:ext uri="{BB962C8B-B14F-4D97-AF65-F5344CB8AC3E}">

--- a/Client/PvE/REVENGER/UI/XDUI/UI.pptx
+++ b/Client/PvE/REVENGER/UI/XDUI/UI.pptx
@@ -13,6 +13,8 @@
     <p:sldId id="261" r:id="rId7"/>
     <p:sldId id="262" r:id="rId8"/>
     <p:sldId id="263" r:id="rId9"/>
+    <p:sldId id="264" r:id="rId10"/>
+    <p:sldId id="265" r:id="rId11"/>
   </p:sldIdLst>
   <p:sldSz cx="12192000" cy="6858000"/>
   <p:notesSz cx="6858000" cy="9144000"/>
@@ -266,7 +268,7 @@
           <a:p>
             <a:fld id="{E54CAA87-A1E0-4A2A-8255-07B10906445F}" type="datetimeFigureOut">
               <a:rPr lang="ko-KR" altLang="en-US" smtClean="0"/>
-              <a:t>2023-07-24</a:t>
+              <a:t>2023-07-25</a:t>
             </a:fld>
             <a:endParaRPr lang="ko-KR" altLang="en-US"/>
           </a:p>
@@ -464,7 +466,7 @@
           <a:p>
             <a:fld id="{E54CAA87-A1E0-4A2A-8255-07B10906445F}" type="datetimeFigureOut">
               <a:rPr lang="ko-KR" altLang="en-US" smtClean="0"/>
-              <a:t>2023-07-24</a:t>
+              <a:t>2023-07-25</a:t>
             </a:fld>
             <a:endParaRPr lang="ko-KR" altLang="en-US"/>
           </a:p>
@@ -672,7 +674,7 @@
           <a:p>
             <a:fld id="{E54CAA87-A1E0-4A2A-8255-07B10906445F}" type="datetimeFigureOut">
               <a:rPr lang="ko-KR" altLang="en-US" smtClean="0"/>
-              <a:t>2023-07-24</a:t>
+              <a:t>2023-07-25</a:t>
             </a:fld>
             <a:endParaRPr lang="ko-KR" altLang="en-US"/>
           </a:p>
@@ -870,7 +872,7 @@
           <a:p>
             <a:fld id="{E54CAA87-A1E0-4A2A-8255-07B10906445F}" type="datetimeFigureOut">
               <a:rPr lang="ko-KR" altLang="en-US" smtClean="0"/>
-              <a:t>2023-07-24</a:t>
+              <a:t>2023-07-25</a:t>
             </a:fld>
             <a:endParaRPr lang="ko-KR" altLang="en-US"/>
           </a:p>
@@ -1145,7 +1147,7 @@
           <a:p>
             <a:fld id="{E54CAA87-A1E0-4A2A-8255-07B10906445F}" type="datetimeFigureOut">
               <a:rPr lang="ko-KR" altLang="en-US" smtClean="0"/>
-              <a:t>2023-07-24</a:t>
+              <a:t>2023-07-25</a:t>
             </a:fld>
             <a:endParaRPr lang="ko-KR" altLang="en-US"/>
           </a:p>
@@ -1410,7 +1412,7 @@
           <a:p>
             <a:fld id="{E54CAA87-A1E0-4A2A-8255-07B10906445F}" type="datetimeFigureOut">
               <a:rPr lang="ko-KR" altLang="en-US" smtClean="0"/>
-              <a:t>2023-07-24</a:t>
+              <a:t>2023-07-25</a:t>
             </a:fld>
             <a:endParaRPr lang="ko-KR" altLang="en-US"/>
           </a:p>
@@ -1822,7 +1824,7 @@
           <a:p>
             <a:fld id="{E54CAA87-A1E0-4A2A-8255-07B10906445F}" type="datetimeFigureOut">
               <a:rPr lang="ko-KR" altLang="en-US" smtClean="0"/>
-              <a:t>2023-07-24</a:t>
+              <a:t>2023-07-25</a:t>
             </a:fld>
             <a:endParaRPr lang="ko-KR" altLang="en-US"/>
           </a:p>
@@ -1963,7 +1965,7 @@
           <a:p>
             <a:fld id="{E54CAA87-A1E0-4A2A-8255-07B10906445F}" type="datetimeFigureOut">
               <a:rPr lang="ko-KR" altLang="en-US" smtClean="0"/>
-              <a:t>2023-07-24</a:t>
+              <a:t>2023-07-25</a:t>
             </a:fld>
             <a:endParaRPr lang="ko-KR" altLang="en-US"/>
           </a:p>
@@ -2076,7 +2078,7 @@
           <a:p>
             <a:fld id="{E54CAA87-A1E0-4A2A-8255-07B10906445F}" type="datetimeFigureOut">
               <a:rPr lang="ko-KR" altLang="en-US" smtClean="0"/>
-              <a:t>2023-07-24</a:t>
+              <a:t>2023-07-25</a:t>
             </a:fld>
             <a:endParaRPr lang="ko-KR" altLang="en-US"/>
           </a:p>
@@ -2387,7 +2389,7 @@
           <a:p>
             <a:fld id="{E54CAA87-A1E0-4A2A-8255-07B10906445F}" type="datetimeFigureOut">
               <a:rPr lang="ko-KR" altLang="en-US" smtClean="0"/>
-              <a:t>2023-07-24</a:t>
+              <a:t>2023-07-25</a:t>
             </a:fld>
             <a:endParaRPr lang="ko-KR" altLang="en-US"/>
           </a:p>
@@ -2675,7 +2677,7 @@
           <a:p>
             <a:fld id="{E54CAA87-A1E0-4A2A-8255-07B10906445F}" type="datetimeFigureOut">
               <a:rPr lang="ko-KR" altLang="en-US" smtClean="0"/>
-              <a:t>2023-07-24</a:t>
+              <a:t>2023-07-25</a:t>
             </a:fld>
             <a:endParaRPr lang="ko-KR" altLang="en-US"/>
           </a:p>
@@ -2916,7 +2918,7 @@
           <a:p>
             <a:fld id="{E54CAA87-A1E0-4A2A-8255-07B10906445F}" type="datetimeFigureOut">
               <a:rPr lang="ko-KR" altLang="en-US" smtClean="0"/>
-              <a:t>2023-07-24</a:t>
+              <a:t>2023-07-25</a:t>
             </a:fld>
             <a:endParaRPr lang="ko-KR" altLang="en-US"/>
           </a:p>
@@ -4731,8 +4733,8 @@
         </p:nvSpPr>
         <p:spPr>
           <a:xfrm>
-            <a:off x="3594158" y="767117"/>
-            <a:ext cx="898616" cy="262910"/>
+            <a:off x="3384550" y="767117"/>
+            <a:ext cx="1108224" cy="262910"/>
           </a:xfrm>
           <a:prstGeom prst="roundRect">
             <a:avLst>
@@ -4740,9 +4742,7 @@
             </a:avLst>
           </a:prstGeom>
           <a:solidFill>
-            <a:srgbClr val="BEBEBE">
-              <a:alpha val="92000"/>
-            </a:srgbClr>
+            <a:srgbClr val="797979"/>
           </a:solidFill>
           <a:ln>
             <a:noFill/>
@@ -4770,18 +4770,18 @@
           <a:p>
             <a:pPr algn="ctr"/>
             <a:r>
-              <a:rPr lang="ko-KR" altLang="en-US" dirty="0" err="1">
+              <a:rPr lang="ko-KR" altLang="en-US" sz="2000" b="1" dirty="0" err="1">
                 <a:solidFill>
-                  <a:schemeClr val="tx1"/>
+                  <a:schemeClr val="bg1"/>
                 </a:solidFill>
                 <a:latin typeface="나눔스퀘어 Bold" panose="020B0600000101010101" pitchFamily="50" charset="-127"/>
                 <a:ea typeface="나눔스퀘어 Bold" panose="020B0600000101010101" pitchFamily="50" charset="-127"/>
               </a:rPr>
               <a:t>점령률</a:t>
             </a:r>
-            <a:endParaRPr lang="ko-KR" altLang="en-US" dirty="0">
+            <a:endParaRPr lang="ko-KR" altLang="en-US" sz="2000" b="1" dirty="0">
               <a:solidFill>
-                <a:schemeClr val="tx1"/>
+                <a:schemeClr val="bg1"/>
               </a:solidFill>
               <a:latin typeface="나눔스퀘어 Bold" panose="020B0600000101010101" pitchFamily="50" charset="-127"/>
               <a:ea typeface="나눔스퀘어 Bold" panose="020B0600000101010101" pitchFamily="50" charset="-127"/>
@@ -5369,7 +5369,7 @@
                     <a:latin typeface="나눔스퀘어 Bold" panose="020B0600000101010101" pitchFamily="50" charset="-127"/>
                     <a:ea typeface="나눔스퀘어 Bold" panose="020B0600000101010101" pitchFamily="50" charset="-127"/>
                   </a:rPr>
-                  <a:t>/20</a:t>
+                  <a:t>/25</a:t>
                 </a:r>
                 <a:endParaRPr lang="ko-KR" altLang="en-US" sz="1200" b="1" dirty="0">
                   <a:solidFill>
@@ -7462,7 +7462,7 @@
         </p:blipFill>
         <p:spPr>
           <a:xfrm>
-            <a:off x="1659329" y="-640668"/>
+            <a:off x="-8272275" y="-640668"/>
             <a:ext cx="9043390" cy="7498668"/>
           </a:xfrm>
           <a:prstGeom prst="rect">
@@ -7673,6 +7673,282 @@
     <p:extLst>
       <p:ext uri="{BB962C8B-B14F-4D97-AF65-F5344CB8AC3E}">
         <p14:creationId xmlns:p14="http://schemas.microsoft.com/office/powerpoint/2010/main" val="2856030195"/>
+      </p:ext>
+    </p:extLst>
+  </p:cSld>
+  <p:clrMapOvr>
+    <a:masterClrMapping/>
+  </p:clrMapOvr>
+</p:sld>
+</file>
+
+<file path=ppt/slides/slide10.xml><?xml version="1.0" encoding="utf-8"?>
+<p:sld xmlns:a="http://schemas.openxmlformats.org/drawingml/2006/main" xmlns:r="http://schemas.openxmlformats.org/officeDocument/2006/relationships" xmlns:p="http://schemas.openxmlformats.org/presentationml/2006/main">
+  <p:cSld>
+    <p:spTree>
+      <p:nvGrpSpPr>
+        <p:cNvPr id="1" name=""/>
+        <p:cNvGrpSpPr/>
+        <p:nvPr/>
+      </p:nvGrpSpPr>
+      <p:grpSpPr>
+        <a:xfrm>
+          <a:off x="0" y="0"/>
+          <a:ext cx="0" cy="0"/>
+          <a:chOff x="0" y="0"/>
+          <a:chExt cx="0" cy="0"/>
+        </a:xfrm>
+      </p:grpSpPr>
+      <p:pic>
+        <p:nvPicPr>
+          <p:cNvPr id="16" name="그림 15">
+            <a:extLst>
+              <a:ext uri="{FF2B5EF4-FFF2-40B4-BE49-F238E27FC236}">
+                <a16:creationId xmlns:a16="http://schemas.microsoft.com/office/drawing/2014/main" id="{2CD6BF28-5C97-901C-AA90-E9495E65A91D}"/>
+              </a:ext>
+            </a:extLst>
+          </p:cNvPr>
+          <p:cNvPicPr>
+            <a:picLocks noChangeAspect="1"/>
+          </p:cNvPicPr>
+          <p:nvPr/>
+        </p:nvPicPr>
+        <p:blipFill>
+          <a:blip r:embed="rId2">
+            <a:extLst>
+              <a:ext uri="{28A0092B-C50C-407E-A947-70E740481C1C}">
+                <a14:useLocalDpi xmlns:a14="http://schemas.microsoft.com/office/drawing/2010/main" val="0"/>
+              </a:ext>
+            </a:extLst>
+          </a:blip>
+          <a:stretch>
+            <a:fillRect/>
+          </a:stretch>
+        </p:blipFill>
+        <p:spPr>
+          <a:xfrm>
+            <a:off x="0" y="754923"/>
+            <a:ext cx="12192000" cy="1996599"/>
+          </a:xfrm>
+          <a:prstGeom prst="rect">
+            <a:avLst/>
+          </a:prstGeom>
+        </p:spPr>
+      </p:pic>
+      <p:pic>
+        <p:nvPicPr>
+          <p:cNvPr id="12" name="그림 11">
+            <a:extLst>
+              <a:ext uri="{FF2B5EF4-FFF2-40B4-BE49-F238E27FC236}">
+                <a16:creationId xmlns:a16="http://schemas.microsoft.com/office/drawing/2014/main" id="{A230383D-11D8-9C9C-4091-7F5DD519B87D}"/>
+              </a:ext>
+            </a:extLst>
+          </p:cNvPr>
+          <p:cNvPicPr>
+            <a:picLocks noChangeAspect="1"/>
+          </p:cNvPicPr>
+          <p:nvPr/>
+        </p:nvPicPr>
+        <p:blipFill>
+          <a:blip r:embed="rId3">
+            <a:extLst>
+              <a:ext uri="{28A0092B-C50C-407E-A947-70E740481C1C}">
+                <a14:useLocalDpi xmlns:a14="http://schemas.microsoft.com/office/drawing/2010/main" val="0"/>
+              </a:ext>
+            </a:extLst>
+          </a:blip>
+          <a:stretch>
+            <a:fillRect/>
+          </a:stretch>
+        </p:blipFill>
+        <p:spPr>
+          <a:xfrm>
+            <a:off x="3541554" y="810561"/>
+            <a:ext cx="5108891" cy="1072989"/>
+          </a:xfrm>
+          <a:prstGeom prst="rect">
+            <a:avLst/>
+          </a:prstGeom>
+        </p:spPr>
+      </p:pic>
+      <p:pic>
+        <p:nvPicPr>
+          <p:cNvPr id="31" name="그림 30">
+            <a:extLst>
+              <a:ext uri="{FF2B5EF4-FFF2-40B4-BE49-F238E27FC236}">
+                <a16:creationId xmlns:a16="http://schemas.microsoft.com/office/drawing/2014/main" id="{502180E0-0C69-A70C-7DFA-47485190C68B}"/>
+              </a:ext>
+            </a:extLst>
+          </p:cNvPr>
+          <p:cNvPicPr>
+            <a:picLocks noChangeAspect="1"/>
+          </p:cNvPicPr>
+          <p:nvPr/>
+        </p:nvPicPr>
+        <p:blipFill>
+          <a:blip r:embed="rId4">
+            <a:extLst>
+              <a:ext uri="{28A0092B-C50C-407E-A947-70E740481C1C}">
+                <a14:useLocalDpi xmlns:a14="http://schemas.microsoft.com/office/drawing/2010/main" val="0"/>
+              </a:ext>
+            </a:extLst>
+          </a:blip>
+          <a:stretch>
+            <a:fillRect/>
+          </a:stretch>
+        </p:blipFill>
+        <p:spPr>
+          <a:xfrm>
+            <a:off x="0" y="3701332"/>
+            <a:ext cx="12192000" cy="2222247"/>
+          </a:xfrm>
+          <a:prstGeom prst="rect">
+            <a:avLst/>
+          </a:prstGeom>
+        </p:spPr>
+      </p:pic>
+      <p:pic>
+        <p:nvPicPr>
+          <p:cNvPr id="33" name="그림 32">
+            <a:extLst>
+              <a:ext uri="{FF2B5EF4-FFF2-40B4-BE49-F238E27FC236}">
+                <a16:creationId xmlns:a16="http://schemas.microsoft.com/office/drawing/2014/main" id="{716E175D-E857-B747-9D2C-AE913875DB59}"/>
+              </a:ext>
+            </a:extLst>
+          </p:cNvPr>
+          <p:cNvPicPr>
+            <a:picLocks noChangeAspect="1"/>
+          </p:cNvPicPr>
+          <p:nvPr/>
+        </p:nvPicPr>
+        <p:blipFill>
+          <a:blip r:embed="rId5">
+            <a:extLst>
+              <a:ext uri="{28A0092B-C50C-407E-A947-70E740481C1C}">
+                <a14:useLocalDpi xmlns:a14="http://schemas.microsoft.com/office/drawing/2010/main" val="0"/>
+              </a:ext>
+            </a:extLst>
+          </a:blip>
+          <a:stretch>
+            <a:fillRect/>
+          </a:stretch>
+        </p:blipFill>
+        <p:spPr>
+          <a:xfrm>
+            <a:off x="4166447" y="4786363"/>
+            <a:ext cx="3859102" cy="1072989"/>
+          </a:xfrm>
+          <a:prstGeom prst="rect">
+            <a:avLst/>
+          </a:prstGeom>
+        </p:spPr>
+      </p:pic>
+      <p:pic>
+        <p:nvPicPr>
+          <p:cNvPr id="35" name="그림 34">
+            <a:extLst>
+              <a:ext uri="{FF2B5EF4-FFF2-40B4-BE49-F238E27FC236}">
+                <a16:creationId xmlns:a16="http://schemas.microsoft.com/office/drawing/2014/main" id="{AA7832F1-6E5B-2507-39FA-E815D809F61D}"/>
+              </a:ext>
+            </a:extLst>
+          </p:cNvPr>
+          <p:cNvPicPr>
+            <a:picLocks noChangeAspect="1"/>
+          </p:cNvPicPr>
+          <p:nvPr/>
+        </p:nvPicPr>
+        <p:blipFill>
+          <a:blip r:embed="rId6">
+            <a:extLst>
+              <a:ext uri="{28A0092B-C50C-407E-A947-70E740481C1C}">
+                <a14:useLocalDpi xmlns:a14="http://schemas.microsoft.com/office/drawing/2010/main" val="0"/>
+              </a:ext>
+            </a:extLst>
+          </a:blip>
+          <a:stretch>
+            <a:fillRect/>
+          </a:stretch>
+        </p:blipFill>
+        <p:spPr>
+          <a:xfrm>
+            <a:off x="3977455" y="3771002"/>
+            <a:ext cx="4237087" cy="1072989"/>
+          </a:xfrm>
+          <a:prstGeom prst="rect">
+            <a:avLst/>
+          </a:prstGeom>
+        </p:spPr>
+      </p:pic>
+      <p:sp>
+        <p:nvSpPr>
+          <p:cNvPr id="2" name="사각형: 둥근 모서리 1">
+            <a:extLst>
+              <a:ext uri="{FF2B5EF4-FFF2-40B4-BE49-F238E27FC236}">
+                <a16:creationId xmlns:a16="http://schemas.microsoft.com/office/drawing/2014/main" id="{2AAC89F3-DEF9-9B7F-E364-A853C46FCB4A}"/>
+              </a:ext>
+            </a:extLst>
+          </p:cNvPr>
+          <p:cNvSpPr/>
+          <p:nvPr/>
+        </p:nvSpPr>
+        <p:spPr>
+          <a:xfrm>
+            <a:off x="3810000" y="1953220"/>
+            <a:ext cx="4571996" cy="590550"/>
+          </a:xfrm>
+          <a:prstGeom prst="roundRect">
+            <a:avLst/>
+          </a:prstGeom>
+          <a:noFill/>
+          <a:ln>
+            <a:noFill/>
+          </a:ln>
+        </p:spPr>
+        <p:style>
+          <a:lnRef idx="2">
+            <a:schemeClr val="accent1">
+              <a:shade val="15000"/>
+            </a:schemeClr>
+          </a:lnRef>
+          <a:fillRef idx="1">
+            <a:schemeClr val="accent1"/>
+          </a:fillRef>
+          <a:effectRef idx="0">
+            <a:schemeClr val="accent1"/>
+          </a:effectRef>
+          <a:fontRef idx="minor">
+            <a:schemeClr val="lt1"/>
+          </a:fontRef>
+        </p:style>
+        <p:txBody>
+          <a:bodyPr lIns="0" tIns="0" rIns="0" bIns="0" rtlCol="0" anchor="ctr"/>
+          <a:lstStyle/>
+          <a:p>
+            <a:pPr algn="ctr"/>
+            <a:r>
+              <a:rPr lang="en-US" altLang="ko-KR" sz="4000" dirty="0">
+                <a:solidFill>
+                  <a:schemeClr val="bg1"/>
+                </a:solidFill>
+                <a:latin typeface="DS-Digital" pitchFamily="2" charset="0"/>
+                <a:ea typeface="나눔스퀘어 ExtraBold" panose="020B0600000101010101" pitchFamily="50" charset="-127"/>
+              </a:rPr>
+              <a:t>+congratulations+</a:t>
+            </a:r>
+            <a:endParaRPr lang="ko-KR" altLang="en-US" sz="4000" dirty="0">
+              <a:solidFill>
+                <a:schemeClr val="bg1"/>
+              </a:solidFill>
+              <a:latin typeface="DS-Digital" pitchFamily="2" charset="0"/>
+              <a:ea typeface="나눔스퀘어 ExtraBold" panose="020B0600000101010101" pitchFamily="50" charset="-127"/>
+            </a:endParaRPr>
+          </a:p>
+        </p:txBody>
+      </p:sp>
+    </p:spTree>
+    <p:extLst>
+      <p:ext uri="{BB962C8B-B14F-4D97-AF65-F5344CB8AC3E}">
+        <p14:creationId xmlns:p14="http://schemas.microsoft.com/office/powerpoint/2010/main" val="2683758978"/>
       </p:ext>
     </p:extLst>
   </p:cSld>
@@ -16065,7 +16341,7 @@
         </p:nvGrpSpPr>
         <p:grpSpPr>
           <a:xfrm>
-            <a:off x="2572284" y="2584296"/>
+            <a:off x="2394484" y="2425767"/>
             <a:ext cx="6709333" cy="1810590"/>
             <a:chOff x="2572284" y="2584296"/>
             <a:chExt cx="6709333" cy="1810590"/>
@@ -16580,6 +16856,859 @@
 </p:sld>
 </file>
 
+<file path=ppt/slides/slide9.xml><?xml version="1.0" encoding="utf-8"?>
+<p:sld xmlns:a="http://schemas.openxmlformats.org/drawingml/2006/main" xmlns:r="http://schemas.openxmlformats.org/officeDocument/2006/relationships" xmlns:p="http://schemas.openxmlformats.org/presentationml/2006/main">
+  <p:cSld>
+    <p:spTree>
+      <p:nvGrpSpPr>
+        <p:cNvPr id="1" name=""/>
+        <p:cNvGrpSpPr/>
+        <p:nvPr/>
+      </p:nvGrpSpPr>
+      <p:grpSpPr>
+        <a:xfrm>
+          <a:off x="0" y="0"/>
+          <a:ext cx="0" cy="0"/>
+          <a:chOff x="0" y="0"/>
+          <a:chExt cx="0" cy="0"/>
+        </a:xfrm>
+      </p:grpSpPr>
+      <p:pic>
+        <p:nvPicPr>
+          <p:cNvPr id="14" name="그림 13">
+            <a:extLst>
+              <a:ext uri="{FF2B5EF4-FFF2-40B4-BE49-F238E27FC236}">
+                <a16:creationId xmlns:a16="http://schemas.microsoft.com/office/drawing/2014/main" id="{3D887EF1-CC47-9D88-1EF8-B13E592BA414}"/>
+              </a:ext>
+            </a:extLst>
+          </p:cNvPr>
+          <p:cNvPicPr>
+            <a:picLocks noChangeAspect="1"/>
+          </p:cNvPicPr>
+          <p:nvPr/>
+        </p:nvPicPr>
+        <p:blipFill>
+          <a:blip r:embed="rId2">
+            <a:extLst>
+              <a:ext uri="{28A0092B-C50C-407E-A947-70E740481C1C}">
+                <a14:useLocalDpi xmlns:a14="http://schemas.microsoft.com/office/drawing/2010/main" val="0"/>
+              </a:ext>
+            </a:extLst>
+          </a:blip>
+          <a:stretch>
+            <a:fillRect/>
+          </a:stretch>
+        </p:blipFill>
+        <p:spPr>
+          <a:xfrm>
+            <a:off x="3574521" y="1242682"/>
+            <a:ext cx="5533188" cy="396804"/>
+          </a:xfrm>
+          <a:prstGeom prst="rect">
+            <a:avLst/>
+          </a:prstGeom>
+        </p:spPr>
+      </p:pic>
+      <p:pic>
+        <p:nvPicPr>
+          <p:cNvPr id="19" name="그림 18">
+            <a:extLst>
+              <a:ext uri="{FF2B5EF4-FFF2-40B4-BE49-F238E27FC236}">
+                <a16:creationId xmlns:a16="http://schemas.microsoft.com/office/drawing/2014/main" id="{FE6389AD-BAB0-7C3C-7BBE-2F2A6BA02549}"/>
+              </a:ext>
+            </a:extLst>
+          </p:cNvPr>
+          <p:cNvPicPr>
+            <a:picLocks noChangeAspect="1"/>
+          </p:cNvPicPr>
+          <p:nvPr/>
+        </p:nvPicPr>
+        <p:blipFill>
+          <a:blip r:embed="rId3">
+            <a:extLst>
+              <a:ext uri="{28A0092B-C50C-407E-A947-70E740481C1C}">
+                <a14:useLocalDpi xmlns:a14="http://schemas.microsoft.com/office/drawing/2010/main" val="0"/>
+              </a:ext>
+            </a:extLst>
+          </a:blip>
+          <a:stretch>
+            <a:fillRect/>
+          </a:stretch>
+        </p:blipFill>
+        <p:spPr>
+          <a:xfrm>
+            <a:off x="3574521" y="156012"/>
+            <a:ext cx="5533188" cy="373164"/>
+          </a:xfrm>
+          <a:prstGeom prst="rect">
+            <a:avLst/>
+          </a:prstGeom>
+        </p:spPr>
+      </p:pic>
+      <p:pic>
+        <p:nvPicPr>
+          <p:cNvPr id="24" name="그림 23">
+            <a:extLst>
+              <a:ext uri="{FF2B5EF4-FFF2-40B4-BE49-F238E27FC236}">
+                <a16:creationId xmlns:a16="http://schemas.microsoft.com/office/drawing/2014/main" id="{6FA6066C-F98B-12CA-DE74-A1AABB992BB5}"/>
+              </a:ext>
+            </a:extLst>
+          </p:cNvPr>
+          <p:cNvPicPr>
+            <a:picLocks noChangeAspect="1"/>
+          </p:cNvPicPr>
+          <p:nvPr/>
+        </p:nvPicPr>
+        <p:blipFill>
+          <a:blip r:embed="rId4">
+            <a:extLst>
+              <a:ext uri="{28A0092B-C50C-407E-A947-70E740481C1C}">
+                <a14:useLocalDpi xmlns:a14="http://schemas.microsoft.com/office/drawing/2010/main" val="0"/>
+              </a:ext>
+            </a:extLst>
+          </a:blip>
+          <a:stretch>
+            <a:fillRect/>
+          </a:stretch>
+        </p:blipFill>
+        <p:spPr>
+          <a:xfrm>
+            <a:off x="5645183" y="612619"/>
+            <a:ext cx="1391864" cy="680638"/>
+          </a:xfrm>
+          <a:prstGeom prst="rect">
+            <a:avLst/>
+          </a:prstGeom>
+        </p:spPr>
+      </p:pic>
+      <p:grpSp>
+        <p:nvGrpSpPr>
+          <p:cNvPr id="8" name="그룹 7">
+            <a:extLst>
+              <a:ext uri="{FF2B5EF4-FFF2-40B4-BE49-F238E27FC236}">
+                <a16:creationId xmlns:a16="http://schemas.microsoft.com/office/drawing/2014/main" id="{92CA5A23-0677-91CA-B1C9-EF6A3F0DDF00}"/>
+              </a:ext>
+            </a:extLst>
+          </p:cNvPr>
+          <p:cNvGrpSpPr/>
+          <p:nvPr/>
+        </p:nvGrpSpPr>
+        <p:grpSpPr>
+          <a:xfrm>
+            <a:off x="3886200" y="2796540"/>
+            <a:ext cx="4909830" cy="930658"/>
+            <a:chOff x="3886200" y="2796540"/>
+            <a:chExt cx="4909830" cy="930658"/>
+          </a:xfrm>
+        </p:grpSpPr>
+        <p:sp>
+          <p:nvSpPr>
+            <p:cNvPr id="2" name="직사각형 1">
+              <a:extLst>
+                <a:ext uri="{FF2B5EF4-FFF2-40B4-BE49-F238E27FC236}">
+                  <a16:creationId xmlns:a16="http://schemas.microsoft.com/office/drawing/2014/main" id="{9AB7CD80-2F97-12A5-01AB-3C379986241B}"/>
+                </a:ext>
+              </a:extLst>
+            </p:cNvPr>
+            <p:cNvSpPr/>
+            <p:nvPr/>
+          </p:nvSpPr>
+          <p:spPr>
+            <a:xfrm>
+              <a:off x="3886200" y="2796540"/>
+              <a:ext cx="4909830" cy="930658"/>
+            </a:xfrm>
+            <a:prstGeom prst="rect">
+              <a:avLst/>
+            </a:prstGeom>
+            <a:solidFill>
+              <a:schemeClr val="tx1"/>
+            </a:solidFill>
+            <a:ln w="19050">
+              <a:solidFill>
+                <a:srgbClr val="F6DEAA"/>
+              </a:solidFill>
+            </a:ln>
+          </p:spPr>
+          <p:style>
+            <a:lnRef idx="2">
+              <a:schemeClr val="accent1">
+                <a:shade val="15000"/>
+              </a:schemeClr>
+            </a:lnRef>
+            <a:fillRef idx="1">
+              <a:schemeClr val="accent1"/>
+            </a:fillRef>
+            <a:effectRef idx="0">
+              <a:schemeClr val="accent1"/>
+            </a:effectRef>
+            <a:fontRef idx="minor">
+              <a:schemeClr val="lt1"/>
+            </a:fontRef>
+          </p:style>
+          <p:txBody>
+            <a:bodyPr rtlCol="0" anchor="ctr"/>
+            <a:lstStyle/>
+            <a:p>
+              <a:pPr algn="ctr"/>
+              <a:endParaRPr lang="ko-KR" altLang="en-US" dirty="0"/>
+            </a:p>
+          </p:txBody>
+        </p:sp>
+        <p:sp>
+          <p:nvSpPr>
+            <p:cNvPr id="6" name="타원 5">
+              <a:extLst>
+                <a:ext uri="{FF2B5EF4-FFF2-40B4-BE49-F238E27FC236}">
+                  <a16:creationId xmlns:a16="http://schemas.microsoft.com/office/drawing/2014/main" id="{CBD9013C-67DD-5175-15B3-0AD1C40E3A33}"/>
+                </a:ext>
+              </a:extLst>
+            </p:cNvPr>
+            <p:cNvSpPr/>
+            <p:nvPr/>
+          </p:nvSpPr>
+          <p:spPr>
+            <a:xfrm>
+              <a:off x="4038600" y="3025140"/>
+              <a:ext cx="411480" cy="473458"/>
+            </a:xfrm>
+            <a:prstGeom prst="ellipse">
+              <a:avLst/>
+            </a:prstGeom>
+            <a:noFill/>
+            <a:ln>
+              <a:solidFill>
+                <a:srgbClr val="A6C9D6"/>
+              </a:solidFill>
+            </a:ln>
+          </p:spPr>
+          <p:style>
+            <a:lnRef idx="2">
+              <a:schemeClr val="accent1">
+                <a:shade val="15000"/>
+              </a:schemeClr>
+            </a:lnRef>
+            <a:fillRef idx="1">
+              <a:schemeClr val="accent1"/>
+            </a:fillRef>
+            <a:effectRef idx="0">
+              <a:schemeClr val="accent1"/>
+            </a:effectRef>
+            <a:fontRef idx="minor">
+              <a:schemeClr val="lt1"/>
+            </a:fontRef>
+          </p:style>
+          <p:txBody>
+            <a:bodyPr rtlCol="0" anchor="ctr"/>
+            <a:lstStyle/>
+            <a:p>
+              <a:pPr algn="ctr"/>
+              <a:r>
+                <a:rPr lang="en-US" altLang="ko-KR" dirty="0" err="1">
+                  <a:solidFill>
+                    <a:schemeClr val="bg1"/>
+                  </a:solidFill>
+                  <a:latin typeface="에스코어 드림 7 ExtraBold" panose="020B0803030302020204" pitchFamily="34" charset="-127"/>
+                  <a:ea typeface="에스코어 드림 7 ExtraBold" panose="020B0803030302020204" pitchFamily="34" charset="-127"/>
+                </a:rPr>
+                <a:t>i</a:t>
+              </a:r>
+              <a:endParaRPr lang="ko-KR" altLang="en-US" dirty="0">
+                <a:solidFill>
+                  <a:schemeClr val="bg1"/>
+                </a:solidFill>
+                <a:latin typeface="에스코어 드림 7 ExtraBold" panose="020B0803030302020204" pitchFamily="34" charset="-127"/>
+                <a:ea typeface="에스코어 드림 7 ExtraBold" panose="020B0803030302020204" pitchFamily="34" charset="-127"/>
+              </a:endParaRPr>
+            </a:p>
+          </p:txBody>
+        </p:sp>
+        <p:sp>
+          <p:nvSpPr>
+            <p:cNvPr id="7" name="사각형: 둥근 모서리 6">
+              <a:extLst>
+                <a:ext uri="{FF2B5EF4-FFF2-40B4-BE49-F238E27FC236}">
+                  <a16:creationId xmlns:a16="http://schemas.microsoft.com/office/drawing/2014/main" id="{FA9E0992-B8F2-688B-5030-7FE30EBF702E}"/>
+                </a:ext>
+              </a:extLst>
+            </p:cNvPr>
+            <p:cNvSpPr/>
+            <p:nvPr/>
+          </p:nvSpPr>
+          <p:spPr>
+            <a:xfrm>
+              <a:off x="4602480" y="2796540"/>
+              <a:ext cx="4142040" cy="930658"/>
+            </a:xfrm>
+            <a:prstGeom prst="roundRect">
+              <a:avLst/>
+            </a:prstGeom>
+            <a:noFill/>
+            <a:ln>
+              <a:noFill/>
+            </a:ln>
+          </p:spPr>
+          <p:style>
+            <a:lnRef idx="2">
+              <a:schemeClr val="accent1">
+                <a:shade val="15000"/>
+              </a:schemeClr>
+            </a:lnRef>
+            <a:fillRef idx="1">
+              <a:schemeClr val="accent1"/>
+            </a:fillRef>
+            <a:effectRef idx="0">
+              <a:schemeClr val="accent1"/>
+            </a:effectRef>
+            <a:fontRef idx="minor">
+              <a:schemeClr val="lt1"/>
+            </a:fontRef>
+          </p:style>
+          <p:txBody>
+            <a:bodyPr rtlCol="0" anchor="ctr"/>
+            <a:lstStyle/>
+            <a:p>
+              <a:pPr algn="ctr"/>
+              <a:r>
+                <a:rPr lang="ko-KR" altLang="en-US" sz="2400" dirty="0">
+                  <a:solidFill>
+                    <a:schemeClr val="bg1"/>
+                  </a:solidFill>
+                  <a:latin typeface="에스코어 드림 2 ExtraLight" panose="020B0203030302020204" pitchFamily="34" charset="-127"/>
+                  <a:ea typeface="에스코어 드림 2 ExtraLight" panose="020B0203030302020204" pitchFamily="34" charset="-127"/>
+                </a:rPr>
+                <a:t>아직 모든 플레이어가 </a:t>
+              </a:r>
+              <a:br>
+                <a:rPr lang="en-US" altLang="ko-KR" sz="2000" dirty="0">
+                  <a:solidFill>
+                    <a:schemeClr val="bg1"/>
+                  </a:solidFill>
+                  <a:latin typeface="에스코어 드림 2 ExtraLight" panose="020B0203030302020204" pitchFamily="34" charset="-127"/>
+                  <a:ea typeface="에스코어 드림 2 ExtraLight" panose="020B0203030302020204" pitchFamily="34" charset="-127"/>
+                </a:rPr>
+              </a:br>
+              <a:r>
+                <a:rPr lang="ko-KR" altLang="en-US" sz="2400" dirty="0">
+                  <a:solidFill>
+                    <a:schemeClr val="bg1"/>
+                  </a:solidFill>
+                  <a:latin typeface="에스코어 드림 2 ExtraLight" panose="020B0203030302020204" pitchFamily="34" charset="-127"/>
+                  <a:ea typeface="에스코어 드림 2 ExtraLight" panose="020B0203030302020204" pitchFamily="34" charset="-127"/>
+                </a:rPr>
+                <a:t>준비하지 않았습니다</a:t>
+              </a:r>
+              <a:r>
+                <a:rPr lang="en-US" altLang="ko-KR" sz="2400" dirty="0">
+                  <a:solidFill>
+                    <a:schemeClr val="bg1"/>
+                  </a:solidFill>
+                  <a:latin typeface="에스코어 드림 2 ExtraLight" panose="020B0203030302020204" pitchFamily="34" charset="-127"/>
+                  <a:ea typeface="에스코어 드림 2 ExtraLight" panose="020B0203030302020204" pitchFamily="34" charset="-127"/>
+                </a:rPr>
+                <a:t>.</a:t>
+              </a:r>
+              <a:endParaRPr lang="ko-KR" altLang="en-US" sz="2400" dirty="0">
+                <a:solidFill>
+                  <a:schemeClr val="bg1"/>
+                </a:solidFill>
+                <a:latin typeface="에스코어 드림 2 ExtraLight" panose="020B0203030302020204" pitchFamily="34" charset="-127"/>
+                <a:ea typeface="에스코어 드림 2 ExtraLight" panose="020B0203030302020204" pitchFamily="34" charset="-127"/>
+              </a:endParaRPr>
+            </a:p>
+          </p:txBody>
+        </p:sp>
+      </p:grpSp>
+      <p:grpSp>
+        <p:nvGrpSpPr>
+          <p:cNvPr id="13" name="그룹 12">
+            <a:extLst>
+              <a:ext uri="{FF2B5EF4-FFF2-40B4-BE49-F238E27FC236}">
+                <a16:creationId xmlns:a16="http://schemas.microsoft.com/office/drawing/2014/main" id="{E0F3C7CE-8E90-5CE0-DAE8-9F9FBE8E6772}"/>
+              </a:ext>
+            </a:extLst>
+          </p:cNvPr>
+          <p:cNvGrpSpPr/>
+          <p:nvPr/>
+        </p:nvGrpSpPr>
+        <p:grpSpPr>
+          <a:xfrm>
+            <a:off x="3886200" y="3955798"/>
+            <a:ext cx="4909830" cy="930658"/>
+            <a:chOff x="3886200" y="3955798"/>
+            <a:chExt cx="4909830" cy="930658"/>
+          </a:xfrm>
+        </p:grpSpPr>
+        <p:sp>
+          <p:nvSpPr>
+            <p:cNvPr id="10" name="직사각형 9">
+              <a:extLst>
+                <a:ext uri="{FF2B5EF4-FFF2-40B4-BE49-F238E27FC236}">
+                  <a16:creationId xmlns:a16="http://schemas.microsoft.com/office/drawing/2014/main" id="{886D8B47-5670-756E-2EF8-12A410571EA4}"/>
+                </a:ext>
+              </a:extLst>
+            </p:cNvPr>
+            <p:cNvSpPr/>
+            <p:nvPr/>
+          </p:nvSpPr>
+          <p:spPr>
+            <a:xfrm>
+              <a:off x="3886200" y="3955798"/>
+              <a:ext cx="4909830" cy="930658"/>
+            </a:xfrm>
+            <a:prstGeom prst="rect">
+              <a:avLst/>
+            </a:prstGeom>
+            <a:solidFill>
+              <a:schemeClr val="tx1"/>
+            </a:solidFill>
+            <a:ln w="19050">
+              <a:solidFill>
+                <a:srgbClr val="F6DEAA"/>
+              </a:solidFill>
+            </a:ln>
+          </p:spPr>
+          <p:style>
+            <a:lnRef idx="2">
+              <a:schemeClr val="accent1">
+                <a:shade val="15000"/>
+              </a:schemeClr>
+            </a:lnRef>
+            <a:fillRef idx="1">
+              <a:schemeClr val="accent1"/>
+            </a:fillRef>
+            <a:effectRef idx="0">
+              <a:schemeClr val="accent1"/>
+            </a:effectRef>
+            <a:fontRef idx="minor">
+              <a:schemeClr val="lt1"/>
+            </a:fontRef>
+          </p:style>
+          <p:txBody>
+            <a:bodyPr rtlCol="0" anchor="ctr"/>
+            <a:lstStyle/>
+            <a:p>
+              <a:pPr algn="ctr"/>
+              <a:endParaRPr lang="ko-KR" altLang="en-US" dirty="0"/>
+            </a:p>
+          </p:txBody>
+        </p:sp>
+        <p:sp>
+          <p:nvSpPr>
+            <p:cNvPr id="11" name="타원 10">
+              <a:extLst>
+                <a:ext uri="{FF2B5EF4-FFF2-40B4-BE49-F238E27FC236}">
+                  <a16:creationId xmlns:a16="http://schemas.microsoft.com/office/drawing/2014/main" id="{CD2BA770-00F7-7C7F-EB16-A771E603D282}"/>
+                </a:ext>
+              </a:extLst>
+            </p:cNvPr>
+            <p:cNvSpPr/>
+            <p:nvPr/>
+          </p:nvSpPr>
+          <p:spPr>
+            <a:xfrm>
+              <a:off x="4038600" y="4184398"/>
+              <a:ext cx="411480" cy="473458"/>
+            </a:xfrm>
+            <a:prstGeom prst="ellipse">
+              <a:avLst/>
+            </a:prstGeom>
+            <a:noFill/>
+            <a:ln>
+              <a:solidFill>
+                <a:srgbClr val="A6C9D6"/>
+              </a:solidFill>
+            </a:ln>
+          </p:spPr>
+          <p:style>
+            <a:lnRef idx="2">
+              <a:schemeClr val="accent1">
+                <a:shade val="15000"/>
+              </a:schemeClr>
+            </a:lnRef>
+            <a:fillRef idx="1">
+              <a:schemeClr val="accent1"/>
+            </a:fillRef>
+            <a:effectRef idx="0">
+              <a:schemeClr val="accent1"/>
+            </a:effectRef>
+            <a:fontRef idx="minor">
+              <a:schemeClr val="lt1"/>
+            </a:fontRef>
+          </p:style>
+          <p:txBody>
+            <a:bodyPr rtlCol="0" anchor="ctr"/>
+            <a:lstStyle/>
+            <a:p>
+              <a:pPr algn="ctr"/>
+              <a:r>
+                <a:rPr lang="en-US" altLang="ko-KR" dirty="0" err="1">
+                  <a:solidFill>
+                    <a:schemeClr val="bg1"/>
+                  </a:solidFill>
+                  <a:latin typeface="에스코어 드림 7 ExtraBold" panose="020B0803030302020204" pitchFamily="34" charset="-127"/>
+                  <a:ea typeface="에스코어 드림 7 ExtraBold" panose="020B0803030302020204" pitchFamily="34" charset="-127"/>
+                </a:rPr>
+                <a:t>i</a:t>
+              </a:r>
+              <a:endParaRPr lang="ko-KR" altLang="en-US" dirty="0">
+                <a:solidFill>
+                  <a:schemeClr val="bg1"/>
+                </a:solidFill>
+                <a:latin typeface="에스코어 드림 7 ExtraBold" panose="020B0803030302020204" pitchFamily="34" charset="-127"/>
+                <a:ea typeface="에스코어 드림 7 ExtraBold" panose="020B0803030302020204" pitchFamily="34" charset="-127"/>
+              </a:endParaRPr>
+            </a:p>
+          </p:txBody>
+        </p:sp>
+        <p:sp>
+          <p:nvSpPr>
+            <p:cNvPr id="12" name="사각형: 둥근 모서리 11">
+              <a:extLst>
+                <a:ext uri="{FF2B5EF4-FFF2-40B4-BE49-F238E27FC236}">
+                  <a16:creationId xmlns:a16="http://schemas.microsoft.com/office/drawing/2014/main" id="{03478BCC-D7DB-CE70-5325-B1341DB4DC77}"/>
+                </a:ext>
+              </a:extLst>
+            </p:cNvPr>
+            <p:cNvSpPr/>
+            <p:nvPr/>
+          </p:nvSpPr>
+          <p:spPr>
+            <a:xfrm>
+              <a:off x="4602480" y="3955798"/>
+              <a:ext cx="4142040" cy="930658"/>
+            </a:xfrm>
+            <a:prstGeom prst="roundRect">
+              <a:avLst/>
+            </a:prstGeom>
+            <a:noFill/>
+            <a:ln>
+              <a:noFill/>
+            </a:ln>
+          </p:spPr>
+          <p:style>
+            <a:lnRef idx="2">
+              <a:schemeClr val="accent1">
+                <a:shade val="15000"/>
+              </a:schemeClr>
+            </a:lnRef>
+            <a:fillRef idx="1">
+              <a:schemeClr val="accent1"/>
+            </a:fillRef>
+            <a:effectRef idx="0">
+              <a:schemeClr val="accent1"/>
+            </a:effectRef>
+            <a:fontRef idx="minor">
+              <a:schemeClr val="lt1"/>
+            </a:fontRef>
+          </p:style>
+          <p:txBody>
+            <a:bodyPr rtlCol="0" anchor="ctr"/>
+            <a:lstStyle/>
+            <a:p>
+              <a:pPr algn="ctr"/>
+              <a:r>
+                <a:rPr lang="ko-KR" altLang="en-US" sz="2400" dirty="0">
+                  <a:solidFill>
+                    <a:schemeClr val="bg1"/>
+                  </a:solidFill>
+                  <a:latin typeface="에스코어 드림 2 ExtraLight" panose="020B0203030302020204" pitchFamily="34" charset="-127"/>
+                  <a:ea typeface="에스코어 드림 2 ExtraLight" panose="020B0203030302020204" pitchFamily="34" charset="-127"/>
+                </a:rPr>
+                <a:t>준비는 역할 선택 후</a:t>
+              </a:r>
+              <a:br>
+                <a:rPr lang="en-US" altLang="ko-KR" sz="2400" dirty="0">
+                  <a:solidFill>
+                    <a:schemeClr val="bg1"/>
+                  </a:solidFill>
+                  <a:latin typeface="에스코어 드림 2 ExtraLight" panose="020B0203030302020204" pitchFamily="34" charset="-127"/>
+                  <a:ea typeface="에스코어 드림 2 ExtraLight" panose="020B0203030302020204" pitchFamily="34" charset="-127"/>
+                </a:rPr>
+              </a:br>
+              <a:r>
+                <a:rPr lang="ko-KR" altLang="en-US" sz="2400" dirty="0">
+                  <a:solidFill>
+                    <a:schemeClr val="bg1"/>
+                  </a:solidFill>
+                  <a:latin typeface="에스코어 드림 2 ExtraLight" panose="020B0203030302020204" pitchFamily="34" charset="-127"/>
+                  <a:ea typeface="에스코어 드림 2 ExtraLight" panose="020B0203030302020204" pitchFamily="34" charset="-127"/>
+                </a:rPr>
+                <a:t>누를 수 있습니다</a:t>
+              </a:r>
+              <a:r>
+                <a:rPr lang="en-US" altLang="ko-KR" sz="2400" dirty="0">
+                  <a:solidFill>
+                    <a:schemeClr val="bg1"/>
+                  </a:solidFill>
+                  <a:latin typeface="에스코어 드림 2 ExtraLight" panose="020B0203030302020204" pitchFamily="34" charset="-127"/>
+                  <a:ea typeface="에스코어 드림 2 ExtraLight" panose="020B0203030302020204" pitchFamily="34" charset="-127"/>
+                </a:rPr>
+                <a:t>.</a:t>
+              </a:r>
+              <a:endParaRPr lang="ko-KR" altLang="en-US" sz="2400" dirty="0">
+                <a:solidFill>
+                  <a:schemeClr val="bg1"/>
+                </a:solidFill>
+                <a:latin typeface="에스코어 드림 2 ExtraLight" panose="020B0203030302020204" pitchFamily="34" charset="-127"/>
+                <a:ea typeface="에스코어 드림 2 ExtraLight" panose="020B0203030302020204" pitchFamily="34" charset="-127"/>
+              </a:endParaRPr>
+            </a:p>
+          </p:txBody>
+        </p:sp>
+      </p:grpSp>
+      <p:grpSp>
+        <p:nvGrpSpPr>
+          <p:cNvPr id="15" name="그룹 14">
+            <a:extLst>
+              <a:ext uri="{FF2B5EF4-FFF2-40B4-BE49-F238E27FC236}">
+                <a16:creationId xmlns:a16="http://schemas.microsoft.com/office/drawing/2014/main" id="{7CF03101-D2F3-0B7B-8D40-DF23AA4D566D}"/>
+              </a:ext>
+            </a:extLst>
+          </p:cNvPr>
+          <p:cNvGrpSpPr/>
+          <p:nvPr/>
+        </p:nvGrpSpPr>
+        <p:grpSpPr>
+          <a:xfrm>
+            <a:off x="3886200" y="5060698"/>
+            <a:ext cx="4909830" cy="930658"/>
+            <a:chOff x="3886200" y="3955798"/>
+            <a:chExt cx="4909830" cy="930658"/>
+          </a:xfrm>
+        </p:grpSpPr>
+        <p:sp>
+          <p:nvSpPr>
+            <p:cNvPr id="16" name="직사각형 15">
+              <a:extLst>
+                <a:ext uri="{FF2B5EF4-FFF2-40B4-BE49-F238E27FC236}">
+                  <a16:creationId xmlns:a16="http://schemas.microsoft.com/office/drawing/2014/main" id="{BCF877DE-C064-A5D2-D84A-DAD5E8F01612}"/>
+                </a:ext>
+              </a:extLst>
+            </p:cNvPr>
+            <p:cNvSpPr/>
+            <p:nvPr/>
+          </p:nvSpPr>
+          <p:spPr>
+            <a:xfrm>
+              <a:off x="3886200" y="3955798"/>
+              <a:ext cx="4909830" cy="930658"/>
+            </a:xfrm>
+            <a:prstGeom prst="rect">
+              <a:avLst/>
+            </a:prstGeom>
+            <a:solidFill>
+              <a:schemeClr val="tx1"/>
+            </a:solidFill>
+            <a:ln w="19050">
+              <a:solidFill>
+                <a:srgbClr val="F6DEAA"/>
+              </a:solidFill>
+            </a:ln>
+          </p:spPr>
+          <p:style>
+            <a:lnRef idx="2">
+              <a:schemeClr val="accent1">
+                <a:shade val="15000"/>
+              </a:schemeClr>
+            </a:lnRef>
+            <a:fillRef idx="1">
+              <a:schemeClr val="accent1"/>
+            </a:fillRef>
+            <a:effectRef idx="0">
+              <a:schemeClr val="accent1"/>
+            </a:effectRef>
+            <a:fontRef idx="minor">
+              <a:schemeClr val="lt1"/>
+            </a:fontRef>
+          </p:style>
+          <p:txBody>
+            <a:bodyPr rtlCol="0" anchor="ctr"/>
+            <a:lstStyle/>
+            <a:p>
+              <a:pPr algn="ctr"/>
+              <a:endParaRPr lang="ko-KR" altLang="en-US" dirty="0"/>
+            </a:p>
+          </p:txBody>
+        </p:sp>
+        <p:sp>
+          <p:nvSpPr>
+            <p:cNvPr id="17" name="타원 16">
+              <a:extLst>
+                <a:ext uri="{FF2B5EF4-FFF2-40B4-BE49-F238E27FC236}">
+                  <a16:creationId xmlns:a16="http://schemas.microsoft.com/office/drawing/2014/main" id="{10B90844-C89D-8364-ED23-C0C63856D750}"/>
+                </a:ext>
+              </a:extLst>
+            </p:cNvPr>
+            <p:cNvSpPr/>
+            <p:nvPr/>
+          </p:nvSpPr>
+          <p:spPr>
+            <a:xfrm>
+              <a:off x="4038600" y="4184398"/>
+              <a:ext cx="411480" cy="473458"/>
+            </a:xfrm>
+            <a:prstGeom prst="ellipse">
+              <a:avLst/>
+            </a:prstGeom>
+            <a:noFill/>
+            <a:ln>
+              <a:solidFill>
+                <a:srgbClr val="A6C9D6"/>
+              </a:solidFill>
+            </a:ln>
+          </p:spPr>
+          <p:style>
+            <a:lnRef idx="2">
+              <a:schemeClr val="accent1">
+                <a:shade val="15000"/>
+              </a:schemeClr>
+            </a:lnRef>
+            <a:fillRef idx="1">
+              <a:schemeClr val="accent1"/>
+            </a:fillRef>
+            <a:effectRef idx="0">
+              <a:schemeClr val="accent1"/>
+            </a:effectRef>
+            <a:fontRef idx="minor">
+              <a:schemeClr val="lt1"/>
+            </a:fontRef>
+          </p:style>
+          <p:txBody>
+            <a:bodyPr rtlCol="0" anchor="ctr"/>
+            <a:lstStyle/>
+            <a:p>
+              <a:pPr algn="ctr"/>
+              <a:r>
+                <a:rPr lang="en-US" altLang="ko-KR" dirty="0" err="1">
+                  <a:solidFill>
+                    <a:schemeClr val="bg1"/>
+                  </a:solidFill>
+                  <a:latin typeface="에스코어 드림 7 ExtraBold" panose="020B0803030302020204" pitchFamily="34" charset="-127"/>
+                  <a:ea typeface="에스코어 드림 7 ExtraBold" panose="020B0803030302020204" pitchFamily="34" charset="-127"/>
+                </a:rPr>
+                <a:t>i</a:t>
+              </a:r>
+              <a:endParaRPr lang="ko-KR" altLang="en-US" dirty="0">
+                <a:solidFill>
+                  <a:schemeClr val="bg1"/>
+                </a:solidFill>
+                <a:latin typeface="에스코어 드림 7 ExtraBold" panose="020B0803030302020204" pitchFamily="34" charset="-127"/>
+                <a:ea typeface="에스코어 드림 7 ExtraBold" panose="020B0803030302020204" pitchFamily="34" charset="-127"/>
+              </a:endParaRPr>
+            </a:p>
+          </p:txBody>
+        </p:sp>
+        <p:sp>
+          <p:nvSpPr>
+            <p:cNvPr id="18" name="사각형: 둥근 모서리 17">
+              <a:extLst>
+                <a:ext uri="{FF2B5EF4-FFF2-40B4-BE49-F238E27FC236}">
+                  <a16:creationId xmlns:a16="http://schemas.microsoft.com/office/drawing/2014/main" id="{3AFF2B42-6C1F-447F-3BDD-C7412B43947B}"/>
+                </a:ext>
+              </a:extLst>
+            </p:cNvPr>
+            <p:cNvSpPr/>
+            <p:nvPr/>
+          </p:nvSpPr>
+          <p:spPr>
+            <a:xfrm>
+              <a:off x="4602480" y="3955798"/>
+              <a:ext cx="4142040" cy="930658"/>
+            </a:xfrm>
+            <a:prstGeom prst="roundRect">
+              <a:avLst/>
+            </a:prstGeom>
+            <a:noFill/>
+            <a:ln>
+              <a:noFill/>
+            </a:ln>
+          </p:spPr>
+          <p:style>
+            <a:lnRef idx="2">
+              <a:schemeClr val="accent1">
+                <a:shade val="15000"/>
+              </a:schemeClr>
+            </a:lnRef>
+            <a:fillRef idx="1">
+              <a:schemeClr val="accent1"/>
+            </a:fillRef>
+            <a:effectRef idx="0">
+              <a:schemeClr val="accent1"/>
+            </a:effectRef>
+            <a:fontRef idx="minor">
+              <a:schemeClr val="lt1"/>
+            </a:fontRef>
+          </p:style>
+          <p:txBody>
+            <a:bodyPr rtlCol="0" anchor="ctr"/>
+            <a:lstStyle/>
+            <a:p>
+              <a:pPr algn="ctr"/>
+              <a:r>
+                <a:rPr lang="ko-KR" altLang="en-US" sz="2400" dirty="0">
+                  <a:solidFill>
+                    <a:schemeClr val="bg1"/>
+                  </a:solidFill>
+                  <a:latin typeface="에스코어 드림 2 ExtraLight" panose="020B0203030302020204" pitchFamily="34" charset="-127"/>
+                  <a:ea typeface="에스코어 드림 2 ExtraLight" panose="020B0203030302020204" pitchFamily="34" charset="-127"/>
+                </a:rPr>
+                <a:t>인</a:t>
+              </a:r>
+              <a:r>
+                <a:rPr lang="en-US" altLang="ko-KR" sz="2400" dirty="0">
+                  <a:solidFill>
+                    <a:schemeClr val="bg1"/>
+                  </a:solidFill>
+                  <a:latin typeface="에스코어 드림 2 ExtraLight" panose="020B0203030302020204" pitchFamily="34" charset="-127"/>
+                  <a:ea typeface="에스코어 드림 2 ExtraLight" panose="020B0203030302020204" pitchFamily="34" charset="-127"/>
+                </a:rPr>
+                <a:t>-</a:t>
+              </a:r>
+              <a:r>
+                <a:rPr lang="ko-KR" altLang="en-US" sz="2400" dirty="0">
+                  <a:solidFill>
+                    <a:schemeClr val="bg1"/>
+                  </a:solidFill>
+                  <a:latin typeface="에스코어 드림 2 ExtraLight" panose="020B0203030302020204" pitchFamily="34" charset="-127"/>
+                  <a:ea typeface="에스코어 드림 2 ExtraLight" panose="020B0203030302020204" pitchFamily="34" charset="-127"/>
+                </a:rPr>
+                <a:t>게임으로 진입합니다</a:t>
+              </a:r>
+              <a:r>
+                <a:rPr lang="en-US" altLang="ko-KR" sz="2400" dirty="0">
+                  <a:solidFill>
+                    <a:schemeClr val="bg1"/>
+                  </a:solidFill>
+                  <a:latin typeface="에스코어 드림 2 ExtraLight" panose="020B0203030302020204" pitchFamily="34" charset="-127"/>
+                  <a:ea typeface="에스코어 드림 2 ExtraLight" panose="020B0203030302020204" pitchFamily="34" charset="-127"/>
+                </a:rPr>
+                <a:t>.</a:t>
+              </a:r>
+              <a:endParaRPr lang="ko-KR" altLang="en-US" sz="2400" dirty="0">
+                <a:solidFill>
+                  <a:schemeClr val="bg1"/>
+                </a:solidFill>
+                <a:latin typeface="에스코어 드림 2 ExtraLight" panose="020B0203030302020204" pitchFamily="34" charset="-127"/>
+                <a:ea typeface="에스코어 드림 2 ExtraLight" panose="020B0203030302020204" pitchFamily="34" charset="-127"/>
+              </a:endParaRPr>
+            </a:p>
+          </p:txBody>
+        </p:sp>
+      </p:grpSp>
+    </p:spTree>
+    <p:extLst>
+      <p:ext uri="{BB962C8B-B14F-4D97-AF65-F5344CB8AC3E}">
+        <p14:creationId xmlns:p14="http://schemas.microsoft.com/office/powerpoint/2010/main" val="2281569680"/>
+      </p:ext>
+    </p:extLst>
+  </p:cSld>
+  <p:clrMapOvr>
+    <a:masterClrMapping/>
+  </p:clrMapOvr>
+</p:sld>
+</file>
+
 <file path=ppt/theme/theme1.xml><?xml version="1.0" encoding="utf-8"?>
 <a:theme xmlns:a="http://schemas.openxmlformats.org/drawingml/2006/main" name="Office 테마">
   <a:themeElements>

--- a/Client/PvE/REVENGER/UI/XDUI/UI.pptx
+++ b/Client/PvE/REVENGER/UI/XDUI/UI.pptx
@@ -7879,72 +7879,42 @@
           </a:prstGeom>
         </p:spPr>
       </p:pic>
-      <p:sp>
-        <p:nvSpPr>
-          <p:cNvPr id="2" name="사각형: 둥근 모서리 1">
-            <a:extLst>
-              <a:ext uri="{FF2B5EF4-FFF2-40B4-BE49-F238E27FC236}">
-                <a16:creationId xmlns:a16="http://schemas.microsoft.com/office/drawing/2014/main" id="{2AAC89F3-DEF9-9B7F-E364-A853C46FCB4A}"/>
-              </a:ext>
-            </a:extLst>
-          </p:cNvPr>
-          <p:cNvSpPr/>
+      <p:pic>
+        <p:nvPicPr>
+          <p:cNvPr id="4" name="그림 3">
+            <a:extLst>
+              <a:ext uri="{FF2B5EF4-FFF2-40B4-BE49-F238E27FC236}">
+                <a16:creationId xmlns:a16="http://schemas.microsoft.com/office/drawing/2014/main" id="{9AA1425E-456C-765B-8AEA-6C2D1FCA7AA3}"/>
+              </a:ext>
+            </a:extLst>
+          </p:cNvPr>
+          <p:cNvPicPr>
+            <a:picLocks noChangeAspect="1"/>
+          </p:cNvPicPr>
           <p:nvPr/>
-        </p:nvSpPr>
+        </p:nvPicPr>
+        <p:blipFill>
+          <a:blip r:embed="rId7">
+            <a:extLst>
+              <a:ext uri="{28A0092B-C50C-407E-A947-70E740481C1C}">
+                <a14:useLocalDpi xmlns:a14="http://schemas.microsoft.com/office/drawing/2010/main" val="0"/>
+              </a:ext>
+            </a:extLst>
+          </a:blip>
+          <a:stretch>
+            <a:fillRect/>
+          </a:stretch>
+        </p:blipFill>
         <p:spPr>
           <a:xfrm>
-            <a:off x="3810000" y="1953220"/>
-            <a:ext cx="4571996" cy="590550"/>
+            <a:off x="3663483" y="1760371"/>
+            <a:ext cx="4865030" cy="1072989"/>
           </a:xfrm>
-          <a:prstGeom prst="roundRect">
+          <a:prstGeom prst="rect">
             <a:avLst/>
           </a:prstGeom>
-          <a:noFill/>
-          <a:ln>
-            <a:noFill/>
-          </a:ln>
         </p:spPr>
-        <p:style>
-          <a:lnRef idx="2">
-            <a:schemeClr val="accent1">
-              <a:shade val="15000"/>
-            </a:schemeClr>
-          </a:lnRef>
-          <a:fillRef idx="1">
-            <a:schemeClr val="accent1"/>
-          </a:fillRef>
-          <a:effectRef idx="0">
-            <a:schemeClr val="accent1"/>
-          </a:effectRef>
-          <a:fontRef idx="minor">
-            <a:schemeClr val="lt1"/>
-          </a:fontRef>
-        </p:style>
-        <p:txBody>
-          <a:bodyPr lIns="0" tIns="0" rIns="0" bIns="0" rtlCol="0" anchor="ctr"/>
-          <a:lstStyle/>
-          <a:p>
-            <a:pPr algn="ctr"/>
-            <a:r>
-              <a:rPr lang="en-US" altLang="ko-KR" sz="4000" dirty="0">
-                <a:solidFill>
-                  <a:schemeClr val="bg1"/>
-                </a:solidFill>
-                <a:latin typeface="DS-Digital" pitchFamily="2" charset="0"/>
-                <a:ea typeface="나눔스퀘어 ExtraBold" panose="020B0600000101010101" pitchFamily="50" charset="-127"/>
-              </a:rPr>
-              <a:t>+congratulations+</a:t>
-            </a:r>
-            <a:endParaRPr lang="ko-KR" altLang="en-US" sz="4000" dirty="0">
-              <a:solidFill>
-                <a:schemeClr val="bg1"/>
-              </a:solidFill>
-              <a:latin typeface="DS-Digital" pitchFamily="2" charset="0"/>
-              <a:ea typeface="나눔스퀘어 ExtraBold" panose="020B0600000101010101" pitchFamily="50" charset="-127"/>
-            </a:endParaRPr>
-          </a:p>
-        </p:txBody>
-      </p:sp>
+      </p:pic>
     </p:spTree>
     <p:extLst>
       <p:ext uri="{BB962C8B-B14F-4D97-AF65-F5344CB8AC3E}">

--- a/Client/PvE/REVENGER/UI/XDUI/UI.pptx
+++ b/Client/PvE/REVENGER/UI/XDUI/UI.pptx
@@ -268,7 +268,7 @@
           <a:p>
             <a:fld id="{E54CAA87-A1E0-4A2A-8255-07B10906445F}" type="datetimeFigureOut">
               <a:rPr lang="ko-KR" altLang="en-US" smtClean="0"/>
-              <a:t>2023-07-25</a:t>
+              <a:t>2023-07-26</a:t>
             </a:fld>
             <a:endParaRPr lang="ko-KR" altLang="en-US"/>
           </a:p>
@@ -466,7 +466,7 @@
           <a:p>
             <a:fld id="{E54CAA87-A1E0-4A2A-8255-07B10906445F}" type="datetimeFigureOut">
               <a:rPr lang="ko-KR" altLang="en-US" smtClean="0"/>
-              <a:t>2023-07-25</a:t>
+              <a:t>2023-07-26</a:t>
             </a:fld>
             <a:endParaRPr lang="ko-KR" altLang="en-US"/>
           </a:p>
@@ -674,7 +674,7 @@
           <a:p>
             <a:fld id="{E54CAA87-A1E0-4A2A-8255-07B10906445F}" type="datetimeFigureOut">
               <a:rPr lang="ko-KR" altLang="en-US" smtClean="0"/>
-              <a:t>2023-07-25</a:t>
+              <a:t>2023-07-26</a:t>
             </a:fld>
             <a:endParaRPr lang="ko-KR" altLang="en-US"/>
           </a:p>
@@ -872,7 +872,7 @@
           <a:p>
             <a:fld id="{E54CAA87-A1E0-4A2A-8255-07B10906445F}" type="datetimeFigureOut">
               <a:rPr lang="ko-KR" altLang="en-US" smtClean="0"/>
-              <a:t>2023-07-25</a:t>
+              <a:t>2023-07-26</a:t>
             </a:fld>
             <a:endParaRPr lang="ko-KR" altLang="en-US"/>
           </a:p>
@@ -1147,7 +1147,7 @@
           <a:p>
             <a:fld id="{E54CAA87-A1E0-4A2A-8255-07B10906445F}" type="datetimeFigureOut">
               <a:rPr lang="ko-KR" altLang="en-US" smtClean="0"/>
-              <a:t>2023-07-25</a:t>
+              <a:t>2023-07-26</a:t>
             </a:fld>
             <a:endParaRPr lang="ko-KR" altLang="en-US"/>
           </a:p>
@@ -1412,7 +1412,7 @@
           <a:p>
             <a:fld id="{E54CAA87-A1E0-4A2A-8255-07B10906445F}" type="datetimeFigureOut">
               <a:rPr lang="ko-KR" altLang="en-US" smtClean="0"/>
-              <a:t>2023-07-25</a:t>
+              <a:t>2023-07-26</a:t>
             </a:fld>
             <a:endParaRPr lang="ko-KR" altLang="en-US"/>
           </a:p>
@@ -1824,7 +1824,7 @@
           <a:p>
             <a:fld id="{E54CAA87-A1E0-4A2A-8255-07B10906445F}" type="datetimeFigureOut">
               <a:rPr lang="ko-KR" altLang="en-US" smtClean="0"/>
-              <a:t>2023-07-25</a:t>
+              <a:t>2023-07-26</a:t>
             </a:fld>
             <a:endParaRPr lang="ko-KR" altLang="en-US"/>
           </a:p>
@@ -1965,7 +1965,7 @@
           <a:p>
             <a:fld id="{E54CAA87-A1E0-4A2A-8255-07B10906445F}" type="datetimeFigureOut">
               <a:rPr lang="ko-KR" altLang="en-US" smtClean="0"/>
-              <a:t>2023-07-25</a:t>
+              <a:t>2023-07-26</a:t>
             </a:fld>
             <a:endParaRPr lang="ko-KR" altLang="en-US"/>
           </a:p>
@@ -2078,7 +2078,7 @@
           <a:p>
             <a:fld id="{E54CAA87-A1E0-4A2A-8255-07B10906445F}" type="datetimeFigureOut">
               <a:rPr lang="ko-KR" altLang="en-US" smtClean="0"/>
-              <a:t>2023-07-25</a:t>
+              <a:t>2023-07-26</a:t>
             </a:fld>
             <a:endParaRPr lang="ko-KR" altLang="en-US"/>
           </a:p>
@@ -2389,7 +2389,7 @@
           <a:p>
             <a:fld id="{E54CAA87-A1E0-4A2A-8255-07B10906445F}" type="datetimeFigureOut">
               <a:rPr lang="ko-KR" altLang="en-US" smtClean="0"/>
-              <a:t>2023-07-25</a:t>
+              <a:t>2023-07-26</a:t>
             </a:fld>
             <a:endParaRPr lang="ko-KR" altLang="en-US"/>
           </a:p>
@@ -2677,7 +2677,7 @@
           <a:p>
             <a:fld id="{E54CAA87-A1E0-4A2A-8255-07B10906445F}" type="datetimeFigureOut">
               <a:rPr lang="ko-KR" altLang="en-US" smtClean="0"/>
-              <a:t>2023-07-25</a:t>
+              <a:t>2023-07-26</a:t>
             </a:fld>
             <a:endParaRPr lang="ko-KR" altLang="en-US"/>
           </a:p>
@@ -2918,7 +2918,7 @@
           <a:p>
             <a:fld id="{E54CAA87-A1E0-4A2A-8255-07B10906445F}" type="datetimeFigureOut">
               <a:rPr lang="ko-KR" altLang="en-US" smtClean="0"/>
-              <a:t>2023-07-25</a:t>
+              <a:t>2023-07-26</a:t>
             </a:fld>
             <a:endParaRPr lang="ko-KR" altLang="en-US"/>
           </a:p>
@@ -7669,6 +7669,108 @@
           </a:prstGeom>
         </p:spPr>
       </p:pic>
+      <p:sp>
+        <p:nvSpPr>
+          <p:cNvPr id="13" name="사각형: 둥근 모서리 12">
+            <a:extLst>
+              <a:ext uri="{FF2B5EF4-FFF2-40B4-BE49-F238E27FC236}">
+                <a16:creationId xmlns:a16="http://schemas.microsoft.com/office/drawing/2014/main" id="{BD1B6D3B-CC6D-9F6F-C05E-C4D7E20E1DD2}"/>
+              </a:ext>
+            </a:extLst>
+          </p:cNvPr>
+          <p:cNvSpPr/>
+          <p:nvPr/>
+        </p:nvSpPr>
+        <p:spPr>
+          <a:xfrm>
+            <a:off x="12472669" y="5373037"/>
+            <a:ext cx="305953" cy="305857"/>
+          </a:xfrm>
+          <a:prstGeom prst="roundRect">
+            <a:avLst/>
+          </a:prstGeom>
+          <a:noFill/>
+          <a:ln>
+            <a:noFill/>
+          </a:ln>
+        </p:spPr>
+        <p:style>
+          <a:lnRef idx="2">
+            <a:schemeClr val="accent1">
+              <a:shade val="15000"/>
+            </a:schemeClr>
+          </a:lnRef>
+          <a:fillRef idx="1">
+            <a:schemeClr val="accent1"/>
+          </a:fillRef>
+          <a:effectRef idx="0">
+            <a:schemeClr val="accent1"/>
+          </a:effectRef>
+          <a:fontRef idx="minor">
+            <a:schemeClr val="lt1"/>
+          </a:fontRef>
+        </p:style>
+        <p:txBody>
+          <a:bodyPr rtlCol="0" anchor="ctr"/>
+          <a:lstStyle/>
+          <a:p>
+            <a:pPr algn="ctr"/>
+            <a:r>
+              <a:rPr lang="en-US" altLang="ko-KR" sz="4000" dirty="0">
+                <a:solidFill>
+                  <a:schemeClr val="bg1"/>
+                </a:solidFill>
+                <a:latin typeface="DS-Digital" pitchFamily="2" charset="0"/>
+                <a:ea typeface="나눔스퀘어 ExtraBold" panose="020B0600000101010101" pitchFamily="50" charset="-127"/>
+              </a:rPr>
+              <a:t>&gt;</a:t>
+            </a:r>
+            <a:endParaRPr lang="ko-KR" altLang="en-US" sz="4000" dirty="0">
+              <a:solidFill>
+                <a:schemeClr val="bg1"/>
+              </a:solidFill>
+              <a:latin typeface="DS-Digital" pitchFamily="2" charset="0"/>
+              <a:ea typeface="나눔스퀘어 ExtraBold" panose="020B0600000101010101" pitchFamily="50" charset="-127"/>
+            </a:endParaRPr>
+          </a:p>
+        </p:txBody>
+      </p:sp>
+      <p:pic>
+        <p:nvPicPr>
+          <p:cNvPr id="16" name="그림 15">
+            <a:extLst>
+              <a:ext uri="{FF2B5EF4-FFF2-40B4-BE49-F238E27FC236}">
+                <a16:creationId xmlns:a16="http://schemas.microsoft.com/office/drawing/2014/main" id="{1D361BD3-4AC6-726C-F765-02A19507AC35}"/>
+              </a:ext>
+            </a:extLst>
+          </p:cNvPr>
+          <p:cNvPicPr>
+            <a:picLocks noChangeAspect="1"/>
+          </p:cNvPicPr>
+          <p:nvPr/>
+        </p:nvPicPr>
+        <p:blipFill>
+          <a:blip r:embed="rId11">
+            <a:extLst>
+              <a:ext uri="{28A0092B-C50C-407E-A947-70E740481C1C}">
+                <a14:useLocalDpi xmlns:a14="http://schemas.microsoft.com/office/drawing/2010/main" val="0"/>
+              </a:ext>
+            </a:extLst>
+          </a:blip>
+          <a:stretch>
+            <a:fillRect/>
+          </a:stretch>
+        </p:blipFill>
+        <p:spPr>
+          <a:xfrm>
+            <a:off x="-1003217" y="995797"/>
+            <a:ext cx="792549" cy="1072989"/>
+          </a:xfrm>
+          <a:prstGeom prst="rect">
+            <a:avLst/>
+          </a:prstGeom>
+        </p:spPr>
+      </p:pic>
     </p:spTree>
     <p:extLst>
       <p:ext uri="{BB962C8B-B14F-4D97-AF65-F5344CB8AC3E}">

--- a/Client/PvE/REVENGER/UI/XDUI/UI.pptx
+++ b/Client/PvE/REVENGER/UI/XDUI/UI.pptx
@@ -268,7 +268,7 @@
           <a:p>
             <a:fld id="{E54CAA87-A1E0-4A2A-8255-07B10906445F}" type="datetimeFigureOut">
               <a:rPr lang="ko-KR" altLang="en-US" smtClean="0"/>
-              <a:t>2023-07-26</a:t>
+              <a:t>2023-07-27</a:t>
             </a:fld>
             <a:endParaRPr lang="ko-KR" altLang="en-US"/>
           </a:p>
@@ -466,7 +466,7 @@
           <a:p>
             <a:fld id="{E54CAA87-A1E0-4A2A-8255-07B10906445F}" type="datetimeFigureOut">
               <a:rPr lang="ko-KR" altLang="en-US" smtClean="0"/>
-              <a:t>2023-07-26</a:t>
+              <a:t>2023-07-27</a:t>
             </a:fld>
             <a:endParaRPr lang="ko-KR" altLang="en-US"/>
           </a:p>
@@ -674,7 +674,7 @@
           <a:p>
             <a:fld id="{E54CAA87-A1E0-4A2A-8255-07B10906445F}" type="datetimeFigureOut">
               <a:rPr lang="ko-KR" altLang="en-US" smtClean="0"/>
-              <a:t>2023-07-26</a:t>
+              <a:t>2023-07-27</a:t>
             </a:fld>
             <a:endParaRPr lang="ko-KR" altLang="en-US"/>
           </a:p>
@@ -872,7 +872,7 @@
           <a:p>
             <a:fld id="{E54CAA87-A1E0-4A2A-8255-07B10906445F}" type="datetimeFigureOut">
               <a:rPr lang="ko-KR" altLang="en-US" smtClean="0"/>
-              <a:t>2023-07-26</a:t>
+              <a:t>2023-07-27</a:t>
             </a:fld>
             <a:endParaRPr lang="ko-KR" altLang="en-US"/>
           </a:p>
@@ -1147,7 +1147,7 @@
           <a:p>
             <a:fld id="{E54CAA87-A1E0-4A2A-8255-07B10906445F}" type="datetimeFigureOut">
               <a:rPr lang="ko-KR" altLang="en-US" smtClean="0"/>
-              <a:t>2023-07-26</a:t>
+              <a:t>2023-07-27</a:t>
             </a:fld>
             <a:endParaRPr lang="ko-KR" altLang="en-US"/>
           </a:p>
@@ -1412,7 +1412,7 @@
           <a:p>
             <a:fld id="{E54CAA87-A1E0-4A2A-8255-07B10906445F}" type="datetimeFigureOut">
               <a:rPr lang="ko-KR" altLang="en-US" smtClean="0"/>
-              <a:t>2023-07-26</a:t>
+              <a:t>2023-07-27</a:t>
             </a:fld>
             <a:endParaRPr lang="ko-KR" altLang="en-US"/>
           </a:p>
@@ -1824,7 +1824,7 @@
           <a:p>
             <a:fld id="{E54CAA87-A1E0-4A2A-8255-07B10906445F}" type="datetimeFigureOut">
               <a:rPr lang="ko-KR" altLang="en-US" smtClean="0"/>
-              <a:t>2023-07-26</a:t>
+              <a:t>2023-07-27</a:t>
             </a:fld>
             <a:endParaRPr lang="ko-KR" altLang="en-US"/>
           </a:p>
@@ -1965,7 +1965,7 @@
           <a:p>
             <a:fld id="{E54CAA87-A1E0-4A2A-8255-07B10906445F}" type="datetimeFigureOut">
               <a:rPr lang="ko-KR" altLang="en-US" smtClean="0"/>
-              <a:t>2023-07-26</a:t>
+              <a:t>2023-07-27</a:t>
             </a:fld>
             <a:endParaRPr lang="ko-KR" altLang="en-US"/>
           </a:p>
@@ -2078,7 +2078,7 @@
           <a:p>
             <a:fld id="{E54CAA87-A1E0-4A2A-8255-07B10906445F}" type="datetimeFigureOut">
               <a:rPr lang="ko-KR" altLang="en-US" smtClean="0"/>
-              <a:t>2023-07-26</a:t>
+              <a:t>2023-07-27</a:t>
             </a:fld>
             <a:endParaRPr lang="ko-KR" altLang="en-US"/>
           </a:p>
@@ -2389,7 +2389,7 @@
           <a:p>
             <a:fld id="{E54CAA87-A1E0-4A2A-8255-07B10906445F}" type="datetimeFigureOut">
               <a:rPr lang="ko-KR" altLang="en-US" smtClean="0"/>
-              <a:t>2023-07-26</a:t>
+              <a:t>2023-07-27</a:t>
             </a:fld>
             <a:endParaRPr lang="ko-KR" altLang="en-US"/>
           </a:p>
@@ -2677,7 +2677,7 @@
           <a:p>
             <a:fld id="{E54CAA87-A1E0-4A2A-8255-07B10906445F}" type="datetimeFigureOut">
               <a:rPr lang="ko-KR" altLang="en-US" smtClean="0"/>
-              <a:t>2023-07-26</a:t>
+              <a:t>2023-07-27</a:t>
             </a:fld>
             <a:endParaRPr lang="ko-KR" altLang="en-US"/>
           </a:p>
@@ -2918,7 +2918,7 @@
           <a:p>
             <a:fld id="{E54CAA87-A1E0-4A2A-8255-07B10906445F}" type="datetimeFigureOut">
               <a:rPr lang="ko-KR" altLang="en-US" smtClean="0"/>
-              <a:t>2023-07-26</a:t>
+              <a:t>2023-07-27</a:t>
             </a:fld>
             <a:endParaRPr lang="ko-KR" altLang="en-US"/>
           </a:p>
@@ -17718,44 +17718,14 @@
             <a:p>
               <a:pPr algn="ctr"/>
               <a:r>
-                <a:rPr lang="ko-KR" altLang="en-US" sz="2400" dirty="0">
+                <a:rPr lang="en-US" altLang="ko-KR" sz="2400">
                   <a:solidFill>
                     <a:schemeClr val="bg1"/>
                   </a:solidFill>
                   <a:latin typeface="에스코어 드림 2 ExtraLight" panose="020B0203030302020204" pitchFamily="34" charset="-127"/>
                   <a:ea typeface="에스코어 드림 2 ExtraLight" panose="020B0203030302020204" pitchFamily="34" charset="-127"/>
                 </a:rPr>
-                <a:t>인</a:t>
-              </a:r>
-              <a:r>
-                <a:rPr lang="en-US" altLang="ko-KR" sz="2400" dirty="0">
-                  <a:solidFill>
-                    <a:schemeClr val="bg1"/>
-                  </a:solidFill>
-                  <a:latin typeface="에스코어 드림 2 ExtraLight" panose="020B0203030302020204" pitchFamily="34" charset="-127"/>
-                  <a:ea typeface="에스코어 드림 2 ExtraLight" panose="020B0203030302020204" pitchFamily="34" charset="-127"/>
-                </a:rPr>
-                <a:t>-</a:t>
-              </a:r>
-              <a:r>
-                <a:rPr lang="ko-KR" altLang="en-US" sz="2400" dirty="0">
-                  <a:solidFill>
-                    <a:schemeClr val="bg1"/>
-                  </a:solidFill>
-                  <a:latin typeface="에스코어 드림 2 ExtraLight" panose="020B0203030302020204" pitchFamily="34" charset="-127"/>
-                  <a:ea typeface="에스코어 드림 2 ExtraLight" panose="020B0203030302020204" pitchFamily="34" charset="-127"/>
-                </a:rPr>
-                <a:t>게임으로 진입합니다</a:t>
-              </a:r>
-              <a:r>
-                <a:rPr lang="en-US" altLang="ko-KR" sz="2400" dirty="0">
-                  <a:solidFill>
-                    <a:schemeClr val="bg1"/>
-                  </a:solidFill>
-                  <a:latin typeface="에스코어 드림 2 ExtraLight" panose="020B0203030302020204" pitchFamily="34" charset="-127"/>
-                  <a:ea typeface="에스코어 드림 2 ExtraLight" panose="020B0203030302020204" pitchFamily="34" charset="-127"/>
-                </a:rPr>
-                <a:t>.</a:t>
+                <a:t>Loading…</a:t>
               </a:r>
               <a:endParaRPr lang="ko-KR" altLang="en-US" sz="2400" dirty="0">
                 <a:solidFill>

--- a/Client/PvE/REVENGER/UI/XDUI/UI.pptx
+++ b/Client/PvE/REVENGER/UI/XDUI/UI.pptx
@@ -268,7 +268,7 @@
           <a:p>
             <a:fld id="{E54CAA87-A1E0-4A2A-8255-07B10906445F}" type="datetimeFigureOut">
               <a:rPr lang="ko-KR" altLang="en-US" smtClean="0"/>
-              <a:t>2023-07-27</a:t>
+              <a:t>2023-07-28</a:t>
             </a:fld>
             <a:endParaRPr lang="ko-KR" altLang="en-US"/>
           </a:p>
@@ -466,7 +466,7 @@
           <a:p>
             <a:fld id="{E54CAA87-A1E0-4A2A-8255-07B10906445F}" type="datetimeFigureOut">
               <a:rPr lang="ko-KR" altLang="en-US" smtClean="0"/>
-              <a:t>2023-07-27</a:t>
+              <a:t>2023-07-28</a:t>
             </a:fld>
             <a:endParaRPr lang="ko-KR" altLang="en-US"/>
           </a:p>
@@ -674,7 +674,7 @@
           <a:p>
             <a:fld id="{E54CAA87-A1E0-4A2A-8255-07B10906445F}" type="datetimeFigureOut">
               <a:rPr lang="ko-KR" altLang="en-US" smtClean="0"/>
-              <a:t>2023-07-27</a:t>
+              <a:t>2023-07-28</a:t>
             </a:fld>
             <a:endParaRPr lang="ko-KR" altLang="en-US"/>
           </a:p>
@@ -872,7 +872,7 @@
           <a:p>
             <a:fld id="{E54CAA87-A1E0-4A2A-8255-07B10906445F}" type="datetimeFigureOut">
               <a:rPr lang="ko-KR" altLang="en-US" smtClean="0"/>
-              <a:t>2023-07-27</a:t>
+              <a:t>2023-07-28</a:t>
             </a:fld>
             <a:endParaRPr lang="ko-KR" altLang="en-US"/>
           </a:p>
@@ -1147,7 +1147,7 @@
           <a:p>
             <a:fld id="{E54CAA87-A1E0-4A2A-8255-07B10906445F}" type="datetimeFigureOut">
               <a:rPr lang="ko-KR" altLang="en-US" smtClean="0"/>
-              <a:t>2023-07-27</a:t>
+              <a:t>2023-07-28</a:t>
             </a:fld>
             <a:endParaRPr lang="ko-KR" altLang="en-US"/>
           </a:p>
@@ -1412,7 +1412,7 @@
           <a:p>
             <a:fld id="{E54CAA87-A1E0-4A2A-8255-07B10906445F}" type="datetimeFigureOut">
               <a:rPr lang="ko-KR" altLang="en-US" smtClean="0"/>
-              <a:t>2023-07-27</a:t>
+              <a:t>2023-07-28</a:t>
             </a:fld>
             <a:endParaRPr lang="ko-KR" altLang="en-US"/>
           </a:p>
@@ -1824,7 +1824,7 @@
           <a:p>
             <a:fld id="{E54CAA87-A1E0-4A2A-8255-07B10906445F}" type="datetimeFigureOut">
               <a:rPr lang="ko-KR" altLang="en-US" smtClean="0"/>
-              <a:t>2023-07-27</a:t>
+              <a:t>2023-07-28</a:t>
             </a:fld>
             <a:endParaRPr lang="ko-KR" altLang="en-US"/>
           </a:p>
@@ -1965,7 +1965,7 @@
           <a:p>
             <a:fld id="{E54CAA87-A1E0-4A2A-8255-07B10906445F}" type="datetimeFigureOut">
               <a:rPr lang="ko-KR" altLang="en-US" smtClean="0"/>
-              <a:t>2023-07-27</a:t>
+              <a:t>2023-07-28</a:t>
             </a:fld>
             <a:endParaRPr lang="ko-KR" altLang="en-US"/>
           </a:p>
@@ -2078,7 +2078,7 @@
           <a:p>
             <a:fld id="{E54CAA87-A1E0-4A2A-8255-07B10906445F}" type="datetimeFigureOut">
               <a:rPr lang="ko-KR" altLang="en-US" smtClean="0"/>
-              <a:t>2023-07-27</a:t>
+              <a:t>2023-07-28</a:t>
             </a:fld>
             <a:endParaRPr lang="ko-KR" altLang="en-US"/>
           </a:p>
@@ -2389,7 +2389,7 @@
           <a:p>
             <a:fld id="{E54CAA87-A1E0-4A2A-8255-07B10906445F}" type="datetimeFigureOut">
               <a:rPr lang="ko-KR" altLang="en-US" smtClean="0"/>
-              <a:t>2023-07-27</a:t>
+              <a:t>2023-07-28</a:t>
             </a:fld>
             <a:endParaRPr lang="ko-KR" altLang="en-US"/>
           </a:p>
@@ -2677,7 +2677,7 @@
           <a:p>
             <a:fld id="{E54CAA87-A1E0-4A2A-8255-07B10906445F}" type="datetimeFigureOut">
               <a:rPr lang="ko-KR" altLang="en-US" smtClean="0"/>
-              <a:t>2023-07-27</a:t>
+              <a:t>2023-07-28</a:t>
             </a:fld>
             <a:endParaRPr lang="ko-KR" altLang="en-US"/>
           </a:p>
@@ -2918,7 +2918,7 @@
           <a:p>
             <a:fld id="{E54CAA87-A1E0-4A2A-8255-07B10906445F}" type="datetimeFigureOut">
               <a:rPr lang="ko-KR" altLang="en-US" smtClean="0"/>
-              <a:t>2023-07-27</a:t>
+              <a:t>2023-07-28</a:t>
             </a:fld>
             <a:endParaRPr lang="ko-KR" altLang="en-US"/>
           </a:p>
@@ -12811,7 +12811,7 @@
         </p:nvSpPr>
         <p:spPr>
           <a:xfrm>
-            <a:off x="10555824" y="2202999"/>
+            <a:off x="9517158" y="2047667"/>
             <a:ext cx="2261066" cy="3435804"/>
           </a:xfrm>
           <a:prstGeom prst="rect">
@@ -12843,12 +12843,186 @@
           </a:p>
         </p:txBody>
       </p:sp>
+      <p:sp>
+        <p:nvSpPr>
+          <p:cNvPr id="16" name="직사각형 15">
+            <a:extLst>
+              <a:ext uri="{FF2B5EF4-FFF2-40B4-BE49-F238E27FC236}">
+                <a16:creationId xmlns:a16="http://schemas.microsoft.com/office/drawing/2014/main" id="{50AC6EEE-E39B-59C7-A6C5-EED6E0AE273B}"/>
+              </a:ext>
+            </a:extLst>
+          </p:cNvPr>
+          <p:cNvSpPr/>
+          <p:nvPr/>
+        </p:nvSpPr>
+        <p:spPr>
+          <a:xfrm>
+            <a:off x="12661122" y="2123766"/>
+            <a:ext cx="1479743" cy="305719"/>
+          </a:xfrm>
+          <a:prstGeom prst="rect">
+            <a:avLst/>
+          </a:prstGeom>
+          <a:noFill/>
+          <a:ln>
+            <a:noFill/>
+          </a:ln>
+        </p:spPr>
+        <p:style>
+          <a:lnRef idx="2">
+            <a:schemeClr val="accent1">
+              <a:shade val="15000"/>
+            </a:schemeClr>
+          </a:lnRef>
+          <a:fillRef idx="1">
+            <a:schemeClr val="accent1"/>
+          </a:fillRef>
+          <a:effectRef idx="0">
+            <a:schemeClr val="accent1"/>
+          </a:effectRef>
+          <a:fontRef idx="minor">
+            <a:schemeClr val="lt1"/>
+          </a:fontRef>
+        </p:style>
+        <p:txBody>
+          <a:bodyPr lIns="0" tIns="0" rIns="0" bIns="0" rtlCol="0" anchor="ctr"/>
+          <a:lstStyle/>
+          <a:p>
+            <a:pPr algn="ctr"/>
+            <a:r>
+              <a:rPr lang="ko-KR" altLang="en-US" sz="1400" dirty="0">
+                <a:latin typeface="나눔스퀘어 Bold" panose="020B0600000101010101" pitchFamily="50" charset="-127"/>
+                <a:ea typeface="나눔스퀘어 Bold" panose="020B0600000101010101" pitchFamily="50" charset="-127"/>
+              </a:rPr>
+              <a:t>준비 대기</a:t>
+            </a:r>
+          </a:p>
+        </p:txBody>
+      </p:sp>
+      <p:sp>
+        <p:nvSpPr>
+          <p:cNvPr id="17" name="직사각형 16">
+            <a:extLst>
+              <a:ext uri="{FF2B5EF4-FFF2-40B4-BE49-F238E27FC236}">
+                <a16:creationId xmlns:a16="http://schemas.microsoft.com/office/drawing/2014/main" id="{FB2BA626-0FBE-5595-8C18-82D1C138983B}"/>
+              </a:ext>
+            </a:extLst>
+          </p:cNvPr>
+          <p:cNvSpPr/>
+          <p:nvPr/>
+        </p:nvSpPr>
+        <p:spPr>
+          <a:xfrm>
+            <a:off x="12661123" y="2429485"/>
+            <a:ext cx="1479742" cy="305719"/>
+          </a:xfrm>
+          <a:prstGeom prst="rect">
+            <a:avLst/>
+          </a:prstGeom>
+          <a:noFill/>
+          <a:ln>
+            <a:noFill/>
+          </a:ln>
+        </p:spPr>
+        <p:style>
+          <a:lnRef idx="2">
+            <a:schemeClr val="accent1">
+              <a:shade val="15000"/>
+            </a:schemeClr>
+          </a:lnRef>
+          <a:fillRef idx="1">
+            <a:schemeClr val="accent1"/>
+          </a:fillRef>
+          <a:effectRef idx="0">
+            <a:schemeClr val="accent1"/>
+          </a:effectRef>
+          <a:fontRef idx="minor">
+            <a:schemeClr val="lt1"/>
+          </a:fontRef>
+        </p:style>
+        <p:txBody>
+          <a:bodyPr lIns="0" tIns="0" rIns="0" bIns="0" rtlCol="0" anchor="ctr"/>
+          <a:lstStyle/>
+          <a:p>
+            <a:pPr algn="ctr"/>
+            <a:r>
+              <a:rPr lang="ko-KR" altLang="en-US" sz="1400" dirty="0">
+                <a:solidFill>
+                  <a:srgbClr val="C00000"/>
+                </a:solidFill>
+                <a:latin typeface="나눔스퀘어 Bold" panose="020B0600000101010101" pitchFamily="50" charset="-127"/>
+                <a:ea typeface="나눔스퀘어 Bold" panose="020B0600000101010101" pitchFamily="50" charset="-127"/>
+              </a:rPr>
+              <a:t>정원 초과</a:t>
+            </a:r>
+          </a:p>
+        </p:txBody>
+      </p:sp>
+      <p:sp>
+        <p:nvSpPr>
+          <p:cNvPr id="18" name="직사각형 17">
+            <a:extLst>
+              <a:ext uri="{FF2B5EF4-FFF2-40B4-BE49-F238E27FC236}">
+                <a16:creationId xmlns:a16="http://schemas.microsoft.com/office/drawing/2014/main" id="{1AC402F7-CBB7-E81D-7636-E63B8F3DA970}"/>
+              </a:ext>
+            </a:extLst>
+          </p:cNvPr>
+          <p:cNvSpPr/>
+          <p:nvPr/>
+        </p:nvSpPr>
+        <p:spPr>
+          <a:xfrm>
+            <a:off x="12661122" y="2735204"/>
+            <a:ext cx="1479741" cy="305719"/>
+          </a:xfrm>
+          <a:prstGeom prst="rect">
+            <a:avLst/>
+          </a:prstGeom>
+          <a:noFill/>
+          <a:ln>
+            <a:noFill/>
+          </a:ln>
+        </p:spPr>
+        <p:style>
+          <a:lnRef idx="2">
+            <a:schemeClr val="accent1">
+              <a:shade val="15000"/>
+            </a:schemeClr>
+          </a:lnRef>
+          <a:fillRef idx="1">
+            <a:schemeClr val="accent1"/>
+          </a:fillRef>
+          <a:effectRef idx="0">
+            <a:schemeClr val="accent1"/>
+          </a:effectRef>
+          <a:fontRef idx="minor">
+            <a:schemeClr val="lt1"/>
+          </a:fontRef>
+        </p:style>
+        <p:txBody>
+          <a:bodyPr lIns="0" tIns="0" rIns="0" bIns="0" rtlCol="0" anchor="ctr"/>
+          <a:lstStyle/>
+          <a:p>
+            <a:pPr algn="ctr"/>
+            <a:r>
+              <a:rPr lang="ko-KR" altLang="en-US" sz="1400" dirty="0">
+                <a:solidFill>
+                  <a:srgbClr val="00B0F0"/>
+                </a:solidFill>
+                <a:latin typeface="나눔스퀘어 Bold" panose="020B0600000101010101" pitchFamily="50" charset="-127"/>
+                <a:ea typeface="나눔스퀘어 Bold" panose="020B0600000101010101" pitchFamily="50" charset="-127"/>
+              </a:rPr>
+              <a:t>게임 중</a:t>
+            </a:r>
+          </a:p>
+        </p:txBody>
+      </p:sp>
       <p:grpSp>
         <p:nvGrpSpPr>
-          <p:cNvPr id="23" name="그룹 22">
-            <a:extLst>
-              <a:ext uri="{FF2B5EF4-FFF2-40B4-BE49-F238E27FC236}">
-                <a16:creationId xmlns:a16="http://schemas.microsoft.com/office/drawing/2014/main" id="{3D2FF170-75A0-C188-A6BF-BE6772252C66}"/>
+          <p:cNvPr id="24" name="그룹 23">
+            <a:extLst>
+              <a:ext uri="{FF2B5EF4-FFF2-40B4-BE49-F238E27FC236}">
+                <a16:creationId xmlns:a16="http://schemas.microsoft.com/office/drawing/2014/main" id="{D7A11F18-DA15-C1CE-D46A-431DC5066AC2}"/>
               </a:ext>
             </a:extLst>
           </p:cNvPr>
@@ -12857,18 +13031,18 @@
         </p:nvGrpSpPr>
         <p:grpSpPr>
           <a:xfrm>
-            <a:off x="11337147" y="2202999"/>
-            <a:ext cx="1479743" cy="917157"/>
-            <a:chOff x="11337147" y="2202999"/>
-            <a:chExt cx="1479743" cy="917157"/>
+            <a:off x="13080049" y="3286676"/>
+            <a:ext cx="388077" cy="542412"/>
+            <a:chOff x="10603448" y="3435484"/>
+            <a:chExt cx="914400" cy="542412"/>
           </a:xfrm>
         </p:grpSpPr>
         <p:sp>
           <p:nvSpPr>
-            <p:cNvPr id="16" name="직사각형 15">
+            <p:cNvPr id="19" name="직사각형 18">
               <a:extLst>
                 <a:ext uri="{FF2B5EF4-FFF2-40B4-BE49-F238E27FC236}">
-                  <a16:creationId xmlns:a16="http://schemas.microsoft.com/office/drawing/2014/main" id="{50AC6EEE-E39B-59C7-A6C5-EED6E0AE273B}"/>
+                  <a16:creationId xmlns:a16="http://schemas.microsoft.com/office/drawing/2014/main" id="{3397E75D-79DE-AB48-CEA0-C129B0401286}"/>
                 </a:ext>
               </a:extLst>
             </p:cNvPr>
@@ -12877,8 +13051,8 @@
           </p:nvSpPr>
           <p:spPr>
             <a:xfrm>
-              <a:off x="11337147" y="2202999"/>
-              <a:ext cx="1479743" cy="305719"/>
+              <a:off x="10603448" y="3435484"/>
+              <a:ext cx="914400" cy="177240"/>
             </a:xfrm>
             <a:prstGeom prst="rect">
               <a:avLst/>
@@ -12905,202 +13079,7 @@
             </a:fontRef>
           </p:style>
           <p:txBody>
-            <a:bodyPr rtlCol="0" anchor="ctr"/>
-            <a:lstStyle/>
-            <a:p>
-              <a:pPr algn="ctr"/>
-              <a:r>
-                <a:rPr lang="ko-KR" altLang="en-US" sz="1400" dirty="0">
-                  <a:latin typeface="나눔스퀘어 Bold" panose="020B0600000101010101" pitchFamily="50" charset="-127"/>
-                  <a:ea typeface="나눔스퀘어 Bold" panose="020B0600000101010101" pitchFamily="50" charset="-127"/>
-                </a:rPr>
-                <a:t>준비 대기</a:t>
-              </a:r>
-            </a:p>
-          </p:txBody>
-        </p:sp>
-        <p:sp>
-          <p:nvSpPr>
-            <p:cNvPr id="17" name="직사각형 16">
-              <a:extLst>
-                <a:ext uri="{FF2B5EF4-FFF2-40B4-BE49-F238E27FC236}">
-                  <a16:creationId xmlns:a16="http://schemas.microsoft.com/office/drawing/2014/main" id="{FB2BA626-0FBE-5595-8C18-82D1C138983B}"/>
-                </a:ext>
-              </a:extLst>
-            </p:cNvPr>
-            <p:cNvSpPr/>
-            <p:nvPr/>
-          </p:nvSpPr>
-          <p:spPr>
-            <a:xfrm>
-              <a:off x="11337148" y="2508718"/>
-              <a:ext cx="1479742" cy="305719"/>
-            </a:xfrm>
-            <a:prstGeom prst="rect">
-              <a:avLst/>
-            </a:prstGeom>
-            <a:noFill/>
-            <a:ln>
-              <a:noFill/>
-            </a:ln>
-          </p:spPr>
-          <p:style>
-            <a:lnRef idx="2">
-              <a:schemeClr val="accent1">
-                <a:shade val="15000"/>
-              </a:schemeClr>
-            </a:lnRef>
-            <a:fillRef idx="1">
-              <a:schemeClr val="accent1"/>
-            </a:fillRef>
-            <a:effectRef idx="0">
-              <a:schemeClr val="accent1"/>
-            </a:effectRef>
-            <a:fontRef idx="minor">
-              <a:schemeClr val="lt1"/>
-            </a:fontRef>
-          </p:style>
-          <p:txBody>
-            <a:bodyPr rtlCol="0" anchor="ctr"/>
-            <a:lstStyle/>
-            <a:p>
-              <a:pPr algn="ctr"/>
-              <a:r>
-                <a:rPr lang="ko-KR" altLang="en-US" sz="1400" dirty="0">
-                  <a:solidFill>
-                    <a:srgbClr val="C00000"/>
-                  </a:solidFill>
-                  <a:latin typeface="나눔스퀘어 Bold" panose="020B0600000101010101" pitchFamily="50" charset="-127"/>
-                  <a:ea typeface="나눔스퀘어 Bold" panose="020B0600000101010101" pitchFamily="50" charset="-127"/>
-                </a:rPr>
-                <a:t>준비 완료</a:t>
-              </a:r>
-            </a:p>
-          </p:txBody>
-        </p:sp>
-        <p:sp>
-          <p:nvSpPr>
-            <p:cNvPr id="18" name="직사각형 17">
-              <a:extLst>
-                <a:ext uri="{FF2B5EF4-FFF2-40B4-BE49-F238E27FC236}">
-                  <a16:creationId xmlns:a16="http://schemas.microsoft.com/office/drawing/2014/main" id="{1AC402F7-CBB7-E81D-7636-E63B8F3DA970}"/>
-                </a:ext>
-              </a:extLst>
-            </p:cNvPr>
-            <p:cNvSpPr/>
-            <p:nvPr/>
-          </p:nvSpPr>
-          <p:spPr>
-            <a:xfrm>
-              <a:off x="11337147" y="2814437"/>
-              <a:ext cx="1479741" cy="305719"/>
-            </a:xfrm>
-            <a:prstGeom prst="rect">
-              <a:avLst/>
-            </a:prstGeom>
-            <a:noFill/>
-            <a:ln>
-              <a:noFill/>
-            </a:ln>
-          </p:spPr>
-          <p:style>
-            <a:lnRef idx="2">
-              <a:schemeClr val="accent1">
-                <a:shade val="15000"/>
-              </a:schemeClr>
-            </a:lnRef>
-            <a:fillRef idx="1">
-              <a:schemeClr val="accent1"/>
-            </a:fillRef>
-            <a:effectRef idx="0">
-              <a:schemeClr val="accent1"/>
-            </a:effectRef>
-            <a:fontRef idx="minor">
-              <a:schemeClr val="lt1"/>
-            </a:fontRef>
-          </p:style>
-          <p:txBody>
-            <a:bodyPr rtlCol="0" anchor="ctr"/>
-            <a:lstStyle/>
-            <a:p>
-              <a:pPr algn="ctr"/>
-              <a:r>
-                <a:rPr lang="ko-KR" altLang="en-US" sz="1400" dirty="0">
-                  <a:solidFill>
-                    <a:srgbClr val="C00000"/>
-                  </a:solidFill>
-                  <a:latin typeface="나눔스퀘어 Bold" panose="020B0600000101010101" pitchFamily="50" charset="-127"/>
-                  <a:ea typeface="나눔스퀘어 Bold" panose="020B0600000101010101" pitchFamily="50" charset="-127"/>
-                </a:rPr>
-                <a:t>게임 중</a:t>
-              </a:r>
-            </a:p>
-          </p:txBody>
-        </p:sp>
-      </p:grpSp>
-      <p:grpSp>
-        <p:nvGrpSpPr>
-          <p:cNvPr id="24" name="그룹 23">
-            <a:extLst>
-              <a:ext uri="{FF2B5EF4-FFF2-40B4-BE49-F238E27FC236}">
-                <a16:creationId xmlns:a16="http://schemas.microsoft.com/office/drawing/2014/main" id="{D7A11F18-DA15-C1CE-D46A-431DC5066AC2}"/>
-              </a:ext>
-            </a:extLst>
-          </p:cNvPr>
-          <p:cNvGrpSpPr/>
-          <p:nvPr/>
-        </p:nvGrpSpPr>
-        <p:grpSpPr>
-          <a:xfrm>
-            <a:off x="10603448" y="3183872"/>
-            <a:ext cx="914400" cy="917157"/>
-            <a:chOff x="10603448" y="3183872"/>
-            <a:chExt cx="914400" cy="917157"/>
-          </a:xfrm>
-        </p:grpSpPr>
-        <p:sp>
-          <p:nvSpPr>
-            <p:cNvPr id="19" name="직사각형 18">
-              <a:extLst>
-                <a:ext uri="{FF2B5EF4-FFF2-40B4-BE49-F238E27FC236}">
-                  <a16:creationId xmlns:a16="http://schemas.microsoft.com/office/drawing/2014/main" id="{3397E75D-79DE-AB48-CEA0-C129B0401286}"/>
-                </a:ext>
-              </a:extLst>
-            </p:cNvPr>
-            <p:cNvSpPr/>
-            <p:nvPr/>
-          </p:nvSpPr>
-          <p:spPr>
-            <a:xfrm>
-              <a:off x="10603448" y="3183872"/>
-              <a:ext cx="914400" cy="305719"/>
-            </a:xfrm>
-            <a:prstGeom prst="rect">
-              <a:avLst/>
-            </a:prstGeom>
-            <a:noFill/>
-            <a:ln>
-              <a:noFill/>
-            </a:ln>
-          </p:spPr>
-          <p:style>
-            <a:lnRef idx="2">
-              <a:schemeClr val="accent1">
-                <a:shade val="15000"/>
-              </a:schemeClr>
-            </a:lnRef>
-            <a:fillRef idx="1">
-              <a:schemeClr val="accent1"/>
-            </a:fillRef>
-            <a:effectRef idx="0">
-              <a:schemeClr val="accent1"/>
-            </a:effectRef>
-            <a:fontRef idx="minor">
-              <a:schemeClr val="lt1"/>
-            </a:fontRef>
-          </p:style>
-          <p:txBody>
-            <a:bodyPr rtlCol="0" anchor="ctr"/>
+            <a:bodyPr lIns="0" tIns="0" rIns="0" bIns="0" rtlCol="0" anchor="ctr"/>
             <a:lstStyle/>
             <a:p>
               <a:pPr algn="ctr"/>
@@ -13130,8 +13109,8 @@
           </p:nvSpPr>
           <p:spPr>
             <a:xfrm>
-              <a:off x="10603448" y="3489591"/>
-              <a:ext cx="914400" cy="305719"/>
+              <a:off x="10603448" y="3618070"/>
+              <a:ext cx="914400" cy="177240"/>
             </a:xfrm>
             <a:prstGeom prst="rect">
               <a:avLst/>
@@ -13158,7 +13137,7 @@
             </a:fontRef>
           </p:style>
           <p:txBody>
-            <a:bodyPr rtlCol="0" anchor="ctr"/>
+            <a:bodyPr lIns="0" tIns="0" rIns="0" bIns="0" rtlCol="0" anchor="ctr"/>
             <a:lstStyle/>
             <a:p>
               <a:pPr algn="ctr"/>
@@ -13188,8 +13167,8 @@
           </p:nvSpPr>
           <p:spPr>
             <a:xfrm>
-              <a:off x="10603448" y="3795310"/>
-              <a:ext cx="914400" cy="305719"/>
+              <a:off x="10603448" y="3800656"/>
+              <a:ext cx="914400" cy="177240"/>
             </a:xfrm>
             <a:prstGeom prst="rect">
               <a:avLst/>
@@ -13216,7 +13195,7 @@
             </a:fontRef>
           </p:style>
           <p:txBody>
-            <a:bodyPr rtlCol="0" anchor="ctr"/>
+            <a:bodyPr lIns="0" tIns="0" rIns="0" bIns="0" rtlCol="0" anchor="ctr"/>
             <a:lstStyle/>
             <a:p>
               <a:pPr algn="ctr"/>
@@ -13763,6 +13742,42 @@
           </a:p>
         </p:txBody>
       </p:sp>
+      <p:pic>
+        <p:nvPicPr>
+          <p:cNvPr id="27" name="그림 26">
+            <a:extLst>
+              <a:ext uri="{FF2B5EF4-FFF2-40B4-BE49-F238E27FC236}">
+                <a16:creationId xmlns:a16="http://schemas.microsoft.com/office/drawing/2014/main" id="{E8030AF9-AE8F-1BF7-773F-243C1B33928D}"/>
+              </a:ext>
+            </a:extLst>
+          </p:cNvPr>
+          <p:cNvPicPr>
+            <a:picLocks noChangeAspect="1"/>
+          </p:cNvPicPr>
+          <p:nvPr/>
+        </p:nvPicPr>
+        <p:blipFill>
+          <a:blip r:embed="rId3">
+            <a:extLst>
+              <a:ext uri="{28A0092B-C50C-407E-A947-70E740481C1C}">
+                <a14:useLocalDpi xmlns:a14="http://schemas.microsoft.com/office/drawing/2010/main" val="0"/>
+              </a:ext>
+            </a:extLst>
+          </a:blip>
+          <a:stretch>
+            <a:fillRect/>
+          </a:stretch>
+        </p:blipFill>
+        <p:spPr>
+          <a:xfrm>
+            <a:off x="13918612" y="3219745"/>
+            <a:ext cx="627942" cy="853514"/>
+          </a:xfrm>
+          <a:prstGeom prst="rect">
+            <a:avLst/>
+          </a:prstGeom>
+        </p:spPr>
+      </p:pic>
     </p:spTree>
     <p:extLst>
       <p:ext uri="{BB962C8B-B14F-4D97-AF65-F5344CB8AC3E}">

--- a/Client/PvE/REVENGER/UI/XDUI/UI.pptx
+++ b/Client/PvE/REVENGER/UI/XDUI/UI.pptx
@@ -15,6 +15,7 @@
     <p:sldId id="263" r:id="rId9"/>
     <p:sldId id="264" r:id="rId10"/>
     <p:sldId id="265" r:id="rId11"/>
+    <p:sldId id="266" r:id="rId12"/>
   </p:sldIdLst>
   <p:sldSz cx="12192000" cy="6858000"/>
   <p:notesSz cx="6858000" cy="9144000"/>
@@ -8030,6 +8031,431 @@
 </p:sld>
 </file>
 
+<file path=ppt/slides/slide11.xml><?xml version="1.0" encoding="utf-8"?>
+<p:sld xmlns:a="http://schemas.openxmlformats.org/drawingml/2006/main" xmlns:r="http://schemas.openxmlformats.org/officeDocument/2006/relationships" xmlns:p="http://schemas.openxmlformats.org/presentationml/2006/main">
+  <p:cSld>
+    <p:spTree>
+      <p:nvGrpSpPr>
+        <p:cNvPr id="1" name=""/>
+        <p:cNvGrpSpPr/>
+        <p:nvPr/>
+      </p:nvGrpSpPr>
+      <p:grpSpPr>
+        <a:xfrm>
+          <a:off x="0" y="0"/>
+          <a:ext cx="0" cy="0"/>
+          <a:chOff x="0" y="0"/>
+          <a:chExt cx="0" cy="0"/>
+        </a:xfrm>
+      </p:grpSpPr>
+      <p:pic>
+        <p:nvPicPr>
+          <p:cNvPr id="16" name="그림 15">
+            <a:extLst>
+              <a:ext uri="{FF2B5EF4-FFF2-40B4-BE49-F238E27FC236}">
+                <a16:creationId xmlns:a16="http://schemas.microsoft.com/office/drawing/2014/main" id="{2CD6BF28-5C97-901C-AA90-E9495E65A91D}"/>
+              </a:ext>
+            </a:extLst>
+          </p:cNvPr>
+          <p:cNvPicPr>
+            <a:picLocks noChangeAspect="1"/>
+          </p:cNvPicPr>
+          <p:nvPr/>
+        </p:nvPicPr>
+        <p:blipFill>
+          <a:blip r:embed="rId2">
+            <a:extLst>
+              <a:ext uri="{28A0092B-C50C-407E-A947-70E740481C1C}">
+                <a14:useLocalDpi xmlns:a14="http://schemas.microsoft.com/office/drawing/2010/main" val="0"/>
+              </a:ext>
+            </a:extLst>
+          </a:blip>
+          <a:stretch>
+            <a:fillRect/>
+          </a:stretch>
+        </p:blipFill>
+        <p:spPr>
+          <a:xfrm>
+            <a:off x="0" y="754923"/>
+            <a:ext cx="12192000" cy="1996599"/>
+          </a:xfrm>
+          <a:prstGeom prst="rect">
+            <a:avLst/>
+          </a:prstGeom>
+        </p:spPr>
+      </p:pic>
+      <p:pic>
+        <p:nvPicPr>
+          <p:cNvPr id="12" name="그림 11">
+            <a:extLst>
+              <a:ext uri="{FF2B5EF4-FFF2-40B4-BE49-F238E27FC236}">
+                <a16:creationId xmlns:a16="http://schemas.microsoft.com/office/drawing/2014/main" id="{A230383D-11D8-9C9C-4091-7F5DD519B87D}"/>
+              </a:ext>
+            </a:extLst>
+          </p:cNvPr>
+          <p:cNvPicPr>
+            <a:picLocks noChangeAspect="1"/>
+          </p:cNvPicPr>
+          <p:nvPr/>
+        </p:nvPicPr>
+        <p:blipFill>
+          <a:blip r:embed="rId3">
+            <a:extLst>
+              <a:ext uri="{28A0092B-C50C-407E-A947-70E740481C1C}">
+                <a14:useLocalDpi xmlns:a14="http://schemas.microsoft.com/office/drawing/2010/main" val="0"/>
+              </a:ext>
+            </a:extLst>
+          </a:blip>
+          <a:stretch>
+            <a:fillRect/>
+          </a:stretch>
+        </p:blipFill>
+        <p:spPr>
+          <a:xfrm>
+            <a:off x="3541554" y="810561"/>
+            <a:ext cx="5108891" cy="1072989"/>
+          </a:xfrm>
+          <a:prstGeom prst="rect">
+            <a:avLst/>
+          </a:prstGeom>
+        </p:spPr>
+      </p:pic>
+      <p:pic>
+        <p:nvPicPr>
+          <p:cNvPr id="31" name="그림 30">
+            <a:extLst>
+              <a:ext uri="{FF2B5EF4-FFF2-40B4-BE49-F238E27FC236}">
+                <a16:creationId xmlns:a16="http://schemas.microsoft.com/office/drawing/2014/main" id="{502180E0-0C69-A70C-7DFA-47485190C68B}"/>
+              </a:ext>
+            </a:extLst>
+          </p:cNvPr>
+          <p:cNvPicPr>
+            <a:picLocks noChangeAspect="1"/>
+          </p:cNvPicPr>
+          <p:nvPr/>
+        </p:nvPicPr>
+        <p:blipFill>
+          <a:blip r:embed="rId4">
+            <a:extLst>
+              <a:ext uri="{28A0092B-C50C-407E-A947-70E740481C1C}">
+                <a14:useLocalDpi xmlns:a14="http://schemas.microsoft.com/office/drawing/2010/main" val="0"/>
+              </a:ext>
+            </a:extLst>
+          </a:blip>
+          <a:stretch>
+            <a:fillRect/>
+          </a:stretch>
+        </p:blipFill>
+        <p:spPr>
+          <a:xfrm>
+            <a:off x="0" y="3701332"/>
+            <a:ext cx="12192000" cy="2222247"/>
+          </a:xfrm>
+          <a:prstGeom prst="rect">
+            <a:avLst/>
+          </a:prstGeom>
+        </p:spPr>
+      </p:pic>
+      <p:pic>
+        <p:nvPicPr>
+          <p:cNvPr id="35" name="그림 34">
+            <a:extLst>
+              <a:ext uri="{FF2B5EF4-FFF2-40B4-BE49-F238E27FC236}">
+                <a16:creationId xmlns:a16="http://schemas.microsoft.com/office/drawing/2014/main" id="{AA7832F1-6E5B-2507-39FA-E815D809F61D}"/>
+              </a:ext>
+            </a:extLst>
+          </p:cNvPr>
+          <p:cNvPicPr>
+            <a:picLocks noChangeAspect="1"/>
+          </p:cNvPicPr>
+          <p:nvPr/>
+        </p:nvPicPr>
+        <p:blipFill>
+          <a:blip r:embed="rId5">
+            <a:extLst>
+              <a:ext uri="{28A0092B-C50C-407E-A947-70E740481C1C}">
+                <a14:useLocalDpi xmlns:a14="http://schemas.microsoft.com/office/drawing/2010/main" val="0"/>
+              </a:ext>
+            </a:extLst>
+          </a:blip>
+          <a:stretch>
+            <a:fillRect/>
+          </a:stretch>
+        </p:blipFill>
+        <p:spPr>
+          <a:xfrm>
+            <a:off x="3977455" y="3771002"/>
+            <a:ext cx="4237087" cy="1072989"/>
+          </a:xfrm>
+          <a:prstGeom prst="rect">
+            <a:avLst/>
+          </a:prstGeom>
+        </p:spPr>
+      </p:pic>
+      <p:pic>
+        <p:nvPicPr>
+          <p:cNvPr id="4" name="그림 3">
+            <a:extLst>
+              <a:ext uri="{FF2B5EF4-FFF2-40B4-BE49-F238E27FC236}">
+                <a16:creationId xmlns:a16="http://schemas.microsoft.com/office/drawing/2014/main" id="{9AA1425E-456C-765B-8AEA-6C2D1FCA7AA3}"/>
+              </a:ext>
+            </a:extLst>
+          </p:cNvPr>
+          <p:cNvPicPr>
+            <a:picLocks noChangeAspect="1"/>
+          </p:cNvPicPr>
+          <p:nvPr/>
+        </p:nvPicPr>
+        <p:blipFill>
+          <a:blip r:embed="rId6">
+            <a:extLst>
+              <a:ext uri="{28A0092B-C50C-407E-A947-70E740481C1C}">
+                <a14:useLocalDpi xmlns:a14="http://schemas.microsoft.com/office/drawing/2010/main" val="0"/>
+              </a:ext>
+            </a:extLst>
+          </a:blip>
+          <a:stretch>
+            <a:fillRect/>
+          </a:stretch>
+        </p:blipFill>
+        <p:spPr>
+          <a:xfrm>
+            <a:off x="3663483" y="1760371"/>
+            <a:ext cx="4865030" cy="1072989"/>
+          </a:xfrm>
+          <a:prstGeom prst="rect">
+            <a:avLst/>
+          </a:prstGeom>
+        </p:spPr>
+      </p:pic>
+      <p:sp>
+        <p:nvSpPr>
+          <p:cNvPr id="5" name="Rectangle 2">
+            <a:extLst>
+              <a:ext uri="{FF2B5EF4-FFF2-40B4-BE49-F238E27FC236}">
+                <a16:creationId xmlns:a16="http://schemas.microsoft.com/office/drawing/2014/main" id="{69C9666B-EE2C-5BC8-D053-7AD780C6AED3}"/>
+              </a:ext>
+            </a:extLst>
+          </p:cNvPr>
+          <p:cNvSpPr>
+            <a:spLocks noChangeArrowheads="1"/>
+          </p:cNvSpPr>
+          <p:nvPr/>
+        </p:nvSpPr>
+        <p:spPr bwMode="auto">
+          <a:xfrm>
+            <a:off x="3064721" y="-66357"/>
+            <a:ext cx="6062558" cy="589913"/>
+          </a:xfrm>
+          <a:prstGeom prst="rect">
+            <a:avLst/>
+          </a:prstGeom>
+          <a:solidFill>
+            <a:srgbClr val="303134"/>
+          </a:solidFill>
+          <a:ln>
+            <a:noFill/>
+          </a:ln>
+          <a:effectLst/>
+          <a:extLst>
+            <a:ext uri="{91240B29-F687-4F45-9708-019B960494DF}">
+              <a14:hiddenLine xmlns:a14="http://schemas.microsoft.com/office/drawing/2010/main" w="9525">
+                <a:solidFill>
+                  <a:schemeClr val="tx1"/>
+                </a:solidFill>
+                <a:miter lim="800000"/>
+                <a:headEnd/>
+                <a:tailEnd/>
+              </a14:hiddenLine>
+            </a:ext>
+            <a:ext uri="{AF507438-7753-43E0-B8FC-AC1667EBCBE1}">
+              <a14:hiddenEffects xmlns:a14="http://schemas.microsoft.com/office/drawing/2010/main">
+                <a:effectLst>
+                  <a:outerShdw dist="35921" dir="2700000" algn="ctr" rotWithShape="0">
+                    <a:schemeClr val="bg2"/>
+                  </a:outerShdw>
+                </a:effectLst>
+              </a14:hiddenEffects>
+            </a:ext>
+          </a:extLst>
+        </p:spPr>
+        <p:txBody>
+          <a:bodyPr vert="horz" wrap="none" lIns="0" tIns="-12696" rIns="0" bIns="-12696" numCol="1" anchor="ctr" anchorCtr="0" compatLnSpc="1">
+            <a:prstTxWarp prst="textNoShape">
+              <a:avLst/>
+            </a:prstTxWarp>
+            <a:spAutoFit/>
+          </a:bodyPr>
+          <a:lstStyle/>
+          <a:p>
+            <a:pPr marR="0" lvl="0" indent="0" algn="ctr" fontAlgn="base">
+              <a:lnSpc>
+                <a:spcPct val="100000"/>
+              </a:lnSpc>
+              <a:spcBef>
+                <a:spcPct val="0"/>
+              </a:spcBef>
+              <a:spcAft>
+                <a:spcPct val="0"/>
+              </a:spcAft>
+              <a:buClrTx/>
+              <a:buSzTx/>
+              <a:buFontTx/>
+              <a:buNone/>
+              <a:tabLst/>
+            </a:pPr>
+            <a:r>
+              <a:rPr lang="ko-KR" altLang="ko-KR" sz="4000" dirty="0" err="1">
+                <a:solidFill>
+                  <a:schemeClr val="bg1"/>
+                </a:solidFill>
+                <a:latin typeface="DS-Digital" pitchFamily="2" charset="0"/>
+                <a:ea typeface="나눔스퀘어 ExtraBold" panose="020B0600000101010101" pitchFamily="50" charset="-127"/>
+              </a:rPr>
+              <a:t>you've</a:t>
+            </a:r>
+            <a:r>
+              <a:rPr lang="ko-KR" altLang="ko-KR" sz="4000" dirty="0">
+                <a:solidFill>
+                  <a:schemeClr val="bg1"/>
+                </a:solidFill>
+                <a:latin typeface="DS-Digital" pitchFamily="2" charset="0"/>
+                <a:ea typeface="나눔스퀘어 ExtraBold" panose="020B0600000101010101" pitchFamily="50" charset="-127"/>
+              </a:rPr>
+              <a:t> </a:t>
+            </a:r>
+            <a:r>
+              <a:rPr lang="ko-KR" altLang="ko-KR" sz="4000" dirty="0" err="1">
+                <a:solidFill>
+                  <a:schemeClr val="bg1"/>
+                </a:solidFill>
+                <a:latin typeface="DS-Digital" pitchFamily="2" charset="0"/>
+                <a:ea typeface="나눔스퀘어 ExtraBold" panose="020B0600000101010101" pitchFamily="50" charset="-127"/>
+              </a:rPr>
+              <a:t>spent</a:t>
+            </a:r>
+            <a:r>
+              <a:rPr lang="ko-KR" altLang="ko-KR" sz="4000" dirty="0">
+                <a:solidFill>
+                  <a:schemeClr val="bg1"/>
+                </a:solidFill>
+                <a:latin typeface="DS-Digital" pitchFamily="2" charset="0"/>
+                <a:ea typeface="나눔스퀘어 ExtraBold" panose="020B0600000101010101" pitchFamily="50" charset="-127"/>
+              </a:rPr>
+              <a:t> </a:t>
+            </a:r>
+            <a:r>
+              <a:rPr lang="ko-KR" altLang="ko-KR" sz="4000" dirty="0" err="1">
+                <a:solidFill>
+                  <a:schemeClr val="bg1"/>
+                </a:solidFill>
+                <a:latin typeface="DS-Digital" pitchFamily="2" charset="0"/>
+                <a:ea typeface="나눔스퀘어 ExtraBold" panose="020B0600000101010101" pitchFamily="50" charset="-127"/>
+              </a:rPr>
+              <a:t>all</a:t>
+            </a:r>
+            <a:r>
+              <a:rPr lang="ko-KR" altLang="ko-KR" sz="4000" dirty="0">
+                <a:solidFill>
+                  <a:schemeClr val="bg1"/>
+                </a:solidFill>
+                <a:latin typeface="DS-Digital" pitchFamily="2" charset="0"/>
+                <a:ea typeface="나눔스퀘어 ExtraBold" panose="020B0600000101010101" pitchFamily="50" charset="-127"/>
+              </a:rPr>
+              <a:t> </a:t>
+            </a:r>
+            <a:r>
+              <a:rPr lang="ko-KR" altLang="ko-KR" sz="4000" dirty="0" err="1">
+                <a:solidFill>
+                  <a:schemeClr val="bg1"/>
+                </a:solidFill>
+                <a:latin typeface="DS-Digital" pitchFamily="2" charset="0"/>
+                <a:ea typeface="나눔스퀘어 ExtraBold" panose="020B0600000101010101" pitchFamily="50" charset="-127"/>
+              </a:rPr>
+              <a:t>your</a:t>
+            </a:r>
+            <a:r>
+              <a:rPr lang="ko-KR" altLang="ko-KR" sz="4000" dirty="0">
+                <a:solidFill>
+                  <a:schemeClr val="bg1"/>
+                </a:solidFill>
+                <a:latin typeface="DS-Digital" pitchFamily="2" charset="0"/>
+                <a:ea typeface="나눔스퀘어 ExtraBold" panose="020B0600000101010101" pitchFamily="50" charset="-127"/>
+              </a:rPr>
+              <a:t> </a:t>
+            </a:r>
+            <a:r>
+              <a:rPr lang="ko-KR" altLang="ko-KR" sz="4000" dirty="0" err="1">
+                <a:solidFill>
+                  <a:schemeClr val="bg1"/>
+                </a:solidFill>
+                <a:latin typeface="DS-Digital" pitchFamily="2" charset="0"/>
+                <a:ea typeface="나눔스퀘어 ExtraBold" panose="020B0600000101010101" pitchFamily="50" charset="-127"/>
+              </a:rPr>
+              <a:t>life</a:t>
+            </a:r>
+            <a:r>
+              <a:rPr lang="ko-KR" altLang="ko-KR" sz="4000" dirty="0">
+                <a:solidFill>
+                  <a:schemeClr val="bg1"/>
+                </a:solidFill>
+                <a:latin typeface="DS-Digital" pitchFamily="2" charset="0"/>
+                <a:ea typeface="나눔스퀘어 ExtraBold" panose="020B0600000101010101" pitchFamily="50" charset="-127"/>
+              </a:rPr>
+              <a:t> </a:t>
+            </a:r>
+          </a:p>
+        </p:txBody>
+      </p:sp>
+      <p:pic>
+        <p:nvPicPr>
+          <p:cNvPr id="7" name="그림 6">
+            <a:extLst>
+              <a:ext uri="{FF2B5EF4-FFF2-40B4-BE49-F238E27FC236}">
+                <a16:creationId xmlns:a16="http://schemas.microsoft.com/office/drawing/2014/main" id="{18AEB186-3AFA-AE38-949B-3C9FD33AB013}"/>
+              </a:ext>
+            </a:extLst>
+          </p:cNvPr>
+          <p:cNvPicPr>
+            <a:picLocks noChangeAspect="1"/>
+          </p:cNvPicPr>
+          <p:nvPr/>
+        </p:nvPicPr>
+        <p:blipFill>
+          <a:blip r:embed="rId7">
+            <a:extLst>
+              <a:ext uri="{28A0092B-C50C-407E-A947-70E740481C1C}">
+                <a14:useLocalDpi xmlns:a14="http://schemas.microsoft.com/office/drawing/2010/main" val="0"/>
+              </a:ext>
+            </a:extLst>
+          </a:blip>
+          <a:stretch>
+            <a:fillRect/>
+          </a:stretch>
+        </p:blipFill>
+        <p:spPr>
+          <a:xfrm>
+            <a:off x="2480756" y="4850590"/>
+            <a:ext cx="7230483" cy="1072989"/>
+          </a:xfrm>
+          <a:prstGeom prst="rect">
+            <a:avLst/>
+          </a:prstGeom>
+        </p:spPr>
+      </p:pic>
+    </p:spTree>
+    <p:extLst>
+      <p:ext uri="{BB962C8B-B14F-4D97-AF65-F5344CB8AC3E}">
+        <p14:creationId xmlns:p14="http://schemas.microsoft.com/office/powerpoint/2010/main" val="3815833540"/>
+      </p:ext>
+    </p:extLst>
+  </p:cSld>
+  <p:clrMapOvr>
+    <a:masterClrMapping/>
+  </p:clrMapOvr>
+</p:sld>
+</file>
+
 <file path=ppt/slides/slide2.xml><?xml version="1.0" encoding="utf-8"?>
 <p:sld xmlns:a="http://schemas.openxmlformats.org/drawingml/2006/main" xmlns:r="http://schemas.openxmlformats.org/officeDocument/2006/relationships" xmlns:p="http://schemas.openxmlformats.org/presentationml/2006/main">
   <p:cSld>

--- a/Client/PvE/REVENGER/UI/XDUI/UI.pptx
+++ b/Client/PvE/REVENGER/UI/XDUI/UI.pptx
@@ -4911,7 +4911,7 @@
                 <a:latin typeface="에스코어 드림 6 Bold" panose="020B0703030302020204" pitchFamily="34" charset="-127"/>
                 <a:ea typeface="에스코어 드림 6 Bold" panose="020B0703030302020204" pitchFamily="34" charset="-127"/>
               </a:rPr>
-              <a:t>생존</a:t>
+              <a:t>목숨</a:t>
             </a:r>
           </a:p>
         </p:txBody>
